--- a/oral_projet/revue_2/diaporama_revue_2_steven.pptx
+++ b/oral_projet/revue_2/diaporama_revue_2_steven.pptx
@@ -5,7 +5,7 @@
     <p:sldMasterId id="2147483648" r:id="rId1"/>
   </p:sldMasterIdLst>
   <p:notesMasterIdLst>
-    <p:notesMasterId r:id="rId14"/>
+    <p:notesMasterId r:id="rId15"/>
   </p:notesMasterIdLst>
   <p:sldIdLst>
     <p:sldId id="256" r:id="rId2"/>
@@ -20,6 +20,7 @@
     <p:sldId id="266" r:id="rId11"/>
     <p:sldId id="267" r:id="rId12"/>
     <p:sldId id="268" r:id="rId13"/>
+    <p:sldId id="269" r:id="rId14"/>
   </p:sldIdLst>
   <p:sldSz cx="12192000" cy="6858000"/>
   <p:notesSz cx="6858000" cy="9144000"/>
@@ -212,7 +213,7 @@
           <a:p>
             <a:fld id="{7BEC4371-174F-4615-858D-8B61BA547698}" type="datetimeFigureOut">
               <a:rPr lang="fr-FR" smtClean="0"/>
-              <a:t>19/02/2018</a:t>
+              <a:t>22/02/2018</a:t>
             </a:fld>
             <a:endParaRPr lang="fr-FR"/>
           </a:p>
@@ -626,7 +627,7 @@
           <a:p>
             <a:fld id="{125942D7-A464-4365-815E-3C7EAFC3F152}" type="datetimeFigureOut">
               <a:rPr lang="fr-FR" smtClean="0"/>
-              <a:t>19/02/2018</a:t>
+              <a:t>22/02/2018</a:t>
             </a:fld>
             <a:endParaRPr lang="fr-FR"/>
           </a:p>
@@ -836,7 +837,7 @@
           <a:p>
             <a:fld id="{125942D7-A464-4365-815E-3C7EAFC3F152}" type="datetimeFigureOut">
               <a:rPr lang="fr-FR" smtClean="0"/>
-              <a:t>19/02/2018</a:t>
+              <a:t>22/02/2018</a:t>
             </a:fld>
             <a:endParaRPr lang="fr-FR"/>
           </a:p>
@@ -1056,7 +1057,7 @@
           <a:p>
             <a:fld id="{125942D7-A464-4365-815E-3C7EAFC3F152}" type="datetimeFigureOut">
               <a:rPr lang="fr-FR" smtClean="0"/>
-              <a:t>19/02/2018</a:t>
+              <a:t>22/02/2018</a:t>
             </a:fld>
             <a:endParaRPr lang="fr-FR"/>
           </a:p>
@@ -1266,7 +1267,7 @@
           <a:p>
             <a:fld id="{125942D7-A464-4365-815E-3C7EAFC3F152}" type="datetimeFigureOut">
               <a:rPr lang="fr-FR" smtClean="0"/>
-              <a:t>19/02/2018</a:t>
+              <a:t>22/02/2018</a:t>
             </a:fld>
             <a:endParaRPr lang="fr-FR"/>
           </a:p>
@@ -1553,7 +1554,7 @@
           <a:p>
             <a:fld id="{125942D7-A464-4365-815E-3C7EAFC3F152}" type="datetimeFigureOut">
               <a:rPr lang="fr-FR" smtClean="0"/>
-              <a:t>19/02/2018</a:t>
+              <a:t>22/02/2018</a:t>
             </a:fld>
             <a:endParaRPr lang="fr-FR"/>
           </a:p>
@@ -1830,7 +1831,7 @@
           <a:p>
             <a:fld id="{125942D7-A464-4365-815E-3C7EAFC3F152}" type="datetimeFigureOut">
               <a:rPr lang="fr-FR" smtClean="0"/>
-              <a:t>19/02/2018</a:t>
+              <a:t>22/02/2018</a:t>
             </a:fld>
             <a:endParaRPr lang="fr-FR"/>
           </a:p>
@@ -2254,7 +2255,7 @@
           <a:p>
             <a:fld id="{125942D7-A464-4365-815E-3C7EAFC3F152}" type="datetimeFigureOut">
               <a:rPr lang="fr-FR" smtClean="0"/>
-              <a:t>19/02/2018</a:t>
+              <a:t>22/02/2018</a:t>
             </a:fld>
             <a:endParaRPr lang="fr-FR"/>
           </a:p>
@@ -2407,7 +2408,7 @@
           <a:p>
             <a:fld id="{125942D7-A464-4365-815E-3C7EAFC3F152}" type="datetimeFigureOut">
               <a:rPr lang="fr-FR" smtClean="0"/>
-              <a:t>19/02/2018</a:t>
+              <a:t>22/02/2018</a:t>
             </a:fld>
             <a:endParaRPr lang="fr-FR"/>
           </a:p>
@@ -2532,7 +2533,7 @@
           <a:p>
             <a:fld id="{125942D7-A464-4365-815E-3C7EAFC3F152}" type="datetimeFigureOut">
               <a:rPr lang="fr-FR" smtClean="0"/>
-              <a:t>19/02/2018</a:t>
+              <a:t>22/02/2018</a:t>
             </a:fld>
             <a:endParaRPr lang="fr-FR"/>
           </a:p>
@@ -2855,7 +2856,7 @@
           <a:p>
             <a:fld id="{125942D7-A464-4365-815E-3C7EAFC3F152}" type="datetimeFigureOut">
               <a:rPr lang="fr-FR" smtClean="0"/>
-              <a:t>19/02/2018</a:t>
+              <a:t>22/02/2018</a:t>
             </a:fld>
             <a:endParaRPr lang="fr-FR"/>
           </a:p>
@@ -3155,7 +3156,7 @@
           <a:p>
             <a:fld id="{125942D7-A464-4365-815E-3C7EAFC3F152}" type="datetimeFigureOut">
               <a:rPr lang="fr-FR" smtClean="0"/>
-              <a:t>19/02/2018</a:t>
+              <a:t>22/02/2018</a:t>
             </a:fld>
             <a:endParaRPr lang="fr-FR"/>
           </a:p>
@@ -3408,7 +3409,7 @@
           <a:p>
             <a:fld id="{125942D7-A464-4365-815E-3C7EAFC3F152}" type="datetimeFigureOut">
               <a:rPr lang="fr-FR" smtClean="0"/>
-              <a:t>19/02/2018</a:t>
+              <a:t>22/02/2018</a:t>
             </a:fld>
             <a:endParaRPr lang="fr-FR"/>
           </a:p>
@@ -5304,6 +5305,259 @@
           </a:fontRef>
         </p:style>
       </p:cxnSp>
+      <p:sp>
+        <p:nvSpPr>
+          <p:cNvPr id="2" name="ZoneTexte 1">
+            <a:extLst>
+              <a:ext uri="{FF2B5EF4-FFF2-40B4-BE49-F238E27FC236}">
+                <a16:creationId xmlns:a16="http://schemas.microsoft.com/office/drawing/2014/main" id="{019E5183-3507-4DC9-B021-75F1BA1CA190}"/>
+              </a:ext>
+            </a:extLst>
+          </p:cNvPr>
+          <p:cNvSpPr txBox="1"/>
+          <p:nvPr/>
+        </p:nvSpPr>
+        <p:spPr>
+          <a:xfrm>
+            <a:off x="3290385" y="473648"/>
+            <a:ext cx="6251510" cy="769441"/>
+          </a:xfrm>
+          <a:prstGeom prst="rect">
+            <a:avLst/>
+          </a:prstGeom>
+          <a:noFill/>
+        </p:spPr>
+        <p:txBody>
+          <a:bodyPr wrap="square" rtlCol="0">
+            <a:spAutoFit/>
+          </a:bodyPr>
+          <a:lstStyle/>
+          <a:p>
+            <a:r>
+              <a:rPr lang="fr-FR" sz="4400" dirty="0">
+                <a:latin typeface="Berlin Sans FB" panose="020E0602020502020306" pitchFamily="34" charset="0"/>
+              </a:rPr>
+              <a:t>Analyse du matériel</a:t>
+            </a:r>
+          </a:p>
+        </p:txBody>
+      </p:sp>
+      <p:pic>
+        <p:nvPicPr>
+          <p:cNvPr id="24" name="Image 23" descr="Une image contenant transport&#10;&#10;Description générée avec un niveau de confiance très élevé">
+            <a:extLst>
+              <a:ext uri="{FF2B5EF4-FFF2-40B4-BE49-F238E27FC236}">
+                <a16:creationId xmlns:a16="http://schemas.microsoft.com/office/drawing/2014/main" id="{4CD3177C-CB9C-4C0D-8079-4AA644CE5E50}"/>
+              </a:ext>
+            </a:extLst>
+          </p:cNvPr>
+          <p:cNvPicPr>
+            <a:picLocks noChangeAspect="1"/>
+          </p:cNvPicPr>
+          <p:nvPr/>
+        </p:nvPicPr>
+        <p:blipFill>
+          <a:blip r:embed="rId4">
+            <a:extLst>
+              <a:ext uri="{28A0092B-C50C-407E-A947-70E740481C1C}">
+                <a14:useLocalDpi xmlns:a14="http://schemas.microsoft.com/office/drawing/2010/main" val="0"/>
+              </a:ext>
+            </a:extLst>
+          </a:blip>
+          <a:stretch>
+            <a:fillRect/>
+          </a:stretch>
+        </p:blipFill>
+        <p:spPr>
+          <a:xfrm>
+            <a:off x="1604299" y="1327912"/>
+            <a:ext cx="715646" cy="715646"/>
+          </a:xfrm>
+          <a:prstGeom prst="rect">
+            <a:avLst/>
+          </a:prstGeom>
+        </p:spPr>
+      </p:pic>
+      <p:pic>
+        <p:nvPicPr>
+          <p:cNvPr id="25" name="Image 24">
+            <a:extLst>
+              <a:ext uri="{FF2B5EF4-FFF2-40B4-BE49-F238E27FC236}">
+                <a16:creationId xmlns:a16="http://schemas.microsoft.com/office/drawing/2014/main" id="{C013474F-1EDC-4B3D-B268-4E855F63F77E}"/>
+              </a:ext>
+            </a:extLst>
+          </p:cNvPr>
+          <p:cNvPicPr>
+            <a:picLocks noChangeAspect="1"/>
+          </p:cNvPicPr>
+          <p:nvPr/>
+        </p:nvPicPr>
+        <p:blipFill>
+          <a:blip r:embed="rId5">
+            <a:extLst>
+              <a:ext uri="{28A0092B-C50C-407E-A947-70E740481C1C}">
+                <a14:useLocalDpi xmlns:a14="http://schemas.microsoft.com/office/drawing/2010/main" val="0"/>
+              </a:ext>
+            </a:extLst>
+          </a:blip>
+          <a:stretch>
+            <a:fillRect/>
+          </a:stretch>
+        </p:blipFill>
+        <p:spPr>
+          <a:xfrm>
+            <a:off x="1694242" y="2794678"/>
+            <a:ext cx="625703" cy="625703"/>
+          </a:xfrm>
+          <a:prstGeom prst="rect">
+            <a:avLst/>
+          </a:prstGeom>
+        </p:spPr>
+      </p:pic>
+      <p:pic>
+        <p:nvPicPr>
+          <p:cNvPr id="27" name="Image 26">
+            <a:extLst>
+              <a:ext uri="{FF2B5EF4-FFF2-40B4-BE49-F238E27FC236}">
+                <a16:creationId xmlns:a16="http://schemas.microsoft.com/office/drawing/2014/main" id="{14392BDF-1C4A-4A5C-A12C-F203130D7101}"/>
+              </a:ext>
+            </a:extLst>
+          </p:cNvPr>
+          <p:cNvPicPr>
+            <a:picLocks noChangeAspect="1"/>
+          </p:cNvPicPr>
+          <p:nvPr/>
+        </p:nvPicPr>
+        <p:blipFill>
+          <a:blip r:embed="rId6">
+            <a:extLst>
+              <a:ext uri="{28A0092B-C50C-407E-A947-70E740481C1C}">
+                <a14:useLocalDpi xmlns:a14="http://schemas.microsoft.com/office/drawing/2010/main" val="0"/>
+              </a:ext>
+            </a:extLst>
+          </a:blip>
+          <a:stretch>
+            <a:fillRect/>
+          </a:stretch>
+        </p:blipFill>
+        <p:spPr>
+          <a:xfrm>
+            <a:off x="1698425" y="4806159"/>
+            <a:ext cx="700822" cy="700822"/>
+          </a:xfrm>
+          <a:prstGeom prst="rect">
+            <a:avLst/>
+          </a:prstGeom>
+        </p:spPr>
+      </p:pic>
+      <p:pic>
+        <p:nvPicPr>
+          <p:cNvPr id="28" name="Image 27">
+            <a:extLst>
+              <a:ext uri="{FF2B5EF4-FFF2-40B4-BE49-F238E27FC236}">
+                <a16:creationId xmlns:a16="http://schemas.microsoft.com/office/drawing/2014/main" id="{57519E8A-918A-4B7A-A373-A121BE04A122}"/>
+              </a:ext>
+            </a:extLst>
+          </p:cNvPr>
+          <p:cNvPicPr>
+            <a:picLocks noChangeAspect="1"/>
+          </p:cNvPicPr>
+          <p:nvPr/>
+        </p:nvPicPr>
+        <p:blipFill>
+          <a:blip r:embed="rId7">
+            <a:extLst>
+              <a:ext uri="{28A0092B-C50C-407E-A947-70E740481C1C}">
+                <a14:useLocalDpi xmlns:a14="http://schemas.microsoft.com/office/drawing/2010/main" val="0"/>
+              </a:ext>
+            </a:extLst>
+          </a:blip>
+          <a:stretch>
+            <a:fillRect/>
+          </a:stretch>
+        </p:blipFill>
+        <p:spPr>
+          <a:xfrm>
+            <a:off x="6642920" y="4912796"/>
+            <a:ext cx="700821" cy="700821"/>
+          </a:xfrm>
+          <a:prstGeom prst="rect">
+            <a:avLst/>
+          </a:prstGeom>
+        </p:spPr>
+      </p:pic>
+      <p:pic>
+        <p:nvPicPr>
+          <p:cNvPr id="29" name="Image 28">
+            <a:extLst>
+              <a:ext uri="{FF2B5EF4-FFF2-40B4-BE49-F238E27FC236}">
+                <a16:creationId xmlns:a16="http://schemas.microsoft.com/office/drawing/2014/main" id="{0875E027-F508-4529-A577-BAE6AA73B275}"/>
+              </a:ext>
+            </a:extLst>
+          </p:cNvPr>
+          <p:cNvPicPr>
+            <a:picLocks noChangeAspect="1"/>
+          </p:cNvPicPr>
+          <p:nvPr/>
+        </p:nvPicPr>
+        <p:blipFill>
+          <a:blip r:embed="rId8">
+            <a:extLst>
+              <a:ext uri="{28A0092B-C50C-407E-A947-70E740481C1C}">
+                <a14:useLocalDpi xmlns:a14="http://schemas.microsoft.com/office/drawing/2010/main" val="0"/>
+              </a:ext>
+            </a:extLst>
+          </a:blip>
+          <a:stretch>
+            <a:fillRect/>
+          </a:stretch>
+        </p:blipFill>
+        <p:spPr>
+          <a:xfrm>
+            <a:off x="6515109" y="3046923"/>
+            <a:ext cx="746916" cy="746916"/>
+          </a:xfrm>
+          <a:prstGeom prst="rect">
+            <a:avLst/>
+          </a:prstGeom>
+        </p:spPr>
+      </p:pic>
+      <p:pic>
+        <p:nvPicPr>
+          <p:cNvPr id="4" name="Image 3">
+            <a:extLst>
+              <a:ext uri="{FF2B5EF4-FFF2-40B4-BE49-F238E27FC236}">
+                <a16:creationId xmlns:a16="http://schemas.microsoft.com/office/drawing/2014/main" id="{6A56240B-CEBA-4842-83FC-DA1952EEB740}"/>
+              </a:ext>
+            </a:extLst>
+          </p:cNvPr>
+          <p:cNvPicPr>
+            <a:picLocks noChangeAspect="1"/>
+          </p:cNvPicPr>
+          <p:nvPr/>
+        </p:nvPicPr>
+        <p:blipFill>
+          <a:blip r:embed="rId9">
+            <a:extLst>
+              <a:ext uri="{28A0092B-C50C-407E-A947-70E740481C1C}">
+                <a14:useLocalDpi xmlns:a14="http://schemas.microsoft.com/office/drawing/2010/main" val="0"/>
+              </a:ext>
+            </a:extLst>
+          </a:blip>
+          <a:stretch>
+            <a:fillRect/>
+          </a:stretch>
+        </p:blipFill>
+        <p:spPr>
+          <a:xfrm>
+            <a:off x="6416140" y="1345664"/>
+            <a:ext cx="780337" cy="780337"/>
+          </a:xfrm>
+          <a:prstGeom prst="rect">
+            <a:avLst/>
+          </a:prstGeom>
+        </p:spPr>
+      </p:pic>
     </p:spTree>
     <p:extLst>
       <p:ext uri="{BB962C8B-B14F-4D97-AF65-F5344CB8AC3E}">
@@ -5326,6 +5580,462 @@
       </p:transition>
     </mc:Fallback>
   </mc:AlternateContent>
+  <p:timing>
+    <p:tnLst>
+      <p:par>
+        <p:cTn id="1" dur="indefinite" restart="never" nodeType="tmRoot">
+          <p:childTnLst>
+            <p:seq concurrent="1" nextAc="seek">
+              <p:cTn id="2" dur="indefinite" nodeType="mainSeq">
+                <p:childTnLst>
+                  <p:par>
+                    <p:cTn id="3" fill="hold">
+                      <p:stCondLst>
+                        <p:cond delay="indefinite"/>
+                        <p:cond evt="onBegin" delay="0">
+                          <p:tn val="2"/>
+                        </p:cond>
+                      </p:stCondLst>
+                      <p:childTnLst>
+                        <p:par>
+                          <p:cTn id="4" fill="hold">
+                            <p:stCondLst>
+                              <p:cond delay="0"/>
+                            </p:stCondLst>
+                            <p:childTnLst>
+                              <p:par>
+                                <p:cTn id="5" presetID="42" presetClass="entr" presetSubtype="0" fill="hold" nodeType="withEffect">
+                                  <p:stCondLst>
+                                    <p:cond delay="0"/>
+                                  </p:stCondLst>
+                                  <p:childTnLst>
+                                    <p:set>
+                                      <p:cBhvr>
+                                        <p:cTn id="6" dur="1" fill="hold">
+                                          <p:stCondLst>
+                                            <p:cond delay="0"/>
+                                          </p:stCondLst>
+                                        </p:cTn>
+                                        <p:tgtEl>
+                                          <p:spTgt spid="24"/>
+                                        </p:tgtEl>
+                                        <p:attrNameLst>
+                                          <p:attrName>style.visibility</p:attrName>
+                                        </p:attrNameLst>
+                                      </p:cBhvr>
+                                      <p:to>
+                                        <p:strVal val="visible"/>
+                                      </p:to>
+                                    </p:set>
+                                    <p:animEffect transition="in" filter="fade">
+                                      <p:cBhvr>
+                                        <p:cTn id="7" dur="1000"/>
+                                        <p:tgtEl>
+                                          <p:spTgt spid="24"/>
+                                        </p:tgtEl>
+                                      </p:cBhvr>
+                                    </p:animEffect>
+                                    <p:anim calcmode="lin" valueType="num">
+                                      <p:cBhvr>
+                                        <p:cTn id="8" dur="1000" fill="hold"/>
+                                        <p:tgtEl>
+                                          <p:spTgt spid="24"/>
+                                        </p:tgtEl>
+                                        <p:attrNameLst>
+                                          <p:attrName>ppt_x</p:attrName>
+                                        </p:attrNameLst>
+                                      </p:cBhvr>
+                                      <p:tavLst>
+                                        <p:tav tm="0">
+                                          <p:val>
+                                            <p:strVal val="#ppt_x"/>
+                                          </p:val>
+                                        </p:tav>
+                                        <p:tav tm="100000">
+                                          <p:val>
+                                            <p:strVal val="#ppt_x"/>
+                                          </p:val>
+                                        </p:tav>
+                                      </p:tavLst>
+                                    </p:anim>
+                                    <p:anim calcmode="lin" valueType="num">
+                                      <p:cBhvr>
+                                        <p:cTn id="9" dur="1000" fill="hold"/>
+                                        <p:tgtEl>
+                                          <p:spTgt spid="24"/>
+                                        </p:tgtEl>
+                                        <p:attrNameLst>
+                                          <p:attrName>ppt_y</p:attrName>
+                                        </p:attrNameLst>
+                                      </p:cBhvr>
+                                      <p:tavLst>
+                                        <p:tav tm="0">
+                                          <p:val>
+                                            <p:strVal val="#ppt_y+.1"/>
+                                          </p:val>
+                                        </p:tav>
+                                        <p:tav tm="100000">
+                                          <p:val>
+                                            <p:strVal val="#ppt_y"/>
+                                          </p:val>
+                                        </p:tav>
+                                      </p:tavLst>
+                                    </p:anim>
+                                  </p:childTnLst>
+                                </p:cTn>
+                              </p:par>
+                              <p:par>
+                                <p:cTn id="10" presetID="42" presetClass="entr" presetSubtype="0" fill="hold" nodeType="withEffect">
+                                  <p:stCondLst>
+                                    <p:cond delay="0"/>
+                                  </p:stCondLst>
+                                  <p:childTnLst>
+                                    <p:set>
+                                      <p:cBhvr>
+                                        <p:cTn id="11" dur="1" fill="hold">
+                                          <p:stCondLst>
+                                            <p:cond delay="0"/>
+                                          </p:stCondLst>
+                                        </p:cTn>
+                                        <p:tgtEl>
+                                          <p:spTgt spid="25"/>
+                                        </p:tgtEl>
+                                        <p:attrNameLst>
+                                          <p:attrName>style.visibility</p:attrName>
+                                        </p:attrNameLst>
+                                      </p:cBhvr>
+                                      <p:to>
+                                        <p:strVal val="visible"/>
+                                      </p:to>
+                                    </p:set>
+                                    <p:animEffect transition="in" filter="fade">
+                                      <p:cBhvr>
+                                        <p:cTn id="12" dur="1000"/>
+                                        <p:tgtEl>
+                                          <p:spTgt spid="25"/>
+                                        </p:tgtEl>
+                                      </p:cBhvr>
+                                    </p:animEffect>
+                                    <p:anim calcmode="lin" valueType="num">
+                                      <p:cBhvr>
+                                        <p:cTn id="13" dur="1000" fill="hold"/>
+                                        <p:tgtEl>
+                                          <p:spTgt spid="25"/>
+                                        </p:tgtEl>
+                                        <p:attrNameLst>
+                                          <p:attrName>ppt_x</p:attrName>
+                                        </p:attrNameLst>
+                                      </p:cBhvr>
+                                      <p:tavLst>
+                                        <p:tav tm="0">
+                                          <p:val>
+                                            <p:strVal val="#ppt_x"/>
+                                          </p:val>
+                                        </p:tav>
+                                        <p:tav tm="100000">
+                                          <p:val>
+                                            <p:strVal val="#ppt_x"/>
+                                          </p:val>
+                                        </p:tav>
+                                      </p:tavLst>
+                                    </p:anim>
+                                    <p:anim calcmode="lin" valueType="num">
+                                      <p:cBhvr>
+                                        <p:cTn id="14" dur="1000" fill="hold"/>
+                                        <p:tgtEl>
+                                          <p:spTgt spid="25"/>
+                                        </p:tgtEl>
+                                        <p:attrNameLst>
+                                          <p:attrName>ppt_y</p:attrName>
+                                        </p:attrNameLst>
+                                      </p:cBhvr>
+                                      <p:tavLst>
+                                        <p:tav tm="0">
+                                          <p:val>
+                                            <p:strVal val="#ppt_y+.1"/>
+                                          </p:val>
+                                        </p:tav>
+                                        <p:tav tm="100000">
+                                          <p:val>
+                                            <p:strVal val="#ppt_y"/>
+                                          </p:val>
+                                        </p:tav>
+                                      </p:tavLst>
+                                    </p:anim>
+                                  </p:childTnLst>
+                                </p:cTn>
+                              </p:par>
+                              <p:par>
+                                <p:cTn id="15" presetID="42" presetClass="entr" presetSubtype="0" fill="hold" nodeType="withEffect">
+                                  <p:stCondLst>
+                                    <p:cond delay="0"/>
+                                  </p:stCondLst>
+                                  <p:childTnLst>
+                                    <p:set>
+                                      <p:cBhvr>
+                                        <p:cTn id="16" dur="1" fill="hold">
+                                          <p:stCondLst>
+                                            <p:cond delay="0"/>
+                                          </p:stCondLst>
+                                        </p:cTn>
+                                        <p:tgtEl>
+                                          <p:spTgt spid="27"/>
+                                        </p:tgtEl>
+                                        <p:attrNameLst>
+                                          <p:attrName>style.visibility</p:attrName>
+                                        </p:attrNameLst>
+                                      </p:cBhvr>
+                                      <p:to>
+                                        <p:strVal val="visible"/>
+                                      </p:to>
+                                    </p:set>
+                                    <p:animEffect transition="in" filter="fade">
+                                      <p:cBhvr>
+                                        <p:cTn id="17" dur="1000"/>
+                                        <p:tgtEl>
+                                          <p:spTgt spid="27"/>
+                                        </p:tgtEl>
+                                      </p:cBhvr>
+                                    </p:animEffect>
+                                    <p:anim calcmode="lin" valueType="num">
+                                      <p:cBhvr>
+                                        <p:cTn id="18" dur="1000" fill="hold"/>
+                                        <p:tgtEl>
+                                          <p:spTgt spid="27"/>
+                                        </p:tgtEl>
+                                        <p:attrNameLst>
+                                          <p:attrName>ppt_x</p:attrName>
+                                        </p:attrNameLst>
+                                      </p:cBhvr>
+                                      <p:tavLst>
+                                        <p:tav tm="0">
+                                          <p:val>
+                                            <p:strVal val="#ppt_x"/>
+                                          </p:val>
+                                        </p:tav>
+                                        <p:tav tm="100000">
+                                          <p:val>
+                                            <p:strVal val="#ppt_x"/>
+                                          </p:val>
+                                        </p:tav>
+                                      </p:tavLst>
+                                    </p:anim>
+                                    <p:anim calcmode="lin" valueType="num">
+                                      <p:cBhvr>
+                                        <p:cTn id="19" dur="1000" fill="hold"/>
+                                        <p:tgtEl>
+                                          <p:spTgt spid="27"/>
+                                        </p:tgtEl>
+                                        <p:attrNameLst>
+                                          <p:attrName>ppt_y</p:attrName>
+                                        </p:attrNameLst>
+                                      </p:cBhvr>
+                                      <p:tavLst>
+                                        <p:tav tm="0">
+                                          <p:val>
+                                            <p:strVal val="#ppt_y+.1"/>
+                                          </p:val>
+                                        </p:tav>
+                                        <p:tav tm="100000">
+                                          <p:val>
+                                            <p:strVal val="#ppt_y"/>
+                                          </p:val>
+                                        </p:tav>
+                                      </p:tavLst>
+                                    </p:anim>
+                                  </p:childTnLst>
+                                </p:cTn>
+                              </p:par>
+                              <p:par>
+                                <p:cTn id="20" presetID="42" presetClass="entr" presetSubtype="0" fill="hold" nodeType="withEffect">
+                                  <p:stCondLst>
+                                    <p:cond delay="0"/>
+                                  </p:stCondLst>
+                                  <p:childTnLst>
+                                    <p:set>
+                                      <p:cBhvr>
+                                        <p:cTn id="21" dur="1" fill="hold">
+                                          <p:stCondLst>
+                                            <p:cond delay="0"/>
+                                          </p:stCondLst>
+                                        </p:cTn>
+                                        <p:tgtEl>
+                                          <p:spTgt spid="28"/>
+                                        </p:tgtEl>
+                                        <p:attrNameLst>
+                                          <p:attrName>style.visibility</p:attrName>
+                                        </p:attrNameLst>
+                                      </p:cBhvr>
+                                      <p:to>
+                                        <p:strVal val="visible"/>
+                                      </p:to>
+                                    </p:set>
+                                    <p:animEffect transition="in" filter="fade">
+                                      <p:cBhvr>
+                                        <p:cTn id="22" dur="1000"/>
+                                        <p:tgtEl>
+                                          <p:spTgt spid="28"/>
+                                        </p:tgtEl>
+                                      </p:cBhvr>
+                                    </p:animEffect>
+                                    <p:anim calcmode="lin" valueType="num">
+                                      <p:cBhvr>
+                                        <p:cTn id="23" dur="1000" fill="hold"/>
+                                        <p:tgtEl>
+                                          <p:spTgt spid="28"/>
+                                        </p:tgtEl>
+                                        <p:attrNameLst>
+                                          <p:attrName>ppt_x</p:attrName>
+                                        </p:attrNameLst>
+                                      </p:cBhvr>
+                                      <p:tavLst>
+                                        <p:tav tm="0">
+                                          <p:val>
+                                            <p:strVal val="#ppt_x"/>
+                                          </p:val>
+                                        </p:tav>
+                                        <p:tav tm="100000">
+                                          <p:val>
+                                            <p:strVal val="#ppt_x"/>
+                                          </p:val>
+                                        </p:tav>
+                                      </p:tavLst>
+                                    </p:anim>
+                                    <p:anim calcmode="lin" valueType="num">
+                                      <p:cBhvr>
+                                        <p:cTn id="24" dur="1000" fill="hold"/>
+                                        <p:tgtEl>
+                                          <p:spTgt spid="28"/>
+                                        </p:tgtEl>
+                                        <p:attrNameLst>
+                                          <p:attrName>ppt_y</p:attrName>
+                                        </p:attrNameLst>
+                                      </p:cBhvr>
+                                      <p:tavLst>
+                                        <p:tav tm="0">
+                                          <p:val>
+                                            <p:strVal val="#ppt_y+.1"/>
+                                          </p:val>
+                                        </p:tav>
+                                        <p:tav tm="100000">
+                                          <p:val>
+                                            <p:strVal val="#ppt_y"/>
+                                          </p:val>
+                                        </p:tav>
+                                      </p:tavLst>
+                                    </p:anim>
+                                  </p:childTnLst>
+                                </p:cTn>
+                              </p:par>
+                              <p:par>
+                                <p:cTn id="25" presetID="42" presetClass="entr" presetSubtype="0" fill="hold" nodeType="withEffect">
+                                  <p:stCondLst>
+                                    <p:cond delay="0"/>
+                                  </p:stCondLst>
+                                  <p:childTnLst>
+                                    <p:set>
+                                      <p:cBhvr>
+                                        <p:cTn id="26" dur="1" fill="hold">
+                                          <p:stCondLst>
+                                            <p:cond delay="0"/>
+                                          </p:stCondLst>
+                                        </p:cTn>
+                                        <p:tgtEl>
+                                          <p:spTgt spid="29"/>
+                                        </p:tgtEl>
+                                        <p:attrNameLst>
+                                          <p:attrName>style.visibility</p:attrName>
+                                        </p:attrNameLst>
+                                      </p:cBhvr>
+                                      <p:to>
+                                        <p:strVal val="visible"/>
+                                      </p:to>
+                                    </p:set>
+                                    <p:animEffect transition="in" filter="fade">
+                                      <p:cBhvr>
+                                        <p:cTn id="27" dur="1000"/>
+                                        <p:tgtEl>
+                                          <p:spTgt spid="29"/>
+                                        </p:tgtEl>
+                                      </p:cBhvr>
+                                    </p:animEffect>
+                                    <p:anim calcmode="lin" valueType="num">
+                                      <p:cBhvr>
+                                        <p:cTn id="28" dur="1000" fill="hold"/>
+                                        <p:tgtEl>
+                                          <p:spTgt spid="29"/>
+                                        </p:tgtEl>
+                                        <p:attrNameLst>
+                                          <p:attrName>ppt_x</p:attrName>
+                                        </p:attrNameLst>
+                                      </p:cBhvr>
+                                      <p:tavLst>
+                                        <p:tav tm="0">
+                                          <p:val>
+                                            <p:strVal val="#ppt_x"/>
+                                          </p:val>
+                                        </p:tav>
+                                        <p:tav tm="100000">
+                                          <p:val>
+                                            <p:strVal val="#ppt_x"/>
+                                          </p:val>
+                                        </p:tav>
+                                      </p:tavLst>
+                                    </p:anim>
+                                    <p:anim calcmode="lin" valueType="num">
+                                      <p:cBhvr>
+                                        <p:cTn id="29" dur="1000" fill="hold"/>
+                                        <p:tgtEl>
+                                          <p:spTgt spid="29"/>
+                                        </p:tgtEl>
+                                        <p:attrNameLst>
+                                          <p:attrName>ppt_y</p:attrName>
+                                        </p:attrNameLst>
+                                      </p:cBhvr>
+                                      <p:tavLst>
+                                        <p:tav tm="0">
+                                          <p:val>
+                                            <p:strVal val="#ppt_y+.1"/>
+                                          </p:val>
+                                        </p:tav>
+                                        <p:tav tm="100000">
+                                          <p:val>
+                                            <p:strVal val="#ppt_y"/>
+                                          </p:val>
+                                        </p:tav>
+                                      </p:tavLst>
+                                    </p:anim>
+                                  </p:childTnLst>
+                                </p:cTn>
+                              </p:par>
+                            </p:childTnLst>
+                          </p:cTn>
+                        </p:par>
+                      </p:childTnLst>
+                    </p:cTn>
+                  </p:par>
+                </p:childTnLst>
+              </p:cTn>
+              <p:prevCondLst>
+                <p:cond evt="onPrev" delay="0">
+                  <p:tgtEl>
+                    <p:sldTgt/>
+                  </p:tgtEl>
+                </p:cond>
+              </p:prevCondLst>
+              <p:nextCondLst>
+                <p:cond evt="onNext" delay="0">
+                  <p:tgtEl>
+                    <p:sldTgt/>
+                  </p:tgtEl>
+                </p:cond>
+              </p:nextCondLst>
+            </p:seq>
+          </p:childTnLst>
+        </p:cTn>
+      </p:par>
+    </p:tnLst>
+  </p:timing>
 </p:sld>
 </file>
 
@@ -6100,6 +6810,43 @@
           </a:fontRef>
         </p:style>
       </p:cxnSp>
+      <p:sp>
+        <p:nvSpPr>
+          <p:cNvPr id="2" name="ZoneTexte 1">
+            <a:extLst>
+              <a:ext uri="{FF2B5EF4-FFF2-40B4-BE49-F238E27FC236}">
+                <a16:creationId xmlns:a16="http://schemas.microsoft.com/office/drawing/2014/main" id="{27BF8A13-4190-4471-B5A9-233462A7239A}"/>
+              </a:ext>
+            </a:extLst>
+          </p:cNvPr>
+          <p:cNvSpPr txBox="1"/>
+          <p:nvPr/>
+        </p:nvSpPr>
+        <p:spPr>
+          <a:xfrm>
+            <a:off x="3462186" y="563292"/>
+            <a:ext cx="6715488" cy="769441"/>
+          </a:xfrm>
+          <a:prstGeom prst="rect">
+            <a:avLst/>
+          </a:prstGeom>
+          <a:noFill/>
+        </p:spPr>
+        <p:txBody>
+          <a:bodyPr wrap="square" rtlCol="0">
+            <a:spAutoFit/>
+          </a:bodyPr>
+          <a:lstStyle/>
+          <a:p>
+            <a:r>
+              <a:rPr lang="fr-FR" sz="4400" dirty="0">
+                <a:latin typeface="Berlin Sans FB" panose="020E0602020502020306" pitchFamily="34" charset="0"/>
+              </a:rPr>
+              <a:t>Solutions trouvées</a:t>
+            </a:r>
+          </a:p>
+        </p:txBody>
+      </p:sp>
     </p:spTree>
     <p:extLst>
       <p:ext uri="{BB962C8B-B14F-4D97-AF65-F5344CB8AC3E}">
@@ -6896,10 +7643,843 @@
           </a:fontRef>
         </p:style>
       </p:cxnSp>
+      <p:sp>
+        <p:nvSpPr>
+          <p:cNvPr id="2" name="ZoneTexte 1">
+            <a:extLst>
+              <a:ext uri="{FF2B5EF4-FFF2-40B4-BE49-F238E27FC236}">
+                <a16:creationId xmlns:a16="http://schemas.microsoft.com/office/drawing/2014/main" id="{128A5370-27C5-4A3F-98D7-D74D075851FE}"/>
+              </a:ext>
+            </a:extLst>
+          </p:cNvPr>
+          <p:cNvSpPr txBox="1"/>
+          <p:nvPr/>
+        </p:nvSpPr>
+        <p:spPr>
+          <a:xfrm>
+            <a:off x="4569176" y="523056"/>
+            <a:ext cx="2659224" cy="769441"/>
+          </a:xfrm>
+          <a:prstGeom prst="rect">
+            <a:avLst/>
+          </a:prstGeom>
+          <a:noFill/>
+        </p:spPr>
+        <p:txBody>
+          <a:bodyPr wrap="square" rtlCol="0">
+            <a:spAutoFit/>
+          </a:bodyPr>
+          <a:lstStyle/>
+          <a:p>
+            <a:r>
+              <a:rPr lang="fr-FR" sz="4400" dirty="0">
+                <a:latin typeface="Berlin Sans FB" panose="020E0602020502020306" pitchFamily="34" charset="0"/>
+              </a:rPr>
+              <a:t>Conclusion</a:t>
+            </a:r>
+          </a:p>
+        </p:txBody>
+      </p:sp>
     </p:spTree>
     <p:extLst>
       <p:ext uri="{BB962C8B-B14F-4D97-AF65-F5344CB8AC3E}">
         <p14:creationId xmlns:p14="http://schemas.microsoft.com/office/powerpoint/2010/main" val="675812002"/>
+      </p:ext>
+    </p:extLst>
+  </p:cSld>
+  <p:clrMapOvr>
+    <a:masterClrMapping/>
+  </p:clrMapOvr>
+  <mc:AlternateContent xmlns:mc="http://schemas.openxmlformats.org/markup-compatibility/2006" xmlns:p14="http://schemas.microsoft.com/office/powerpoint/2010/main">
+    <mc:Choice Requires="p14">
+      <p:transition spd="slow">
+        <p14:reveal/>
+      </p:transition>
+    </mc:Choice>
+    <mc:Fallback xmlns="">
+      <p:transition spd="slow">
+        <p:fade/>
+      </p:transition>
+    </mc:Fallback>
+  </mc:AlternateContent>
+</p:sld>
+</file>
+
+<file path=ppt/slides/slide13.xml><?xml version="1.0" encoding="utf-8"?>
+<p:sld xmlns:a="http://schemas.openxmlformats.org/drawingml/2006/main" xmlns:r="http://schemas.openxmlformats.org/officeDocument/2006/relationships" xmlns:p="http://schemas.openxmlformats.org/presentationml/2006/main">
+  <p:cSld>
+    <p:spTree>
+      <p:nvGrpSpPr>
+        <p:cNvPr id="1" name=""/>
+        <p:cNvGrpSpPr/>
+        <p:nvPr/>
+      </p:nvGrpSpPr>
+      <p:grpSpPr>
+        <a:xfrm>
+          <a:off x="0" y="0"/>
+          <a:ext cx="0" cy="0"/>
+          <a:chOff x="0" y="0"/>
+          <a:chExt cx="0" cy="0"/>
+        </a:xfrm>
+      </p:grpSpPr>
+      <p:pic>
+        <p:nvPicPr>
+          <p:cNvPr id="8" name="Image 7">
+            <a:extLst>
+              <a:ext uri="{FF2B5EF4-FFF2-40B4-BE49-F238E27FC236}">
+                <a16:creationId xmlns:a16="http://schemas.microsoft.com/office/drawing/2014/main" id="{2BB825C5-31DA-4A56-85EA-536DBF510A31}"/>
+              </a:ext>
+            </a:extLst>
+          </p:cNvPr>
+          <p:cNvPicPr>
+            <a:picLocks noChangeAspect="1"/>
+          </p:cNvPicPr>
+          <p:nvPr/>
+        </p:nvPicPr>
+        <p:blipFill>
+          <a:blip r:embed="rId2">
+            <a:extLst>
+              <a:ext uri="{28A0092B-C50C-407E-A947-70E740481C1C}">
+                <a14:useLocalDpi xmlns:a14="http://schemas.microsoft.com/office/drawing/2010/main" val="0"/>
+              </a:ext>
+            </a:extLst>
+          </a:blip>
+          <a:stretch>
+            <a:fillRect/>
+          </a:stretch>
+        </p:blipFill>
+        <p:spPr>
+          <a:xfrm>
+            <a:off x="1068751" y="66457"/>
+            <a:ext cx="1259497" cy="776690"/>
+          </a:xfrm>
+          <a:prstGeom prst="rect">
+            <a:avLst/>
+          </a:prstGeom>
+        </p:spPr>
+      </p:pic>
+      <p:pic>
+        <p:nvPicPr>
+          <p:cNvPr id="10" name="Image 9">
+            <a:extLst>
+              <a:ext uri="{FF2B5EF4-FFF2-40B4-BE49-F238E27FC236}">
+                <a16:creationId xmlns:a16="http://schemas.microsoft.com/office/drawing/2014/main" id="{8EE7436F-49F2-41E0-93E4-D247B4705294}"/>
+              </a:ext>
+            </a:extLst>
+          </p:cNvPr>
+          <p:cNvPicPr>
+            <a:picLocks noChangeAspect="1"/>
+          </p:cNvPicPr>
+          <p:nvPr/>
+        </p:nvPicPr>
+        <p:blipFill>
+          <a:blip r:embed="rId3">
+            <a:extLst>
+              <a:ext uri="{28A0092B-C50C-407E-A947-70E740481C1C}">
+                <a14:useLocalDpi xmlns:a14="http://schemas.microsoft.com/office/drawing/2010/main" val="0"/>
+              </a:ext>
+            </a:extLst>
+          </a:blip>
+          <a:stretch>
+            <a:fillRect/>
+          </a:stretch>
+        </p:blipFill>
+        <p:spPr>
+          <a:xfrm>
+            <a:off x="9681085" y="238153"/>
+            <a:ext cx="1802101" cy="569807"/>
+          </a:xfrm>
+          <a:prstGeom prst="rect">
+            <a:avLst/>
+          </a:prstGeom>
+        </p:spPr>
+      </p:pic>
+      <p:cxnSp>
+        <p:nvCxnSpPr>
+          <p:cNvPr id="16" name="Connecteur droit 15">
+            <a:extLst>
+              <a:ext uri="{FF2B5EF4-FFF2-40B4-BE49-F238E27FC236}">
+                <a16:creationId xmlns:a16="http://schemas.microsoft.com/office/drawing/2014/main" id="{7319284A-BD6F-4A96-8E2B-E0A4B52E53C6}"/>
+              </a:ext>
+            </a:extLst>
+          </p:cNvPr>
+          <p:cNvCxnSpPr>
+            <a:cxnSpLocks/>
+          </p:cNvCxnSpPr>
+          <p:nvPr/>
+        </p:nvCxnSpPr>
+        <p:spPr>
+          <a:xfrm flipV="1">
+            <a:off x="0" y="454803"/>
+            <a:ext cx="738231" cy="1798"/>
+          </a:xfrm>
+          <a:prstGeom prst="line">
+            <a:avLst/>
+          </a:prstGeom>
+        </p:spPr>
+        <p:style>
+          <a:lnRef idx="3">
+            <a:schemeClr val="dk1"/>
+          </a:lnRef>
+          <a:fillRef idx="0">
+            <a:schemeClr val="dk1"/>
+          </a:fillRef>
+          <a:effectRef idx="2">
+            <a:schemeClr val="dk1"/>
+          </a:effectRef>
+          <a:fontRef idx="minor">
+            <a:schemeClr val="tx1"/>
+          </a:fontRef>
+        </p:style>
+      </p:cxnSp>
+      <p:cxnSp>
+        <p:nvCxnSpPr>
+          <p:cNvPr id="20" name="Connecteur droit 19">
+            <a:extLst>
+              <a:ext uri="{FF2B5EF4-FFF2-40B4-BE49-F238E27FC236}">
+                <a16:creationId xmlns:a16="http://schemas.microsoft.com/office/drawing/2014/main" id="{08874CF7-F149-4C81-B61E-74E18342BA8A}"/>
+              </a:ext>
+            </a:extLst>
+          </p:cNvPr>
+          <p:cNvCxnSpPr>
+            <a:cxnSpLocks/>
+          </p:cNvCxnSpPr>
+          <p:nvPr/>
+        </p:nvCxnSpPr>
+        <p:spPr>
+          <a:xfrm>
+            <a:off x="2573222" y="454803"/>
+            <a:ext cx="6829482" cy="10398"/>
+          </a:xfrm>
+          <a:prstGeom prst="line">
+            <a:avLst/>
+          </a:prstGeom>
+        </p:spPr>
+        <p:style>
+          <a:lnRef idx="3">
+            <a:schemeClr val="dk1"/>
+          </a:lnRef>
+          <a:fillRef idx="0">
+            <a:schemeClr val="dk1"/>
+          </a:fillRef>
+          <a:effectRef idx="2">
+            <a:schemeClr val="dk1"/>
+          </a:effectRef>
+          <a:fontRef idx="minor">
+            <a:schemeClr val="tx1"/>
+          </a:fontRef>
+        </p:style>
+      </p:cxnSp>
+      <p:cxnSp>
+        <p:nvCxnSpPr>
+          <p:cNvPr id="26" name="Connecteur droit 25">
+            <a:extLst>
+              <a:ext uri="{FF2B5EF4-FFF2-40B4-BE49-F238E27FC236}">
+                <a16:creationId xmlns:a16="http://schemas.microsoft.com/office/drawing/2014/main" id="{BB3B35CC-057B-48C1-880F-3306A6559175}"/>
+              </a:ext>
+            </a:extLst>
+          </p:cNvPr>
+          <p:cNvCxnSpPr>
+            <a:cxnSpLocks/>
+          </p:cNvCxnSpPr>
+          <p:nvPr/>
+        </p:nvCxnSpPr>
+        <p:spPr>
+          <a:xfrm>
+            <a:off x="738231" y="454803"/>
+            <a:ext cx="344203" cy="484764"/>
+          </a:xfrm>
+          <a:prstGeom prst="line">
+            <a:avLst/>
+          </a:prstGeom>
+        </p:spPr>
+        <p:style>
+          <a:lnRef idx="3">
+            <a:schemeClr val="dk1"/>
+          </a:lnRef>
+          <a:fillRef idx="0">
+            <a:schemeClr val="dk1"/>
+          </a:fillRef>
+          <a:effectRef idx="2">
+            <a:schemeClr val="dk1"/>
+          </a:effectRef>
+          <a:fontRef idx="minor">
+            <a:schemeClr val="tx1"/>
+          </a:fontRef>
+        </p:style>
+      </p:cxnSp>
+      <p:cxnSp>
+        <p:nvCxnSpPr>
+          <p:cNvPr id="32" name="Connecteur droit 31">
+            <a:extLst>
+              <a:ext uri="{FF2B5EF4-FFF2-40B4-BE49-F238E27FC236}">
+                <a16:creationId xmlns:a16="http://schemas.microsoft.com/office/drawing/2014/main" id="{4AD96496-1EB6-4E48-9BB2-5C255495C686}"/>
+              </a:ext>
+            </a:extLst>
+          </p:cNvPr>
+          <p:cNvCxnSpPr>
+            <a:cxnSpLocks/>
+          </p:cNvCxnSpPr>
+          <p:nvPr/>
+        </p:nvCxnSpPr>
+        <p:spPr>
+          <a:xfrm>
+            <a:off x="1082434" y="938268"/>
+            <a:ext cx="1146585" cy="0"/>
+          </a:xfrm>
+          <a:prstGeom prst="line">
+            <a:avLst/>
+          </a:prstGeom>
+        </p:spPr>
+        <p:style>
+          <a:lnRef idx="3">
+            <a:schemeClr val="dk1"/>
+          </a:lnRef>
+          <a:fillRef idx="0">
+            <a:schemeClr val="dk1"/>
+          </a:fillRef>
+          <a:effectRef idx="2">
+            <a:schemeClr val="dk1"/>
+          </a:effectRef>
+          <a:fontRef idx="minor">
+            <a:schemeClr val="tx1"/>
+          </a:fontRef>
+        </p:style>
+      </p:cxnSp>
+      <p:cxnSp>
+        <p:nvCxnSpPr>
+          <p:cNvPr id="51" name="Connecteur droit 50">
+            <a:extLst>
+              <a:ext uri="{FF2B5EF4-FFF2-40B4-BE49-F238E27FC236}">
+                <a16:creationId xmlns:a16="http://schemas.microsoft.com/office/drawing/2014/main" id="{C035BFA6-ECBF-4775-BA81-19D2CA41AA8D}"/>
+              </a:ext>
+            </a:extLst>
+          </p:cNvPr>
+          <p:cNvCxnSpPr>
+            <a:cxnSpLocks/>
+          </p:cNvCxnSpPr>
+          <p:nvPr/>
+        </p:nvCxnSpPr>
+        <p:spPr>
+          <a:xfrm>
+            <a:off x="9402704" y="465201"/>
+            <a:ext cx="344203" cy="495163"/>
+          </a:xfrm>
+          <a:prstGeom prst="line">
+            <a:avLst/>
+          </a:prstGeom>
+        </p:spPr>
+        <p:style>
+          <a:lnRef idx="3">
+            <a:schemeClr val="dk1"/>
+          </a:lnRef>
+          <a:fillRef idx="0">
+            <a:schemeClr val="dk1"/>
+          </a:fillRef>
+          <a:effectRef idx="2">
+            <a:schemeClr val="dk1"/>
+          </a:effectRef>
+          <a:fontRef idx="minor">
+            <a:schemeClr val="tx1"/>
+          </a:fontRef>
+        </p:style>
+      </p:cxnSp>
+      <p:cxnSp>
+        <p:nvCxnSpPr>
+          <p:cNvPr id="52" name="Connecteur droit 51">
+            <a:extLst>
+              <a:ext uri="{FF2B5EF4-FFF2-40B4-BE49-F238E27FC236}">
+                <a16:creationId xmlns:a16="http://schemas.microsoft.com/office/drawing/2014/main" id="{FA310BC7-694B-4984-99A2-61A1F4F6EBF9}"/>
+              </a:ext>
+            </a:extLst>
+          </p:cNvPr>
+          <p:cNvCxnSpPr>
+            <a:cxnSpLocks/>
+          </p:cNvCxnSpPr>
+          <p:nvPr/>
+        </p:nvCxnSpPr>
+        <p:spPr>
+          <a:xfrm flipH="1">
+            <a:off x="11370469" y="448308"/>
+            <a:ext cx="364332" cy="501657"/>
+          </a:xfrm>
+          <a:prstGeom prst="line">
+            <a:avLst/>
+          </a:prstGeom>
+        </p:spPr>
+        <p:style>
+          <a:lnRef idx="3">
+            <a:schemeClr val="dk1"/>
+          </a:lnRef>
+          <a:fillRef idx="0">
+            <a:schemeClr val="dk1"/>
+          </a:fillRef>
+          <a:effectRef idx="2">
+            <a:schemeClr val="dk1"/>
+          </a:effectRef>
+          <a:fontRef idx="minor">
+            <a:schemeClr val="tx1"/>
+          </a:fontRef>
+        </p:style>
+      </p:cxnSp>
+      <p:cxnSp>
+        <p:nvCxnSpPr>
+          <p:cNvPr id="53" name="Connecteur droit 52">
+            <a:extLst>
+              <a:ext uri="{FF2B5EF4-FFF2-40B4-BE49-F238E27FC236}">
+                <a16:creationId xmlns:a16="http://schemas.microsoft.com/office/drawing/2014/main" id="{BE0649BD-EE59-4DDA-960F-95B2572F9F13}"/>
+              </a:ext>
+            </a:extLst>
+          </p:cNvPr>
+          <p:cNvCxnSpPr>
+            <a:cxnSpLocks/>
+          </p:cNvCxnSpPr>
+          <p:nvPr/>
+        </p:nvCxnSpPr>
+        <p:spPr>
+          <a:xfrm>
+            <a:off x="9743203" y="949965"/>
+            <a:ext cx="1627266" cy="0"/>
+          </a:xfrm>
+          <a:prstGeom prst="line">
+            <a:avLst/>
+          </a:prstGeom>
+        </p:spPr>
+        <p:style>
+          <a:lnRef idx="3">
+            <a:schemeClr val="dk1"/>
+          </a:lnRef>
+          <a:fillRef idx="0">
+            <a:schemeClr val="dk1"/>
+          </a:fillRef>
+          <a:effectRef idx="2">
+            <a:schemeClr val="dk1"/>
+          </a:effectRef>
+          <a:fontRef idx="minor">
+            <a:schemeClr val="tx1"/>
+          </a:fontRef>
+        </p:style>
+      </p:cxnSp>
+      <p:cxnSp>
+        <p:nvCxnSpPr>
+          <p:cNvPr id="55" name="Connecteur droit 54">
+            <a:extLst>
+              <a:ext uri="{FF2B5EF4-FFF2-40B4-BE49-F238E27FC236}">
+                <a16:creationId xmlns:a16="http://schemas.microsoft.com/office/drawing/2014/main" id="{52AA9200-DAFA-4EEF-AC13-4C7CE82A59EC}"/>
+              </a:ext>
+            </a:extLst>
+          </p:cNvPr>
+          <p:cNvCxnSpPr>
+            <a:cxnSpLocks/>
+          </p:cNvCxnSpPr>
+          <p:nvPr/>
+        </p:nvCxnSpPr>
+        <p:spPr>
+          <a:xfrm>
+            <a:off x="11715750" y="454801"/>
+            <a:ext cx="476249" cy="10400"/>
+          </a:xfrm>
+          <a:prstGeom prst="line">
+            <a:avLst/>
+          </a:prstGeom>
+        </p:spPr>
+        <p:style>
+          <a:lnRef idx="3">
+            <a:schemeClr val="dk1"/>
+          </a:lnRef>
+          <a:fillRef idx="0">
+            <a:schemeClr val="dk1"/>
+          </a:fillRef>
+          <a:effectRef idx="2">
+            <a:schemeClr val="dk1"/>
+          </a:effectRef>
+          <a:fontRef idx="minor">
+            <a:schemeClr val="tx1"/>
+          </a:fontRef>
+        </p:style>
+      </p:cxnSp>
+      <p:cxnSp>
+        <p:nvCxnSpPr>
+          <p:cNvPr id="23" name="Connecteur droit 22">
+            <a:extLst>
+              <a:ext uri="{FF2B5EF4-FFF2-40B4-BE49-F238E27FC236}">
+                <a16:creationId xmlns:a16="http://schemas.microsoft.com/office/drawing/2014/main" id="{BCB092C8-0080-4E56-957E-0046D4C83988}"/>
+              </a:ext>
+            </a:extLst>
+          </p:cNvPr>
+          <p:cNvCxnSpPr>
+            <a:cxnSpLocks/>
+          </p:cNvCxnSpPr>
+          <p:nvPr/>
+        </p:nvCxnSpPr>
+        <p:spPr>
+          <a:xfrm flipH="1">
+            <a:off x="2216372" y="446356"/>
+            <a:ext cx="364332" cy="501657"/>
+          </a:xfrm>
+          <a:prstGeom prst="line">
+            <a:avLst/>
+          </a:prstGeom>
+        </p:spPr>
+        <p:style>
+          <a:lnRef idx="3">
+            <a:schemeClr val="dk1"/>
+          </a:lnRef>
+          <a:fillRef idx="0">
+            <a:schemeClr val="dk1"/>
+          </a:fillRef>
+          <a:effectRef idx="2">
+            <a:schemeClr val="dk1"/>
+          </a:effectRef>
+          <a:fontRef idx="minor">
+            <a:schemeClr val="tx1"/>
+          </a:fontRef>
+        </p:style>
+      </p:cxnSp>
+      <p:pic>
+        <p:nvPicPr>
+          <p:cNvPr id="57" name="Image 56">
+            <a:extLst>
+              <a:ext uri="{FF2B5EF4-FFF2-40B4-BE49-F238E27FC236}">
+                <a16:creationId xmlns:a16="http://schemas.microsoft.com/office/drawing/2014/main" id="{12B16FB2-5844-4B92-AE69-9BAC858C22BB}"/>
+              </a:ext>
+            </a:extLst>
+          </p:cNvPr>
+          <p:cNvPicPr>
+            <a:picLocks noChangeAspect="1"/>
+          </p:cNvPicPr>
+          <p:nvPr/>
+        </p:nvPicPr>
+        <p:blipFill>
+          <a:blip r:embed="rId3">
+            <a:extLst>
+              <a:ext uri="{28A0092B-C50C-407E-A947-70E740481C1C}">
+                <a14:useLocalDpi xmlns:a14="http://schemas.microsoft.com/office/drawing/2010/main" val="0"/>
+              </a:ext>
+            </a:extLst>
+          </a:blip>
+          <a:stretch>
+            <a:fillRect/>
+          </a:stretch>
+        </p:blipFill>
+        <p:spPr>
+          <a:xfrm>
+            <a:off x="9681085" y="238153"/>
+            <a:ext cx="1802101" cy="569807"/>
+          </a:xfrm>
+          <a:prstGeom prst="rect">
+            <a:avLst/>
+          </a:prstGeom>
+        </p:spPr>
+      </p:pic>
+      <p:cxnSp>
+        <p:nvCxnSpPr>
+          <p:cNvPr id="58" name="Connecteur droit 57">
+            <a:extLst>
+              <a:ext uri="{FF2B5EF4-FFF2-40B4-BE49-F238E27FC236}">
+                <a16:creationId xmlns:a16="http://schemas.microsoft.com/office/drawing/2014/main" id="{01599350-F8B0-4FDC-B003-981189A8D654}"/>
+              </a:ext>
+            </a:extLst>
+          </p:cNvPr>
+          <p:cNvCxnSpPr>
+            <a:cxnSpLocks/>
+          </p:cNvCxnSpPr>
+          <p:nvPr/>
+        </p:nvCxnSpPr>
+        <p:spPr>
+          <a:xfrm>
+            <a:off x="2573222" y="454803"/>
+            <a:ext cx="6829482" cy="10398"/>
+          </a:xfrm>
+          <a:prstGeom prst="line">
+            <a:avLst/>
+          </a:prstGeom>
+        </p:spPr>
+        <p:style>
+          <a:lnRef idx="3">
+            <a:schemeClr val="dk1"/>
+          </a:lnRef>
+          <a:fillRef idx="0">
+            <a:schemeClr val="dk1"/>
+          </a:fillRef>
+          <a:effectRef idx="2">
+            <a:schemeClr val="dk1"/>
+          </a:effectRef>
+          <a:fontRef idx="minor">
+            <a:schemeClr val="tx1"/>
+          </a:fontRef>
+        </p:style>
+      </p:cxnSp>
+      <p:cxnSp>
+        <p:nvCxnSpPr>
+          <p:cNvPr id="59" name="Connecteur droit 58">
+            <a:extLst>
+              <a:ext uri="{FF2B5EF4-FFF2-40B4-BE49-F238E27FC236}">
+                <a16:creationId xmlns:a16="http://schemas.microsoft.com/office/drawing/2014/main" id="{BC6E6150-6054-4785-84EC-0C46D82034C2}"/>
+              </a:ext>
+            </a:extLst>
+          </p:cNvPr>
+          <p:cNvCxnSpPr>
+            <a:cxnSpLocks/>
+          </p:cNvCxnSpPr>
+          <p:nvPr/>
+        </p:nvCxnSpPr>
+        <p:spPr>
+          <a:xfrm>
+            <a:off x="738231" y="454803"/>
+            <a:ext cx="344203" cy="484764"/>
+          </a:xfrm>
+          <a:prstGeom prst="line">
+            <a:avLst/>
+          </a:prstGeom>
+        </p:spPr>
+        <p:style>
+          <a:lnRef idx="3">
+            <a:schemeClr val="dk1"/>
+          </a:lnRef>
+          <a:fillRef idx="0">
+            <a:schemeClr val="dk1"/>
+          </a:fillRef>
+          <a:effectRef idx="2">
+            <a:schemeClr val="dk1"/>
+          </a:effectRef>
+          <a:fontRef idx="minor">
+            <a:schemeClr val="tx1"/>
+          </a:fontRef>
+        </p:style>
+      </p:cxnSp>
+      <p:cxnSp>
+        <p:nvCxnSpPr>
+          <p:cNvPr id="60" name="Connecteur droit 59">
+            <a:extLst>
+              <a:ext uri="{FF2B5EF4-FFF2-40B4-BE49-F238E27FC236}">
+                <a16:creationId xmlns:a16="http://schemas.microsoft.com/office/drawing/2014/main" id="{CBC9961A-8EC2-4287-A398-BCA4138D409D}"/>
+              </a:ext>
+            </a:extLst>
+          </p:cNvPr>
+          <p:cNvCxnSpPr>
+            <a:cxnSpLocks/>
+          </p:cNvCxnSpPr>
+          <p:nvPr/>
+        </p:nvCxnSpPr>
+        <p:spPr>
+          <a:xfrm>
+            <a:off x="1082434" y="938268"/>
+            <a:ext cx="1146585" cy="0"/>
+          </a:xfrm>
+          <a:prstGeom prst="line">
+            <a:avLst/>
+          </a:prstGeom>
+        </p:spPr>
+        <p:style>
+          <a:lnRef idx="3">
+            <a:schemeClr val="dk1"/>
+          </a:lnRef>
+          <a:fillRef idx="0">
+            <a:schemeClr val="dk1"/>
+          </a:fillRef>
+          <a:effectRef idx="2">
+            <a:schemeClr val="dk1"/>
+          </a:effectRef>
+          <a:fontRef idx="minor">
+            <a:schemeClr val="tx1"/>
+          </a:fontRef>
+        </p:style>
+      </p:cxnSp>
+      <p:cxnSp>
+        <p:nvCxnSpPr>
+          <p:cNvPr id="61" name="Connecteur droit 60">
+            <a:extLst>
+              <a:ext uri="{FF2B5EF4-FFF2-40B4-BE49-F238E27FC236}">
+                <a16:creationId xmlns:a16="http://schemas.microsoft.com/office/drawing/2014/main" id="{152B7C45-2543-4665-BC07-4DB71CA9F337}"/>
+              </a:ext>
+            </a:extLst>
+          </p:cNvPr>
+          <p:cNvCxnSpPr>
+            <a:cxnSpLocks/>
+          </p:cNvCxnSpPr>
+          <p:nvPr/>
+        </p:nvCxnSpPr>
+        <p:spPr>
+          <a:xfrm>
+            <a:off x="9402704" y="465201"/>
+            <a:ext cx="344203" cy="495163"/>
+          </a:xfrm>
+          <a:prstGeom prst="line">
+            <a:avLst/>
+          </a:prstGeom>
+        </p:spPr>
+        <p:style>
+          <a:lnRef idx="3">
+            <a:schemeClr val="dk1"/>
+          </a:lnRef>
+          <a:fillRef idx="0">
+            <a:schemeClr val="dk1"/>
+          </a:fillRef>
+          <a:effectRef idx="2">
+            <a:schemeClr val="dk1"/>
+          </a:effectRef>
+          <a:fontRef idx="minor">
+            <a:schemeClr val="tx1"/>
+          </a:fontRef>
+        </p:style>
+      </p:cxnSp>
+      <p:cxnSp>
+        <p:nvCxnSpPr>
+          <p:cNvPr id="62" name="Connecteur droit 61">
+            <a:extLst>
+              <a:ext uri="{FF2B5EF4-FFF2-40B4-BE49-F238E27FC236}">
+                <a16:creationId xmlns:a16="http://schemas.microsoft.com/office/drawing/2014/main" id="{00A84DC3-A112-46A3-B71C-04D85339323D}"/>
+              </a:ext>
+            </a:extLst>
+          </p:cNvPr>
+          <p:cNvCxnSpPr>
+            <a:cxnSpLocks/>
+          </p:cNvCxnSpPr>
+          <p:nvPr/>
+        </p:nvCxnSpPr>
+        <p:spPr>
+          <a:xfrm flipH="1">
+            <a:off x="11370469" y="448308"/>
+            <a:ext cx="364332" cy="501657"/>
+          </a:xfrm>
+          <a:prstGeom prst="line">
+            <a:avLst/>
+          </a:prstGeom>
+        </p:spPr>
+        <p:style>
+          <a:lnRef idx="3">
+            <a:schemeClr val="dk1"/>
+          </a:lnRef>
+          <a:fillRef idx="0">
+            <a:schemeClr val="dk1"/>
+          </a:fillRef>
+          <a:effectRef idx="2">
+            <a:schemeClr val="dk1"/>
+          </a:effectRef>
+          <a:fontRef idx="minor">
+            <a:schemeClr val="tx1"/>
+          </a:fontRef>
+        </p:style>
+      </p:cxnSp>
+      <p:cxnSp>
+        <p:nvCxnSpPr>
+          <p:cNvPr id="63" name="Connecteur droit 62">
+            <a:extLst>
+              <a:ext uri="{FF2B5EF4-FFF2-40B4-BE49-F238E27FC236}">
+                <a16:creationId xmlns:a16="http://schemas.microsoft.com/office/drawing/2014/main" id="{C50788C6-8F68-44EC-AB54-94C1D2FE554D}"/>
+              </a:ext>
+            </a:extLst>
+          </p:cNvPr>
+          <p:cNvCxnSpPr>
+            <a:cxnSpLocks/>
+          </p:cNvCxnSpPr>
+          <p:nvPr/>
+        </p:nvCxnSpPr>
+        <p:spPr>
+          <a:xfrm>
+            <a:off x="9743203" y="949965"/>
+            <a:ext cx="1627266" cy="0"/>
+          </a:xfrm>
+          <a:prstGeom prst="line">
+            <a:avLst/>
+          </a:prstGeom>
+        </p:spPr>
+        <p:style>
+          <a:lnRef idx="3">
+            <a:schemeClr val="dk1"/>
+          </a:lnRef>
+          <a:fillRef idx="0">
+            <a:schemeClr val="dk1"/>
+          </a:fillRef>
+          <a:effectRef idx="2">
+            <a:schemeClr val="dk1"/>
+          </a:effectRef>
+          <a:fontRef idx="minor">
+            <a:schemeClr val="tx1"/>
+          </a:fontRef>
+        </p:style>
+      </p:cxnSp>
+      <p:cxnSp>
+        <p:nvCxnSpPr>
+          <p:cNvPr id="64" name="Connecteur droit 63">
+            <a:extLst>
+              <a:ext uri="{FF2B5EF4-FFF2-40B4-BE49-F238E27FC236}">
+                <a16:creationId xmlns:a16="http://schemas.microsoft.com/office/drawing/2014/main" id="{BC4D4E5F-5636-45CB-873C-EC085AB307A3}"/>
+              </a:ext>
+            </a:extLst>
+          </p:cNvPr>
+          <p:cNvCxnSpPr>
+            <a:cxnSpLocks/>
+          </p:cNvCxnSpPr>
+          <p:nvPr/>
+        </p:nvCxnSpPr>
+        <p:spPr>
+          <a:xfrm>
+            <a:off x="11715750" y="454801"/>
+            <a:ext cx="476249" cy="10400"/>
+          </a:xfrm>
+          <a:prstGeom prst="line">
+            <a:avLst/>
+          </a:prstGeom>
+        </p:spPr>
+        <p:style>
+          <a:lnRef idx="3">
+            <a:schemeClr val="dk1"/>
+          </a:lnRef>
+          <a:fillRef idx="0">
+            <a:schemeClr val="dk1"/>
+          </a:fillRef>
+          <a:effectRef idx="2">
+            <a:schemeClr val="dk1"/>
+          </a:effectRef>
+          <a:fontRef idx="minor">
+            <a:schemeClr val="tx1"/>
+          </a:fontRef>
+        </p:style>
+      </p:cxnSp>
+      <p:cxnSp>
+        <p:nvCxnSpPr>
+          <p:cNvPr id="65" name="Connecteur droit 64">
+            <a:extLst>
+              <a:ext uri="{FF2B5EF4-FFF2-40B4-BE49-F238E27FC236}">
+                <a16:creationId xmlns:a16="http://schemas.microsoft.com/office/drawing/2014/main" id="{E6F6B4C5-0E3B-46C9-859D-EE774175D36F}"/>
+              </a:ext>
+            </a:extLst>
+          </p:cNvPr>
+          <p:cNvCxnSpPr>
+            <a:cxnSpLocks/>
+          </p:cNvCxnSpPr>
+          <p:nvPr/>
+        </p:nvCxnSpPr>
+        <p:spPr>
+          <a:xfrm flipH="1">
+            <a:off x="2216372" y="446356"/>
+            <a:ext cx="364332" cy="501657"/>
+          </a:xfrm>
+          <a:prstGeom prst="line">
+            <a:avLst/>
+          </a:prstGeom>
+        </p:spPr>
+        <p:style>
+          <a:lnRef idx="3">
+            <a:schemeClr val="dk1"/>
+          </a:lnRef>
+          <a:fillRef idx="0">
+            <a:schemeClr val="dk1"/>
+          </a:fillRef>
+          <a:effectRef idx="2">
+            <a:schemeClr val="dk1"/>
+          </a:effectRef>
+          <a:fontRef idx="minor">
+            <a:schemeClr val="tx1"/>
+          </a:fontRef>
+        </p:style>
+      </p:cxnSp>
+    </p:spTree>
+    <p:extLst>
+      <p:ext uri="{BB962C8B-B14F-4D97-AF65-F5344CB8AC3E}">
+        <p14:creationId xmlns:p14="http://schemas.microsoft.com/office/powerpoint/2010/main" val="406855787"/>
       </p:ext>
     </p:extLst>
   </p:cSld>
@@ -16096,6 +17676,42 @@
           </a:p>
         </p:txBody>
       </p:sp>
+      <p:pic>
+        <p:nvPicPr>
+          <p:cNvPr id="4" name="Image 3">
+            <a:extLst>
+              <a:ext uri="{FF2B5EF4-FFF2-40B4-BE49-F238E27FC236}">
+                <a16:creationId xmlns:a16="http://schemas.microsoft.com/office/drawing/2014/main" id="{E85F3E60-A809-4CF3-8988-26E4D6B96CAD}"/>
+              </a:ext>
+            </a:extLst>
+          </p:cNvPr>
+          <p:cNvPicPr>
+            <a:picLocks noChangeAspect="1"/>
+          </p:cNvPicPr>
+          <p:nvPr/>
+        </p:nvPicPr>
+        <p:blipFill>
+          <a:blip r:embed="rId4">
+            <a:extLst>
+              <a:ext uri="{28A0092B-C50C-407E-A947-70E740481C1C}">
+                <a14:useLocalDpi xmlns:a14="http://schemas.microsoft.com/office/drawing/2010/main" val="0"/>
+              </a:ext>
+            </a:extLst>
+          </a:blip>
+          <a:stretch>
+            <a:fillRect/>
+          </a:stretch>
+        </p:blipFill>
+        <p:spPr>
+          <a:xfrm>
+            <a:off x="1614196" y="1327912"/>
+            <a:ext cx="8285584" cy="4980629"/>
+          </a:xfrm>
+          <a:prstGeom prst="rect">
+            <a:avLst/>
+          </a:prstGeom>
+        </p:spPr>
+      </p:pic>
     </p:spTree>
     <p:extLst>
       <p:ext uri="{BB962C8B-B14F-4D97-AF65-F5344CB8AC3E}">
@@ -16892,6 +18508,79 @@
           </a:fontRef>
         </p:style>
       </p:cxnSp>
+      <p:sp>
+        <p:nvSpPr>
+          <p:cNvPr id="2" name="ZoneTexte 1">
+            <a:extLst>
+              <a:ext uri="{FF2B5EF4-FFF2-40B4-BE49-F238E27FC236}">
+                <a16:creationId xmlns:a16="http://schemas.microsoft.com/office/drawing/2014/main" id="{27396238-7A76-4B8F-981D-280A71EC12F4}"/>
+              </a:ext>
+            </a:extLst>
+          </p:cNvPr>
+          <p:cNvSpPr txBox="1"/>
+          <p:nvPr/>
+        </p:nvSpPr>
+        <p:spPr>
+          <a:xfrm>
+            <a:off x="2941888" y="518915"/>
+            <a:ext cx="6281999" cy="769441"/>
+          </a:xfrm>
+          <a:prstGeom prst="rect">
+            <a:avLst/>
+          </a:prstGeom>
+          <a:noFill/>
+        </p:spPr>
+        <p:txBody>
+          <a:bodyPr wrap="square" rtlCol="0">
+            <a:spAutoFit/>
+          </a:bodyPr>
+          <a:lstStyle/>
+          <a:p>
+            <a:r>
+              <a:rPr lang="fr-FR" sz="4400" dirty="0">
+                <a:latin typeface="Berlin Sans FB" panose="020E0602020502020306" pitchFamily="34" charset="0"/>
+              </a:rPr>
+              <a:t>Diagramme de bloc</a:t>
+            </a:r>
+          </a:p>
+        </p:txBody>
+      </p:sp>
+      <p:pic>
+        <p:nvPicPr>
+          <p:cNvPr id="4" name="Image 3">
+            <a:extLst>
+              <a:ext uri="{FF2B5EF4-FFF2-40B4-BE49-F238E27FC236}">
+                <a16:creationId xmlns:a16="http://schemas.microsoft.com/office/drawing/2014/main" id="{7E60C251-29D0-4848-8D5B-5DB9F0C6EC10}"/>
+              </a:ext>
+            </a:extLst>
+          </p:cNvPr>
+          <p:cNvPicPr>
+            <a:picLocks noChangeAspect="1"/>
+          </p:cNvPicPr>
+          <p:nvPr/>
+        </p:nvPicPr>
+        <p:blipFill>
+          <a:blip r:embed="rId4">
+            <a:extLst>
+              <a:ext uri="{28A0092B-C50C-407E-A947-70E740481C1C}">
+                <a14:useLocalDpi xmlns:a14="http://schemas.microsoft.com/office/drawing/2010/main" val="0"/>
+              </a:ext>
+            </a:extLst>
+          </a:blip>
+          <a:stretch>
+            <a:fillRect/>
+          </a:stretch>
+        </p:blipFill>
+        <p:spPr>
+          <a:xfrm>
+            <a:off x="2216372" y="1342070"/>
+            <a:ext cx="6658935" cy="5269717"/>
+          </a:xfrm>
+          <a:prstGeom prst="rect">
+            <a:avLst/>
+          </a:prstGeom>
+        </p:spPr>
+      </p:pic>
     </p:spTree>
     <p:extLst>
       <p:ext uri="{BB962C8B-B14F-4D97-AF65-F5344CB8AC3E}">

--- a/oral_projet/revue_2/diaporama_revue_2_steven.pptx
+++ b/oral_projet/revue_2/diaporama_revue_2_steven.pptx
@@ -5,7 +5,7 @@
     <p:sldMasterId id="2147483648" r:id="rId1"/>
   </p:sldMasterIdLst>
   <p:notesMasterIdLst>
-    <p:notesMasterId r:id="rId15"/>
+    <p:notesMasterId r:id="rId19"/>
   </p:notesMasterIdLst>
   <p:sldIdLst>
     <p:sldId id="256" r:id="rId2"/>
@@ -17,10 +17,14 @@
     <p:sldId id="263" r:id="rId8"/>
     <p:sldId id="264" r:id="rId9"/>
     <p:sldId id="265" r:id="rId10"/>
-    <p:sldId id="266" r:id="rId11"/>
-    <p:sldId id="267" r:id="rId12"/>
-    <p:sldId id="268" r:id="rId13"/>
-    <p:sldId id="269" r:id="rId14"/>
+    <p:sldId id="270" r:id="rId11"/>
+    <p:sldId id="266" r:id="rId12"/>
+    <p:sldId id="267" r:id="rId13"/>
+    <p:sldId id="271" r:id="rId14"/>
+    <p:sldId id="272" r:id="rId15"/>
+    <p:sldId id="273" r:id="rId16"/>
+    <p:sldId id="268" r:id="rId17"/>
+    <p:sldId id="269" r:id="rId18"/>
   </p:sldIdLst>
   <p:sldSz cx="12192000" cy="6858000"/>
   <p:notesSz cx="6858000" cy="9144000"/>
@@ -4535,6 +4539,875 @@
 </file>
 
 <file path=ppt/slides/slide10.xml><?xml version="1.0" encoding="utf-8"?>
+<p:sld xmlns:a="http://schemas.openxmlformats.org/drawingml/2006/main" xmlns:r="http://schemas.openxmlformats.org/officeDocument/2006/relationships" xmlns:p="http://schemas.openxmlformats.org/presentationml/2006/main">
+  <p:cSld>
+    <p:spTree>
+      <p:nvGrpSpPr>
+        <p:cNvPr id="1" name=""/>
+        <p:cNvGrpSpPr/>
+        <p:nvPr/>
+      </p:nvGrpSpPr>
+      <p:grpSpPr>
+        <a:xfrm>
+          <a:off x="0" y="0"/>
+          <a:ext cx="0" cy="0"/>
+          <a:chOff x="0" y="0"/>
+          <a:chExt cx="0" cy="0"/>
+        </a:xfrm>
+      </p:grpSpPr>
+      <p:pic>
+        <p:nvPicPr>
+          <p:cNvPr id="8" name="Image 7">
+            <a:extLst>
+              <a:ext uri="{FF2B5EF4-FFF2-40B4-BE49-F238E27FC236}">
+                <a16:creationId xmlns:a16="http://schemas.microsoft.com/office/drawing/2014/main" id="{2BB825C5-31DA-4A56-85EA-536DBF510A31}"/>
+              </a:ext>
+            </a:extLst>
+          </p:cNvPr>
+          <p:cNvPicPr>
+            <a:picLocks noChangeAspect="1"/>
+          </p:cNvPicPr>
+          <p:nvPr/>
+        </p:nvPicPr>
+        <p:blipFill>
+          <a:blip r:embed="rId2">
+            <a:extLst>
+              <a:ext uri="{28A0092B-C50C-407E-A947-70E740481C1C}">
+                <a14:useLocalDpi xmlns:a14="http://schemas.microsoft.com/office/drawing/2010/main" val="0"/>
+              </a:ext>
+            </a:extLst>
+          </a:blip>
+          <a:stretch>
+            <a:fillRect/>
+          </a:stretch>
+        </p:blipFill>
+        <p:spPr>
+          <a:xfrm>
+            <a:off x="1068751" y="66457"/>
+            <a:ext cx="1259497" cy="776690"/>
+          </a:xfrm>
+          <a:prstGeom prst="rect">
+            <a:avLst/>
+          </a:prstGeom>
+        </p:spPr>
+      </p:pic>
+      <p:pic>
+        <p:nvPicPr>
+          <p:cNvPr id="10" name="Image 9">
+            <a:extLst>
+              <a:ext uri="{FF2B5EF4-FFF2-40B4-BE49-F238E27FC236}">
+                <a16:creationId xmlns:a16="http://schemas.microsoft.com/office/drawing/2014/main" id="{8EE7436F-49F2-41E0-93E4-D247B4705294}"/>
+              </a:ext>
+            </a:extLst>
+          </p:cNvPr>
+          <p:cNvPicPr>
+            <a:picLocks noChangeAspect="1"/>
+          </p:cNvPicPr>
+          <p:nvPr/>
+        </p:nvPicPr>
+        <p:blipFill>
+          <a:blip r:embed="rId3">
+            <a:extLst>
+              <a:ext uri="{28A0092B-C50C-407E-A947-70E740481C1C}">
+                <a14:useLocalDpi xmlns:a14="http://schemas.microsoft.com/office/drawing/2010/main" val="0"/>
+              </a:ext>
+            </a:extLst>
+          </a:blip>
+          <a:stretch>
+            <a:fillRect/>
+          </a:stretch>
+        </p:blipFill>
+        <p:spPr>
+          <a:xfrm>
+            <a:off x="9681085" y="238153"/>
+            <a:ext cx="1802101" cy="569807"/>
+          </a:xfrm>
+          <a:prstGeom prst="rect">
+            <a:avLst/>
+          </a:prstGeom>
+        </p:spPr>
+      </p:pic>
+      <p:cxnSp>
+        <p:nvCxnSpPr>
+          <p:cNvPr id="16" name="Connecteur droit 15">
+            <a:extLst>
+              <a:ext uri="{FF2B5EF4-FFF2-40B4-BE49-F238E27FC236}">
+                <a16:creationId xmlns:a16="http://schemas.microsoft.com/office/drawing/2014/main" id="{7319284A-BD6F-4A96-8E2B-E0A4B52E53C6}"/>
+              </a:ext>
+            </a:extLst>
+          </p:cNvPr>
+          <p:cNvCxnSpPr>
+            <a:cxnSpLocks/>
+          </p:cNvCxnSpPr>
+          <p:nvPr/>
+        </p:nvCxnSpPr>
+        <p:spPr>
+          <a:xfrm flipV="1">
+            <a:off x="0" y="454803"/>
+            <a:ext cx="738231" cy="1798"/>
+          </a:xfrm>
+          <a:prstGeom prst="line">
+            <a:avLst/>
+          </a:prstGeom>
+        </p:spPr>
+        <p:style>
+          <a:lnRef idx="3">
+            <a:schemeClr val="dk1"/>
+          </a:lnRef>
+          <a:fillRef idx="0">
+            <a:schemeClr val="dk1"/>
+          </a:fillRef>
+          <a:effectRef idx="2">
+            <a:schemeClr val="dk1"/>
+          </a:effectRef>
+          <a:fontRef idx="minor">
+            <a:schemeClr val="tx1"/>
+          </a:fontRef>
+        </p:style>
+      </p:cxnSp>
+      <p:cxnSp>
+        <p:nvCxnSpPr>
+          <p:cNvPr id="20" name="Connecteur droit 19">
+            <a:extLst>
+              <a:ext uri="{FF2B5EF4-FFF2-40B4-BE49-F238E27FC236}">
+                <a16:creationId xmlns:a16="http://schemas.microsoft.com/office/drawing/2014/main" id="{08874CF7-F149-4C81-B61E-74E18342BA8A}"/>
+              </a:ext>
+            </a:extLst>
+          </p:cNvPr>
+          <p:cNvCxnSpPr>
+            <a:cxnSpLocks/>
+          </p:cNvCxnSpPr>
+          <p:nvPr/>
+        </p:nvCxnSpPr>
+        <p:spPr>
+          <a:xfrm>
+            <a:off x="2573222" y="454803"/>
+            <a:ext cx="6829482" cy="10398"/>
+          </a:xfrm>
+          <a:prstGeom prst="line">
+            <a:avLst/>
+          </a:prstGeom>
+        </p:spPr>
+        <p:style>
+          <a:lnRef idx="3">
+            <a:schemeClr val="dk1"/>
+          </a:lnRef>
+          <a:fillRef idx="0">
+            <a:schemeClr val="dk1"/>
+          </a:fillRef>
+          <a:effectRef idx="2">
+            <a:schemeClr val="dk1"/>
+          </a:effectRef>
+          <a:fontRef idx="minor">
+            <a:schemeClr val="tx1"/>
+          </a:fontRef>
+        </p:style>
+      </p:cxnSp>
+      <p:cxnSp>
+        <p:nvCxnSpPr>
+          <p:cNvPr id="26" name="Connecteur droit 25">
+            <a:extLst>
+              <a:ext uri="{FF2B5EF4-FFF2-40B4-BE49-F238E27FC236}">
+                <a16:creationId xmlns:a16="http://schemas.microsoft.com/office/drawing/2014/main" id="{BB3B35CC-057B-48C1-880F-3306A6559175}"/>
+              </a:ext>
+            </a:extLst>
+          </p:cNvPr>
+          <p:cNvCxnSpPr>
+            <a:cxnSpLocks/>
+          </p:cNvCxnSpPr>
+          <p:nvPr/>
+        </p:nvCxnSpPr>
+        <p:spPr>
+          <a:xfrm>
+            <a:off x="738231" y="454803"/>
+            <a:ext cx="344203" cy="484764"/>
+          </a:xfrm>
+          <a:prstGeom prst="line">
+            <a:avLst/>
+          </a:prstGeom>
+        </p:spPr>
+        <p:style>
+          <a:lnRef idx="3">
+            <a:schemeClr val="dk1"/>
+          </a:lnRef>
+          <a:fillRef idx="0">
+            <a:schemeClr val="dk1"/>
+          </a:fillRef>
+          <a:effectRef idx="2">
+            <a:schemeClr val="dk1"/>
+          </a:effectRef>
+          <a:fontRef idx="minor">
+            <a:schemeClr val="tx1"/>
+          </a:fontRef>
+        </p:style>
+      </p:cxnSp>
+      <p:cxnSp>
+        <p:nvCxnSpPr>
+          <p:cNvPr id="32" name="Connecteur droit 31">
+            <a:extLst>
+              <a:ext uri="{FF2B5EF4-FFF2-40B4-BE49-F238E27FC236}">
+                <a16:creationId xmlns:a16="http://schemas.microsoft.com/office/drawing/2014/main" id="{4AD96496-1EB6-4E48-9BB2-5C255495C686}"/>
+              </a:ext>
+            </a:extLst>
+          </p:cNvPr>
+          <p:cNvCxnSpPr>
+            <a:cxnSpLocks/>
+          </p:cNvCxnSpPr>
+          <p:nvPr/>
+        </p:nvCxnSpPr>
+        <p:spPr>
+          <a:xfrm>
+            <a:off x="1082434" y="938268"/>
+            <a:ext cx="1146585" cy="0"/>
+          </a:xfrm>
+          <a:prstGeom prst="line">
+            <a:avLst/>
+          </a:prstGeom>
+        </p:spPr>
+        <p:style>
+          <a:lnRef idx="3">
+            <a:schemeClr val="dk1"/>
+          </a:lnRef>
+          <a:fillRef idx="0">
+            <a:schemeClr val="dk1"/>
+          </a:fillRef>
+          <a:effectRef idx="2">
+            <a:schemeClr val="dk1"/>
+          </a:effectRef>
+          <a:fontRef idx="minor">
+            <a:schemeClr val="tx1"/>
+          </a:fontRef>
+        </p:style>
+      </p:cxnSp>
+      <p:cxnSp>
+        <p:nvCxnSpPr>
+          <p:cNvPr id="51" name="Connecteur droit 50">
+            <a:extLst>
+              <a:ext uri="{FF2B5EF4-FFF2-40B4-BE49-F238E27FC236}">
+                <a16:creationId xmlns:a16="http://schemas.microsoft.com/office/drawing/2014/main" id="{C035BFA6-ECBF-4775-BA81-19D2CA41AA8D}"/>
+              </a:ext>
+            </a:extLst>
+          </p:cNvPr>
+          <p:cNvCxnSpPr>
+            <a:cxnSpLocks/>
+          </p:cNvCxnSpPr>
+          <p:nvPr/>
+        </p:nvCxnSpPr>
+        <p:spPr>
+          <a:xfrm>
+            <a:off x="9402704" y="465201"/>
+            <a:ext cx="344203" cy="495163"/>
+          </a:xfrm>
+          <a:prstGeom prst="line">
+            <a:avLst/>
+          </a:prstGeom>
+        </p:spPr>
+        <p:style>
+          <a:lnRef idx="3">
+            <a:schemeClr val="dk1"/>
+          </a:lnRef>
+          <a:fillRef idx="0">
+            <a:schemeClr val="dk1"/>
+          </a:fillRef>
+          <a:effectRef idx="2">
+            <a:schemeClr val="dk1"/>
+          </a:effectRef>
+          <a:fontRef idx="minor">
+            <a:schemeClr val="tx1"/>
+          </a:fontRef>
+        </p:style>
+      </p:cxnSp>
+      <p:cxnSp>
+        <p:nvCxnSpPr>
+          <p:cNvPr id="52" name="Connecteur droit 51">
+            <a:extLst>
+              <a:ext uri="{FF2B5EF4-FFF2-40B4-BE49-F238E27FC236}">
+                <a16:creationId xmlns:a16="http://schemas.microsoft.com/office/drawing/2014/main" id="{FA310BC7-694B-4984-99A2-61A1F4F6EBF9}"/>
+              </a:ext>
+            </a:extLst>
+          </p:cNvPr>
+          <p:cNvCxnSpPr>
+            <a:cxnSpLocks/>
+          </p:cNvCxnSpPr>
+          <p:nvPr/>
+        </p:nvCxnSpPr>
+        <p:spPr>
+          <a:xfrm flipH="1">
+            <a:off x="11370469" y="448308"/>
+            <a:ext cx="364332" cy="501657"/>
+          </a:xfrm>
+          <a:prstGeom prst="line">
+            <a:avLst/>
+          </a:prstGeom>
+        </p:spPr>
+        <p:style>
+          <a:lnRef idx="3">
+            <a:schemeClr val="dk1"/>
+          </a:lnRef>
+          <a:fillRef idx="0">
+            <a:schemeClr val="dk1"/>
+          </a:fillRef>
+          <a:effectRef idx="2">
+            <a:schemeClr val="dk1"/>
+          </a:effectRef>
+          <a:fontRef idx="minor">
+            <a:schemeClr val="tx1"/>
+          </a:fontRef>
+        </p:style>
+      </p:cxnSp>
+      <p:cxnSp>
+        <p:nvCxnSpPr>
+          <p:cNvPr id="53" name="Connecteur droit 52">
+            <a:extLst>
+              <a:ext uri="{FF2B5EF4-FFF2-40B4-BE49-F238E27FC236}">
+                <a16:creationId xmlns:a16="http://schemas.microsoft.com/office/drawing/2014/main" id="{BE0649BD-EE59-4DDA-960F-95B2572F9F13}"/>
+              </a:ext>
+            </a:extLst>
+          </p:cNvPr>
+          <p:cNvCxnSpPr>
+            <a:cxnSpLocks/>
+          </p:cNvCxnSpPr>
+          <p:nvPr/>
+        </p:nvCxnSpPr>
+        <p:spPr>
+          <a:xfrm>
+            <a:off x="9743203" y="949965"/>
+            <a:ext cx="1627266" cy="0"/>
+          </a:xfrm>
+          <a:prstGeom prst="line">
+            <a:avLst/>
+          </a:prstGeom>
+        </p:spPr>
+        <p:style>
+          <a:lnRef idx="3">
+            <a:schemeClr val="dk1"/>
+          </a:lnRef>
+          <a:fillRef idx="0">
+            <a:schemeClr val="dk1"/>
+          </a:fillRef>
+          <a:effectRef idx="2">
+            <a:schemeClr val="dk1"/>
+          </a:effectRef>
+          <a:fontRef idx="minor">
+            <a:schemeClr val="tx1"/>
+          </a:fontRef>
+        </p:style>
+      </p:cxnSp>
+      <p:cxnSp>
+        <p:nvCxnSpPr>
+          <p:cNvPr id="55" name="Connecteur droit 54">
+            <a:extLst>
+              <a:ext uri="{FF2B5EF4-FFF2-40B4-BE49-F238E27FC236}">
+                <a16:creationId xmlns:a16="http://schemas.microsoft.com/office/drawing/2014/main" id="{52AA9200-DAFA-4EEF-AC13-4C7CE82A59EC}"/>
+              </a:ext>
+            </a:extLst>
+          </p:cNvPr>
+          <p:cNvCxnSpPr>
+            <a:cxnSpLocks/>
+          </p:cNvCxnSpPr>
+          <p:nvPr/>
+        </p:nvCxnSpPr>
+        <p:spPr>
+          <a:xfrm>
+            <a:off x="11715750" y="454801"/>
+            <a:ext cx="476249" cy="10400"/>
+          </a:xfrm>
+          <a:prstGeom prst="line">
+            <a:avLst/>
+          </a:prstGeom>
+        </p:spPr>
+        <p:style>
+          <a:lnRef idx="3">
+            <a:schemeClr val="dk1"/>
+          </a:lnRef>
+          <a:fillRef idx="0">
+            <a:schemeClr val="dk1"/>
+          </a:fillRef>
+          <a:effectRef idx="2">
+            <a:schemeClr val="dk1"/>
+          </a:effectRef>
+          <a:fontRef idx="minor">
+            <a:schemeClr val="tx1"/>
+          </a:fontRef>
+        </p:style>
+      </p:cxnSp>
+      <p:cxnSp>
+        <p:nvCxnSpPr>
+          <p:cNvPr id="23" name="Connecteur droit 22">
+            <a:extLst>
+              <a:ext uri="{FF2B5EF4-FFF2-40B4-BE49-F238E27FC236}">
+                <a16:creationId xmlns:a16="http://schemas.microsoft.com/office/drawing/2014/main" id="{BCB092C8-0080-4E56-957E-0046D4C83988}"/>
+              </a:ext>
+            </a:extLst>
+          </p:cNvPr>
+          <p:cNvCxnSpPr>
+            <a:cxnSpLocks/>
+          </p:cNvCxnSpPr>
+          <p:nvPr/>
+        </p:nvCxnSpPr>
+        <p:spPr>
+          <a:xfrm flipH="1">
+            <a:off x="2216372" y="446356"/>
+            <a:ext cx="364332" cy="501657"/>
+          </a:xfrm>
+          <a:prstGeom prst="line">
+            <a:avLst/>
+          </a:prstGeom>
+        </p:spPr>
+        <p:style>
+          <a:lnRef idx="3">
+            <a:schemeClr val="dk1"/>
+          </a:lnRef>
+          <a:fillRef idx="0">
+            <a:schemeClr val="dk1"/>
+          </a:fillRef>
+          <a:effectRef idx="2">
+            <a:schemeClr val="dk1"/>
+          </a:effectRef>
+          <a:fontRef idx="minor">
+            <a:schemeClr val="tx1"/>
+          </a:fontRef>
+        </p:style>
+      </p:cxnSp>
+      <p:pic>
+        <p:nvPicPr>
+          <p:cNvPr id="57" name="Image 56">
+            <a:extLst>
+              <a:ext uri="{FF2B5EF4-FFF2-40B4-BE49-F238E27FC236}">
+                <a16:creationId xmlns:a16="http://schemas.microsoft.com/office/drawing/2014/main" id="{12B16FB2-5844-4B92-AE69-9BAC858C22BB}"/>
+              </a:ext>
+            </a:extLst>
+          </p:cNvPr>
+          <p:cNvPicPr>
+            <a:picLocks noChangeAspect="1"/>
+          </p:cNvPicPr>
+          <p:nvPr/>
+        </p:nvPicPr>
+        <p:blipFill>
+          <a:blip r:embed="rId3">
+            <a:extLst>
+              <a:ext uri="{28A0092B-C50C-407E-A947-70E740481C1C}">
+                <a14:useLocalDpi xmlns:a14="http://schemas.microsoft.com/office/drawing/2010/main" val="0"/>
+              </a:ext>
+            </a:extLst>
+          </a:blip>
+          <a:stretch>
+            <a:fillRect/>
+          </a:stretch>
+        </p:blipFill>
+        <p:spPr>
+          <a:xfrm>
+            <a:off x="9681085" y="238153"/>
+            <a:ext cx="1802101" cy="569807"/>
+          </a:xfrm>
+          <a:prstGeom prst="rect">
+            <a:avLst/>
+          </a:prstGeom>
+        </p:spPr>
+      </p:pic>
+      <p:cxnSp>
+        <p:nvCxnSpPr>
+          <p:cNvPr id="58" name="Connecteur droit 57">
+            <a:extLst>
+              <a:ext uri="{FF2B5EF4-FFF2-40B4-BE49-F238E27FC236}">
+                <a16:creationId xmlns:a16="http://schemas.microsoft.com/office/drawing/2014/main" id="{01599350-F8B0-4FDC-B003-981189A8D654}"/>
+              </a:ext>
+            </a:extLst>
+          </p:cNvPr>
+          <p:cNvCxnSpPr>
+            <a:cxnSpLocks/>
+          </p:cNvCxnSpPr>
+          <p:nvPr/>
+        </p:nvCxnSpPr>
+        <p:spPr>
+          <a:xfrm>
+            <a:off x="2573222" y="454803"/>
+            <a:ext cx="6829482" cy="10398"/>
+          </a:xfrm>
+          <a:prstGeom prst="line">
+            <a:avLst/>
+          </a:prstGeom>
+        </p:spPr>
+        <p:style>
+          <a:lnRef idx="3">
+            <a:schemeClr val="dk1"/>
+          </a:lnRef>
+          <a:fillRef idx="0">
+            <a:schemeClr val="dk1"/>
+          </a:fillRef>
+          <a:effectRef idx="2">
+            <a:schemeClr val="dk1"/>
+          </a:effectRef>
+          <a:fontRef idx="minor">
+            <a:schemeClr val="tx1"/>
+          </a:fontRef>
+        </p:style>
+      </p:cxnSp>
+      <p:cxnSp>
+        <p:nvCxnSpPr>
+          <p:cNvPr id="59" name="Connecteur droit 58">
+            <a:extLst>
+              <a:ext uri="{FF2B5EF4-FFF2-40B4-BE49-F238E27FC236}">
+                <a16:creationId xmlns:a16="http://schemas.microsoft.com/office/drawing/2014/main" id="{BC6E6150-6054-4785-84EC-0C46D82034C2}"/>
+              </a:ext>
+            </a:extLst>
+          </p:cNvPr>
+          <p:cNvCxnSpPr>
+            <a:cxnSpLocks/>
+          </p:cNvCxnSpPr>
+          <p:nvPr/>
+        </p:nvCxnSpPr>
+        <p:spPr>
+          <a:xfrm>
+            <a:off x="738231" y="454803"/>
+            <a:ext cx="344203" cy="484764"/>
+          </a:xfrm>
+          <a:prstGeom prst="line">
+            <a:avLst/>
+          </a:prstGeom>
+        </p:spPr>
+        <p:style>
+          <a:lnRef idx="3">
+            <a:schemeClr val="dk1"/>
+          </a:lnRef>
+          <a:fillRef idx="0">
+            <a:schemeClr val="dk1"/>
+          </a:fillRef>
+          <a:effectRef idx="2">
+            <a:schemeClr val="dk1"/>
+          </a:effectRef>
+          <a:fontRef idx="minor">
+            <a:schemeClr val="tx1"/>
+          </a:fontRef>
+        </p:style>
+      </p:cxnSp>
+      <p:cxnSp>
+        <p:nvCxnSpPr>
+          <p:cNvPr id="60" name="Connecteur droit 59">
+            <a:extLst>
+              <a:ext uri="{FF2B5EF4-FFF2-40B4-BE49-F238E27FC236}">
+                <a16:creationId xmlns:a16="http://schemas.microsoft.com/office/drawing/2014/main" id="{CBC9961A-8EC2-4287-A398-BCA4138D409D}"/>
+              </a:ext>
+            </a:extLst>
+          </p:cNvPr>
+          <p:cNvCxnSpPr>
+            <a:cxnSpLocks/>
+          </p:cNvCxnSpPr>
+          <p:nvPr/>
+        </p:nvCxnSpPr>
+        <p:spPr>
+          <a:xfrm>
+            <a:off x="1082434" y="938268"/>
+            <a:ext cx="1146585" cy="0"/>
+          </a:xfrm>
+          <a:prstGeom prst="line">
+            <a:avLst/>
+          </a:prstGeom>
+        </p:spPr>
+        <p:style>
+          <a:lnRef idx="3">
+            <a:schemeClr val="dk1"/>
+          </a:lnRef>
+          <a:fillRef idx="0">
+            <a:schemeClr val="dk1"/>
+          </a:fillRef>
+          <a:effectRef idx="2">
+            <a:schemeClr val="dk1"/>
+          </a:effectRef>
+          <a:fontRef idx="minor">
+            <a:schemeClr val="tx1"/>
+          </a:fontRef>
+        </p:style>
+      </p:cxnSp>
+      <p:cxnSp>
+        <p:nvCxnSpPr>
+          <p:cNvPr id="61" name="Connecteur droit 60">
+            <a:extLst>
+              <a:ext uri="{FF2B5EF4-FFF2-40B4-BE49-F238E27FC236}">
+                <a16:creationId xmlns:a16="http://schemas.microsoft.com/office/drawing/2014/main" id="{152B7C45-2543-4665-BC07-4DB71CA9F337}"/>
+              </a:ext>
+            </a:extLst>
+          </p:cNvPr>
+          <p:cNvCxnSpPr>
+            <a:cxnSpLocks/>
+          </p:cNvCxnSpPr>
+          <p:nvPr/>
+        </p:nvCxnSpPr>
+        <p:spPr>
+          <a:xfrm>
+            <a:off x="9402704" y="465201"/>
+            <a:ext cx="344203" cy="495163"/>
+          </a:xfrm>
+          <a:prstGeom prst="line">
+            <a:avLst/>
+          </a:prstGeom>
+        </p:spPr>
+        <p:style>
+          <a:lnRef idx="3">
+            <a:schemeClr val="dk1"/>
+          </a:lnRef>
+          <a:fillRef idx="0">
+            <a:schemeClr val="dk1"/>
+          </a:fillRef>
+          <a:effectRef idx="2">
+            <a:schemeClr val="dk1"/>
+          </a:effectRef>
+          <a:fontRef idx="minor">
+            <a:schemeClr val="tx1"/>
+          </a:fontRef>
+        </p:style>
+      </p:cxnSp>
+      <p:cxnSp>
+        <p:nvCxnSpPr>
+          <p:cNvPr id="62" name="Connecteur droit 61">
+            <a:extLst>
+              <a:ext uri="{FF2B5EF4-FFF2-40B4-BE49-F238E27FC236}">
+                <a16:creationId xmlns:a16="http://schemas.microsoft.com/office/drawing/2014/main" id="{00A84DC3-A112-46A3-B71C-04D85339323D}"/>
+              </a:ext>
+            </a:extLst>
+          </p:cNvPr>
+          <p:cNvCxnSpPr>
+            <a:cxnSpLocks/>
+          </p:cNvCxnSpPr>
+          <p:nvPr/>
+        </p:nvCxnSpPr>
+        <p:spPr>
+          <a:xfrm flipH="1">
+            <a:off x="11370469" y="448308"/>
+            <a:ext cx="364332" cy="501657"/>
+          </a:xfrm>
+          <a:prstGeom prst="line">
+            <a:avLst/>
+          </a:prstGeom>
+        </p:spPr>
+        <p:style>
+          <a:lnRef idx="3">
+            <a:schemeClr val="dk1"/>
+          </a:lnRef>
+          <a:fillRef idx="0">
+            <a:schemeClr val="dk1"/>
+          </a:fillRef>
+          <a:effectRef idx="2">
+            <a:schemeClr val="dk1"/>
+          </a:effectRef>
+          <a:fontRef idx="minor">
+            <a:schemeClr val="tx1"/>
+          </a:fontRef>
+        </p:style>
+      </p:cxnSp>
+      <p:cxnSp>
+        <p:nvCxnSpPr>
+          <p:cNvPr id="63" name="Connecteur droit 62">
+            <a:extLst>
+              <a:ext uri="{FF2B5EF4-FFF2-40B4-BE49-F238E27FC236}">
+                <a16:creationId xmlns:a16="http://schemas.microsoft.com/office/drawing/2014/main" id="{C50788C6-8F68-44EC-AB54-94C1D2FE554D}"/>
+              </a:ext>
+            </a:extLst>
+          </p:cNvPr>
+          <p:cNvCxnSpPr>
+            <a:cxnSpLocks/>
+          </p:cNvCxnSpPr>
+          <p:nvPr/>
+        </p:nvCxnSpPr>
+        <p:spPr>
+          <a:xfrm>
+            <a:off x="9743203" y="949965"/>
+            <a:ext cx="1627266" cy="0"/>
+          </a:xfrm>
+          <a:prstGeom prst="line">
+            <a:avLst/>
+          </a:prstGeom>
+        </p:spPr>
+        <p:style>
+          <a:lnRef idx="3">
+            <a:schemeClr val="dk1"/>
+          </a:lnRef>
+          <a:fillRef idx="0">
+            <a:schemeClr val="dk1"/>
+          </a:fillRef>
+          <a:effectRef idx="2">
+            <a:schemeClr val="dk1"/>
+          </a:effectRef>
+          <a:fontRef idx="minor">
+            <a:schemeClr val="tx1"/>
+          </a:fontRef>
+        </p:style>
+      </p:cxnSp>
+      <p:cxnSp>
+        <p:nvCxnSpPr>
+          <p:cNvPr id="64" name="Connecteur droit 63">
+            <a:extLst>
+              <a:ext uri="{FF2B5EF4-FFF2-40B4-BE49-F238E27FC236}">
+                <a16:creationId xmlns:a16="http://schemas.microsoft.com/office/drawing/2014/main" id="{BC4D4E5F-5636-45CB-873C-EC085AB307A3}"/>
+              </a:ext>
+            </a:extLst>
+          </p:cNvPr>
+          <p:cNvCxnSpPr>
+            <a:cxnSpLocks/>
+          </p:cNvCxnSpPr>
+          <p:nvPr/>
+        </p:nvCxnSpPr>
+        <p:spPr>
+          <a:xfrm>
+            <a:off x="11715750" y="454801"/>
+            <a:ext cx="476249" cy="10400"/>
+          </a:xfrm>
+          <a:prstGeom prst="line">
+            <a:avLst/>
+          </a:prstGeom>
+        </p:spPr>
+        <p:style>
+          <a:lnRef idx="3">
+            <a:schemeClr val="dk1"/>
+          </a:lnRef>
+          <a:fillRef idx="0">
+            <a:schemeClr val="dk1"/>
+          </a:fillRef>
+          <a:effectRef idx="2">
+            <a:schemeClr val="dk1"/>
+          </a:effectRef>
+          <a:fontRef idx="minor">
+            <a:schemeClr val="tx1"/>
+          </a:fontRef>
+        </p:style>
+      </p:cxnSp>
+      <p:cxnSp>
+        <p:nvCxnSpPr>
+          <p:cNvPr id="65" name="Connecteur droit 64">
+            <a:extLst>
+              <a:ext uri="{FF2B5EF4-FFF2-40B4-BE49-F238E27FC236}">
+                <a16:creationId xmlns:a16="http://schemas.microsoft.com/office/drawing/2014/main" id="{E6F6B4C5-0E3B-46C9-859D-EE774175D36F}"/>
+              </a:ext>
+            </a:extLst>
+          </p:cNvPr>
+          <p:cNvCxnSpPr>
+            <a:cxnSpLocks/>
+          </p:cNvCxnSpPr>
+          <p:nvPr/>
+        </p:nvCxnSpPr>
+        <p:spPr>
+          <a:xfrm flipH="1">
+            <a:off x="2216372" y="446356"/>
+            <a:ext cx="364332" cy="501657"/>
+          </a:xfrm>
+          <a:prstGeom prst="line">
+            <a:avLst/>
+          </a:prstGeom>
+        </p:spPr>
+        <p:style>
+          <a:lnRef idx="3">
+            <a:schemeClr val="dk1"/>
+          </a:lnRef>
+          <a:fillRef idx="0">
+            <a:schemeClr val="dk1"/>
+          </a:fillRef>
+          <a:effectRef idx="2">
+            <a:schemeClr val="dk1"/>
+          </a:effectRef>
+          <a:fontRef idx="minor">
+            <a:schemeClr val="tx1"/>
+          </a:fontRef>
+        </p:style>
+      </p:cxnSp>
+      <p:sp>
+        <p:nvSpPr>
+          <p:cNvPr id="2" name="ZoneTexte 1">
+            <a:extLst>
+              <a:ext uri="{FF2B5EF4-FFF2-40B4-BE49-F238E27FC236}">
+                <a16:creationId xmlns:a16="http://schemas.microsoft.com/office/drawing/2014/main" id="{27396238-7A76-4B8F-981D-280A71EC12F4}"/>
+              </a:ext>
+            </a:extLst>
+          </p:cNvPr>
+          <p:cNvSpPr txBox="1"/>
+          <p:nvPr/>
+        </p:nvSpPr>
+        <p:spPr>
+          <a:xfrm>
+            <a:off x="3228837" y="553547"/>
+            <a:ext cx="4675598" cy="769441"/>
+          </a:xfrm>
+          <a:prstGeom prst="rect">
+            <a:avLst/>
+          </a:prstGeom>
+          <a:noFill/>
+        </p:spPr>
+        <p:txBody>
+          <a:bodyPr wrap="square" rtlCol="0">
+            <a:spAutoFit/>
+          </a:bodyPr>
+          <a:lstStyle/>
+          <a:p>
+            <a:r>
+              <a:rPr lang="fr-FR" sz="4400" dirty="0">
+                <a:latin typeface="Berlin Sans FB" panose="020E0602020502020306" pitchFamily="34" charset="0"/>
+              </a:rPr>
+              <a:t>Base de données</a:t>
+            </a:r>
+          </a:p>
+        </p:txBody>
+      </p:sp>
+      <p:pic>
+        <p:nvPicPr>
+          <p:cNvPr id="11" name="Image 10">
+            <a:extLst>
+              <a:ext uri="{FF2B5EF4-FFF2-40B4-BE49-F238E27FC236}">
+                <a16:creationId xmlns:a16="http://schemas.microsoft.com/office/drawing/2014/main" id="{86B33DD6-7E4D-4C02-A197-909EE2B10B7B}"/>
+              </a:ext>
+            </a:extLst>
+          </p:cNvPr>
+          <p:cNvPicPr>
+            <a:picLocks noChangeAspect="1"/>
+          </p:cNvPicPr>
+          <p:nvPr/>
+        </p:nvPicPr>
+        <p:blipFill>
+          <a:blip r:embed="rId4">
+            <a:extLst>
+              <a:ext uri="{28A0092B-C50C-407E-A947-70E740481C1C}">
+                <a14:useLocalDpi xmlns:a14="http://schemas.microsoft.com/office/drawing/2010/main" val="0"/>
+              </a:ext>
+            </a:extLst>
+          </a:blip>
+          <a:stretch>
+            <a:fillRect/>
+          </a:stretch>
+        </p:blipFill>
+        <p:spPr>
+          <a:xfrm>
+            <a:off x="1433191" y="1642187"/>
+            <a:ext cx="9620500" cy="4627983"/>
+          </a:xfrm>
+          <a:prstGeom prst="rect">
+            <a:avLst/>
+          </a:prstGeom>
+        </p:spPr>
+      </p:pic>
+    </p:spTree>
+    <p:extLst>
+      <p:ext uri="{BB962C8B-B14F-4D97-AF65-F5344CB8AC3E}">
+        <p14:creationId xmlns:p14="http://schemas.microsoft.com/office/powerpoint/2010/main" val="3188051435"/>
+      </p:ext>
+    </p:extLst>
+  </p:cSld>
+  <p:clrMapOvr>
+    <a:masterClrMapping/>
+  </p:clrMapOvr>
+  <mc:AlternateContent xmlns:mc="http://schemas.openxmlformats.org/markup-compatibility/2006" xmlns:p14="http://schemas.microsoft.com/office/powerpoint/2010/main">
+    <mc:Choice Requires="p14">
+      <p:transition spd="slow">
+        <p14:reveal/>
+      </p:transition>
+    </mc:Choice>
+    <mc:Fallback xmlns="">
+      <p:transition spd="slow">
+        <p:fade/>
+      </p:transition>
+    </mc:Fallback>
+  </mc:AlternateContent>
+</p:sld>
+</file>
+
+<file path=ppt/slides/slide11.xml><?xml version="1.0" encoding="utf-8"?>
 <p:sld xmlns:a="http://schemas.openxmlformats.org/drawingml/2006/main" xmlns:r="http://schemas.openxmlformats.org/officeDocument/2006/relationships" xmlns:p="http://schemas.openxmlformats.org/presentationml/2006/main">
   <p:cSld>
     <p:spTree>
@@ -6039,7 +6912,7 @@
 </p:sld>
 </file>
 
-<file path=ppt/slides/slide11.xml><?xml version="1.0" encoding="utf-8"?>
+<file path=ppt/slides/slide12.xml><?xml version="1.0" encoding="utf-8"?>
 <p:sld xmlns:a="http://schemas.openxmlformats.org/drawingml/2006/main" xmlns:r="http://schemas.openxmlformats.org/officeDocument/2006/relationships" xmlns:p="http://schemas.openxmlformats.org/presentationml/2006/main">
   <p:cSld>
     <p:spTree>
@@ -6824,8 +7697,8 @@
         </p:nvSpPr>
         <p:spPr>
           <a:xfrm>
-            <a:off x="3462186" y="563292"/>
-            <a:ext cx="6715488" cy="769441"/>
+            <a:off x="3462185" y="563292"/>
+            <a:ext cx="5075325" cy="769441"/>
           </a:xfrm>
           <a:prstGeom prst="rect">
             <a:avLst/>
@@ -6842,7 +7715,7 @@
               <a:rPr lang="fr-FR" sz="4400" dirty="0">
                 <a:latin typeface="Berlin Sans FB" panose="020E0602020502020306" pitchFamily="34" charset="0"/>
               </a:rPr>
-              <a:t>Solutions trouvées</a:t>
+              <a:t>Schémas de câblage</a:t>
             </a:r>
           </a:p>
         </p:txBody>
@@ -6872,7 +7745,2506 @@
 </p:sld>
 </file>
 
-<file path=ppt/slides/slide12.xml><?xml version="1.0" encoding="utf-8"?>
+<file path=ppt/slides/slide13.xml><?xml version="1.0" encoding="utf-8"?>
+<p:sld xmlns:a="http://schemas.openxmlformats.org/drawingml/2006/main" xmlns:r="http://schemas.openxmlformats.org/officeDocument/2006/relationships" xmlns:p="http://schemas.openxmlformats.org/presentationml/2006/main">
+  <p:cSld>
+    <p:spTree>
+      <p:nvGrpSpPr>
+        <p:cNvPr id="1" name=""/>
+        <p:cNvGrpSpPr/>
+        <p:nvPr/>
+      </p:nvGrpSpPr>
+      <p:grpSpPr>
+        <a:xfrm>
+          <a:off x="0" y="0"/>
+          <a:ext cx="0" cy="0"/>
+          <a:chOff x="0" y="0"/>
+          <a:chExt cx="0" cy="0"/>
+        </a:xfrm>
+      </p:grpSpPr>
+      <p:pic>
+        <p:nvPicPr>
+          <p:cNvPr id="8" name="Image 7">
+            <a:extLst>
+              <a:ext uri="{FF2B5EF4-FFF2-40B4-BE49-F238E27FC236}">
+                <a16:creationId xmlns:a16="http://schemas.microsoft.com/office/drawing/2014/main" id="{2BB825C5-31DA-4A56-85EA-536DBF510A31}"/>
+              </a:ext>
+            </a:extLst>
+          </p:cNvPr>
+          <p:cNvPicPr>
+            <a:picLocks noChangeAspect="1"/>
+          </p:cNvPicPr>
+          <p:nvPr/>
+        </p:nvPicPr>
+        <p:blipFill>
+          <a:blip r:embed="rId2">
+            <a:extLst>
+              <a:ext uri="{28A0092B-C50C-407E-A947-70E740481C1C}">
+                <a14:useLocalDpi xmlns:a14="http://schemas.microsoft.com/office/drawing/2010/main" val="0"/>
+              </a:ext>
+            </a:extLst>
+          </a:blip>
+          <a:stretch>
+            <a:fillRect/>
+          </a:stretch>
+        </p:blipFill>
+        <p:spPr>
+          <a:xfrm>
+            <a:off x="1068751" y="66457"/>
+            <a:ext cx="1259497" cy="776690"/>
+          </a:xfrm>
+          <a:prstGeom prst="rect">
+            <a:avLst/>
+          </a:prstGeom>
+        </p:spPr>
+      </p:pic>
+      <p:pic>
+        <p:nvPicPr>
+          <p:cNvPr id="10" name="Image 9">
+            <a:extLst>
+              <a:ext uri="{FF2B5EF4-FFF2-40B4-BE49-F238E27FC236}">
+                <a16:creationId xmlns:a16="http://schemas.microsoft.com/office/drawing/2014/main" id="{8EE7436F-49F2-41E0-93E4-D247B4705294}"/>
+              </a:ext>
+            </a:extLst>
+          </p:cNvPr>
+          <p:cNvPicPr>
+            <a:picLocks noChangeAspect="1"/>
+          </p:cNvPicPr>
+          <p:nvPr/>
+        </p:nvPicPr>
+        <p:blipFill>
+          <a:blip r:embed="rId3">
+            <a:extLst>
+              <a:ext uri="{28A0092B-C50C-407E-A947-70E740481C1C}">
+                <a14:useLocalDpi xmlns:a14="http://schemas.microsoft.com/office/drawing/2010/main" val="0"/>
+              </a:ext>
+            </a:extLst>
+          </a:blip>
+          <a:stretch>
+            <a:fillRect/>
+          </a:stretch>
+        </p:blipFill>
+        <p:spPr>
+          <a:xfrm>
+            <a:off x="9681085" y="238153"/>
+            <a:ext cx="1802101" cy="569807"/>
+          </a:xfrm>
+          <a:prstGeom prst="rect">
+            <a:avLst/>
+          </a:prstGeom>
+        </p:spPr>
+      </p:pic>
+      <p:cxnSp>
+        <p:nvCxnSpPr>
+          <p:cNvPr id="16" name="Connecteur droit 15">
+            <a:extLst>
+              <a:ext uri="{FF2B5EF4-FFF2-40B4-BE49-F238E27FC236}">
+                <a16:creationId xmlns:a16="http://schemas.microsoft.com/office/drawing/2014/main" id="{7319284A-BD6F-4A96-8E2B-E0A4B52E53C6}"/>
+              </a:ext>
+            </a:extLst>
+          </p:cNvPr>
+          <p:cNvCxnSpPr>
+            <a:cxnSpLocks/>
+          </p:cNvCxnSpPr>
+          <p:nvPr/>
+        </p:nvCxnSpPr>
+        <p:spPr>
+          <a:xfrm flipV="1">
+            <a:off x="0" y="454803"/>
+            <a:ext cx="738231" cy="1798"/>
+          </a:xfrm>
+          <a:prstGeom prst="line">
+            <a:avLst/>
+          </a:prstGeom>
+        </p:spPr>
+        <p:style>
+          <a:lnRef idx="3">
+            <a:schemeClr val="dk1"/>
+          </a:lnRef>
+          <a:fillRef idx="0">
+            <a:schemeClr val="dk1"/>
+          </a:fillRef>
+          <a:effectRef idx="2">
+            <a:schemeClr val="dk1"/>
+          </a:effectRef>
+          <a:fontRef idx="minor">
+            <a:schemeClr val="tx1"/>
+          </a:fontRef>
+        </p:style>
+      </p:cxnSp>
+      <p:cxnSp>
+        <p:nvCxnSpPr>
+          <p:cNvPr id="20" name="Connecteur droit 19">
+            <a:extLst>
+              <a:ext uri="{FF2B5EF4-FFF2-40B4-BE49-F238E27FC236}">
+                <a16:creationId xmlns:a16="http://schemas.microsoft.com/office/drawing/2014/main" id="{08874CF7-F149-4C81-B61E-74E18342BA8A}"/>
+              </a:ext>
+            </a:extLst>
+          </p:cNvPr>
+          <p:cNvCxnSpPr>
+            <a:cxnSpLocks/>
+          </p:cNvCxnSpPr>
+          <p:nvPr/>
+        </p:nvCxnSpPr>
+        <p:spPr>
+          <a:xfrm>
+            <a:off x="2573222" y="454803"/>
+            <a:ext cx="6829482" cy="10398"/>
+          </a:xfrm>
+          <a:prstGeom prst="line">
+            <a:avLst/>
+          </a:prstGeom>
+        </p:spPr>
+        <p:style>
+          <a:lnRef idx="3">
+            <a:schemeClr val="dk1"/>
+          </a:lnRef>
+          <a:fillRef idx="0">
+            <a:schemeClr val="dk1"/>
+          </a:fillRef>
+          <a:effectRef idx="2">
+            <a:schemeClr val="dk1"/>
+          </a:effectRef>
+          <a:fontRef idx="minor">
+            <a:schemeClr val="tx1"/>
+          </a:fontRef>
+        </p:style>
+      </p:cxnSp>
+      <p:cxnSp>
+        <p:nvCxnSpPr>
+          <p:cNvPr id="26" name="Connecteur droit 25">
+            <a:extLst>
+              <a:ext uri="{FF2B5EF4-FFF2-40B4-BE49-F238E27FC236}">
+                <a16:creationId xmlns:a16="http://schemas.microsoft.com/office/drawing/2014/main" id="{BB3B35CC-057B-48C1-880F-3306A6559175}"/>
+              </a:ext>
+            </a:extLst>
+          </p:cNvPr>
+          <p:cNvCxnSpPr>
+            <a:cxnSpLocks/>
+          </p:cNvCxnSpPr>
+          <p:nvPr/>
+        </p:nvCxnSpPr>
+        <p:spPr>
+          <a:xfrm>
+            <a:off x="738231" y="454803"/>
+            <a:ext cx="344203" cy="484764"/>
+          </a:xfrm>
+          <a:prstGeom prst="line">
+            <a:avLst/>
+          </a:prstGeom>
+        </p:spPr>
+        <p:style>
+          <a:lnRef idx="3">
+            <a:schemeClr val="dk1"/>
+          </a:lnRef>
+          <a:fillRef idx="0">
+            <a:schemeClr val="dk1"/>
+          </a:fillRef>
+          <a:effectRef idx="2">
+            <a:schemeClr val="dk1"/>
+          </a:effectRef>
+          <a:fontRef idx="minor">
+            <a:schemeClr val="tx1"/>
+          </a:fontRef>
+        </p:style>
+      </p:cxnSp>
+      <p:cxnSp>
+        <p:nvCxnSpPr>
+          <p:cNvPr id="32" name="Connecteur droit 31">
+            <a:extLst>
+              <a:ext uri="{FF2B5EF4-FFF2-40B4-BE49-F238E27FC236}">
+                <a16:creationId xmlns:a16="http://schemas.microsoft.com/office/drawing/2014/main" id="{4AD96496-1EB6-4E48-9BB2-5C255495C686}"/>
+              </a:ext>
+            </a:extLst>
+          </p:cNvPr>
+          <p:cNvCxnSpPr>
+            <a:cxnSpLocks/>
+          </p:cNvCxnSpPr>
+          <p:nvPr/>
+        </p:nvCxnSpPr>
+        <p:spPr>
+          <a:xfrm>
+            <a:off x="1082434" y="938268"/>
+            <a:ext cx="1146585" cy="0"/>
+          </a:xfrm>
+          <a:prstGeom prst="line">
+            <a:avLst/>
+          </a:prstGeom>
+        </p:spPr>
+        <p:style>
+          <a:lnRef idx="3">
+            <a:schemeClr val="dk1"/>
+          </a:lnRef>
+          <a:fillRef idx="0">
+            <a:schemeClr val="dk1"/>
+          </a:fillRef>
+          <a:effectRef idx="2">
+            <a:schemeClr val="dk1"/>
+          </a:effectRef>
+          <a:fontRef idx="minor">
+            <a:schemeClr val="tx1"/>
+          </a:fontRef>
+        </p:style>
+      </p:cxnSp>
+      <p:cxnSp>
+        <p:nvCxnSpPr>
+          <p:cNvPr id="51" name="Connecteur droit 50">
+            <a:extLst>
+              <a:ext uri="{FF2B5EF4-FFF2-40B4-BE49-F238E27FC236}">
+                <a16:creationId xmlns:a16="http://schemas.microsoft.com/office/drawing/2014/main" id="{C035BFA6-ECBF-4775-BA81-19D2CA41AA8D}"/>
+              </a:ext>
+            </a:extLst>
+          </p:cNvPr>
+          <p:cNvCxnSpPr>
+            <a:cxnSpLocks/>
+          </p:cNvCxnSpPr>
+          <p:nvPr/>
+        </p:nvCxnSpPr>
+        <p:spPr>
+          <a:xfrm>
+            <a:off x="9402704" y="465201"/>
+            <a:ext cx="344203" cy="495163"/>
+          </a:xfrm>
+          <a:prstGeom prst="line">
+            <a:avLst/>
+          </a:prstGeom>
+        </p:spPr>
+        <p:style>
+          <a:lnRef idx="3">
+            <a:schemeClr val="dk1"/>
+          </a:lnRef>
+          <a:fillRef idx="0">
+            <a:schemeClr val="dk1"/>
+          </a:fillRef>
+          <a:effectRef idx="2">
+            <a:schemeClr val="dk1"/>
+          </a:effectRef>
+          <a:fontRef idx="minor">
+            <a:schemeClr val="tx1"/>
+          </a:fontRef>
+        </p:style>
+      </p:cxnSp>
+      <p:cxnSp>
+        <p:nvCxnSpPr>
+          <p:cNvPr id="52" name="Connecteur droit 51">
+            <a:extLst>
+              <a:ext uri="{FF2B5EF4-FFF2-40B4-BE49-F238E27FC236}">
+                <a16:creationId xmlns:a16="http://schemas.microsoft.com/office/drawing/2014/main" id="{FA310BC7-694B-4984-99A2-61A1F4F6EBF9}"/>
+              </a:ext>
+            </a:extLst>
+          </p:cNvPr>
+          <p:cNvCxnSpPr>
+            <a:cxnSpLocks/>
+          </p:cNvCxnSpPr>
+          <p:nvPr/>
+        </p:nvCxnSpPr>
+        <p:spPr>
+          <a:xfrm flipH="1">
+            <a:off x="11370469" y="448308"/>
+            <a:ext cx="364332" cy="501657"/>
+          </a:xfrm>
+          <a:prstGeom prst="line">
+            <a:avLst/>
+          </a:prstGeom>
+        </p:spPr>
+        <p:style>
+          <a:lnRef idx="3">
+            <a:schemeClr val="dk1"/>
+          </a:lnRef>
+          <a:fillRef idx="0">
+            <a:schemeClr val="dk1"/>
+          </a:fillRef>
+          <a:effectRef idx="2">
+            <a:schemeClr val="dk1"/>
+          </a:effectRef>
+          <a:fontRef idx="minor">
+            <a:schemeClr val="tx1"/>
+          </a:fontRef>
+        </p:style>
+      </p:cxnSp>
+      <p:cxnSp>
+        <p:nvCxnSpPr>
+          <p:cNvPr id="53" name="Connecteur droit 52">
+            <a:extLst>
+              <a:ext uri="{FF2B5EF4-FFF2-40B4-BE49-F238E27FC236}">
+                <a16:creationId xmlns:a16="http://schemas.microsoft.com/office/drawing/2014/main" id="{BE0649BD-EE59-4DDA-960F-95B2572F9F13}"/>
+              </a:ext>
+            </a:extLst>
+          </p:cNvPr>
+          <p:cNvCxnSpPr>
+            <a:cxnSpLocks/>
+          </p:cNvCxnSpPr>
+          <p:nvPr/>
+        </p:nvCxnSpPr>
+        <p:spPr>
+          <a:xfrm>
+            <a:off x="9743203" y="949965"/>
+            <a:ext cx="1627266" cy="0"/>
+          </a:xfrm>
+          <a:prstGeom prst="line">
+            <a:avLst/>
+          </a:prstGeom>
+        </p:spPr>
+        <p:style>
+          <a:lnRef idx="3">
+            <a:schemeClr val="dk1"/>
+          </a:lnRef>
+          <a:fillRef idx="0">
+            <a:schemeClr val="dk1"/>
+          </a:fillRef>
+          <a:effectRef idx="2">
+            <a:schemeClr val="dk1"/>
+          </a:effectRef>
+          <a:fontRef idx="minor">
+            <a:schemeClr val="tx1"/>
+          </a:fontRef>
+        </p:style>
+      </p:cxnSp>
+      <p:cxnSp>
+        <p:nvCxnSpPr>
+          <p:cNvPr id="55" name="Connecteur droit 54">
+            <a:extLst>
+              <a:ext uri="{FF2B5EF4-FFF2-40B4-BE49-F238E27FC236}">
+                <a16:creationId xmlns:a16="http://schemas.microsoft.com/office/drawing/2014/main" id="{52AA9200-DAFA-4EEF-AC13-4C7CE82A59EC}"/>
+              </a:ext>
+            </a:extLst>
+          </p:cNvPr>
+          <p:cNvCxnSpPr>
+            <a:cxnSpLocks/>
+          </p:cNvCxnSpPr>
+          <p:nvPr/>
+        </p:nvCxnSpPr>
+        <p:spPr>
+          <a:xfrm>
+            <a:off x="11715750" y="454801"/>
+            <a:ext cx="476249" cy="10400"/>
+          </a:xfrm>
+          <a:prstGeom prst="line">
+            <a:avLst/>
+          </a:prstGeom>
+        </p:spPr>
+        <p:style>
+          <a:lnRef idx="3">
+            <a:schemeClr val="dk1"/>
+          </a:lnRef>
+          <a:fillRef idx="0">
+            <a:schemeClr val="dk1"/>
+          </a:fillRef>
+          <a:effectRef idx="2">
+            <a:schemeClr val="dk1"/>
+          </a:effectRef>
+          <a:fontRef idx="minor">
+            <a:schemeClr val="tx1"/>
+          </a:fontRef>
+        </p:style>
+      </p:cxnSp>
+      <p:cxnSp>
+        <p:nvCxnSpPr>
+          <p:cNvPr id="23" name="Connecteur droit 22">
+            <a:extLst>
+              <a:ext uri="{FF2B5EF4-FFF2-40B4-BE49-F238E27FC236}">
+                <a16:creationId xmlns:a16="http://schemas.microsoft.com/office/drawing/2014/main" id="{BCB092C8-0080-4E56-957E-0046D4C83988}"/>
+              </a:ext>
+            </a:extLst>
+          </p:cNvPr>
+          <p:cNvCxnSpPr>
+            <a:cxnSpLocks/>
+          </p:cNvCxnSpPr>
+          <p:nvPr/>
+        </p:nvCxnSpPr>
+        <p:spPr>
+          <a:xfrm flipH="1">
+            <a:off x="2216372" y="446356"/>
+            <a:ext cx="364332" cy="501657"/>
+          </a:xfrm>
+          <a:prstGeom prst="line">
+            <a:avLst/>
+          </a:prstGeom>
+        </p:spPr>
+        <p:style>
+          <a:lnRef idx="3">
+            <a:schemeClr val="dk1"/>
+          </a:lnRef>
+          <a:fillRef idx="0">
+            <a:schemeClr val="dk1"/>
+          </a:fillRef>
+          <a:effectRef idx="2">
+            <a:schemeClr val="dk1"/>
+          </a:effectRef>
+          <a:fontRef idx="minor">
+            <a:schemeClr val="tx1"/>
+          </a:fontRef>
+        </p:style>
+      </p:cxnSp>
+      <p:pic>
+        <p:nvPicPr>
+          <p:cNvPr id="57" name="Image 56">
+            <a:extLst>
+              <a:ext uri="{FF2B5EF4-FFF2-40B4-BE49-F238E27FC236}">
+                <a16:creationId xmlns:a16="http://schemas.microsoft.com/office/drawing/2014/main" id="{12B16FB2-5844-4B92-AE69-9BAC858C22BB}"/>
+              </a:ext>
+            </a:extLst>
+          </p:cNvPr>
+          <p:cNvPicPr>
+            <a:picLocks noChangeAspect="1"/>
+          </p:cNvPicPr>
+          <p:nvPr/>
+        </p:nvPicPr>
+        <p:blipFill>
+          <a:blip r:embed="rId3">
+            <a:extLst>
+              <a:ext uri="{28A0092B-C50C-407E-A947-70E740481C1C}">
+                <a14:useLocalDpi xmlns:a14="http://schemas.microsoft.com/office/drawing/2010/main" val="0"/>
+              </a:ext>
+            </a:extLst>
+          </a:blip>
+          <a:stretch>
+            <a:fillRect/>
+          </a:stretch>
+        </p:blipFill>
+        <p:spPr>
+          <a:xfrm>
+            <a:off x="9681085" y="238153"/>
+            <a:ext cx="1802101" cy="569807"/>
+          </a:xfrm>
+          <a:prstGeom prst="rect">
+            <a:avLst/>
+          </a:prstGeom>
+        </p:spPr>
+      </p:pic>
+      <p:cxnSp>
+        <p:nvCxnSpPr>
+          <p:cNvPr id="58" name="Connecteur droit 57">
+            <a:extLst>
+              <a:ext uri="{FF2B5EF4-FFF2-40B4-BE49-F238E27FC236}">
+                <a16:creationId xmlns:a16="http://schemas.microsoft.com/office/drawing/2014/main" id="{01599350-F8B0-4FDC-B003-981189A8D654}"/>
+              </a:ext>
+            </a:extLst>
+          </p:cNvPr>
+          <p:cNvCxnSpPr>
+            <a:cxnSpLocks/>
+          </p:cNvCxnSpPr>
+          <p:nvPr/>
+        </p:nvCxnSpPr>
+        <p:spPr>
+          <a:xfrm>
+            <a:off x="2573222" y="454803"/>
+            <a:ext cx="6829482" cy="10398"/>
+          </a:xfrm>
+          <a:prstGeom prst="line">
+            <a:avLst/>
+          </a:prstGeom>
+        </p:spPr>
+        <p:style>
+          <a:lnRef idx="3">
+            <a:schemeClr val="dk1"/>
+          </a:lnRef>
+          <a:fillRef idx="0">
+            <a:schemeClr val="dk1"/>
+          </a:fillRef>
+          <a:effectRef idx="2">
+            <a:schemeClr val="dk1"/>
+          </a:effectRef>
+          <a:fontRef idx="minor">
+            <a:schemeClr val="tx1"/>
+          </a:fontRef>
+        </p:style>
+      </p:cxnSp>
+      <p:cxnSp>
+        <p:nvCxnSpPr>
+          <p:cNvPr id="59" name="Connecteur droit 58">
+            <a:extLst>
+              <a:ext uri="{FF2B5EF4-FFF2-40B4-BE49-F238E27FC236}">
+                <a16:creationId xmlns:a16="http://schemas.microsoft.com/office/drawing/2014/main" id="{BC6E6150-6054-4785-84EC-0C46D82034C2}"/>
+              </a:ext>
+            </a:extLst>
+          </p:cNvPr>
+          <p:cNvCxnSpPr>
+            <a:cxnSpLocks/>
+          </p:cNvCxnSpPr>
+          <p:nvPr/>
+        </p:nvCxnSpPr>
+        <p:spPr>
+          <a:xfrm>
+            <a:off x="738231" y="454803"/>
+            <a:ext cx="344203" cy="484764"/>
+          </a:xfrm>
+          <a:prstGeom prst="line">
+            <a:avLst/>
+          </a:prstGeom>
+        </p:spPr>
+        <p:style>
+          <a:lnRef idx="3">
+            <a:schemeClr val="dk1"/>
+          </a:lnRef>
+          <a:fillRef idx="0">
+            <a:schemeClr val="dk1"/>
+          </a:fillRef>
+          <a:effectRef idx="2">
+            <a:schemeClr val="dk1"/>
+          </a:effectRef>
+          <a:fontRef idx="minor">
+            <a:schemeClr val="tx1"/>
+          </a:fontRef>
+        </p:style>
+      </p:cxnSp>
+      <p:cxnSp>
+        <p:nvCxnSpPr>
+          <p:cNvPr id="60" name="Connecteur droit 59">
+            <a:extLst>
+              <a:ext uri="{FF2B5EF4-FFF2-40B4-BE49-F238E27FC236}">
+                <a16:creationId xmlns:a16="http://schemas.microsoft.com/office/drawing/2014/main" id="{CBC9961A-8EC2-4287-A398-BCA4138D409D}"/>
+              </a:ext>
+            </a:extLst>
+          </p:cNvPr>
+          <p:cNvCxnSpPr>
+            <a:cxnSpLocks/>
+          </p:cNvCxnSpPr>
+          <p:nvPr/>
+        </p:nvCxnSpPr>
+        <p:spPr>
+          <a:xfrm>
+            <a:off x="1082434" y="938268"/>
+            <a:ext cx="1146585" cy="0"/>
+          </a:xfrm>
+          <a:prstGeom prst="line">
+            <a:avLst/>
+          </a:prstGeom>
+        </p:spPr>
+        <p:style>
+          <a:lnRef idx="3">
+            <a:schemeClr val="dk1"/>
+          </a:lnRef>
+          <a:fillRef idx="0">
+            <a:schemeClr val="dk1"/>
+          </a:fillRef>
+          <a:effectRef idx="2">
+            <a:schemeClr val="dk1"/>
+          </a:effectRef>
+          <a:fontRef idx="minor">
+            <a:schemeClr val="tx1"/>
+          </a:fontRef>
+        </p:style>
+      </p:cxnSp>
+      <p:cxnSp>
+        <p:nvCxnSpPr>
+          <p:cNvPr id="61" name="Connecteur droit 60">
+            <a:extLst>
+              <a:ext uri="{FF2B5EF4-FFF2-40B4-BE49-F238E27FC236}">
+                <a16:creationId xmlns:a16="http://schemas.microsoft.com/office/drawing/2014/main" id="{152B7C45-2543-4665-BC07-4DB71CA9F337}"/>
+              </a:ext>
+            </a:extLst>
+          </p:cNvPr>
+          <p:cNvCxnSpPr>
+            <a:cxnSpLocks/>
+          </p:cNvCxnSpPr>
+          <p:nvPr/>
+        </p:nvCxnSpPr>
+        <p:spPr>
+          <a:xfrm>
+            <a:off x="9402704" y="465201"/>
+            <a:ext cx="344203" cy="495163"/>
+          </a:xfrm>
+          <a:prstGeom prst="line">
+            <a:avLst/>
+          </a:prstGeom>
+        </p:spPr>
+        <p:style>
+          <a:lnRef idx="3">
+            <a:schemeClr val="dk1"/>
+          </a:lnRef>
+          <a:fillRef idx="0">
+            <a:schemeClr val="dk1"/>
+          </a:fillRef>
+          <a:effectRef idx="2">
+            <a:schemeClr val="dk1"/>
+          </a:effectRef>
+          <a:fontRef idx="minor">
+            <a:schemeClr val="tx1"/>
+          </a:fontRef>
+        </p:style>
+      </p:cxnSp>
+      <p:cxnSp>
+        <p:nvCxnSpPr>
+          <p:cNvPr id="62" name="Connecteur droit 61">
+            <a:extLst>
+              <a:ext uri="{FF2B5EF4-FFF2-40B4-BE49-F238E27FC236}">
+                <a16:creationId xmlns:a16="http://schemas.microsoft.com/office/drawing/2014/main" id="{00A84DC3-A112-46A3-B71C-04D85339323D}"/>
+              </a:ext>
+            </a:extLst>
+          </p:cNvPr>
+          <p:cNvCxnSpPr>
+            <a:cxnSpLocks/>
+          </p:cNvCxnSpPr>
+          <p:nvPr/>
+        </p:nvCxnSpPr>
+        <p:spPr>
+          <a:xfrm flipH="1">
+            <a:off x="11370469" y="448308"/>
+            <a:ext cx="364332" cy="501657"/>
+          </a:xfrm>
+          <a:prstGeom prst="line">
+            <a:avLst/>
+          </a:prstGeom>
+        </p:spPr>
+        <p:style>
+          <a:lnRef idx="3">
+            <a:schemeClr val="dk1"/>
+          </a:lnRef>
+          <a:fillRef idx="0">
+            <a:schemeClr val="dk1"/>
+          </a:fillRef>
+          <a:effectRef idx="2">
+            <a:schemeClr val="dk1"/>
+          </a:effectRef>
+          <a:fontRef idx="minor">
+            <a:schemeClr val="tx1"/>
+          </a:fontRef>
+        </p:style>
+      </p:cxnSp>
+      <p:cxnSp>
+        <p:nvCxnSpPr>
+          <p:cNvPr id="63" name="Connecteur droit 62">
+            <a:extLst>
+              <a:ext uri="{FF2B5EF4-FFF2-40B4-BE49-F238E27FC236}">
+                <a16:creationId xmlns:a16="http://schemas.microsoft.com/office/drawing/2014/main" id="{C50788C6-8F68-44EC-AB54-94C1D2FE554D}"/>
+              </a:ext>
+            </a:extLst>
+          </p:cNvPr>
+          <p:cNvCxnSpPr>
+            <a:cxnSpLocks/>
+          </p:cNvCxnSpPr>
+          <p:nvPr/>
+        </p:nvCxnSpPr>
+        <p:spPr>
+          <a:xfrm>
+            <a:off x="9743203" y="949965"/>
+            <a:ext cx="1627266" cy="0"/>
+          </a:xfrm>
+          <a:prstGeom prst="line">
+            <a:avLst/>
+          </a:prstGeom>
+        </p:spPr>
+        <p:style>
+          <a:lnRef idx="3">
+            <a:schemeClr val="dk1"/>
+          </a:lnRef>
+          <a:fillRef idx="0">
+            <a:schemeClr val="dk1"/>
+          </a:fillRef>
+          <a:effectRef idx="2">
+            <a:schemeClr val="dk1"/>
+          </a:effectRef>
+          <a:fontRef idx="minor">
+            <a:schemeClr val="tx1"/>
+          </a:fontRef>
+        </p:style>
+      </p:cxnSp>
+      <p:cxnSp>
+        <p:nvCxnSpPr>
+          <p:cNvPr id="64" name="Connecteur droit 63">
+            <a:extLst>
+              <a:ext uri="{FF2B5EF4-FFF2-40B4-BE49-F238E27FC236}">
+                <a16:creationId xmlns:a16="http://schemas.microsoft.com/office/drawing/2014/main" id="{BC4D4E5F-5636-45CB-873C-EC085AB307A3}"/>
+              </a:ext>
+            </a:extLst>
+          </p:cNvPr>
+          <p:cNvCxnSpPr>
+            <a:cxnSpLocks/>
+          </p:cNvCxnSpPr>
+          <p:nvPr/>
+        </p:nvCxnSpPr>
+        <p:spPr>
+          <a:xfrm>
+            <a:off x="11715750" y="454801"/>
+            <a:ext cx="476249" cy="10400"/>
+          </a:xfrm>
+          <a:prstGeom prst="line">
+            <a:avLst/>
+          </a:prstGeom>
+        </p:spPr>
+        <p:style>
+          <a:lnRef idx="3">
+            <a:schemeClr val="dk1"/>
+          </a:lnRef>
+          <a:fillRef idx="0">
+            <a:schemeClr val="dk1"/>
+          </a:fillRef>
+          <a:effectRef idx="2">
+            <a:schemeClr val="dk1"/>
+          </a:effectRef>
+          <a:fontRef idx="minor">
+            <a:schemeClr val="tx1"/>
+          </a:fontRef>
+        </p:style>
+      </p:cxnSp>
+      <p:cxnSp>
+        <p:nvCxnSpPr>
+          <p:cNvPr id="65" name="Connecteur droit 64">
+            <a:extLst>
+              <a:ext uri="{FF2B5EF4-FFF2-40B4-BE49-F238E27FC236}">
+                <a16:creationId xmlns:a16="http://schemas.microsoft.com/office/drawing/2014/main" id="{E6F6B4C5-0E3B-46C9-859D-EE774175D36F}"/>
+              </a:ext>
+            </a:extLst>
+          </p:cNvPr>
+          <p:cNvCxnSpPr>
+            <a:cxnSpLocks/>
+          </p:cNvCxnSpPr>
+          <p:nvPr/>
+        </p:nvCxnSpPr>
+        <p:spPr>
+          <a:xfrm flipH="1">
+            <a:off x="2216372" y="446356"/>
+            <a:ext cx="364332" cy="501657"/>
+          </a:xfrm>
+          <a:prstGeom prst="line">
+            <a:avLst/>
+          </a:prstGeom>
+        </p:spPr>
+        <p:style>
+          <a:lnRef idx="3">
+            <a:schemeClr val="dk1"/>
+          </a:lnRef>
+          <a:fillRef idx="0">
+            <a:schemeClr val="dk1"/>
+          </a:fillRef>
+          <a:effectRef idx="2">
+            <a:schemeClr val="dk1"/>
+          </a:effectRef>
+          <a:fontRef idx="minor">
+            <a:schemeClr val="tx1"/>
+          </a:fontRef>
+        </p:style>
+      </p:cxnSp>
+      <p:sp>
+        <p:nvSpPr>
+          <p:cNvPr id="2" name="ZoneTexte 1">
+            <a:extLst>
+              <a:ext uri="{FF2B5EF4-FFF2-40B4-BE49-F238E27FC236}">
+                <a16:creationId xmlns:a16="http://schemas.microsoft.com/office/drawing/2014/main" id="{27BF8A13-4190-4471-B5A9-233462A7239A}"/>
+              </a:ext>
+            </a:extLst>
+          </p:cNvPr>
+          <p:cNvSpPr txBox="1"/>
+          <p:nvPr/>
+        </p:nvSpPr>
+        <p:spPr>
+          <a:xfrm>
+            <a:off x="3462185" y="563292"/>
+            <a:ext cx="5075325" cy="769441"/>
+          </a:xfrm>
+          <a:prstGeom prst="rect">
+            <a:avLst/>
+          </a:prstGeom>
+          <a:noFill/>
+        </p:spPr>
+        <p:txBody>
+          <a:bodyPr wrap="square" rtlCol="0">
+            <a:spAutoFit/>
+          </a:bodyPr>
+          <a:lstStyle/>
+          <a:p>
+            <a:r>
+              <a:rPr lang="fr-FR" sz="4400" dirty="0">
+                <a:latin typeface="Berlin Sans FB" panose="020E0602020502020306" pitchFamily="34" charset="0"/>
+              </a:rPr>
+              <a:t>Schémas de câblage</a:t>
+            </a:r>
+          </a:p>
+        </p:txBody>
+      </p:sp>
+    </p:spTree>
+    <p:extLst>
+      <p:ext uri="{BB962C8B-B14F-4D97-AF65-F5344CB8AC3E}">
+        <p14:creationId xmlns:p14="http://schemas.microsoft.com/office/powerpoint/2010/main" val="2416629511"/>
+      </p:ext>
+    </p:extLst>
+  </p:cSld>
+  <p:clrMapOvr>
+    <a:masterClrMapping/>
+  </p:clrMapOvr>
+  <mc:AlternateContent xmlns:mc="http://schemas.openxmlformats.org/markup-compatibility/2006" xmlns:p14="http://schemas.microsoft.com/office/powerpoint/2010/main">
+    <mc:Choice Requires="p14">
+      <p:transition spd="slow">
+        <p14:reveal/>
+      </p:transition>
+    </mc:Choice>
+    <mc:Fallback xmlns="">
+      <p:transition spd="slow">
+        <p:fade/>
+      </p:transition>
+    </mc:Fallback>
+  </mc:AlternateContent>
+</p:sld>
+</file>
+
+<file path=ppt/slides/slide14.xml><?xml version="1.0" encoding="utf-8"?>
+<p:sld xmlns:a="http://schemas.openxmlformats.org/drawingml/2006/main" xmlns:r="http://schemas.openxmlformats.org/officeDocument/2006/relationships" xmlns:p="http://schemas.openxmlformats.org/presentationml/2006/main">
+  <p:cSld>
+    <p:spTree>
+      <p:nvGrpSpPr>
+        <p:cNvPr id="1" name=""/>
+        <p:cNvGrpSpPr/>
+        <p:nvPr/>
+      </p:nvGrpSpPr>
+      <p:grpSpPr>
+        <a:xfrm>
+          <a:off x="0" y="0"/>
+          <a:ext cx="0" cy="0"/>
+          <a:chOff x="0" y="0"/>
+          <a:chExt cx="0" cy="0"/>
+        </a:xfrm>
+      </p:grpSpPr>
+      <p:pic>
+        <p:nvPicPr>
+          <p:cNvPr id="8" name="Image 7">
+            <a:extLst>
+              <a:ext uri="{FF2B5EF4-FFF2-40B4-BE49-F238E27FC236}">
+                <a16:creationId xmlns:a16="http://schemas.microsoft.com/office/drawing/2014/main" id="{2BB825C5-31DA-4A56-85EA-536DBF510A31}"/>
+              </a:ext>
+            </a:extLst>
+          </p:cNvPr>
+          <p:cNvPicPr>
+            <a:picLocks noChangeAspect="1"/>
+          </p:cNvPicPr>
+          <p:nvPr/>
+        </p:nvPicPr>
+        <p:blipFill>
+          <a:blip r:embed="rId2">
+            <a:extLst>
+              <a:ext uri="{28A0092B-C50C-407E-A947-70E740481C1C}">
+                <a14:useLocalDpi xmlns:a14="http://schemas.microsoft.com/office/drawing/2010/main" val="0"/>
+              </a:ext>
+            </a:extLst>
+          </a:blip>
+          <a:stretch>
+            <a:fillRect/>
+          </a:stretch>
+        </p:blipFill>
+        <p:spPr>
+          <a:xfrm>
+            <a:off x="1068751" y="66457"/>
+            <a:ext cx="1259497" cy="776690"/>
+          </a:xfrm>
+          <a:prstGeom prst="rect">
+            <a:avLst/>
+          </a:prstGeom>
+        </p:spPr>
+      </p:pic>
+      <p:pic>
+        <p:nvPicPr>
+          <p:cNvPr id="10" name="Image 9">
+            <a:extLst>
+              <a:ext uri="{FF2B5EF4-FFF2-40B4-BE49-F238E27FC236}">
+                <a16:creationId xmlns:a16="http://schemas.microsoft.com/office/drawing/2014/main" id="{8EE7436F-49F2-41E0-93E4-D247B4705294}"/>
+              </a:ext>
+            </a:extLst>
+          </p:cNvPr>
+          <p:cNvPicPr>
+            <a:picLocks noChangeAspect="1"/>
+          </p:cNvPicPr>
+          <p:nvPr/>
+        </p:nvPicPr>
+        <p:blipFill>
+          <a:blip r:embed="rId3">
+            <a:extLst>
+              <a:ext uri="{28A0092B-C50C-407E-A947-70E740481C1C}">
+                <a14:useLocalDpi xmlns:a14="http://schemas.microsoft.com/office/drawing/2010/main" val="0"/>
+              </a:ext>
+            </a:extLst>
+          </a:blip>
+          <a:stretch>
+            <a:fillRect/>
+          </a:stretch>
+        </p:blipFill>
+        <p:spPr>
+          <a:xfrm>
+            <a:off x="9681085" y="238153"/>
+            <a:ext cx="1802101" cy="569807"/>
+          </a:xfrm>
+          <a:prstGeom prst="rect">
+            <a:avLst/>
+          </a:prstGeom>
+        </p:spPr>
+      </p:pic>
+      <p:cxnSp>
+        <p:nvCxnSpPr>
+          <p:cNvPr id="16" name="Connecteur droit 15">
+            <a:extLst>
+              <a:ext uri="{FF2B5EF4-FFF2-40B4-BE49-F238E27FC236}">
+                <a16:creationId xmlns:a16="http://schemas.microsoft.com/office/drawing/2014/main" id="{7319284A-BD6F-4A96-8E2B-E0A4B52E53C6}"/>
+              </a:ext>
+            </a:extLst>
+          </p:cNvPr>
+          <p:cNvCxnSpPr>
+            <a:cxnSpLocks/>
+          </p:cNvCxnSpPr>
+          <p:nvPr/>
+        </p:nvCxnSpPr>
+        <p:spPr>
+          <a:xfrm flipV="1">
+            <a:off x="0" y="454803"/>
+            <a:ext cx="738231" cy="1798"/>
+          </a:xfrm>
+          <a:prstGeom prst="line">
+            <a:avLst/>
+          </a:prstGeom>
+        </p:spPr>
+        <p:style>
+          <a:lnRef idx="3">
+            <a:schemeClr val="dk1"/>
+          </a:lnRef>
+          <a:fillRef idx="0">
+            <a:schemeClr val="dk1"/>
+          </a:fillRef>
+          <a:effectRef idx="2">
+            <a:schemeClr val="dk1"/>
+          </a:effectRef>
+          <a:fontRef idx="minor">
+            <a:schemeClr val="tx1"/>
+          </a:fontRef>
+        </p:style>
+      </p:cxnSp>
+      <p:cxnSp>
+        <p:nvCxnSpPr>
+          <p:cNvPr id="20" name="Connecteur droit 19">
+            <a:extLst>
+              <a:ext uri="{FF2B5EF4-FFF2-40B4-BE49-F238E27FC236}">
+                <a16:creationId xmlns:a16="http://schemas.microsoft.com/office/drawing/2014/main" id="{08874CF7-F149-4C81-B61E-74E18342BA8A}"/>
+              </a:ext>
+            </a:extLst>
+          </p:cNvPr>
+          <p:cNvCxnSpPr>
+            <a:cxnSpLocks/>
+          </p:cNvCxnSpPr>
+          <p:nvPr/>
+        </p:nvCxnSpPr>
+        <p:spPr>
+          <a:xfrm>
+            <a:off x="2573222" y="454803"/>
+            <a:ext cx="6829482" cy="10398"/>
+          </a:xfrm>
+          <a:prstGeom prst="line">
+            <a:avLst/>
+          </a:prstGeom>
+        </p:spPr>
+        <p:style>
+          <a:lnRef idx="3">
+            <a:schemeClr val="dk1"/>
+          </a:lnRef>
+          <a:fillRef idx="0">
+            <a:schemeClr val="dk1"/>
+          </a:fillRef>
+          <a:effectRef idx="2">
+            <a:schemeClr val="dk1"/>
+          </a:effectRef>
+          <a:fontRef idx="minor">
+            <a:schemeClr val="tx1"/>
+          </a:fontRef>
+        </p:style>
+      </p:cxnSp>
+      <p:cxnSp>
+        <p:nvCxnSpPr>
+          <p:cNvPr id="26" name="Connecteur droit 25">
+            <a:extLst>
+              <a:ext uri="{FF2B5EF4-FFF2-40B4-BE49-F238E27FC236}">
+                <a16:creationId xmlns:a16="http://schemas.microsoft.com/office/drawing/2014/main" id="{BB3B35CC-057B-48C1-880F-3306A6559175}"/>
+              </a:ext>
+            </a:extLst>
+          </p:cNvPr>
+          <p:cNvCxnSpPr>
+            <a:cxnSpLocks/>
+          </p:cNvCxnSpPr>
+          <p:nvPr/>
+        </p:nvCxnSpPr>
+        <p:spPr>
+          <a:xfrm>
+            <a:off x="738231" y="454803"/>
+            <a:ext cx="344203" cy="484764"/>
+          </a:xfrm>
+          <a:prstGeom prst="line">
+            <a:avLst/>
+          </a:prstGeom>
+        </p:spPr>
+        <p:style>
+          <a:lnRef idx="3">
+            <a:schemeClr val="dk1"/>
+          </a:lnRef>
+          <a:fillRef idx="0">
+            <a:schemeClr val="dk1"/>
+          </a:fillRef>
+          <a:effectRef idx="2">
+            <a:schemeClr val="dk1"/>
+          </a:effectRef>
+          <a:fontRef idx="minor">
+            <a:schemeClr val="tx1"/>
+          </a:fontRef>
+        </p:style>
+      </p:cxnSp>
+      <p:cxnSp>
+        <p:nvCxnSpPr>
+          <p:cNvPr id="32" name="Connecteur droit 31">
+            <a:extLst>
+              <a:ext uri="{FF2B5EF4-FFF2-40B4-BE49-F238E27FC236}">
+                <a16:creationId xmlns:a16="http://schemas.microsoft.com/office/drawing/2014/main" id="{4AD96496-1EB6-4E48-9BB2-5C255495C686}"/>
+              </a:ext>
+            </a:extLst>
+          </p:cNvPr>
+          <p:cNvCxnSpPr>
+            <a:cxnSpLocks/>
+          </p:cNvCxnSpPr>
+          <p:nvPr/>
+        </p:nvCxnSpPr>
+        <p:spPr>
+          <a:xfrm>
+            <a:off x="1082434" y="938268"/>
+            <a:ext cx="1146585" cy="0"/>
+          </a:xfrm>
+          <a:prstGeom prst="line">
+            <a:avLst/>
+          </a:prstGeom>
+        </p:spPr>
+        <p:style>
+          <a:lnRef idx="3">
+            <a:schemeClr val="dk1"/>
+          </a:lnRef>
+          <a:fillRef idx="0">
+            <a:schemeClr val="dk1"/>
+          </a:fillRef>
+          <a:effectRef idx="2">
+            <a:schemeClr val="dk1"/>
+          </a:effectRef>
+          <a:fontRef idx="minor">
+            <a:schemeClr val="tx1"/>
+          </a:fontRef>
+        </p:style>
+      </p:cxnSp>
+      <p:cxnSp>
+        <p:nvCxnSpPr>
+          <p:cNvPr id="51" name="Connecteur droit 50">
+            <a:extLst>
+              <a:ext uri="{FF2B5EF4-FFF2-40B4-BE49-F238E27FC236}">
+                <a16:creationId xmlns:a16="http://schemas.microsoft.com/office/drawing/2014/main" id="{C035BFA6-ECBF-4775-BA81-19D2CA41AA8D}"/>
+              </a:ext>
+            </a:extLst>
+          </p:cNvPr>
+          <p:cNvCxnSpPr>
+            <a:cxnSpLocks/>
+          </p:cNvCxnSpPr>
+          <p:nvPr/>
+        </p:nvCxnSpPr>
+        <p:spPr>
+          <a:xfrm>
+            <a:off x="9402704" y="465201"/>
+            <a:ext cx="344203" cy="495163"/>
+          </a:xfrm>
+          <a:prstGeom prst="line">
+            <a:avLst/>
+          </a:prstGeom>
+        </p:spPr>
+        <p:style>
+          <a:lnRef idx="3">
+            <a:schemeClr val="dk1"/>
+          </a:lnRef>
+          <a:fillRef idx="0">
+            <a:schemeClr val="dk1"/>
+          </a:fillRef>
+          <a:effectRef idx="2">
+            <a:schemeClr val="dk1"/>
+          </a:effectRef>
+          <a:fontRef idx="minor">
+            <a:schemeClr val="tx1"/>
+          </a:fontRef>
+        </p:style>
+      </p:cxnSp>
+      <p:cxnSp>
+        <p:nvCxnSpPr>
+          <p:cNvPr id="52" name="Connecteur droit 51">
+            <a:extLst>
+              <a:ext uri="{FF2B5EF4-FFF2-40B4-BE49-F238E27FC236}">
+                <a16:creationId xmlns:a16="http://schemas.microsoft.com/office/drawing/2014/main" id="{FA310BC7-694B-4984-99A2-61A1F4F6EBF9}"/>
+              </a:ext>
+            </a:extLst>
+          </p:cNvPr>
+          <p:cNvCxnSpPr>
+            <a:cxnSpLocks/>
+          </p:cNvCxnSpPr>
+          <p:nvPr/>
+        </p:nvCxnSpPr>
+        <p:spPr>
+          <a:xfrm flipH="1">
+            <a:off x="11370469" y="448308"/>
+            <a:ext cx="364332" cy="501657"/>
+          </a:xfrm>
+          <a:prstGeom prst="line">
+            <a:avLst/>
+          </a:prstGeom>
+        </p:spPr>
+        <p:style>
+          <a:lnRef idx="3">
+            <a:schemeClr val="dk1"/>
+          </a:lnRef>
+          <a:fillRef idx="0">
+            <a:schemeClr val="dk1"/>
+          </a:fillRef>
+          <a:effectRef idx="2">
+            <a:schemeClr val="dk1"/>
+          </a:effectRef>
+          <a:fontRef idx="minor">
+            <a:schemeClr val="tx1"/>
+          </a:fontRef>
+        </p:style>
+      </p:cxnSp>
+      <p:cxnSp>
+        <p:nvCxnSpPr>
+          <p:cNvPr id="53" name="Connecteur droit 52">
+            <a:extLst>
+              <a:ext uri="{FF2B5EF4-FFF2-40B4-BE49-F238E27FC236}">
+                <a16:creationId xmlns:a16="http://schemas.microsoft.com/office/drawing/2014/main" id="{BE0649BD-EE59-4DDA-960F-95B2572F9F13}"/>
+              </a:ext>
+            </a:extLst>
+          </p:cNvPr>
+          <p:cNvCxnSpPr>
+            <a:cxnSpLocks/>
+          </p:cNvCxnSpPr>
+          <p:nvPr/>
+        </p:nvCxnSpPr>
+        <p:spPr>
+          <a:xfrm>
+            <a:off x="9743203" y="949965"/>
+            <a:ext cx="1627266" cy="0"/>
+          </a:xfrm>
+          <a:prstGeom prst="line">
+            <a:avLst/>
+          </a:prstGeom>
+        </p:spPr>
+        <p:style>
+          <a:lnRef idx="3">
+            <a:schemeClr val="dk1"/>
+          </a:lnRef>
+          <a:fillRef idx="0">
+            <a:schemeClr val="dk1"/>
+          </a:fillRef>
+          <a:effectRef idx="2">
+            <a:schemeClr val="dk1"/>
+          </a:effectRef>
+          <a:fontRef idx="minor">
+            <a:schemeClr val="tx1"/>
+          </a:fontRef>
+        </p:style>
+      </p:cxnSp>
+      <p:cxnSp>
+        <p:nvCxnSpPr>
+          <p:cNvPr id="55" name="Connecteur droit 54">
+            <a:extLst>
+              <a:ext uri="{FF2B5EF4-FFF2-40B4-BE49-F238E27FC236}">
+                <a16:creationId xmlns:a16="http://schemas.microsoft.com/office/drawing/2014/main" id="{52AA9200-DAFA-4EEF-AC13-4C7CE82A59EC}"/>
+              </a:ext>
+            </a:extLst>
+          </p:cNvPr>
+          <p:cNvCxnSpPr>
+            <a:cxnSpLocks/>
+          </p:cNvCxnSpPr>
+          <p:nvPr/>
+        </p:nvCxnSpPr>
+        <p:spPr>
+          <a:xfrm>
+            <a:off x="11715750" y="454801"/>
+            <a:ext cx="476249" cy="10400"/>
+          </a:xfrm>
+          <a:prstGeom prst="line">
+            <a:avLst/>
+          </a:prstGeom>
+        </p:spPr>
+        <p:style>
+          <a:lnRef idx="3">
+            <a:schemeClr val="dk1"/>
+          </a:lnRef>
+          <a:fillRef idx="0">
+            <a:schemeClr val="dk1"/>
+          </a:fillRef>
+          <a:effectRef idx="2">
+            <a:schemeClr val="dk1"/>
+          </a:effectRef>
+          <a:fontRef idx="minor">
+            <a:schemeClr val="tx1"/>
+          </a:fontRef>
+        </p:style>
+      </p:cxnSp>
+      <p:cxnSp>
+        <p:nvCxnSpPr>
+          <p:cNvPr id="23" name="Connecteur droit 22">
+            <a:extLst>
+              <a:ext uri="{FF2B5EF4-FFF2-40B4-BE49-F238E27FC236}">
+                <a16:creationId xmlns:a16="http://schemas.microsoft.com/office/drawing/2014/main" id="{BCB092C8-0080-4E56-957E-0046D4C83988}"/>
+              </a:ext>
+            </a:extLst>
+          </p:cNvPr>
+          <p:cNvCxnSpPr>
+            <a:cxnSpLocks/>
+          </p:cNvCxnSpPr>
+          <p:nvPr/>
+        </p:nvCxnSpPr>
+        <p:spPr>
+          <a:xfrm flipH="1">
+            <a:off x="2216372" y="446356"/>
+            <a:ext cx="364332" cy="501657"/>
+          </a:xfrm>
+          <a:prstGeom prst="line">
+            <a:avLst/>
+          </a:prstGeom>
+        </p:spPr>
+        <p:style>
+          <a:lnRef idx="3">
+            <a:schemeClr val="dk1"/>
+          </a:lnRef>
+          <a:fillRef idx="0">
+            <a:schemeClr val="dk1"/>
+          </a:fillRef>
+          <a:effectRef idx="2">
+            <a:schemeClr val="dk1"/>
+          </a:effectRef>
+          <a:fontRef idx="minor">
+            <a:schemeClr val="tx1"/>
+          </a:fontRef>
+        </p:style>
+      </p:cxnSp>
+      <p:pic>
+        <p:nvPicPr>
+          <p:cNvPr id="57" name="Image 56">
+            <a:extLst>
+              <a:ext uri="{FF2B5EF4-FFF2-40B4-BE49-F238E27FC236}">
+                <a16:creationId xmlns:a16="http://schemas.microsoft.com/office/drawing/2014/main" id="{12B16FB2-5844-4B92-AE69-9BAC858C22BB}"/>
+              </a:ext>
+            </a:extLst>
+          </p:cNvPr>
+          <p:cNvPicPr>
+            <a:picLocks noChangeAspect="1"/>
+          </p:cNvPicPr>
+          <p:nvPr/>
+        </p:nvPicPr>
+        <p:blipFill>
+          <a:blip r:embed="rId3">
+            <a:extLst>
+              <a:ext uri="{28A0092B-C50C-407E-A947-70E740481C1C}">
+                <a14:useLocalDpi xmlns:a14="http://schemas.microsoft.com/office/drawing/2010/main" val="0"/>
+              </a:ext>
+            </a:extLst>
+          </a:blip>
+          <a:stretch>
+            <a:fillRect/>
+          </a:stretch>
+        </p:blipFill>
+        <p:spPr>
+          <a:xfrm>
+            <a:off x="9681085" y="238153"/>
+            <a:ext cx="1802101" cy="569807"/>
+          </a:xfrm>
+          <a:prstGeom prst="rect">
+            <a:avLst/>
+          </a:prstGeom>
+        </p:spPr>
+      </p:pic>
+      <p:cxnSp>
+        <p:nvCxnSpPr>
+          <p:cNvPr id="58" name="Connecteur droit 57">
+            <a:extLst>
+              <a:ext uri="{FF2B5EF4-FFF2-40B4-BE49-F238E27FC236}">
+                <a16:creationId xmlns:a16="http://schemas.microsoft.com/office/drawing/2014/main" id="{01599350-F8B0-4FDC-B003-981189A8D654}"/>
+              </a:ext>
+            </a:extLst>
+          </p:cNvPr>
+          <p:cNvCxnSpPr>
+            <a:cxnSpLocks/>
+          </p:cNvCxnSpPr>
+          <p:nvPr/>
+        </p:nvCxnSpPr>
+        <p:spPr>
+          <a:xfrm>
+            <a:off x="2573222" y="454803"/>
+            <a:ext cx="6829482" cy="10398"/>
+          </a:xfrm>
+          <a:prstGeom prst="line">
+            <a:avLst/>
+          </a:prstGeom>
+        </p:spPr>
+        <p:style>
+          <a:lnRef idx="3">
+            <a:schemeClr val="dk1"/>
+          </a:lnRef>
+          <a:fillRef idx="0">
+            <a:schemeClr val="dk1"/>
+          </a:fillRef>
+          <a:effectRef idx="2">
+            <a:schemeClr val="dk1"/>
+          </a:effectRef>
+          <a:fontRef idx="minor">
+            <a:schemeClr val="tx1"/>
+          </a:fontRef>
+        </p:style>
+      </p:cxnSp>
+      <p:cxnSp>
+        <p:nvCxnSpPr>
+          <p:cNvPr id="59" name="Connecteur droit 58">
+            <a:extLst>
+              <a:ext uri="{FF2B5EF4-FFF2-40B4-BE49-F238E27FC236}">
+                <a16:creationId xmlns:a16="http://schemas.microsoft.com/office/drawing/2014/main" id="{BC6E6150-6054-4785-84EC-0C46D82034C2}"/>
+              </a:ext>
+            </a:extLst>
+          </p:cNvPr>
+          <p:cNvCxnSpPr>
+            <a:cxnSpLocks/>
+          </p:cNvCxnSpPr>
+          <p:nvPr/>
+        </p:nvCxnSpPr>
+        <p:spPr>
+          <a:xfrm>
+            <a:off x="738231" y="454803"/>
+            <a:ext cx="344203" cy="484764"/>
+          </a:xfrm>
+          <a:prstGeom prst="line">
+            <a:avLst/>
+          </a:prstGeom>
+        </p:spPr>
+        <p:style>
+          <a:lnRef idx="3">
+            <a:schemeClr val="dk1"/>
+          </a:lnRef>
+          <a:fillRef idx="0">
+            <a:schemeClr val="dk1"/>
+          </a:fillRef>
+          <a:effectRef idx="2">
+            <a:schemeClr val="dk1"/>
+          </a:effectRef>
+          <a:fontRef idx="minor">
+            <a:schemeClr val="tx1"/>
+          </a:fontRef>
+        </p:style>
+      </p:cxnSp>
+      <p:cxnSp>
+        <p:nvCxnSpPr>
+          <p:cNvPr id="60" name="Connecteur droit 59">
+            <a:extLst>
+              <a:ext uri="{FF2B5EF4-FFF2-40B4-BE49-F238E27FC236}">
+                <a16:creationId xmlns:a16="http://schemas.microsoft.com/office/drawing/2014/main" id="{CBC9961A-8EC2-4287-A398-BCA4138D409D}"/>
+              </a:ext>
+            </a:extLst>
+          </p:cNvPr>
+          <p:cNvCxnSpPr>
+            <a:cxnSpLocks/>
+          </p:cNvCxnSpPr>
+          <p:nvPr/>
+        </p:nvCxnSpPr>
+        <p:spPr>
+          <a:xfrm>
+            <a:off x="1082434" y="938268"/>
+            <a:ext cx="1146585" cy="0"/>
+          </a:xfrm>
+          <a:prstGeom prst="line">
+            <a:avLst/>
+          </a:prstGeom>
+        </p:spPr>
+        <p:style>
+          <a:lnRef idx="3">
+            <a:schemeClr val="dk1"/>
+          </a:lnRef>
+          <a:fillRef idx="0">
+            <a:schemeClr val="dk1"/>
+          </a:fillRef>
+          <a:effectRef idx="2">
+            <a:schemeClr val="dk1"/>
+          </a:effectRef>
+          <a:fontRef idx="minor">
+            <a:schemeClr val="tx1"/>
+          </a:fontRef>
+        </p:style>
+      </p:cxnSp>
+      <p:cxnSp>
+        <p:nvCxnSpPr>
+          <p:cNvPr id="61" name="Connecteur droit 60">
+            <a:extLst>
+              <a:ext uri="{FF2B5EF4-FFF2-40B4-BE49-F238E27FC236}">
+                <a16:creationId xmlns:a16="http://schemas.microsoft.com/office/drawing/2014/main" id="{152B7C45-2543-4665-BC07-4DB71CA9F337}"/>
+              </a:ext>
+            </a:extLst>
+          </p:cNvPr>
+          <p:cNvCxnSpPr>
+            <a:cxnSpLocks/>
+          </p:cNvCxnSpPr>
+          <p:nvPr/>
+        </p:nvCxnSpPr>
+        <p:spPr>
+          <a:xfrm>
+            <a:off x="9402704" y="465201"/>
+            <a:ext cx="344203" cy="495163"/>
+          </a:xfrm>
+          <a:prstGeom prst="line">
+            <a:avLst/>
+          </a:prstGeom>
+        </p:spPr>
+        <p:style>
+          <a:lnRef idx="3">
+            <a:schemeClr val="dk1"/>
+          </a:lnRef>
+          <a:fillRef idx="0">
+            <a:schemeClr val="dk1"/>
+          </a:fillRef>
+          <a:effectRef idx="2">
+            <a:schemeClr val="dk1"/>
+          </a:effectRef>
+          <a:fontRef idx="minor">
+            <a:schemeClr val="tx1"/>
+          </a:fontRef>
+        </p:style>
+      </p:cxnSp>
+      <p:cxnSp>
+        <p:nvCxnSpPr>
+          <p:cNvPr id="62" name="Connecteur droit 61">
+            <a:extLst>
+              <a:ext uri="{FF2B5EF4-FFF2-40B4-BE49-F238E27FC236}">
+                <a16:creationId xmlns:a16="http://schemas.microsoft.com/office/drawing/2014/main" id="{00A84DC3-A112-46A3-B71C-04D85339323D}"/>
+              </a:ext>
+            </a:extLst>
+          </p:cNvPr>
+          <p:cNvCxnSpPr>
+            <a:cxnSpLocks/>
+          </p:cNvCxnSpPr>
+          <p:nvPr/>
+        </p:nvCxnSpPr>
+        <p:spPr>
+          <a:xfrm flipH="1">
+            <a:off x="11370469" y="448308"/>
+            <a:ext cx="364332" cy="501657"/>
+          </a:xfrm>
+          <a:prstGeom prst="line">
+            <a:avLst/>
+          </a:prstGeom>
+        </p:spPr>
+        <p:style>
+          <a:lnRef idx="3">
+            <a:schemeClr val="dk1"/>
+          </a:lnRef>
+          <a:fillRef idx="0">
+            <a:schemeClr val="dk1"/>
+          </a:fillRef>
+          <a:effectRef idx="2">
+            <a:schemeClr val="dk1"/>
+          </a:effectRef>
+          <a:fontRef idx="minor">
+            <a:schemeClr val="tx1"/>
+          </a:fontRef>
+        </p:style>
+      </p:cxnSp>
+      <p:cxnSp>
+        <p:nvCxnSpPr>
+          <p:cNvPr id="63" name="Connecteur droit 62">
+            <a:extLst>
+              <a:ext uri="{FF2B5EF4-FFF2-40B4-BE49-F238E27FC236}">
+                <a16:creationId xmlns:a16="http://schemas.microsoft.com/office/drawing/2014/main" id="{C50788C6-8F68-44EC-AB54-94C1D2FE554D}"/>
+              </a:ext>
+            </a:extLst>
+          </p:cNvPr>
+          <p:cNvCxnSpPr>
+            <a:cxnSpLocks/>
+          </p:cNvCxnSpPr>
+          <p:nvPr/>
+        </p:nvCxnSpPr>
+        <p:spPr>
+          <a:xfrm>
+            <a:off x="9743203" y="949965"/>
+            <a:ext cx="1627266" cy="0"/>
+          </a:xfrm>
+          <a:prstGeom prst="line">
+            <a:avLst/>
+          </a:prstGeom>
+        </p:spPr>
+        <p:style>
+          <a:lnRef idx="3">
+            <a:schemeClr val="dk1"/>
+          </a:lnRef>
+          <a:fillRef idx="0">
+            <a:schemeClr val="dk1"/>
+          </a:fillRef>
+          <a:effectRef idx="2">
+            <a:schemeClr val="dk1"/>
+          </a:effectRef>
+          <a:fontRef idx="minor">
+            <a:schemeClr val="tx1"/>
+          </a:fontRef>
+        </p:style>
+      </p:cxnSp>
+      <p:cxnSp>
+        <p:nvCxnSpPr>
+          <p:cNvPr id="64" name="Connecteur droit 63">
+            <a:extLst>
+              <a:ext uri="{FF2B5EF4-FFF2-40B4-BE49-F238E27FC236}">
+                <a16:creationId xmlns:a16="http://schemas.microsoft.com/office/drawing/2014/main" id="{BC4D4E5F-5636-45CB-873C-EC085AB307A3}"/>
+              </a:ext>
+            </a:extLst>
+          </p:cNvPr>
+          <p:cNvCxnSpPr>
+            <a:cxnSpLocks/>
+          </p:cNvCxnSpPr>
+          <p:nvPr/>
+        </p:nvCxnSpPr>
+        <p:spPr>
+          <a:xfrm>
+            <a:off x="11715750" y="454801"/>
+            <a:ext cx="476249" cy="10400"/>
+          </a:xfrm>
+          <a:prstGeom prst="line">
+            <a:avLst/>
+          </a:prstGeom>
+        </p:spPr>
+        <p:style>
+          <a:lnRef idx="3">
+            <a:schemeClr val="dk1"/>
+          </a:lnRef>
+          <a:fillRef idx="0">
+            <a:schemeClr val="dk1"/>
+          </a:fillRef>
+          <a:effectRef idx="2">
+            <a:schemeClr val="dk1"/>
+          </a:effectRef>
+          <a:fontRef idx="minor">
+            <a:schemeClr val="tx1"/>
+          </a:fontRef>
+        </p:style>
+      </p:cxnSp>
+      <p:cxnSp>
+        <p:nvCxnSpPr>
+          <p:cNvPr id="65" name="Connecteur droit 64">
+            <a:extLst>
+              <a:ext uri="{FF2B5EF4-FFF2-40B4-BE49-F238E27FC236}">
+                <a16:creationId xmlns:a16="http://schemas.microsoft.com/office/drawing/2014/main" id="{E6F6B4C5-0E3B-46C9-859D-EE774175D36F}"/>
+              </a:ext>
+            </a:extLst>
+          </p:cNvPr>
+          <p:cNvCxnSpPr>
+            <a:cxnSpLocks/>
+          </p:cNvCxnSpPr>
+          <p:nvPr/>
+        </p:nvCxnSpPr>
+        <p:spPr>
+          <a:xfrm flipH="1">
+            <a:off x="2216372" y="446356"/>
+            <a:ext cx="364332" cy="501657"/>
+          </a:xfrm>
+          <a:prstGeom prst="line">
+            <a:avLst/>
+          </a:prstGeom>
+        </p:spPr>
+        <p:style>
+          <a:lnRef idx="3">
+            <a:schemeClr val="dk1"/>
+          </a:lnRef>
+          <a:fillRef idx="0">
+            <a:schemeClr val="dk1"/>
+          </a:fillRef>
+          <a:effectRef idx="2">
+            <a:schemeClr val="dk1"/>
+          </a:effectRef>
+          <a:fontRef idx="minor">
+            <a:schemeClr val="tx1"/>
+          </a:fontRef>
+        </p:style>
+      </p:cxnSp>
+      <p:sp>
+        <p:nvSpPr>
+          <p:cNvPr id="2" name="ZoneTexte 1">
+            <a:extLst>
+              <a:ext uri="{FF2B5EF4-FFF2-40B4-BE49-F238E27FC236}">
+                <a16:creationId xmlns:a16="http://schemas.microsoft.com/office/drawing/2014/main" id="{27BF8A13-4190-4471-B5A9-233462A7239A}"/>
+              </a:ext>
+            </a:extLst>
+          </p:cNvPr>
+          <p:cNvSpPr txBox="1"/>
+          <p:nvPr/>
+        </p:nvSpPr>
+        <p:spPr>
+          <a:xfrm>
+            <a:off x="3462185" y="563292"/>
+            <a:ext cx="5075325" cy="769441"/>
+          </a:xfrm>
+          <a:prstGeom prst="rect">
+            <a:avLst/>
+          </a:prstGeom>
+          <a:noFill/>
+        </p:spPr>
+        <p:txBody>
+          <a:bodyPr wrap="square" rtlCol="0">
+            <a:spAutoFit/>
+          </a:bodyPr>
+          <a:lstStyle/>
+          <a:p>
+            <a:r>
+              <a:rPr lang="fr-FR" sz="4400" dirty="0">
+                <a:latin typeface="Berlin Sans FB" panose="020E0602020502020306" pitchFamily="34" charset="0"/>
+              </a:rPr>
+              <a:t>Schémas de câblage</a:t>
+            </a:r>
+          </a:p>
+        </p:txBody>
+      </p:sp>
+    </p:spTree>
+    <p:extLst>
+      <p:ext uri="{BB962C8B-B14F-4D97-AF65-F5344CB8AC3E}">
+        <p14:creationId xmlns:p14="http://schemas.microsoft.com/office/powerpoint/2010/main" val="2882467282"/>
+      </p:ext>
+    </p:extLst>
+  </p:cSld>
+  <p:clrMapOvr>
+    <a:masterClrMapping/>
+  </p:clrMapOvr>
+  <mc:AlternateContent xmlns:mc="http://schemas.openxmlformats.org/markup-compatibility/2006" xmlns:p14="http://schemas.microsoft.com/office/powerpoint/2010/main">
+    <mc:Choice Requires="p14">
+      <p:transition spd="slow">
+        <p14:reveal/>
+      </p:transition>
+    </mc:Choice>
+    <mc:Fallback xmlns="">
+      <p:transition spd="slow">
+        <p:fade/>
+      </p:transition>
+    </mc:Fallback>
+  </mc:AlternateContent>
+</p:sld>
+</file>
+
+<file path=ppt/slides/slide15.xml><?xml version="1.0" encoding="utf-8"?>
+<p:sld xmlns:a="http://schemas.openxmlformats.org/drawingml/2006/main" xmlns:r="http://schemas.openxmlformats.org/officeDocument/2006/relationships" xmlns:p="http://schemas.openxmlformats.org/presentationml/2006/main">
+  <p:cSld>
+    <p:spTree>
+      <p:nvGrpSpPr>
+        <p:cNvPr id="1" name=""/>
+        <p:cNvGrpSpPr/>
+        <p:nvPr/>
+      </p:nvGrpSpPr>
+      <p:grpSpPr>
+        <a:xfrm>
+          <a:off x="0" y="0"/>
+          <a:ext cx="0" cy="0"/>
+          <a:chOff x="0" y="0"/>
+          <a:chExt cx="0" cy="0"/>
+        </a:xfrm>
+      </p:grpSpPr>
+      <p:pic>
+        <p:nvPicPr>
+          <p:cNvPr id="8" name="Image 7">
+            <a:extLst>
+              <a:ext uri="{FF2B5EF4-FFF2-40B4-BE49-F238E27FC236}">
+                <a16:creationId xmlns:a16="http://schemas.microsoft.com/office/drawing/2014/main" id="{2BB825C5-31DA-4A56-85EA-536DBF510A31}"/>
+              </a:ext>
+            </a:extLst>
+          </p:cNvPr>
+          <p:cNvPicPr>
+            <a:picLocks noChangeAspect="1"/>
+          </p:cNvPicPr>
+          <p:nvPr/>
+        </p:nvPicPr>
+        <p:blipFill>
+          <a:blip r:embed="rId2">
+            <a:extLst>
+              <a:ext uri="{28A0092B-C50C-407E-A947-70E740481C1C}">
+                <a14:useLocalDpi xmlns:a14="http://schemas.microsoft.com/office/drawing/2010/main" val="0"/>
+              </a:ext>
+            </a:extLst>
+          </a:blip>
+          <a:stretch>
+            <a:fillRect/>
+          </a:stretch>
+        </p:blipFill>
+        <p:spPr>
+          <a:xfrm>
+            <a:off x="1068751" y="66457"/>
+            <a:ext cx="1259497" cy="776690"/>
+          </a:xfrm>
+          <a:prstGeom prst="rect">
+            <a:avLst/>
+          </a:prstGeom>
+        </p:spPr>
+      </p:pic>
+      <p:pic>
+        <p:nvPicPr>
+          <p:cNvPr id="10" name="Image 9">
+            <a:extLst>
+              <a:ext uri="{FF2B5EF4-FFF2-40B4-BE49-F238E27FC236}">
+                <a16:creationId xmlns:a16="http://schemas.microsoft.com/office/drawing/2014/main" id="{8EE7436F-49F2-41E0-93E4-D247B4705294}"/>
+              </a:ext>
+            </a:extLst>
+          </p:cNvPr>
+          <p:cNvPicPr>
+            <a:picLocks noChangeAspect="1"/>
+          </p:cNvPicPr>
+          <p:nvPr/>
+        </p:nvPicPr>
+        <p:blipFill>
+          <a:blip r:embed="rId3">
+            <a:extLst>
+              <a:ext uri="{28A0092B-C50C-407E-A947-70E740481C1C}">
+                <a14:useLocalDpi xmlns:a14="http://schemas.microsoft.com/office/drawing/2010/main" val="0"/>
+              </a:ext>
+            </a:extLst>
+          </a:blip>
+          <a:stretch>
+            <a:fillRect/>
+          </a:stretch>
+        </p:blipFill>
+        <p:spPr>
+          <a:xfrm>
+            <a:off x="9681085" y="238153"/>
+            <a:ext cx="1802101" cy="569807"/>
+          </a:xfrm>
+          <a:prstGeom prst="rect">
+            <a:avLst/>
+          </a:prstGeom>
+        </p:spPr>
+      </p:pic>
+      <p:cxnSp>
+        <p:nvCxnSpPr>
+          <p:cNvPr id="16" name="Connecteur droit 15">
+            <a:extLst>
+              <a:ext uri="{FF2B5EF4-FFF2-40B4-BE49-F238E27FC236}">
+                <a16:creationId xmlns:a16="http://schemas.microsoft.com/office/drawing/2014/main" id="{7319284A-BD6F-4A96-8E2B-E0A4B52E53C6}"/>
+              </a:ext>
+            </a:extLst>
+          </p:cNvPr>
+          <p:cNvCxnSpPr>
+            <a:cxnSpLocks/>
+          </p:cNvCxnSpPr>
+          <p:nvPr/>
+        </p:nvCxnSpPr>
+        <p:spPr>
+          <a:xfrm flipV="1">
+            <a:off x="0" y="454803"/>
+            <a:ext cx="738231" cy="1798"/>
+          </a:xfrm>
+          <a:prstGeom prst="line">
+            <a:avLst/>
+          </a:prstGeom>
+        </p:spPr>
+        <p:style>
+          <a:lnRef idx="3">
+            <a:schemeClr val="dk1"/>
+          </a:lnRef>
+          <a:fillRef idx="0">
+            <a:schemeClr val="dk1"/>
+          </a:fillRef>
+          <a:effectRef idx="2">
+            <a:schemeClr val="dk1"/>
+          </a:effectRef>
+          <a:fontRef idx="minor">
+            <a:schemeClr val="tx1"/>
+          </a:fontRef>
+        </p:style>
+      </p:cxnSp>
+      <p:cxnSp>
+        <p:nvCxnSpPr>
+          <p:cNvPr id="20" name="Connecteur droit 19">
+            <a:extLst>
+              <a:ext uri="{FF2B5EF4-FFF2-40B4-BE49-F238E27FC236}">
+                <a16:creationId xmlns:a16="http://schemas.microsoft.com/office/drawing/2014/main" id="{08874CF7-F149-4C81-B61E-74E18342BA8A}"/>
+              </a:ext>
+            </a:extLst>
+          </p:cNvPr>
+          <p:cNvCxnSpPr>
+            <a:cxnSpLocks/>
+          </p:cNvCxnSpPr>
+          <p:nvPr/>
+        </p:nvCxnSpPr>
+        <p:spPr>
+          <a:xfrm>
+            <a:off x="2573222" y="454803"/>
+            <a:ext cx="6829482" cy="10398"/>
+          </a:xfrm>
+          <a:prstGeom prst="line">
+            <a:avLst/>
+          </a:prstGeom>
+        </p:spPr>
+        <p:style>
+          <a:lnRef idx="3">
+            <a:schemeClr val="dk1"/>
+          </a:lnRef>
+          <a:fillRef idx="0">
+            <a:schemeClr val="dk1"/>
+          </a:fillRef>
+          <a:effectRef idx="2">
+            <a:schemeClr val="dk1"/>
+          </a:effectRef>
+          <a:fontRef idx="minor">
+            <a:schemeClr val="tx1"/>
+          </a:fontRef>
+        </p:style>
+      </p:cxnSp>
+      <p:cxnSp>
+        <p:nvCxnSpPr>
+          <p:cNvPr id="26" name="Connecteur droit 25">
+            <a:extLst>
+              <a:ext uri="{FF2B5EF4-FFF2-40B4-BE49-F238E27FC236}">
+                <a16:creationId xmlns:a16="http://schemas.microsoft.com/office/drawing/2014/main" id="{BB3B35CC-057B-48C1-880F-3306A6559175}"/>
+              </a:ext>
+            </a:extLst>
+          </p:cNvPr>
+          <p:cNvCxnSpPr>
+            <a:cxnSpLocks/>
+          </p:cNvCxnSpPr>
+          <p:nvPr/>
+        </p:nvCxnSpPr>
+        <p:spPr>
+          <a:xfrm>
+            <a:off x="738231" y="454803"/>
+            <a:ext cx="344203" cy="484764"/>
+          </a:xfrm>
+          <a:prstGeom prst="line">
+            <a:avLst/>
+          </a:prstGeom>
+        </p:spPr>
+        <p:style>
+          <a:lnRef idx="3">
+            <a:schemeClr val="dk1"/>
+          </a:lnRef>
+          <a:fillRef idx="0">
+            <a:schemeClr val="dk1"/>
+          </a:fillRef>
+          <a:effectRef idx="2">
+            <a:schemeClr val="dk1"/>
+          </a:effectRef>
+          <a:fontRef idx="minor">
+            <a:schemeClr val="tx1"/>
+          </a:fontRef>
+        </p:style>
+      </p:cxnSp>
+      <p:cxnSp>
+        <p:nvCxnSpPr>
+          <p:cNvPr id="32" name="Connecteur droit 31">
+            <a:extLst>
+              <a:ext uri="{FF2B5EF4-FFF2-40B4-BE49-F238E27FC236}">
+                <a16:creationId xmlns:a16="http://schemas.microsoft.com/office/drawing/2014/main" id="{4AD96496-1EB6-4E48-9BB2-5C255495C686}"/>
+              </a:ext>
+            </a:extLst>
+          </p:cNvPr>
+          <p:cNvCxnSpPr>
+            <a:cxnSpLocks/>
+          </p:cNvCxnSpPr>
+          <p:nvPr/>
+        </p:nvCxnSpPr>
+        <p:spPr>
+          <a:xfrm>
+            <a:off x="1082434" y="938268"/>
+            <a:ext cx="1146585" cy="0"/>
+          </a:xfrm>
+          <a:prstGeom prst="line">
+            <a:avLst/>
+          </a:prstGeom>
+        </p:spPr>
+        <p:style>
+          <a:lnRef idx="3">
+            <a:schemeClr val="dk1"/>
+          </a:lnRef>
+          <a:fillRef idx="0">
+            <a:schemeClr val="dk1"/>
+          </a:fillRef>
+          <a:effectRef idx="2">
+            <a:schemeClr val="dk1"/>
+          </a:effectRef>
+          <a:fontRef idx="minor">
+            <a:schemeClr val="tx1"/>
+          </a:fontRef>
+        </p:style>
+      </p:cxnSp>
+      <p:cxnSp>
+        <p:nvCxnSpPr>
+          <p:cNvPr id="51" name="Connecteur droit 50">
+            <a:extLst>
+              <a:ext uri="{FF2B5EF4-FFF2-40B4-BE49-F238E27FC236}">
+                <a16:creationId xmlns:a16="http://schemas.microsoft.com/office/drawing/2014/main" id="{C035BFA6-ECBF-4775-BA81-19D2CA41AA8D}"/>
+              </a:ext>
+            </a:extLst>
+          </p:cNvPr>
+          <p:cNvCxnSpPr>
+            <a:cxnSpLocks/>
+          </p:cNvCxnSpPr>
+          <p:nvPr/>
+        </p:nvCxnSpPr>
+        <p:spPr>
+          <a:xfrm>
+            <a:off x="9402704" y="465201"/>
+            <a:ext cx="344203" cy="495163"/>
+          </a:xfrm>
+          <a:prstGeom prst="line">
+            <a:avLst/>
+          </a:prstGeom>
+        </p:spPr>
+        <p:style>
+          <a:lnRef idx="3">
+            <a:schemeClr val="dk1"/>
+          </a:lnRef>
+          <a:fillRef idx="0">
+            <a:schemeClr val="dk1"/>
+          </a:fillRef>
+          <a:effectRef idx="2">
+            <a:schemeClr val="dk1"/>
+          </a:effectRef>
+          <a:fontRef idx="minor">
+            <a:schemeClr val="tx1"/>
+          </a:fontRef>
+        </p:style>
+      </p:cxnSp>
+      <p:cxnSp>
+        <p:nvCxnSpPr>
+          <p:cNvPr id="52" name="Connecteur droit 51">
+            <a:extLst>
+              <a:ext uri="{FF2B5EF4-FFF2-40B4-BE49-F238E27FC236}">
+                <a16:creationId xmlns:a16="http://schemas.microsoft.com/office/drawing/2014/main" id="{FA310BC7-694B-4984-99A2-61A1F4F6EBF9}"/>
+              </a:ext>
+            </a:extLst>
+          </p:cNvPr>
+          <p:cNvCxnSpPr>
+            <a:cxnSpLocks/>
+          </p:cNvCxnSpPr>
+          <p:nvPr/>
+        </p:nvCxnSpPr>
+        <p:spPr>
+          <a:xfrm flipH="1">
+            <a:off x="11370469" y="448308"/>
+            <a:ext cx="364332" cy="501657"/>
+          </a:xfrm>
+          <a:prstGeom prst="line">
+            <a:avLst/>
+          </a:prstGeom>
+        </p:spPr>
+        <p:style>
+          <a:lnRef idx="3">
+            <a:schemeClr val="dk1"/>
+          </a:lnRef>
+          <a:fillRef idx="0">
+            <a:schemeClr val="dk1"/>
+          </a:fillRef>
+          <a:effectRef idx="2">
+            <a:schemeClr val="dk1"/>
+          </a:effectRef>
+          <a:fontRef idx="minor">
+            <a:schemeClr val="tx1"/>
+          </a:fontRef>
+        </p:style>
+      </p:cxnSp>
+      <p:cxnSp>
+        <p:nvCxnSpPr>
+          <p:cNvPr id="53" name="Connecteur droit 52">
+            <a:extLst>
+              <a:ext uri="{FF2B5EF4-FFF2-40B4-BE49-F238E27FC236}">
+                <a16:creationId xmlns:a16="http://schemas.microsoft.com/office/drawing/2014/main" id="{BE0649BD-EE59-4DDA-960F-95B2572F9F13}"/>
+              </a:ext>
+            </a:extLst>
+          </p:cNvPr>
+          <p:cNvCxnSpPr>
+            <a:cxnSpLocks/>
+          </p:cNvCxnSpPr>
+          <p:nvPr/>
+        </p:nvCxnSpPr>
+        <p:spPr>
+          <a:xfrm>
+            <a:off x="9743203" y="949965"/>
+            <a:ext cx="1627266" cy="0"/>
+          </a:xfrm>
+          <a:prstGeom prst="line">
+            <a:avLst/>
+          </a:prstGeom>
+        </p:spPr>
+        <p:style>
+          <a:lnRef idx="3">
+            <a:schemeClr val="dk1"/>
+          </a:lnRef>
+          <a:fillRef idx="0">
+            <a:schemeClr val="dk1"/>
+          </a:fillRef>
+          <a:effectRef idx="2">
+            <a:schemeClr val="dk1"/>
+          </a:effectRef>
+          <a:fontRef idx="minor">
+            <a:schemeClr val="tx1"/>
+          </a:fontRef>
+        </p:style>
+      </p:cxnSp>
+      <p:cxnSp>
+        <p:nvCxnSpPr>
+          <p:cNvPr id="55" name="Connecteur droit 54">
+            <a:extLst>
+              <a:ext uri="{FF2B5EF4-FFF2-40B4-BE49-F238E27FC236}">
+                <a16:creationId xmlns:a16="http://schemas.microsoft.com/office/drawing/2014/main" id="{52AA9200-DAFA-4EEF-AC13-4C7CE82A59EC}"/>
+              </a:ext>
+            </a:extLst>
+          </p:cNvPr>
+          <p:cNvCxnSpPr>
+            <a:cxnSpLocks/>
+          </p:cNvCxnSpPr>
+          <p:nvPr/>
+        </p:nvCxnSpPr>
+        <p:spPr>
+          <a:xfrm>
+            <a:off x="11715750" y="454801"/>
+            <a:ext cx="476249" cy="10400"/>
+          </a:xfrm>
+          <a:prstGeom prst="line">
+            <a:avLst/>
+          </a:prstGeom>
+        </p:spPr>
+        <p:style>
+          <a:lnRef idx="3">
+            <a:schemeClr val="dk1"/>
+          </a:lnRef>
+          <a:fillRef idx="0">
+            <a:schemeClr val="dk1"/>
+          </a:fillRef>
+          <a:effectRef idx="2">
+            <a:schemeClr val="dk1"/>
+          </a:effectRef>
+          <a:fontRef idx="minor">
+            <a:schemeClr val="tx1"/>
+          </a:fontRef>
+        </p:style>
+      </p:cxnSp>
+      <p:cxnSp>
+        <p:nvCxnSpPr>
+          <p:cNvPr id="23" name="Connecteur droit 22">
+            <a:extLst>
+              <a:ext uri="{FF2B5EF4-FFF2-40B4-BE49-F238E27FC236}">
+                <a16:creationId xmlns:a16="http://schemas.microsoft.com/office/drawing/2014/main" id="{BCB092C8-0080-4E56-957E-0046D4C83988}"/>
+              </a:ext>
+            </a:extLst>
+          </p:cNvPr>
+          <p:cNvCxnSpPr>
+            <a:cxnSpLocks/>
+          </p:cNvCxnSpPr>
+          <p:nvPr/>
+        </p:nvCxnSpPr>
+        <p:spPr>
+          <a:xfrm flipH="1">
+            <a:off x="2216372" y="446356"/>
+            <a:ext cx="364332" cy="501657"/>
+          </a:xfrm>
+          <a:prstGeom prst="line">
+            <a:avLst/>
+          </a:prstGeom>
+        </p:spPr>
+        <p:style>
+          <a:lnRef idx="3">
+            <a:schemeClr val="dk1"/>
+          </a:lnRef>
+          <a:fillRef idx="0">
+            <a:schemeClr val="dk1"/>
+          </a:fillRef>
+          <a:effectRef idx="2">
+            <a:schemeClr val="dk1"/>
+          </a:effectRef>
+          <a:fontRef idx="minor">
+            <a:schemeClr val="tx1"/>
+          </a:fontRef>
+        </p:style>
+      </p:cxnSp>
+      <p:pic>
+        <p:nvPicPr>
+          <p:cNvPr id="57" name="Image 56">
+            <a:extLst>
+              <a:ext uri="{FF2B5EF4-FFF2-40B4-BE49-F238E27FC236}">
+                <a16:creationId xmlns:a16="http://schemas.microsoft.com/office/drawing/2014/main" id="{12B16FB2-5844-4B92-AE69-9BAC858C22BB}"/>
+              </a:ext>
+            </a:extLst>
+          </p:cNvPr>
+          <p:cNvPicPr>
+            <a:picLocks noChangeAspect="1"/>
+          </p:cNvPicPr>
+          <p:nvPr/>
+        </p:nvPicPr>
+        <p:blipFill>
+          <a:blip r:embed="rId3">
+            <a:extLst>
+              <a:ext uri="{28A0092B-C50C-407E-A947-70E740481C1C}">
+                <a14:useLocalDpi xmlns:a14="http://schemas.microsoft.com/office/drawing/2010/main" val="0"/>
+              </a:ext>
+            </a:extLst>
+          </a:blip>
+          <a:stretch>
+            <a:fillRect/>
+          </a:stretch>
+        </p:blipFill>
+        <p:spPr>
+          <a:xfrm>
+            <a:off x="9681085" y="238153"/>
+            <a:ext cx="1802101" cy="569807"/>
+          </a:xfrm>
+          <a:prstGeom prst="rect">
+            <a:avLst/>
+          </a:prstGeom>
+        </p:spPr>
+      </p:pic>
+      <p:cxnSp>
+        <p:nvCxnSpPr>
+          <p:cNvPr id="58" name="Connecteur droit 57">
+            <a:extLst>
+              <a:ext uri="{FF2B5EF4-FFF2-40B4-BE49-F238E27FC236}">
+                <a16:creationId xmlns:a16="http://schemas.microsoft.com/office/drawing/2014/main" id="{01599350-F8B0-4FDC-B003-981189A8D654}"/>
+              </a:ext>
+            </a:extLst>
+          </p:cNvPr>
+          <p:cNvCxnSpPr>
+            <a:cxnSpLocks/>
+          </p:cNvCxnSpPr>
+          <p:nvPr/>
+        </p:nvCxnSpPr>
+        <p:spPr>
+          <a:xfrm>
+            <a:off x="2573222" y="454803"/>
+            <a:ext cx="6829482" cy="10398"/>
+          </a:xfrm>
+          <a:prstGeom prst="line">
+            <a:avLst/>
+          </a:prstGeom>
+        </p:spPr>
+        <p:style>
+          <a:lnRef idx="3">
+            <a:schemeClr val="dk1"/>
+          </a:lnRef>
+          <a:fillRef idx="0">
+            <a:schemeClr val="dk1"/>
+          </a:fillRef>
+          <a:effectRef idx="2">
+            <a:schemeClr val="dk1"/>
+          </a:effectRef>
+          <a:fontRef idx="minor">
+            <a:schemeClr val="tx1"/>
+          </a:fontRef>
+        </p:style>
+      </p:cxnSp>
+      <p:cxnSp>
+        <p:nvCxnSpPr>
+          <p:cNvPr id="59" name="Connecteur droit 58">
+            <a:extLst>
+              <a:ext uri="{FF2B5EF4-FFF2-40B4-BE49-F238E27FC236}">
+                <a16:creationId xmlns:a16="http://schemas.microsoft.com/office/drawing/2014/main" id="{BC6E6150-6054-4785-84EC-0C46D82034C2}"/>
+              </a:ext>
+            </a:extLst>
+          </p:cNvPr>
+          <p:cNvCxnSpPr>
+            <a:cxnSpLocks/>
+          </p:cNvCxnSpPr>
+          <p:nvPr/>
+        </p:nvCxnSpPr>
+        <p:spPr>
+          <a:xfrm>
+            <a:off x="738231" y="454803"/>
+            <a:ext cx="344203" cy="484764"/>
+          </a:xfrm>
+          <a:prstGeom prst="line">
+            <a:avLst/>
+          </a:prstGeom>
+        </p:spPr>
+        <p:style>
+          <a:lnRef idx="3">
+            <a:schemeClr val="dk1"/>
+          </a:lnRef>
+          <a:fillRef idx="0">
+            <a:schemeClr val="dk1"/>
+          </a:fillRef>
+          <a:effectRef idx="2">
+            <a:schemeClr val="dk1"/>
+          </a:effectRef>
+          <a:fontRef idx="minor">
+            <a:schemeClr val="tx1"/>
+          </a:fontRef>
+        </p:style>
+      </p:cxnSp>
+      <p:cxnSp>
+        <p:nvCxnSpPr>
+          <p:cNvPr id="60" name="Connecteur droit 59">
+            <a:extLst>
+              <a:ext uri="{FF2B5EF4-FFF2-40B4-BE49-F238E27FC236}">
+                <a16:creationId xmlns:a16="http://schemas.microsoft.com/office/drawing/2014/main" id="{CBC9961A-8EC2-4287-A398-BCA4138D409D}"/>
+              </a:ext>
+            </a:extLst>
+          </p:cNvPr>
+          <p:cNvCxnSpPr>
+            <a:cxnSpLocks/>
+          </p:cNvCxnSpPr>
+          <p:nvPr/>
+        </p:nvCxnSpPr>
+        <p:spPr>
+          <a:xfrm>
+            <a:off x="1082434" y="938268"/>
+            <a:ext cx="1146585" cy="0"/>
+          </a:xfrm>
+          <a:prstGeom prst="line">
+            <a:avLst/>
+          </a:prstGeom>
+        </p:spPr>
+        <p:style>
+          <a:lnRef idx="3">
+            <a:schemeClr val="dk1"/>
+          </a:lnRef>
+          <a:fillRef idx="0">
+            <a:schemeClr val="dk1"/>
+          </a:fillRef>
+          <a:effectRef idx="2">
+            <a:schemeClr val="dk1"/>
+          </a:effectRef>
+          <a:fontRef idx="minor">
+            <a:schemeClr val="tx1"/>
+          </a:fontRef>
+        </p:style>
+      </p:cxnSp>
+      <p:cxnSp>
+        <p:nvCxnSpPr>
+          <p:cNvPr id="61" name="Connecteur droit 60">
+            <a:extLst>
+              <a:ext uri="{FF2B5EF4-FFF2-40B4-BE49-F238E27FC236}">
+                <a16:creationId xmlns:a16="http://schemas.microsoft.com/office/drawing/2014/main" id="{152B7C45-2543-4665-BC07-4DB71CA9F337}"/>
+              </a:ext>
+            </a:extLst>
+          </p:cNvPr>
+          <p:cNvCxnSpPr>
+            <a:cxnSpLocks/>
+          </p:cNvCxnSpPr>
+          <p:nvPr/>
+        </p:nvCxnSpPr>
+        <p:spPr>
+          <a:xfrm>
+            <a:off x="9402704" y="465201"/>
+            <a:ext cx="344203" cy="495163"/>
+          </a:xfrm>
+          <a:prstGeom prst="line">
+            <a:avLst/>
+          </a:prstGeom>
+        </p:spPr>
+        <p:style>
+          <a:lnRef idx="3">
+            <a:schemeClr val="dk1"/>
+          </a:lnRef>
+          <a:fillRef idx="0">
+            <a:schemeClr val="dk1"/>
+          </a:fillRef>
+          <a:effectRef idx="2">
+            <a:schemeClr val="dk1"/>
+          </a:effectRef>
+          <a:fontRef idx="minor">
+            <a:schemeClr val="tx1"/>
+          </a:fontRef>
+        </p:style>
+      </p:cxnSp>
+      <p:cxnSp>
+        <p:nvCxnSpPr>
+          <p:cNvPr id="62" name="Connecteur droit 61">
+            <a:extLst>
+              <a:ext uri="{FF2B5EF4-FFF2-40B4-BE49-F238E27FC236}">
+                <a16:creationId xmlns:a16="http://schemas.microsoft.com/office/drawing/2014/main" id="{00A84DC3-A112-46A3-B71C-04D85339323D}"/>
+              </a:ext>
+            </a:extLst>
+          </p:cNvPr>
+          <p:cNvCxnSpPr>
+            <a:cxnSpLocks/>
+          </p:cNvCxnSpPr>
+          <p:nvPr/>
+        </p:nvCxnSpPr>
+        <p:spPr>
+          <a:xfrm flipH="1">
+            <a:off x="11370469" y="448308"/>
+            <a:ext cx="364332" cy="501657"/>
+          </a:xfrm>
+          <a:prstGeom prst="line">
+            <a:avLst/>
+          </a:prstGeom>
+        </p:spPr>
+        <p:style>
+          <a:lnRef idx="3">
+            <a:schemeClr val="dk1"/>
+          </a:lnRef>
+          <a:fillRef idx="0">
+            <a:schemeClr val="dk1"/>
+          </a:fillRef>
+          <a:effectRef idx="2">
+            <a:schemeClr val="dk1"/>
+          </a:effectRef>
+          <a:fontRef idx="minor">
+            <a:schemeClr val="tx1"/>
+          </a:fontRef>
+        </p:style>
+      </p:cxnSp>
+      <p:cxnSp>
+        <p:nvCxnSpPr>
+          <p:cNvPr id="63" name="Connecteur droit 62">
+            <a:extLst>
+              <a:ext uri="{FF2B5EF4-FFF2-40B4-BE49-F238E27FC236}">
+                <a16:creationId xmlns:a16="http://schemas.microsoft.com/office/drawing/2014/main" id="{C50788C6-8F68-44EC-AB54-94C1D2FE554D}"/>
+              </a:ext>
+            </a:extLst>
+          </p:cNvPr>
+          <p:cNvCxnSpPr>
+            <a:cxnSpLocks/>
+          </p:cNvCxnSpPr>
+          <p:nvPr/>
+        </p:nvCxnSpPr>
+        <p:spPr>
+          <a:xfrm>
+            <a:off x="9743203" y="949965"/>
+            <a:ext cx="1627266" cy="0"/>
+          </a:xfrm>
+          <a:prstGeom prst="line">
+            <a:avLst/>
+          </a:prstGeom>
+        </p:spPr>
+        <p:style>
+          <a:lnRef idx="3">
+            <a:schemeClr val="dk1"/>
+          </a:lnRef>
+          <a:fillRef idx="0">
+            <a:schemeClr val="dk1"/>
+          </a:fillRef>
+          <a:effectRef idx="2">
+            <a:schemeClr val="dk1"/>
+          </a:effectRef>
+          <a:fontRef idx="minor">
+            <a:schemeClr val="tx1"/>
+          </a:fontRef>
+        </p:style>
+      </p:cxnSp>
+      <p:cxnSp>
+        <p:nvCxnSpPr>
+          <p:cNvPr id="64" name="Connecteur droit 63">
+            <a:extLst>
+              <a:ext uri="{FF2B5EF4-FFF2-40B4-BE49-F238E27FC236}">
+                <a16:creationId xmlns:a16="http://schemas.microsoft.com/office/drawing/2014/main" id="{BC4D4E5F-5636-45CB-873C-EC085AB307A3}"/>
+              </a:ext>
+            </a:extLst>
+          </p:cNvPr>
+          <p:cNvCxnSpPr>
+            <a:cxnSpLocks/>
+          </p:cNvCxnSpPr>
+          <p:nvPr/>
+        </p:nvCxnSpPr>
+        <p:spPr>
+          <a:xfrm>
+            <a:off x="11715750" y="454801"/>
+            <a:ext cx="476249" cy="10400"/>
+          </a:xfrm>
+          <a:prstGeom prst="line">
+            <a:avLst/>
+          </a:prstGeom>
+        </p:spPr>
+        <p:style>
+          <a:lnRef idx="3">
+            <a:schemeClr val="dk1"/>
+          </a:lnRef>
+          <a:fillRef idx="0">
+            <a:schemeClr val="dk1"/>
+          </a:fillRef>
+          <a:effectRef idx="2">
+            <a:schemeClr val="dk1"/>
+          </a:effectRef>
+          <a:fontRef idx="minor">
+            <a:schemeClr val="tx1"/>
+          </a:fontRef>
+        </p:style>
+      </p:cxnSp>
+      <p:cxnSp>
+        <p:nvCxnSpPr>
+          <p:cNvPr id="65" name="Connecteur droit 64">
+            <a:extLst>
+              <a:ext uri="{FF2B5EF4-FFF2-40B4-BE49-F238E27FC236}">
+                <a16:creationId xmlns:a16="http://schemas.microsoft.com/office/drawing/2014/main" id="{E6F6B4C5-0E3B-46C9-859D-EE774175D36F}"/>
+              </a:ext>
+            </a:extLst>
+          </p:cNvPr>
+          <p:cNvCxnSpPr>
+            <a:cxnSpLocks/>
+          </p:cNvCxnSpPr>
+          <p:nvPr/>
+        </p:nvCxnSpPr>
+        <p:spPr>
+          <a:xfrm flipH="1">
+            <a:off x="2216372" y="446356"/>
+            <a:ext cx="364332" cy="501657"/>
+          </a:xfrm>
+          <a:prstGeom prst="line">
+            <a:avLst/>
+          </a:prstGeom>
+        </p:spPr>
+        <p:style>
+          <a:lnRef idx="3">
+            <a:schemeClr val="dk1"/>
+          </a:lnRef>
+          <a:fillRef idx="0">
+            <a:schemeClr val="dk1"/>
+          </a:fillRef>
+          <a:effectRef idx="2">
+            <a:schemeClr val="dk1"/>
+          </a:effectRef>
+          <a:fontRef idx="minor">
+            <a:schemeClr val="tx1"/>
+          </a:fontRef>
+        </p:style>
+      </p:cxnSp>
+      <p:sp>
+        <p:nvSpPr>
+          <p:cNvPr id="2" name="ZoneTexte 1">
+            <a:extLst>
+              <a:ext uri="{FF2B5EF4-FFF2-40B4-BE49-F238E27FC236}">
+                <a16:creationId xmlns:a16="http://schemas.microsoft.com/office/drawing/2014/main" id="{27BF8A13-4190-4471-B5A9-233462A7239A}"/>
+              </a:ext>
+            </a:extLst>
+          </p:cNvPr>
+          <p:cNvSpPr txBox="1"/>
+          <p:nvPr/>
+        </p:nvSpPr>
+        <p:spPr>
+          <a:xfrm>
+            <a:off x="3462185" y="563292"/>
+            <a:ext cx="5075325" cy="769441"/>
+          </a:xfrm>
+          <a:prstGeom prst="rect">
+            <a:avLst/>
+          </a:prstGeom>
+          <a:noFill/>
+        </p:spPr>
+        <p:txBody>
+          <a:bodyPr wrap="square" rtlCol="0">
+            <a:spAutoFit/>
+          </a:bodyPr>
+          <a:lstStyle/>
+          <a:p>
+            <a:r>
+              <a:rPr lang="fr-FR" sz="4400" dirty="0">
+                <a:latin typeface="Berlin Sans FB" panose="020E0602020502020306" pitchFamily="34" charset="0"/>
+              </a:rPr>
+              <a:t>Schémas de câblage</a:t>
+            </a:r>
+          </a:p>
+        </p:txBody>
+      </p:sp>
+    </p:spTree>
+    <p:extLst>
+      <p:ext uri="{BB962C8B-B14F-4D97-AF65-F5344CB8AC3E}">
+        <p14:creationId xmlns:p14="http://schemas.microsoft.com/office/powerpoint/2010/main" val="746220025"/>
+      </p:ext>
+    </p:extLst>
+  </p:cSld>
+  <p:clrMapOvr>
+    <a:masterClrMapping/>
+  </p:clrMapOvr>
+  <mc:AlternateContent xmlns:mc="http://schemas.openxmlformats.org/markup-compatibility/2006" xmlns:p14="http://schemas.microsoft.com/office/powerpoint/2010/main">
+    <mc:Choice Requires="p14">
+      <p:transition spd="slow">
+        <p14:reveal/>
+      </p:transition>
+    </mc:Choice>
+    <mc:Fallback xmlns="">
+      <p:transition spd="slow">
+        <p:fade/>
+      </p:transition>
+    </mc:Fallback>
+  </mc:AlternateContent>
+</p:sld>
+</file>
+
+<file path=ppt/slides/slide16.xml><?xml version="1.0" encoding="utf-8"?>
 <p:sld xmlns:a="http://schemas.openxmlformats.org/drawingml/2006/main" xmlns:r="http://schemas.openxmlformats.org/officeDocument/2006/relationships" xmlns:p="http://schemas.openxmlformats.org/presentationml/2006/main">
   <p:cSld>
     <p:spTree>
@@ -7705,7 +11077,7 @@
 </p:sld>
 </file>
 
-<file path=ppt/slides/slide13.xml><?xml version="1.0" encoding="utf-8"?>
+<file path=ppt/slides/slide17.xml><?xml version="1.0" encoding="utf-8"?>
 <p:sld xmlns:a="http://schemas.openxmlformats.org/drawingml/2006/main" xmlns:r="http://schemas.openxmlformats.org/officeDocument/2006/relationships" xmlns:p="http://schemas.openxmlformats.org/presentationml/2006/main">
   <p:cSld>
     <p:spTree>

--- a/oral_projet/revue_2/diaporama_revue_2_steven.pptx
+++ b/oral_projet/revue_2/diaporama_revue_2_steven.pptx
@@ -5,7 +5,7 @@
     <p:sldMasterId id="2147483648" r:id="rId1"/>
   </p:sldMasterIdLst>
   <p:notesMasterIdLst>
-    <p:notesMasterId r:id="rId19"/>
+    <p:notesMasterId r:id="rId16"/>
   </p:notesMasterIdLst>
   <p:sldIdLst>
     <p:sldId id="256" r:id="rId2"/>
@@ -19,12 +19,9 @@
     <p:sldId id="265" r:id="rId10"/>
     <p:sldId id="270" r:id="rId11"/>
     <p:sldId id="266" r:id="rId12"/>
-    <p:sldId id="267" r:id="rId13"/>
+    <p:sldId id="268" r:id="rId13"/>
     <p:sldId id="271" r:id="rId14"/>
-    <p:sldId id="272" r:id="rId15"/>
-    <p:sldId id="273" r:id="rId16"/>
-    <p:sldId id="268" r:id="rId17"/>
-    <p:sldId id="269" r:id="rId18"/>
+    <p:sldId id="269" r:id="rId15"/>
   </p:sldIdLst>
   <p:sldSz cx="12192000" cy="6858000"/>
   <p:notesSz cx="6858000" cy="9144000"/>
@@ -6431,6 +6428,222 @@
           </a:prstGeom>
         </p:spPr>
       </p:pic>
+      <p:sp>
+        <p:nvSpPr>
+          <p:cNvPr id="3" name="ZoneTexte 2">
+            <a:extLst>
+              <a:ext uri="{FF2B5EF4-FFF2-40B4-BE49-F238E27FC236}">
+                <a16:creationId xmlns:a16="http://schemas.microsoft.com/office/drawing/2014/main" id="{6F21E2AC-5013-4E14-AA1E-CF440C8AF6D5}"/>
+              </a:ext>
+            </a:extLst>
+          </p:cNvPr>
+          <p:cNvSpPr txBox="1"/>
+          <p:nvPr/>
+        </p:nvSpPr>
+        <p:spPr>
+          <a:xfrm>
+            <a:off x="2573222" y="1551166"/>
+            <a:ext cx="2860650" cy="369332"/>
+          </a:xfrm>
+          <a:prstGeom prst="rect">
+            <a:avLst/>
+          </a:prstGeom>
+          <a:noFill/>
+        </p:spPr>
+        <p:txBody>
+          <a:bodyPr wrap="square" rtlCol="0">
+            <a:spAutoFit/>
+          </a:bodyPr>
+          <a:lstStyle/>
+          <a:p>
+            <a:r>
+              <a:rPr lang="fr-FR" dirty="0"/>
+              <a:t>Utilisation de la boucle 4-20</a:t>
+            </a:r>
+          </a:p>
+        </p:txBody>
+      </p:sp>
+      <p:sp>
+        <p:nvSpPr>
+          <p:cNvPr id="30" name="ZoneTexte 29">
+            <a:extLst>
+              <a:ext uri="{FF2B5EF4-FFF2-40B4-BE49-F238E27FC236}">
+                <a16:creationId xmlns:a16="http://schemas.microsoft.com/office/drawing/2014/main" id="{1684707A-FE8B-409E-8A18-EC748AA22A1D}"/>
+              </a:ext>
+            </a:extLst>
+          </p:cNvPr>
+          <p:cNvSpPr txBox="1"/>
+          <p:nvPr/>
+        </p:nvSpPr>
+        <p:spPr>
+          <a:xfrm>
+            <a:off x="7457013" y="5078540"/>
+            <a:ext cx="2860650" cy="369332"/>
+          </a:xfrm>
+          <a:prstGeom prst="rect">
+            <a:avLst/>
+          </a:prstGeom>
+          <a:noFill/>
+        </p:spPr>
+        <p:txBody>
+          <a:bodyPr wrap="square" rtlCol="0">
+            <a:spAutoFit/>
+          </a:bodyPr>
+          <a:lstStyle/>
+          <a:p>
+            <a:r>
+              <a:rPr lang="fr-FR" dirty="0"/>
+              <a:t>Utilisation de la boucle 4-20</a:t>
+            </a:r>
+          </a:p>
+        </p:txBody>
+      </p:sp>
+      <p:sp>
+        <p:nvSpPr>
+          <p:cNvPr id="5" name="ZoneTexte 4">
+            <a:extLst>
+              <a:ext uri="{FF2B5EF4-FFF2-40B4-BE49-F238E27FC236}">
+                <a16:creationId xmlns:a16="http://schemas.microsoft.com/office/drawing/2014/main" id="{B40B891D-AA45-4E59-AC5F-D2EA371A7D66}"/>
+              </a:ext>
+            </a:extLst>
+          </p:cNvPr>
+          <p:cNvSpPr txBox="1"/>
+          <p:nvPr/>
+        </p:nvSpPr>
+        <p:spPr>
+          <a:xfrm>
+            <a:off x="2457974" y="2794678"/>
+            <a:ext cx="3187817" cy="369332"/>
+          </a:xfrm>
+          <a:prstGeom prst="rect">
+            <a:avLst/>
+          </a:prstGeom>
+          <a:noFill/>
+        </p:spPr>
+        <p:txBody>
+          <a:bodyPr wrap="square" rtlCol="0">
+            <a:spAutoFit/>
+          </a:bodyPr>
+          <a:lstStyle/>
+          <a:p>
+            <a:r>
+              <a:rPr lang="fr-FR" dirty="0"/>
+              <a:t>Pulsation tous les 0,2mm d’eau</a:t>
+            </a:r>
+          </a:p>
+        </p:txBody>
+      </p:sp>
+      <p:sp>
+        <p:nvSpPr>
+          <p:cNvPr id="6" name="ZoneTexte 5">
+            <a:extLst>
+              <a:ext uri="{FF2B5EF4-FFF2-40B4-BE49-F238E27FC236}">
+                <a16:creationId xmlns:a16="http://schemas.microsoft.com/office/drawing/2014/main" id="{7E83B889-DF63-4B4C-A6D7-7A1F026B19F2}"/>
+              </a:ext>
+            </a:extLst>
+          </p:cNvPr>
+          <p:cNvSpPr txBox="1"/>
+          <p:nvPr/>
+        </p:nvSpPr>
+        <p:spPr>
+          <a:xfrm>
+            <a:off x="2457974" y="4417906"/>
+            <a:ext cx="3589425" cy="1477328"/>
+          </a:xfrm>
+          <a:prstGeom prst="rect">
+            <a:avLst/>
+          </a:prstGeom>
+          <a:noFill/>
+        </p:spPr>
+        <p:txBody>
+          <a:bodyPr wrap="square" rtlCol="0">
+            <a:spAutoFit/>
+          </a:bodyPr>
+          <a:lstStyle/>
+          <a:p>
+            <a:r>
+              <a:rPr lang="fr-FR" dirty="0"/>
+              <a:t>Vitesse : 1km/h = 1600 tours par heure</a:t>
+            </a:r>
+          </a:p>
+          <a:p>
+            <a:r>
+              <a:rPr lang="fr-FR" dirty="0"/>
+              <a:t>Direction : utilisation du bus CAN pour convertir la tension en code puis en direction</a:t>
+            </a:r>
+          </a:p>
+        </p:txBody>
+      </p:sp>
+      <p:sp>
+        <p:nvSpPr>
+          <p:cNvPr id="7" name="ZoneTexte 6">
+            <a:extLst>
+              <a:ext uri="{FF2B5EF4-FFF2-40B4-BE49-F238E27FC236}">
+                <a16:creationId xmlns:a16="http://schemas.microsoft.com/office/drawing/2014/main" id="{4ED520D9-CAD2-4881-B369-D691693E0F68}"/>
+              </a:ext>
+            </a:extLst>
+          </p:cNvPr>
+          <p:cNvSpPr txBox="1"/>
+          <p:nvPr/>
+        </p:nvSpPr>
+        <p:spPr>
+          <a:xfrm>
+            <a:off x="7343741" y="1551166"/>
+            <a:ext cx="4372009" cy="646331"/>
+          </a:xfrm>
+          <a:prstGeom prst="rect">
+            <a:avLst/>
+          </a:prstGeom>
+          <a:noFill/>
+        </p:spPr>
+        <p:txBody>
+          <a:bodyPr wrap="square" rtlCol="0">
+            <a:spAutoFit/>
+          </a:bodyPr>
+          <a:lstStyle/>
+          <a:p>
+            <a:r>
+              <a:rPr lang="fr-FR" dirty="0"/>
+              <a:t>Utilisation des ports analogiques et digitales pour connecter les différents capteurs</a:t>
+            </a:r>
+          </a:p>
+        </p:txBody>
+      </p:sp>
+      <p:sp>
+        <p:nvSpPr>
+          <p:cNvPr id="9" name="ZoneTexte 8">
+            <a:extLst>
+              <a:ext uri="{FF2B5EF4-FFF2-40B4-BE49-F238E27FC236}">
+                <a16:creationId xmlns:a16="http://schemas.microsoft.com/office/drawing/2014/main" id="{DA4EBD6C-A43E-4361-8AA6-C03894AB84A7}"/>
+              </a:ext>
+            </a:extLst>
+          </p:cNvPr>
+          <p:cNvSpPr txBox="1"/>
+          <p:nvPr/>
+        </p:nvSpPr>
+        <p:spPr>
+          <a:xfrm>
+            <a:off x="7379275" y="3147508"/>
+            <a:ext cx="4391060" cy="646331"/>
+          </a:xfrm>
+          <a:prstGeom prst="rect">
+            <a:avLst/>
+          </a:prstGeom>
+          <a:noFill/>
+        </p:spPr>
+        <p:txBody>
+          <a:bodyPr wrap="square" rtlCol="0">
+            <a:spAutoFit/>
+          </a:bodyPr>
+          <a:lstStyle/>
+          <a:p>
+            <a:r>
+              <a:rPr lang="fr-FR" dirty="0"/>
+              <a:t>Utilisation de la Raspberry pour la connexion a l'Arduino puis a la base de données</a:t>
+            </a:r>
+          </a:p>
+        </p:txBody>
+      </p:sp>
     </p:spTree>
     <p:extLst>
       <p:ext uri="{BB962C8B-B14F-4D97-AF65-F5344CB8AC3E}">
@@ -7688,7 +7901,7 @@
           <p:cNvPr id="2" name="ZoneTexte 1">
             <a:extLst>
               <a:ext uri="{FF2B5EF4-FFF2-40B4-BE49-F238E27FC236}">
-                <a16:creationId xmlns:a16="http://schemas.microsoft.com/office/drawing/2014/main" id="{27BF8A13-4190-4471-B5A9-233462A7239A}"/>
+                <a16:creationId xmlns:a16="http://schemas.microsoft.com/office/drawing/2014/main" id="{128A5370-27C5-4A3F-98D7-D74D075851FE}"/>
               </a:ext>
             </a:extLst>
           </p:cNvPr>
@@ -7697,8 +7910,8 @@
         </p:nvSpPr>
         <p:spPr>
           <a:xfrm>
-            <a:off x="3462185" y="563292"/>
-            <a:ext cx="5075325" cy="769441"/>
+            <a:off x="3714642" y="523056"/>
+            <a:ext cx="5110576" cy="769441"/>
           </a:xfrm>
           <a:prstGeom prst="rect">
             <a:avLst/>
@@ -7715,7 +7928,7 @@
               <a:rPr lang="fr-FR" sz="4400" dirty="0">
                 <a:latin typeface="Berlin Sans FB" panose="020E0602020502020306" pitchFamily="34" charset="0"/>
               </a:rPr>
-              <a:t>Schémas de câblage</a:t>
+              <a:t>Solutions trouvées</a:t>
             </a:r>
           </a:p>
         </p:txBody>
@@ -7723,7 +7936,7 @@
     </p:spTree>
     <p:extLst>
       <p:ext uri="{BB962C8B-B14F-4D97-AF65-F5344CB8AC3E}">
-        <p14:creationId xmlns:p14="http://schemas.microsoft.com/office/powerpoint/2010/main" val="3444587573"/>
+        <p14:creationId xmlns:p14="http://schemas.microsoft.com/office/powerpoint/2010/main" val="675812002"/>
       </p:ext>
     </p:extLst>
   </p:cSld>
@@ -8521,7 +8734,7 @@
           <p:cNvPr id="2" name="ZoneTexte 1">
             <a:extLst>
               <a:ext uri="{FF2B5EF4-FFF2-40B4-BE49-F238E27FC236}">
-                <a16:creationId xmlns:a16="http://schemas.microsoft.com/office/drawing/2014/main" id="{27BF8A13-4190-4471-B5A9-233462A7239A}"/>
+                <a16:creationId xmlns:a16="http://schemas.microsoft.com/office/drawing/2014/main" id="{128A5370-27C5-4A3F-98D7-D74D075851FE}"/>
               </a:ext>
             </a:extLst>
           </p:cNvPr>
@@ -8530,8 +8743,8 @@
         </p:nvSpPr>
         <p:spPr>
           <a:xfrm>
-            <a:off x="3462185" y="563292"/>
-            <a:ext cx="5075325" cy="769441"/>
+            <a:off x="4569176" y="523056"/>
+            <a:ext cx="2659224" cy="769441"/>
           </a:xfrm>
           <a:prstGeom prst="rect">
             <a:avLst/>
@@ -8548,7 +8761,7 @@
               <a:rPr lang="fr-FR" sz="4400" dirty="0">
                 <a:latin typeface="Berlin Sans FB" panose="020E0602020502020306" pitchFamily="34" charset="0"/>
               </a:rPr>
-              <a:t>Schémas de câblage</a:t>
+              <a:t>Conclusion</a:t>
             </a:r>
           </a:p>
         </p:txBody>
@@ -8556,7 +8769,7 @@
     </p:spTree>
     <p:extLst>
       <p:ext uri="{BB962C8B-B14F-4D97-AF65-F5344CB8AC3E}">
-        <p14:creationId xmlns:p14="http://schemas.microsoft.com/office/powerpoint/2010/main" val="2416629511"/>
+        <p14:creationId xmlns:p14="http://schemas.microsoft.com/office/powerpoint/2010/main" val="1458497673"/>
       </p:ext>
     </p:extLst>
   </p:cSld>
@@ -8579,2505 +8792,6 @@
 </file>
 
 <file path=ppt/slides/slide14.xml><?xml version="1.0" encoding="utf-8"?>
-<p:sld xmlns:a="http://schemas.openxmlformats.org/drawingml/2006/main" xmlns:r="http://schemas.openxmlformats.org/officeDocument/2006/relationships" xmlns:p="http://schemas.openxmlformats.org/presentationml/2006/main">
-  <p:cSld>
-    <p:spTree>
-      <p:nvGrpSpPr>
-        <p:cNvPr id="1" name=""/>
-        <p:cNvGrpSpPr/>
-        <p:nvPr/>
-      </p:nvGrpSpPr>
-      <p:grpSpPr>
-        <a:xfrm>
-          <a:off x="0" y="0"/>
-          <a:ext cx="0" cy="0"/>
-          <a:chOff x="0" y="0"/>
-          <a:chExt cx="0" cy="0"/>
-        </a:xfrm>
-      </p:grpSpPr>
-      <p:pic>
-        <p:nvPicPr>
-          <p:cNvPr id="8" name="Image 7">
-            <a:extLst>
-              <a:ext uri="{FF2B5EF4-FFF2-40B4-BE49-F238E27FC236}">
-                <a16:creationId xmlns:a16="http://schemas.microsoft.com/office/drawing/2014/main" id="{2BB825C5-31DA-4A56-85EA-536DBF510A31}"/>
-              </a:ext>
-            </a:extLst>
-          </p:cNvPr>
-          <p:cNvPicPr>
-            <a:picLocks noChangeAspect="1"/>
-          </p:cNvPicPr>
-          <p:nvPr/>
-        </p:nvPicPr>
-        <p:blipFill>
-          <a:blip r:embed="rId2">
-            <a:extLst>
-              <a:ext uri="{28A0092B-C50C-407E-A947-70E740481C1C}">
-                <a14:useLocalDpi xmlns:a14="http://schemas.microsoft.com/office/drawing/2010/main" val="0"/>
-              </a:ext>
-            </a:extLst>
-          </a:blip>
-          <a:stretch>
-            <a:fillRect/>
-          </a:stretch>
-        </p:blipFill>
-        <p:spPr>
-          <a:xfrm>
-            <a:off x="1068751" y="66457"/>
-            <a:ext cx="1259497" cy="776690"/>
-          </a:xfrm>
-          <a:prstGeom prst="rect">
-            <a:avLst/>
-          </a:prstGeom>
-        </p:spPr>
-      </p:pic>
-      <p:pic>
-        <p:nvPicPr>
-          <p:cNvPr id="10" name="Image 9">
-            <a:extLst>
-              <a:ext uri="{FF2B5EF4-FFF2-40B4-BE49-F238E27FC236}">
-                <a16:creationId xmlns:a16="http://schemas.microsoft.com/office/drawing/2014/main" id="{8EE7436F-49F2-41E0-93E4-D247B4705294}"/>
-              </a:ext>
-            </a:extLst>
-          </p:cNvPr>
-          <p:cNvPicPr>
-            <a:picLocks noChangeAspect="1"/>
-          </p:cNvPicPr>
-          <p:nvPr/>
-        </p:nvPicPr>
-        <p:blipFill>
-          <a:blip r:embed="rId3">
-            <a:extLst>
-              <a:ext uri="{28A0092B-C50C-407E-A947-70E740481C1C}">
-                <a14:useLocalDpi xmlns:a14="http://schemas.microsoft.com/office/drawing/2010/main" val="0"/>
-              </a:ext>
-            </a:extLst>
-          </a:blip>
-          <a:stretch>
-            <a:fillRect/>
-          </a:stretch>
-        </p:blipFill>
-        <p:spPr>
-          <a:xfrm>
-            <a:off x="9681085" y="238153"/>
-            <a:ext cx="1802101" cy="569807"/>
-          </a:xfrm>
-          <a:prstGeom prst="rect">
-            <a:avLst/>
-          </a:prstGeom>
-        </p:spPr>
-      </p:pic>
-      <p:cxnSp>
-        <p:nvCxnSpPr>
-          <p:cNvPr id="16" name="Connecteur droit 15">
-            <a:extLst>
-              <a:ext uri="{FF2B5EF4-FFF2-40B4-BE49-F238E27FC236}">
-                <a16:creationId xmlns:a16="http://schemas.microsoft.com/office/drawing/2014/main" id="{7319284A-BD6F-4A96-8E2B-E0A4B52E53C6}"/>
-              </a:ext>
-            </a:extLst>
-          </p:cNvPr>
-          <p:cNvCxnSpPr>
-            <a:cxnSpLocks/>
-          </p:cNvCxnSpPr>
-          <p:nvPr/>
-        </p:nvCxnSpPr>
-        <p:spPr>
-          <a:xfrm flipV="1">
-            <a:off x="0" y="454803"/>
-            <a:ext cx="738231" cy="1798"/>
-          </a:xfrm>
-          <a:prstGeom prst="line">
-            <a:avLst/>
-          </a:prstGeom>
-        </p:spPr>
-        <p:style>
-          <a:lnRef idx="3">
-            <a:schemeClr val="dk1"/>
-          </a:lnRef>
-          <a:fillRef idx="0">
-            <a:schemeClr val="dk1"/>
-          </a:fillRef>
-          <a:effectRef idx="2">
-            <a:schemeClr val="dk1"/>
-          </a:effectRef>
-          <a:fontRef idx="minor">
-            <a:schemeClr val="tx1"/>
-          </a:fontRef>
-        </p:style>
-      </p:cxnSp>
-      <p:cxnSp>
-        <p:nvCxnSpPr>
-          <p:cNvPr id="20" name="Connecteur droit 19">
-            <a:extLst>
-              <a:ext uri="{FF2B5EF4-FFF2-40B4-BE49-F238E27FC236}">
-                <a16:creationId xmlns:a16="http://schemas.microsoft.com/office/drawing/2014/main" id="{08874CF7-F149-4C81-B61E-74E18342BA8A}"/>
-              </a:ext>
-            </a:extLst>
-          </p:cNvPr>
-          <p:cNvCxnSpPr>
-            <a:cxnSpLocks/>
-          </p:cNvCxnSpPr>
-          <p:nvPr/>
-        </p:nvCxnSpPr>
-        <p:spPr>
-          <a:xfrm>
-            <a:off x="2573222" y="454803"/>
-            <a:ext cx="6829482" cy="10398"/>
-          </a:xfrm>
-          <a:prstGeom prst="line">
-            <a:avLst/>
-          </a:prstGeom>
-        </p:spPr>
-        <p:style>
-          <a:lnRef idx="3">
-            <a:schemeClr val="dk1"/>
-          </a:lnRef>
-          <a:fillRef idx="0">
-            <a:schemeClr val="dk1"/>
-          </a:fillRef>
-          <a:effectRef idx="2">
-            <a:schemeClr val="dk1"/>
-          </a:effectRef>
-          <a:fontRef idx="minor">
-            <a:schemeClr val="tx1"/>
-          </a:fontRef>
-        </p:style>
-      </p:cxnSp>
-      <p:cxnSp>
-        <p:nvCxnSpPr>
-          <p:cNvPr id="26" name="Connecteur droit 25">
-            <a:extLst>
-              <a:ext uri="{FF2B5EF4-FFF2-40B4-BE49-F238E27FC236}">
-                <a16:creationId xmlns:a16="http://schemas.microsoft.com/office/drawing/2014/main" id="{BB3B35CC-057B-48C1-880F-3306A6559175}"/>
-              </a:ext>
-            </a:extLst>
-          </p:cNvPr>
-          <p:cNvCxnSpPr>
-            <a:cxnSpLocks/>
-          </p:cNvCxnSpPr>
-          <p:nvPr/>
-        </p:nvCxnSpPr>
-        <p:spPr>
-          <a:xfrm>
-            <a:off x="738231" y="454803"/>
-            <a:ext cx="344203" cy="484764"/>
-          </a:xfrm>
-          <a:prstGeom prst="line">
-            <a:avLst/>
-          </a:prstGeom>
-        </p:spPr>
-        <p:style>
-          <a:lnRef idx="3">
-            <a:schemeClr val="dk1"/>
-          </a:lnRef>
-          <a:fillRef idx="0">
-            <a:schemeClr val="dk1"/>
-          </a:fillRef>
-          <a:effectRef idx="2">
-            <a:schemeClr val="dk1"/>
-          </a:effectRef>
-          <a:fontRef idx="minor">
-            <a:schemeClr val="tx1"/>
-          </a:fontRef>
-        </p:style>
-      </p:cxnSp>
-      <p:cxnSp>
-        <p:nvCxnSpPr>
-          <p:cNvPr id="32" name="Connecteur droit 31">
-            <a:extLst>
-              <a:ext uri="{FF2B5EF4-FFF2-40B4-BE49-F238E27FC236}">
-                <a16:creationId xmlns:a16="http://schemas.microsoft.com/office/drawing/2014/main" id="{4AD96496-1EB6-4E48-9BB2-5C255495C686}"/>
-              </a:ext>
-            </a:extLst>
-          </p:cNvPr>
-          <p:cNvCxnSpPr>
-            <a:cxnSpLocks/>
-          </p:cNvCxnSpPr>
-          <p:nvPr/>
-        </p:nvCxnSpPr>
-        <p:spPr>
-          <a:xfrm>
-            <a:off x="1082434" y="938268"/>
-            <a:ext cx="1146585" cy="0"/>
-          </a:xfrm>
-          <a:prstGeom prst="line">
-            <a:avLst/>
-          </a:prstGeom>
-        </p:spPr>
-        <p:style>
-          <a:lnRef idx="3">
-            <a:schemeClr val="dk1"/>
-          </a:lnRef>
-          <a:fillRef idx="0">
-            <a:schemeClr val="dk1"/>
-          </a:fillRef>
-          <a:effectRef idx="2">
-            <a:schemeClr val="dk1"/>
-          </a:effectRef>
-          <a:fontRef idx="minor">
-            <a:schemeClr val="tx1"/>
-          </a:fontRef>
-        </p:style>
-      </p:cxnSp>
-      <p:cxnSp>
-        <p:nvCxnSpPr>
-          <p:cNvPr id="51" name="Connecteur droit 50">
-            <a:extLst>
-              <a:ext uri="{FF2B5EF4-FFF2-40B4-BE49-F238E27FC236}">
-                <a16:creationId xmlns:a16="http://schemas.microsoft.com/office/drawing/2014/main" id="{C035BFA6-ECBF-4775-BA81-19D2CA41AA8D}"/>
-              </a:ext>
-            </a:extLst>
-          </p:cNvPr>
-          <p:cNvCxnSpPr>
-            <a:cxnSpLocks/>
-          </p:cNvCxnSpPr>
-          <p:nvPr/>
-        </p:nvCxnSpPr>
-        <p:spPr>
-          <a:xfrm>
-            <a:off x="9402704" y="465201"/>
-            <a:ext cx="344203" cy="495163"/>
-          </a:xfrm>
-          <a:prstGeom prst="line">
-            <a:avLst/>
-          </a:prstGeom>
-        </p:spPr>
-        <p:style>
-          <a:lnRef idx="3">
-            <a:schemeClr val="dk1"/>
-          </a:lnRef>
-          <a:fillRef idx="0">
-            <a:schemeClr val="dk1"/>
-          </a:fillRef>
-          <a:effectRef idx="2">
-            <a:schemeClr val="dk1"/>
-          </a:effectRef>
-          <a:fontRef idx="minor">
-            <a:schemeClr val="tx1"/>
-          </a:fontRef>
-        </p:style>
-      </p:cxnSp>
-      <p:cxnSp>
-        <p:nvCxnSpPr>
-          <p:cNvPr id="52" name="Connecteur droit 51">
-            <a:extLst>
-              <a:ext uri="{FF2B5EF4-FFF2-40B4-BE49-F238E27FC236}">
-                <a16:creationId xmlns:a16="http://schemas.microsoft.com/office/drawing/2014/main" id="{FA310BC7-694B-4984-99A2-61A1F4F6EBF9}"/>
-              </a:ext>
-            </a:extLst>
-          </p:cNvPr>
-          <p:cNvCxnSpPr>
-            <a:cxnSpLocks/>
-          </p:cNvCxnSpPr>
-          <p:nvPr/>
-        </p:nvCxnSpPr>
-        <p:spPr>
-          <a:xfrm flipH="1">
-            <a:off x="11370469" y="448308"/>
-            <a:ext cx="364332" cy="501657"/>
-          </a:xfrm>
-          <a:prstGeom prst="line">
-            <a:avLst/>
-          </a:prstGeom>
-        </p:spPr>
-        <p:style>
-          <a:lnRef idx="3">
-            <a:schemeClr val="dk1"/>
-          </a:lnRef>
-          <a:fillRef idx="0">
-            <a:schemeClr val="dk1"/>
-          </a:fillRef>
-          <a:effectRef idx="2">
-            <a:schemeClr val="dk1"/>
-          </a:effectRef>
-          <a:fontRef idx="minor">
-            <a:schemeClr val="tx1"/>
-          </a:fontRef>
-        </p:style>
-      </p:cxnSp>
-      <p:cxnSp>
-        <p:nvCxnSpPr>
-          <p:cNvPr id="53" name="Connecteur droit 52">
-            <a:extLst>
-              <a:ext uri="{FF2B5EF4-FFF2-40B4-BE49-F238E27FC236}">
-                <a16:creationId xmlns:a16="http://schemas.microsoft.com/office/drawing/2014/main" id="{BE0649BD-EE59-4DDA-960F-95B2572F9F13}"/>
-              </a:ext>
-            </a:extLst>
-          </p:cNvPr>
-          <p:cNvCxnSpPr>
-            <a:cxnSpLocks/>
-          </p:cNvCxnSpPr>
-          <p:nvPr/>
-        </p:nvCxnSpPr>
-        <p:spPr>
-          <a:xfrm>
-            <a:off x="9743203" y="949965"/>
-            <a:ext cx="1627266" cy="0"/>
-          </a:xfrm>
-          <a:prstGeom prst="line">
-            <a:avLst/>
-          </a:prstGeom>
-        </p:spPr>
-        <p:style>
-          <a:lnRef idx="3">
-            <a:schemeClr val="dk1"/>
-          </a:lnRef>
-          <a:fillRef idx="0">
-            <a:schemeClr val="dk1"/>
-          </a:fillRef>
-          <a:effectRef idx="2">
-            <a:schemeClr val="dk1"/>
-          </a:effectRef>
-          <a:fontRef idx="minor">
-            <a:schemeClr val="tx1"/>
-          </a:fontRef>
-        </p:style>
-      </p:cxnSp>
-      <p:cxnSp>
-        <p:nvCxnSpPr>
-          <p:cNvPr id="55" name="Connecteur droit 54">
-            <a:extLst>
-              <a:ext uri="{FF2B5EF4-FFF2-40B4-BE49-F238E27FC236}">
-                <a16:creationId xmlns:a16="http://schemas.microsoft.com/office/drawing/2014/main" id="{52AA9200-DAFA-4EEF-AC13-4C7CE82A59EC}"/>
-              </a:ext>
-            </a:extLst>
-          </p:cNvPr>
-          <p:cNvCxnSpPr>
-            <a:cxnSpLocks/>
-          </p:cNvCxnSpPr>
-          <p:nvPr/>
-        </p:nvCxnSpPr>
-        <p:spPr>
-          <a:xfrm>
-            <a:off x="11715750" y="454801"/>
-            <a:ext cx="476249" cy="10400"/>
-          </a:xfrm>
-          <a:prstGeom prst="line">
-            <a:avLst/>
-          </a:prstGeom>
-        </p:spPr>
-        <p:style>
-          <a:lnRef idx="3">
-            <a:schemeClr val="dk1"/>
-          </a:lnRef>
-          <a:fillRef idx="0">
-            <a:schemeClr val="dk1"/>
-          </a:fillRef>
-          <a:effectRef idx="2">
-            <a:schemeClr val="dk1"/>
-          </a:effectRef>
-          <a:fontRef idx="minor">
-            <a:schemeClr val="tx1"/>
-          </a:fontRef>
-        </p:style>
-      </p:cxnSp>
-      <p:cxnSp>
-        <p:nvCxnSpPr>
-          <p:cNvPr id="23" name="Connecteur droit 22">
-            <a:extLst>
-              <a:ext uri="{FF2B5EF4-FFF2-40B4-BE49-F238E27FC236}">
-                <a16:creationId xmlns:a16="http://schemas.microsoft.com/office/drawing/2014/main" id="{BCB092C8-0080-4E56-957E-0046D4C83988}"/>
-              </a:ext>
-            </a:extLst>
-          </p:cNvPr>
-          <p:cNvCxnSpPr>
-            <a:cxnSpLocks/>
-          </p:cNvCxnSpPr>
-          <p:nvPr/>
-        </p:nvCxnSpPr>
-        <p:spPr>
-          <a:xfrm flipH="1">
-            <a:off x="2216372" y="446356"/>
-            <a:ext cx="364332" cy="501657"/>
-          </a:xfrm>
-          <a:prstGeom prst="line">
-            <a:avLst/>
-          </a:prstGeom>
-        </p:spPr>
-        <p:style>
-          <a:lnRef idx="3">
-            <a:schemeClr val="dk1"/>
-          </a:lnRef>
-          <a:fillRef idx="0">
-            <a:schemeClr val="dk1"/>
-          </a:fillRef>
-          <a:effectRef idx="2">
-            <a:schemeClr val="dk1"/>
-          </a:effectRef>
-          <a:fontRef idx="minor">
-            <a:schemeClr val="tx1"/>
-          </a:fontRef>
-        </p:style>
-      </p:cxnSp>
-      <p:pic>
-        <p:nvPicPr>
-          <p:cNvPr id="57" name="Image 56">
-            <a:extLst>
-              <a:ext uri="{FF2B5EF4-FFF2-40B4-BE49-F238E27FC236}">
-                <a16:creationId xmlns:a16="http://schemas.microsoft.com/office/drawing/2014/main" id="{12B16FB2-5844-4B92-AE69-9BAC858C22BB}"/>
-              </a:ext>
-            </a:extLst>
-          </p:cNvPr>
-          <p:cNvPicPr>
-            <a:picLocks noChangeAspect="1"/>
-          </p:cNvPicPr>
-          <p:nvPr/>
-        </p:nvPicPr>
-        <p:blipFill>
-          <a:blip r:embed="rId3">
-            <a:extLst>
-              <a:ext uri="{28A0092B-C50C-407E-A947-70E740481C1C}">
-                <a14:useLocalDpi xmlns:a14="http://schemas.microsoft.com/office/drawing/2010/main" val="0"/>
-              </a:ext>
-            </a:extLst>
-          </a:blip>
-          <a:stretch>
-            <a:fillRect/>
-          </a:stretch>
-        </p:blipFill>
-        <p:spPr>
-          <a:xfrm>
-            <a:off x="9681085" y="238153"/>
-            <a:ext cx="1802101" cy="569807"/>
-          </a:xfrm>
-          <a:prstGeom prst="rect">
-            <a:avLst/>
-          </a:prstGeom>
-        </p:spPr>
-      </p:pic>
-      <p:cxnSp>
-        <p:nvCxnSpPr>
-          <p:cNvPr id="58" name="Connecteur droit 57">
-            <a:extLst>
-              <a:ext uri="{FF2B5EF4-FFF2-40B4-BE49-F238E27FC236}">
-                <a16:creationId xmlns:a16="http://schemas.microsoft.com/office/drawing/2014/main" id="{01599350-F8B0-4FDC-B003-981189A8D654}"/>
-              </a:ext>
-            </a:extLst>
-          </p:cNvPr>
-          <p:cNvCxnSpPr>
-            <a:cxnSpLocks/>
-          </p:cNvCxnSpPr>
-          <p:nvPr/>
-        </p:nvCxnSpPr>
-        <p:spPr>
-          <a:xfrm>
-            <a:off x="2573222" y="454803"/>
-            <a:ext cx="6829482" cy="10398"/>
-          </a:xfrm>
-          <a:prstGeom prst="line">
-            <a:avLst/>
-          </a:prstGeom>
-        </p:spPr>
-        <p:style>
-          <a:lnRef idx="3">
-            <a:schemeClr val="dk1"/>
-          </a:lnRef>
-          <a:fillRef idx="0">
-            <a:schemeClr val="dk1"/>
-          </a:fillRef>
-          <a:effectRef idx="2">
-            <a:schemeClr val="dk1"/>
-          </a:effectRef>
-          <a:fontRef idx="minor">
-            <a:schemeClr val="tx1"/>
-          </a:fontRef>
-        </p:style>
-      </p:cxnSp>
-      <p:cxnSp>
-        <p:nvCxnSpPr>
-          <p:cNvPr id="59" name="Connecteur droit 58">
-            <a:extLst>
-              <a:ext uri="{FF2B5EF4-FFF2-40B4-BE49-F238E27FC236}">
-                <a16:creationId xmlns:a16="http://schemas.microsoft.com/office/drawing/2014/main" id="{BC6E6150-6054-4785-84EC-0C46D82034C2}"/>
-              </a:ext>
-            </a:extLst>
-          </p:cNvPr>
-          <p:cNvCxnSpPr>
-            <a:cxnSpLocks/>
-          </p:cNvCxnSpPr>
-          <p:nvPr/>
-        </p:nvCxnSpPr>
-        <p:spPr>
-          <a:xfrm>
-            <a:off x="738231" y="454803"/>
-            <a:ext cx="344203" cy="484764"/>
-          </a:xfrm>
-          <a:prstGeom prst="line">
-            <a:avLst/>
-          </a:prstGeom>
-        </p:spPr>
-        <p:style>
-          <a:lnRef idx="3">
-            <a:schemeClr val="dk1"/>
-          </a:lnRef>
-          <a:fillRef idx="0">
-            <a:schemeClr val="dk1"/>
-          </a:fillRef>
-          <a:effectRef idx="2">
-            <a:schemeClr val="dk1"/>
-          </a:effectRef>
-          <a:fontRef idx="minor">
-            <a:schemeClr val="tx1"/>
-          </a:fontRef>
-        </p:style>
-      </p:cxnSp>
-      <p:cxnSp>
-        <p:nvCxnSpPr>
-          <p:cNvPr id="60" name="Connecteur droit 59">
-            <a:extLst>
-              <a:ext uri="{FF2B5EF4-FFF2-40B4-BE49-F238E27FC236}">
-                <a16:creationId xmlns:a16="http://schemas.microsoft.com/office/drawing/2014/main" id="{CBC9961A-8EC2-4287-A398-BCA4138D409D}"/>
-              </a:ext>
-            </a:extLst>
-          </p:cNvPr>
-          <p:cNvCxnSpPr>
-            <a:cxnSpLocks/>
-          </p:cNvCxnSpPr>
-          <p:nvPr/>
-        </p:nvCxnSpPr>
-        <p:spPr>
-          <a:xfrm>
-            <a:off x="1082434" y="938268"/>
-            <a:ext cx="1146585" cy="0"/>
-          </a:xfrm>
-          <a:prstGeom prst="line">
-            <a:avLst/>
-          </a:prstGeom>
-        </p:spPr>
-        <p:style>
-          <a:lnRef idx="3">
-            <a:schemeClr val="dk1"/>
-          </a:lnRef>
-          <a:fillRef idx="0">
-            <a:schemeClr val="dk1"/>
-          </a:fillRef>
-          <a:effectRef idx="2">
-            <a:schemeClr val="dk1"/>
-          </a:effectRef>
-          <a:fontRef idx="minor">
-            <a:schemeClr val="tx1"/>
-          </a:fontRef>
-        </p:style>
-      </p:cxnSp>
-      <p:cxnSp>
-        <p:nvCxnSpPr>
-          <p:cNvPr id="61" name="Connecteur droit 60">
-            <a:extLst>
-              <a:ext uri="{FF2B5EF4-FFF2-40B4-BE49-F238E27FC236}">
-                <a16:creationId xmlns:a16="http://schemas.microsoft.com/office/drawing/2014/main" id="{152B7C45-2543-4665-BC07-4DB71CA9F337}"/>
-              </a:ext>
-            </a:extLst>
-          </p:cNvPr>
-          <p:cNvCxnSpPr>
-            <a:cxnSpLocks/>
-          </p:cNvCxnSpPr>
-          <p:nvPr/>
-        </p:nvCxnSpPr>
-        <p:spPr>
-          <a:xfrm>
-            <a:off x="9402704" y="465201"/>
-            <a:ext cx="344203" cy="495163"/>
-          </a:xfrm>
-          <a:prstGeom prst="line">
-            <a:avLst/>
-          </a:prstGeom>
-        </p:spPr>
-        <p:style>
-          <a:lnRef idx="3">
-            <a:schemeClr val="dk1"/>
-          </a:lnRef>
-          <a:fillRef idx="0">
-            <a:schemeClr val="dk1"/>
-          </a:fillRef>
-          <a:effectRef idx="2">
-            <a:schemeClr val="dk1"/>
-          </a:effectRef>
-          <a:fontRef idx="minor">
-            <a:schemeClr val="tx1"/>
-          </a:fontRef>
-        </p:style>
-      </p:cxnSp>
-      <p:cxnSp>
-        <p:nvCxnSpPr>
-          <p:cNvPr id="62" name="Connecteur droit 61">
-            <a:extLst>
-              <a:ext uri="{FF2B5EF4-FFF2-40B4-BE49-F238E27FC236}">
-                <a16:creationId xmlns:a16="http://schemas.microsoft.com/office/drawing/2014/main" id="{00A84DC3-A112-46A3-B71C-04D85339323D}"/>
-              </a:ext>
-            </a:extLst>
-          </p:cNvPr>
-          <p:cNvCxnSpPr>
-            <a:cxnSpLocks/>
-          </p:cNvCxnSpPr>
-          <p:nvPr/>
-        </p:nvCxnSpPr>
-        <p:spPr>
-          <a:xfrm flipH="1">
-            <a:off x="11370469" y="448308"/>
-            <a:ext cx="364332" cy="501657"/>
-          </a:xfrm>
-          <a:prstGeom prst="line">
-            <a:avLst/>
-          </a:prstGeom>
-        </p:spPr>
-        <p:style>
-          <a:lnRef idx="3">
-            <a:schemeClr val="dk1"/>
-          </a:lnRef>
-          <a:fillRef idx="0">
-            <a:schemeClr val="dk1"/>
-          </a:fillRef>
-          <a:effectRef idx="2">
-            <a:schemeClr val="dk1"/>
-          </a:effectRef>
-          <a:fontRef idx="minor">
-            <a:schemeClr val="tx1"/>
-          </a:fontRef>
-        </p:style>
-      </p:cxnSp>
-      <p:cxnSp>
-        <p:nvCxnSpPr>
-          <p:cNvPr id="63" name="Connecteur droit 62">
-            <a:extLst>
-              <a:ext uri="{FF2B5EF4-FFF2-40B4-BE49-F238E27FC236}">
-                <a16:creationId xmlns:a16="http://schemas.microsoft.com/office/drawing/2014/main" id="{C50788C6-8F68-44EC-AB54-94C1D2FE554D}"/>
-              </a:ext>
-            </a:extLst>
-          </p:cNvPr>
-          <p:cNvCxnSpPr>
-            <a:cxnSpLocks/>
-          </p:cNvCxnSpPr>
-          <p:nvPr/>
-        </p:nvCxnSpPr>
-        <p:spPr>
-          <a:xfrm>
-            <a:off x="9743203" y="949965"/>
-            <a:ext cx="1627266" cy="0"/>
-          </a:xfrm>
-          <a:prstGeom prst="line">
-            <a:avLst/>
-          </a:prstGeom>
-        </p:spPr>
-        <p:style>
-          <a:lnRef idx="3">
-            <a:schemeClr val="dk1"/>
-          </a:lnRef>
-          <a:fillRef idx="0">
-            <a:schemeClr val="dk1"/>
-          </a:fillRef>
-          <a:effectRef idx="2">
-            <a:schemeClr val="dk1"/>
-          </a:effectRef>
-          <a:fontRef idx="minor">
-            <a:schemeClr val="tx1"/>
-          </a:fontRef>
-        </p:style>
-      </p:cxnSp>
-      <p:cxnSp>
-        <p:nvCxnSpPr>
-          <p:cNvPr id="64" name="Connecteur droit 63">
-            <a:extLst>
-              <a:ext uri="{FF2B5EF4-FFF2-40B4-BE49-F238E27FC236}">
-                <a16:creationId xmlns:a16="http://schemas.microsoft.com/office/drawing/2014/main" id="{BC4D4E5F-5636-45CB-873C-EC085AB307A3}"/>
-              </a:ext>
-            </a:extLst>
-          </p:cNvPr>
-          <p:cNvCxnSpPr>
-            <a:cxnSpLocks/>
-          </p:cNvCxnSpPr>
-          <p:nvPr/>
-        </p:nvCxnSpPr>
-        <p:spPr>
-          <a:xfrm>
-            <a:off x="11715750" y="454801"/>
-            <a:ext cx="476249" cy="10400"/>
-          </a:xfrm>
-          <a:prstGeom prst="line">
-            <a:avLst/>
-          </a:prstGeom>
-        </p:spPr>
-        <p:style>
-          <a:lnRef idx="3">
-            <a:schemeClr val="dk1"/>
-          </a:lnRef>
-          <a:fillRef idx="0">
-            <a:schemeClr val="dk1"/>
-          </a:fillRef>
-          <a:effectRef idx="2">
-            <a:schemeClr val="dk1"/>
-          </a:effectRef>
-          <a:fontRef idx="minor">
-            <a:schemeClr val="tx1"/>
-          </a:fontRef>
-        </p:style>
-      </p:cxnSp>
-      <p:cxnSp>
-        <p:nvCxnSpPr>
-          <p:cNvPr id="65" name="Connecteur droit 64">
-            <a:extLst>
-              <a:ext uri="{FF2B5EF4-FFF2-40B4-BE49-F238E27FC236}">
-                <a16:creationId xmlns:a16="http://schemas.microsoft.com/office/drawing/2014/main" id="{E6F6B4C5-0E3B-46C9-859D-EE774175D36F}"/>
-              </a:ext>
-            </a:extLst>
-          </p:cNvPr>
-          <p:cNvCxnSpPr>
-            <a:cxnSpLocks/>
-          </p:cNvCxnSpPr>
-          <p:nvPr/>
-        </p:nvCxnSpPr>
-        <p:spPr>
-          <a:xfrm flipH="1">
-            <a:off x="2216372" y="446356"/>
-            <a:ext cx="364332" cy="501657"/>
-          </a:xfrm>
-          <a:prstGeom prst="line">
-            <a:avLst/>
-          </a:prstGeom>
-        </p:spPr>
-        <p:style>
-          <a:lnRef idx="3">
-            <a:schemeClr val="dk1"/>
-          </a:lnRef>
-          <a:fillRef idx="0">
-            <a:schemeClr val="dk1"/>
-          </a:fillRef>
-          <a:effectRef idx="2">
-            <a:schemeClr val="dk1"/>
-          </a:effectRef>
-          <a:fontRef idx="minor">
-            <a:schemeClr val="tx1"/>
-          </a:fontRef>
-        </p:style>
-      </p:cxnSp>
-      <p:sp>
-        <p:nvSpPr>
-          <p:cNvPr id="2" name="ZoneTexte 1">
-            <a:extLst>
-              <a:ext uri="{FF2B5EF4-FFF2-40B4-BE49-F238E27FC236}">
-                <a16:creationId xmlns:a16="http://schemas.microsoft.com/office/drawing/2014/main" id="{27BF8A13-4190-4471-B5A9-233462A7239A}"/>
-              </a:ext>
-            </a:extLst>
-          </p:cNvPr>
-          <p:cNvSpPr txBox="1"/>
-          <p:nvPr/>
-        </p:nvSpPr>
-        <p:spPr>
-          <a:xfrm>
-            <a:off x="3462185" y="563292"/>
-            <a:ext cx="5075325" cy="769441"/>
-          </a:xfrm>
-          <a:prstGeom prst="rect">
-            <a:avLst/>
-          </a:prstGeom>
-          <a:noFill/>
-        </p:spPr>
-        <p:txBody>
-          <a:bodyPr wrap="square" rtlCol="0">
-            <a:spAutoFit/>
-          </a:bodyPr>
-          <a:lstStyle/>
-          <a:p>
-            <a:r>
-              <a:rPr lang="fr-FR" sz="4400" dirty="0">
-                <a:latin typeface="Berlin Sans FB" panose="020E0602020502020306" pitchFamily="34" charset="0"/>
-              </a:rPr>
-              <a:t>Schémas de câblage</a:t>
-            </a:r>
-          </a:p>
-        </p:txBody>
-      </p:sp>
-    </p:spTree>
-    <p:extLst>
-      <p:ext uri="{BB962C8B-B14F-4D97-AF65-F5344CB8AC3E}">
-        <p14:creationId xmlns:p14="http://schemas.microsoft.com/office/powerpoint/2010/main" val="2882467282"/>
-      </p:ext>
-    </p:extLst>
-  </p:cSld>
-  <p:clrMapOvr>
-    <a:masterClrMapping/>
-  </p:clrMapOvr>
-  <mc:AlternateContent xmlns:mc="http://schemas.openxmlformats.org/markup-compatibility/2006" xmlns:p14="http://schemas.microsoft.com/office/powerpoint/2010/main">
-    <mc:Choice Requires="p14">
-      <p:transition spd="slow">
-        <p14:reveal/>
-      </p:transition>
-    </mc:Choice>
-    <mc:Fallback xmlns="">
-      <p:transition spd="slow">
-        <p:fade/>
-      </p:transition>
-    </mc:Fallback>
-  </mc:AlternateContent>
-</p:sld>
-</file>
-
-<file path=ppt/slides/slide15.xml><?xml version="1.0" encoding="utf-8"?>
-<p:sld xmlns:a="http://schemas.openxmlformats.org/drawingml/2006/main" xmlns:r="http://schemas.openxmlformats.org/officeDocument/2006/relationships" xmlns:p="http://schemas.openxmlformats.org/presentationml/2006/main">
-  <p:cSld>
-    <p:spTree>
-      <p:nvGrpSpPr>
-        <p:cNvPr id="1" name=""/>
-        <p:cNvGrpSpPr/>
-        <p:nvPr/>
-      </p:nvGrpSpPr>
-      <p:grpSpPr>
-        <a:xfrm>
-          <a:off x="0" y="0"/>
-          <a:ext cx="0" cy="0"/>
-          <a:chOff x="0" y="0"/>
-          <a:chExt cx="0" cy="0"/>
-        </a:xfrm>
-      </p:grpSpPr>
-      <p:pic>
-        <p:nvPicPr>
-          <p:cNvPr id="8" name="Image 7">
-            <a:extLst>
-              <a:ext uri="{FF2B5EF4-FFF2-40B4-BE49-F238E27FC236}">
-                <a16:creationId xmlns:a16="http://schemas.microsoft.com/office/drawing/2014/main" id="{2BB825C5-31DA-4A56-85EA-536DBF510A31}"/>
-              </a:ext>
-            </a:extLst>
-          </p:cNvPr>
-          <p:cNvPicPr>
-            <a:picLocks noChangeAspect="1"/>
-          </p:cNvPicPr>
-          <p:nvPr/>
-        </p:nvPicPr>
-        <p:blipFill>
-          <a:blip r:embed="rId2">
-            <a:extLst>
-              <a:ext uri="{28A0092B-C50C-407E-A947-70E740481C1C}">
-                <a14:useLocalDpi xmlns:a14="http://schemas.microsoft.com/office/drawing/2010/main" val="0"/>
-              </a:ext>
-            </a:extLst>
-          </a:blip>
-          <a:stretch>
-            <a:fillRect/>
-          </a:stretch>
-        </p:blipFill>
-        <p:spPr>
-          <a:xfrm>
-            <a:off x="1068751" y="66457"/>
-            <a:ext cx="1259497" cy="776690"/>
-          </a:xfrm>
-          <a:prstGeom prst="rect">
-            <a:avLst/>
-          </a:prstGeom>
-        </p:spPr>
-      </p:pic>
-      <p:pic>
-        <p:nvPicPr>
-          <p:cNvPr id="10" name="Image 9">
-            <a:extLst>
-              <a:ext uri="{FF2B5EF4-FFF2-40B4-BE49-F238E27FC236}">
-                <a16:creationId xmlns:a16="http://schemas.microsoft.com/office/drawing/2014/main" id="{8EE7436F-49F2-41E0-93E4-D247B4705294}"/>
-              </a:ext>
-            </a:extLst>
-          </p:cNvPr>
-          <p:cNvPicPr>
-            <a:picLocks noChangeAspect="1"/>
-          </p:cNvPicPr>
-          <p:nvPr/>
-        </p:nvPicPr>
-        <p:blipFill>
-          <a:blip r:embed="rId3">
-            <a:extLst>
-              <a:ext uri="{28A0092B-C50C-407E-A947-70E740481C1C}">
-                <a14:useLocalDpi xmlns:a14="http://schemas.microsoft.com/office/drawing/2010/main" val="0"/>
-              </a:ext>
-            </a:extLst>
-          </a:blip>
-          <a:stretch>
-            <a:fillRect/>
-          </a:stretch>
-        </p:blipFill>
-        <p:spPr>
-          <a:xfrm>
-            <a:off x="9681085" y="238153"/>
-            <a:ext cx="1802101" cy="569807"/>
-          </a:xfrm>
-          <a:prstGeom prst="rect">
-            <a:avLst/>
-          </a:prstGeom>
-        </p:spPr>
-      </p:pic>
-      <p:cxnSp>
-        <p:nvCxnSpPr>
-          <p:cNvPr id="16" name="Connecteur droit 15">
-            <a:extLst>
-              <a:ext uri="{FF2B5EF4-FFF2-40B4-BE49-F238E27FC236}">
-                <a16:creationId xmlns:a16="http://schemas.microsoft.com/office/drawing/2014/main" id="{7319284A-BD6F-4A96-8E2B-E0A4B52E53C6}"/>
-              </a:ext>
-            </a:extLst>
-          </p:cNvPr>
-          <p:cNvCxnSpPr>
-            <a:cxnSpLocks/>
-          </p:cNvCxnSpPr>
-          <p:nvPr/>
-        </p:nvCxnSpPr>
-        <p:spPr>
-          <a:xfrm flipV="1">
-            <a:off x="0" y="454803"/>
-            <a:ext cx="738231" cy="1798"/>
-          </a:xfrm>
-          <a:prstGeom prst="line">
-            <a:avLst/>
-          </a:prstGeom>
-        </p:spPr>
-        <p:style>
-          <a:lnRef idx="3">
-            <a:schemeClr val="dk1"/>
-          </a:lnRef>
-          <a:fillRef idx="0">
-            <a:schemeClr val="dk1"/>
-          </a:fillRef>
-          <a:effectRef idx="2">
-            <a:schemeClr val="dk1"/>
-          </a:effectRef>
-          <a:fontRef idx="minor">
-            <a:schemeClr val="tx1"/>
-          </a:fontRef>
-        </p:style>
-      </p:cxnSp>
-      <p:cxnSp>
-        <p:nvCxnSpPr>
-          <p:cNvPr id="20" name="Connecteur droit 19">
-            <a:extLst>
-              <a:ext uri="{FF2B5EF4-FFF2-40B4-BE49-F238E27FC236}">
-                <a16:creationId xmlns:a16="http://schemas.microsoft.com/office/drawing/2014/main" id="{08874CF7-F149-4C81-B61E-74E18342BA8A}"/>
-              </a:ext>
-            </a:extLst>
-          </p:cNvPr>
-          <p:cNvCxnSpPr>
-            <a:cxnSpLocks/>
-          </p:cNvCxnSpPr>
-          <p:nvPr/>
-        </p:nvCxnSpPr>
-        <p:spPr>
-          <a:xfrm>
-            <a:off x="2573222" y="454803"/>
-            <a:ext cx="6829482" cy="10398"/>
-          </a:xfrm>
-          <a:prstGeom prst="line">
-            <a:avLst/>
-          </a:prstGeom>
-        </p:spPr>
-        <p:style>
-          <a:lnRef idx="3">
-            <a:schemeClr val="dk1"/>
-          </a:lnRef>
-          <a:fillRef idx="0">
-            <a:schemeClr val="dk1"/>
-          </a:fillRef>
-          <a:effectRef idx="2">
-            <a:schemeClr val="dk1"/>
-          </a:effectRef>
-          <a:fontRef idx="minor">
-            <a:schemeClr val="tx1"/>
-          </a:fontRef>
-        </p:style>
-      </p:cxnSp>
-      <p:cxnSp>
-        <p:nvCxnSpPr>
-          <p:cNvPr id="26" name="Connecteur droit 25">
-            <a:extLst>
-              <a:ext uri="{FF2B5EF4-FFF2-40B4-BE49-F238E27FC236}">
-                <a16:creationId xmlns:a16="http://schemas.microsoft.com/office/drawing/2014/main" id="{BB3B35CC-057B-48C1-880F-3306A6559175}"/>
-              </a:ext>
-            </a:extLst>
-          </p:cNvPr>
-          <p:cNvCxnSpPr>
-            <a:cxnSpLocks/>
-          </p:cNvCxnSpPr>
-          <p:nvPr/>
-        </p:nvCxnSpPr>
-        <p:spPr>
-          <a:xfrm>
-            <a:off x="738231" y="454803"/>
-            <a:ext cx="344203" cy="484764"/>
-          </a:xfrm>
-          <a:prstGeom prst="line">
-            <a:avLst/>
-          </a:prstGeom>
-        </p:spPr>
-        <p:style>
-          <a:lnRef idx="3">
-            <a:schemeClr val="dk1"/>
-          </a:lnRef>
-          <a:fillRef idx="0">
-            <a:schemeClr val="dk1"/>
-          </a:fillRef>
-          <a:effectRef idx="2">
-            <a:schemeClr val="dk1"/>
-          </a:effectRef>
-          <a:fontRef idx="minor">
-            <a:schemeClr val="tx1"/>
-          </a:fontRef>
-        </p:style>
-      </p:cxnSp>
-      <p:cxnSp>
-        <p:nvCxnSpPr>
-          <p:cNvPr id="32" name="Connecteur droit 31">
-            <a:extLst>
-              <a:ext uri="{FF2B5EF4-FFF2-40B4-BE49-F238E27FC236}">
-                <a16:creationId xmlns:a16="http://schemas.microsoft.com/office/drawing/2014/main" id="{4AD96496-1EB6-4E48-9BB2-5C255495C686}"/>
-              </a:ext>
-            </a:extLst>
-          </p:cNvPr>
-          <p:cNvCxnSpPr>
-            <a:cxnSpLocks/>
-          </p:cNvCxnSpPr>
-          <p:nvPr/>
-        </p:nvCxnSpPr>
-        <p:spPr>
-          <a:xfrm>
-            <a:off x="1082434" y="938268"/>
-            <a:ext cx="1146585" cy="0"/>
-          </a:xfrm>
-          <a:prstGeom prst="line">
-            <a:avLst/>
-          </a:prstGeom>
-        </p:spPr>
-        <p:style>
-          <a:lnRef idx="3">
-            <a:schemeClr val="dk1"/>
-          </a:lnRef>
-          <a:fillRef idx="0">
-            <a:schemeClr val="dk1"/>
-          </a:fillRef>
-          <a:effectRef idx="2">
-            <a:schemeClr val="dk1"/>
-          </a:effectRef>
-          <a:fontRef idx="minor">
-            <a:schemeClr val="tx1"/>
-          </a:fontRef>
-        </p:style>
-      </p:cxnSp>
-      <p:cxnSp>
-        <p:nvCxnSpPr>
-          <p:cNvPr id="51" name="Connecteur droit 50">
-            <a:extLst>
-              <a:ext uri="{FF2B5EF4-FFF2-40B4-BE49-F238E27FC236}">
-                <a16:creationId xmlns:a16="http://schemas.microsoft.com/office/drawing/2014/main" id="{C035BFA6-ECBF-4775-BA81-19D2CA41AA8D}"/>
-              </a:ext>
-            </a:extLst>
-          </p:cNvPr>
-          <p:cNvCxnSpPr>
-            <a:cxnSpLocks/>
-          </p:cNvCxnSpPr>
-          <p:nvPr/>
-        </p:nvCxnSpPr>
-        <p:spPr>
-          <a:xfrm>
-            <a:off x="9402704" y="465201"/>
-            <a:ext cx="344203" cy="495163"/>
-          </a:xfrm>
-          <a:prstGeom prst="line">
-            <a:avLst/>
-          </a:prstGeom>
-        </p:spPr>
-        <p:style>
-          <a:lnRef idx="3">
-            <a:schemeClr val="dk1"/>
-          </a:lnRef>
-          <a:fillRef idx="0">
-            <a:schemeClr val="dk1"/>
-          </a:fillRef>
-          <a:effectRef idx="2">
-            <a:schemeClr val="dk1"/>
-          </a:effectRef>
-          <a:fontRef idx="minor">
-            <a:schemeClr val="tx1"/>
-          </a:fontRef>
-        </p:style>
-      </p:cxnSp>
-      <p:cxnSp>
-        <p:nvCxnSpPr>
-          <p:cNvPr id="52" name="Connecteur droit 51">
-            <a:extLst>
-              <a:ext uri="{FF2B5EF4-FFF2-40B4-BE49-F238E27FC236}">
-                <a16:creationId xmlns:a16="http://schemas.microsoft.com/office/drawing/2014/main" id="{FA310BC7-694B-4984-99A2-61A1F4F6EBF9}"/>
-              </a:ext>
-            </a:extLst>
-          </p:cNvPr>
-          <p:cNvCxnSpPr>
-            <a:cxnSpLocks/>
-          </p:cNvCxnSpPr>
-          <p:nvPr/>
-        </p:nvCxnSpPr>
-        <p:spPr>
-          <a:xfrm flipH="1">
-            <a:off x="11370469" y="448308"/>
-            <a:ext cx="364332" cy="501657"/>
-          </a:xfrm>
-          <a:prstGeom prst="line">
-            <a:avLst/>
-          </a:prstGeom>
-        </p:spPr>
-        <p:style>
-          <a:lnRef idx="3">
-            <a:schemeClr val="dk1"/>
-          </a:lnRef>
-          <a:fillRef idx="0">
-            <a:schemeClr val="dk1"/>
-          </a:fillRef>
-          <a:effectRef idx="2">
-            <a:schemeClr val="dk1"/>
-          </a:effectRef>
-          <a:fontRef idx="minor">
-            <a:schemeClr val="tx1"/>
-          </a:fontRef>
-        </p:style>
-      </p:cxnSp>
-      <p:cxnSp>
-        <p:nvCxnSpPr>
-          <p:cNvPr id="53" name="Connecteur droit 52">
-            <a:extLst>
-              <a:ext uri="{FF2B5EF4-FFF2-40B4-BE49-F238E27FC236}">
-                <a16:creationId xmlns:a16="http://schemas.microsoft.com/office/drawing/2014/main" id="{BE0649BD-EE59-4DDA-960F-95B2572F9F13}"/>
-              </a:ext>
-            </a:extLst>
-          </p:cNvPr>
-          <p:cNvCxnSpPr>
-            <a:cxnSpLocks/>
-          </p:cNvCxnSpPr>
-          <p:nvPr/>
-        </p:nvCxnSpPr>
-        <p:spPr>
-          <a:xfrm>
-            <a:off x="9743203" y="949965"/>
-            <a:ext cx="1627266" cy="0"/>
-          </a:xfrm>
-          <a:prstGeom prst="line">
-            <a:avLst/>
-          </a:prstGeom>
-        </p:spPr>
-        <p:style>
-          <a:lnRef idx="3">
-            <a:schemeClr val="dk1"/>
-          </a:lnRef>
-          <a:fillRef idx="0">
-            <a:schemeClr val="dk1"/>
-          </a:fillRef>
-          <a:effectRef idx="2">
-            <a:schemeClr val="dk1"/>
-          </a:effectRef>
-          <a:fontRef idx="minor">
-            <a:schemeClr val="tx1"/>
-          </a:fontRef>
-        </p:style>
-      </p:cxnSp>
-      <p:cxnSp>
-        <p:nvCxnSpPr>
-          <p:cNvPr id="55" name="Connecteur droit 54">
-            <a:extLst>
-              <a:ext uri="{FF2B5EF4-FFF2-40B4-BE49-F238E27FC236}">
-                <a16:creationId xmlns:a16="http://schemas.microsoft.com/office/drawing/2014/main" id="{52AA9200-DAFA-4EEF-AC13-4C7CE82A59EC}"/>
-              </a:ext>
-            </a:extLst>
-          </p:cNvPr>
-          <p:cNvCxnSpPr>
-            <a:cxnSpLocks/>
-          </p:cNvCxnSpPr>
-          <p:nvPr/>
-        </p:nvCxnSpPr>
-        <p:spPr>
-          <a:xfrm>
-            <a:off x="11715750" y="454801"/>
-            <a:ext cx="476249" cy="10400"/>
-          </a:xfrm>
-          <a:prstGeom prst="line">
-            <a:avLst/>
-          </a:prstGeom>
-        </p:spPr>
-        <p:style>
-          <a:lnRef idx="3">
-            <a:schemeClr val="dk1"/>
-          </a:lnRef>
-          <a:fillRef idx="0">
-            <a:schemeClr val="dk1"/>
-          </a:fillRef>
-          <a:effectRef idx="2">
-            <a:schemeClr val="dk1"/>
-          </a:effectRef>
-          <a:fontRef idx="minor">
-            <a:schemeClr val="tx1"/>
-          </a:fontRef>
-        </p:style>
-      </p:cxnSp>
-      <p:cxnSp>
-        <p:nvCxnSpPr>
-          <p:cNvPr id="23" name="Connecteur droit 22">
-            <a:extLst>
-              <a:ext uri="{FF2B5EF4-FFF2-40B4-BE49-F238E27FC236}">
-                <a16:creationId xmlns:a16="http://schemas.microsoft.com/office/drawing/2014/main" id="{BCB092C8-0080-4E56-957E-0046D4C83988}"/>
-              </a:ext>
-            </a:extLst>
-          </p:cNvPr>
-          <p:cNvCxnSpPr>
-            <a:cxnSpLocks/>
-          </p:cNvCxnSpPr>
-          <p:nvPr/>
-        </p:nvCxnSpPr>
-        <p:spPr>
-          <a:xfrm flipH="1">
-            <a:off x="2216372" y="446356"/>
-            <a:ext cx="364332" cy="501657"/>
-          </a:xfrm>
-          <a:prstGeom prst="line">
-            <a:avLst/>
-          </a:prstGeom>
-        </p:spPr>
-        <p:style>
-          <a:lnRef idx="3">
-            <a:schemeClr val="dk1"/>
-          </a:lnRef>
-          <a:fillRef idx="0">
-            <a:schemeClr val="dk1"/>
-          </a:fillRef>
-          <a:effectRef idx="2">
-            <a:schemeClr val="dk1"/>
-          </a:effectRef>
-          <a:fontRef idx="minor">
-            <a:schemeClr val="tx1"/>
-          </a:fontRef>
-        </p:style>
-      </p:cxnSp>
-      <p:pic>
-        <p:nvPicPr>
-          <p:cNvPr id="57" name="Image 56">
-            <a:extLst>
-              <a:ext uri="{FF2B5EF4-FFF2-40B4-BE49-F238E27FC236}">
-                <a16:creationId xmlns:a16="http://schemas.microsoft.com/office/drawing/2014/main" id="{12B16FB2-5844-4B92-AE69-9BAC858C22BB}"/>
-              </a:ext>
-            </a:extLst>
-          </p:cNvPr>
-          <p:cNvPicPr>
-            <a:picLocks noChangeAspect="1"/>
-          </p:cNvPicPr>
-          <p:nvPr/>
-        </p:nvPicPr>
-        <p:blipFill>
-          <a:blip r:embed="rId3">
-            <a:extLst>
-              <a:ext uri="{28A0092B-C50C-407E-A947-70E740481C1C}">
-                <a14:useLocalDpi xmlns:a14="http://schemas.microsoft.com/office/drawing/2010/main" val="0"/>
-              </a:ext>
-            </a:extLst>
-          </a:blip>
-          <a:stretch>
-            <a:fillRect/>
-          </a:stretch>
-        </p:blipFill>
-        <p:spPr>
-          <a:xfrm>
-            <a:off x="9681085" y="238153"/>
-            <a:ext cx="1802101" cy="569807"/>
-          </a:xfrm>
-          <a:prstGeom prst="rect">
-            <a:avLst/>
-          </a:prstGeom>
-        </p:spPr>
-      </p:pic>
-      <p:cxnSp>
-        <p:nvCxnSpPr>
-          <p:cNvPr id="58" name="Connecteur droit 57">
-            <a:extLst>
-              <a:ext uri="{FF2B5EF4-FFF2-40B4-BE49-F238E27FC236}">
-                <a16:creationId xmlns:a16="http://schemas.microsoft.com/office/drawing/2014/main" id="{01599350-F8B0-4FDC-B003-981189A8D654}"/>
-              </a:ext>
-            </a:extLst>
-          </p:cNvPr>
-          <p:cNvCxnSpPr>
-            <a:cxnSpLocks/>
-          </p:cNvCxnSpPr>
-          <p:nvPr/>
-        </p:nvCxnSpPr>
-        <p:spPr>
-          <a:xfrm>
-            <a:off x="2573222" y="454803"/>
-            <a:ext cx="6829482" cy="10398"/>
-          </a:xfrm>
-          <a:prstGeom prst="line">
-            <a:avLst/>
-          </a:prstGeom>
-        </p:spPr>
-        <p:style>
-          <a:lnRef idx="3">
-            <a:schemeClr val="dk1"/>
-          </a:lnRef>
-          <a:fillRef idx="0">
-            <a:schemeClr val="dk1"/>
-          </a:fillRef>
-          <a:effectRef idx="2">
-            <a:schemeClr val="dk1"/>
-          </a:effectRef>
-          <a:fontRef idx="minor">
-            <a:schemeClr val="tx1"/>
-          </a:fontRef>
-        </p:style>
-      </p:cxnSp>
-      <p:cxnSp>
-        <p:nvCxnSpPr>
-          <p:cNvPr id="59" name="Connecteur droit 58">
-            <a:extLst>
-              <a:ext uri="{FF2B5EF4-FFF2-40B4-BE49-F238E27FC236}">
-                <a16:creationId xmlns:a16="http://schemas.microsoft.com/office/drawing/2014/main" id="{BC6E6150-6054-4785-84EC-0C46D82034C2}"/>
-              </a:ext>
-            </a:extLst>
-          </p:cNvPr>
-          <p:cNvCxnSpPr>
-            <a:cxnSpLocks/>
-          </p:cNvCxnSpPr>
-          <p:nvPr/>
-        </p:nvCxnSpPr>
-        <p:spPr>
-          <a:xfrm>
-            <a:off x="738231" y="454803"/>
-            <a:ext cx="344203" cy="484764"/>
-          </a:xfrm>
-          <a:prstGeom prst="line">
-            <a:avLst/>
-          </a:prstGeom>
-        </p:spPr>
-        <p:style>
-          <a:lnRef idx="3">
-            <a:schemeClr val="dk1"/>
-          </a:lnRef>
-          <a:fillRef idx="0">
-            <a:schemeClr val="dk1"/>
-          </a:fillRef>
-          <a:effectRef idx="2">
-            <a:schemeClr val="dk1"/>
-          </a:effectRef>
-          <a:fontRef idx="minor">
-            <a:schemeClr val="tx1"/>
-          </a:fontRef>
-        </p:style>
-      </p:cxnSp>
-      <p:cxnSp>
-        <p:nvCxnSpPr>
-          <p:cNvPr id="60" name="Connecteur droit 59">
-            <a:extLst>
-              <a:ext uri="{FF2B5EF4-FFF2-40B4-BE49-F238E27FC236}">
-                <a16:creationId xmlns:a16="http://schemas.microsoft.com/office/drawing/2014/main" id="{CBC9961A-8EC2-4287-A398-BCA4138D409D}"/>
-              </a:ext>
-            </a:extLst>
-          </p:cNvPr>
-          <p:cNvCxnSpPr>
-            <a:cxnSpLocks/>
-          </p:cNvCxnSpPr>
-          <p:nvPr/>
-        </p:nvCxnSpPr>
-        <p:spPr>
-          <a:xfrm>
-            <a:off x="1082434" y="938268"/>
-            <a:ext cx="1146585" cy="0"/>
-          </a:xfrm>
-          <a:prstGeom prst="line">
-            <a:avLst/>
-          </a:prstGeom>
-        </p:spPr>
-        <p:style>
-          <a:lnRef idx="3">
-            <a:schemeClr val="dk1"/>
-          </a:lnRef>
-          <a:fillRef idx="0">
-            <a:schemeClr val="dk1"/>
-          </a:fillRef>
-          <a:effectRef idx="2">
-            <a:schemeClr val="dk1"/>
-          </a:effectRef>
-          <a:fontRef idx="minor">
-            <a:schemeClr val="tx1"/>
-          </a:fontRef>
-        </p:style>
-      </p:cxnSp>
-      <p:cxnSp>
-        <p:nvCxnSpPr>
-          <p:cNvPr id="61" name="Connecteur droit 60">
-            <a:extLst>
-              <a:ext uri="{FF2B5EF4-FFF2-40B4-BE49-F238E27FC236}">
-                <a16:creationId xmlns:a16="http://schemas.microsoft.com/office/drawing/2014/main" id="{152B7C45-2543-4665-BC07-4DB71CA9F337}"/>
-              </a:ext>
-            </a:extLst>
-          </p:cNvPr>
-          <p:cNvCxnSpPr>
-            <a:cxnSpLocks/>
-          </p:cNvCxnSpPr>
-          <p:nvPr/>
-        </p:nvCxnSpPr>
-        <p:spPr>
-          <a:xfrm>
-            <a:off x="9402704" y="465201"/>
-            <a:ext cx="344203" cy="495163"/>
-          </a:xfrm>
-          <a:prstGeom prst="line">
-            <a:avLst/>
-          </a:prstGeom>
-        </p:spPr>
-        <p:style>
-          <a:lnRef idx="3">
-            <a:schemeClr val="dk1"/>
-          </a:lnRef>
-          <a:fillRef idx="0">
-            <a:schemeClr val="dk1"/>
-          </a:fillRef>
-          <a:effectRef idx="2">
-            <a:schemeClr val="dk1"/>
-          </a:effectRef>
-          <a:fontRef idx="minor">
-            <a:schemeClr val="tx1"/>
-          </a:fontRef>
-        </p:style>
-      </p:cxnSp>
-      <p:cxnSp>
-        <p:nvCxnSpPr>
-          <p:cNvPr id="62" name="Connecteur droit 61">
-            <a:extLst>
-              <a:ext uri="{FF2B5EF4-FFF2-40B4-BE49-F238E27FC236}">
-                <a16:creationId xmlns:a16="http://schemas.microsoft.com/office/drawing/2014/main" id="{00A84DC3-A112-46A3-B71C-04D85339323D}"/>
-              </a:ext>
-            </a:extLst>
-          </p:cNvPr>
-          <p:cNvCxnSpPr>
-            <a:cxnSpLocks/>
-          </p:cNvCxnSpPr>
-          <p:nvPr/>
-        </p:nvCxnSpPr>
-        <p:spPr>
-          <a:xfrm flipH="1">
-            <a:off x="11370469" y="448308"/>
-            <a:ext cx="364332" cy="501657"/>
-          </a:xfrm>
-          <a:prstGeom prst="line">
-            <a:avLst/>
-          </a:prstGeom>
-        </p:spPr>
-        <p:style>
-          <a:lnRef idx="3">
-            <a:schemeClr val="dk1"/>
-          </a:lnRef>
-          <a:fillRef idx="0">
-            <a:schemeClr val="dk1"/>
-          </a:fillRef>
-          <a:effectRef idx="2">
-            <a:schemeClr val="dk1"/>
-          </a:effectRef>
-          <a:fontRef idx="minor">
-            <a:schemeClr val="tx1"/>
-          </a:fontRef>
-        </p:style>
-      </p:cxnSp>
-      <p:cxnSp>
-        <p:nvCxnSpPr>
-          <p:cNvPr id="63" name="Connecteur droit 62">
-            <a:extLst>
-              <a:ext uri="{FF2B5EF4-FFF2-40B4-BE49-F238E27FC236}">
-                <a16:creationId xmlns:a16="http://schemas.microsoft.com/office/drawing/2014/main" id="{C50788C6-8F68-44EC-AB54-94C1D2FE554D}"/>
-              </a:ext>
-            </a:extLst>
-          </p:cNvPr>
-          <p:cNvCxnSpPr>
-            <a:cxnSpLocks/>
-          </p:cNvCxnSpPr>
-          <p:nvPr/>
-        </p:nvCxnSpPr>
-        <p:spPr>
-          <a:xfrm>
-            <a:off x="9743203" y="949965"/>
-            <a:ext cx="1627266" cy="0"/>
-          </a:xfrm>
-          <a:prstGeom prst="line">
-            <a:avLst/>
-          </a:prstGeom>
-        </p:spPr>
-        <p:style>
-          <a:lnRef idx="3">
-            <a:schemeClr val="dk1"/>
-          </a:lnRef>
-          <a:fillRef idx="0">
-            <a:schemeClr val="dk1"/>
-          </a:fillRef>
-          <a:effectRef idx="2">
-            <a:schemeClr val="dk1"/>
-          </a:effectRef>
-          <a:fontRef idx="minor">
-            <a:schemeClr val="tx1"/>
-          </a:fontRef>
-        </p:style>
-      </p:cxnSp>
-      <p:cxnSp>
-        <p:nvCxnSpPr>
-          <p:cNvPr id="64" name="Connecteur droit 63">
-            <a:extLst>
-              <a:ext uri="{FF2B5EF4-FFF2-40B4-BE49-F238E27FC236}">
-                <a16:creationId xmlns:a16="http://schemas.microsoft.com/office/drawing/2014/main" id="{BC4D4E5F-5636-45CB-873C-EC085AB307A3}"/>
-              </a:ext>
-            </a:extLst>
-          </p:cNvPr>
-          <p:cNvCxnSpPr>
-            <a:cxnSpLocks/>
-          </p:cNvCxnSpPr>
-          <p:nvPr/>
-        </p:nvCxnSpPr>
-        <p:spPr>
-          <a:xfrm>
-            <a:off x="11715750" y="454801"/>
-            <a:ext cx="476249" cy="10400"/>
-          </a:xfrm>
-          <a:prstGeom prst="line">
-            <a:avLst/>
-          </a:prstGeom>
-        </p:spPr>
-        <p:style>
-          <a:lnRef idx="3">
-            <a:schemeClr val="dk1"/>
-          </a:lnRef>
-          <a:fillRef idx="0">
-            <a:schemeClr val="dk1"/>
-          </a:fillRef>
-          <a:effectRef idx="2">
-            <a:schemeClr val="dk1"/>
-          </a:effectRef>
-          <a:fontRef idx="minor">
-            <a:schemeClr val="tx1"/>
-          </a:fontRef>
-        </p:style>
-      </p:cxnSp>
-      <p:cxnSp>
-        <p:nvCxnSpPr>
-          <p:cNvPr id="65" name="Connecteur droit 64">
-            <a:extLst>
-              <a:ext uri="{FF2B5EF4-FFF2-40B4-BE49-F238E27FC236}">
-                <a16:creationId xmlns:a16="http://schemas.microsoft.com/office/drawing/2014/main" id="{E6F6B4C5-0E3B-46C9-859D-EE774175D36F}"/>
-              </a:ext>
-            </a:extLst>
-          </p:cNvPr>
-          <p:cNvCxnSpPr>
-            <a:cxnSpLocks/>
-          </p:cNvCxnSpPr>
-          <p:nvPr/>
-        </p:nvCxnSpPr>
-        <p:spPr>
-          <a:xfrm flipH="1">
-            <a:off x="2216372" y="446356"/>
-            <a:ext cx="364332" cy="501657"/>
-          </a:xfrm>
-          <a:prstGeom prst="line">
-            <a:avLst/>
-          </a:prstGeom>
-        </p:spPr>
-        <p:style>
-          <a:lnRef idx="3">
-            <a:schemeClr val="dk1"/>
-          </a:lnRef>
-          <a:fillRef idx="0">
-            <a:schemeClr val="dk1"/>
-          </a:fillRef>
-          <a:effectRef idx="2">
-            <a:schemeClr val="dk1"/>
-          </a:effectRef>
-          <a:fontRef idx="minor">
-            <a:schemeClr val="tx1"/>
-          </a:fontRef>
-        </p:style>
-      </p:cxnSp>
-      <p:sp>
-        <p:nvSpPr>
-          <p:cNvPr id="2" name="ZoneTexte 1">
-            <a:extLst>
-              <a:ext uri="{FF2B5EF4-FFF2-40B4-BE49-F238E27FC236}">
-                <a16:creationId xmlns:a16="http://schemas.microsoft.com/office/drawing/2014/main" id="{27BF8A13-4190-4471-B5A9-233462A7239A}"/>
-              </a:ext>
-            </a:extLst>
-          </p:cNvPr>
-          <p:cNvSpPr txBox="1"/>
-          <p:nvPr/>
-        </p:nvSpPr>
-        <p:spPr>
-          <a:xfrm>
-            <a:off x="3462185" y="563292"/>
-            <a:ext cx="5075325" cy="769441"/>
-          </a:xfrm>
-          <a:prstGeom prst="rect">
-            <a:avLst/>
-          </a:prstGeom>
-          <a:noFill/>
-        </p:spPr>
-        <p:txBody>
-          <a:bodyPr wrap="square" rtlCol="0">
-            <a:spAutoFit/>
-          </a:bodyPr>
-          <a:lstStyle/>
-          <a:p>
-            <a:r>
-              <a:rPr lang="fr-FR" sz="4400" dirty="0">
-                <a:latin typeface="Berlin Sans FB" panose="020E0602020502020306" pitchFamily="34" charset="0"/>
-              </a:rPr>
-              <a:t>Schémas de câblage</a:t>
-            </a:r>
-          </a:p>
-        </p:txBody>
-      </p:sp>
-    </p:spTree>
-    <p:extLst>
-      <p:ext uri="{BB962C8B-B14F-4D97-AF65-F5344CB8AC3E}">
-        <p14:creationId xmlns:p14="http://schemas.microsoft.com/office/powerpoint/2010/main" val="746220025"/>
-      </p:ext>
-    </p:extLst>
-  </p:cSld>
-  <p:clrMapOvr>
-    <a:masterClrMapping/>
-  </p:clrMapOvr>
-  <mc:AlternateContent xmlns:mc="http://schemas.openxmlformats.org/markup-compatibility/2006" xmlns:p14="http://schemas.microsoft.com/office/powerpoint/2010/main">
-    <mc:Choice Requires="p14">
-      <p:transition spd="slow">
-        <p14:reveal/>
-      </p:transition>
-    </mc:Choice>
-    <mc:Fallback xmlns="">
-      <p:transition spd="slow">
-        <p:fade/>
-      </p:transition>
-    </mc:Fallback>
-  </mc:AlternateContent>
-</p:sld>
-</file>
-
-<file path=ppt/slides/slide16.xml><?xml version="1.0" encoding="utf-8"?>
-<p:sld xmlns:a="http://schemas.openxmlformats.org/drawingml/2006/main" xmlns:r="http://schemas.openxmlformats.org/officeDocument/2006/relationships" xmlns:p="http://schemas.openxmlformats.org/presentationml/2006/main">
-  <p:cSld>
-    <p:spTree>
-      <p:nvGrpSpPr>
-        <p:cNvPr id="1" name=""/>
-        <p:cNvGrpSpPr/>
-        <p:nvPr/>
-      </p:nvGrpSpPr>
-      <p:grpSpPr>
-        <a:xfrm>
-          <a:off x="0" y="0"/>
-          <a:ext cx="0" cy="0"/>
-          <a:chOff x="0" y="0"/>
-          <a:chExt cx="0" cy="0"/>
-        </a:xfrm>
-      </p:grpSpPr>
-      <p:pic>
-        <p:nvPicPr>
-          <p:cNvPr id="8" name="Image 7">
-            <a:extLst>
-              <a:ext uri="{FF2B5EF4-FFF2-40B4-BE49-F238E27FC236}">
-                <a16:creationId xmlns:a16="http://schemas.microsoft.com/office/drawing/2014/main" id="{2BB825C5-31DA-4A56-85EA-536DBF510A31}"/>
-              </a:ext>
-            </a:extLst>
-          </p:cNvPr>
-          <p:cNvPicPr>
-            <a:picLocks noChangeAspect="1"/>
-          </p:cNvPicPr>
-          <p:nvPr/>
-        </p:nvPicPr>
-        <p:blipFill>
-          <a:blip r:embed="rId2">
-            <a:extLst>
-              <a:ext uri="{28A0092B-C50C-407E-A947-70E740481C1C}">
-                <a14:useLocalDpi xmlns:a14="http://schemas.microsoft.com/office/drawing/2010/main" val="0"/>
-              </a:ext>
-            </a:extLst>
-          </a:blip>
-          <a:stretch>
-            <a:fillRect/>
-          </a:stretch>
-        </p:blipFill>
-        <p:spPr>
-          <a:xfrm>
-            <a:off x="1068751" y="66457"/>
-            <a:ext cx="1259497" cy="776690"/>
-          </a:xfrm>
-          <a:prstGeom prst="rect">
-            <a:avLst/>
-          </a:prstGeom>
-        </p:spPr>
-      </p:pic>
-      <p:pic>
-        <p:nvPicPr>
-          <p:cNvPr id="10" name="Image 9">
-            <a:extLst>
-              <a:ext uri="{FF2B5EF4-FFF2-40B4-BE49-F238E27FC236}">
-                <a16:creationId xmlns:a16="http://schemas.microsoft.com/office/drawing/2014/main" id="{8EE7436F-49F2-41E0-93E4-D247B4705294}"/>
-              </a:ext>
-            </a:extLst>
-          </p:cNvPr>
-          <p:cNvPicPr>
-            <a:picLocks noChangeAspect="1"/>
-          </p:cNvPicPr>
-          <p:nvPr/>
-        </p:nvPicPr>
-        <p:blipFill>
-          <a:blip r:embed="rId3">
-            <a:extLst>
-              <a:ext uri="{28A0092B-C50C-407E-A947-70E740481C1C}">
-                <a14:useLocalDpi xmlns:a14="http://schemas.microsoft.com/office/drawing/2010/main" val="0"/>
-              </a:ext>
-            </a:extLst>
-          </a:blip>
-          <a:stretch>
-            <a:fillRect/>
-          </a:stretch>
-        </p:blipFill>
-        <p:spPr>
-          <a:xfrm>
-            <a:off x="9681085" y="238153"/>
-            <a:ext cx="1802101" cy="569807"/>
-          </a:xfrm>
-          <a:prstGeom prst="rect">
-            <a:avLst/>
-          </a:prstGeom>
-        </p:spPr>
-      </p:pic>
-      <p:cxnSp>
-        <p:nvCxnSpPr>
-          <p:cNvPr id="16" name="Connecteur droit 15">
-            <a:extLst>
-              <a:ext uri="{FF2B5EF4-FFF2-40B4-BE49-F238E27FC236}">
-                <a16:creationId xmlns:a16="http://schemas.microsoft.com/office/drawing/2014/main" id="{7319284A-BD6F-4A96-8E2B-E0A4B52E53C6}"/>
-              </a:ext>
-            </a:extLst>
-          </p:cNvPr>
-          <p:cNvCxnSpPr>
-            <a:cxnSpLocks/>
-          </p:cNvCxnSpPr>
-          <p:nvPr/>
-        </p:nvCxnSpPr>
-        <p:spPr>
-          <a:xfrm flipV="1">
-            <a:off x="0" y="454803"/>
-            <a:ext cx="738231" cy="1798"/>
-          </a:xfrm>
-          <a:prstGeom prst="line">
-            <a:avLst/>
-          </a:prstGeom>
-        </p:spPr>
-        <p:style>
-          <a:lnRef idx="3">
-            <a:schemeClr val="dk1"/>
-          </a:lnRef>
-          <a:fillRef idx="0">
-            <a:schemeClr val="dk1"/>
-          </a:fillRef>
-          <a:effectRef idx="2">
-            <a:schemeClr val="dk1"/>
-          </a:effectRef>
-          <a:fontRef idx="minor">
-            <a:schemeClr val="tx1"/>
-          </a:fontRef>
-        </p:style>
-      </p:cxnSp>
-      <p:cxnSp>
-        <p:nvCxnSpPr>
-          <p:cNvPr id="20" name="Connecteur droit 19">
-            <a:extLst>
-              <a:ext uri="{FF2B5EF4-FFF2-40B4-BE49-F238E27FC236}">
-                <a16:creationId xmlns:a16="http://schemas.microsoft.com/office/drawing/2014/main" id="{08874CF7-F149-4C81-B61E-74E18342BA8A}"/>
-              </a:ext>
-            </a:extLst>
-          </p:cNvPr>
-          <p:cNvCxnSpPr>
-            <a:cxnSpLocks/>
-          </p:cNvCxnSpPr>
-          <p:nvPr/>
-        </p:nvCxnSpPr>
-        <p:spPr>
-          <a:xfrm>
-            <a:off x="2573222" y="454803"/>
-            <a:ext cx="6829482" cy="10398"/>
-          </a:xfrm>
-          <a:prstGeom prst="line">
-            <a:avLst/>
-          </a:prstGeom>
-        </p:spPr>
-        <p:style>
-          <a:lnRef idx="3">
-            <a:schemeClr val="dk1"/>
-          </a:lnRef>
-          <a:fillRef idx="0">
-            <a:schemeClr val="dk1"/>
-          </a:fillRef>
-          <a:effectRef idx="2">
-            <a:schemeClr val="dk1"/>
-          </a:effectRef>
-          <a:fontRef idx="minor">
-            <a:schemeClr val="tx1"/>
-          </a:fontRef>
-        </p:style>
-      </p:cxnSp>
-      <p:cxnSp>
-        <p:nvCxnSpPr>
-          <p:cNvPr id="26" name="Connecteur droit 25">
-            <a:extLst>
-              <a:ext uri="{FF2B5EF4-FFF2-40B4-BE49-F238E27FC236}">
-                <a16:creationId xmlns:a16="http://schemas.microsoft.com/office/drawing/2014/main" id="{BB3B35CC-057B-48C1-880F-3306A6559175}"/>
-              </a:ext>
-            </a:extLst>
-          </p:cNvPr>
-          <p:cNvCxnSpPr>
-            <a:cxnSpLocks/>
-          </p:cNvCxnSpPr>
-          <p:nvPr/>
-        </p:nvCxnSpPr>
-        <p:spPr>
-          <a:xfrm>
-            <a:off x="738231" y="454803"/>
-            <a:ext cx="344203" cy="484764"/>
-          </a:xfrm>
-          <a:prstGeom prst="line">
-            <a:avLst/>
-          </a:prstGeom>
-        </p:spPr>
-        <p:style>
-          <a:lnRef idx="3">
-            <a:schemeClr val="dk1"/>
-          </a:lnRef>
-          <a:fillRef idx="0">
-            <a:schemeClr val="dk1"/>
-          </a:fillRef>
-          <a:effectRef idx="2">
-            <a:schemeClr val="dk1"/>
-          </a:effectRef>
-          <a:fontRef idx="minor">
-            <a:schemeClr val="tx1"/>
-          </a:fontRef>
-        </p:style>
-      </p:cxnSp>
-      <p:cxnSp>
-        <p:nvCxnSpPr>
-          <p:cNvPr id="32" name="Connecteur droit 31">
-            <a:extLst>
-              <a:ext uri="{FF2B5EF4-FFF2-40B4-BE49-F238E27FC236}">
-                <a16:creationId xmlns:a16="http://schemas.microsoft.com/office/drawing/2014/main" id="{4AD96496-1EB6-4E48-9BB2-5C255495C686}"/>
-              </a:ext>
-            </a:extLst>
-          </p:cNvPr>
-          <p:cNvCxnSpPr>
-            <a:cxnSpLocks/>
-          </p:cNvCxnSpPr>
-          <p:nvPr/>
-        </p:nvCxnSpPr>
-        <p:spPr>
-          <a:xfrm>
-            <a:off x="1082434" y="938268"/>
-            <a:ext cx="1146585" cy="0"/>
-          </a:xfrm>
-          <a:prstGeom prst="line">
-            <a:avLst/>
-          </a:prstGeom>
-        </p:spPr>
-        <p:style>
-          <a:lnRef idx="3">
-            <a:schemeClr val="dk1"/>
-          </a:lnRef>
-          <a:fillRef idx="0">
-            <a:schemeClr val="dk1"/>
-          </a:fillRef>
-          <a:effectRef idx="2">
-            <a:schemeClr val="dk1"/>
-          </a:effectRef>
-          <a:fontRef idx="minor">
-            <a:schemeClr val="tx1"/>
-          </a:fontRef>
-        </p:style>
-      </p:cxnSp>
-      <p:cxnSp>
-        <p:nvCxnSpPr>
-          <p:cNvPr id="51" name="Connecteur droit 50">
-            <a:extLst>
-              <a:ext uri="{FF2B5EF4-FFF2-40B4-BE49-F238E27FC236}">
-                <a16:creationId xmlns:a16="http://schemas.microsoft.com/office/drawing/2014/main" id="{C035BFA6-ECBF-4775-BA81-19D2CA41AA8D}"/>
-              </a:ext>
-            </a:extLst>
-          </p:cNvPr>
-          <p:cNvCxnSpPr>
-            <a:cxnSpLocks/>
-          </p:cNvCxnSpPr>
-          <p:nvPr/>
-        </p:nvCxnSpPr>
-        <p:spPr>
-          <a:xfrm>
-            <a:off x="9402704" y="465201"/>
-            <a:ext cx="344203" cy="495163"/>
-          </a:xfrm>
-          <a:prstGeom prst="line">
-            <a:avLst/>
-          </a:prstGeom>
-        </p:spPr>
-        <p:style>
-          <a:lnRef idx="3">
-            <a:schemeClr val="dk1"/>
-          </a:lnRef>
-          <a:fillRef idx="0">
-            <a:schemeClr val="dk1"/>
-          </a:fillRef>
-          <a:effectRef idx="2">
-            <a:schemeClr val="dk1"/>
-          </a:effectRef>
-          <a:fontRef idx="minor">
-            <a:schemeClr val="tx1"/>
-          </a:fontRef>
-        </p:style>
-      </p:cxnSp>
-      <p:cxnSp>
-        <p:nvCxnSpPr>
-          <p:cNvPr id="52" name="Connecteur droit 51">
-            <a:extLst>
-              <a:ext uri="{FF2B5EF4-FFF2-40B4-BE49-F238E27FC236}">
-                <a16:creationId xmlns:a16="http://schemas.microsoft.com/office/drawing/2014/main" id="{FA310BC7-694B-4984-99A2-61A1F4F6EBF9}"/>
-              </a:ext>
-            </a:extLst>
-          </p:cNvPr>
-          <p:cNvCxnSpPr>
-            <a:cxnSpLocks/>
-          </p:cNvCxnSpPr>
-          <p:nvPr/>
-        </p:nvCxnSpPr>
-        <p:spPr>
-          <a:xfrm flipH="1">
-            <a:off x="11370469" y="448308"/>
-            <a:ext cx="364332" cy="501657"/>
-          </a:xfrm>
-          <a:prstGeom prst="line">
-            <a:avLst/>
-          </a:prstGeom>
-        </p:spPr>
-        <p:style>
-          <a:lnRef idx="3">
-            <a:schemeClr val="dk1"/>
-          </a:lnRef>
-          <a:fillRef idx="0">
-            <a:schemeClr val="dk1"/>
-          </a:fillRef>
-          <a:effectRef idx="2">
-            <a:schemeClr val="dk1"/>
-          </a:effectRef>
-          <a:fontRef idx="minor">
-            <a:schemeClr val="tx1"/>
-          </a:fontRef>
-        </p:style>
-      </p:cxnSp>
-      <p:cxnSp>
-        <p:nvCxnSpPr>
-          <p:cNvPr id="53" name="Connecteur droit 52">
-            <a:extLst>
-              <a:ext uri="{FF2B5EF4-FFF2-40B4-BE49-F238E27FC236}">
-                <a16:creationId xmlns:a16="http://schemas.microsoft.com/office/drawing/2014/main" id="{BE0649BD-EE59-4DDA-960F-95B2572F9F13}"/>
-              </a:ext>
-            </a:extLst>
-          </p:cNvPr>
-          <p:cNvCxnSpPr>
-            <a:cxnSpLocks/>
-          </p:cNvCxnSpPr>
-          <p:nvPr/>
-        </p:nvCxnSpPr>
-        <p:spPr>
-          <a:xfrm>
-            <a:off x="9743203" y="949965"/>
-            <a:ext cx="1627266" cy="0"/>
-          </a:xfrm>
-          <a:prstGeom prst="line">
-            <a:avLst/>
-          </a:prstGeom>
-        </p:spPr>
-        <p:style>
-          <a:lnRef idx="3">
-            <a:schemeClr val="dk1"/>
-          </a:lnRef>
-          <a:fillRef idx="0">
-            <a:schemeClr val="dk1"/>
-          </a:fillRef>
-          <a:effectRef idx="2">
-            <a:schemeClr val="dk1"/>
-          </a:effectRef>
-          <a:fontRef idx="minor">
-            <a:schemeClr val="tx1"/>
-          </a:fontRef>
-        </p:style>
-      </p:cxnSp>
-      <p:cxnSp>
-        <p:nvCxnSpPr>
-          <p:cNvPr id="55" name="Connecteur droit 54">
-            <a:extLst>
-              <a:ext uri="{FF2B5EF4-FFF2-40B4-BE49-F238E27FC236}">
-                <a16:creationId xmlns:a16="http://schemas.microsoft.com/office/drawing/2014/main" id="{52AA9200-DAFA-4EEF-AC13-4C7CE82A59EC}"/>
-              </a:ext>
-            </a:extLst>
-          </p:cNvPr>
-          <p:cNvCxnSpPr>
-            <a:cxnSpLocks/>
-          </p:cNvCxnSpPr>
-          <p:nvPr/>
-        </p:nvCxnSpPr>
-        <p:spPr>
-          <a:xfrm>
-            <a:off x="11715750" y="454801"/>
-            <a:ext cx="476249" cy="10400"/>
-          </a:xfrm>
-          <a:prstGeom prst="line">
-            <a:avLst/>
-          </a:prstGeom>
-        </p:spPr>
-        <p:style>
-          <a:lnRef idx="3">
-            <a:schemeClr val="dk1"/>
-          </a:lnRef>
-          <a:fillRef idx="0">
-            <a:schemeClr val="dk1"/>
-          </a:fillRef>
-          <a:effectRef idx="2">
-            <a:schemeClr val="dk1"/>
-          </a:effectRef>
-          <a:fontRef idx="minor">
-            <a:schemeClr val="tx1"/>
-          </a:fontRef>
-        </p:style>
-      </p:cxnSp>
-      <p:cxnSp>
-        <p:nvCxnSpPr>
-          <p:cNvPr id="23" name="Connecteur droit 22">
-            <a:extLst>
-              <a:ext uri="{FF2B5EF4-FFF2-40B4-BE49-F238E27FC236}">
-                <a16:creationId xmlns:a16="http://schemas.microsoft.com/office/drawing/2014/main" id="{BCB092C8-0080-4E56-957E-0046D4C83988}"/>
-              </a:ext>
-            </a:extLst>
-          </p:cNvPr>
-          <p:cNvCxnSpPr>
-            <a:cxnSpLocks/>
-          </p:cNvCxnSpPr>
-          <p:nvPr/>
-        </p:nvCxnSpPr>
-        <p:spPr>
-          <a:xfrm flipH="1">
-            <a:off x="2216372" y="446356"/>
-            <a:ext cx="364332" cy="501657"/>
-          </a:xfrm>
-          <a:prstGeom prst="line">
-            <a:avLst/>
-          </a:prstGeom>
-        </p:spPr>
-        <p:style>
-          <a:lnRef idx="3">
-            <a:schemeClr val="dk1"/>
-          </a:lnRef>
-          <a:fillRef idx="0">
-            <a:schemeClr val="dk1"/>
-          </a:fillRef>
-          <a:effectRef idx="2">
-            <a:schemeClr val="dk1"/>
-          </a:effectRef>
-          <a:fontRef idx="minor">
-            <a:schemeClr val="tx1"/>
-          </a:fontRef>
-        </p:style>
-      </p:cxnSp>
-      <p:pic>
-        <p:nvPicPr>
-          <p:cNvPr id="57" name="Image 56">
-            <a:extLst>
-              <a:ext uri="{FF2B5EF4-FFF2-40B4-BE49-F238E27FC236}">
-                <a16:creationId xmlns:a16="http://schemas.microsoft.com/office/drawing/2014/main" id="{12B16FB2-5844-4B92-AE69-9BAC858C22BB}"/>
-              </a:ext>
-            </a:extLst>
-          </p:cNvPr>
-          <p:cNvPicPr>
-            <a:picLocks noChangeAspect="1"/>
-          </p:cNvPicPr>
-          <p:nvPr/>
-        </p:nvPicPr>
-        <p:blipFill>
-          <a:blip r:embed="rId3">
-            <a:extLst>
-              <a:ext uri="{28A0092B-C50C-407E-A947-70E740481C1C}">
-                <a14:useLocalDpi xmlns:a14="http://schemas.microsoft.com/office/drawing/2010/main" val="0"/>
-              </a:ext>
-            </a:extLst>
-          </a:blip>
-          <a:stretch>
-            <a:fillRect/>
-          </a:stretch>
-        </p:blipFill>
-        <p:spPr>
-          <a:xfrm>
-            <a:off x="9681085" y="238153"/>
-            <a:ext cx="1802101" cy="569807"/>
-          </a:xfrm>
-          <a:prstGeom prst="rect">
-            <a:avLst/>
-          </a:prstGeom>
-        </p:spPr>
-      </p:pic>
-      <p:cxnSp>
-        <p:nvCxnSpPr>
-          <p:cNvPr id="58" name="Connecteur droit 57">
-            <a:extLst>
-              <a:ext uri="{FF2B5EF4-FFF2-40B4-BE49-F238E27FC236}">
-                <a16:creationId xmlns:a16="http://schemas.microsoft.com/office/drawing/2014/main" id="{01599350-F8B0-4FDC-B003-981189A8D654}"/>
-              </a:ext>
-            </a:extLst>
-          </p:cNvPr>
-          <p:cNvCxnSpPr>
-            <a:cxnSpLocks/>
-          </p:cNvCxnSpPr>
-          <p:nvPr/>
-        </p:nvCxnSpPr>
-        <p:spPr>
-          <a:xfrm>
-            <a:off x="2573222" y="454803"/>
-            <a:ext cx="6829482" cy="10398"/>
-          </a:xfrm>
-          <a:prstGeom prst="line">
-            <a:avLst/>
-          </a:prstGeom>
-        </p:spPr>
-        <p:style>
-          <a:lnRef idx="3">
-            <a:schemeClr val="dk1"/>
-          </a:lnRef>
-          <a:fillRef idx="0">
-            <a:schemeClr val="dk1"/>
-          </a:fillRef>
-          <a:effectRef idx="2">
-            <a:schemeClr val="dk1"/>
-          </a:effectRef>
-          <a:fontRef idx="minor">
-            <a:schemeClr val="tx1"/>
-          </a:fontRef>
-        </p:style>
-      </p:cxnSp>
-      <p:cxnSp>
-        <p:nvCxnSpPr>
-          <p:cNvPr id="59" name="Connecteur droit 58">
-            <a:extLst>
-              <a:ext uri="{FF2B5EF4-FFF2-40B4-BE49-F238E27FC236}">
-                <a16:creationId xmlns:a16="http://schemas.microsoft.com/office/drawing/2014/main" id="{BC6E6150-6054-4785-84EC-0C46D82034C2}"/>
-              </a:ext>
-            </a:extLst>
-          </p:cNvPr>
-          <p:cNvCxnSpPr>
-            <a:cxnSpLocks/>
-          </p:cNvCxnSpPr>
-          <p:nvPr/>
-        </p:nvCxnSpPr>
-        <p:spPr>
-          <a:xfrm>
-            <a:off x="738231" y="454803"/>
-            <a:ext cx="344203" cy="484764"/>
-          </a:xfrm>
-          <a:prstGeom prst="line">
-            <a:avLst/>
-          </a:prstGeom>
-        </p:spPr>
-        <p:style>
-          <a:lnRef idx="3">
-            <a:schemeClr val="dk1"/>
-          </a:lnRef>
-          <a:fillRef idx="0">
-            <a:schemeClr val="dk1"/>
-          </a:fillRef>
-          <a:effectRef idx="2">
-            <a:schemeClr val="dk1"/>
-          </a:effectRef>
-          <a:fontRef idx="minor">
-            <a:schemeClr val="tx1"/>
-          </a:fontRef>
-        </p:style>
-      </p:cxnSp>
-      <p:cxnSp>
-        <p:nvCxnSpPr>
-          <p:cNvPr id="60" name="Connecteur droit 59">
-            <a:extLst>
-              <a:ext uri="{FF2B5EF4-FFF2-40B4-BE49-F238E27FC236}">
-                <a16:creationId xmlns:a16="http://schemas.microsoft.com/office/drawing/2014/main" id="{CBC9961A-8EC2-4287-A398-BCA4138D409D}"/>
-              </a:ext>
-            </a:extLst>
-          </p:cNvPr>
-          <p:cNvCxnSpPr>
-            <a:cxnSpLocks/>
-          </p:cNvCxnSpPr>
-          <p:nvPr/>
-        </p:nvCxnSpPr>
-        <p:spPr>
-          <a:xfrm>
-            <a:off x="1082434" y="938268"/>
-            <a:ext cx="1146585" cy="0"/>
-          </a:xfrm>
-          <a:prstGeom prst="line">
-            <a:avLst/>
-          </a:prstGeom>
-        </p:spPr>
-        <p:style>
-          <a:lnRef idx="3">
-            <a:schemeClr val="dk1"/>
-          </a:lnRef>
-          <a:fillRef idx="0">
-            <a:schemeClr val="dk1"/>
-          </a:fillRef>
-          <a:effectRef idx="2">
-            <a:schemeClr val="dk1"/>
-          </a:effectRef>
-          <a:fontRef idx="minor">
-            <a:schemeClr val="tx1"/>
-          </a:fontRef>
-        </p:style>
-      </p:cxnSp>
-      <p:cxnSp>
-        <p:nvCxnSpPr>
-          <p:cNvPr id="61" name="Connecteur droit 60">
-            <a:extLst>
-              <a:ext uri="{FF2B5EF4-FFF2-40B4-BE49-F238E27FC236}">
-                <a16:creationId xmlns:a16="http://schemas.microsoft.com/office/drawing/2014/main" id="{152B7C45-2543-4665-BC07-4DB71CA9F337}"/>
-              </a:ext>
-            </a:extLst>
-          </p:cNvPr>
-          <p:cNvCxnSpPr>
-            <a:cxnSpLocks/>
-          </p:cNvCxnSpPr>
-          <p:nvPr/>
-        </p:nvCxnSpPr>
-        <p:spPr>
-          <a:xfrm>
-            <a:off x="9402704" y="465201"/>
-            <a:ext cx="344203" cy="495163"/>
-          </a:xfrm>
-          <a:prstGeom prst="line">
-            <a:avLst/>
-          </a:prstGeom>
-        </p:spPr>
-        <p:style>
-          <a:lnRef idx="3">
-            <a:schemeClr val="dk1"/>
-          </a:lnRef>
-          <a:fillRef idx="0">
-            <a:schemeClr val="dk1"/>
-          </a:fillRef>
-          <a:effectRef idx="2">
-            <a:schemeClr val="dk1"/>
-          </a:effectRef>
-          <a:fontRef idx="minor">
-            <a:schemeClr val="tx1"/>
-          </a:fontRef>
-        </p:style>
-      </p:cxnSp>
-      <p:cxnSp>
-        <p:nvCxnSpPr>
-          <p:cNvPr id="62" name="Connecteur droit 61">
-            <a:extLst>
-              <a:ext uri="{FF2B5EF4-FFF2-40B4-BE49-F238E27FC236}">
-                <a16:creationId xmlns:a16="http://schemas.microsoft.com/office/drawing/2014/main" id="{00A84DC3-A112-46A3-B71C-04D85339323D}"/>
-              </a:ext>
-            </a:extLst>
-          </p:cNvPr>
-          <p:cNvCxnSpPr>
-            <a:cxnSpLocks/>
-          </p:cNvCxnSpPr>
-          <p:nvPr/>
-        </p:nvCxnSpPr>
-        <p:spPr>
-          <a:xfrm flipH="1">
-            <a:off x="11370469" y="448308"/>
-            <a:ext cx="364332" cy="501657"/>
-          </a:xfrm>
-          <a:prstGeom prst="line">
-            <a:avLst/>
-          </a:prstGeom>
-        </p:spPr>
-        <p:style>
-          <a:lnRef idx="3">
-            <a:schemeClr val="dk1"/>
-          </a:lnRef>
-          <a:fillRef idx="0">
-            <a:schemeClr val="dk1"/>
-          </a:fillRef>
-          <a:effectRef idx="2">
-            <a:schemeClr val="dk1"/>
-          </a:effectRef>
-          <a:fontRef idx="minor">
-            <a:schemeClr val="tx1"/>
-          </a:fontRef>
-        </p:style>
-      </p:cxnSp>
-      <p:cxnSp>
-        <p:nvCxnSpPr>
-          <p:cNvPr id="63" name="Connecteur droit 62">
-            <a:extLst>
-              <a:ext uri="{FF2B5EF4-FFF2-40B4-BE49-F238E27FC236}">
-                <a16:creationId xmlns:a16="http://schemas.microsoft.com/office/drawing/2014/main" id="{C50788C6-8F68-44EC-AB54-94C1D2FE554D}"/>
-              </a:ext>
-            </a:extLst>
-          </p:cNvPr>
-          <p:cNvCxnSpPr>
-            <a:cxnSpLocks/>
-          </p:cNvCxnSpPr>
-          <p:nvPr/>
-        </p:nvCxnSpPr>
-        <p:spPr>
-          <a:xfrm>
-            <a:off x="9743203" y="949965"/>
-            <a:ext cx="1627266" cy="0"/>
-          </a:xfrm>
-          <a:prstGeom prst="line">
-            <a:avLst/>
-          </a:prstGeom>
-        </p:spPr>
-        <p:style>
-          <a:lnRef idx="3">
-            <a:schemeClr val="dk1"/>
-          </a:lnRef>
-          <a:fillRef idx="0">
-            <a:schemeClr val="dk1"/>
-          </a:fillRef>
-          <a:effectRef idx="2">
-            <a:schemeClr val="dk1"/>
-          </a:effectRef>
-          <a:fontRef idx="minor">
-            <a:schemeClr val="tx1"/>
-          </a:fontRef>
-        </p:style>
-      </p:cxnSp>
-      <p:cxnSp>
-        <p:nvCxnSpPr>
-          <p:cNvPr id="64" name="Connecteur droit 63">
-            <a:extLst>
-              <a:ext uri="{FF2B5EF4-FFF2-40B4-BE49-F238E27FC236}">
-                <a16:creationId xmlns:a16="http://schemas.microsoft.com/office/drawing/2014/main" id="{BC4D4E5F-5636-45CB-873C-EC085AB307A3}"/>
-              </a:ext>
-            </a:extLst>
-          </p:cNvPr>
-          <p:cNvCxnSpPr>
-            <a:cxnSpLocks/>
-          </p:cNvCxnSpPr>
-          <p:nvPr/>
-        </p:nvCxnSpPr>
-        <p:spPr>
-          <a:xfrm>
-            <a:off x="11715750" y="454801"/>
-            <a:ext cx="476249" cy="10400"/>
-          </a:xfrm>
-          <a:prstGeom prst="line">
-            <a:avLst/>
-          </a:prstGeom>
-        </p:spPr>
-        <p:style>
-          <a:lnRef idx="3">
-            <a:schemeClr val="dk1"/>
-          </a:lnRef>
-          <a:fillRef idx="0">
-            <a:schemeClr val="dk1"/>
-          </a:fillRef>
-          <a:effectRef idx="2">
-            <a:schemeClr val="dk1"/>
-          </a:effectRef>
-          <a:fontRef idx="minor">
-            <a:schemeClr val="tx1"/>
-          </a:fontRef>
-        </p:style>
-      </p:cxnSp>
-      <p:cxnSp>
-        <p:nvCxnSpPr>
-          <p:cNvPr id="65" name="Connecteur droit 64">
-            <a:extLst>
-              <a:ext uri="{FF2B5EF4-FFF2-40B4-BE49-F238E27FC236}">
-                <a16:creationId xmlns:a16="http://schemas.microsoft.com/office/drawing/2014/main" id="{E6F6B4C5-0E3B-46C9-859D-EE774175D36F}"/>
-              </a:ext>
-            </a:extLst>
-          </p:cNvPr>
-          <p:cNvCxnSpPr>
-            <a:cxnSpLocks/>
-          </p:cNvCxnSpPr>
-          <p:nvPr/>
-        </p:nvCxnSpPr>
-        <p:spPr>
-          <a:xfrm flipH="1">
-            <a:off x="2216372" y="446356"/>
-            <a:ext cx="364332" cy="501657"/>
-          </a:xfrm>
-          <a:prstGeom prst="line">
-            <a:avLst/>
-          </a:prstGeom>
-        </p:spPr>
-        <p:style>
-          <a:lnRef idx="3">
-            <a:schemeClr val="dk1"/>
-          </a:lnRef>
-          <a:fillRef idx="0">
-            <a:schemeClr val="dk1"/>
-          </a:fillRef>
-          <a:effectRef idx="2">
-            <a:schemeClr val="dk1"/>
-          </a:effectRef>
-          <a:fontRef idx="minor">
-            <a:schemeClr val="tx1"/>
-          </a:fontRef>
-        </p:style>
-      </p:cxnSp>
-      <p:sp>
-        <p:nvSpPr>
-          <p:cNvPr id="2" name="ZoneTexte 1">
-            <a:extLst>
-              <a:ext uri="{FF2B5EF4-FFF2-40B4-BE49-F238E27FC236}">
-                <a16:creationId xmlns:a16="http://schemas.microsoft.com/office/drawing/2014/main" id="{128A5370-27C5-4A3F-98D7-D74D075851FE}"/>
-              </a:ext>
-            </a:extLst>
-          </p:cNvPr>
-          <p:cNvSpPr txBox="1"/>
-          <p:nvPr/>
-        </p:nvSpPr>
-        <p:spPr>
-          <a:xfrm>
-            <a:off x="4569176" y="523056"/>
-            <a:ext cx="2659224" cy="769441"/>
-          </a:xfrm>
-          <a:prstGeom prst="rect">
-            <a:avLst/>
-          </a:prstGeom>
-          <a:noFill/>
-        </p:spPr>
-        <p:txBody>
-          <a:bodyPr wrap="square" rtlCol="0">
-            <a:spAutoFit/>
-          </a:bodyPr>
-          <a:lstStyle/>
-          <a:p>
-            <a:r>
-              <a:rPr lang="fr-FR" sz="4400" dirty="0">
-                <a:latin typeface="Berlin Sans FB" panose="020E0602020502020306" pitchFamily="34" charset="0"/>
-              </a:rPr>
-              <a:t>Conclusion</a:t>
-            </a:r>
-          </a:p>
-        </p:txBody>
-      </p:sp>
-    </p:spTree>
-    <p:extLst>
-      <p:ext uri="{BB962C8B-B14F-4D97-AF65-F5344CB8AC3E}">
-        <p14:creationId xmlns:p14="http://schemas.microsoft.com/office/powerpoint/2010/main" val="675812002"/>
-      </p:ext>
-    </p:extLst>
-  </p:cSld>
-  <p:clrMapOvr>
-    <a:masterClrMapping/>
-  </p:clrMapOvr>
-  <mc:AlternateContent xmlns:mc="http://schemas.openxmlformats.org/markup-compatibility/2006" xmlns:p14="http://schemas.microsoft.com/office/powerpoint/2010/main">
-    <mc:Choice Requires="p14">
-      <p:transition spd="slow">
-        <p14:reveal/>
-      </p:transition>
-    </mc:Choice>
-    <mc:Fallback xmlns="">
-      <p:transition spd="slow">
-        <p:fade/>
-      </p:transition>
-    </mc:Fallback>
-  </mc:AlternateContent>
-</p:sld>
-</file>
-
-<file path=ppt/slides/slide17.xml><?xml version="1.0" encoding="utf-8"?>
 <p:sld xmlns:a="http://schemas.openxmlformats.org/drawingml/2006/main" xmlns:r="http://schemas.openxmlformats.org/officeDocument/2006/relationships" xmlns:p="http://schemas.openxmlformats.org/presentationml/2006/main">
   <p:cSld>
     <p:spTree>

--- a/oral_projet/revue_2/diaporama_revue_2_steven.pptx
+++ b/oral_projet/revue_2/diaporama_revue_2_steven.pptx
@@ -6286,10 +6286,10 @@
       </p:pic>
       <p:pic>
         <p:nvPicPr>
-          <p:cNvPr id="27" name="Image 26">
-            <a:extLst>
-              <a:ext uri="{FF2B5EF4-FFF2-40B4-BE49-F238E27FC236}">
-                <a16:creationId xmlns:a16="http://schemas.microsoft.com/office/drawing/2014/main" id="{14392BDF-1C4A-4A5C-A12C-F203130D7101}"/>
+          <p:cNvPr id="28" name="Image 27">
+            <a:extLst>
+              <a:ext uri="{FF2B5EF4-FFF2-40B4-BE49-F238E27FC236}">
+                <a16:creationId xmlns:a16="http://schemas.microsoft.com/office/drawing/2014/main" id="{57519E8A-918A-4B7A-A373-A121BE04A122}"/>
               </a:ext>
             </a:extLst>
           </p:cNvPr>
@@ -6312,8 +6312,8 @@
         </p:blipFill>
         <p:spPr>
           <a:xfrm>
-            <a:off x="1698425" y="4806159"/>
-            <a:ext cx="700822" cy="700822"/>
+            <a:off x="6642920" y="4912796"/>
+            <a:ext cx="700821" cy="700821"/>
           </a:xfrm>
           <a:prstGeom prst="rect">
             <a:avLst/>
@@ -6322,10 +6322,10 @@
       </p:pic>
       <p:pic>
         <p:nvPicPr>
-          <p:cNvPr id="28" name="Image 27">
-            <a:extLst>
-              <a:ext uri="{FF2B5EF4-FFF2-40B4-BE49-F238E27FC236}">
-                <a16:creationId xmlns:a16="http://schemas.microsoft.com/office/drawing/2014/main" id="{57519E8A-918A-4B7A-A373-A121BE04A122}"/>
+          <p:cNvPr id="29" name="Image 28">
+            <a:extLst>
+              <a:ext uri="{FF2B5EF4-FFF2-40B4-BE49-F238E27FC236}">
+                <a16:creationId xmlns:a16="http://schemas.microsoft.com/office/drawing/2014/main" id="{0875E027-F508-4529-A577-BAE6AA73B275}"/>
               </a:ext>
             </a:extLst>
           </p:cNvPr>
@@ -6348,42 +6348,6 @@
         </p:blipFill>
         <p:spPr>
           <a:xfrm>
-            <a:off x="6642920" y="4912796"/>
-            <a:ext cx="700821" cy="700821"/>
-          </a:xfrm>
-          <a:prstGeom prst="rect">
-            <a:avLst/>
-          </a:prstGeom>
-        </p:spPr>
-      </p:pic>
-      <p:pic>
-        <p:nvPicPr>
-          <p:cNvPr id="29" name="Image 28">
-            <a:extLst>
-              <a:ext uri="{FF2B5EF4-FFF2-40B4-BE49-F238E27FC236}">
-                <a16:creationId xmlns:a16="http://schemas.microsoft.com/office/drawing/2014/main" id="{0875E027-F508-4529-A577-BAE6AA73B275}"/>
-              </a:ext>
-            </a:extLst>
-          </p:cNvPr>
-          <p:cNvPicPr>
-            <a:picLocks noChangeAspect="1"/>
-          </p:cNvPicPr>
-          <p:nvPr/>
-        </p:nvPicPr>
-        <p:blipFill>
-          <a:blip r:embed="rId8">
-            <a:extLst>
-              <a:ext uri="{28A0092B-C50C-407E-A947-70E740481C1C}">
-                <a14:useLocalDpi xmlns:a14="http://schemas.microsoft.com/office/drawing/2010/main" val="0"/>
-              </a:ext>
-            </a:extLst>
-          </a:blip>
-          <a:stretch>
-            <a:fillRect/>
-          </a:stretch>
-        </p:blipFill>
-        <p:spPr>
-          <a:xfrm>
             <a:off x="6515109" y="3046923"/>
             <a:ext cx="746916" cy="746916"/>
           </a:xfrm>
@@ -6407,7 +6371,7 @@
           <p:nvPr/>
         </p:nvPicPr>
         <p:blipFill>
-          <a:blip r:embed="rId9">
+          <a:blip r:embed="rId8">
             <a:extLst>
               <a:ext uri="{28A0092B-C50C-407E-A947-70E740481C1C}">
                 <a14:useLocalDpi xmlns:a14="http://schemas.microsoft.com/office/drawing/2010/main" val="0"/>
@@ -6512,7 +6476,7 @@
         </p:nvSpPr>
         <p:spPr>
           <a:xfrm>
-            <a:off x="2457974" y="2794678"/>
+            <a:off x="2457974" y="2922863"/>
             <a:ext cx="3187817" cy="369332"/>
           </a:xfrm>
           <a:prstGeom prst="rect">
@@ -6548,7 +6512,7 @@
         <p:spPr>
           <a:xfrm>
             <a:off x="2457974" y="4417906"/>
-            <a:ext cx="3589425" cy="1477328"/>
+            <a:ext cx="3589425" cy="1754326"/>
           </a:xfrm>
           <a:prstGeom prst="rect">
             <a:avLst/>
@@ -6565,6 +6529,9 @@
               <a:rPr lang="fr-FR" dirty="0"/>
               <a:t>Vitesse : 1km/h = 1600 tours par heure</a:t>
             </a:r>
+          </a:p>
+          <a:p>
+            <a:endParaRPr lang="fr-FR" dirty="0"/>
           </a:p>
           <a:p>
             <a:r>
@@ -6644,6 +6611,78 @@
           </a:p>
         </p:txBody>
       </p:sp>
+      <p:pic>
+        <p:nvPicPr>
+          <p:cNvPr id="35" name="Image 34">
+            <a:extLst>
+              <a:ext uri="{FF2B5EF4-FFF2-40B4-BE49-F238E27FC236}">
+                <a16:creationId xmlns:a16="http://schemas.microsoft.com/office/drawing/2014/main" id="{6A1CE2C4-95A0-49AE-86F2-2CDF5D1FD271}"/>
+              </a:ext>
+            </a:extLst>
+          </p:cNvPr>
+          <p:cNvPicPr>
+            <a:picLocks noChangeAspect="1"/>
+          </p:cNvPicPr>
+          <p:nvPr/>
+        </p:nvPicPr>
+        <p:blipFill>
+          <a:blip r:embed="rId9">
+            <a:extLst>
+              <a:ext uri="{28A0092B-C50C-407E-A947-70E740481C1C}">
+                <a14:useLocalDpi xmlns:a14="http://schemas.microsoft.com/office/drawing/2010/main" val="0"/>
+              </a:ext>
+            </a:extLst>
+          </a:blip>
+          <a:stretch>
+            <a:fillRect/>
+          </a:stretch>
+        </p:blipFill>
+        <p:spPr>
+          <a:xfrm>
+            <a:off x="1537305" y="5447872"/>
+            <a:ext cx="650296" cy="650296"/>
+          </a:xfrm>
+          <a:prstGeom prst="rect">
+            <a:avLst/>
+          </a:prstGeom>
+        </p:spPr>
+      </p:pic>
+      <p:pic>
+        <p:nvPicPr>
+          <p:cNvPr id="36" name="Image 35">
+            <a:extLst>
+              <a:ext uri="{FF2B5EF4-FFF2-40B4-BE49-F238E27FC236}">
+                <a16:creationId xmlns:a16="http://schemas.microsoft.com/office/drawing/2014/main" id="{DE5B6D72-9D52-4068-9B4C-E67F54E7F138}"/>
+              </a:ext>
+            </a:extLst>
+          </p:cNvPr>
+          <p:cNvPicPr>
+            <a:picLocks noChangeAspect="1"/>
+          </p:cNvPicPr>
+          <p:nvPr/>
+        </p:nvPicPr>
+        <p:blipFill>
+          <a:blip r:embed="rId10">
+            <a:extLst>
+              <a:ext uri="{28A0092B-C50C-407E-A947-70E740481C1C}">
+                <a14:useLocalDpi xmlns:a14="http://schemas.microsoft.com/office/drawing/2010/main" val="0"/>
+              </a:ext>
+            </a:extLst>
+          </a:blip>
+          <a:stretch>
+            <a:fillRect/>
+          </a:stretch>
+        </p:blipFill>
+        <p:spPr>
+          <a:xfrm>
+            <a:off x="1476878" y="4171501"/>
+            <a:ext cx="924460" cy="1003812"/>
+          </a:xfrm>
+          <a:prstGeom prst="rect">
+            <a:avLst/>
+          </a:prstGeom>
+        </p:spPr>
+      </p:pic>
     </p:spTree>
     <p:extLst>
       <p:ext uri="{BB962C8B-B14F-4D97-AF65-F5344CB8AC3E}">
@@ -6865,7 +6904,7 @@
                                           </p:stCondLst>
                                         </p:cTn>
                                         <p:tgtEl>
-                                          <p:spTgt spid="27"/>
+                                          <p:spTgt spid="28"/>
                                         </p:tgtEl>
                                         <p:attrNameLst>
                                           <p:attrName>style.visibility</p:attrName>
@@ -6879,7 +6918,7 @@
                                       <p:cBhvr>
                                         <p:cTn id="17" dur="1000"/>
                                         <p:tgtEl>
-                                          <p:spTgt spid="27"/>
+                                          <p:spTgt spid="28"/>
                                         </p:tgtEl>
                                       </p:cBhvr>
                                     </p:animEffect>
@@ -6887,7 +6926,7 @@
                                       <p:cBhvr>
                                         <p:cTn id="18" dur="1000" fill="hold"/>
                                         <p:tgtEl>
-                                          <p:spTgt spid="27"/>
+                                          <p:spTgt spid="28"/>
                                         </p:tgtEl>
                                         <p:attrNameLst>
                                           <p:attrName>ppt_x</p:attrName>
@@ -6910,7 +6949,7 @@
                                       <p:cBhvr>
                                         <p:cTn id="19" dur="1000" fill="hold"/>
                                         <p:tgtEl>
-                                          <p:spTgt spid="27"/>
+                                          <p:spTgt spid="28"/>
                                         </p:tgtEl>
                                         <p:attrNameLst>
                                           <p:attrName>ppt_y</p:attrName>
@@ -6946,7 +6985,7 @@
                                           </p:stCondLst>
                                         </p:cTn>
                                         <p:tgtEl>
-                                          <p:spTgt spid="28"/>
+                                          <p:spTgt spid="29"/>
                                         </p:tgtEl>
                                         <p:attrNameLst>
                                           <p:attrName>style.visibility</p:attrName>
@@ -6960,94 +6999,13 @@
                                       <p:cBhvr>
                                         <p:cTn id="22" dur="1000"/>
                                         <p:tgtEl>
-                                          <p:spTgt spid="28"/>
+                                          <p:spTgt spid="29"/>
                                         </p:tgtEl>
                                       </p:cBhvr>
                                     </p:animEffect>
                                     <p:anim calcmode="lin" valueType="num">
                                       <p:cBhvr>
                                         <p:cTn id="23" dur="1000" fill="hold"/>
-                                        <p:tgtEl>
-                                          <p:spTgt spid="28"/>
-                                        </p:tgtEl>
-                                        <p:attrNameLst>
-                                          <p:attrName>ppt_x</p:attrName>
-                                        </p:attrNameLst>
-                                      </p:cBhvr>
-                                      <p:tavLst>
-                                        <p:tav tm="0">
-                                          <p:val>
-                                            <p:strVal val="#ppt_x"/>
-                                          </p:val>
-                                        </p:tav>
-                                        <p:tav tm="100000">
-                                          <p:val>
-                                            <p:strVal val="#ppt_x"/>
-                                          </p:val>
-                                        </p:tav>
-                                      </p:tavLst>
-                                    </p:anim>
-                                    <p:anim calcmode="lin" valueType="num">
-                                      <p:cBhvr>
-                                        <p:cTn id="24" dur="1000" fill="hold"/>
-                                        <p:tgtEl>
-                                          <p:spTgt spid="28"/>
-                                        </p:tgtEl>
-                                        <p:attrNameLst>
-                                          <p:attrName>ppt_y</p:attrName>
-                                        </p:attrNameLst>
-                                      </p:cBhvr>
-                                      <p:tavLst>
-                                        <p:tav tm="0">
-                                          <p:val>
-                                            <p:strVal val="#ppt_y+.1"/>
-                                          </p:val>
-                                        </p:tav>
-                                        <p:tav tm="100000">
-                                          <p:val>
-                                            <p:strVal val="#ppt_y"/>
-                                          </p:val>
-                                        </p:tav>
-                                      </p:tavLst>
-                                    </p:anim>
-                                  </p:childTnLst>
-                                </p:cTn>
-                              </p:par>
-                              <p:par>
-                                <p:cTn id="25" presetID="42" presetClass="entr" presetSubtype="0" fill="hold" nodeType="withEffect">
-                                  <p:stCondLst>
-                                    <p:cond delay="0"/>
-                                  </p:stCondLst>
-                                  <p:childTnLst>
-                                    <p:set>
-                                      <p:cBhvr>
-                                        <p:cTn id="26" dur="1" fill="hold">
-                                          <p:stCondLst>
-                                            <p:cond delay="0"/>
-                                          </p:stCondLst>
-                                        </p:cTn>
-                                        <p:tgtEl>
-                                          <p:spTgt spid="29"/>
-                                        </p:tgtEl>
-                                        <p:attrNameLst>
-                                          <p:attrName>style.visibility</p:attrName>
-                                        </p:attrNameLst>
-                                      </p:cBhvr>
-                                      <p:to>
-                                        <p:strVal val="visible"/>
-                                      </p:to>
-                                    </p:set>
-                                    <p:animEffect transition="in" filter="fade">
-                                      <p:cBhvr>
-                                        <p:cTn id="27" dur="1000"/>
-                                        <p:tgtEl>
-                                          <p:spTgt spid="29"/>
-                                        </p:tgtEl>
-                                      </p:cBhvr>
-                                    </p:animEffect>
-                                    <p:anim calcmode="lin" valueType="num">
-                                      <p:cBhvr>
-                                        <p:cTn id="28" dur="1000" fill="hold"/>
                                         <p:tgtEl>
                                           <p:spTgt spid="29"/>
                                         </p:tgtEl>
@@ -7070,7 +7028,7 @@
                                     </p:anim>
                                     <p:anim calcmode="lin" valueType="num">
                                       <p:cBhvr>
-                                        <p:cTn id="29" dur="1000" fill="hold"/>
+                                        <p:cTn id="24" dur="1000" fill="hold"/>
                                         <p:tgtEl>
                                           <p:spTgt spid="29"/>
                                         </p:tgtEl>
@@ -7929,6 +7887,149 @@
                 <a:latin typeface="Berlin Sans FB" panose="020E0602020502020306" pitchFamily="34" charset="0"/>
               </a:rPr>
               <a:t>Solutions trouvées</a:t>
+            </a:r>
+          </a:p>
+        </p:txBody>
+      </p:sp>
+      <p:pic>
+        <p:nvPicPr>
+          <p:cNvPr id="4" name="Image 3">
+            <a:extLst>
+              <a:ext uri="{FF2B5EF4-FFF2-40B4-BE49-F238E27FC236}">
+                <a16:creationId xmlns:a16="http://schemas.microsoft.com/office/drawing/2014/main" id="{D397238E-4CC4-4E40-A03F-CA5168B16AFC}"/>
+              </a:ext>
+            </a:extLst>
+          </p:cNvPr>
+          <p:cNvPicPr>
+            <a:picLocks noChangeAspect="1"/>
+          </p:cNvPicPr>
+          <p:nvPr/>
+        </p:nvPicPr>
+        <p:blipFill>
+          <a:blip r:embed="rId4">
+            <a:extLst>
+              <a:ext uri="{28A0092B-C50C-407E-A947-70E740481C1C}">
+                <a14:useLocalDpi xmlns:a14="http://schemas.microsoft.com/office/drawing/2010/main" val="0"/>
+              </a:ext>
+            </a:extLst>
+          </a:blip>
+          <a:stretch>
+            <a:fillRect/>
+          </a:stretch>
+        </p:blipFill>
+        <p:spPr>
+          <a:xfrm>
+            <a:off x="1881432" y="4945224"/>
+            <a:ext cx="990600" cy="990600"/>
+          </a:xfrm>
+          <a:prstGeom prst="rect">
+            <a:avLst/>
+          </a:prstGeom>
+        </p:spPr>
+      </p:pic>
+      <p:pic>
+        <p:nvPicPr>
+          <p:cNvPr id="6" name="Image 5">
+            <a:extLst>
+              <a:ext uri="{FF2B5EF4-FFF2-40B4-BE49-F238E27FC236}">
+                <a16:creationId xmlns:a16="http://schemas.microsoft.com/office/drawing/2014/main" id="{217C5B42-FC3B-460B-B430-4FE5CFDEFE08}"/>
+              </a:ext>
+            </a:extLst>
+          </p:cNvPr>
+          <p:cNvPicPr>
+            <a:picLocks noChangeAspect="1"/>
+          </p:cNvPicPr>
+          <p:nvPr/>
+        </p:nvPicPr>
+        <p:blipFill>
+          <a:blip r:embed="rId5">
+            <a:extLst>
+              <a:ext uri="{28A0092B-C50C-407E-A947-70E740481C1C}">
+                <a14:useLocalDpi xmlns:a14="http://schemas.microsoft.com/office/drawing/2010/main" val="0"/>
+              </a:ext>
+            </a:extLst>
+          </a:blip>
+          <a:stretch>
+            <a:fillRect/>
+          </a:stretch>
+        </p:blipFill>
+        <p:spPr>
+          <a:xfrm>
+            <a:off x="6753255" y="4945224"/>
+            <a:ext cx="1194833" cy="1297393"/>
+          </a:xfrm>
+          <a:prstGeom prst="rect">
+            <a:avLst/>
+          </a:prstGeom>
+        </p:spPr>
+      </p:pic>
+      <p:pic>
+        <p:nvPicPr>
+          <p:cNvPr id="27" name="Image 26">
+            <a:extLst>
+              <a:ext uri="{FF2B5EF4-FFF2-40B4-BE49-F238E27FC236}">
+                <a16:creationId xmlns:a16="http://schemas.microsoft.com/office/drawing/2014/main" id="{2743F8F1-CE6B-4582-819C-46D84CFAEC85}"/>
+              </a:ext>
+            </a:extLst>
+          </p:cNvPr>
+          <p:cNvPicPr>
+            <a:picLocks noChangeAspect="1"/>
+          </p:cNvPicPr>
+          <p:nvPr/>
+        </p:nvPicPr>
+        <p:blipFill>
+          <a:blip r:embed="rId6">
+            <a:extLst>
+              <a:ext uri="{28A0092B-C50C-407E-A947-70E740481C1C}">
+                <a14:useLocalDpi xmlns:a14="http://schemas.microsoft.com/office/drawing/2010/main" val="0"/>
+              </a:ext>
+            </a:extLst>
+          </a:blip>
+          <a:stretch>
+            <a:fillRect/>
+          </a:stretch>
+        </p:blipFill>
+        <p:spPr>
+          <a:xfrm>
+            <a:off x="4450205" y="3918856"/>
+            <a:ext cx="1082352" cy="1082352"/>
+          </a:xfrm>
+          <a:prstGeom prst="rect">
+            <a:avLst/>
+          </a:prstGeom>
+        </p:spPr>
+      </p:pic>
+      <p:sp>
+        <p:nvSpPr>
+          <p:cNvPr id="7" name="ZoneTexte 6">
+            <a:extLst>
+              <a:ext uri="{FF2B5EF4-FFF2-40B4-BE49-F238E27FC236}">
+                <a16:creationId xmlns:a16="http://schemas.microsoft.com/office/drawing/2014/main" id="{F5143EC5-EF8B-4615-B050-3E12BF28AC28}"/>
+              </a:ext>
+            </a:extLst>
+          </p:cNvPr>
+          <p:cNvSpPr txBox="1"/>
+          <p:nvPr/>
+        </p:nvSpPr>
+        <p:spPr>
+          <a:xfrm>
+            <a:off x="3714642" y="1427584"/>
+            <a:ext cx="4309685" cy="523220"/>
+          </a:xfrm>
+          <a:prstGeom prst="rect">
+            <a:avLst/>
+          </a:prstGeom>
+          <a:noFill/>
+        </p:spPr>
+        <p:txBody>
+          <a:bodyPr wrap="square" rtlCol="0">
+            <a:spAutoFit/>
+          </a:bodyPr>
+          <a:lstStyle/>
+          <a:p>
+            <a:r>
+              <a:rPr lang="fr-FR" sz="2800" dirty="0"/>
+              <a:t>Partie 1 : Anémomètre</a:t>
             </a:r>
           </a:p>
         </p:txBody>
@@ -14872,10 +14973,10 @@
       </p:pic>
       <p:pic>
         <p:nvPicPr>
-          <p:cNvPr id="22" name="Image 21">
-            <a:extLst>
-              <a:ext uri="{FF2B5EF4-FFF2-40B4-BE49-F238E27FC236}">
-                <a16:creationId xmlns:a16="http://schemas.microsoft.com/office/drawing/2014/main" id="{515FFE8E-06D5-4115-85CF-F8EE5C74D522}"/>
+          <p:cNvPr id="25" name="Image 24">
+            <a:extLst>
+              <a:ext uri="{FF2B5EF4-FFF2-40B4-BE49-F238E27FC236}">
+                <a16:creationId xmlns:a16="http://schemas.microsoft.com/office/drawing/2014/main" id="{93BBF0E5-204B-42FF-9A5D-235230C6F27F}"/>
               </a:ext>
             </a:extLst>
           </p:cNvPr>
@@ -14898,7 +14999,7 @@
         </p:blipFill>
         <p:spPr>
           <a:xfrm>
-            <a:off x="6959470" y="3223027"/>
+            <a:off x="6959469" y="3772894"/>
             <a:ext cx="487653" cy="487653"/>
           </a:xfrm>
           <a:prstGeom prst="rect">
@@ -14908,10 +15009,10 @@
       </p:pic>
       <p:pic>
         <p:nvPicPr>
-          <p:cNvPr id="25" name="Image 24">
-            <a:extLst>
-              <a:ext uri="{FF2B5EF4-FFF2-40B4-BE49-F238E27FC236}">
-                <a16:creationId xmlns:a16="http://schemas.microsoft.com/office/drawing/2014/main" id="{93BBF0E5-204B-42FF-9A5D-235230C6F27F}"/>
+          <p:cNvPr id="35" name="Image 34">
+            <a:extLst>
+              <a:ext uri="{FF2B5EF4-FFF2-40B4-BE49-F238E27FC236}">
+                <a16:creationId xmlns:a16="http://schemas.microsoft.com/office/drawing/2014/main" id="{3AA4106B-4FA4-4D66-995F-237DE6EAEF75}"/>
               </a:ext>
             </a:extLst>
           </p:cNvPr>
@@ -14934,42 +15035,6 @@
         </p:blipFill>
         <p:spPr>
           <a:xfrm>
-            <a:off x="6959469" y="3772894"/>
-            <a:ext cx="487653" cy="487653"/>
-          </a:xfrm>
-          <a:prstGeom prst="rect">
-            <a:avLst/>
-          </a:prstGeom>
-        </p:spPr>
-      </p:pic>
-      <p:pic>
-        <p:nvPicPr>
-          <p:cNvPr id="35" name="Image 34">
-            <a:extLst>
-              <a:ext uri="{FF2B5EF4-FFF2-40B4-BE49-F238E27FC236}">
-                <a16:creationId xmlns:a16="http://schemas.microsoft.com/office/drawing/2014/main" id="{3AA4106B-4FA4-4D66-995F-237DE6EAEF75}"/>
-              </a:ext>
-            </a:extLst>
-          </p:cNvPr>
-          <p:cNvPicPr>
-            <a:picLocks noChangeAspect="1"/>
-          </p:cNvPicPr>
-          <p:nvPr/>
-        </p:nvPicPr>
-        <p:blipFill>
-          <a:blip r:embed="rId7">
-            <a:extLst>
-              <a:ext uri="{28A0092B-C50C-407E-A947-70E740481C1C}">
-                <a14:useLocalDpi xmlns:a14="http://schemas.microsoft.com/office/drawing/2010/main" val="0"/>
-              </a:ext>
-            </a:extLst>
-          </a:blip>
-          <a:stretch>
-            <a:fillRect/>
-          </a:stretch>
-        </p:blipFill>
-        <p:spPr>
-          <a:xfrm>
             <a:off x="7215446" y="4929137"/>
             <a:ext cx="527336" cy="527336"/>
           </a:xfrm>
@@ -14993,7 +15058,7 @@
           <p:nvPr/>
         </p:nvPicPr>
         <p:blipFill>
-          <a:blip r:embed="rId8">
+          <a:blip r:embed="rId7">
             <a:extLst>
               <a:ext uri="{28A0092B-C50C-407E-A947-70E740481C1C}">
                 <a14:useLocalDpi xmlns:a14="http://schemas.microsoft.com/office/drawing/2010/main" val="0"/>
@@ -15238,15 +15303,7 @@
           <a:p>
             <a:r>
               <a:rPr lang="fr-FR" dirty="0"/>
-              <a:t>Un système (</a:t>
-            </a:r>
-            <a:r>
-              <a:rPr lang="fr-FR" dirty="0" err="1"/>
-              <a:t>raspberry</a:t>
-            </a:r>
-            <a:r>
-              <a:rPr lang="fr-FR" dirty="0"/>
-              <a:t>) récupèrera automatiquement les différentes mesures énoncées ci-dessus.</a:t>
+              <a:t>Un système (Raspberry) récupèrera automatiquement les différentes mesures énoncées ci-dessus.</a:t>
             </a:r>
           </a:p>
           <a:p>
@@ -15254,6 +15311,42 @@
           </a:p>
         </p:txBody>
       </p:sp>
+      <p:pic>
+        <p:nvPicPr>
+          <p:cNvPr id="14" name="Image 13">
+            <a:extLst>
+              <a:ext uri="{FF2B5EF4-FFF2-40B4-BE49-F238E27FC236}">
+                <a16:creationId xmlns:a16="http://schemas.microsoft.com/office/drawing/2014/main" id="{91A48376-3A1D-42DD-A47C-440EA5F074DD}"/>
+              </a:ext>
+            </a:extLst>
+          </p:cNvPr>
+          <p:cNvPicPr>
+            <a:picLocks noChangeAspect="1"/>
+          </p:cNvPicPr>
+          <p:nvPr/>
+        </p:nvPicPr>
+        <p:blipFill>
+          <a:blip r:embed="rId8">
+            <a:extLst>
+              <a:ext uri="{28A0092B-C50C-407E-A947-70E740481C1C}">
+                <a14:useLocalDpi xmlns:a14="http://schemas.microsoft.com/office/drawing/2010/main" val="0"/>
+              </a:ext>
+            </a:extLst>
+          </a:blip>
+          <a:stretch>
+            <a:fillRect/>
+          </a:stretch>
+        </p:blipFill>
+        <p:spPr>
+          <a:xfrm>
+            <a:off x="6828818" y="3192584"/>
+            <a:ext cx="650296" cy="650296"/>
+          </a:xfrm>
+          <a:prstGeom prst="rect">
+            <a:avLst/>
+          </a:prstGeom>
+        </p:spPr>
+      </p:pic>
     </p:spTree>
     <p:extLst>
       <p:ext uri="{BB962C8B-B14F-4D97-AF65-F5344CB8AC3E}">
@@ -15557,87 +15650,6 @@
                                   </p:childTnLst>
                                 </p:cTn>
                               </p:par>
-                              <p:par>
-                                <p:cTn id="22" presetID="42" presetClass="entr" presetSubtype="0" fill="hold" nodeType="withEffect">
-                                  <p:stCondLst>
-                                    <p:cond delay="0"/>
-                                  </p:stCondLst>
-                                  <p:childTnLst>
-                                    <p:set>
-                                      <p:cBhvr>
-                                        <p:cTn id="23" dur="1" fill="hold">
-                                          <p:stCondLst>
-                                            <p:cond delay="0"/>
-                                          </p:stCondLst>
-                                        </p:cTn>
-                                        <p:tgtEl>
-                                          <p:spTgt spid="22"/>
-                                        </p:tgtEl>
-                                        <p:attrNameLst>
-                                          <p:attrName>style.visibility</p:attrName>
-                                        </p:attrNameLst>
-                                      </p:cBhvr>
-                                      <p:to>
-                                        <p:strVal val="visible"/>
-                                      </p:to>
-                                    </p:set>
-                                    <p:animEffect transition="in" filter="fade">
-                                      <p:cBhvr>
-                                        <p:cTn id="24" dur="1000"/>
-                                        <p:tgtEl>
-                                          <p:spTgt spid="22"/>
-                                        </p:tgtEl>
-                                      </p:cBhvr>
-                                    </p:animEffect>
-                                    <p:anim calcmode="lin" valueType="num">
-                                      <p:cBhvr>
-                                        <p:cTn id="25" dur="1000" fill="hold"/>
-                                        <p:tgtEl>
-                                          <p:spTgt spid="22"/>
-                                        </p:tgtEl>
-                                        <p:attrNameLst>
-                                          <p:attrName>ppt_x</p:attrName>
-                                        </p:attrNameLst>
-                                      </p:cBhvr>
-                                      <p:tavLst>
-                                        <p:tav tm="0">
-                                          <p:val>
-                                            <p:strVal val="#ppt_x"/>
-                                          </p:val>
-                                        </p:tav>
-                                        <p:tav tm="100000">
-                                          <p:val>
-                                            <p:strVal val="#ppt_x"/>
-                                          </p:val>
-                                        </p:tav>
-                                      </p:tavLst>
-                                    </p:anim>
-                                    <p:anim calcmode="lin" valueType="num">
-                                      <p:cBhvr>
-                                        <p:cTn id="26" dur="1000" fill="hold"/>
-                                        <p:tgtEl>
-                                          <p:spTgt spid="22"/>
-                                        </p:tgtEl>
-                                        <p:attrNameLst>
-                                          <p:attrName>ppt_y</p:attrName>
-                                        </p:attrNameLst>
-                                      </p:cBhvr>
-                                      <p:tavLst>
-                                        <p:tav tm="0">
-                                          <p:val>
-                                            <p:strVal val="#ppt_y+.1"/>
-                                          </p:val>
-                                        </p:tav>
-                                        <p:tav tm="100000">
-                                          <p:val>
-                                            <p:strVal val="#ppt_y"/>
-                                          </p:val>
-                                        </p:tav>
-                                      </p:tavLst>
-                                    </p:anim>
-                                  </p:childTnLst>
-                                </p:cTn>
-                              </p:par>
                             </p:childTnLst>
                           </p:cTn>
                         </p:par>
@@ -15645,26 +15657,26 @@
                     </p:cTn>
                   </p:par>
                   <p:par>
-                    <p:cTn id="27" fill="hold">
+                    <p:cTn id="22" fill="hold">
                       <p:stCondLst>
                         <p:cond delay="indefinite"/>
                       </p:stCondLst>
                       <p:childTnLst>
                         <p:par>
-                          <p:cTn id="28" fill="hold">
+                          <p:cTn id="23" fill="hold">
                             <p:stCondLst>
                               <p:cond delay="0"/>
                             </p:stCondLst>
                             <p:childTnLst>
                               <p:par>
-                                <p:cTn id="29" presetID="42" presetClass="entr" presetSubtype="0" fill="hold" grpId="0" nodeType="clickEffect">
+                                <p:cTn id="24" presetID="42" presetClass="entr" presetSubtype="0" fill="hold" grpId="0" nodeType="clickEffect">
                                   <p:stCondLst>
                                     <p:cond delay="0"/>
                                   </p:stCondLst>
                                   <p:childTnLst>
                                     <p:set>
                                       <p:cBhvr>
-                                        <p:cTn id="30" dur="1" fill="hold">
+                                        <p:cTn id="25" dur="1" fill="hold">
                                           <p:stCondLst>
                                             <p:cond delay="0"/>
                                           </p:stCondLst>
@@ -15682,7 +15694,7 @@
                                     </p:set>
                                     <p:animEffect transition="in" filter="fade">
                                       <p:cBhvr>
-                                        <p:cTn id="31" dur="1000"/>
+                                        <p:cTn id="26" dur="1000"/>
                                         <p:tgtEl>
                                           <p:spTgt spid="6"/>
                                         </p:tgtEl>
@@ -15690,7 +15702,7 @@
                                     </p:animEffect>
                                     <p:anim calcmode="lin" valueType="num">
                                       <p:cBhvr>
-                                        <p:cTn id="32" dur="1000" fill="hold"/>
+                                        <p:cTn id="27" dur="1000" fill="hold"/>
                                         <p:tgtEl>
                                           <p:spTgt spid="6"/>
                                         </p:tgtEl>
@@ -15713,7 +15725,7 @@
                                     </p:anim>
                                     <p:anim calcmode="lin" valueType="num">
                                       <p:cBhvr>
-                                        <p:cTn id="33" dur="1000" fill="hold"/>
+                                        <p:cTn id="28" dur="1000" fill="hold"/>
                                         <p:tgtEl>
                                           <p:spTgt spid="6"/>
                                         </p:tgtEl>
@@ -15738,14 +15750,14 @@
                                 </p:cTn>
                               </p:par>
                               <p:par>
-                                <p:cTn id="34" presetID="42" presetClass="entr" presetSubtype="0" fill="hold" nodeType="withEffect">
+                                <p:cTn id="29" presetID="42" presetClass="entr" presetSubtype="0" fill="hold" nodeType="withEffect">
                                   <p:stCondLst>
                                     <p:cond delay="0"/>
                                   </p:stCondLst>
                                   <p:childTnLst>
                                     <p:set>
                                       <p:cBhvr>
-                                        <p:cTn id="35" dur="1" fill="hold">
+                                        <p:cTn id="30" dur="1" fill="hold">
                                           <p:stCondLst>
                                             <p:cond delay="0"/>
                                           </p:stCondLst>
@@ -15763,7 +15775,7 @@
                                     </p:set>
                                     <p:animEffect transition="in" filter="fade">
                                       <p:cBhvr>
-                                        <p:cTn id="36" dur="1000"/>
+                                        <p:cTn id="31" dur="1000"/>
                                         <p:tgtEl>
                                           <p:spTgt spid="25"/>
                                         </p:tgtEl>
@@ -15771,7 +15783,7 @@
                                     </p:animEffect>
                                     <p:anim calcmode="lin" valueType="num">
                                       <p:cBhvr>
-                                        <p:cTn id="37" dur="1000" fill="hold"/>
+                                        <p:cTn id="32" dur="1000" fill="hold"/>
                                         <p:tgtEl>
                                           <p:spTgt spid="25"/>
                                         </p:tgtEl>
@@ -15794,7 +15806,7 @@
                                     </p:anim>
                                     <p:anim calcmode="lin" valueType="num">
                                       <p:cBhvr>
-                                        <p:cTn id="38" dur="1000" fill="hold"/>
+                                        <p:cTn id="33" dur="1000" fill="hold"/>
                                         <p:tgtEl>
                                           <p:spTgt spid="25"/>
                                         </p:tgtEl>
@@ -15825,26 +15837,26 @@
                     </p:cTn>
                   </p:par>
                   <p:par>
-                    <p:cTn id="39" fill="hold">
+                    <p:cTn id="34" fill="hold">
                       <p:stCondLst>
                         <p:cond delay="indefinite"/>
                       </p:stCondLst>
                       <p:childTnLst>
                         <p:par>
-                          <p:cTn id="40" fill="hold">
+                          <p:cTn id="35" fill="hold">
                             <p:stCondLst>
                               <p:cond delay="0"/>
                             </p:stCondLst>
                             <p:childTnLst>
                               <p:par>
-                                <p:cTn id="41" presetID="42" presetClass="entr" presetSubtype="0" fill="hold" grpId="0" nodeType="clickEffect">
+                                <p:cTn id="36" presetID="42" presetClass="entr" presetSubtype="0" fill="hold" grpId="0" nodeType="clickEffect">
                                   <p:stCondLst>
                                     <p:cond delay="0"/>
                                   </p:stCondLst>
                                   <p:childTnLst>
                                     <p:set>
                                       <p:cBhvr>
-                                        <p:cTn id="42" dur="1" fill="hold">
+                                        <p:cTn id="37" dur="1" fill="hold">
                                           <p:stCondLst>
                                             <p:cond delay="0"/>
                                           </p:stCondLst>
@@ -15862,7 +15874,7 @@
                                     </p:set>
                                     <p:animEffect transition="in" filter="fade">
                                       <p:cBhvr>
-                                        <p:cTn id="43" dur="1000"/>
+                                        <p:cTn id="38" dur="1000"/>
                                         <p:tgtEl>
                                           <p:spTgt spid="7"/>
                                         </p:tgtEl>
@@ -15870,7 +15882,7 @@
                                     </p:animEffect>
                                     <p:anim calcmode="lin" valueType="num">
                                       <p:cBhvr>
-                                        <p:cTn id="44" dur="1000" fill="hold"/>
+                                        <p:cTn id="39" dur="1000" fill="hold"/>
                                         <p:tgtEl>
                                           <p:spTgt spid="7"/>
                                         </p:tgtEl>
@@ -15893,7 +15905,7 @@
                                     </p:anim>
                                     <p:anim calcmode="lin" valueType="num">
                                       <p:cBhvr>
-                                        <p:cTn id="45" dur="1000" fill="hold"/>
+                                        <p:cTn id="40" dur="1000" fill="hold"/>
                                         <p:tgtEl>
                                           <p:spTgt spid="7"/>
                                         </p:tgtEl>
@@ -15918,14 +15930,14 @@
                                 </p:cTn>
                               </p:par>
                               <p:par>
-                                <p:cTn id="46" presetID="42" presetClass="entr" presetSubtype="0" fill="hold" nodeType="withEffect">
+                                <p:cTn id="41" presetID="42" presetClass="entr" presetSubtype="0" fill="hold" nodeType="withEffect">
                                   <p:stCondLst>
                                     <p:cond delay="0"/>
                                   </p:stCondLst>
                                   <p:childTnLst>
                                     <p:set>
                                       <p:cBhvr>
-                                        <p:cTn id="47" dur="1" fill="hold">
+                                        <p:cTn id="42" dur="1" fill="hold">
                                           <p:stCondLst>
                                             <p:cond delay="0"/>
                                           </p:stCondLst>
@@ -15943,7 +15955,7 @@
                                     </p:set>
                                     <p:animEffect transition="in" filter="fade">
                                       <p:cBhvr>
-                                        <p:cTn id="48" dur="1000"/>
+                                        <p:cTn id="43" dur="1000"/>
                                         <p:tgtEl>
                                           <p:spTgt spid="4"/>
                                         </p:tgtEl>
@@ -15951,7 +15963,7 @@
                                     </p:animEffect>
                                     <p:anim calcmode="lin" valueType="num">
                                       <p:cBhvr>
-                                        <p:cTn id="49" dur="1000" fill="hold"/>
+                                        <p:cTn id="44" dur="1000" fill="hold"/>
                                         <p:tgtEl>
                                           <p:spTgt spid="4"/>
                                         </p:tgtEl>
@@ -15974,7 +15986,7 @@
                                     </p:anim>
                                     <p:anim calcmode="lin" valueType="num">
                                       <p:cBhvr>
-                                        <p:cTn id="50" dur="1000" fill="hold"/>
+                                        <p:cTn id="45" dur="1000" fill="hold"/>
                                         <p:tgtEl>
                                           <p:spTgt spid="4"/>
                                         </p:tgtEl>
@@ -16005,26 +16017,26 @@
                     </p:cTn>
                   </p:par>
                   <p:par>
-                    <p:cTn id="51" fill="hold">
+                    <p:cTn id="46" fill="hold">
                       <p:stCondLst>
                         <p:cond delay="indefinite"/>
                       </p:stCondLst>
                       <p:childTnLst>
                         <p:par>
-                          <p:cTn id="52" fill="hold">
+                          <p:cTn id="47" fill="hold">
                             <p:stCondLst>
                               <p:cond delay="0"/>
                             </p:stCondLst>
                             <p:childTnLst>
                               <p:par>
-                                <p:cTn id="53" presetID="42" presetClass="entr" presetSubtype="0" fill="hold" grpId="0" nodeType="clickEffect">
+                                <p:cTn id="48" presetID="42" presetClass="entr" presetSubtype="0" fill="hold" grpId="0" nodeType="clickEffect">
                                   <p:stCondLst>
                                     <p:cond delay="0"/>
                                   </p:stCondLst>
                                   <p:childTnLst>
                                     <p:set>
                                       <p:cBhvr>
-                                        <p:cTn id="54" dur="1" fill="hold">
+                                        <p:cTn id="49" dur="1" fill="hold">
                                           <p:stCondLst>
                                             <p:cond delay="0"/>
                                           </p:stCondLst>
@@ -16042,7 +16054,7 @@
                                     </p:set>
                                     <p:animEffect transition="in" filter="fade">
                                       <p:cBhvr>
-                                        <p:cTn id="55" dur="1000"/>
+                                        <p:cTn id="50" dur="1000"/>
                                         <p:tgtEl>
                                           <p:spTgt spid="11"/>
                                         </p:tgtEl>
@@ -16050,7 +16062,7 @@
                                     </p:animEffect>
                                     <p:anim calcmode="lin" valueType="num">
                                       <p:cBhvr>
-                                        <p:cTn id="56" dur="1000" fill="hold"/>
+                                        <p:cTn id="51" dur="1000" fill="hold"/>
                                         <p:tgtEl>
                                           <p:spTgt spid="11"/>
                                         </p:tgtEl>
@@ -16073,7 +16085,7 @@
                                     </p:anim>
                                     <p:anim calcmode="lin" valueType="num">
                                       <p:cBhvr>
-                                        <p:cTn id="57" dur="1000" fill="hold"/>
+                                        <p:cTn id="52" dur="1000" fill="hold"/>
                                         <p:tgtEl>
                                           <p:spTgt spid="11"/>
                                         </p:tgtEl>
@@ -16098,14 +16110,14 @@
                                 </p:cTn>
                               </p:par>
                               <p:par>
-                                <p:cTn id="58" presetID="42" presetClass="entr" presetSubtype="0" fill="hold" nodeType="withEffect">
+                                <p:cTn id="53" presetID="42" presetClass="entr" presetSubtype="0" fill="hold" nodeType="withEffect">
                                   <p:stCondLst>
                                     <p:cond delay="0"/>
                                   </p:stCondLst>
                                   <p:childTnLst>
                                     <p:set>
                                       <p:cBhvr>
-                                        <p:cTn id="59" dur="1" fill="hold">
+                                        <p:cTn id="54" dur="1" fill="hold">
                                           <p:stCondLst>
                                             <p:cond delay="0"/>
                                           </p:stCondLst>
@@ -16123,7 +16135,7 @@
                                     </p:set>
                                     <p:animEffect transition="in" filter="fade">
                                       <p:cBhvr>
-                                        <p:cTn id="60" dur="1000"/>
+                                        <p:cTn id="55" dur="1000"/>
                                         <p:tgtEl>
                                           <p:spTgt spid="35"/>
                                         </p:tgtEl>
@@ -16131,7 +16143,7 @@
                                     </p:animEffect>
                                     <p:anim calcmode="lin" valueType="num">
                                       <p:cBhvr>
-                                        <p:cTn id="61" dur="1000" fill="hold"/>
+                                        <p:cTn id="56" dur="1000" fill="hold"/>
                                         <p:tgtEl>
                                           <p:spTgt spid="35"/>
                                         </p:tgtEl>
@@ -16154,7 +16166,7 @@
                                     </p:anim>
                                     <p:anim calcmode="lin" valueType="num">
                                       <p:cBhvr>
-                                        <p:cTn id="62" dur="1000" fill="hold"/>
+                                        <p:cTn id="57" dur="1000" fill="hold"/>
                                         <p:tgtEl>
                                           <p:spTgt spid="35"/>
                                         </p:tgtEl>

--- a/oral_projet/revue_2/diaporama_revue_2_steven.pptx
+++ b/oral_projet/revue_2/diaporama_revue_2_steven.pptx
@@ -5,23 +5,22 @@
     <p:sldMasterId id="2147483648" r:id="rId1"/>
   </p:sldMasterIdLst>
   <p:notesMasterIdLst>
-    <p:notesMasterId r:id="rId16"/>
+    <p:notesMasterId r:id="rId15"/>
   </p:notesMasterIdLst>
   <p:sldIdLst>
     <p:sldId id="256" r:id="rId2"/>
     <p:sldId id="259" r:id="rId3"/>
     <p:sldId id="261" r:id="rId4"/>
     <p:sldId id="258" r:id="rId5"/>
-    <p:sldId id="260" r:id="rId6"/>
-    <p:sldId id="262" r:id="rId7"/>
-    <p:sldId id="263" r:id="rId8"/>
-    <p:sldId id="264" r:id="rId9"/>
-    <p:sldId id="265" r:id="rId10"/>
-    <p:sldId id="270" r:id="rId11"/>
-    <p:sldId id="266" r:id="rId12"/>
-    <p:sldId id="268" r:id="rId13"/>
-    <p:sldId id="271" r:id="rId14"/>
-    <p:sldId id="269" r:id="rId15"/>
+    <p:sldId id="262" r:id="rId6"/>
+    <p:sldId id="263" r:id="rId7"/>
+    <p:sldId id="264" r:id="rId8"/>
+    <p:sldId id="265" r:id="rId9"/>
+    <p:sldId id="270" r:id="rId10"/>
+    <p:sldId id="266" r:id="rId11"/>
+    <p:sldId id="268" r:id="rId12"/>
+    <p:sldId id="271" r:id="rId13"/>
+    <p:sldId id="269" r:id="rId14"/>
   </p:sldIdLst>
   <p:sldSz cx="12192000" cy="6858000"/>
   <p:notesSz cx="6858000" cy="9144000"/>
@@ -4464,7 +4463,7 @@
             <a:pPr algn="ctr"/>
             <a:r>
               <a:rPr lang="fr-FR" sz="1200" dirty="0"/>
-              <a:t>Mr ANGIBAUD</a:t>
+              <a:t>M.ANGIBAUD</a:t>
             </a:r>
           </a:p>
           <a:p>
@@ -4536,875 +4535,6 @@
 </file>
 
 <file path=ppt/slides/slide10.xml><?xml version="1.0" encoding="utf-8"?>
-<p:sld xmlns:a="http://schemas.openxmlformats.org/drawingml/2006/main" xmlns:r="http://schemas.openxmlformats.org/officeDocument/2006/relationships" xmlns:p="http://schemas.openxmlformats.org/presentationml/2006/main">
-  <p:cSld>
-    <p:spTree>
-      <p:nvGrpSpPr>
-        <p:cNvPr id="1" name=""/>
-        <p:cNvGrpSpPr/>
-        <p:nvPr/>
-      </p:nvGrpSpPr>
-      <p:grpSpPr>
-        <a:xfrm>
-          <a:off x="0" y="0"/>
-          <a:ext cx="0" cy="0"/>
-          <a:chOff x="0" y="0"/>
-          <a:chExt cx="0" cy="0"/>
-        </a:xfrm>
-      </p:grpSpPr>
-      <p:pic>
-        <p:nvPicPr>
-          <p:cNvPr id="8" name="Image 7">
-            <a:extLst>
-              <a:ext uri="{FF2B5EF4-FFF2-40B4-BE49-F238E27FC236}">
-                <a16:creationId xmlns:a16="http://schemas.microsoft.com/office/drawing/2014/main" id="{2BB825C5-31DA-4A56-85EA-536DBF510A31}"/>
-              </a:ext>
-            </a:extLst>
-          </p:cNvPr>
-          <p:cNvPicPr>
-            <a:picLocks noChangeAspect="1"/>
-          </p:cNvPicPr>
-          <p:nvPr/>
-        </p:nvPicPr>
-        <p:blipFill>
-          <a:blip r:embed="rId2">
-            <a:extLst>
-              <a:ext uri="{28A0092B-C50C-407E-A947-70E740481C1C}">
-                <a14:useLocalDpi xmlns:a14="http://schemas.microsoft.com/office/drawing/2010/main" val="0"/>
-              </a:ext>
-            </a:extLst>
-          </a:blip>
-          <a:stretch>
-            <a:fillRect/>
-          </a:stretch>
-        </p:blipFill>
-        <p:spPr>
-          <a:xfrm>
-            <a:off x="1068751" y="66457"/>
-            <a:ext cx="1259497" cy="776690"/>
-          </a:xfrm>
-          <a:prstGeom prst="rect">
-            <a:avLst/>
-          </a:prstGeom>
-        </p:spPr>
-      </p:pic>
-      <p:pic>
-        <p:nvPicPr>
-          <p:cNvPr id="10" name="Image 9">
-            <a:extLst>
-              <a:ext uri="{FF2B5EF4-FFF2-40B4-BE49-F238E27FC236}">
-                <a16:creationId xmlns:a16="http://schemas.microsoft.com/office/drawing/2014/main" id="{8EE7436F-49F2-41E0-93E4-D247B4705294}"/>
-              </a:ext>
-            </a:extLst>
-          </p:cNvPr>
-          <p:cNvPicPr>
-            <a:picLocks noChangeAspect="1"/>
-          </p:cNvPicPr>
-          <p:nvPr/>
-        </p:nvPicPr>
-        <p:blipFill>
-          <a:blip r:embed="rId3">
-            <a:extLst>
-              <a:ext uri="{28A0092B-C50C-407E-A947-70E740481C1C}">
-                <a14:useLocalDpi xmlns:a14="http://schemas.microsoft.com/office/drawing/2010/main" val="0"/>
-              </a:ext>
-            </a:extLst>
-          </a:blip>
-          <a:stretch>
-            <a:fillRect/>
-          </a:stretch>
-        </p:blipFill>
-        <p:spPr>
-          <a:xfrm>
-            <a:off x="9681085" y="238153"/>
-            <a:ext cx="1802101" cy="569807"/>
-          </a:xfrm>
-          <a:prstGeom prst="rect">
-            <a:avLst/>
-          </a:prstGeom>
-        </p:spPr>
-      </p:pic>
-      <p:cxnSp>
-        <p:nvCxnSpPr>
-          <p:cNvPr id="16" name="Connecteur droit 15">
-            <a:extLst>
-              <a:ext uri="{FF2B5EF4-FFF2-40B4-BE49-F238E27FC236}">
-                <a16:creationId xmlns:a16="http://schemas.microsoft.com/office/drawing/2014/main" id="{7319284A-BD6F-4A96-8E2B-E0A4B52E53C6}"/>
-              </a:ext>
-            </a:extLst>
-          </p:cNvPr>
-          <p:cNvCxnSpPr>
-            <a:cxnSpLocks/>
-          </p:cNvCxnSpPr>
-          <p:nvPr/>
-        </p:nvCxnSpPr>
-        <p:spPr>
-          <a:xfrm flipV="1">
-            <a:off x="0" y="454803"/>
-            <a:ext cx="738231" cy="1798"/>
-          </a:xfrm>
-          <a:prstGeom prst="line">
-            <a:avLst/>
-          </a:prstGeom>
-        </p:spPr>
-        <p:style>
-          <a:lnRef idx="3">
-            <a:schemeClr val="dk1"/>
-          </a:lnRef>
-          <a:fillRef idx="0">
-            <a:schemeClr val="dk1"/>
-          </a:fillRef>
-          <a:effectRef idx="2">
-            <a:schemeClr val="dk1"/>
-          </a:effectRef>
-          <a:fontRef idx="minor">
-            <a:schemeClr val="tx1"/>
-          </a:fontRef>
-        </p:style>
-      </p:cxnSp>
-      <p:cxnSp>
-        <p:nvCxnSpPr>
-          <p:cNvPr id="20" name="Connecteur droit 19">
-            <a:extLst>
-              <a:ext uri="{FF2B5EF4-FFF2-40B4-BE49-F238E27FC236}">
-                <a16:creationId xmlns:a16="http://schemas.microsoft.com/office/drawing/2014/main" id="{08874CF7-F149-4C81-B61E-74E18342BA8A}"/>
-              </a:ext>
-            </a:extLst>
-          </p:cNvPr>
-          <p:cNvCxnSpPr>
-            <a:cxnSpLocks/>
-          </p:cNvCxnSpPr>
-          <p:nvPr/>
-        </p:nvCxnSpPr>
-        <p:spPr>
-          <a:xfrm>
-            <a:off x="2573222" y="454803"/>
-            <a:ext cx="6829482" cy="10398"/>
-          </a:xfrm>
-          <a:prstGeom prst="line">
-            <a:avLst/>
-          </a:prstGeom>
-        </p:spPr>
-        <p:style>
-          <a:lnRef idx="3">
-            <a:schemeClr val="dk1"/>
-          </a:lnRef>
-          <a:fillRef idx="0">
-            <a:schemeClr val="dk1"/>
-          </a:fillRef>
-          <a:effectRef idx="2">
-            <a:schemeClr val="dk1"/>
-          </a:effectRef>
-          <a:fontRef idx="minor">
-            <a:schemeClr val="tx1"/>
-          </a:fontRef>
-        </p:style>
-      </p:cxnSp>
-      <p:cxnSp>
-        <p:nvCxnSpPr>
-          <p:cNvPr id="26" name="Connecteur droit 25">
-            <a:extLst>
-              <a:ext uri="{FF2B5EF4-FFF2-40B4-BE49-F238E27FC236}">
-                <a16:creationId xmlns:a16="http://schemas.microsoft.com/office/drawing/2014/main" id="{BB3B35CC-057B-48C1-880F-3306A6559175}"/>
-              </a:ext>
-            </a:extLst>
-          </p:cNvPr>
-          <p:cNvCxnSpPr>
-            <a:cxnSpLocks/>
-          </p:cNvCxnSpPr>
-          <p:nvPr/>
-        </p:nvCxnSpPr>
-        <p:spPr>
-          <a:xfrm>
-            <a:off x="738231" y="454803"/>
-            <a:ext cx="344203" cy="484764"/>
-          </a:xfrm>
-          <a:prstGeom prst="line">
-            <a:avLst/>
-          </a:prstGeom>
-        </p:spPr>
-        <p:style>
-          <a:lnRef idx="3">
-            <a:schemeClr val="dk1"/>
-          </a:lnRef>
-          <a:fillRef idx="0">
-            <a:schemeClr val="dk1"/>
-          </a:fillRef>
-          <a:effectRef idx="2">
-            <a:schemeClr val="dk1"/>
-          </a:effectRef>
-          <a:fontRef idx="minor">
-            <a:schemeClr val="tx1"/>
-          </a:fontRef>
-        </p:style>
-      </p:cxnSp>
-      <p:cxnSp>
-        <p:nvCxnSpPr>
-          <p:cNvPr id="32" name="Connecteur droit 31">
-            <a:extLst>
-              <a:ext uri="{FF2B5EF4-FFF2-40B4-BE49-F238E27FC236}">
-                <a16:creationId xmlns:a16="http://schemas.microsoft.com/office/drawing/2014/main" id="{4AD96496-1EB6-4E48-9BB2-5C255495C686}"/>
-              </a:ext>
-            </a:extLst>
-          </p:cNvPr>
-          <p:cNvCxnSpPr>
-            <a:cxnSpLocks/>
-          </p:cNvCxnSpPr>
-          <p:nvPr/>
-        </p:nvCxnSpPr>
-        <p:spPr>
-          <a:xfrm>
-            <a:off x="1082434" y="938268"/>
-            <a:ext cx="1146585" cy="0"/>
-          </a:xfrm>
-          <a:prstGeom prst="line">
-            <a:avLst/>
-          </a:prstGeom>
-        </p:spPr>
-        <p:style>
-          <a:lnRef idx="3">
-            <a:schemeClr val="dk1"/>
-          </a:lnRef>
-          <a:fillRef idx="0">
-            <a:schemeClr val="dk1"/>
-          </a:fillRef>
-          <a:effectRef idx="2">
-            <a:schemeClr val="dk1"/>
-          </a:effectRef>
-          <a:fontRef idx="minor">
-            <a:schemeClr val="tx1"/>
-          </a:fontRef>
-        </p:style>
-      </p:cxnSp>
-      <p:cxnSp>
-        <p:nvCxnSpPr>
-          <p:cNvPr id="51" name="Connecteur droit 50">
-            <a:extLst>
-              <a:ext uri="{FF2B5EF4-FFF2-40B4-BE49-F238E27FC236}">
-                <a16:creationId xmlns:a16="http://schemas.microsoft.com/office/drawing/2014/main" id="{C035BFA6-ECBF-4775-BA81-19D2CA41AA8D}"/>
-              </a:ext>
-            </a:extLst>
-          </p:cNvPr>
-          <p:cNvCxnSpPr>
-            <a:cxnSpLocks/>
-          </p:cNvCxnSpPr>
-          <p:nvPr/>
-        </p:nvCxnSpPr>
-        <p:spPr>
-          <a:xfrm>
-            <a:off x="9402704" y="465201"/>
-            <a:ext cx="344203" cy="495163"/>
-          </a:xfrm>
-          <a:prstGeom prst="line">
-            <a:avLst/>
-          </a:prstGeom>
-        </p:spPr>
-        <p:style>
-          <a:lnRef idx="3">
-            <a:schemeClr val="dk1"/>
-          </a:lnRef>
-          <a:fillRef idx="0">
-            <a:schemeClr val="dk1"/>
-          </a:fillRef>
-          <a:effectRef idx="2">
-            <a:schemeClr val="dk1"/>
-          </a:effectRef>
-          <a:fontRef idx="minor">
-            <a:schemeClr val="tx1"/>
-          </a:fontRef>
-        </p:style>
-      </p:cxnSp>
-      <p:cxnSp>
-        <p:nvCxnSpPr>
-          <p:cNvPr id="52" name="Connecteur droit 51">
-            <a:extLst>
-              <a:ext uri="{FF2B5EF4-FFF2-40B4-BE49-F238E27FC236}">
-                <a16:creationId xmlns:a16="http://schemas.microsoft.com/office/drawing/2014/main" id="{FA310BC7-694B-4984-99A2-61A1F4F6EBF9}"/>
-              </a:ext>
-            </a:extLst>
-          </p:cNvPr>
-          <p:cNvCxnSpPr>
-            <a:cxnSpLocks/>
-          </p:cNvCxnSpPr>
-          <p:nvPr/>
-        </p:nvCxnSpPr>
-        <p:spPr>
-          <a:xfrm flipH="1">
-            <a:off x="11370469" y="448308"/>
-            <a:ext cx="364332" cy="501657"/>
-          </a:xfrm>
-          <a:prstGeom prst="line">
-            <a:avLst/>
-          </a:prstGeom>
-        </p:spPr>
-        <p:style>
-          <a:lnRef idx="3">
-            <a:schemeClr val="dk1"/>
-          </a:lnRef>
-          <a:fillRef idx="0">
-            <a:schemeClr val="dk1"/>
-          </a:fillRef>
-          <a:effectRef idx="2">
-            <a:schemeClr val="dk1"/>
-          </a:effectRef>
-          <a:fontRef idx="minor">
-            <a:schemeClr val="tx1"/>
-          </a:fontRef>
-        </p:style>
-      </p:cxnSp>
-      <p:cxnSp>
-        <p:nvCxnSpPr>
-          <p:cNvPr id="53" name="Connecteur droit 52">
-            <a:extLst>
-              <a:ext uri="{FF2B5EF4-FFF2-40B4-BE49-F238E27FC236}">
-                <a16:creationId xmlns:a16="http://schemas.microsoft.com/office/drawing/2014/main" id="{BE0649BD-EE59-4DDA-960F-95B2572F9F13}"/>
-              </a:ext>
-            </a:extLst>
-          </p:cNvPr>
-          <p:cNvCxnSpPr>
-            <a:cxnSpLocks/>
-          </p:cNvCxnSpPr>
-          <p:nvPr/>
-        </p:nvCxnSpPr>
-        <p:spPr>
-          <a:xfrm>
-            <a:off x="9743203" y="949965"/>
-            <a:ext cx="1627266" cy="0"/>
-          </a:xfrm>
-          <a:prstGeom prst="line">
-            <a:avLst/>
-          </a:prstGeom>
-        </p:spPr>
-        <p:style>
-          <a:lnRef idx="3">
-            <a:schemeClr val="dk1"/>
-          </a:lnRef>
-          <a:fillRef idx="0">
-            <a:schemeClr val="dk1"/>
-          </a:fillRef>
-          <a:effectRef idx="2">
-            <a:schemeClr val="dk1"/>
-          </a:effectRef>
-          <a:fontRef idx="minor">
-            <a:schemeClr val="tx1"/>
-          </a:fontRef>
-        </p:style>
-      </p:cxnSp>
-      <p:cxnSp>
-        <p:nvCxnSpPr>
-          <p:cNvPr id="55" name="Connecteur droit 54">
-            <a:extLst>
-              <a:ext uri="{FF2B5EF4-FFF2-40B4-BE49-F238E27FC236}">
-                <a16:creationId xmlns:a16="http://schemas.microsoft.com/office/drawing/2014/main" id="{52AA9200-DAFA-4EEF-AC13-4C7CE82A59EC}"/>
-              </a:ext>
-            </a:extLst>
-          </p:cNvPr>
-          <p:cNvCxnSpPr>
-            <a:cxnSpLocks/>
-          </p:cNvCxnSpPr>
-          <p:nvPr/>
-        </p:nvCxnSpPr>
-        <p:spPr>
-          <a:xfrm>
-            <a:off x="11715750" y="454801"/>
-            <a:ext cx="476249" cy="10400"/>
-          </a:xfrm>
-          <a:prstGeom prst="line">
-            <a:avLst/>
-          </a:prstGeom>
-        </p:spPr>
-        <p:style>
-          <a:lnRef idx="3">
-            <a:schemeClr val="dk1"/>
-          </a:lnRef>
-          <a:fillRef idx="0">
-            <a:schemeClr val="dk1"/>
-          </a:fillRef>
-          <a:effectRef idx="2">
-            <a:schemeClr val="dk1"/>
-          </a:effectRef>
-          <a:fontRef idx="minor">
-            <a:schemeClr val="tx1"/>
-          </a:fontRef>
-        </p:style>
-      </p:cxnSp>
-      <p:cxnSp>
-        <p:nvCxnSpPr>
-          <p:cNvPr id="23" name="Connecteur droit 22">
-            <a:extLst>
-              <a:ext uri="{FF2B5EF4-FFF2-40B4-BE49-F238E27FC236}">
-                <a16:creationId xmlns:a16="http://schemas.microsoft.com/office/drawing/2014/main" id="{BCB092C8-0080-4E56-957E-0046D4C83988}"/>
-              </a:ext>
-            </a:extLst>
-          </p:cNvPr>
-          <p:cNvCxnSpPr>
-            <a:cxnSpLocks/>
-          </p:cNvCxnSpPr>
-          <p:nvPr/>
-        </p:nvCxnSpPr>
-        <p:spPr>
-          <a:xfrm flipH="1">
-            <a:off x="2216372" y="446356"/>
-            <a:ext cx="364332" cy="501657"/>
-          </a:xfrm>
-          <a:prstGeom prst="line">
-            <a:avLst/>
-          </a:prstGeom>
-        </p:spPr>
-        <p:style>
-          <a:lnRef idx="3">
-            <a:schemeClr val="dk1"/>
-          </a:lnRef>
-          <a:fillRef idx="0">
-            <a:schemeClr val="dk1"/>
-          </a:fillRef>
-          <a:effectRef idx="2">
-            <a:schemeClr val="dk1"/>
-          </a:effectRef>
-          <a:fontRef idx="minor">
-            <a:schemeClr val="tx1"/>
-          </a:fontRef>
-        </p:style>
-      </p:cxnSp>
-      <p:pic>
-        <p:nvPicPr>
-          <p:cNvPr id="57" name="Image 56">
-            <a:extLst>
-              <a:ext uri="{FF2B5EF4-FFF2-40B4-BE49-F238E27FC236}">
-                <a16:creationId xmlns:a16="http://schemas.microsoft.com/office/drawing/2014/main" id="{12B16FB2-5844-4B92-AE69-9BAC858C22BB}"/>
-              </a:ext>
-            </a:extLst>
-          </p:cNvPr>
-          <p:cNvPicPr>
-            <a:picLocks noChangeAspect="1"/>
-          </p:cNvPicPr>
-          <p:nvPr/>
-        </p:nvPicPr>
-        <p:blipFill>
-          <a:blip r:embed="rId3">
-            <a:extLst>
-              <a:ext uri="{28A0092B-C50C-407E-A947-70E740481C1C}">
-                <a14:useLocalDpi xmlns:a14="http://schemas.microsoft.com/office/drawing/2010/main" val="0"/>
-              </a:ext>
-            </a:extLst>
-          </a:blip>
-          <a:stretch>
-            <a:fillRect/>
-          </a:stretch>
-        </p:blipFill>
-        <p:spPr>
-          <a:xfrm>
-            <a:off x="9681085" y="238153"/>
-            <a:ext cx="1802101" cy="569807"/>
-          </a:xfrm>
-          <a:prstGeom prst="rect">
-            <a:avLst/>
-          </a:prstGeom>
-        </p:spPr>
-      </p:pic>
-      <p:cxnSp>
-        <p:nvCxnSpPr>
-          <p:cNvPr id="58" name="Connecteur droit 57">
-            <a:extLst>
-              <a:ext uri="{FF2B5EF4-FFF2-40B4-BE49-F238E27FC236}">
-                <a16:creationId xmlns:a16="http://schemas.microsoft.com/office/drawing/2014/main" id="{01599350-F8B0-4FDC-B003-981189A8D654}"/>
-              </a:ext>
-            </a:extLst>
-          </p:cNvPr>
-          <p:cNvCxnSpPr>
-            <a:cxnSpLocks/>
-          </p:cNvCxnSpPr>
-          <p:nvPr/>
-        </p:nvCxnSpPr>
-        <p:spPr>
-          <a:xfrm>
-            <a:off x="2573222" y="454803"/>
-            <a:ext cx="6829482" cy="10398"/>
-          </a:xfrm>
-          <a:prstGeom prst="line">
-            <a:avLst/>
-          </a:prstGeom>
-        </p:spPr>
-        <p:style>
-          <a:lnRef idx="3">
-            <a:schemeClr val="dk1"/>
-          </a:lnRef>
-          <a:fillRef idx="0">
-            <a:schemeClr val="dk1"/>
-          </a:fillRef>
-          <a:effectRef idx="2">
-            <a:schemeClr val="dk1"/>
-          </a:effectRef>
-          <a:fontRef idx="minor">
-            <a:schemeClr val="tx1"/>
-          </a:fontRef>
-        </p:style>
-      </p:cxnSp>
-      <p:cxnSp>
-        <p:nvCxnSpPr>
-          <p:cNvPr id="59" name="Connecteur droit 58">
-            <a:extLst>
-              <a:ext uri="{FF2B5EF4-FFF2-40B4-BE49-F238E27FC236}">
-                <a16:creationId xmlns:a16="http://schemas.microsoft.com/office/drawing/2014/main" id="{BC6E6150-6054-4785-84EC-0C46D82034C2}"/>
-              </a:ext>
-            </a:extLst>
-          </p:cNvPr>
-          <p:cNvCxnSpPr>
-            <a:cxnSpLocks/>
-          </p:cNvCxnSpPr>
-          <p:nvPr/>
-        </p:nvCxnSpPr>
-        <p:spPr>
-          <a:xfrm>
-            <a:off x="738231" y="454803"/>
-            <a:ext cx="344203" cy="484764"/>
-          </a:xfrm>
-          <a:prstGeom prst="line">
-            <a:avLst/>
-          </a:prstGeom>
-        </p:spPr>
-        <p:style>
-          <a:lnRef idx="3">
-            <a:schemeClr val="dk1"/>
-          </a:lnRef>
-          <a:fillRef idx="0">
-            <a:schemeClr val="dk1"/>
-          </a:fillRef>
-          <a:effectRef idx="2">
-            <a:schemeClr val="dk1"/>
-          </a:effectRef>
-          <a:fontRef idx="minor">
-            <a:schemeClr val="tx1"/>
-          </a:fontRef>
-        </p:style>
-      </p:cxnSp>
-      <p:cxnSp>
-        <p:nvCxnSpPr>
-          <p:cNvPr id="60" name="Connecteur droit 59">
-            <a:extLst>
-              <a:ext uri="{FF2B5EF4-FFF2-40B4-BE49-F238E27FC236}">
-                <a16:creationId xmlns:a16="http://schemas.microsoft.com/office/drawing/2014/main" id="{CBC9961A-8EC2-4287-A398-BCA4138D409D}"/>
-              </a:ext>
-            </a:extLst>
-          </p:cNvPr>
-          <p:cNvCxnSpPr>
-            <a:cxnSpLocks/>
-          </p:cNvCxnSpPr>
-          <p:nvPr/>
-        </p:nvCxnSpPr>
-        <p:spPr>
-          <a:xfrm>
-            <a:off x="1082434" y="938268"/>
-            <a:ext cx="1146585" cy="0"/>
-          </a:xfrm>
-          <a:prstGeom prst="line">
-            <a:avLst/>
-          </a:prstGeom>
-        </p:spPr>
-        <p:style>
-          <a:lnRef idx="3">
-            <a:schemeClr val="dk1"/>
-          </a:lnRef>
-          <a:fillRef idx="0">
-            <a:schemeClr val="dk1"/>
-          </a:fillRef>
-          <a:effectRef idx="2">
-            <a:schemeClr val="dk1"/>
-          </a:effectRef>
-          <a:fontRef idx="minor">
-            <a:schemeClr val="tx1"/>
-          </a:fontRef>
-        </p:style>
-      </p:cxnSp>
-      <p:cxnSp>
-        <p:nvCxnSpPr>
-          <p:cNvPr id="61" name="Connecteur droit 60">
-            <a:extLst>
-              <a:ext uri="{FF2B5EF4-FFF2-40B4-BE49-F238E27FC236}">
-                <a16:creationId xmlns:a16="http://schemas.microsoft.com/office/drawing/2014/main" id="{152B7C45-2543-4665-BC07-4DB71CA9F337}"/>
-              </a:ext>
-            </a:extLst>
-          </p:cNvPr>
-          <p:cNvCxnSpPr>
-            <a:cxnSpLocks/>
-          </p:cNvCxnSpPr>
-          <p:nvPr/>
-        </p:nvCxnSpPr>
-        <p:spPr>
-          <a:xfrm>
-            <a:off x="9402704" y="465201"/>
-            <a:ext cx="344203" cy="495163"/>
-          </a:xfrm>
-          <a:prstGeom prst="line">
-            <a:avLst/>
-          </a:prstGeom>
-        </p:spPr>
-        <p:style>
-          <a:lnRef idx="3">
-            <a:schemeClr val="dk1"/>
-          </a:lnRef>
-          <a:fillRef idx="0">
-            <a:schemeClr val="dk1"/>
-          </a:fillRef>
-          <a:effectRef idx="2">
-            <a:schemeClr val="dk1"/>
-          </a:effectRef>
-          <a:fontRef idx="minor">
-            <a:schemeClr val="tx1"/>
-          </a:fontRef>
-        </p:style>
-      </p:cxnSp>
-      <p:cxnSp>
-        <p:nvCxnSpPr>
-          <p:cNvPr id="62" name="Connecteur droit 61">
-            <a:extLst>
-              <a:ext uri="{FF2B5EF4-FFF2-40B4-BE49-F238E27FC236}">
-                <a16:creationId xmlns:a16="http://schemas.microsoft.com/office/drawing/2014/main" id="{00A84DC3-A112-46A3-B71C-04D85339323D}"/>
-              </a:ext>
-            </a:extLst>
-          </p:cNvPr>
-          <p:cNvCxnSpPr>
-            <a:cxnSpLocks/>
-          </p:cNvCxnSpPr>
-          <p:nvPr/>
-        </p:nvCxnSpPr>
-        <p:spPr>
-          <a:xfrm flipH="1">
-            <a:off x="11370469" y="448308"/>
-            <a:ext cx="364332" cy="501657"/>
-          </a:xfrm>
-          <a:prstGeom prst="line">
-            <a:avLst/>
-          </a:prstGeom>
-        </p:spPr>
-        <p:style>
-          <a:lnRef idx="3">
-            <a:schemeClr val="dk1"/>
-          </a:lnRef>
-          <a:fillRef idx="0">
-            <a:schemeClr val="dk1"/>
-          </a:fillRef>
-          <a:effectRef idx="2">
-            <a:schemeClr val="dk1"/>
-          </a:effectRef>
-          <a:fontRef idx="minor">
-            <a:schemeClr val="tx1"/>
-          </a:fontRef>
-        </p:style>
-      </p:cxnSp>
-      <p:cxnSp>
-        <p:nvCxnSpPr>
-          <p:cNvPr id="63" name="Connecteur droit 62">
-            <a:extLst>
-              <a:ext uri="{FF2B5EF4-FFF2-40B4-BE49-F238E27FC236}">
-                <a16:creationId xmlns:a16="http://schemas.microsoft.com/office/drawing/2014/main" id="{C50788C6-8F68-44EC-AB54-94C1D2FE554D}"/>
-              </a:ext>
-            </a:extLst>
-          </p:cNvPr>
-          <p:cNvCxnSpPr>
-            <a:cxnSpLocks/>
-          </p:cNvCxnSpPr>
-          <p:nvPr/>
-        </p:nvCxnSpPr>
-        <p:spPr>
-          <a:xfrm>
-            <a:off x="9743203" y="949965"/>
-            <a:ext cx="1627266" cy="0"/>
-          </a:xfrm>
-          <a:prstGeom prst="line">
-            <a:avLst/>
-          </a:prstGeom>
-        </p:spPr>
-        <p:style>
-          <a:lnRef idx="3">
-            <a:schemeClr val="dk1"/>
-          </a:lnRef>
-          <a:fillRef idx="0">
-            <a:schemeClr val="dk1"/>
-          </a:fillRef>
-          <a:effectRef idx="2">
-            <a:schemeClr val="dk1"/>
-          </a:effectRef>
-          <a:fontRef idx="minor">
-            <a:schemeClr val="tx1"/>
-          </a:fontRef>
-        </p:style>
-      </p:cxnSp>
-      <p:cxnSp>
-        <p:nvCxnSpPr>
-          <p:cNvPr id="64" name="Connecteur droit 63">
-            <a:extLst>
-              <a:ext uri="{FF2B5EF4-FFF2-40B4-BE49-F238E27FC236}">
-                <a16:creationId xmlns:a16="http://schemas.microsoft.com/office/drawing/2014/main" id="{BC4D4E5F-5636-45CB-873C-EC085AB307A3}"/>
-              </a:ext>
-            </a:extLst>
-          </p:cNvPr>
-          <p:cNvCxnSpPr>
-            <a:cxnSpLocks/>
-          </p:cNvCxnSpPr>
-          <p:nvPr/>
-        </p:nvCxnSpPr>
-        <p:spPr>
-          <a:xfrm>
-            <a:off x="11715750" y="454801"/>
-            <a:ext cx="476249" cy="10400"/>
-          </a:xfrm>
-          <a:prstGeom prst="line">
-            <a:avLst/>
-          </a:prstGeom>
-        </p:spPr>
-        <p:style>
-          <a:lnRef idx="3">
-            <a:schemeClr val="dk1"/>
-          </a:lnRef>
-          <a:fillRef idx="0">
-            <a:schemeClr val="dk1"/>
-          </a:fillRef>
-          <a:effectRef idx="2">
-            <a:schemeClr val="dk1"/>
-          </a:effectRef>
-          <a:fontRef idx="minor">
-            <a:schemeClr val="tx1"/>
-          </a:fontRef>
-        </p:style>
-      </p:cxnSp>
-      <p:cxnSp>
-        <p:nvCxnSpPr>
-          <p:cNvPr id="65" name="Connecteur droit 64">
-            <a:extLst>
-              <a:ext uri="{FF2B5EF4-FFF2-40B4-BE49-F238E27FC236}">
-                <a16:creationId xmlns:a16="http://schemas.microsoft.com/office/drawing/2014/main" id="{E6F6B4C5-0E3B-46C9-859D-EE774175D36F}"/>
-              </a:ext>
-            </a:extLst>
-          </p:cNvPr>
-          <p:cNvCxnSpPr>
-            <a:cxnSpLocks/>
-          </p:cNvCxnSpPr>
-          <p:nvPr/>
-        </p:nvCxnSpPr>
-        <p:spPr>
-          <a:xfrm flipH="1">
-            <a:off x="2216372" y="446356"/>
-            <a:ext cx="364332" cy="501657"/>
-          </a:xfrm>
-          <a:prstGeom prst="line">
-            <a:avLst/>
-          </a:prstGeom>
-        </p:spPr>
-        <p:style>
-          <a:lnRef idx="3">
-            <a:schemeClr val="dk1"/>
-          </a:lnRef>
-          <a:fillRef idx="0">
-            <a:schemeClr val="dk1"/>
-          </a:fillRef>
-          <a:effectRef idx="2">
-            <a:schemeClr val="dk1"/>
-          </a:effectRef>
-          <a:fontRef idx="minor">
-            <a:schemeClr val="tx1"/>
-          </a:fontRef>
-        </p:style>
-      </p:cxnSp>
-      <p:sp>
-        <p:nvSpPr>
-          <p:cNvPr id="2" name="ZoneTexte 1">
-            <a:extLst>
-              <a:ext uri="{FF2B5EF4-FFF2-40B4-BE49-F238E27FC236}">
-                <a16:creationId xmlns:a16="http://schemas.microsoft.com/office/drawing/2014/main" id="{27396238-7A76-4B8F-981D-280A71EC12F4}"/>
-              </a:ext>
-            </a:extLst>
-          </p:cNvPr>
-          <p:cNvSpPr txBox="1"/>
-          <p:nvPr/>
-        </p:nvSpPr>
-        <p:spPr>
-          <a:xfrm>
-            <a:off x="3228837" y="553547"/>
-            <a:ext cx="4675598" cy="769441"/>
-          </a:xfrm>
-          <a:prstGeom prst="rect">
-            <a:avLst/>
-          </a:prstGeom>
-          <a:noFill/>
-        </p:spPr>
-        <p:txBody>
-          <a:bodyPr wrap="square" rtlCol="0">
-            <a:spAutoFit/>
-          </a:bodyPr>
-          <a:lstStyle/>
-          <a:p>
-            <a:r>
-              <a:rPr lang="fr-FR" sz="4400" dirty="0">
-                <a:latin typeface="Berlin Sans FB" panose="020E0602020502020306" pitchFamily="34" charset="0"/>
-              </a:rPr>
-              <a:t>Base de données</a:t>
-            </a:r>
-          </a:p>
-        </p:txBody>
-      </p:sp>
-      <p:pic>
-        <p:nvPicPr>
-          <p:cNvPr id="11" name="Image 10">
-            <a:extLst>
-              <a:ext uri="{FF2B5EF4-FFF2-40B4-BE49-F238E27FC236}">
-                <a16:creationId xmlns:a16="http://schemas.microsoft.com/office/drawing/2014/main" id="{86B33DD6-7E4D-4C02-A197-909EE2B10B7B}"/>
-              </a:ext>
-            </a:extLst>
-          </p:cNvPr>
-          <p:cNvPicPr>
-            <a:picLocks noChangeAspect="1"/>
-          </p:cNvPicPr>
-          <p:nvPr/>
-        </p:nvPicPr>
-        <p:blipFill>
-          <a:blip r:embed="rId4">
-            <a:extLst>
-              <a:ext uri="{28A0092B-C50C-407E-A947-70E740481C1C}">
-                <a14:useLocalDpi xmlns:a14="http://schemas.microsoft.com/office/drawing/2010/main" val="0"/>
-              </a:ext>
-            </a:extLst>
-          </a:blip>
-          <a:stretch>
-            <a:fillRect/>
-          </a:stretch>
-        </p:blipFill>
-        <p:spPr>
-          <a:xfrm>
-            <a:off x="1433191" y="1642187"/>
-            <a:ext cx="9620500" cy="4627983"/>
-          </a:xfrm>
-          <a:prstGeom prst="rect">
-            <a:avLst/>
-          </a:prstGeom>
-        </p:spPr>
-      </p:pic>
-    </p:spTree>
-    <p:extLst>
-      <p:ext uri="{BB962C8B-B14F-4D97-AF65-F5344CB8AC3E}">
-        <p14:creationId xmlns:p14="http://schemas.microsoft.com/office/powerpoint/2010/main" val="3188051435"/>
-      </p:ext>
-    </p:extLst>
-  </p:cSld>
-  <p:clrMapOvr>
-    <a:masterClrMapping/>
-  </p:clrMapOvr>
-  <mc:AlternateContent xmlns:mc="http://schemas.openxmlformats.org/markup-compatibility/2006" xmlns:p14="http://schemas.microsoft.com/office/powerpoint/2010/main">
-    <mc:Choice Requires="p14">
-      <p:transition spd="slow">
-        <p14:reveal/>
-      </p:transition>
-    </mc:Choice>
-    <mc:Fallback xmlns="">
-      <p:transition spd="slow">
-        <p:fade/>
-      </p:transition>
-    </mc:Fallback>
-  </mc:AlternateContent>
-</p:sld>
-</file>
-
-<file path=ppt/slides/slide11.xml><?xml version="1.0" encoding="utf-8"?>
 <p:sld xmlns:a="http://schemas.openxmlformats.org/drawingml/2006/main" xmlns:r="http://schemas.openxmlformats.org/officeDocument/2006/relationships" xmlns:p="http://schemas.openxmlformats.org/presentationml/2006/main">
   <p:cSld>
     <p:spTree>
@@ -7083,7 +6213,7 @@
 </p:sld>
 </file>
 
-<file path=ppt/slides/slide12.xml><?xml version="1.0" encoding="utf-8"?>
+<file path=ppt/slides/slide11.xml><?xml version="1.0" encoding="utf-8"?>
 <p:sld xmlns:a="http://schemas.openxmlformats.org/drawingml/2006/main" xmlns:r="http://schemas.openxmlformats.org/officeDocument/2006/relationships" xmlns:p="http://schemas.openxmlformats.org/presentationml/2006/main">
   <p:cSld>
     <p:spTree>
@@ -8059,7 +7189,7 @@
 </p:sld>
 </file>
 
-<file path=ppt/slides/slide13.xml><?xml version="1.0" encoding="utf-8"?>
+<file path=ppt/slides/slide12.xml><?xml version="1.0" encoding="utf-8"?>
 <p:sld xmlns:a="http://schemas.openxmlformats.org/drawingml/2006/main" xmlns:r="http://schemas.openxmlformats.org/officeDocument/2006/relationships" xmlns:p="http://schemas.openxmlformats.org/presentationml/2006/main">
   <p:cSld>
     <p:spTree>
@@ -8892,7 +8022,7 @@
 </p:sld>
 </file>
 
-<file path=ppt/slides/slide14.xml><?xml version="1.0" encoding="utf-8"?>
+<file path=ppt/slides/slide13.xml><?xml version="1.0" encoding="utf-8"?>
 <p:sld xmlns:a="http://schemas.openxmlformats.org/drawingml/2006/main" xmlns:r="http://schemas.openxmlformats.org/officeDocument/2006/relationships" xmlns:p="http://schemas.openxmlformats.org/presentationml/2006/main">
   <p:cSld>
     <p:spTree>
@@ -14863,12 +13993,388 @@
           </a:fontRef>
         </p:style>
       </p:cxnSp>
+      <p:pic>
+        <p:nvPicPr>
+          <p:cNvPr id="57" name="Image 56">
+            <a:extLst>
+              <a:ext uri="{FF2B5EF4-FFF2-40B4-BE49-F238E27FC236}">
+                <a16:creationId xmlns:a16="http://schemas.microsoft.com/office/drawing/2014/main" id="{12B16FB2-5844-4B92-AE69-9BAC858C22BB}"/>
+              </a:ext>
+            </a:extLst>
+          </p:cNvPr>
+          <p:cNvPicPr>
+            <a:picLocks noChangeAspect="1"/>
+          </p:cNvPicPr>
+          <p:nvPr/>
+        </p:nvPicPr>
+        <p:blipFill>
+          <a:blip r:embed="rId3">
+            <a:extLst>
+              <a:ext uri="{28A0092B-C50C-407E-A947-70E740481C1C}">
+                <a14:useLocalDpi xmlns:a14="http://schemas.microsoft.com/office/drawing/2010/main" val="0"/>
+              </a:ext>
+            </a:extLst>
+          </a:blip>
+          <a:stretch>
+            <a:fillRect/>
+          </a:stretch>
+        </p:blipFill>
+        <p:spPr>
+          <a:xfrm>
+            <a:off x="9681085" y="238153"/>
+            <a:ext cx="1802101" cy="569807"/>
+          </a:xfrm>
+          <a:prstGeom prst="rect">
+            <a:avLst/>
+          </a:prstGeom>
+        </p:spPr>
+      </p:pic>
+      <p:cxnSp>
+        <p:nvCxnSpPr>
+          <p:cNvPr id="58" name="Connecteur droit 57">
+            <a:extLst>
+              <a:ext uri="{FF2B5EF4-FFF2-40B4-BE49-F238E27FC236}">
+                <a16:creationId xmlns:a16="http://schemas.microsoft.com/office/drawing/2014/main" id="{01599350-F8B0-4FDC-B003-981189A8D654}"/>
+              </a:ext>
+            </a:extLst>
+          </p:cNvPr>
+          <p:cNvCxnSpPr>
+            <a:cxnSpLocks/>
+          </p:cNvCxnSpPr>
+          <p:nvPr/>
+        </p:nvCxnSpPr>
+        <p:spPr>
+          <a:xfrm>
+            <a:off x="2573222" y="454803"/>
+            <a:ext cx="6829482" cy="10398"/>
+          </a:xfrm>
+          <a:prstGeom prst="line">
+            <a:avLst/>
+          </a:prstGeom>
+        </p:spPr>
+        <p:style>
+          <a:lnRef idx="3">
+            <a:schemeClr val="dk1"/>
+          </a:lnRef>
+          <a:fillRef idx="0">
+            <a:schemeClr val="dk1"/>
+          </a:fillRef>
+          <a:effectRef idx="2">
+            <a:schemeClr val="dk1"/>
+          </a:effectRef>
+          <a:fontRef idx="minor">
+            <a:schemeClr val="tx1"/>
+          </a:fontRef>
+        </p:style>
+      </p:cxnSp>
+      <p:cxnSp>
+        <p:nvCxnSpPr>
+          <p:cNvPr id="59" name="Connecteur droit 58">
+            <a:extLst>
+              <a:ext uri="{FF2B5EF4-FFF2-40B4-BE49-F238E27FC236}">
+                <a16:creationId xmlns:a16="http://schemas.microsoft.com/office/drawing/2014/main" id="{BC6E6150-6054-4785-84EC-0C46D82034C2}"/>
+              </a:ext>
+            </a:extLst>
+          </p:cNvPr>
+          <p:cNvCxnSpPr>
+            <a:cxnSpLocks/>
+          </p:cNvCxnSpPr>
+          <p:nvPr/>
+        </p:nvCxnSpPr>
+        <p:spPr>
+          <a:xfrm>
+            <a:off x="738231" y="454803"/>
+            <a:ext cx="344203" cy="484764"/>
+          </a:xfrm>
+          <a:prstGeom prst="line">
+            <a:avLst/>
+          </a:prstGeom>
+        </p:spPr>
+        <p:style>
+          <a:lnRef idx="3">
+            <a:schemeClr val="dk1"/>
+          </a:lnRef>
+          <a:fillRef idx="0">
+            <a:schemeClr val="dk1"/>
+          </a:fillRef>
+          <a:effectRef idx="2">
+            <a:schemeClr val="dk1"/>
+          </a:effectRef>
+          <a:fontRef idx="minor">
+            <a:schemeClr val="tx1"/>
+          </a:fontRef>
+        </p:style>
+      </p:cxnSp>
+      <p:cxnSp>
+        <p:nvCxnSpPr>
+          <p:cNvPr id="60" name="Connecteur droit 59">
+            <a:extLst>
+              <a:ext uri="{FF2B5EF4-FFF2-40B4-BE49-F238E27FC236}">
+                <a16:creationId xmlns:a16="http://schemas.microsoft.com/office/drawing/2014/main" id="{CBC9961A-8EC2-4287-A398-BCA4138D409D}"/>
+              </a:ext>
+            </a:extLst>
+          </p:cNvPr>
+          <p:cNvCxnSpPr>
+            <a:cxnSpLocks/>
+          </p:cNvCxnSpPr>
+          <p:nvPr/>
+        </p:nvCxnSpPr>
+        <p:spPr>
+          <a:xfrm>
+            <a:off x="1082434" y="938268"/>
+            <a:ext cx="1146585" cy="0"/>
+          </a:xfrm>
+          <a:prstGeom prst="line">
+            <a:avLst/>
+          </a:prstGeom>
+        </p:spPr>
+        <p:style>
+          <a:lnRef idx="3">
+            <a:schemeClr val="dk1"/>
+          </a:lnRef>
+          <a:fillRef idx="0">
+            <a:schemeClr val="dk1"/>
+          </a:fillRef>
+          <a:effectRef idx="2">
+            <a:schemeClr val="dk1"/>
+          </a:effectRef>
+          <a:fontRef idx="minor">
+            <a:schemeClr val="tx1"/>
+          </a:fontRef>
+        </p:style>
+      </p:cxnSp>
+      <p:cxnSp>
+        <p:nvCxnSpPr>
+          <p:cNvPr id="61" name="Connecteur droit 60">
+            <a:extLst>
+              <a:ext uri="{FF2B5EF4-FFF2-40B4-BE49-F238E27FC236}">
+                <a16:creationId xmlns:a16="http://schemas.microsoft.com/office/drawing/2014/main" id="{152B7C45-2543-4665-BC07-4DB71CA9F337}"/>
+              </a:ext>
+            </a:extLst>
+          </p:cNvPr>
+          <p:cNvCxnSpPr>
+            <a:cxnSpLocks/>
+          </p:cNvCxnSpPr>
+          <p:nvPr/>
+        </p:nvCxnSpPr>
+        <p:spPr>
+          <a:xfrm>
+            <a:off x="9402704" y="465201"/>
+            <a:ext cx="344203" cy="495163"/>
+          </a:xfrm>
+          <a:prstGeom prst="line">
+            <a:avLst/>
+          </a:prstGeom>
+        </p:spPr>
+        <p:style>
+          <a:lnRef idx="3">
+            <a:schemeClr val="dk1"/>
+          </a:lnRef>
+          <a:fillRef idx="0">
+            <a:schemeClr val="dk1"/>
+          </a:fillRef>
+          <a:effectRef idx="2">
+            <a:schemeClr val="dk1"/>
+          </a:effectRef>
+          <a:fontRef idx="minor">
+            <a:schemeClr val="tx1"/>
+          </a:fontRef>
+        </p:style>
+      </p:cxnSp>
+      <p:cxnSp>
+        <p:nvCxnSpPr>
+          <p:cNvPr id="62" name="Connecteur droit 61">
+            <a:extLst>
+              <a:ext uri="{FF2B5EF4-FFF2-40B4-BE49-F238E27FC236}">
+                <a16:creationId xmlns:a16="http://schemas.microsoft.com/office/drawing/2014/main" id="{00A84DC3-A112-46A3-B71C-04D85339323D}"/>
+              </a:ext>
+            </a:extLst>
+          </p:cNvPr>
+          <p:cNvCxnSpPr>
+            <a:cxnSpLocks/>
+          </p:cNvCxnSpPr>
+          <p:nvPr/>
+        </p:nvCxnSpPr>
+        <p:spPr>
+          <a:xfrm flipH="1">
+            <a:off x="11370469" y="448308"/>
+            <a:ext cx="364332" cy="501657"/>
+          </a:xfrm>
+          <a:prstGeom prst="line">
+            <a:avLst/>
+          </a:prstGeom>
+        </p:spPr>
+        <p:style>
+          <a:lnRef idx="3">
+            <a:schemeClr val="dk1"/>
+          </a:lnRef>
+          <a:fillRef idx="0">
+            <a:schemeClr val="dk1"/>
+          </a:fillRef>
+          <a:effectRef idx="2">
+            <a:schemeClr val="dk1"/>
+          </a:effectRef>
+          <a:fontRef idx="minor">
+            <a:schemeClr val="tx1"/>
+          </a:fontRef>
+        </p:style>
+      </p:cxnSp>
+      <p:cxnSp>
+        <p:nvCxnSpPr>
+          <p:cNvPr id="63" name="Connecteur droit 62">
+            <a:extLst>
+              <a:ext uri="{FF2B5EF4-FFF2-40B4-BE49-F238E27FC236}">
+                <a16:creationId xmlns:a16="http://schemas.microsoft.com/office/drawing/2014/main" id="{C50788C6-8F68-44EC-AB54-94C1D2FE554D}"/>
+              </a:ext>
+            </a:extLst>
+          </p:cNvPr>
+          <p:cNvCxnSpPr>
+            <a:cxnSpLocks/>
+          </p:cNvCxnSpPr>
+          <p:nvPr/>
+        </p:nvCxnSpPr>
+        <p:spPr>
+          <a:xfrm>
+            <a:off x="9743203" y="949965"/>
+            <a:ext cx="1627266" cy="0"/>
+          </a:xfrm>
+          <a:prstGeom prst="line">
+            <a:avLst/>
+          </a:prstGeom>
+        </p:spPr>
+        <p:style>
+          <a:lnRef idx="3">
+            <a:schemeClr val="dk1"/>
+          </a:lnRef>
+          <a:fillRef idx="0">
+            <a:schemeClr val="dk1"/>
+          </a:fillRef>
+          <a:effectRef idx="2">
+            <a:schemeClr val="dk1"/>
+          </a:effectRef>
+          <a:fontRef idx="minor">
+            <a:schemeClr val="tx1"/>
+          </a:fontRef>
+        </p:style>
+      </p:cxnSp>
+      <p:cxnSp>
+        <p:nvCxnSpPr>
+          <p:cNvPr id="64" name="Connecteur droit 63">
+            <a:extLst>
+              <a:ext uri="{FF2B5EF4-FFF2-40B4-BE49-F238E27FC236}">
+                <a16:creationId xmlns:a16="http://schemas.microsoft.com/office/drawing/2014/main" id="{BC4D4E5F-5636-45CB-873C-EC085AB307A3}"/>
+              </a:ext>
+            </a:extLst>
+          </p:cNvPr>
+          <p:cNvCxnSpPr>
+            <a:cxnSpLocks/>
+          </p:cNvCxnSpPr>
+          <p:nvPr/>
+        </p:nvCxnSpPr>
+        <p:spPr>
+          <a:xfrm>
+            <a:off x="11715750" y="454801"/>
+            <a:ext cx="476249" cy="10400"/>
+          </a:xfrm>
+          <a:prstGeom prst="line">
+            <a:avLst/>
+          </a:prstGeom>
+        </p:spPr>
+        <p:style>
+          <a:lnRef idx="3">
+            <a:schemeClr val="dk1"/>
+          </a:lnRef>
+          <a:fillRef idx="0">
+            <a:schemeClr val="dk1"/>
+          </a:fillRef>
+          <a:effectRef idx="2">
+            <a:schemeClr val="dk1"/>
+          </a:effectRef>
+          <a:fontRef idx="minor">
+            <a:schemeClr val="tx1"/>
+          </a:fontRef>
+        </p:style>
+      </p:cxnSp>
+      <p:cxnSp>
+        <p:nvCxnSpPr>
+          <p:cNvPr id="65" name="Connecteur droit 64">
+            <a:extLst>
+              <a:ext uri="{FF2B5EF4-FFF2-40B4-BE49-F238E27FC236}">
+                <a16:creationId xmlns:a16="http://schemas.microsoft.com/office/drawing/2014/main" id="{E6F6B4C5-0E3B-46C9-859D-EE774175D36F}"/>
+              </a:ext>
+            </a:extLst>
+          </p:cNvPr>
+          <p:cNvCxnSpPr>
+            <a:cxnSpLocks/>
+          </p:cNvCxnSpPr>
+          <p:nvPr/>
+        </p:nvCxnSpPr>
+        <p:spPr>
+          <a:xfrm flipH="1">
+            <a:off x="2216372" y="446356"/>
+            <a:ext cx="364332" cy="501657"/>
+          </a:xfrm>
+          <a:prstGeom prst="line">
+            <a:avLst/>
+          </a:prstGeom>
+        </p:spPr>
+        <p:style>
+          <a:lnRef idx="3">
+            <a:schemeClr val="dk1"/>
+          </a:lnRef>
+          <a:fillRef idx="0">
+            <a:schemeClr val="dk1"/>
+          </a:fillRef>
+          <a:effectRef idx="2">
+            <a:schemeClr val="dk1"/>
+          </a:effectRef>
+          <a:fontRef idx="minor">
+            <a:schemeClr val="tx1"/>
+          </a:fontRef>
+        </p:style>
+      </p:cxnSp>
+      <p:pic>
+        <p:nvPicPr>
+          <p:cNvPr id="24" name="Image 23">
+            <a:extLst>
+              <a:ext uri="{FF2B5EF4-FFF2-40B4-BE49-F238E27FC236}">
+                <a16:creationId xmlns:a16="http://schemas.microsoft.com/office/drawing/2014/main" id="{7A11CD42-93A2-4CE9-8917-661C6FDC8EB2}"/>
+              </a:ext>
+            </a:extLst>
+          </p:cNvPr>
+          <p:cNvPicPr>
+            <a:picLocks noChangeAspect="1"/>
+          </p:cNvPicPr>
+          <p:nvPr/>
+        </p:nvPicPr>
+        <p:blipFill>
+          <a:blip r:embed="rId4">
+            <a:extLst>
+              <a:ext uri="{28A0092B-C50C-407E-A947-70E740481C1C}">
+                <a14:useLocalDpi xmlns:a14="http://schemas.microsoft.com/office/drawing/2010/main" val="0"/>
+              </a:ext>
+            </a:extLst>
+          </a:blip>
+          <a:stretch>
+            <a:fillRect/>
+          </a:stretch>
+        </p:blipFill>
+        <p:spPr>
+          <a:xfrm>
+            <a:off x="1655727" y="2046914"/>
+            <a:ext cx="7028292" cy="4777614"/>
+          </a:xfrm>
+          <a:prstGeom prst="rect">
+            <a:avLst/>
+          </a:prstGeom>
+        </p:spPr>
+      </p:pic>
       <p:sp>
         <p:nvSpPr>
-          <p:cNvPr id="3" name="ZoneTexte 2">
-            <a:extLst>
-              <a:ext uri="{FF2B5EF4-FFF2-40B4-BE49-F238E27FC236}">
-                <a16:creationId xmlns:a16="http://schemas.microsoft.com/office/drawing/2014/main" id="{DCCD1615-1755-47F7-AF0B-75E932931245}"/>
+          <p:cNvPr id="4" name="ZoneTexte 3">
+            <a:extLst>
+              <a:ext uri="{FF2B5EF4-FFF2-40B4-BE49-F238E27FC236}">
+                <a16:creationId xmlns:a16="http://schemas.microsoft.com/office/drawing/2014/main" id="{E77BD0C0-B104-436D-A198-D80CD647A659}"/>
               </a:ext>
             </a:extLst>
           </p:cNvPr>
@@ -14877,43 +14383,8 @@
         </p:nvSpPr>
         <p:spPr>
           <a:xfrm>
-            <a:off x="1156800" y="3143689"/>
-            <a:ext cx="2695434" cy="646331"/>
-          </a:xfrm>
-          <a:prstGeom prst="rect">
-            <a:avLst/>
-          </a:prstGeom>
-          <a:noFill/>
-        </p:spPr>
-        <p:txBody>
-          <a:bodyPr wrap="square" rtlCol="0">
-            <a:spAutoFit/>
-          </a:bodyPr>
-          <a:lstStyle/>
-          <a:p>
-            <a:endParaRPr lang="fr-FR" dirty="0"/>
-          </a:p>
-          <a:p>
-            <a:endParaRPr lang="fr-FR" dirty="0"/>
-          </a:p>
-        </p:txBody>
-      </p:sp>
-      <p:sp>
-        <p:nvSpPr>
-          <p:cNvPr id="9" name="ZoneTexte 8">
-            <a:extLst>
-              <a:ext uri="{FF2B5EF4-FFF2-40B4-BE49-F238E27FC236}">
-                <a16:creationId xmlns:a16="http://schemas.microsoft.com/office/drawing/2014/main" id="{82010251-0AD2-4DAA-8E6B-7CA6A2301A9E}"/>
-              </a:ext>
-            </a:extLst>
-          </p:cNvPr>
-          <p:cNvSpPr txBox="1"/>
-          <p:nvPr/>
-        </p:nvSpPr>
-        <p:spPr>
-          <a:xfrm>
-            <a:off x="3362957" y="583565"/>
-            <a:ext cx="7253761" cy="769441"/>
+            <a:off x="2988527" y="691412"/>
+            <a:ext cx="6243927" cy="1446550"/>
           </a:xfrm>
           <a:prstGeom prst="rect">
             <a:avLst/>
@@ -14930,427 +14401,15 @@
               <a:rPr lang="fr-FR" sz="4400" dirty="0">
                 <a:latin typeface="Berlin Sans FB" panose="020E0602020502020306" pitchFamily="34" charset="0"/>
               </a:rPr>
-              <a:t>Partie Personnelle</a:t>
+              <a:t>Diagramme de cas d’utilisation</a:t>
             </a:r>
           </a:p>
         </p:txBody>
       </p:sp>
-      <p:pic>
-        <p:nvPicPr>
-          <p:cNvPr id="29" name="Image 28">
-            <a:extLst>
-              <a:ext uri="{FF2B5EF4-FFF2-40B4-BE49-F238E27FC236}">
-                <a16:creationId xmlns:a16="http://schemas.microsoft.com/office/drawing/2014/main" id="{209747D1-F6E3-409A-B896-B03CE9516BF8}"/>
-              </a:ext>
-            </a:extLst>
-          </p:cNvPr>
-          <p:cNvPicPr>
-            <a:picLocks noChangeAspect="1"/>
-          </p:cNvPicPr>
-          <p:nvPr/>
-        </p:nvPicPr>
-        <p:blipFill>
-          <a:blip r:embed="rId4">
-            <a:extLst>
-              <a:ext uri="{28A0092B-C50C-407E-A947-70E740481C1C}">
-                <a14:useLocalDpi xmlns:a14="http://schemas.microsoft.com/office/drawing/2010/main" val="0"/>
-              </a:ext>
-            </a:extLst>
-          </a:blip>
-          <a:stretch>
-            <a:fillRect/>
-          </a:stretch>
-        </p:blipFill>
-        <p:spPr>
-          <a:xfrm>
-            <a:off x="6719022" y="2512865"/>
-            <a:ext cx="728101" cy="728101"/>
-          </a:xfrm>
-          <a:prstGeom prst="rect">
-            <a:avLst/>
-          </a:prstGeom>
-        </p:spPr>
-      </p:pic>
-      <p:pic>
-        <p:nvPicPr>
-          <p:cNvPr id="25" name="Image 24">
-            <a:extLst>
-              <a:ext uri="{FF2B5EF4-FFF2-40B4-BE49-F238E27FC236}">
-                <a16:creationId xmlns:a16="http://schemas.microsoft.com/office/drawing/2014/main" id="{93BBF0E5-204B-42FF-9A5D-235230C6F27F}"/>
-              </a:ext>
-            </a:extLst>
-          </p:cNvPr>
-          <p:cNvPicPr>
-            <a:picLocks noChangeAspect="1"/>
-          </p:cNvPicPr>
-          <p:nvPr/>
-        </p:nvPicPr>
-        <p:blipFill>
-          <a:blip r:embed="rId5">
-            <a:extLst>
-              <a:ext uri="{28A0092B-C50C-407E-A947-70E740481C1C}">
-                <a14:useLocalDpi xmlns:a14="http://schemas.microsoft.com/office/drawing/2010/main" val="0"/>
-              </a:ext>
-            </a:extLst>
-          </a:blip>
-          <a:stretch>
-            <a:fillRect/>
-          </a:stretch>
-        </p:blipFill>
-        <p:spPr>
-          <a:xfrm>
-            <a:off x="6959469" y="3772894"/>
-            <a:ext cx="487653" cy="487653"/>
-          </a:xfrm>
-          <a:prstGeom prst="rect">
-            <a:avLst/>
-          </a:prstGeom>
-        </p:spPr>
-      </p:pic>
-      <p:pic>
-        <p:nvPicPr>
-          <p:cNvPr id="35" name="Image 34">
-            <a:extLst>
-              <a:ext uri="{FF2B5EF4-FFF2-40B4-BE49-F238E27FC236}">
-                <a16:creationId xmlns:a16="http://schemas.microsoft.com/office/drawing/2014/main" id="{3AA4106B-4FA4-4D66-995F-237DE6EAEF75}"/>
-              </a:ext>
-            </a:extLst>
-          </p:cNvPr>
-          <p:cNvPicPr>
-            <a:picLocks noChangeAspect="1"/>
-          </p:cNvPicPr>
-          <p:nvPr/>
-        </p:nvPicPr>
-        <p:blipFill>
-          <a:blip r:embed="rId6">
-            <a:extLst>
-              <a:ext uri="{28A0092B-C50C-407E-A947-70E740481C1C}">
-                <a14:useLocalDpi xmlns:a14="http://schemas.microsoft.com/office/drawing/2010/main" val="0"/>
-              </a:ext>
-            </a:extLst>
-          </a:blip>
-          <a:stretch>
-            <a:fillRect/>
-          </a:stretch>
-        </p:blipFill>
-        <p:spPr>
-          <a:xfrm>
-            <a:off x="7215446" y="4929137"/>
-            <a:ext cx="527336" cy="527336"/>
-          </a:xfrm>
-          <a:prstGeom prst="rect">
-            <a:avLst/>
-          </a:prstGeom>
-        </p:spPr>
-      </p:pic>
-      <p:pic>
-        <p:nvPicPr>
-          <p:cNvPr id="4" name="Image 3">
-            <a:extLst>
-              <a:ext uri="{FF2B5EF4-FFF2-40B4-BE49-F238E27FC236}">
-                <a16:creationId xmlns:a16="http://schemas.microsoft.com/office/drawing/2014/main" id="{225101B9-36CD-4BE6-A596-45C653C1A0BF}"/>
-              </a:ext>
-            </a:extLst>
-          </p:cNvPr>
-          <p:cNvPicPr>
-            <a:picLocks noChangeAspect="1"/>
-          </p:cNvPicPr>
-          <p:nvPr/>
-        </p:nvPicPr>
-        <p:blipFill>
-          <a:blip r:embed="rId7">
-            <a:extLst>
-              <a:ext uri="{28A0092B-C50C-407E-A947-70E740481C1C}">
-                <a14:useLocalDpi xmlns:a14="http://schemas.microsoft.com/office/drawing/2010/main" val="0"/>
-              </a:ext>
-            </a:extLst>
-          </a:blip>
-          <a:stretch>
-            <a:fillRect/>
-          </a:stretch>
-        </p:blipFill>
-        <p:spPr>
-          <a:xfrm>
-            <a:off x="7086558" y="4322761"/>
-            <a:ext cx="487653" cy="487653"/>
-          </a:xfrm>
-          <a:prstGeom prst="rect">
-            <a:avLst/>
-          </a:prstGeom>
-        </p:spPr>
-      </p:pic>
-      <p:sp>
-        <p:nvSpPr>
-          <p:cNvPr id="2" name="ZoneTexte 1">
-            <a:extLst>
-              <a:ext uri="{FF2B5EF4-FFF2-40B4-BE49-F238E27FC236}">
-                <a16:creationId xmlns:a16="http://schemas.microsoft.com/office/drawing/2014/main" id="{05E036AC-ACE8-48BF-BBAF-B4AEC36D3108}"/>
-              </a:ext>
-            </a:extLst>
-          </p:cNvPr>
-          <p:cNvSpPr txBox="1"/>
-          <p:nvPr/>
-        </p:nvSpPr>
-        <p:spPr>
-          <a:xfrm>
-            <a:off x="3041778" y="2692250"/>
-            <a:ext cx="3322041" cy="369332"/>
-          </a:xfrm>
-          <a:prstGeom prst="rect">
-            <a:avLst/>
-          </a:prstGeom>
-          <a:noFill/>
-        </p:spPr>
-        <p:txBody>
-          <a:bodyPr wrap="square" rtlCol="0">
-            <a:spAutoFit/>
-          </a:bodyPr>
-          <a:lstStyle/>
-          <a:p>
-            <a:pPr marL="285750" indent="-285750">
-              <a:buFontTx/>
-              <a:buChar char="-"/>
-            </a:pPr>
-            <a:r>
-              <a:rPr lang="fr-FR" dirty="0"/>
-              <a:t>Démarrer l'acquisition</a:t>
-            </a:r>
-          </a:p>
-        </p:txBody>
-      </p:sp>
-      <p:sp>
-        <p:nvSpPr>
-          <p:cNvPr id="5" name="ZoneTexte 4">
-            <a:extLst>
-              <a:ext uri="{FF2B5EF4-FFF2-40B4-BE49-F238E27FC236}">
-                <a16:creationId xmlns:a16="http://schemas.microsoft.com/office/drawing/2014/main" id="{542281A4-00AF-4DEE-83C9-52B2A9F880D0}"/>
-              </a:ext>
-            </a:extLst>
-          </p:cNvPr>
-          <p:cNvSpPr txBox="1"/>
-          <p:nvPr/>
-        </p:nvSpPr>
-        <p:spPr>
-          <a:xfrm>
-            <a:off x="3041778" y="3264661"/>
-            <a:ext cx="3250607" cy="646331"/>
-          </a:xfrm>
-          <a:prstGeom prst="rect">
-            <a:avLst/>
-          </a:prstGeom>
-          <a:noFill/>
-        </p:spPr>
-        <p:txBody>
-          <a:bodyPr wrap="square" rtlCol="0">
-            <a:spAutoFit/>
-          </a:bodyPr>
-          <a:lstStyle/>
-          <a:p>
-            <a:r>
-              <a:rPr lang="fr-FR" dirty="0"/>
-              <a:t>-    Mesurer la direction du vent</a:t>
-            </a:r>
-          </a:p>
-          <a:p>
-            <a:endParaRPr lang="fr-FR" dirty="0"/>
-          </a:p>
-        </p:txBody>
-      </p:sp>
-      <p:sp>
-        <p:nvSpPr>
-          <p:cNvPr id="6" name="ZoneTexte 5">
-            <a:extLst>
-              <a:ext uri="{FF2B5EF4-FFF2-40B4-BE49-F238E27FC236}">
-                <a16:creationId xmlns:a16="http://schemas.microsoft.com/office/drawing/2014/main" id="{7850E2D6-F8C4-40F5-98CF-62074DCA6F4B}"/>
-              </a:ext>
-            </a:extLst>
-          </p:cNvPr>
-          <p:cNvSpPr txBox="1"/>
-          <p:nvPr/>
-        </p:nvSpPr>
-        <p:spPr>
-          <a:xfrm>
-            <a:off x="3041778" y="3854470"/>
-            <a:ext cx="2861108" cy="646331"/>
-          </a:xfrm>
-          <a:prstGeom prst="rect">
-            <a:avLst/>
-          </a:prstGeom>
-          <a:noFill/>
-        </p:spPr>
-        <p:txBody>
-          <a:bodyPr wrap="square" rtlCol="0">
-            <a:spAutoFit/>
-          </a:bodyPr>
-          <a:lstStyle/>
-          <a:p>
-            <a:r>
-              <a:rPr lang="fr-FR" dirty="0"/>
-              <a:t>-    Mesurer la force du vent</a:t>
-            </a:r>
-          </a:p>
-          <a:p>
-            <a:endParaRPr lang="fr-FR" dirty="0"/>
-          </a:p>
-        </p:txBody>
-      </p:sp>
-      <p:sp>
-        <p:nvSpPr>
-          <p:cNvPr id="7" name="ZoneTexte 6">
-            <a:extLst>
-              <a:ext uri="{FF2B5EF4-FFF2-40B4-BE49-F238E27FC236}">
-                <a16:creationId xmlns:a16="http://schemas.microsoft.com/office/drawing/2014/main" id="{8BECE744-1AC3-40E4-AAE7-4BE4A8A4A5D5}"/>
-              </a:ext>
-            </a:extLst>
-          </p:cNvPr>
-          <p:cNvSpPr txBox="1"/>
-          <p:nvPr/>
-        </p:nvSpPr>
-        <p:spPr>
-          <a:xfrm>
-            <a:off x="3041778" y="4429503"/>
-            <a:ext cx="3514988" cy="646331"/>
-          </a:xfrm>
-          <a:prstGeom prst="rect">
-            <a:avLst/>
-          </a:prstGeom>
-          <a:noFill/>
-        </p:spPr>
-        <p:txBody>
-          <a:bodyPr wrap="square" rtlCol="0">
-            <a:spAutoFit/>
-          </a:bodyPr>
-          <a:lstStyle/>
-          <a:p>
-            <a:r>
-              <a:rPr lang="fr-FR" dirty="0"/>
-              <a:t>-    Définir la période des mesures</a:t>
-            </a:r>
-          </a:p>
-          <a:p>
-            <a:endParaRPr lang="fr-FR" dirty="0"/>
-          </a:p>
-        </p:txBody>
-      </p:sp>
-      <p:sp>
-        <p:nvSpPr>
-          <p:cNvPr id="11" name="ZoneTexte 10">
-            <a:extLst>
-              <a:ext uri="{FF2B5EF4-FFF2-40B4-BE49-F238E27FC236}">
-                <a16:creationId xmlns:a16="http://schemas.microsoft.com/office/drawing/2014/main" id="{307C9646-6910-4ED9-89DA-0D27774FC650}"/>
-              </a:ext>
-            </a:extLst>
-          </p:cNvPr>
-          <p:cNvSpPr txBox="1"/>
-          <p:nvPr/>
-        </p:nvSpPr>
-        <p:spPr>
-          <a:xfrm>
-            <a:off x="3041778" y="4752669"/>
-            <a:ext cx="3677244" cy="923330"/>
-          </a:xfrm>
-          <a:prstGeom prst="rect">
-            <a:avLst/>
-          </a:prstGeom>
-          <a:noFill/>
-        </p:spPr>
-        <p:txBody>
-          <a:bodyPr wrap="square" rtlCol="0">
-            <a:spAutoFit/>
-          </a:bodyPr>
-          <a:lstStyle/>
-          <a:p>
-            <a:endParaRPr lang="fr-FR" dirty="0"/>
-          </a:p>
-          <a:p>
-            <a:r>
-              <a:rPr lang="fr-FR" dirty="0"/>
-              <a:t>-     Envoyer les mesures dans la BDD</a:t>
-            </a:r>
-          </a:p>
-          <a:p>
-            <a:endParaRPr lang="fr-FR" dirty="0"/>
-          </a:p>
-        </p:txBody>
-      </p:sp>
-      <p:sp>
-        <p:nvSpPr>
-          <p:cNvPr id="12" name="ZoneTexte 11">
-            <a:extLst>
-              <a:ext uri="{FF2B5EF4-FFF2-40B4-BE49-F238E27FC236}">
-                <a16:creationId xmlns:a16="http://schemas.microsoft.com/office/drawing/2014/main" id="{A055705F-59A8-43B2-B070-22F171CD9E9B}"/>
-              </a:ext>
-            </a:extLst>
-          </p:cNvPr>
-          <p:cNvSpPr txBox="1"/>
-          <p:nvPr/>
-        </p:nvSpPr>
-        <p:spPr>
-          <a:xfrm>
-            <a:off x="3041778" y="1789374"/>
-            <a:ext cx="7373922" cy="923330"/>
-          </a:xfrm>
-          <a:prstGeom prst="rect">
-            <a:avLst/>
-          </a:prstGeom>
-          <a:noFill/>
-        </p:spPr>
-        <p:txBody>
-          <a:bodyPr wrap="square" rtlCol="0">
-            <a:spAutoFit/>
-          </a:bodyPr>
-          <a:lstStyle/>
-          <a:p>
-            <a:r>
-              <a:rPr lang="fr-FR" dirty="0"/>
-              <a:t>Un système (Raspberry) récupèrera automatiquement les différentes mesures énoncées ci-dessus.</a:t>
-            </a:r>
-          </a:p>
-          <a:p>
-            <a:endParaRPr lang="fr-FR" dirty="0"/>
-          </a:p>
-        </p:txBody>
-      </p:sp>
-      <p:pic>
-        <p:nvPicPr>
-          <p:cNvPr id="14" name="Image 13">
-            <a:extLst>
-              <a:ext uri="{FF2B5EF4-FFF2-40B4-BE49-F238E27FC236}">
-                <a16:creationId xmlns:a16="http://schemas.microsoft.com/office/drawing/2014/main" id="{91A48376-3A1D-42DD-A47C-440EA5F074DD}"/>
-              </a:ext>
-            </a:extLst>
-          </p:cNvPr>
-          <p:cNvPicPr>
-            <a:picLocks noChangeAspect="1"/>
-          </p:cNvPicPr>
-          <p:nvPr/>
-        </p:nvPicPr>
-        <p:blipFill>
-          <a:blip r:embed="rId8">
-            <a:extLst>
-              <a:ext uri="{28A0092B-C50C-407E-A947-70E740481C1C}">
-                <a14:useLocalDpi xmlns:a14="http://schemas.microsoft.com/office/drawing/2010/main" val="0"/>
-              </a:ext>
-            </a:extLst>
-          </a:blip>
-          <a:stretch>
-            <a:fillRect/>
-          </a:stretch>
-        </p:blipFill>
-        <p:spPr>
-          <a:xfrm>
-            <a:off x="6828818" y="3192584"/>
-            <a:ext cx="650296" cy="650296"/>
-          </a:xfrm>
-          <a:prstGeom prst="rect">
-            <a:avLst/>
-          </a:prstGeom>
-        </p:spPr>
-      </p:pic>
     </p:spTree>
     <p:extLst>
       <p:ext uri="{BB962C8B-B14F-4D97-AF65-F5344CB8AC3E}">
-        <p14:creationId xmlns:p14="http://schemas.microsoft.com/office/powerpoint/2010/main" val="2149631933"/>
+        <p14:creationId xmlns:p14="http://schemas.microsoft.com/office/powerpoint/2010/main" val="2016876074"/>
       </p:ext>
     </p:extLst>
   </p:cSld>
@@ -15369,862 +14428,6 @@
       </p:transition>
     </mc:Fallback>
   </mc:AlternateContent>
-  <p:timing>
-    <p:tnLst>
-      <p:par>
-        <p:cTn id="1" dur="indefinite" restart="never" nodeType="tmRoot">
-          <p:childTnLst>
-            <p:seq concurrent="1" nextAc="seek">
-              <p:cTn id="2" dur="indefinite" nodeType="mainSeq">
-                <p:childTnLst>
-                  <p:par>
-                    <p:cTn id="3" fill="hold">
-                      <p:stCondLst>
-                        <p:cond delay="indefinite"/>
-                      </p:stCondLst>
-                      <p:childTnLst>
-                        <p:par>
-                          <p:cTn id="4" fill="hold">
-                            <p:stCondLst>
-                              <p:cond delay="0"/>
-                            </p:stCondLst>
-                            <p:childTnLst>
-                              <p:par>
-                                <p:cTn id="5" presetID="42" presetClass="entr" presetSubtype="0" fill="hold" nodeType="clickEffect">
-                                  <p:stCondLst>
-                                    <p:cond delay="0"/>
-                                  </p:stCondLst>
-                                  <p:childTnLst>
-                                    <p:set>
-                                      <p:cBhvr>
-                                        <p:cTn id="6" dur="1" fill="hold">
-                                          <p:stCondLst>
-                                            <p:cond delay="0"/>
-                                          </p:stCondLst>
-                                        </p:cTn>
-                                        <p:tgtEl>
-                                          <p:spTgt spid="29"/>
-                                        </p:tgtEl>
-                                        <p:attrNameLst>
-                                          <p:attrName>style.visibility</p:attrName>
-                                        </p:attrNameLst>
-                                      </p:cBhvr>
-                                      <p:to>
-                                        <p:strVal val="visible"/>
-                                      </p:to>
-                                    </p:set>
-                                    <p:animEffect transition="in" filter="fade">
-                                      <p:cBhvr>
-                                        <p:cTn id="7" dur="1000"/>
-                                        <p:tgtEl>
-                                          <p:spTgt spid="29"/>
-                                        </p:tgtEl>
-                                      </p:cBhvr>
-                                    </p:animEffect>
-                                    <p:anim calcmode="lin" valueType="num">
-                                      <p:cBhvr>
-                                        <p:cTn id="8" dur="1000" fill="hold"/>
-                                        <p:tgtEl>
-                                          <p:spTgt spid="29"/>
-                                        </p:tgtEl>
-                                        <p:attrNameLst>
-                                          <p:attrName>ppt_x</p:attrName>
-                                        </p:attrNameLst>
-                                      </p:cBhvr>
-                                      <p:tavLst>
-                                        <p:tav tm="0">
-                                          <p:val>
-                                            <p:strVal val="#ppt_x"/>
-                                          </p:val>
-                                        </p:tav>
-                                        <p:tav tm="100000">
-                                          <p:val>
-                                            <p:strVal val="#ppt_x"/>
-                                          </p:val>
-                                        </p:tav>
-                                      </p:tavLst>
-                                    </p:anim>
-                                    <p:anim calcmode="lin" valueType="num">
-                                      <p:cBhvr>
-                                        <p:cTn id="9" dur="1000" fill="hold"/>
-                                        <p:tgtEl>
-                                          <p:spTgt spid="29"/>
-                                        </p:tgtEl>
-                                        <p:attrNameLst>
-                                          <p:attrName>ppt_y</p:attrName>
-                                        </p:attrNameLst>
-                                      </p:cBhvr>
-                                      <p:tavLst>
-                                        <p:tav tm="0">
-                                          <p:val>
-                                            <p:strVal val="#ppt_y+.1"/>
-                                          </p:val>
-                                        </p:tav>
-                                        <p:tav tm="100000">
-                                          <p:val>
-                                            <p:strVal val="#ppt_y"/>
-                                          </p:val>
-                                        </p:tav>
-                                      </p:tavLst>
-                                    </p:anim>
-                                  </p:childTnLst>
-                                </p:cTn>
-                              </p:par>
-                              <p:par>
-                                <p:cTn id="10" presetID="42" presetClass="entr" presetSubtype="0" fill="hold" grpId="0" nodeType="withEffect">
-                                  <p:stCondLst>
-                                    <p:cond delay="0"/>
-                                  </p:stCondLst>
-                                  <p:childTnLst>
-                                    <p:set>
-                                      <p:cBhvr>
-                                        <p:cTn id="11" dur="1" fill="hold">
-                                          <p:stCondLst>
-                                            <p:cond delay="0"/>
-                                          </p:stCondLst>
-                                        </p:cTn>
-                                        <p:tgtEl>
-                                          <p:spTgt spid="2"/>
-                                        </p:tgtEl>
-                                        <p:attrNameLst>
-                                          <p:attrName>style.visibility</p:attrName>
-                                        </p:attrNameLst>
-                                      </p:cBhvr>
-                                      <p:to>
-                                        <p:strVal val="visible"/>
-                                      </p:to>
-                                    </p:set>
-                                    <p:animEffect transition="in" filter="fade">
-                                      <p:cBhvr>
-                                        <p:cTn id="12" dur="1000"/>
-                                        <p:tgtEl>
-                                          <p:spTgt spid="2"/>
-                                        </p:tgtEl>
-                                      </p:cBhvr>
-                                    </p:animEffect>
-                                    <p:anim calcmode="lin" valueType="num">
-                                      <p:cBhvr>
-                                        <p:cTn id="13" dur="1000" fill="hold"/>
-                                        <p:tgtEl>
-                                          <p:spTgt spid="2"/>
-                                        </p:tgtEl>
-                                        <p:attrNameLst>
-                                          <p:attrName>ppt_x</p:attrName>
-                                        </p:attrNameLst>
-                                      </p:cBhvr>
-                                      <p:tavLst>
-                                        <p:tav tm="0">
-                                          <p:val>
-                                            <p:strVal val="#ppt_x"/>
-                                          </p:val>
-                                        </p:tav>
-                                        <p:tav tm="100000">
-                                          <p:val>
-                                            <p:strVal val="#ppt_x"/>
-                                          </p:val>
-                                        </p:tav>
-                                      </p:tavLst>
-                                    </p:anim>
-                                    <p:anim calcmode="lin" valueType="num">
-                                      <p:cBhvr>
-                                        <p:cTn id="14" dur="1000" fill="hold"/>
-                                        <p:tgtEl>
-                                          <p:spTgt spid="2"/>
-                                        </p:tgtEl>
-                                        <p:attrNameLst>
-                                          <p:attrName>ppt_y</p:attrName>
-                                        </p:attrNameLst>
-                                      </p:cBhvr>
-                                      <p:tavLst>
-                                        <p:tav tm="0">
-                                          <p:val>
-                                            <p:strVal val="#ppt_y+.1"/>
-                                          </p:val>
-                                        </p:tav>
-                                        <p:tav tm="100000">
-                                          <p:val>
-                                            <p:strVal val="#ppt_y"/>
-                                          </p:val>
-                                        </p:tav>
-                                      </p:tavLst>
-                                    </p:anim>
-                                  </p:childTnLst>
-                                </p:cTn>
-                              </p:par>
-                            </p:childTnLst>
-                          </p:cTn>
-                        </p:par>
-                      </p:childTnLst>
-                    </p:cTn>
-                  </p:par>
-                  <p:par>
-                    <p:cTn id="15" fill="hold">
-                      <p:stCondLst>
-                        <p:cond delay="indefinite"/>
-                      </p:stCondLst>
-                      <p:childTnLst>
-                        <p:par>
-                          <p:cTn id="16" fill="hold">
-                            <p:stCondLst>
-                              <p:cond delay="0"/>
-                            </p:stCondLst>
-                            <p:childTnLst>
-                              <p:par>
-                                <p:cTn id="17" presetID="42" presetClass="entr" presetSubtype="0" fill="hold" grpId="0" nodeType="clickEffect">
-                                  <p:stCondLst>
-                                    <p:cond delay="0"/>
-                                  </p:stCondLst>
-                                  <p:childTnLst>
-                                    <p:set>
-                                      <p:cBhvr>
-                                        <p:cTn id="18" dur="1" fill="hold">
-                                          <p:stCondLst>
-                                            <p:cond delay="0"/>
-                                          </p:stCondLst>
-                                        </p:cTn>
-                                        <p:tgtEl>
-                                          <p:spTgt spid="5"/>
-                                        </p:tgtEl>
-                                        <p:attrNameLst>
-                                          <p:attrName>style.visibility</p:attrName>
-                                        </p:attrNameLst>
-                                      </p:cBhvr>
-                                      <p:to>
-                                        <p:strVal val="visible"/>
-                                      </p:to>
-                                    </p:set>
-                                    <p:animEffect transition="in" filter="fade">
-                                      <p:cBhvr>
-                                        <p:cTn id="19" dur="1000"/>
-                                        <p:tgtEl>
-                                          <p:spTgt spid="5"/>
-                                        </p:tgtEl>
-                                      </p:cBhvr>
-                                    </p:animEffect>
-                                    <p:anim calcmode="lin" valueType="num">
-                                      <p:cBhvr>
-                                        <p:cTn id="20" dur="1000" fill="hold"/>
-                                        <p:tgtEl>
-                                          <p:spTgt spid="5"/>
-                                        </p:tgtEl>
-                                        <p:attrNameLst>
-                                          <p:attrName>ppt_x</p:attrName>
-                                        </p:attrNameLst>
-                                      </p:cBhvr>
-                                      <p:tavLst>
-                                        <p:tav tm="0">
-                                          <p:val>
-                                            <p:strVal val="#ppt_x"/>
-                                          </p:val>
-                                        </p:tav>
-                                        <p:tav tm="100000">
-                                          <p:val>
-                                            <p:strVal val="#ppt_x"/>
-                                          </p:val>
-                                        </p:tav>
-                                      </p:tavLst>
-                                    </p:anim>
-                                    <p:anim calcmode="lin" valueType="num">
-                                      <p:cBhvr>
-                                        <p:cTn id="21" dur="1000" fill="hold"/>
-                                        <p:tgtEl>
-                                          <p:spTgt spid="5"/>
-                                        </p:tgtEl>
-                                        <p:attrNameLst>
-                                          <p:attrName>ppt_y</p:attrName>
-                                        </p:attrNameLst>
-                                      </p:cBhvr>
-                                      <p:tavLst>
-                                        <p:tav tm="0">
-                                          <p:val>
-                                            <p:strVal val="#ppt_y+.1"/>
-                                          </p:val>
-                                        </p:tav>
-                                        <p:tav tm="100000">
-                                          <p:val>
-                                            <p:strVal val="#ppt_y"/>
-                                          </p:val>
-                                        </p:tav>
-                                      </p:tavLst>
-                                    </p:anim>
-                                  </p:childTnLst>
-                                </p:cTn>
-                              </p:par>
-                            </p:childTnLst>
-                          </p:cTn>
-                        </p:par>
-                      </p:childTnLst>
-                    </p:cTn>
-                  </p:par>
-                  <p:par>
-                    <p:cTn id="22" fill="hold">
-                      <p:stCondLst>
-                        <p:cond delay="indefinite"/>
-                      </p:stCondLst>
-                      <p:childTnLst>
-                        <p:par>
-                          <p:cTn id="23" fill="hold">
-                            <p:stCondLst>
-                              <p:cond delay="0"/>
-                            </p:stCondLst>
-                            <p:childTnLst>
-                              <p:par>
-                                <p:cTn id="24" presetID="42" presetClass="entr" presetSubtype="0" fill="hold" grpId="0" nodeType="clickEffect">
-                                  <p:stCondLst>
-                                    <p:cond delay="0"/>
-                                  </p:stCondLst>
-                                  <p:childTnLst>
-                                    <p:set>
-                                      <p:cBhvr>
-                                        <p:cTn id="25" dur="1" fill="hold">
-                                          <p:stCondLst>
-                                            <p:cond delay="0"/>
-                                          </p:stCondLst>
-                                        </p:cTn>
-                                        <p:tgtEl>
-                                          <p:spTgt spid="6"/>
-                                        </p:tgtEl>
-                                        <p:attrNameLst>
-                                          <p:attrName>style.visibility</p:attrName>
-                                        </p:attrNameLst>
-                                      </p:cBhvr>
-                                      <p:to>
-                                        <p:strVal val="visible"/>
-                                      </p:to>
-                                    </p:set>
-                                    <p:animEffect transition="in" filter="fade">
-                                      <p:cBhvr>
-                                        <p:cTn id="26" dur="1000"/>
-                                        <p:tgtEl>
-                                          <p:spTgt spid="6"/>
-                                        </p:tgtEl>
-                                      </p:cBhvr>
-                                    </p:animEffect>
-                                    <p:anim calcmode="lin" valueType="num">
-                                      <p:cBhvr>
-                                        <p:cTn id="27" dur="1000" fill="hold"/>
-                                        <p:tgtEl>
-                                          <p:spTgt spid="6"/>
-                                        </p:tgtEl>
-                                        <p:attrNameLst>
-                                          <p:attrName>ppt_x</p:attrName>
-                                        </p:attrNameLst>
-                                      </p:cBhvr>
-                                      <p:tavLst>
-                                        <p:tav tm="0">
-                                          <p:val>
-                                            <p:strVal val="#ppt_x"/>
-                                          </p:val>
-                                        </p:tav>
-                                        <p:tav tm="100000">
-                                          <p:val>
-                                            <p:strVal val="#ppt_x"/>
-                                          </p:val>
-                                        </p:tav>
-                                      </p:tavLst>
-                                    </p:anim>
-                                    <p:anim calcmode="lin" valueType="num">
-                                      <p:cBhvr>
-                                        <p:cTn id="28" dur="1000" fill="hold"/>
-                                        <p:tgtEl>
-                                          <p:spTgt spid="6"/>
-                                        </p:tgtEl>
-                                        <p:attrNameLst>
-                                          <p:attrName>ppt_y</p:attrName>
-                                        </p:attrNameLst>
-                                      </p:cBhvr>
-                                      <p:tavLst>
-                                        <p:tav tm="0">
-                                          <p:val>
-                                            <p:strVal val="#ppt_y+.1"/>
-                                          </p:val>
-                                        </p:tav>
-                                        <p:tav tm="100000">
-                                          <p:val>
-                                            <p:strVal val="#ppt_y"/>
-                                          </p:val>
-                                        </p:tav>
-                                      </p:tavLst>
-                                    </p:anim>
-                                  </p:childTnLst>
-                                </p:cTn>
-                              </p:par>
-                              <p:par>
-                                <p:cTn id="29" presetID="42" presetClass="entr" presetSubtype="0" fill="hold" nodeType="withEffect">
-                                  <p:stCondLst>
-                                    <p:cond delay="0"/>
-                                  </p:stCondLst>
-                                  <p:childTnLst>
-                                    <p:set>
-                                      <p:cBhvr>
-                                        <p:cTn id="30" dur="1" fill="hold">
-                                          <p:stCondLst>
-                                            <p:cond delay="0"/>
-                                          </p:stCondLst>
-                                        </p:cTn>
-                                        <p:tgtEl>
-                                          <p:spTgt spid="25"/>
-                                        </p:tgtEl>
-                                        <p:attrNameLst>
-                                          <p:attrName>style.visibility</p:attrName>
-                                        </p:attrNameLst>
-                                      </p:cBhvr>
-                                      <p:to>
-                                        <p:strVal val="visible"/>
-                                      </p:to>
-                                    </p:set>
-                                    <p:animEffect transition="in" filter="fade">
-                                      <p:cBhvr>
-                                        <p:cTn id="31" dur="1000"/>
-                                        <p:tgtEl>
-                                          <p:spTgt spid="25"/>
-                                        </p:tgtEl>
-                                      </p:cBhvr>
-                                    </p:animEffect>
-                                    <p:anim calcmode="lin" valueType="num">
-                                      <p:cBhvr>
-                                        <p:cTn id="32" dur="1000" fill="hold"/>
-                                        <p:tgtEl>
-                                          <p:spTgt spid="25"/>
-                                        </p:tgtEl>
-                                        <p:attrNameLst>
-                                          <p:attrName>ppt_x</p:attrName>
-                                        </p:attrNameLst>
-                                      </p:cBhvr>
-                                      <p:tavLst>
-                                        <p:tav tm="0">
-                                          <p:val>
-                                            <p:strVal val="#ppt_x"/>
-                                          </p:val>
-                                        </p:tav>
-                                        <p:tav tm="100000">
-                                          <p:val>
-                                            <p:strVal val="#ppt_x"/>
-                                          </p:val>
-                                        </p:tav>
-                                      </p:tavLst>
-                                    </p:anim>
-                                    <p:anim calcmode="lin" valueType="num">
-                                      <p:cBhvr>
-                                        <p:cTn id="33" dur="1000" fill="hold"/>
-                                        <p:tgtEl>
-                                          <p:spTgt spid="25"/>
-                                        </p:tgtEl>
-                                        <p:attrNameLst>
-                                          <p:attrName>ppt_y</p:attrName>
-                                        </p:attrNameLst>
-                                      </p:cBhvr>
-                                      <p:tavLst>
-                                        <p:tav tm="0">
-                                          <p:val>
-                                            <p:strVal val="#ppt_y+.1"/>
-                                          </p:val>
-                                        </p:tav>
-                                        <p:tav tm="100000">
-                                          <p:val>
-                                            <p:strVal val="#ppt_y"/>
-                                          </p:val>
-                                        </p:tav>
-                                      </p:tavLst>
-                                    </p:anim>
-                                  </p:childTnLst>
-                                </p:cTn>
-                              </p:par>
-                            </p:childTnLst>
-                          </p:cTn>
-                        </p:par>
-                      </p:childTnLst>
-                    </p:cTn>
-                  </p:par>
-                  <p:par>
-                    <p:cTn id="34" fill="hold">
-                      <p:stCondLst>
-                        <p:cond delay="indefinite"/>
-                      </p:stCondLst>
-                      <p:childTnLst>
-                        <p:par>
-                          <p:cTn id="35" fill="hold">
-                            <p:stCondLst>
-                              <p:cond delay="0"/>
-                            </p:stCondLst>
-                            <p:childTnLst>
-                              <p:par>
-                                <p:cTn id="36" presetID="42" presetClass="entr" presetSubtype="0" fill="hold" grpId="0" nodeType="clickEffect">
-                                  <p:stCondLst>
-                                    <p:cond delay="0"/>
-                                  </p:stCondLst>
-                                  <p:childTnLst>
-                                    <p:set>
-                                      <p:cBhvr>
-                                        <p:cTn id="37" dur="1" fill="hold">
-                                          <p:stCondLst>
-                                            <p:cond delay="0"/>
-                                          </p:stCondLst>
-                                        </p:cTn>
-                                        <p:tgtEl>
-                                          <p:spTgt spid="7"/>
-                                        </p:tgtEl>
-                                        <p:attrNameLst>
-                                          <p:attrName>style.visibility</p:attrName>
-                                        </p:attrNameLst>
-                                      </p:cBhvr>
-                                      <p:to>
-                                        <p:strVal val="visible"/>
-                                      </p:to>
-                                    </p:set>
-                                    <p:animEffect transition="in" filter="fade">
-                                      <p:cBhvr>
-                                        <p:cTn id="38" dur="1000"/>
-                                        <p:tgtEl>
-                                          <p:spTgt spid="7"/>
-                                        </p:tgtEl>
-                                      </p:cBhvr>
-                                    </p:animEffect>
-                                    <p:anim calcmode="lin" valueType="num">
-                                      <p:cBhvr>
-                                        <p:cTn id="39" dur="1000" fill="hold"/>
-                                        <p:tgtEl>
-                                          <p:spTgt spid="7"/>
-                                        </p:tgtEl>
-                                        <p:attrNameLst>
-                                          <p:attrName>ppt_x</p:attrName>
-                                        </p:attrNameLst>
-                                      </p:cBhvr>
-                                      <p:tavLst>
-                                        <p:tav tm="0">
-                                          <p:val>
-                                            <p:strVal val="#ppt_x"/>
-                                          </p:val>
-                                        </p:tav>
-                                        <p:tav tm="100000">
-                                          <p:val>
-                                            <p:strVal val="#ppt_x"/>
-                                          </p:val>
-                                        </p:tav>
-                                      </p:tavLst>
-                                    </p:anim>
-                                    <p:anim calcmode="lin" valueType="num">
-                                      <p:cBhvr>
-                                        <p:cTn id="40" dur="1000" fill="hold"/>
-                                        <p:tgtEl>
-                                          <p:spTgt spid="7"/>
-                                        </p:tgtEl>
-                                        <p:attrNameLst>
-                                          <p:attrName>ppt_y</p:attrName>
-                                        </p:attrNameLst>
-                                      </p:cBhvr>
-                                      <p:tavLst>
-                                        <p:tav tm="0">
-                                          <p:val>
-                                            <p:strVal val="#ppt_y+.1"/>
-                                          </p:val>
-                                        </p:tav>
-                                        <p:tav tm="100000">
-                                          <p:val>
-                                            <p:strVal val="#ppt_y"/>
-                                          </p:val>
-                                        </p:tav>
-                                      </p:tavLst>
-                                    </p:anim>
-                                  </p:childTnLst>
-                                </p:cTn>
-                              </p:par>
-                              <p:par>
-                                <p:cTn id="41" presetID="42" presetClass="entr" presetSubtype="0" fill="hold" nodeType="withEffect">
-                                  <p:stCondLst>
-                                    <p:cond delay="0"/>
-                                  </p:stCondLst>
-                                  <p:childTnLst>
-                                    <p:set>
-                                      <p:cBhvr>
-                                        <p:cTn id="42" dur="1" fill="hold">
-                                          <p:stCondLst>
-                                            <p:cond delay="0"/>
-                                          </p:stCondLst>
-                                        </p:cTn>
-                                        <p:tgtEl>
-                                          <p:spTgt spid="4"/>
-                                        </p:tgtEl>
-                                        <p:attrNameLst>
-                                          <p:attrName>style.visibility</p:attrName>
-                                        </p:attrNameLst>
-                                      </p:cBhvr>
-                                      <p:to>
-                                        <p:strVal val="visible"/>
-                                      </p:to>
-                                    </p:set>
-                                    <p:animEffect transition="in" filter="fade">
-                                      <p:cBhvr>
-                                        <p:cTn id="43" dur="1000"/>
-                                        <p:tgtEl>
-                                          <p:spTgt spid="4"/>
-                                        </p:tgtEl>
-                                      </p:cBhvr>
-                                    </p:animEffect>
-                                    <p:anim calcmode="lin" valueType="num">
-                                      <p:cBhvr>
-                                        <p:cTn id="44" dur="1000" fill="hold"/>
-                                        <p:tgtEl>
-                                          <p:spTgt spid="4"/>
-                                        </p:tgtEl>
-                                        <p:attrNameLst>
-                                          <p:attrName>ppt_x</p:attrName>
-                                        </p:attrNameLst>
-                                      </p:cBhvr>
-                                      <p:tavLst>
-                                        <p:tav tm="0">
-                                          <p:val>
-                                            <p:strVal val="#ppt_x"/>
-                                          </p:val>
-                                        </p:tav>
-                                        <p:tav tm="100000">
-                                          <p:val>
-                                            <p:strVal val="#ppt_x"/>
-                                          </p:val>
-                                        </p:tav>
-                                      </p:tavLst>
-                                    </p:anim>
-                                    <p:anim calcmode="lin" valueType="num">
-                                      <p:cBhvr>
-                                        <p:cTn id="45" dur="1000" fill="hold"/>
-                                        <p:tgtEl>
-                                          <p:spTgt spid="4"/>
-                                        </p:tgtEl>
-                                        <p:attrNameLst>
-                                          <p:attrName>ppt_y</p:attrName>
-                                        </p:attrNameLst>
-                                      </p:cBhvr>
-                                      <p:tavLst>
-                                        <p:tav tm="0">
-                                          <p:val>
-                                            <p:strVal val="#ppt_y+.1"/>
-                                          </p:val>
-                                        </p:tav>
-                                        <p:tav tm="100000">
-                                          <p:val>
-                                            <p:strVal val="#ppt_y"/>
-                                          </p:val>
-                                        </p:tav>
-                                      </p:tavLst>
-                                    </p:anim>
-                                  </p:childTnLst>
-                                </p:cTn>
-                              </p:par>
-                            </p:childTnLst>
-                          </p:cTn>
-                        </p:par>
-                      </p:childTnLst>
-                    </p:cTn>
-                  </p:par>
-                  <p:par>
-                    <p:cTn id="46" fill="hold">
-                      <p:stCondLst>
-                        <p:cond delay="indefinite"/>
-                      </p:stCondLst>
-                      <p:childTnLst>
-                        <p:par>
-                          <p:cTn id="47" fill="hold">
-                            <p:stCondLst>
-                              <p:cond delay="0"/>
-                            </p:stCondLst>
-                            <p:childTnLst>
-                              <p:par>
-                                <p:cTn id="48" presetID="42" presetClass="entr" presetSubtype="0" fill="hold" grpId="0" nodeType="clickEffect">
-                                  <p:stCondLst>
-                                    <p:cond delay="0"/>
-                                  </p:stCondLst>
-                                  <p:childTnLst>
-                                    <p:set>
-                                      <p:cBhvr>
-                                        <p:cTn id="49" dur="1" fill="hold">
-                                          <p:stCondLst>
-                                            <p:cond delay="0"/>
-                                          </p:stCondLst>
-                                        </p:cTn>
-                                        <p:tgtEl>
-                                          <p:spTgt spid="11"/>
-                                        </p:tgtEl>
-                                        <p:attrNameLst>
-                                          <p:attrName>style.visibility</p:attrName>
-                                        </p:attrNameLst>
-                                      </p:cBhvr>
-                                      <p:to>
-                                        <p:strVal val="visible"/>
-                                      </p:to>
-                                    </p:set>
-                                    <p:animEffect transition="in" filter="fade">
-                                      <p:cBhvr>
-                                        <p:cTn id="50" dur="1000"/>
-                                        <p:tgtEl>
-                                          <p:spTgt spid="11"/>
-                                        </p:tgtEl>
-                                      </p:cBhvr>
-                                    </p:animEffect>
-                                    <p:anim calcmode="lin" valueType="num">
-                                      <p:cBhvr>
-                                        <p:cTn id="51" dur="1000" fill="hold"/>
-                                        <p:tgtEl>
-                                          <p:spTgt spid="11"/>
-                                        </p:tgtEl>
-                                        <p:attrNameLst>
-                                          <p:attrName>ppt_x</p:attrName>
-                                        </p:attrNameLst>
-                                      </p:cBhvr>
-                                      <p:tavLst>
-                                        <p:tav tm="0">
-                                          <p:val>
-                                            <p:strVal val="#ppt_x"/>
-                                          </p:val>
-                                        </p:tav>
-                                        <p:tav tm="100000">
-                                          <p:val>
-                                            <p:strVal val="#ppt_x"/>
-                                          </p:val>
-                                        </p:tav>
-                                      </p:tavLst>
-                                    </p:anim>
-                                    <p:anim calcmode="lin" valueType="num">
-                                      <p:cBhvr>
-                                        <p:cTn id="52" dur="1000" fill="hold"/>
-                                        <p:tgtEl>
-                                          <p:spTgt spid="11"/>
-                                        </p:tgtEl>
-                                        <p:attrNameLst>
-                                          <p:attrName>ppt_y</p:attrName>
-                                        </p:attrNameLst>
-                                      </p:cBhvr>
-                                      <p:tavLst>
-                                        <p:tav tm="0">
-                                          <p:val>
-                                            <p:strVal val="#ppt_y+.1"/>
-                                          </p:val>
-                                        </p:tav>
-                                        <p:tav tm="100000">
-                                          <p:val>
-                                            <p:strVal val="#ppt_y"/>
-                                          </p:val>
-                                        </p:tav>
-                                      </p:tavLst>
-                                    </p:anim>
-                                  </p:childTnLst>
-                                </p:cTn>
-                              </p:par>
-                              <p:par>
-                                <p:cTn id="53" presetID="42" presetClass="entr" presetSubtype="0" fill="hold" nodeType="withEffect">
-                                  <p:stCondLst>
-                                    <p:cond delay="0"/>
-                                  </p:stCondLst>
-                                  <p:childTnLst>
-                                    <p:set>
-                                      <p:cBhvr>
-                                        <p:cTn id="54" dur="1" fill="hold">
-                                          <p:stCondLst>
-                                            <p:cond delay="0"/>
-                                          </p:stCondLst>
-                                        </p:cTn>
-                                        <p:tgtEl>
-                                          <p:spTgt spid="35"/>
-                                        </p:tgtEl>
-                                        <p:attrNameLst>
-                                          <p:attrName>style.visibility</p:attrName>
-                                        </p:attrNameLst>
-                                      </p:cBhvr>
-                                      <p:to>
-                                        <p:strVal val="visible"/>
-                                      </p:to>
-                                    </p:set>
-                                    <p:animEffect transition="in" filter="fade">
-                                      <p:cBhvr>
-                                        <p:cTn id="55" dur="1000"/>
-                                        <p:tgtEl>
-                                          <p:spTgt spid="35"/>
-                                        </p:tgtEl>
-                                      </p:cBhvr>
-                                    </p:animEffect>
-                                    <p:anim calcmode="lin" valueType="num">
-                                      <p:cBhvr>
-                                        <p:cTn id="56" dur="1000" fill="hold"/>
-                                        <p:tgtEl>
-                                          <p:spTgt spid="35"/>
-                                        </p:tgtEl>
-                                        <p:attrNameLst>
-                                          <p:attrName>ppt_x</p:attrName>
-                                        </p:attrNameLst>
-                                      </p:cBhvr>
-                                      <p:tavLst>
-                                        <p:tav tm="0">
-                                          <p:val>
-                                            <p:strVal val="#ppt_x"/>
-                                          </p:val>
-                                        </p:tav>
-                                        <p:tav tm="100000">
-                                          <p:val>
-                                            <p:strVal val="#ppt_x"/>
-                                          </p:val>
-                                        </p:tav>
-                                      </p:tavLst>
-                                    </p:anim>
-                                    <p:anim calcmode="lin" valueType="num">
-                                      <p:cBhvr>
-                                        <p:cTn id="57" dur="1000" fill="hold"/>
-                                        <p:tgtEl>
-                                          <p:spTgt spid="35"/>
-                                        </p:tgtEl>
-                                        <p:attrNameLst>
-                                          <p:attrName>ppt_y</p:attrName>
-                                        </p:attrNameLst>
-                                      </p:cBhvr>
-                                      <p:tavLst>
-                                        <p:tav tm="0">
-                                          <p:val>
-                                            <p:strVal val="#ppt_y+.1"/>
-                                          </p:val>
-                                        </p:tav>
-                                        <p:tav tm="100000">
-                                          <p:val>
-                                            <p:strVal val="#ppt_y"/>
-                                          </p:val>
-                                        </p:tav>
-                                      </p:tavLst>
-                                    </p:anim>
-                                  </p:childTnLst>
-                                </p:cTn>
-                              </p:par>
-                            </p:childTnLst>
-                          </p:cTn>
-                        </p:par>
-                      </p:childTnLst>
-                    </p:cTn>
-                  </p:par>
-                </p:childTnLst>
-              </p:cTn>
-              <p:prevCondLst>
-                <p:cond evt="onPrev" delay="0">
-                  <p:tgtEl>
-                    <p:sldTgt/>
-                  </p:tgtEl>
-                </p:cond>
-              </p:prevCondLst>
-              <p:nextCondLst>
-                <p:cond evt="onNext" delay="0">
-                  <p:tgtEl>
-                    <p:sldTgt/>
-                  </p:tgtEl>
-                </p:cond>
-              </p:nextCondLst>
-            </p:seq>
-          </p:childTnLst>
-        </p:cTn>
-      </p:par>
-    </p:tnLst>
-    <p:bldLst>
-      <p:bldP spid="2" grpId="0"/>
-      <p:bldP spid="5" grpId="0"/>
-      <p:bldP spid="6" grpId="0"/>
-      <p:bldP spid="7" grpId="0"/>
-      <p:bldP spid="11" grpId="0"/>
-    </p:bldLst>
-  </p:timing>
 </p:sld>
 </file>
 
@@ -17001,10 +15204,10 @@
       </p:cxnSp>
       <p:pic>
         <p:nvPicPr>
-          <p:cNvPr id="24" name="Image 23">
-            <a:extLst>
-              <a:ext uri="{FF2B5EF4-FFF2-40B4-BE49-F238E27FC236}">
-                <a16:creationId xmlns:a16="http://schemas.microsoft.com/office/drawing/2014/main" id="{7A11CD42-93A2-4CE9-8917-661C6FDC8EB2}"/>
+          <p:cNvPr id="3" name="Image 2">
+            <a:extLst>
+              <a:ext uri="{FF2B5EF4-FFF2-40B4-BE49-F238E27FC236}">
+                <a16:creationId xmlns:a16="http://schemas.microsoft.com/office/drawing/2014/main" id="{04E31E68-0170-4EA9-8F23-BD47A71E51B5}"/>
               </a:ext>
             </a:extLst>
           </p:cNvPr>
@@ -17027,8 +15230,8 @@
         </p:blipFill>
         <p:spPr>
           <a:xfrm>
-            <a:off x="1655727" y="2046914"/>
-            <a:ext cx="7028292" cy="4777614"/>
+            <a:off x="3221372" y="1380930"/>
+            <a:ext cx="4828358" cy="5303833"/>
           </a:xfrm>
           <a:prstGeom prst="rect">
             <a:avLst/>
@@ -17040,7 +15243,7 @@
           <p:cNvPr id="4" name="ZoneTexte 3">
             <a:extLst>
               <a:ext uri="{FF2B5EF4-FFF2-40B4-BE49-F238E27FC236}">
-                <a16:creationId xmlns:a16="http://schemas.microsoft.com/office/drawing/2014/main" id="{E77BD0C0-B104-436D-A198-D80CD647A659}"/>
+                <a16:creationId xmlns:a16="http://schemas.microsoft.com/office/drawing/2014/main" id="{6F856B2B-03F4-4FE3-A57C-C9CAAF971B24}"/>
               </a:ext>
             </a:extLst>
           </p:cNvPr>
@@ -17049,8 +15252,8 @@
         </p:nvSpPr>
         <p:spPr>
           <a:xfrm>
-            <a:off x="2988527" y="691412"/>
-            <a:ext cx="6243927" cy="1446550"/>
+            <a:off x="2952925" y="637563"/>
+            <a:ext cx="6199464" cy="769441"/>
           </a:xfrm>
           <a:prstGeom prst="rect">
             <a:avLst/>
@@ -17067,7 +15270,7 @@
               <a:rPr lang="fr-FR" sz="4400" dirty="0">
                 <a:latin typeface="Berlin Sans FB" panose="020E0602020502020306" pitchFamily="34" charset="0"/>
               </a:rPr>
-              <a:t>Diagramme de cas d’utilisation</a:t>
+              <a:t>Diagramme de séquence</a:t>
             </a:r>
           </a:p>
         </p:txBody>
@@ -17075,7 +15278,7 @@
     </p:spTree>
     <p:extLst>
       <p:ext uri="{BB962C8B-B14F-4D97-AF65-F5344CB8AC3E}">
-        <p14:creationId xmlns:p14="http://schemas.microsoft.com/office/powerpoint/2010/main" val="2016876074"/>
+        <p14:creationId xmlns:p14="http://schemas.microsoft.com/office/powerpoint/2010/main" val="1412701524"/>
       </p:ext>
     </p:extLst>
   </p:cSld>
@@ -17868,48 +16071,12 @@
           </a:fontRef>
         </p:style>
       </p:cxnSp>
-      <p:pic>
-        <p:nvPicPr>
-          <p:cNvPr id="3" name="Image 2">
-            <a:extLst>
-              <a:ext uri="{FF2B5EF4-FFF2-40B4-BE49-F238E27FC236}">
-                <a16:creationId xmlns:a16="http://schemas.microsoft.com/office/drawing/2014/main" id="{04E31E68-0170-4EA9-8F23-BD47A71E51B5}"/>
-              </a:ext>
-            </a:extLst>
-          </p:cNvPr>
-          <p:cNvPicPr>
-            <a:picLocks noChangeAspect="1"/>
-          </p:cNvPicPr>
-          <p:nvPr/>
-        </p:nvPicPr>
-        <p:blipFill>
-          <a:blip r:embed="rId4">
-            <a:extLst>
-              <a:ext uri="{28A0092B-C50C-407E-A947-70E740481C1C}">
-                <a14:useLocalDpi xmlns:a14="http://schemas.microsoft.com/office/drawing/2010/main" val="0"/>
-              </a:ext>
-            </a:extLst>
-          </a:blip>
-          <a:stretch>
-            <a:fillRect/>
-          </a:stretch>
-        </p:blipFill>
-        <p:spPr>
-          <a:xfrm>
-            <a:off x="3221372" y="1380930"/>
-            <a:ext cx="4828358" cy="5303833"/>
-          </a:xfrm>
-          <a:prstGeom prst="rect">
-            <a:avLst/>
-          </a:prstGeom>
-        </p:spPr>
-      </p:pic>
       <p:sp>
         <p:nvSpPr>
-          <p:cNvPr id="4" name="ZoneTexte 3">
-            <a:extLst>
-              <a:ext uri="{FF2B5EF4-FFF2-40B4-BE49-F238E27FC236}">
-                <a16:creationId xmlns:a16="http://schemas.microsoft.com/office/drawing/2014/main" id="{6F856B2B-03F4-4FE3-A57C-C9CAAF971B24}"/>
+          <p:cNvPr id="2" name="ZoneTexte 1">
+            <a:extLst>
+              <a:ext uri="{FF2B5EF4-FFF2-40B4-BE49-F238E27FC236}">
+                <a16:creationId xmlns:a16="http://schemas.microsoft.com/office/drawing/2014/main" id="{E8762E70-88D2-4566-9A54-94377E9A9CC8}"/>
               </a:ext>
             </a:extLst>
           </p:cNvPr>
@@ -17918,8 +16085,8 @@
         </p:nvSpPr>
         <p:spPr>
           <a:xfrm>
-            <a:off x="2952925" y="637563"/>
-            <a:ext cx="6199464" cy="769441"/>
+            <a:off x="3462186" y="623294"/>
+            <a:ext cx="6149130" cy="769441"/>
           </a:xfrm>
           <a:prstGeom prst="rect">
             <a:avLst/>
@@ -17936,15 +16103,51 @@
               <a:rPr lang="fr-FR" sz="4400" dirty="0">
                 <a:latin typeface="Berlin Sans FB" panose="020E0602020502020306" pitchFamily="34" charset="0"/>
               </a:rPr>
-              <a:t>Diagramme de séquence</a:t>
+              <a:t>Diagramme de classe</a:t>
             </a:r>
           </a:p>
         </p:txBody>
       </p:sp>
+      <p:pic>
+        <p:nvPicPr>
+          <p:cNvPr id="4" name="Image 3">
+            <a:extLst>
+              <a:ext uri="{FF2B5EF4-FFF2-40B4-BE49-F238E27FC236}">
+                <a16:creationId xmlns:a16="http://schemas.microsoft.com/office/drawing/2014/main" id="{E85F3E60-A809-4CF3-8988-26E4D6B96CAD}"/>
+              </a:ext>
+            </a:extLst>
+          </p:cNvPr>
+          <p:cNvPicPr>
+            <a:picLocks noChangeAspect="1"/>
+          </p:cNvPicPr>
+          <p:nvPr/>
+        </p:nvPicPr>
+        <p:blipFill>
+          <a:blip r:embed="rId4">
+            <a:extLst>
+              <a:ext uri="{28A0092B-C50C-407E-A947-70E740481C1C}">
+                <a14:useLocalDpi xmlns:a14="http://schemas.microsoft.com/office/drawing/2010/main" val="0"/>
+              </a:ext>
+            </a:extLst>
+          </a:blip>
+          <a:stretch>
+            <a:fillRect/>
+          </a:stretch>
+        </p:blipFill>
+        <p:spPr>
+          <a:xfrm>
+            <a:off x="1614196" y="1327912"/>
+            <a:ext cx="8285584" cy="4980629"/>
+          </a:xfrm>
+          <a:prstGeom prst="rect">
+            <a:avLst/>
+          </a:prstGeom>
+        </p:spPr>
+      </p:pic>
     </p:spTree>
     <p:extLst>
       <p:ext uri="{BB962C8B-B14F-4D97-AF65-F5344CB8AC3E}">
-        <p14:creationId xmlns:p14="http://schemas.microsoft.com/office/powerpoint/2010/main" val="1412701524"/>
+        <p14:creationId xmlns:p14="http://schemas.microsoft.com/office/powerpoint/2010/main" val="3586196131"/>
       </p:ext>
     </p:extLst>
   </p:cSld>
@@ -18742,7 +16945,7 @@
           <p:cNvPr id="2" name="ZoneTexte 1">
             <a:extLst>
               <a:ext uri="{FF2B5EF4-FFF2-40B4-BE49-F238E27FC236}">
-                <a16:creationId xmlns:a16="http://schemas.microsoft.com/office/drawing/2014/main" id="{E8762E70-88D2-4566-9A54-94377E9A9CC8}"/>
+                <a16:creationId xmlns:a16="http://schemas.microsoft.com/office/drawing/2014/main" id="{27396238-7A76-4B8F-981D-280A71EC12F4}"/>
               </a:ext>
             </a:extLst>
           </p:cNvPr>
@@ -18751,8 +16954,8 @@
         </p:nvSpPr>
         <p:spPr>
           <a:xfrm>
-            <a:off x="3462186" y="623294"/>
-            <a:ext cx="6149130" cy="769441"/>
+            <a:off x="2941888" y="518915"/>
+            <a:ext cx="6281999" cy="769441"/>
           </a:xfrm>
           <a:prstGeom prst="rect">
             <a:avLst/>
@@ -18769,7 +16972,7 @@
               <a:rPr lang="fr-FR" sz="4400" dirty="0">
                 <a:latin typeface="Berlin Sans FB" panose="020E0602020502020306" pitchFamily="34" charset="0"/>
               </a:rPr>
-              <a:t>Diagramme de classe</a:t>
+              <a:t>Diagramme de bloc</a:t>
             </a:r>
           </a:p>
         </p:txBody>
@@ -18779,7 +16982,7 @@
           <p:cNvPr id="4" name="Image 3">
             <a:extLst>
               <a:ext uri="{FF2B5EF4-FFF2-40B4-BE49-F238E27FC236}">
-                <a16:creationId xmlns:a16="http://schemas.microsoft.com/office/drawing/2014/main" id="{E85F3E60-A809-4CF3-8988-26E4D6B96CAD}"/>
+                <a16:creationId xmlns:a16="http://schemas.microsoft.com/office/drawing/2014/main" id="{7E60C251-29D0-4848-8D5B-5DB9F0C6EC10}"/>
               </a:ext>
             </a:extLst>
           </p:cNvPr>
@@ -18802,8 +17005,8 @@
         </p:blipFill>
         <p:spPr>
           <a:xfrm>
-            <a:off x="1614196" y="1327912"/>
-            <a:ext cx="8285584" cy="4980629"/>
+            <a:off x="2216372" y="1342070"/>
+            <a:ext cx="6658935" cy="5269717"/>
           </a:xfrm>
           <a:prstGeom prst="rect">
             <a:avLst/>
@@ -18813,7 +17016,7 @@
     </p:spTree>
     <p:extLst>
       <p:ext uri="{BB962C8B-B14F-4D97-AF65-F5344CB8AC3E}">
-        <p14:creationId xmlns:p14="http://schemas.microsoft.com/office/powerpoint/2010/main" val="3586196131"/>
+        <p14:creationId xmlns:p14="http://schemas.microsoft.com/office/powerpoint/2010/main" val="1093378480"/>
       </p:ext>
     </p:extLst>
   </p:cSld>
@@ -19620,8 +17823,8 @@
         </p:nvSpPr>
         <p:spPr>
           <a:xfrm>
-            <a:off x="2941888" y="518915"/>
-            <a:ext cx="6281999" cy="769441"/>
+            <a:off x="3228837" y="553547"/>
+            <a:ext cx="4675598" cy="769441"/>
           </a:xfrm>
           <a:prstGeom prst="rect">
             <a:avLst/>
@@ -19638,17 +17841,17 @@
               <a:rPr lang="fr-FR" sz="4400" dirty="0">
                 <a:latin typeface="Berlin Sans FB" panose="020E0602020502020306" pitchFamily="34" charset="0"/>
               </a:rPr>
-              <a:t>Diagramme de bloc</a:t>
+              <a:t>Base de données</a:t>
             </a:r>
           </a:p>
         </p:txBody>
       </p:sp>
       <p:pic>
         <p:nvPicPr>
-          <p:cNvPr id="4" name="Image 3">
-            <a:extLst>
-              <a:ext uri="{FF2B5EF4-FFF2-40B4-BE49-F238E27FC236}">
-                <a16:creationId xmlns:a16="http://schemas.microsoft.com/office/drawing/2014/main" id="{7E60C251-29D0-4848-8D5B-5DB9F0C6EC10}"/>
+          <p:cNvPr id="11" name="Image 10">
+            <a:extLst>
+              <a:ext uri="{FF2B5EF4-FFF2-40B4-BE49-F238E27FC236}">
+                <a16:creationId xmlns:a16="http://schemas.microsoft.com/office/drawing/2014/main" id="{86B33DD6-7E4D-4C02-A197-909EE2B10B7B}"/>
               </a:ext>
             </a:extLst>
           </p:cNvPr>
@@ -19671,8 +17874,8 @@
         </p:blipFill>
         <p:spPr>
           <a:xfrm>
-            <a:off x="2216372" y="1342070"/>
-            <a:ext cx="6658935" cy="5269717"/>
+            <a:off x="1433191" y="1642187"/>
+            <a:ext cx="9620500" cy="4627983"/>
           </a:xfrm>
           <a:prstGeom prst="rect">
             <a:avLst/>
@@ -19682,7 +17885,7 @@
     </p:spTree>
     <p:extLst>
       <p:ext uri="{BB962C8B-B14F-4D97-AF65-F5344CB8AC3E}">
-        <p14:creationId xmlns:p14="http://schemas.microsoft.com/office/powerpoint/2010/main" val="1093378480"/>
+        <p14:creationId xmlns:p14="http://schemas.microsoft.com/office/powerpoint/2010/main" val="3188051435"/>
       </p:ext>
     </p:extLst>
   </p:cSld>

--- a/oral_projet/revue_2/diaporama_revue_2_steven.pptx
+++ b/oral_projet/revue_2/diaporama_revue_2_steven.pptx
@@ -5,7 +5,7 @@
     <p:sldMasterId id="2147483648" r:id="rId1"/>
   </p:sldMasterIdLst>
   <p:notesMasterIdLst>
-    <p:notesMasterId r:id="rId15"/>
+    <p:notesMasterId r:id="rId18"/>
   </p:notesMasterIdLst>
   <p:sldIdLst>
     <p:sldId id="256" r:id="rId2"/>
@@ -19,8 +19,11 @@
     <p:sldId id="270" r:id="rId10"/>
     <p:sldId id="266" r:id="rId11"/>
     <p:sldId id="268" r:id="rId12"/>
-    <p:sldId id="271" r:id="rId13"/>
-    <p:sldId id="269" r:id="rId14"/>
+    <p:sldId id="272" r:id="rId13"/>
+    <p:sldId id="273" r:id="rId14"/>
+    <p:sldId id="274" r:id="rId15"/>
+    <p:sldId id="271" r:id="rId16"/>
+    <p:sldId id="269" r:id="rId17"/>
   </p:sldIdLst>
   <p:sldSz cx="12192000" cy="6858000"/>
   <p:notesSz cx="6858000" cy="9144000"/>
@@ -7974,6 +7977,2685 @@
         </p:nvSpPr>
         <p:spPr>
           <a:xfrm>
+            <a:off x="3714642" y="523056"/>
+            <a:ext cx="5110576" cy="769441"/>
+          </a:xfrm>
+          <a:prstGeom prst="rect">
+            <a:avLst/>
+          </a:prstGeom>
+          <a:noFill/>
+        </p:spPr>
+        <p:txBody>
+          <a:bodyPr wrap="square" rtlCol="0">
+            <a:spAutoFit/>
+          </a:bodyPr>
+          <a:lstStyle/>
+          <a:p>
+            <a:r>
+              <a:rPr lang="fr-FR" sz="4400" dirty="0">
+                <a:latin typeface="Berlin Sans FB" panose="020E0602020502020306" pitchFamily="34" charset="0"/>
+              </a:rPr>
+              <a:t>Solutions trouvées</a:t>
+            </a:r>
+          </a:p>
+        </p:txBody>
+      </p:sp>
+      <p:sp>
+        <p:nvSpPr>
+          <p:cNvPr id="7" name="ZoneTexte 6">
+            <a:extLst>
+              <a:ext uri="{FF2B5EF4-FFF2-40B4-BE49-F238E27FC236}">
+                <a16:creationId xmlns:a16="http://schemas.microsoft.com/office/drawing/2014/main" id="{F5143EC5-EF8B-4615-B050-3E12BF28AC28}"/>
+              </a:ext>
+            </a:extLst>
+          </p:cNvPr>
+          <p:cNvSpPr txBox="1"/>
+          <p:nvPr/>
+        </p:nvSpPr>
+        <p:spPr>
+          <a:xfrm>
+            <a:off x="3714642" y="1427584"/>
+            <a:ext cx="4309685" cy="523220"/>
+          </a:xfrm>
+          <a:prstGeom prst="rect">
+            <a:avLst/>
+          </a:prstGeom>
+          <a:noFill/>
+        </p:spPr>
+        <p:txBody>
+          <a:bodyPr wrap="square" rtlCol="0">
+            <a:spAutoFit/>
+          </a:bodyPr>
+          <a:lstStyle/>
+          <a:p>
+            <a:r>
+              <a:rPr lang="fr-FR" sz="2800" dirty="0"/>
+              <a:t>Partie 2 : Pluviomètre</a:t>
+            </a:r>
+          </a:p>
+        </p:txBody>
+      </p:sp>
+    </p:spTree>
+    <p:extLst>
+      <p:ext uri="{BB962C8B-B14F-4D97-AF65-F5344CB8AC3E}">
+        <p14:creationId xmlns:p14="http://schemas.microsoft.com/office/powerpoint/2010/main" val="929400112"/>
+      </p:ext>
+    </p:extLst>
+  </p:cSld>
+  <p:clrMapOvr>
+    <a:masterClrMapping/>
+  </p:clrMapOvr>
+  <mc:AlternateContent xmlns:mc="http://schemas.openxmlformats.org/markup-compatibility/2006" xmlns:p14="http://schemas.microsoft.com/office/powerpoint/2010/main">
+    <mc:Choice Requires="p14">
+      <p:transition spd="slow">
+        <p14:reveal/>
+      </p:transition>
+    </mc:Choice>
+    <mc:Fallback xmlns="">
+      <p:transition spd="slow">
+        <p:fade/>
+      </p:transition>
+    </mc:Fallback>
+  </mc:AlternateContent>
+</p:sld>
+</file>
+
+<file path=ppt/slides/slide13.xml><?xml version="1.0" encoding="utf-8"?>
+<p:sld xmlns:a="http://schemas.openxmlformats.org/drawingml/2006/main" xmlns:r="http://schemas.openxmlformats.org/officeDocument/2006/relationships" xmlns:p="http://schemas.openxmlformats.org/presentationml/2006/main">
+  <p:cSld>
+    <p:spTree>
+      <p:nvGrpSpPr>
+        <p:cNvPr id="1" name=""/>
+        <p:cNvGrpSpPr/>
+        <p:nvPr/>
+      </p:nvGrpSpPr>
+      <p:grpSpPr>
+        <a:xfrm>
+          <a:off x="0" y="0"/>
+          <a:ext cx="0" cy="0"/>
+          <a:chOff x="0" y="0"/>
+          <a:chExt cx="0" cy="0"/>
+        </a:xfrm>
+      </p:grpSpPr>
+      <p:pic>
+        <p:nvPicPr>
+          <p:cNvPr id="8" name="Image 7">
+            <a:extLst>
+              <a:ext uri="{FF2B5EF4-FFF2-40B4-BE49-F238E27FC236}">
+                <a16:creationId xmlns:a16="http://schemas.microsoft.com/office/drawing/2014/main" id="{2BB825C5-31DA-4A56-85EA-536DBF510A31}"/>
+              </a:ext>
+            </a:extLst>
+          </p:cNvPr>
+          <p:cNvPicPr>
+            <a:picLocks noChangeAspect="1"/>
+          </p:cNvPicPr>
+          <p:nvPr/>
+        </p:nvPicPr>
+        <p:blipFill>
+          <a:blip r:embed="rId2">
+            <a:extLst>
+              <a:ext uri="{28A0092B-C50C-407E-A947-70E740481C1C}">
+                <a14:useLocalDpi xmlns:a14="http://schemas.microsoft.com/office/drawing/2010/main" val="0"/>
+              </a:ext>
+            </a:extLst>
+          </a:blip>
+          <a:stretch>
+            <a:fillRect/>
+          </a:stretch>
+        </p:blipFill>
+        <p:spPr>
+          <a:xfrm>
+            <a:off x="1068751" y="66457"/>
+            <a:ext cx="1259497" cy="776690"/>
+          </a:xfrm>
+          <a:prstGeom prst="rect">
+            <a:avLst/>
+          </a:prstGeom>
+        </p:spPr>
+      </p:pic>
+      <p:pic>
+        <p:nvPicPr>
+          <p:cNvPr id="10" name="Image 9">
+            <a:extLst>
+              <a:ext uri="{FF2B5EF4-FFF2-40B4-BE49-F238E27FC236}">
+                <a16:creationId xmlns:a16="http://schemas.microsoft.com/office/drawing/2014/main" id="{8EE7436F-49F2-41E0-93E4-D247B4705294}"/>
+              </a:ext>
+            </a:extLst>
+          </p:cNvPr>
+          <p:cNvPicPr>
+            <a:picLocks noChangeAspect="1"/>
+          </p:cNvPicPr>
+          <p:nvPr/>
+        </p:nvPicPr>
+        <p:blipFill>
+          <a:blip r:embed="rId3">
+            <a:extLst>
+              <a:ext uri="{28A0092B-C50C-407E-A947-70E740481C1C}">
+                <a14:useLocalDpi xmlns:a14="http://schemas.microsoft.com/office/drawing/2010/main" val="0"/>
+              </a:ext>
+            </a:extLst>
+          </a:blip>
+          <a:stretch>
+            <a:fillRect/>
+          </a:stretch>
+        </p:blipFill>
+        <p:spPr>
+          <a:xfrm>
+            <a:off x="9681085" y="238153"/>
+            <a:ext cx="1802101" cy="569807"/>
+          </a:xfrm>
+          <a:prstGeom prst="rect">
+            <a:avLst/>
+          </a:prstGeom>
+        </p:spPr>
+      </p:pic>
+      <p:cxnSp>
+        <p:nvCxnSpPr>
+          <p:cNvPr id="16" name="Connecteur droit 15">
+            <a:extLst>
+              <a:ext uri="{FF2B5EF4-FFF2-40B4-BE49-F238E27FC236}">
+                <a16:creationId xmlns:a16="http://schemas.microsoft.com/office/drawing/2014/main" id="{7319284A-BD6F-4A96-8E2B-E0A4B52E53C6}"/>
+              </a:ext>
+            </a:extLst>
+          </p:cNvPr>
+          <p:cNvCxnSpPr>
+            <a:cxnSpLocks/>
+          </p:cNvCxnSpPr>
+          <p:nvPr/>
+        </p:nvCxnSpPr>
+        <p:spPr>
+          <a:xfrm flipV="1">
+            <a:off x="0" y="454803"/>
+            <a:ext cx="738231" cy="1798"/>
+          </a:xfrm>
+          <a:prstGeom prst="line">
+            <a:avLst/>
+          </a:prstGeom>
+        </p:spPr>
+        <p:style>
+          <a:lnRef idx="3">
+            <a:schemeClr val="dk1"/>
+          </a:lnRef>
+          <a:fillRef idx="0">
+            <a:schemeClr val="dk1"/>
+          </a:fillRef>
+          <a:effectRef idx="2">
+            <a:schemeClr val="dk1"/>
+          </a:effectRef>
+          <a:fontRef idx="minor">
+            <a:schemeClr val="tx1"/>
+          </a:fontRef>
+        </p:style>
+      </p:cxnSp>
+      <p:cxnSp>
+        <p:nvCxnSpPr>
+          <p:cNvPr id="20" name="Connecteur droit 19">
+            <a:extLst>
+              <a:ext uri="{FF2B5EF4-FFF2-40B4-BE49-F238E27FC236}">
+                <a16:creationId xmlns:a16="http://schemas.microsoft.com/office/drawing/2014/main" id="{08874CF7-F149-4C81-B61E-74E18342BA8A}"/>
+              </a:ext>
+            </a:extLst>
+          </p:cNvPr>
+          <p:cNvCxnSpPr>
+            <a:cxnSpLocks/>
+          </p:cNvCxnSpPr>
+          <p:nvPr/>
+        </p:nvCxnSpPr>
+        <p:spPr>
+          <a:xfrm>
+            <a:off x="2573222" y="454803"/>
+            <a:ext cx="6829482" cy="10398"/>
+          </a:xfrm>
+          <a:prstGeom prst="line">
+            <a:avLst/>
+          </a:prstGeom>
+        </p:spPr>
+        <p:style>
+          <a:lnRef idx="3">
+            <a:schemeClr val="dk1"/>
+          </a:lnRef>
+          <a:fillRef idx="0">
+            <a:schemeClr val="dk1"/>
+          </a:fillRef>
+          <a:effectRef idx="2">
+            <a:schemeClr val="dk1"/>
+          </a:effectRef>
+          <a:fontRef idx="minor">
+            <a:schemeClr val="tx1"/>
+          </a:fontRef>
+        </p:style>
+      </p:cxnSp>
+      <p:cxnSp>
+        <p:nvCxnSpPr>
+          <p:cNvPr id="26" name="Connecteur droit 25">
+            <a:extLst>
+              <a:ext uri="{FF2B5EF4-FFF2-40B4-BE49-F238E27FC236}">
+                <a16:creationId xmlns:a16="http://schemas.microsoft.com/office/drawing/2014/main" id="{BB3B35CC-057B-48C1-880F-3306A6559175}"/>
+              </a:ext>
+            </a:extLst>
+          </p:cNvPr>
+          <p:cNvCxnSpPr>
+            <a:cxnSpLocks/>
+          </p:cNvCxnSpPr>
+          <p:nvPr/>
+        </p:nvCxnSpPr>
+        <p:spPr>
+          <a:xfrm>
+            <a:off x="738231" y="454803"/>
+            <a:ext cx="344203" cy="484764"/>
+          </a:xfrm>
+          <a:prstGeom prst="line">
+            <a:avLst/>
+          </a:prstGeom>
+        </p:spPr>
+        <p:style>
+          <a:lnRef idx="3">
+            <a:schemeClr val="dk1"/>
+          </a:lnRef>
+          <a:fillRef idx="0">
+            <a:schemeClr val="dk1"/>
+          </a:fillRef>
+          <a:effectRef idx="2">
+            <a:schemeClr val="dk1"/>
+          </a:effectRef>
+          <a:fontRef idx="minor">
+            <a:schemeClr val="tx1"/>
+          </a:fontRef>
+        </p:style>
+      </p:cxnSp>
+      <p:cxnSp>
+        <p:nvCxnSpPr>
+          <p:cNvPr id="32" name="Connecteur droit 31">
+            <a:extLst>
+              <a:ext uri="{FF2B5EF4-FFF2-40B4-BE49-F238E27FC236}">
+                <a16:creationId xmlns:a16="http://schemas.microsoft.com/office/drawing/2014/main" id="{4AD96496-1EB6-4E48-9BB2-5C255495C686}"/>
+              </a:ext>
+            </a:extLst>
+          </p:cNvPr>
+          <p:cNvCxnSpPr>
+            <a:cxnSpLocks/>
+          </p:cNvCxnSpPr>
+          <p:nvPr/>
+        </p:nvCxnSpPr>
+        <p:spPr>
+          <a:xfrm>
+            <a:off x="1082434" y="938268"/>
+            <a:ext cx="1146585" cy="0"/>
+          </a:xfrm>
+          <a:prstGeom prst="line">
+            <a:avLst/>
+          </a:prstGeom>
+        </p:spPr>
+        <p:style>
+          <a:lnRef idx="3">
+            <a:schemeClr val="dk1"/>
+          </a:lnRef>
+          <a:fillRef idx="0">
+            <a:schemeClr val="dk1"/>
+          </a:fillRef>
+          <a:effectRef idx="2">
+            <a:schemeClr val="dk1"/>
+          </a:effectRef>
+          <a:fontRef idx="minor">
+            <a:schemeClr val="tx1"/>
+          </a:fontRef>
+        </p:style>
+      </p:cxnSp>
+      <p:cxnSp>
+        <p:nvCxnSpPr>
+          <p:cNvPr id="51" name="Connecteur droit 50">
+            <a:extLst>
+              <a:ext uri="{FF2B5EF4-FFF2-40B4-BE49-F238E27FC236}">
+                <a16:creationId xmlns:a16="http://schemas.microsoft.com/office/drawing/2014/main" id="{C035BFA6-ECBF-4775-BA81-19D2CA41AA8D}"/>
+              </a:ext>
+            </a:extLst>
+          </p:cNvPr>
+          <p:cNvCxnSpPr>
+            <a:cxnSpLocks/>
+          </p:cNvCxnSpPr>
+          <p:nvPr/>
+        </p:nvCxnSpPr>
+        <p:spPr>
+          <a:xfrm>
+            <a:off x="9402704" y="465201"/>
+            <a:ext cx="344203" cy="495163"/>
+          </a:xfrm>
+          <a:prstGeom prst="line">
+            <a:avLst/>
+          </a:prstGeom>
+        </p:spPr>
+        <p:style>
+          <a:lnRef idx="3">
+            <a:schemeClr val="dk1"/>
+          </a:lnRef>
+          <a:fillRef idx="0">
+            <a:schemeClr val="dk1"/>
+          </a:fillRef>
+          <a:effectRef idx="2">
+            <a:schemeClr val="dk1"/>
+          </a:effectRef>
+          <a:fontRef idx="minor">
+            <a:schemeClr val="tx1"/>
+          </a:fontRef>
+        </p:style>
+      </p:cxnSp>
+      <p:cxnSp>
+        <p:nvCxnSpPr>
+          <p:cNvPr id="52" name="Connecteur droit 51">
+            <a:extLst>
+              <a:ext uri="{FF2B5EF4-FFF2-40B4-BE49-F238E27FC236}">
+                <a16:creationId xmlns:a16="http://schemas.microsoft.com/office/drawing/2014/main" id="{FA310BC7-694B-4984-99A2-61A1F4F6EBF9}"/>
+              </a:ext>
+            </a:extLst>
+          </p:cNvPr>
+          <p:cNvCxnSpPr>
+            <a:cxnSpLocks/>
+          </p:cNvCxnSpPr>
+          <p:nvPr/>
+        </p:nvCxnSpPr>
+        <p:spPr>
+          <a:xfrm flipH="1">
+            <a:off x="11370469" y="448308"/>
+            <a:ext cx="364332" cy="501657"/>
+          </a:xfrm>
+          <a:prstGeom prst="line">
+            <a:avLst/>
+          </a:prstGeom>
+        </p:spPr>
+        <p:style>
+          <a:lnRef idx="3">
+            <a:schemeClr val="dk1"/>
+          </a:lnRef>
+          <a:fillRef idx="0">
+            <a:schemeClr val="dk1"/>
+          </a:fillRef>
+          <a:effectRef idx="2">
+            <a:schemeClr val="dk1"/>
+          </a:effectRef>
+          <a:fontRef idx="minor">
+            <a:schemeClr val="tx1"/>
+          </a:fontRef>
+        </p:style>
+      </p:cxnSp>
+      <p:cxnSp>
+        <p:nvCxnSpPr>
+          <p:cNvPr id="53" name="Connecteur droit 52">
+            <a:extLst>
+              <a:ext uri="{FF2B5EF4-FFF2-40B4-BE49-F238E27FC236}">
+                <a16:creationId xmlns:a16="http://schemas.microsoft.com/office/drawing/2014/main" id="{BE0649BD-EE59-4DDA-960F-95B2572F9F13}"/>
+              </a:ext>
+            </a:extLst>
+          </p:cNvPr>
+          <p:cNvCxnSpPr>
+            <a:cxnSpLocks/>
+          </p:cNvCxnSpPr>
+          <p:nvPr/>
+        </p:nvCxnSpPr>
+        <p:spPr>
+          <a:xfrm>
+            <a:off x="9743203" y="949965"/>
+            <a:ext cx="1627266" cy="0"/>
+          </a:xfrm>
+          <a:prstGeom prst="line">
+            <a:avLst/>
+          </a:prstGeom>
+        </p:spPr>
+        <p:style>
+          <a:lnRef idx="3">
+            <a:schemeClr val="dk1"/>
+          </a:lnRef>
+          <a:fillRef idx="0">
+            <a:schemeClr val="dk1"/>
+          </a:fillRef>
+          <a:effectRef idx="2">
+            <a:schemeClr val="dk1"/>
+          </a:effectRef>
+          <a:fontRef idx="minor">
+            <a:schemeClr val="tx1"/>
+          </a:fontRef>
+        </p:style>
+      </p:cxnSp>
+      <p:cxnSp>
+        <p:nvCxnSpPr>
+          <p:cNvPr id="55" name="Connecteur droit 54">
+            <a:extLst>
+              <a:ext uri="{FF2B5EF4-FFF2-40B4-BE49-F238E27FC236}">
+                <a16:creationId xmlns:a16="http://schemas.microsoft.com/office/drawing/2014/main" id="{52AA9200-DAFA-4EEF-AC13-4C7CE82A59EC}"/>
+              </a:ext>
+            </a:extLst>
+          </p:cNvPr>
+          <p:cNvCxnSpPr>
+            <a:cxnSpLocks/>
+          </p:cNvCxnSpPr>
+          <p:nvPr/>
+        </p:nvCxnSpPr>
+        <p:spPr>
+          <a:xfrm>
+            <a:off x="11715750" y="454801"/>
+            <a:ext cx="476249" cy="10400"/>
+          </a:xfrm>
+          <a:prstGeom prst="line">
+            <a:avLst/>
+          </a:prstGeom>
+        </p:spPr>
+        <p:style>
+          <a:lnRef idx="3">
+            <a:schemeClr val="dk1"/>
+          </a:lnRef>
+          <a:fillRef idx="0">
+            <a:schemeClr val="dk1"/>
+          </a:fillRef>
+          <a:effectRef idx="2">
+            <a:schemeClr val="dk1"/>
+          </a:effectRef>
+          <a:fontRef idx="minor">
+            <a:schemeClr val="tx1"/>
+          </a:fontRef>
+        </p:style>
+      </p:cxnSp>
+      <p:cxnSp>
+        <p:nvCxnSpPr>
+          <p:cNvPr id="23" name="Connecteur droit 22">
+            <a:extLst>
+              <a:ext uri="{FF2B5EF4-FFF2-40B4-BE49-F238E27FC236}">
+                <a16:creationId xmlns:a16="http://schemas.microsoft.com/office/drawing/2014/main" id="{BCB092C8-0080-4E56-957E-0046D4C83988}"/>
+              </a:ext>
+            </a:extLst>
+          </p:cNvPr>
+          <p:cNvCxnSpPr>
+            <a:cxnSpLocks/>
+          </p:cNvCxnSpPr>
+          <p:nvPr/>
+        </p:nvCxnSpPr>
+        <p:spPr>
+          <a:xfrm flipH="1">
+            <a:off x="2216372" y="446356"/>
+            <a:ext cx="364332" cy="501657"/>
+          </a:xfrm>
+          <a:prstGeom prst="line">
+            <a:avLst/>
+          </a:prstGeom>
+        </p:spPr>
+        <p:style>
+          <a:lnRef idx="3">
+            <a:schemeClr val="dk1"/>
+          </a:lnRef>
+          <a:fillRef idx="0">
+            <a:schemeClr val="dk1"/>
+          </a:fillRef>
+          <a:effectRef idx="2">
+            <a:schemeClr val="dk1"/>
+          </a:effectRef>
+          <a:fontRef idx="minor">
+            <a:schemeClr val="tx1"/>
+          </a:fontRef>
+        </p:style>
+      </p:cxnSp>
+      <p:pic>
+        <p:nvPicPr>
+          <p:cNvPr id="57" name="Image 56">
+            <a:extLst>
+              <a:ext uri="{FF2B5EF4-FFF2-40B4-BE49-F238E27FC236}">
+                <a16:creationId xmlns:a16="http://schemas.microsoft.com/office/drawing/2014/main" id="{12B16FB2-5844-4B92-AE69-9BAC858C22BB}"/>
+              </a:ext>
+            </a:extLst>
+          </p:cNvPr>
+          <p:cNvPicPr>
+            <a:picLocks noChangeAspect="1"/>
+          </p:cNvPicPr>
+          <p:nvPr/>
+        </p:nvPicPr>
+        <p:blipFill>
+          <a:blip r:embed="rId3">
+            <a:extLst>
+              <a:ext uri="{28A0092B-C50C-407E-A947-70E740481C1C}">
+                <a14:useLocalDpi xmlns:a14="http://schemas.microsoft.com/office/drawing/2010/main" val="0"/>
+              </a:ext>
+            </a:extLst>
+          </a:blip>
+          <a:stretch>
+            <a:fillRect/>
+          </a:stretch>
+        </p:blipFill>
+        <p:spPr>
+          <a:xfrm>
+            <a:off x="9681085" y="238153"/>
+            <a:ext cx="1802101" cy="569807"/>
+          </a:xfrm>
+          <a:prstGeom prst="rect">
+            <a:avLst/>
+          </a:prstGeom>
+        </p:spPr>
+      </p:pic>
+      <p:cxnSp>
+        <p:nvCxnSpPr>
+          <p:cNvPr id="58" name="Connecteur droit 57">
+            <a:extLst>
+              <a:ext uri="{FF2B5EF4-FFF2-40B4-BE49-F238E27FC236}">
+                <a16:creationId xmlns:a16="http://schemas.microsoft.com/office/drawing/2014/main" id="{01599350-F8B0-4FDC-B003-981189A8D654}"/>
+              </a:ext>
+            </a:extLst>
+          </p:cNvPr>
+          <p:cNvCxnSpPr>
+            <a:cxnSpLocks/>
+          </p:cNvCxnSpPr>
+          <p:nvPr/>
+        </p:nvCxnSpPr>
+        <p:spPr>
+          <a:xfrm>
+            <a:off x="2573222" y="454803"/>
+            <a:ext cx="6829482" cy="10398"/>
+          </a:xfrm>
+          <a:prstGeom prst="line">
+            <a:avLst/>
+          </a:prstGeom>
+        </p:spPr>
+        <p:style>
+          <a:lnRef idx="3">
+            <a:schemeClr val="dk1"/>
+          </a:lnRef>
+          <a:fillRef idx="0">
+            <a:schemeClr val="dk1"/>
+          </a:fillRef>
+          <a:effectRef idx="2">
+            <a:schemeClr val="dk1"/>
+          </a:effectRef>
+          <a:fontRef idx="minor">
+            <a:schemeClr val="tx1"/>
+          </a:fontRef>
+        </p:style>
+      </p:cxnSp>
+      <p:cxnSp>
+        <p:nvCxnSpPr>
+          <p:cNvPr id="59" name="Connecteur droit 58">
+            <a:extLst>
+              <a:ext uri="{FF2B5EF4-FFF2-40B4-BE49-F238E27FC236}">
+                <a16:creationId xmlns:a16="http://schemas.microsoft.com/office/drawing/2014/main" id="{BC6E6150-6054-4785-84EC-0C46D82034C2}"/>
+              </a:ext>
+            </a:extLst>
+          </p:cNvPr>
+          <p:cNvCxnSpPr>
+            <a:cxnSpLocks/>
+          </p:cNvCxnSpPr>
+          <p:nvPr/>
+        </p:nvCxnSpPr>
+        <p:spPr>
+          <a:xfrm>
+            <a:off x="738231" y="454803"/>
+            <a:ext cx="344203" cy="484764"/>
+          </a:xfrm>
+          <a:prstGeom prst="line">
+            <a:avLst/>
+          </a:prstGeom>
+        </p:spPr>
+        <p:style>
+          <a:lnRef idx="3">
+            <a:schemeClr val="dk1"/>
+          </a:lnRef>
+          <a:fillRef idx="0">
+            <a:schemeClr val="dk1"/>
+          </a:fillRef>
+          <a:effectRef idx="2">
+            <a:schemeClr val="dk1"/>
+          </a:effectRef>
+          <a:fontRef idx="minor">
+            <a:schemeClr val="tx1"/>
+          </a:fontRef>
+        </p:style>
+      </p:cxnSp>
+      <p:cxnSp>
+        <p:nvCxnSpPr>
+          <p:cNvPr id="60" name="Connecteur droit 59">
+            <a:extLst>
+              <a:ext uri="{FF2B5EF4-FFF2-40B4-BE49-F238E27FC236}">
+                <a16:creationId xmlns:a16="http://schemas.microsoft.com/office/drawing/2014/main" id="{CBC9961A-8EC2-4287-A398-BCA4138D409D}"/>
+              </a:ext>
+            </a:extLst>
+          </p:cNvPr>
+          <p:cNvCxnSpPr>
+            <a:cxnSpLocks/>
+          </p:cNvCxnSpPr>
+          <p:nvPr/>
+        </p:nvCxnSpPr>
+        <p:spPr>
+          <a:xfrm>
+            <a:off x="1082434" y="938268"/>
+            <a:ext cx="1146585" cy="0"/>
+          </a:xfrm>
+          <a:prstGeom prst="line">
+            <a:avLst/>
+          </a:prstGeom>
+        </p:spPr>
+        <p:style>
+          <a:lnRef idx="3">
+            <a:schemeClr val="dk1"/>
+          </a:lnRef>
+          <a:fillRef idx="0">
+            <a:schemeClr val="dk1"/>
+          </a:fillRef>
+          <a:effectRef idx="2">
+            <a:schemeClr val="dk1"/>
+          </a:effectRef>
+          <a:fontRef idx="minor">
+            <a:schemeClr val="tx1"/>
+          </a:fontRef>
+        </p:style>
+      </p:cxnSp>
+      <p:cxnSp>
+        <p:nvCxnSpPr>
+          <p:cNvPr id="61" name="Connecteur droit 60">
+            <a:extLst>
+              <a:ext uri="{FF2B5EF4-FFF2-40B4-BE49-F238E27FC236}">
+                <a16:creationId xmlns:a16="http://schemas.microsoft.com/office/drawing/2014/main" id="{152B7C45-2543-4665-BC07-4DB71CA9F337}"/>
+              </a:ext>
+            </a:extLst>
+          </p:cNvPr>
+          <p:cNvCxnSpPr>
+            <a:cxnSpLocks/>
+          </p:cNvCxnSpPr>
+          <p:nvPr/>
+        </p:nvCxnSpPr>
+        <p:spPr>
+          <a:xfrm>
+            <a:off x="9402704" y="465201"/>
+            <a:ext cx="344203" cy="495163"/>
+          </a:xfrm>
+          <a:prstGeom prst="line">
+            <a:avLst/>
+          </a:prstGeom>
+        </p:spPr>
+        <p:style>
+          <a:lnRef idx="3">
+            <a:schemeClr val="dk1"/>
+          </a:lnRef>
+          <a:fillRef idx="0">
+            <a:schemeClr val="dk1"/>
+          </a:fillRef>
+          <a:effectRef idx="2">
+            <a:schemeClr val="dk1"/>
+          </a:effectRef>
+          <a:fontRef idx="minor">
+            <a:schemeClr val="tx1"/>
+          </a:fontRef>
+        </p:style>
+      </p:cxnSp>
+      <p:cxnSp>
+        <p:nvCxnSpPr>
+          <p:cNvPr id="62" name="Connecteur droit 61">
+            <a:extLst>
+              <a:ext uri="{FF2B5EF4-FFF2-40B4-BE49-F238E27FC236}">
+                <a16:creationId xmlns:a16="http://schemas.microsoft.com/office/drawing/2014/main" id="{00A84DC3-A112-46A3-B71C-04D85339323D}"/>
+              </a:ext>
+            </a:extLst>
+          </p:cNvPr>
+          <p:cNvCxnSpPr>
+            <a:cxnSpLocks/>
+          </p:cNvCxnSpPr>
+          <p:nvPr/>
+        </p:nvCxnSpPr>
+        <p:spPr>
+          <a:xfrm flipH="1">
+            <a:off x="11370469" y="448308"/>
+            <a:ext cx="364332" cy="501657"/>
+          </a:xfrm>
+          <a:prstGeom prst="line">
+            <a:avLst/>
+          </a:prstGeom>
+        </p:spPr>
+        <p:style>
+          <a:lnRef idx="3">
+            <a:schemeClr val="dk1"/>
+          </a:lnRef>
+          <a:fillRef idx="0">
+            <a:schemeClr val="dk1"/>
+          </a:fillRef>
+          <a:effectRef idx="2">
+            <a:schemeClr val="dk1"/>
+          </a:effectRef>
+          <a:fontRef idx="minor">
+            <a:schemeClr val="tx1"/>
+          </a:fontRef>
+        </p:style>
+      </p:cxnSp>
+      <p:cxnSp>
+        <p:nvCxnSpPr>
+          <p:cNvPr id="63" name="Connecteur droit 62">
+            <a:extLst>
+              <a:ext uri="{FF2B5EF4-FFF2-40B4-BE49-F238E27FC236}">
+                <a16:creationId xmlns:a16="http://schemas.microsoft.com/office/drawing/2014/main" id="{C50788C6-8F68-44EC-AB54-94C1D2FE554D}"/>
+              </a:ext>
+            </a:extLst>
+          </p:cNvPr>
+          <p:cNvCxnSpPr>
+            <a:cxnSpLocks/>
+          </p:cNvCxnSpPr>
+          <p:nvPr/>
+        </p:nvCxnSpPr>
+        <p:spPr>
+          <a:xfrm>
+            <a:off x="9743203" y="949965"/>
+            <a:ext cx="1627266" cy="0"/>
+          </a:xfrm>
+          <a:prstGeom prst="line">
+            <a:avLst/>
+          </a:prstGeom>
+        </p:spPr>
+        <p:style>
+          <a:lnRef idx="3">
+            <a:schemeClr val="dk1"/>
+          </a:lnRef>
+          <a:fillRef idx="0">
+            <a:schemeClr val="dk1"/>
+          </a:fillRef>
+          <a:effectRef idx="2">
+            <a:schemeClr val="dk1"/>
+          </a:effectRef>
+          <a:fontRef idx="minor">
+            <a:schemeClr val="tx1"/>
+          </a:fontRef>
+        </p:style>
+      </p:cxnSp>
+      <p:cxnSp>
+        <p:nvCxnSpPr>
+          <p:cNvPr id="64" name="Connecteur droit 63">
+            <a:extLst>
+              <a:ext uri="{FF2B5EF4-FFF2-40B4-BE49-F238E27FC236}">
+                <a16:creationId xmlns:a16="http://schemas.microsoft.com/office/drawing/2014/main" id="{BC4D4E5F-5636-45CB-873C-EC085AB307A3}"/>
+              </a:ext>
+            </a:extLst>
+          </p:cNvPr>
+          <p:cNvCxnSpPr>
+            <a:cxnSpLocks/>
+          </p:cNvCxnSpPr>
+          <p:nvPr/>
+        </p:nvCxnSpPr>
+        <p:spPr>
+          <a:xfrm>
+            <a:off x="11715750" y="454801"/>
+            <a:ext cx="476249" cy="10400"/>
+          </a:xfrm>
+          <a:prstGeom prst="line">
+            <a:avLst/>
+          </a:prstGeom>
+        </p:spPr>
+        <p:style>
+          <a:lnRef idx="3">
+            <a:schemeClr val="dk1"/>
+          </a:lnRef>
+          <a:fillRef idx="0">
+            <a:schemeClr val="dk1"/>
+          </a:fillRef>
+          <a:effectRef idx="2">
+            <a:schemeClr val="dk1"/>
+          </a:effectRef>
+          <a:fontRef idx="minor">
+            <a:schemeClr val="tx1"/>
+          </a:fontRef>
+        </p:style>
+      </p:cxnSp>
+      <p:cxnSp>
+        <p:nvCxnSpPr>
+          <p:cNvPr id="65" name="Connecteur droit 64">
+            <a:extLst>
+              <a:ext uri="{FF2B5EF4-FFF2-40B4-BE49-F238E27FC236}">
+                <a16:creationId xmlns:a16="http://schemas.microsoft.com/office/drawing/2014/main" id="{E6F6B4C5-0E3B-46C9-859D-EE774175D36F}"/>
+              </a:ext>
+            </a:extLst>
+          </p:cNvPr>
+          <p:cNvCxnSpPr>
+            <a:cxnSpLocks/>
+          </p:cNvCxnSpPr>
+          <p:nvPr/>
+        </p:nvCxnSpPr>
+        <p:spPr>
+          <a:xfrm flipH="1">
+            <a:off x="2216372" y="446356"/>
+            <a:ext cx="364332" cy="501657"/>
+          </a:xfrm>
+          <a:prstGeom prst="line">
+            <a:avLst/>
+          </a:prstGeom>
+        </p:spPr>
+        <p:style>
+          <a:lnRef idx="3">
+            <a:schemeClr val="dk1"/>
+          </a:lnRef>
+          <a:fillRef idx="0">
+            <a:schemeClr val="dk1"/>
+          </a:fillRef>
+          <a:effectRef idx="2">
+            <a:schemeClr val="dk1"/>
+          </a:effectRef>
+          <a:fontRef idx="minor">
+            <a:schemeClr val="tx1"/>
+          </a:fontRef>
+        </p:style>
+      </p:cxnSp>
+      <p:sp>
+        <p:nvSpPr>
+          <p:cNvPr id="2" name="ZoneTexte 1">
+            <a:extLst>
+              <a:ext uri="{FF2B5EF4-FFF2-40B4-BE49-F238E27FC236}">
+                <a16:creationId xmlns:a16="http://schemas.microsoft.com/office/drawing/2014/main" id="{128A5370-27C5-4A3F-98D7-D74D075851FE}"/>
+              </a:ext>
+            </a:extLst>
+          </p:cNvPr>
+          <p:cNvSpPr txBox="1"/>
+          <p:nvPr/>
+        </p:nvSpPr>
+        <p:spPr>
+          <a:xfrm>
+            <a:off x="3714642" y="523056"/>
+            <a:ext cx="5110576" cy="769441"/>
+          </a:xfrm>
+          <a:prstGeom prst="rect">
+            <a:avLst/>
+          </a:prstGeom>
+          <a:noFill/>
+        </p:spPr>
+        <p:txBody>
+          <a:bodyPr wrap="square" rtlCol="0">
+            <a:spAutoFit/>
+          </a:bodyPr>
+          <a:lstStyle/>
+          <a:p>
+            <a:r>
+              <a:rPr lang="fr-FR" sz="4400" dirty="0">
+                <a:latin typeface="Berlin Sans FB" panose="020E0602020502020306" pitchFamily="34" charset="0"/>
+              </a:rPr>
+              <a:t>Solutions trouvées</a:t>
+            </a:r>
+          </a:p>
+        </p:txBody>
+      </p:sp>
+      <p:sp>
+        <p:nvSpPr>
+          <p:cNvPr id="7" name="ZoneTexte 6">
+            <a:extLst>
+              <a:ext uri="{FF2B5EF4-FFF2-40B4-BE49-F238E27FC236}">
+                <a16:creationId xmlns:a16="http://schemas.microsoft.com/office/drawing/2014/main" id="{F5143EC5-EF8B-4615-B050-3E12BF28AC28}"/>
+              </a:ext>
+            </a:extLst>
+          </p:cNvPr>
+          <p:cNvSpPr txBox="1"/>
+          <p:nvPr/>
+        </p:nvSpPr>
+        <p:spPr>
+          <a:xfrm>
+            <a:off x="3714642" y="1427584"/>
+            <a:ext cx="4640793" cy="523220"/>
+          </a:xfrm>
+          <a:prstGeom prst="rect">
+            <a:avLst/>
+          </a:prstGeom>
+          <a:noFill/>
+        </p:spPr>
+        <p:txBody>
+          <a:bodyPr wrap="square" rtlCol="0">
+            <a:spAutoFit/>
+          </a:bodyPr>
+          <a:lstStyle/>
+          <a:p>
+            <a:r>
+              <a:rPr lang="fr-FR" sz="2800" dirty="0"/>
+              <a:t>Partie 3 : Sonde température</a:t>
+            </a:r>
+          </a:p>
+        </p:txBody>
+      </p:sp>
+      <p:sp>
+        <p:nvSpPr>
+          <p:cNvPr id="3" name="ZoneTexte 2">
+            <a:extLst>
+              <a:ext uri="{FF2B5EF4-FFF2-40B4-BE49-F238E27FC236}">
+                <a16:creationId xmlns:a16="http://schemas.microsoft.com/office/drawing/2014/main" id="{922E219F-129F-4BB0-B527-D93DB1C52C9A}"/>
+              </a:ext>
+            </a:extLst>
+          </p:cNvPr>
+          <p:cNvSpPr txBox="1"/>
+          <p:nvPr/>
+        </p:nvSpPr>
+        <p:spPr>
+          <a:xfrm>
+            <a:off x="4521667" y="3061982"/>
+            <a:ext cx="3212983" cy="1569660"/>
+          </a:xfrm>
+          <a:prstGeom prst="rect">
+            <a:avLst/>
+          </a:prstGeom>
+          <a:noFill/>
+        </p:spPr>
+        <p:txBody>
+          <a:bodyPr wrap="square" rtlCol="0">
+            <a:spAutoFit/>
+          </a:bodyPr>
+          <a:lstStyle/>
+          <a:p>
+            <a:r>
+              <a:rPr lang="fr-FR" sz="9600" dirty="0"/>
+              <a:t>NULL</a:t>
+            </a:r>
+          </a:p>
+        </p:txBody>
+      </p:sp>
+    </p:spTree>
+    <p:extLst>
+      <p:ext uri="{BB962C8B-B14F-4D97-AF65-F5344CB8AC3E}">
+        <p14:creationId xmlns:p14="http://schemas.microsoft.com/office/powerpoint/2010/main" val="2136634713"/>
+      </p:ext>
+    </p:extLst>
+  </p:cSld>
+  <p:clrMapOvr>
+    <a:masterClrMapping/>
+  </p:clrMapOvr>
+  <mc:AlternateContent xmlns:mc="http://schemas.openxmlformats.org/markup-compatibility/2006" xmlns:p14="http://schemas.microsoft.com/office/powerpoint/2010/main">
+    <mc:Choice Requires="p14">
+      <p:transition spd="slow">
+        <p14:reveal/>
+      </p:transition>
+    </mc:Choice>
+    <mc:Fallback xmlns="">
+      <p:transition spd="slow">
+        <p:fade/>
+      </p:transition>
+    </mc:Fallback>
+  </mc:AlternateContent>
+</p:sld>
+</file>
+
+<file path=ppt/slides/slide14.xml><?xml version="1.0" encoding="utf-8"?>
+<p:sld xmlns:a="http://schemas.openxmlformats.org/drawingml/2006/main" xmlns:r="http://schemas.openxmlformats.org/officeDocument/2006/relationships" xmlns:p="http://schemas.openxmlformats.org/presentationml/2006/main">
+  <p:cSld>
+    <p:spTree>
+      <p:nvGrpSpPr>
+        <p:cNvPr id="1" name=""/>
+        <p:cNvGrpSpPr/>
+        <p:nvPr/>
+      </p:nvGrpSpPr>
+      <p:grpSpPr>
+        <a:xfrm>
+          <a:off x="0" y="0"/>
+          <a:ext cx="0" cy="0"/>
+          <a:chOff x="0" y="0"/>
+          <a:chExt cx="0" cy="0"/>
+        </a:xfrm>
+      </p:grpSpPr>
+      <p:pic>
+        <p:nvPicPr>
+          <p:cNvPr id="8" name="Image 7">
+            <a:extLst>
+              <a:ext uri="{FF2B5EF4-FFF2-40B4-BE49-F238E27FC236}">
+                <a16:creationId xmlns:a16="http://schemas.microsoft.com/office/drawing/2014/main" id="{2BB825C5-31DA-4A56-85EA-536DBF510A31}"/>
+              </a:ext>
+            </a:extLst>
+          </p:cNvPr>
+          <p:cNvPicPr>
+            <a:picLocks noChangeAspect="1"/>
+          </p:cNvPicPr>
+          <p:nvPr/>
+        </p:nvPicPr>
+        <p:blipFill>
+          <a:blip r:embed="rId2">
+            <a:extLst>
+              <a:ext uri="{28A0092B-C50C-407E-A947-70E740481C1C}">
+                <a14:useLocalDpi xmlns:a14="http://schemas.microsoft.com/office/drawing/2010/main" val="0"/>
+              </a:ext>
+            </a:extLst>
+          </a:blip>
+          <a:stretch>
+            <a:fillRect/>
+          </a:stretch>
+        </p:blipFill>
+        <p:spPr>
+          <a:xfrm>
+            <a:off x="1068751" y="66457"/>
+            <a:ext cx="1259497" cy="776690"/>
+          </a:xfrm>
+          <a:prstGeom prst="rect">
+            <a:avLst/>
+          </a:prstGeom>
+        </p:spPr>
+      </p:pic>
+      <p:pic>
+        <p:nvPicPr>
+          <p:cNvPr id="10" name="Image 9">
+            <a:extLst>
+              <a:ext uri="{FF2B5EF4-FFF2-40B4-BE49-F238E27FC236}">
+                <a16:creationId xmlns:a16="http://schemas.microsoft.com/office/drawing/2014/main" id="{8EE7436F-49F2-41E0-93E4-D247B4705294}"/>
+              </a:ext>
+            </a:extLst>
+          </p:cNvPr>
+          <p:cNvPicPr>
+            <a:picLocks noChangeAspect="1"/>
+          </p:cNvPicPr>
+          <p:nvPr/>
+        </p:nvPicPr>
+        <p:blipFill>
+          <a:blip r:embed="rId3">
+            <a:extLst>
+              <a:ext uri="{28A0092B-C50C-407E-A947-70E740481C1C}">
+                <a14:useLocalDpi xmlns:a14="http://schemas.microsoft.com/office/drawing/2010/main" val="0"/>
+              </a:ext>
+            </a:extLst>
+          </a:blip>
+          <a:stretch>
+            <a:fillRect/>
+          </a:stretch>
+        </p:blipFill>
+        <p:spPr>
+          <a:xfrm>
+            <a:off x="9681085" y="238153"/>
+            <a:ext cx="1802101" cy="569807"/>
+          </a:xfrm>
+          <a:prstGeom prst="rect">
+            <a:avLst/>
+          </a:prstGeom>
+        </p:spPr>
+      </p:pic>
+      <p:cxnSp>
+        <p:nvCxnSpPr>
+          <p:cNvPr id="16" name="Connecteur droit 15">
+            <a:extLst>
+              <a:ext uri="{FF2B5EF4-FFF2-40B4-BE49-F238E27FC236}">
+                <a16:creationId xmlns:a16="http://schemas.microsoft.com/office/drawing/2014/main" id="{7319284A-BD6F-4A96-8E2B-E0A4B52E53C6}"/>
+              </a:ext>
+            </a:extLst>
+          </p:cNvPr>
+          <p:cNvCxnSpPr>
+            <a:cxnSpLocks/>
+          </p:cNvCxnSpPr>
+          <p:nvPr/>
+        </p:nvCxnSpPr>
+        <p:spPr>
+          <a:xfrm flipV="1">
+            <a:off x="0" y="454803"/>
+            <a:ext cx="738231" cy="1798"/>
+          </a:xfrm>
+          <a:prstGeom prst="line">
+            <a:avLst/>
+          </a:prstGeom>
+        </p:spPr>
+        <p:style>
+          <a:lnRef idx="3">
+            <a:schemeClr val="dk1"/>
+          </a:lnRef>
+          <a:fillRef idx="0">
+            <a:schemeClr val="dk1"/>
+          </a:fillRef>
+          <a:effectRef idx="2">
+            <a:schemeClr val="dk1"/>
+          </a:effectRef>
+          <a:fontRef idx="minor">
+            <a:schemeClr val="tx1"/>
+          </a:fontRef>
+        </p:style>
+      </p:cxnSp>
+      <p:cxnSp>
+        <p:nvCxnSpPr>
+          <p:cNvPr id="20" name="Connecteur droit 19">
+            <a:extLst>
+              <a:ext uri="{FF2B5EF4-FFF2-40B4-BE49-F238E27FC236}">
+                <a16:creationId xmlns:a16="http://schemas.microsoft.com/office/drawing/2014/main" id="{08874CF7-F149-4C81-B61E-74E18342BA8A}"/>
+              </a:ext>
+            </a:extLst>
+          </p:cNvPr>
+          <p:cNvCxnSpPr>
+            <a:cxnSpLocks/>
+          </p:cNvCxnSpPr>
+          <p:nvPr/>
+        </p:nvCxnSpPr>
+        <p:spPr>
+          <a:xfrm>
+            <a:off x="2573222" y="454803"/>
+            <a:ext cx="6829482" cy="10398"/>
+          </a:xfrm>
+          <a:prstGeom prst="line">
+            <a:avLst/>
+          </a:prstGeom>
+        </p:spPr>
+        <p:style>
+          <a:lnRef idx="3">
+            <a:schemeClr val="dk1"/>
+          </a:lnRef>
+          <a:fillRef idx="0">
+            <a:schemeClr val="dk1"/>
+          </a:fillRef>
+          <a:effectRef idx="2">
+            <a:schemeClr val="dk1"/>
+          </a:effectRef>
+          <a:fontRef idx="minor">
+            <a:schemeClr val="tx1"/>
+          </a:fontRef>
+        </p:style>
+      </p:cxnSp>
+      <p:cxnSp>
+        <p:nvCxnSpPr>
+          <p:cNvPr id="26" name="Connecteur droit 25">
+            <a:extLst>
+              <a:ext uri="{FF2B5EF4-FFF2-40B4-BE49-F238E27FC236}">
+                <a16:creationId xmlns:a16="http://schemas.microsoft.com/office/drawing/2014/main" id="{BB3B35CC-057B-48C1-880F-3306A6559175}"/>
+              </a:ext>
+            </a:extLst>
+          </p:cNvPr>
+          <p:cNvCxnSpPr>
+            <a:cxnSpLocks/>
+          </p:cNvCxnSpPr>
+          <p:nvPr/>
+        </p:nvCxnSpPr>
+        <p:spPr>
+          <a:xfrm>
+            <a:off x="738231" y="454803"/>
+            <a:ext cx="344203" cy="484764"/>
+          </a:xfrm>
+          <a:prstGeom prst="line">
+            <a:avLst/>
+          </a:prstGeom>
+        </p:spPr>
+        <p:style>
+          <a:lnRef idx="3">
+            <a:schemeClr val="dk1"/>
+          </a:lnRef>
+          <a:fillRef idx="0">
+            <a:schemeClr val="dk1"/>
+          </a:fillRef>
+          <a:effectRef idx="2">
+            <a:schemeClr val="dk1"/>
+          </a:effectRef>
+          <a:fontRef idx="minor">
+            <a:schemeClr val="tx1"/>
+          </a:fontRef>
+        </p:style>
+      </p:cxnSp>
+      <p:cxnSp>
+        <p:nvCxnSpPr>
+          <p:cNvPr id="32" name="Connecteur droit 31">
+            <a:extLst>
+              <a:ext uri="{FF2B5EF4-FFF2-40B4-BE49-F238E27FC236}">
+                <a16:creationId xmlns:a16="http://schemas.microsoft.com/office/drawing/2014/main" id="{4AD96496-1EB6-4E48-9BB2-5C255495C686}"/>
+              </a:ext>
+            </a:extLst>
+          </p:cNvPr>
+          <p:cNvCxnSpPr>
+            <a:cxnSpLocks/>
+          </p:cNvCxnSpPr>
+          <p:nvPr/>
+        </p:nvCxnSpPr>
+        <p:spPr>
+          <a:xfrm>
+            <a:off x="1082434" y="938268"/>
+            <a:ext cx="1146585" cy="0"/>
+          </a:xfrm>
+          <a:prstGeom prst="line">
+            <a:avLst/>
+          </a:prstGeom>
+        </p:spPr>
+        <p:style>
+          <a:lnRef idx="3">
+            <a:schemeClr val="dk1"/>
+          </a:lnRef>
+          <a:fillRef idx="0">
+            <a:schemeClr val="dk1"/>
+          </a:fillRef>
+          <a:effectRef idx="2">
+            <a:schemeClr val="dk1"/>
+          </a:effectRef>
+          <a:fontRef idx="minor">
+            <a:schemeClr val="tx1"/>
+          </a:fontRef>
+        </p:style>
+      </p:cxnSp>
+      <p:cxnSp>
+        <p:nvCxnSpPr>
+          <p:cNvPr id="51" name="Connecteur droit 50">
+            <a:extLst>
+              <a:ext uri="{FF2B5EF4-FFF2-40B4-BE49-F238E27FC236}">
+                <a16:creationId xmlns:a16="http://schemas.microsoft.com/office/drawing/2014/main" id="{C035BFA6-ECBF-4775-BA81-19D2CA41AA8D}"/>
+              </a:ext>
+            </a:extLst>
+          </p:cNvPr>
+          <p:cNvCxnSpPr>
+            <a:cxnSpLocks/>
+          </p:cNvCxnSpPr>
+          <p:nvPr/>
+        </p:nvCxnSpPr>
+        <p:spPr>
+          <a:xfrm>
+            <a:off x="9402704" y="465201"/>
+            <a:ext cx="344203" cy="495163"/>
+          </a:xfrm>
+          <a:prstGeom prst="line">
+            <a:avLst/>
+          </a:prstGeom>
+        </p:spPr>
+        <p:style>
+          <a:lnRef idx="3">
+            <a:schemeClr val="dk1"/>
+          </a:lnRef>
+          <a:fillRef idx="0">
+            <a:schemeClr val="dk1"/>
+          </a:fillRef>
+          <a:effectRef idx="2">
+            <a:schemeClr val="dk1"/>
+          </a:effectRef>
+          <a:fontRef idx="minor">
+            <a:schemeClr val="tx1"/>
+          </a:fontRef>
+        </p:style>
+      </p:cxnSp>
+      <p:cxnSp>
+        <p:nvCxnSpPr>
+          <p:cNvPr id="52" name="Connecteur droit 51">
+            <a:extLst>
+              <a:ext uri="{FF2B5EF4-FFF2-40B4-BE49-F238E27FC236}">
+                <a16:creationId xmlns:a16="http://schemas.microsoft.com/office/drawing/2014/main" id="{FA310BC7-694B-4984-99A2-61A1F4F6EBF9}"/>
+              </a:ext>
+            </a:extLst>
+          </p:cNvPr>
+          <p:cNvCxnSpPr>
+            <a:cxnSpLocks/>
+          </p:cNvCxnSpPr>
+          <p:nvPr/>
+        </p:nvCxnSpPr>
+        <p:spPr>
+          <a:xfrm flipH="1">
+            <a:off x="11370469" y="448308"/>
+            <a:ext cx="364332" cy="501657"/>
+          </a:xfrm>
+          <a:prstGeom prst="line">
+            <a:avLst/>
+          </a:prstGeom>
+        </p:spPr>
+        <p:style>
+          <a:lnRef idx="3">
+            <a:schemeClr val="dk1"/>
+          </a:lnRef>
+          <a:fillRef idx="0">
+            <a:schemeClr val="dk1"/>
+          </a:fillRef>
+          <a:effectRef idx="2">
+            <a:schemeClr val="dk1"/>
+          </a:effectRef>
+          <a:fontRef idx="minor">
+            <a:schemeClr val="tx1"/>
+          </a:fontRef>
+        </p:style>
+      </p:cxnSp>
+      <p:cxnSp>
+        <p:nvCxnSpPr>
+          <p:cNvPr id="53" name="Connecteur droit 52">
+            <a:extLst>
+              <a:ext uri="{FF2B5EF4-FFF2-40B4-BE49-F238E27FC236}">
+                <a16:creationId xmlns:a16="http://schemas.microsoft.com/office/drawing/2014/main" id="{BE0649BD-EE59-4DDA-960F-95B2572F9F13}"/>
+              </a:ext>
+            </a:extLst>
+          </p:cNvPr>
+          <p:cNvCxnSpPr>
+            <a:cxnSpLocks/>
+          </p:cNvCxnSpPr>
+          <p:nvPr/>
+        </p:nvCxnSpPr>
+        <p:spPr>
+          <a:xfrm>
+            <a:off x="9743203" y="949965"/>
+            <a:ext cx="1627266" cy="0"/>
+          </a:xfrm>
+          <a:prstGeom prst="line">
+            <a:avLst/>
+          </a:prstGeom>
+        </p:spPr>
+        <p:style>
+          <a:lnRef idx="3">
+            <a:schemeClr val="dk1"/>
+          </a:lnRef>
+          <a:fillRef idx="0">
+            <a:schemeClr val="dk1"/>
+          </a:fillRef>
+          <a:effectRef idx="2">
+            <a:schemeClr val="dk1"/>
+          </a:effectRef>
+          <a:fontRef idx="minor">
+            <a:schemeClr val="tx1"/>
+          </a:fontRef>
+        </p:style>
+      </p:cxnSp>
+      <p:cxnSp>
+        <p:nvCxnSpPr>
+          <p:cNvPr id="55" name="Connecteur droit 54">
+            <a:extLst>
+              <a:ext uri="{FF2B5EF4-FFF2-40B4-BE49-F238E27FC236}">
+                <a16:creationId xmlns:a16="http://schemas.microsoft.com/office/drawing/2014/main" id="{52AA9200-DAFA-4EEF-AC13-4C7CE82A59EC}"/>
+              </a:ext>
+            </a:extLst>
+          </p:cNvPr>
+          <p:cNvCxnSpPr>
+            <a:cxnSpLocks/>
+          </p:cNvCxnSpPr>
+          <p:nvPr/>
+        </p:nvCxnSpPr>
+        <p:spPr>
+          <a:xfrm>
+            <a:off x="11715750" y="454801"/>
+            <a:ext cx="476249" cy="10400"/>
+          </a:xfrm>
+          <a:prstGeom prst="line">
+            <a:avLst/>
+          </a:prstGeom>
+        </p:spPr>
+        <p:style>
+          <a:lnRef idx="3">
+            <a:schemeClr val="dk1"/>
+          </a:lnRef>
+          <a:fillRef idx="0">
+            <a:schemeClr val="dk1"/>
+          </a:fillRef>
+          <a:effectRef idx="2">
+            <a:schemeClr val="dk1"/>
+          </a:effectRef>
+          <a:fontRef idx="minor">
+            <a:schemeClr val="tx1"/>
+          </a:fontRef>
+        </p:style>
+      </p:cxnSp>
+      <p:cxnSp>
+        <p:nvCxnSpPr>
+          <p:cNvPr id="23" name="Connecteur droit 22">
+            <a:extLst>
+              <a:ext uri="{FF2B5EF4-FFF2-40B4-BE49-F238E27FC236}">
+                <a16:creationId xmlns:a16="http://schemas.microsoft.com/office/drawing/2014/main" id="{BCB092C8-0080-4E56-957E-0046D4C83988}"/>
+              </a:ext>
+            </a:extLst>
+          </p:cNvPr>
+          <p:cNvCxnSpPr>
+            <a:cxnSpLocks/>
+          </p:cNvCxnSpPr>
+          <p:nvPr/>
+        </p:nvCxnSpPr>
+        <p:spPr>
+          <a:xfrm flipH="1">
+            <a:off x="2216372" y="446356"/>
+            <a:ext cx="364332" cy="501657"/>
+          </a:xfrm>
+          <a:prstGeom prst="line">
+            <a:avLst/>
+          </a:prstGeom>
+        </p:spPr>
+        <p:style>
+          <a:lnRef idx="3">
+            <a:schemeClr val="dk1"/>
+          </a:lnRef>
+          <a:fillRef idx="0">
+            <a:schemeClr val="dk1"/>
+          </a:fillRef>
+          <a:effectRef idx="2">
+            <a:schemeClr val="dk1"/>
+          </a:effectRef>
+          <a:fontRef idx="minor">
+            <a:schemeClr val="tx1"/>
+          </a:fontRef>
+        </p:style>
+      </p:cxnSp>
+      <p:pic>
+        <p:nvPicPr>
+          <p:cNvPr id="57" name="Image 56">
+            <a:extLst>
+              <a:ext uri="{FF2B5EF4-FFF2-40B4-BE49-F238E27FC236}">
+                <a16:creationId xmlns:a16="http://schemas.microsoft.com/office/drawing/2014/main" id="{12B16FB2-5844-4B92-AE69-9BAC858C22BB}"/>
+              </a:ext>
+            </a:extLst>
+          </p:cNvPr>
+          <p:cNvPicPr>
+            <a:picLocks noChangeAspect="1"/>
+          </p:cNvPicPr>
+          <p:nvPr/>
+        </p:nvPicPr>
+        <p:blipFill>
+          <a:blip r:embed="rId3">
+            <a:extLst>
+              <a:ext uri="{28A0092B-C50C-407E-A947-70E740481C1C}">
+                <a14:useLocalDpi xmlns:a14="http://schemas.microsoft.com/office/drawing/2010/main" val="0"/>
+              </a:ext>
+            </a:extLst>
+          </a:blip>
+          <a:stretch>
+            <a:fillRect/>
+          </a:stretch>
+        </p:blipFill>
+        <p:spPr>
+          <a:xfrm>
+            <a:off x="9681085" y="238153"/>
+            <a:ext cx="1802101" cy="569807"/>
+          </a:xfrm>
+          <a:prstGeom prst="rect">
+            <a:avLst/>
+          </a:prstGeom>
+        </p:spPr>
+      </p:pic>
+      <p:cxnSp>
+        <p:nvCxnSpPr>
+          <p:cNvPr id="58" name="Connecteur droit 57">
+            <a:extLst>
+              <a:ext uri="{FF2B5EF4-FFF2-40B4-BE49-F238E27FC236}">
+                <a16:creationId xmlns:a16="http://schemas.microsoft.com/office/drawing/2014/main" id="{01599350-F8B0-4FDC-B003-981189A8D654}"/>
+              </a:ext>
+            </a:extLst>
+          </p:cNvPr>
+          <p:cNvCxnSpPr>
+            <a:cxnSpLocks/>
+          </p:cNvCxnSpPr>
+          <p:nvPr/>
+        </p:nvCxnSpPr>
+        <p:spPr>
+          <a:xfrm>
+            <a:off x="2573222" y="454803"/>
+            <a:ext cx="6829482" cy="10398"/>
+          </a:xfrm>
+          <a:prstGeom prst="line">
+            <a:avLst/>
+          </a:prstGeom>
+        </p:spPr>
+        <p:style>
+          <a:lnRef idx="3">
+            <a:schemeClr val="dk1"/>
+          </a:lnRef>
+          <a:fillRef idx="0">
+            <a:schemeClr val="dk1"/>
+          </a:fillRef>
+          <a:effectRef idx="2">
+            <a:schemeClr val="dk1"/>
+          </a:effectRef>
+          <a:fontRef idx="minor">
+            <a:schemeClr val="tx1"/>
+          </a:fontRef>
+        </p:style>
+      </p:cxnSp>
+      <p:cxnSp>
+        <p:nvCxnSpPr>
+          <p:cNvPr id="59" name="Connecteur droit 58">
+            <a:extLst>
+              <a:ext uri="{FF2B5EF4-FFF2-40B4-BE49-F238E27FC236}">
+                <a16:creationId xmlns:a16="http://schemas.microsoft.com/office/drawing/2014/main" id="{BC6E6150-6054-4785-84EC-0C46D82034C2}"/>
+              </a:ext>
+            </a:extLst>
+          </p:cNvPr>
+          <p:cNvCxnSpPr>
+            <a:cxnSpLocks/>
+          </p:cNvCxnSpPr>
+          <p:nvPr/>
+        </p:nvCxnSpPr>
+        <p:spPr>
+          <a:xfrm>
+            <a:off x="738231" y="454803"/>
+            <a:ext cx="344203" cy="484764"/>
+          </a:xfrm>
+          <a:prstGeom prst="line">
+            <a:avLst/>
+          </a:prstGeom>
+        </p:spPr>
+        <p:style>
+          <a:lnRef idx="3">
+            <a:schemeClr val="dk1"/>
+          </a:lnRef>
+          <a:fillRef idx="0">
+            <a:schemeClr val="dk1"/>
+          </a:fillRef>
+          <a:effectRef idx="2">
+            <a:schemeClr val="dk1"/>
+          </a:effectRef>
+          <a:fontRef idx="minor">
+            <a:schemeClr val="tx1"/>
+          </a:fontRef>
+        </p:style>
+      </p:cxnSp>
+      <p:cxnSp>
+        <p:nvCxnSpPr>
+          <p:cNvPr id="60" name="Connecteur droit 59">
+            <a:extLst>
+              <a:ext uri="{FF2B5EF4-FFF2-40B4-BE49-F238E27FC236}">
+                <a16:creationId xmlns:a16="http://schemas.microsoft.com/office/drawing/2014/main" id="{CBC9961A-8EC2-4287-A398-BCA4138D409D}"/>
+              </a:ext>
+            </a:extLst>
+          </p:cNvPr>
+          <p:cNvCxnSpPr>
+            <a:cxnSpLocks/>
+          </p:cNvCxnSpPr>
+          <p:nvPr/>
+        </p:nvCxnSpPr>
+        <p:spPr>
+          <a:xfrm>
+            <a:off x="1082434" y="938268"/>
+            <a:ext cx="1146585" cy="0"/>
+          </a:xfrm>
+          <a:prstGeom prst="line">
+            <a:avLst/>
+          </a:prstGeom>
+        </p:spPr>
+        <p:style>
+          <a:lnRef idx="3">
+            <a:schemeClr val="dk1"/>
+          </a:lnRef>
+          <a:fillRef idx="0">
+            <a:schemeClr val="dk1"/>
+          </a:fillRef>
+          <a:effectRef idx="2">
+            <a:schemeClr val="dk1"/>
+          </a:effectRef>
+          <a:fontRef idx="minor">
+            <a:schemeClr val="tx1"/>
+          </a:fontRef>
+        </p:style>
+      </p:cxnSp>
+      <p:cxnSp>
+        <p:nvCxnSpPr>
+          <p:cNvPr id="61" name="Connecteur droit 60">
+            <a:extLst>
+              <a:ext uri="{FF2B5EF4-FFF2-40B4-BE49-F238E27FC236}">
+                <a16:creationId xmlns:a16="http://schemas.microsoft.com/office/drawing/2014/main" id="{152B7C45-2543-4665-BC07-4DB71CA9F337}"/>
+              </a:ext>
+            </a:extLst>
+          </p:cNvPr>
+          <p:cNvCxnSpPr>
+            <a:cxnSpLocks/>
+          </p:cNvCxnSpPr>
+          <p:nvPr/>
+        </p:nvCxnSpPr>
+        <p:spPr>
+          <a:xfrm>
+            <a:off x="9402704" y="465201"/>
+            <a:ext cx="344203" cy="495163"/>
+          </a:xfrm>
+          <a:prstGeom prst="line">
+            <a:avLst/>
+          </a:prstGeom>
+        </p:spPr>
+        <p:style>
+          <a:lnRef idx="3">
+            <a:schemeClr val="dk1"/>
+          </a:lnRef>
+          <a:fillRef idx="0">
+            <a:schemeClr val="dk1"/>
+          </a:fillRef>
+          <a:effectRef idx="2">
+            <a:schemeClr val="dk1"/>
+          </a:effectRef>
+          <a:fontRef idx="minor">
+            <a:schemeClr val="tx1"/>
+          </a:fontRef>
+        </p:style>
+      </p:cxnSp>
+      <p:cxnSp>
+        <p:nvCxnSpPr>
+          <p:cNvPr id="62" name="Connecteur droit 61">
+            <a:extLst>
+              <a:ext uri="{FF2B5EF4-FFF2-40B4-BE49-F238E27FC236}">
+                <a16:creationId xmlns:a16="http://schemas.microsoft.com/office/drawing/2014/main" id="{00A84DC3-A112-46A3-B71C-04D85339323D}"/>
+              </a:ext>
+            </a:extLst>
+          </p:cNvPr>
+          <p:cNvCxnSpPr>
+            <a:cxnSpLocks/>
+          </p:cNvCxnSpPr>
+          <p:nvPr/>
+        </p:nvCxnSpPr>
+        <p:spPr>
+          <a:xfrm flipH="1">
+            <a:off x="11370469" y="448308"/>
+            <a:ext cx="364332" cy="501657"/>
+          </a:xfrm>
+          <a:prstGeom prst="line">
+            <a:avLst/>
+          </a:prstGeom>
+        </p:spPr>
+        <p:style>
+          <a:lnRef idx="3">
+            <a:schemeClr val="dk1"/>
+          </a:lnRef>
+          <a:fillRef idx="0">
+            <a:schemeClr val="dk1"/>
+          </a:fillRef>
+          <a:effectRef idx="2">
+            <a:schemeClr val="dk1"/>
+          </a:effectRef>
+          <a:fontRef idx="minor">
+            <a:schemeClr val="tx1"/>
+          </a:fontRef>
+        </p:style>
+      </p:cxnSp>
+      <p:cxnSp>
+        <p:nvCxnSpPr>
+          <p:cNvPr id="63" name="Connecteur droit 62">
+            <a:extLst>
+              <a:ext uri="{FF2B5EF4-FFF2-40B4-BE49-F238E27FC236}">
+                <a16:creationId xmlns:a16="http://schemas.microsoft.com/office/drawing/2014/main" id="{C50788C6-8F68-44EC-AB54-94C1D2FE554D}"/>
+              </a:ext>
+            </a:extLst>
+          </p:cNvPr>
+          <p:cNvCxnSpPr>
+            <a:cxnSpLocks/>
+          </p:cNvCxnSpPr>
+          <p:nvPr/>
+        </p:nvCxnSpPr>
+        <p:spPr>
+          <a:xfrm>
+            <a:off x="9743203" y="949965"/>
+            <a:ext cx="1627266" cy="0"/>
+          </a:xfrm>
+          <a:prstGeom prst="line">
+            <a:avLst/>
+          </a:prstGeom>
+        </p:spPr>
+        <p:style>
+          <a:lnRef idx="3">
+            <a:schemeClr val="dk1"/>
+          </a:lnRef>
+          <a:fillRef idx="0">
+            <a:schemeClr val="dk1"/>
+          </a:fillRef>
+          <a:effectRef idx="2">
+            <a:schemeClr val="dk1"/>
+          </a:effectRef>
+          <a:fontRef idx="minor">
+            <a:schemeClr val="tx1"/>
+          </a:fontRef>
+        </p:style>
+      </p:cxnSp>
+      <p:cxnSp>
+        <p:nvCxnSpPr>
+          <p:cNvPr id="64" name="Connecteur droit 63">
+            <a:extLst>
+              <a:ext uri="{FF2B5EF4-FFF2-40B4-BE49-F238E27FC236}">
+                <a16:creationId xmlns:a16="http://schemas.microsoft.com/office/drawing/2014/main" id="{BC4D4E5F-5636-45CB-873C-EC085AB307A3}"/>
+              </a:ext>
+            </a:extLst>
+          </p:cNvPr>
+          <p:cNvCxnSpPr>
+            <a:cxnSpLocks/>
+          </p:cNvCxnSpPr>
+          <p:nvPr/>
+        </p:nvCxnSpPr>
+        <p:spPr>
+          <a:xfrm>
+            <a:off x="11715750" y="454801"/>
+            <a:ext cx="476249" cy="10400"/>
+          </a:xfrm>
+          <a:prstGeom prst="line">
+            <a:avLst/>
+          </a:prstGeom>
+        </p:spPr>
+        <p:style>
+          <a:lnRef idx="3">
+            <a:schemeClr val="dk1"/>
+          </a:lnRef>
+          <a:fillRef idx="0">
+            <a:schemeClr val="dk1"/>
+          </a:fillRef>
+          <a:effectRef idx="2">
+            <a:schemeClr val="dk1"/>
+          </a:effectRef>
+          <a:fontRef idx="minor">
+            <a:schemeClr val="tx1"/>
+          </a:fontRef>
+        </p:style>
+      </p:cxnSp>
+      <p:cxnSp>
+        <p:nvCxnSpPr>
+          <p:cNvPr id="65" name="Connecteur droit 64">
+            <a:extLst>
+              <a:ext uri="{FF2B5EF4-FFF2-40B4-BE49-F238E27FC236}">
+                <a16:creationId xmlns:a16="http://schemas.microsoft.com/office/drawing/2014/main" id="{E6F6B4C5-0E3B-46C9-859D-EE774175D36F}"/>
+              </a:ext>
+            </a:extLst>
+          </p:cNvPr>
+          <p:cNvCxnSpPr>
+            <a:cxnSpLocks/>
+          </p:cNvCxnSpPr>
+          <p:nvPr/>
+        </p:nvCxnSpPr>
+        <p:spPr>
+          <a:xfrm flipH="1">
+            <a:off x="2216372" y="446356"/>
+            <a:ext cx="364332" cy="501657"/>
+          </a:xfrm>
+          <a:prstGeom prst="line">
+            <a:avLst/>
+          </a:prstGeom>
+        </p:spPr>
+        <p:style>
+          <a:lnRef idx="3">
+            <a:schemeClr val="dk1"/>
+          </a:lnRef>
+          <a:fillRef idx="0">
+            <a:schemeClr val="dk1"/>
+          </a:fillRef>
+          <a:effectRef idx="2">
+            <a:schemeClr val="dk1"/>
+          </a:effectRef>
+          <a:fontRef idx="minor">
+            <a:schemeClr val="tx1"/>
+          </a:fontRef>
+        </p:style>
+      </p:cxnSp>
+      <p:sp>
+        <p:nvSpPr>
+          <p:cNvPr id="2" name="ZoneTexte 1">
+            <a:extLst>
+              <a:ext uri="{FF2B5EF4-FFF2-40B4-BE49-F238E27FC236}">
+                <a16:creationId xmlns:a16="http://schemas.microsoft.com/office/drawing/2014/main" id="{128A5370-27C5-4A3F-98D7-D74D075851FE}"/>
+              </a:ext>
+            </a:extLst>
+          </p:cNvPr>
+          <p:cNvSpPr txBox="1"/>
+          <p:nvPr/>
+        </p:nvSpPr>
+        <p:spPr>
+          <a:xfrm>
+            <a:off x="3714642" y="523056"/>
+            <a:ext cx="5110576" cy="769441"/>
+          </a:xfrm>
+          <a:prstGeom prst="rect">
+            <a:avLst/>
+          </a:prstGeom>
+          <a:noFill/>
+        </p:spPr>
+        <p:txBody>
+          <a:bodyPr wrap="square" rtlCol="0">
+            <a:spAutoFit/>
+          </a:bodyPr>
+          <a:lstStyle/>
+          <a:p>
+            <a:r>
+              <a:rPr lang="fr-FR" sz="4400" dirty="0">
+                <a:latin typeface="Berlin Sans FB" panose="020E0602020502020306" pitchFamily="34" charset="0"/>
+              </a:rPr>
+              <a:t>Solutions trouvées</a:t>
+            </a:r>
+          </a:p>
+        </p:txBody>
+      </p:sp>
+      <p:sp>
+        <p:nvSpPr>
+          <p:cNvPr id="7" name="ZoneTexte 6">
+            <a:extLst>
+              <a:ext uri="{FF2B5EF4-FFF2-40B4-BE49-F238E27FC236}">
+                <a16:creationId xmlns:a16="http://schemas.microsoft.com/office/drawing/2014/main" id="{F5143EC5-EF8B-4615-B050-3E12BF28AC28}"/>
+              </a:ext>
+            </a:extLst>
+          </p:cNvPr>
+          <p:cNvSpPr txBox="1"/>
+          <p:nvPr/>
+        </p:nvSpPr>
+        <p:spPr>
+          <a:xfrm>
+            <a:off x="3714642" y="1427584"/>
+            <a:ext cx="4309685" cy="523220"/>
+          </a:xfrm>
+          <a:prstGeom prst="rect">
+            <a:avLst/>
+          </a:prstGeom>
+          <a:noFill/>
+        </p:spPr>
+        <p:txBody>
+          <a:bodyPr wrap="square" rtlCol="0">
+            <a:spAutoFit/>
+          </a:bodyPr>
+          <a:lstStyle/>
+          <a:p>
+            <a:r>
+              <a:rPr lang="fr-FR" sz="2800" dirty="0"/>
+              <a:t>Partie 4 : </a:t>
+            </a:r>
+            <a:r>
+              <a:rPr lang="fr-FR" sz="2800" dirty="0" err="1"/>
+              <a:t>Solarimètre</a:t>
+            </a:r>
+            <a:endParaRPr lang="fr-FR" sz="2800" dirty="0"/>
+          </a:p>
+        </p:txBody>
+      </p:sp>
+      <p:sp>
+        <p:nvSpPr>
+          <p:cNvPr id="3" name="ZoneTexte 2">
+            <a:extLst>
+              <a:ext uri="{FF2B5EF4-FFF2-40B4-BE49-F238E27FC236}">
+                <a16:creationId xmlns:a16="http://schemas.microsoft.com/office/drawing/2014/main" id="{8D504744-EF74-4363-BB0C-F028F2A7F9E7}"/>
+              </a:ext>
+            </a:extLst>
+          </p:cNvPr>
+          <p:cNvSpPr txBox="1"/>
+          <p:nvPr/>
+        </p:nvSpPr>
+        <p:spPr>
+          <a:xfrm>
+            <a:off x="4297959" y="2927758"/>
+            <a:ext cx="7894040" cy="1569660"/>
+          </a:xfrm>
+          <a:prstGeom prst="rect">
+            <a:avLst/>
+          </a:prstGeom>
+          <a:noFill/>
+        </p:spPr>
+        <p:txBody>
+          <a:bodyPr wrap="square" rtlCol="0">
+            <a:spAutoFit/>
+          </a:bodyPr>
+          <a:lstStyle/>
+          <a:p>
+            <a:r>
+              <a:rPr lang="fr-FR" sz="9600" dirty="0"/>
+              <a:t>NULL</a:t>
+            </a:r>
+          </a:p>
+        </p:txBody>
+      </p:sp>
+    </p:spTree>
+    <p:extLst>
+      <p:ext uri="{BB962C8B-B14F-4D97-AF65-F5344CB8AC3E}">
+        <p14:creationId xmlns:p14="http://schemas.microsoft.com/office/powerpoint/2010/main" val="2016539032"/>
+      </p:ext>
+    </p:extLst>
+  </p:cSld>
+  <p:clrMapOvr>
+    <a:masterClrMapping/>
+  </p:clrMapOvr>
+  <mc:AlternateContent xmlns:mc="http://schemas.openxmlformats.org/markup-compatibility/2006" xmlns:p14="http://schemas.microsoft.com/office/powerpoint/2010/main">
+    <mc:Choice Requires="p14">
+      <p:transition spd="slow">
+        <p14:reveal/>
+      </p:transition>
+    </mc:Choice>
+    <mc:Fallback xmlns="">
+      <p:transition spd="slow">
+        <p:fade/>
+      </p:transition>
+    </mc:Fallback>
+  </mc:AlternateContent>
+</p:sld>
+</file>
+
+<file path=ppt/slides/slide15.xml><?xml version="1.0" encoding="utf-8"?>
+<p:sld xmlns:a="http://schemas.openxmlformats.org/drawingml/2006/main" xmlns:r="http://schemas.openxmlformats.org/officeDocument/2006/relationships" xmlns:p="http://schemas.openxmlformats.org/presentationml/2006/main">
+  <p:cSld>
+    <p:spTree>
+      <p:nvGrpSpPr>
+        <p:cNvPr id="1" name=""/>
+        <p:cNvGrpSpPr/>
+        <p:nvPr/>
+      </p:nvGrpSpPr>
+      <p:grpSpPr>
+        <a:xfrm>
+          <a:off x="0" y="0"/>
+          <a:ext cx="0" cy="0"/>
+          <a:chOff x="0" y="0"/>
+          <a:chExt cx="0" cy="0"/>
+        </a:xfrm>
+      </p:grpSpPr>
+      <p:pic>
+        <p:nvPicPr>
+          <p:cNvPr id="8" name="Image 7">
+            <a:extLst>
+              <a:ext uri="{FF2B5EF4-FFF2-40B4-BE49-F238E27FC236}">
+                <a16:creationId xmlns:a16="http://schemas.microsoft.com/office/drawing/2014/main" id="{2BB825C5-31DA-4A56-85EA-536DBF510A31}"/>
+              </a:ext>
+            </a:extLst>
+          </p:cNvPr>
+          <p:cNvPicPr>
+            <a:picLocks noChangeAspect="1"/>
+          </p:cNvPicPr>
+          <p:nvPr/>
+        </p:nvPicPr>
+        <p:blipFill>
+          <a:blip r:embed="rId2">
+            <a:extLst>
+              <a:ext uri="{28A0092B-C50C-407E-A947-70E740481C1C}">
+                <a14:useLocalDpi xmlns:a14="http://schemas.microsoft.com/office/drawing/2010/main" val="0"/>
+              </a:ext>
+            </a:extLst>
+          </a:blip>
+          <a:stretch>
+            <a:fillRect/>
+          </a:stretch>
+        </p:blipFill>
+        <p:spPr>
+          <a:xfrm>
+            <a:off x="1068751" y="66457"/>
+            <a:ext cx="1259497" cy="776690"/>
+          </a:xfrm>
+          <a:prstGeom prst="rect">
+            <a:avLst/>
+          </a:prstGeom>
+        </p:spPr>
+      </p:pic>
+      <p:pic>
+        <p:nvPicPr>
+          <p:cNvPr id="10" name="Image 9">
+            <a:extLst>
+              <a:ext uri="{FF2B5EF4-FFF2-40B4-BE49-F238E27FC236}">
+                <a16:creationId xmlns:a16="http://schemas.microsoft.com/office/drawing/2014/main" id="{8EE7436F-49F2-41E0-93E4-D247B4705294}"/>
+              </a:ext>
+            </a:extLst>
+          </p:cNvPr>
+          <p:cNvPicPr>
+            <a:picLocks noChangeAspect="1"/>
+          </p:cNvPicPr>
+          <p:nvPr/>
+        </p:nvPicPr>
+        <p:blipFill>
+          <a:blip r:embed="rId3">
+            <a:extLst>
+              <a:ext uri="{28A0092B-C50C-407E-A947-70E740481C1C}">
+                <a14:useLocalDpi xmlns:a14="http://schemas.microsoft.com/office/drawing/2010/main" val="0"/>
+              </a:ext>
+            </a:extLst>
+          </a:blip>
+          <a:stretch>
+            <a:fillRect/>
+          </a:stretch>
+        </p:blipFill>
+        <p:spPr>
+          <a:xfrm>
+            <a:off x="9681085" y="238153"/>
+            <a:ext cx="1802101" cy="569807"/>
+          </a:xfrm>
+          <a:prstGeom prst="rect">
+            <a:avLst/>
+          </a:prstGeom>
+        </p:spPr>
+      </p:pic>
+      <p:cxnSp>
+        <p:nvCxnSpPr>
+          <p:cNvPr id="16" name="Connecteur droit 15">
+            <a:extLst>
+              <a:ext uri="{FF2B5EF4-FFF2-40B4-BE49-F238E27FC236}">
+                <a16:creationId xmlns:a16="http://schemas.microsoft.com/office/drawing/2014/main" id="{7319284A-BD6F-4A96-8E2B-E0A4B52E53C6}"/>
+              </a:ext>
+            </a:extLst>
+          </p:cNvPr>
+          <p:cNvCxnSpPr>
+            <a:cxnSpLocks/>
+          </p:cNvCxnSpPr>
+          <p:nvPr/>
+        </p:nvCxnSpPr>
+        <p:spPr>
+          <a:xfrm flipV="1">
+            <a:off x="0" y="454803"/>
+            <a:ext cx="738231" cy="1798"/>
+          </a:xfrm>
+          <a:prstGeom prst="line">
+            <a:avLst/>
+          </a:prstGeom>
+        </p:spPr>
+        <p:style>
+          <a:lnRef idx="3">
+            <a:schemeClr val="dk1"/>
+          </a:lnRef>
+          <a:fillRef idx="0">
+            <a:schemeClr val="dk1"/>
+          </a:fillRef>
+          <a:effectRef idx="2">
+            <a:schemeClr val="dk1"/>
+          </a:effectRef>
+          <a:fontRef idx="minor">
+            <a:schemeClr val="tx1"/>
+          </a:fontRef>
+        </p:style>
+      </p:cxnSp>
+      <p:cxnSp>
+        <p:nvCxnSpPr>
+          <p:cNvPr id="20" name="Connecteur droit 19">
+            <a:extLst>
+              <a:ext uri="{FF2B5EF4-FFF2-40B4-BE49-F238E27FC236}">
+                <a16:creationId xmlns:a16="http://schemas.microsoft.com/office/drawing/2014/main" id="{08874CF7-F149-4C81-B61E-74E18342BA8A}"/>
+              </a:ext>
+            </a:extLst>
+          </p:cNvPr>
+          <p:cNvCxnSpPr>
+            <a:cxnSpLocks/>
+          </p:cNvCxnSpPr>
+          <p:nvPr/>
+        </p:nvCxnSpPr>
+        <p:spPr>
+          <a:xfrm>
+            <a:off x="2573222" y="454803"/>
+            <a:ext cx="6829482" cy="10398"/>
+          </a:xfrm>
+          <a:prstGeom prst="line">
+            <a:avLst/>
+          </a:prstGeom>
+        </p:spPr>
+        <p:style>
+          <a:lnRef idx="3">
+            <a:schemeClr val="dk1"/>
+          </a:lnRef>
+          <a:fillRef idx="0">
+            <a:schemeClr val="dk1"/>
+          </a:fillRef>
+          <a:effectRef idx="2">
+            <a:schemeClr val="dk1"/>
+          </a:effectRef>
+          <a:fontRef idx="minor">
+            <a:schemeClr val="tx1"/>
+          </a:fontRef>
+        </p:style>
+      </p:cxnSp>
+      <p:cxnSp>
+        <p:nvCxnSpPr>
+          <p:cNvPr id="26" name="Connecteur droit 25">
+            <a:extLst>
+              <a:ext uri="{FF2B5EF4-FFF2-40B4-BE49-F238E27FC236}">
+                <a16:creationId xmlns:a16="http://schemas.microsoft.com/office/drawing/2014/main" id="{BB3B35CC-057B-48C1-880F-3306A6559175}"/>
+              </a:ext>
+            </a:extLst>
+          </p:cNvPr>
+          <p:cNvCxnSpPr>
+            <a:cxnSpLocks/>
+          </p:cNvCxnSpPr>
+          <p:nvPr/>
+        </p:nvCxnSpPr>
+        <p:spPr>
+          <a:xfrm>
+            <a:off x="738231" y="454803"/>
+            <a:ext cx="344203" cy="484764"/>
+          </a:xfrm>
+          <a:prstGeom prst="line">
+            <a:avLst/>
+          </a:prstGeom>
+        </p:spPr>
+        <p:style>
+          <a:lnRef idx="3">
+            <a:schemeClr val="dk1"/>
+          </a:lnRef>
+          <a:fillRef idx="0">
+            <a:schemeClr val="dk1"/>
+          </a:fillRef>
+          <a:effectRef idx="2">
+            <a:schemeClr val="dk1"/>
+          </a:effectRef>
+          <a:fontRef idx="minor">
+            <a:schemeClr val="tx1"/>
+          </a:fontRef>
+        </p:style>
+      </p:cxnSp>
+      <p:cxnSp>
+        <p:nvCxnSpPr>
+          <p:cNvPr id="32" name="Connecteur droit 31">
+            <a:extLst>
+              <a:ext uri="{FF2B5EF4-FFF2-40B4-BE49-F238E27FC236}">
+                <a16:creationId xmlns:a16="http://schemas.microsoft.com/office/drawing/2014/main" id="{4AD96496-1EB6-4E48-9BB2-5C255495C686}"/>
+              </a:ext>
+            </a:extLst>
+          </p:cNvPr>
+          <p:cNvCxnSpPr>
+            <a:cxnSpLocks/>
+          </p:cNvCxnSpPr>
+          <p:nvPr/>
+        </p:nvCxnSpPr>
+        <p:spPr>
+          <a:xfrm>
+            <a:off x="1082434" y="938268"/>
+            <a:ext cx="1146585" cy="0"/>
+          </a:xfrm>
+          <a:prstGeom prst="line">
+            <a:avLst/>
+          </a:prstGeom>
+        </p:spPr>
+        <p:style>
+          <a:lnRef idx="3">
+            <a:schemeClr val="dk1"/>
+          </a:lnRef>
+          <a:fillRef idx="0">
+            <a:schemeClr val="dk1"/>
+          </a:fillRef>
+          <a:effectRef idx="2">
+            <a:schemeClr val="dk1"/>
+          </a:effectRef>
+          <a:fontRef idx="minor">
+            <a:schemeClr val="tx1"/>
+          </a:fontRef>
+        </p:style>
+      </p:cxnSp>
+      <p:cxnSp>
+        <p:nvCxnSpPr>
+          <p:cNvPr id="51" name="Connecteur droit 50">
+            <a:extLst>
+              <a:ext uri="{FF2B5EF4-FFF2-40B4-BE49-F238E27FC236}">
+                <a16:creationId xmlns:a16="http://schemas.microsoft.com/office/drawing/2014/main" id="{C035BFA6-ECBF-4775-BA81-19D2CA41AA8D}"/>
+              </a:ext>
+            </a:extLst>
+          </p:cNvPr>
+          <p:cNvCxnSpPr>
+            <a:cxnSpLocks/>
+          </p:cNvCxnSpPr>
+          <p:nvPr/>
+        </p:nvCxnSpPr>
+        <p:spPr>
+          <a:xfrm>
+            <a:off x="9402704" y="465201"/>
+            <a:ext cx="344203" cy="495163"/>
+          </a:xfrm>
+          <a:prstGeom prst="line">
+            <a:avLst/>
+          </a:prstGeom>
+        </p:spPr>
+        <p:style>
+          <a:lnRef idx="3">
+            <a:schemeClr val="dk1"/>
+          </a:lnRef>
+          <a:fillRef idx="0">
+            <a:schemeClr val="dk1"/>
+          </a:fillRef>
+          <a:effectRef idx="2">
+            <a:schemeClr val="dk1"/>
+          </a:effectRef>
+          <a:fontRef idx="minor">
+            <a:schemeClr val="tx1"/>
+          </a:fontRef>
+        </p:style>
+      </p:cxnSp>
+      <p:cxnSp>
+        <p:nvCxnSpPr>
+          <p:cNvPr id="52" name="Connecteur droit 51">
+            <a:extLst>
+              <a:ext uri="{FF2B5EF4-FFF2-40B4-BE49-F238E27FC236}">
+                <a16:creationId xmlns:a16="http://schemas.microsoft.com/office/drawing/2014/main" id="{FA310BC7-694B-4984-99A2-61A1F4F6EBF9}"/>
+              </a:ext>
+            </a:extLst>
+          </p:cNvPr>
+          <p:cNvCxnSpPr>
+            <a:cxnSpLocks/>
+          </p:cNvCxnSpPr>
+          <p:nvPr/>
+        </p:nvCxnSpPr>
+        <p:spPr>
+          <a:xfrm flipH="1">
+            <a:off x="11370469" y="448308"/>
+            <a:ext cx="364332" cy="501657"/>
+          </a:xfrm>
+          <a:prstGeom prst="line">
+            <a:avLst/>
+          </a:prstGeom>
+        </p:spPr>
+        <p:style>
+          <a:lnRef idx="3">
+            <a:schemeClr val="dk1"/>
+          </a:lnRef>
+          <a:fillRef idx="0">
+            <a:schemeClr val="dk1"/>
+          </a:fillRef>
+          <a:effectRef idx="2">
+            <a:schemeClr val="dk1"/>
+          </a:effectRef>
+          <a:fontRef idx="minor">
+            <a:schemeClr val="tx1"/>
+          </a:fontRef>
+        </p:style>
+      </p:cxnSp>
+      <p:cxnSp>
+        <p:nvCxnSpPr>
+          <p:cNvPr id="53" name="Connecteur droit 52">
+            <a:extLst>
+              <a:ext uri="{FF2B5EF4-FFF2-40B4-BE49-F238E27FC236}">
+                <a16:creationId xmlns:a16="http://schemas.microsoft.com/office/drawing/2014/main" id="{BE0649BD-EE59-4DDA-960F-95B2572F9F13}"/>
+              </a:ext>
+            </a:extLst>
+          </p:cNvPr>
+          <p:cNvCxnSpPr>
+            <a:cxnSpLocks/>
+          </p:cNvCxnSpPr>
+          <p:nvPr/>
+        </p:nvCxnSpPr>
+        <p:spPr>
+          <a:xfrm>
+            <a:off x="9743203" y="949965"/>
+            <a:ext cx="1627266" cy="0"/>
+          </a:xfrm>
+          <a:prstGeom prst="line">
+            <a:avLst/>
+          </a:prstGeom>
+        </p:spPr>
+        <p:style>
+          <a:lnRef idx="3">
+            <a:schemeClr val="dk1"/>
+          </a:lnRef>
+          <a:fillRef idx="0">
+            <a:schemeClr val="dk1"/>
+          </a:fillRef>
+          <a:effectRef idx="2">
+            <a:schemeClr val="dk1"/>
+          </a:effectRef>
+          <a:fontRef idx="minor">
+            <a:schemeClr val="tx1"/>
+          </a:fontRef>
+        </p:style>
+      </p:cxnSp>
+      <p:cxnSp>
+        <p:nvCxnSpPr>
+          <p:cNvPr id="55" name="Connecteur droit 54">
+            <a:extLst>
+              <a:ext uri="{FF2B5EF4-FFF2-40B4-BE49-F238E27FC236}">
+                <a16:creationId xmlns:a16="http://schemas.microsoft.com/office/drawing/2014/main" id="{52AA9200-DAFA-4EEF-AC13-4C7CE82A59EC}"/>
+              </a:ext>
+            </a:extLst>
+          </p:cNvPr>
+          <p:cNvCxnSpPr>
+            <a:cxnSpLocks/>
+          </p:cNvCxnSpPr>
+          <p:nvPr/>
+        </p:nvCxnSpPr>
+        <p:spPr>
+          <a:xfrm>
+            <a:off x="11715750" y="454801"/>
+            <a:ext cx="476249" cy="10400"/>
+          </a:xfrm>
+          <a:prstGeom prst="line">
+            <a:avLst/>
+          </a:prstGeom>
+        </p:spPr>
+        <p:style>
+          <a:lnRef idx="3">
+            <a:schemeClr val="dk1"/>
+          </a:lnRef>
+          <a:fillRef idx="0">
+            <a:schemeClr val="dk1"/>
+          </a:fillRef>
+          <a:effectRef idx="2">
+            <a:schemeClr val="dk1"/>
+          </a:effectRef>
+          <a:fontRef idx="minor">
+            <a:schemeClr val="tx1"/>
+          </a:fontRef>
+        </p:style>
+      </p:cxnSp>
+      <p:cxnSp>
+        <p:nvCxnSpPr>
+          <p:cNvPr id="23" name="Connecteur droit 22">
+            <a:extLst>
+              <a:ext uri="{FF2B5EF4-FFF2-40B4-BE49-F238E27FC236}">
+                <a16:creationId xmlns:a16="http://schemas.microsoft.com/office/drawing/2014/main" id="{BCB092C8-0080-4E56-957E-0046D4C83988}"/>
+              </a:ext>
+            </a:extLst>
+          </p:cNvPr>
+          <p:cNvCxnSpPr>
+            <a:cxnSpLocks/>
+          </p:cNvCxnSpPr>
+          <p:nvPr/>
+        </p:nvCxnSpPr>
+        <p:spPr>
+          <a:xfrm flipH="1">
+            <a:off x="2216372" y="446356"/>
+            <a:ext cx="364332" cy="501657"/>
+          </a:xfrm>
+          <a:prstGeom prst="line">
+            <a:avLst/>
+          </a:prstGeom>
+        </p:spPr>
+        <p:style>
+          <a:lnRef idx="3">
+            <a:schemeClr val="dk1"/>
+          </a:lnRef>
+          <a:fillRef idx="0">
+            <a:schemeClr val="dk1"/>
+          </a:fillRef>
+          <a:effectRef idx="2">
+            <a:schemeClr val="dk1"/>
+          </a:effectRef>
+          <a:fontRef idx="minor">
+            <a:schemeClr val="tx1"/>
+          </a:fontRef>
+        </p:style>
+      </p:cxnSp>
+      <p:pic>
+        <p:nvPicPr>
+          <p:cNvPr id="57" name="Image 56">
+            <a:extLst>
+              <a:ext uri="{FF2B5EF4-FFF2-40B4-BE49-F238E27FC236}">
+                <a16:creationId xmlns:a16="http://schemas.microsoft.com/office/drawing/2014/main" id="{12B16FB2-5844-4B92-AE69-9BAC858C22BB}"/>
+              </a:ext>
+            </a:extLst>
+          </p:cNvPr>
+          <p:cNvPicPr>
+            <a:picLocks noChangeAspect="1"/>
+          </p:cNvPicPr>
+          <p:nvPr/>
+        </p:nvPicPr>
+        <p:blipFill>
+          <a:blip r:embed="rId3">
+            <a:extLst>
+              <a:ext uri="{28A0092B-C50C-407E-A947-70E740481C1C}">
+                <a14:useLocalDpi xmlns:a14="http://schemas.microsoft.com/office/drawing/2010/main" val="0"/>
+              </a:ext>
+            </a:extLst>
+          </a:blip>
+          <a:stretch>
+            <a:fillRect/>
+          </a:stretch>
+        </p:blipFill>
+        <p:spPr>
+          <a:xfrm>
+            <a:off x="9681085" y="238153"/>
+            <a:ext cx="1802101" cy="569807"/>
+          </a:xfrm>
+          <a:prstGeom prst="rect">
+            <a:avLst/>
+          </a:prstGeom>
+        </p:spPr>
+      </p:pic>
+      <p:cxnSp>
+        <p:nvCxnSpPr>
+          <p:cNvPr id="58" name="Connecteur droit 57">
+            <a:extLst>
+              <a:ext uri="{FF2B5EF4-FFF2-40B4-BE49-F238E27FC236}">
+                <a16:creationId xmlns:a16="http://schemas.microsoft.com/office/drawing/2014/main" id="{01599350-F8B0-4FDC-B003-981189A8D654}"/>
+              </a:ext>
+            </a:extLst>
+          </p:cNvPr>
+          <p:cNvCxnSpPr>
+            <a:cxnSpLocks/>
+          </p:cNvCxnSpPr>
+          <p:nvPr/>
+        </p:nvCxnSpPr>
+        <p:spPr>
+          <a:xfrm>
+            <a:off x="2573222" y="454803"/>
+            <a:ext cx="6829482" cy="10398"/>
+          </a:xfrm>
+          <a:prstGeom prst="line">
+            <a:avLst/>
+          </a:prstGeom>
+        </p:spPr>
+        <p:style>
+          <a:lnRef idx="3">
+            <a:schemeClr val="dk1"/>
+          </a:lnRef>
+          <a:fillRef idx="0">
+            <a:schemeClr val="dk1"/>
+          </a:fillRef>
+          <a:effectRef idx="2">
+            <a:schemeClr val="dk1"/>
+          </a:effectRef>
+          <a:fontRef idx="minor">
+            <a:schemeClr val="tx1"/>
+          </a:fontRef>
+        </p:style>
+      </p:cxnSp>
+      <p:cxnSp>
+        <p:nvCxnSpPr>
+          <p:cNvPr id="59" name="Connecteur droit 58">
+            <a:extLst>
+              <a:ext uri="{FF2B5EF4-FFF2-40B4-BE49-F238E27FC236}">
+                <a16:creationId xmlns:a16="http://schemas.microsoft.com/office/drawing/2014/main" id="{BC6E6150-6054-4785-84EC-0C46D82034C2}"/>
+              </a:ext>
+            </a:extLst>
+          </p:cNvPr>
+          <p:cNvCxnSpPr>
+            <a:cxnSpLocks/>
+          </p:cNvCxnSpPr>
+          <p:nvPr/>
+        </p:nvCxnSpPr>
+        <p:spPr>
+          <a:xfrm>
+            <a:off x="738231" y="454803"/>
+            <a:ext cx="344203" cy="484764"/>
+          </a:xfrm>
+          <a:prstGeom prst="line">
+            <a:avLst/>
+          </a:prstGeom>
+        </p:spPr>
+        <p:style>
+          <a:lnRef idx="3">
+            <a:schemeClr val="dk1"/>
+          </a:lnRef>
+          <a:fillRef idx="0">
+            <a:schemeClr val="dk1"/>
+          </a:fillRef>
+          <a:effectRef idx="2">
+            <a:schemeClr val="dk1"/>
+          </a:effectRef>
+          <a:fontRef idx="minor">
+            <a:schemeClr val="tx1"/>
+          </a:fontRef>
+        </p:style>
+      </p:cxnSp>
+      <p:cxnSp>
+        <p:nvCxnSpPr>
+          <p:cNvPr id="60" name="Connecteur droit 59">
+            <a:extLst>
+              <a:ext uri="{FF2B5EF4-FFF2-40B4-BE49-F238E27FC236}">
+                <a16:creationId xmlns:a16="http://schemas.microsoft.com/office/drawing/2014/main" id="{CBC9961A-8EC2-4287-A398-BCA4138D409D}"/>
+              </a:ext>
+            </a:extLst>
+          </p:cNvPr>
+          <p:cNvCxnSpPr>
+            <a:cxnSpLocks/>
+          </p:cNvCxnSpPr>
+          <p:nvPr/>
+        </p:nvCxnSpPr>
+        <p:spPr>
+          <a:xfrm>
+            <a:off x="1082434" y="938268"/>
+            <a:ext cx="1146585" cy="0"/>
+          </a:xfrm>
+          <a:prstGeom prst="line">
+            <a:avLst/>
+          </a:prstGeom>
+        </p:spPr>
+        <p:style>
+          <a:lnRef idx="3">
+            <a:schemeClr val="dk1"/>
+          </a:lnRef>
+          <a:fillRef idx="0">
+            <a:schemeClr val="dk1"/>
+          </a:fillRef>
+          <a:effectRef idx="2">
+            <a:schemeClr val="dk1"/>
+          </a:effectRef>
+          <a:fontRef idx="minor">
+            <a:schemeClr val="tx1"/>
+          </a:fontRef>
+        </p:style>
+      </p:cxnSp>
+      <p:cxnSp>
+        <p:nvCxnSpPr>
+          <p:cNvPr id="61" name="Connecteur droit 60">
+            <a:extLst>
+              <a:ext uri="{FF2B5EF4-FFF2-40B4-BE49-F238E27FC236}">
+                <a16:creationId xmlns:a16="http://schemas.microsoft.com/office/drawing/2014/main" id="{152B7C45-2543-4665-BC07-4DB71CA9F337}"/>
+              </a:ext>
+            </a:extLst>
+          </p:cNvPr>
+          <p:cNvCxnSpPr>
+            <a:cxnSpLocks/>
+          </p:cNvCxnSpPr>
+          <p:nvPr/>
+        </p:nvCxnSpPr>
+        <p:spPr>
+          <a:xfrm>
+            <a:off x="9402704" y="465201"/>
+            <a:ext cx="344203" cy="495163"/>
+          </a:xfrm>
+          <a:prstGeom prst="line">
+            <a:avLst/>
+          </a:prstGeom>
+        </p:spPr>
+        <p:style>
+          <a:lnRef idx="3">
+            <a:schemeClr val="dk1"/>
+          </a:lnRef>
+          <a:fillRef idx="0">
+            <a:schemeClr val="dk1"/>
+          </a:fillRef>
+          <a:effectRef idx="2">
+            <a:schemeClr val="dk1"/>
+          </a:effectRef>
+          <a:fontRef idx="minor">
+            <a:schemeClr val="tx1"/>
+          </a:fontRef>
+        </p:style>
+      </p:cxnSp>
+      <p:cxnSp>
+        <p:nvCxnSpPr>
+          <p:cNvPr id="62" name="Connecteur droit 61">
+            <a:extLst>
+              <a:ext uri="{FF2B5EF4-FFF2-40B4-BE49-F238E27FC236}">
+                <a16:creationId xmlns:a16="http://schemas.microsoft.com/office/drawing/2014/main" id="{00A84DC3-A112-46A3-B71C-04D85339323D}"/>
+              </a:ext>
+            </a:extLst>
+          </p:cNvPr>
+          <p:cNvCxnSpPr>
+            <a:cxnSpLocks/>
+          </p:cNvCxnSpPr>
+          <p:nvPr/>
+        </p:nvCxnSpPr>
+        <p:spPr>
+          <a:xfrm flipH="1">
+            <a:off x="11370469" y="448308"/>
+            <a:ext cx="364332" cy="501657"/>
+          </a:xfrm>
+          <a:prstGeom prst="line">
+            <a:avLst/>
+          </a:prstGeom>
+        </p:spPr>
+        <p:style>
+          <a:lnRef idx="3">
+            <a:schemeClr val="dk1"/>
+          </a:lnRef>
+          <a:fillRef idx="0">
+            <a:schemeClr val="dk1"/>
+          </a:fillRef>
+          <a:effectRef idx="2">
+            <a:schemeClr val="dk1"/>
+          </a:effectRef>
+          <a:fontRef idx="minor">
+            <a:schemeClr val="tx1"/>
+          </a:fontRef>
+        </p:style>
+      </p:cxnSp>
+      <p:cxnSp>
+        <p:nvCxnSpPr>
+          <p:cNvPr id="63" name="Connecteur droit 62">
+            <a:extLst>
+              <a:ext uri="{FF2B5EF4-FFF2-40B4-BE49-F238E27FC236}">
+                <a16:creationId xmlns:a16="http://schemas.microsoft.com/office/drawing/2014/main" id="{C50788C6-8F68-44EC-AB54-94C1D2FE554D}"/>
+              </a:ext>
+            </a:extLst>
+          </p:cNvPr>
+          <p:cNvCxnSpPr>
+            <a:cxnSpLocks/>
+          </p:cNvCxnSpPr>
+          <p:nvPr/>
+        </p:nvCxnSpPr>
+        <p:spPr>
+          <a:xfrm>
+            <a:off x="9743203" y="949965"/>
+            <a:ext cx="1627266" cy="0"/>
+          </a:xfrm>
+          <a:prstGeom prst="line">
+            <a:avLst/>
+          </a:prstGeom>
+        </p:spPr>
+        <p:style>
+          <a:lnRef idx="3">
+            <a:schemeClr val="dk1"/>
+          </a:lnRef>
+          <a:fillRef idx="0">
+            <a:schemeClr val="dk1"/>
+          </a:fillRef>
+          <a:effectRef idx="2">
+            <a:schemeClr val="dk1"/>
+          </a:effectRef>
+          <a:fontRef idx="minor">
+            <a:schemeClr val="tx1"/>
+          </a:fontRef>
+        </p:style>
+      </p:cxnSp>
+      <p:cxnSp>
+        <p:nvCxnSpPr>
+          <p:cNvPr id="64" name="Connecteur droit 63">
+            <a:extLst>
+              <a:ext uri="{FF2B5EF4-FFF2-40B4-BE49-F238E27FC236}">
+                <a16:creationId xmlns:a16="http://schemas.microsoft.com/office/drawing/2014/main" id="{BC4D4E5F-5636-45CB-873C-EC085AB307A3}"/>
+              </a:ext>
+            </a:extLst>
+          </p:cNvPr>
+          <p:cNvCxnSpPr>
+            <a:cxnSpLocks/>
+          </p:cNvCxnSpPr>
+          <p:nvPr/>
+        </p:nvCxnSpPr>
+        <p:spPr>
+          <a:xfrm>
+            <a:off x="11715750" y="454801"/>
+            <a:ext cx="476249" cy="10400"/>
+          </a:xfrm>
+          <a:prstGeom prst="line">
+            <a:avLst/>
+          </a:prstGeom>
+        </p:spPr>
+        <p:style>
+          <a:lnRef idx="3">
+            <a:schemeClr val="dk1"/>
+          </a:lnRef>
+          <a:fillRef idx="0">
+            <a:schemeClr val="dk1"/>
+          </a:fillRef>
+          <a:effectRef idx="2">
+            <a:schemeClr val="dk1"/>
+          </a:effectRef>
+          <a:fontRef idx="minor">
+            <a:schemeClr val="tx1"/>
+          </a:fontRef>
+        </p:style>
+      </p:cxnSp>
+      <p:cxnSp>
+        <p:nvCxnSpPr>
+          <p:cNvPr id="65" name="Connecteur droit 64">
+            <a:extLst>
+              <a:ext uri="{FF2B5EF4-FFF2-40B4-BE49-F238E27FC236}">
+                <a16:creationId xmlns:a16="http://schemas.microsoft.com/office/drawing/2014/main" id="{E6F6B4C5-0E3B-46C9-859D-EE774175D36F}"/>
+              </a:ext>
+            </a:extLst>
+          </p:cNvPr>
+          <p:cNvCxnSpPr>
+            <a:cxnSpLocks/>
+          </p:cNvCxnSpPr>
+          <p:nvPr/>
+        </p:nvCxnSpPr>
+        <p:spPr>
+          <a:xfrm flipH="1">
+            <a:off x="2216372" y="446356"/>
+            <a:ext cx="364332" cy="501657"/>
+          </a:xfrm>
+          <a:prstGeom prst="line">
+            <a:avLst/>
+          </a:prstGeom>
+        </p:spPr>
+        <p:style>
+          <a:lnRef idx="3">
+            <a:schemeClr val="dk1"/>
+          </a:lnRef>
+          <a:fillRef idx="0">
+            <a:schemeClr val="dk1"/>
+          </a:fillRef>
+          <a:effectRef idx="2">
+            <a:schemeClr val="dk1"/>
+          </a:effectRef>
+          <a:fontRef idx="minor">
+            <a:schemeClr val="tx1"/>
+          </a:fontRef>
+        </p:style>
+      </p:cxnSp>
+      <p:sp>
+        <p:nvSpPr>
+          <p:cNvPr id="2" name="ZoneTexte 1">
+            <a:extLst>
+              <a:ext uri="{FF2B5EF4-FFF2-40B4-BE49-F238E27FC236}">
+                <a16:creationId xmlns:a16="http://schemas.microsoft.com/office/drawing/2014/main" id="{128A5370-27C5-4A3F-98D7-D74D075851FE}"/>
+              </a:ext>
+            </a:extLst>
+          </p:cNvPr>
+          <p:cNvSpPr txBox="1"/>
+          <p:nvPr/>
+        </p:nvSpPr>
+        <p:spPr>
+          <a:xfrm>
             <a:off x="4569176" y="523056"/>
             <a:ext cx="2659224" cy="769441"/>
           </a:xfrm>
@@ -8022,7 +10704,7 @@
 </p:sld>
 </file>
 
-<file path=ppt/slides/slide13.xml><?xml version="1.0" encoding="utf-8"?>
+<file path=ppt/slides/slide16.xml><?xml version="1.0" encoding="utf-8"?>
 <p:sld xmlns:a="http://schemas.openxmlformats.org/drawingml/2006/main" xmlns:r="http://schemas.openxmlformats.org/officeDocument/2006/relationships" xmlns:p="http://schemas.openxmlformats.org/presentationml/2006/main">
   <p:cSld>
     <p:spTree>

--- a/oral_projet/revue_2/diaporama_revue_2_steven.pptx
+++ b/oral_projet/revue_2/diaporama_revue_2_steven.pptx
@@ -20528,42 +20528,6 @@
           </a:p>
         </p:txBody>
       </p:sp>
-      <p:pic>
-        <p:nvPicPr>
-          <p:cNvPr id="11" name="Image 10">
-            <a:extLst>
-              <a:ext uri="{FF2B5EF4-FFF2-40B4-BE49-F238E27FC236}">
-                <a16:creationId xmlns:a16="http://schemas.microsoft.com/office/drawing/2014/main" id="{86B33DD6-7E4D-4C02-A197-909EE2B10B7B}"/>
-              </a:ext>
-            </a:extLst>
-          </p:cNvPr>
-          <p:cNvPicPr>
-            <a:picLocks noChangeAspect="1"/>
-          </p:cNvPicPr>
-          <p:nvPr/>
-        </p:nvPicPr>
-        <p:blipFill>
-          <a:blip r:embed="rId4">
-            <a:extLst>
-              <a:ext uri="{28A0092B-C50C-407E-A947-70E740481C1C}">
-                <a14:useLocalDpi xmlns:a14="http://schemas.microsoft.com/office/drawing/2010/main" val="0"/>
-              </a:ext>
-            </a:extLst>
-          </a:blip>
-          <a:stretch>
-            <a:fillRect/>
-          </a:stretch>
-        </p:blipFill>
-        <p:spPr>
-          <a:xfrm>
-            <a:off x="1433191" y="1642187"/>
-            <a:ext cx="9620500" cy="4627983"/>
-          </a:xfrm>
-          <a:prstGeom prst="rect">
-            <a:avLst/>
-          </a:prstGeom>
-        </p:spPr>
-      </p:pic>
     </p:spTree>
     <p:extLst>
       <p:ext uri="{BB962C8B-B14F-4D97-AF65-F5344CB8AC3E}">

--- a/oral_projet/revue_2/diaporama_revue_2_steven.pptx
+++ b/oral_projet/revue_2/diaporama_revue_2_steven.pptx
@@ -5826,13 +5826,13 @@
   <p:clrMapOvr>
     <a:masterClrMapping/>
   </p:clrMapOvr>
-  <mc:AlternateContent xmlns:mc="http://schemas.openxmlformats.org/markup-compatibility/2006" xmlns:p14="http://schemas.microsoft.com/office/powerpoint/2010/main">
-    <mc:Choice Requires="p14">
+  <mc:AlternateContent xmlns:mc="http://schemas.openxmlformats.org/markup-compatibility/2006">
+    <mc:Choice xmlns:p14="http://schemas.microsoft.com/office/powerpoint/2010/main" Requires="p14">
       <p:transition spd="slow">
         <p14:reveal/>
       </p:transition>
     </mc:Choice>
-    <mc:Fallback xmlns="">
+    <mc:Fallback>
       <p:transition spd="slow">
         <p:fade/>
       </p:transition>
@@ -5850,9 +5850,6 @@
                     <p:cTn id="3" fill="hold">
                       <p:stCondLst>
                         <p:cond delay="indefinite"/>
-                        <p:cond evt="onBegin" delay="0">
-                          <p:tn val="2"/>
-                        </p:cond>
                       </p:stCondLst>
                       <p:childTnLst>
                         <p:par>
@@ -5862,7 +5859,7 @@
                             </p:stCondLst>
                             <p:childTnLst>
                               <p:par>
-                                <p:cTn id="5" presetID="42" presetClass="entr" presetSubtype="0" fill="hold" nodeType="withEffect">
+                                <p:cTn id="5" presetID="42" presetClass="entr" presetSubtype="0" fill="hold" nodeType="clickEffect">
                                   <p:stCondLst>
                                     <p:cond delay="0"/>
                                   </p:stCondLst>
@@ -6164,6 +6161,249 @@
                                         <p:cTn id="24" dur="1000" fill="hold"/>
                                         <p:tgtEl>
                                           <p:spTgt spid="29"/>
+                                        </p:tgtEl>
+                                        <p:attrNameLst>
+                                          <p:attrName>ppt_y</p:attrName>
+                                        </p:attrNameLst>
+                                      </p:cBhvr>
+                                      <p:tavLst>
+                                        <p:tav tm="0">
+                                          <p:val>
+                                            <p:strVal val="#ppt_y+.1"/>
+                                          </p:val>
+                                        </p:tav>
+                                        <p:tav tm="100000">
+                                          <p:val>
+                                            <p:strVal val="#ppt_y"/>
+                                          </p:val>
+                                        </p:tav>
+                                      </p:tavLst>
+                                    </p:anim>
+                                  </p:childTnLst>
+                                </p:cTn>
+                              </p:par>
+                              <p:par>
+                                <p:cTn id="25" presetID="42" presetClass="entr" presetSubtype="0" fill="hold" nodeType="withEffect">
+                                  <p:stCondLst>
+                                    <p:cond delay="0"/>
+                                  </p:stCondLst>
+                                  <p:childTnLst>
+                                    <p:set>
+                                      <p:cBhvr>
+                                        <p:cTn id="26" dur="1" fill="hold">
+                                          <p:stCondLst>
+                                            <p:cond delay="0"/>
+                                          </p:stCondLst>
+                                        </p:cTn>
+                                        <p:tgtEl>
+                                          <p:spTgt spid="36"/>
+                                        </p:tgtEl>
+                                        <p:attrNameLst>
+                                          <p:attrName>style.visibility</p:attrName>
+                                        </p:attrNameLst>
+                                      </p:cBhvr>
+                                      <p:to>
+                                        <p:strVal val="visible"/>
+                                      </p:to>
+                                    </p:set>
+                                    <p:animEffect transition="in" filter="fade">
+                                      <p:cBhvr>
+                                        <p:cTn id="27" dur="1000"/>
+                                        <p:tgtEl>
+                                          <p:spTgt spid="36"/>
+                                        </p:tgtEl>
+                                      </p:cBhvr>
+                                    </p:animEffect>
+                                    <p:anim calcmode="lin" valueType="num">
+                                      <p:cBhvr>
+                                        <p:cTn id="28" dur="1000" fill="hold"/>
+                                        <p:tgtEl>
+                                          <p:spTgt spid="36"/>
+                                        </p:tgtEl>
+                                        <p:attrNameLst>
+                                          <p:attrName>ppt_x</p:attrName>
+                                        </p:attrNameLst>
+                                      </p:cBhvr>
+                                      <p:tavLst>
+                                        <p:tav tm="0">
+                                          <p:val>
+                                            <p:strVal val="#ppt_x"/>
+                                          </p:val>
+                                        </p:tav>
+                                        <p:tav tm="100000">
+                                          <p:val>
+                                            <p:strVal val="#ppt_x"/>
+                                          </p:val>
+                                        </p:tav>
+                                      </p:tavLst>
+                                    </p:anim>
+                                    <p:anim calcmode="lin" valueType="num">
+                                      <p:cBhvr>
+                                        <p:cTn id="29" dur="1000" fill="hold"/>
+                                        <p:tgtEl>
+                                          <p:spTgt spid="36"/>
+                                        </p:tgtEl>
+                                        <p:attrNameLst>
+                                          <p:attrName>ppt_y</p:attrName>
+                                        </p:attrNameLst>
+                                      </p:cBhvr>
+                                      <p:tavLst>
+                                        <p:tav tm="0">
+                                          <p:val>
+                                            <p:strVal val="#ppt_y+.1"/>
+                                          </p:val>
+                                        </p:tav>
+                                        <p:tav tm="100000">
+                                          <p:val>
+                                            <p:strVal val="#ppt_y"/>
+                                          </p:val>
+                                        </p:tav>
+                                      </p:tavLst>
+                                    </p:anim>
+                                  </p:childTnLst>
+                                </p:cTn>
+                              </p:par>
+                              <p:par>
+                                <p:cTn id="30" presetID="42" presetClass="entr" presetSubtype="0" fill="hold" nodeType="withEffect">
+                                  <p:stCondLst>
+                                    <p:cond delay="0"/>
+                                  </p:stCondLst>
+                                  <p:childTnLst>
+                                    <p:set>
+                                      <p:cBhvr>
+                                        <p:cTn id="31" dur="1" fill="hold">
+                                          <p:stCondLst>
+                                            <p:cond delay="0"/>
+                                          </p:stCondLst>
+                                        </p:cTn>
+                                        <p:tgtEl>
+                                          <p:spTgt spid="35"/>
+                                        </p:tgtEl>
+                                        <p:attrNameLst>
+                                          <p:attrName>style.visibility</p:attrName>
+                                        </p:attrNameLst>
+                                      </p:cBhvr>
+                                      <p:to>
+                                        <p:strVal val="visible"/>
+                                      </p:to>
+                                    </p:set>
+                                    <p:animEffect transition="in" filter="fade">
+                                      <p:cBhvr>
+                                        <p:cTn id="32" dur="1000"/>
+                                        <p:tgtEl>
+                                          <p:spTgt spid="35"/>
+                                        </p:tgtEl>
+                                      </p:cBhvr>
+                                    </p:animEffect>
+                                    <p:anim calcmode="lin" valueType="num">
+                                      <p:cBhvr>
+                                        <p:cTn id="33" dur="1000" fill="hold"/>
+                                        <p:tgtEl>
+                                          <p:spTgt spid="35"/>
+                                        </p:tgtEl>
+                                        <p:attrNameLst>
+                                          <p:attrName>ppt_x</p:attrName>
+                                        </p:attrNameLst>
+                                      </p:cBhvr>
+                                      <p:tavLst>
+                                        <p:tav tm="0">
+                                          <p:val>
+                                            <p:strVal val="#ppt_x"/>
+                                          </p:val>
+                                        </p:tav>
+                                        <p:tav tm="100000">
+                                          <p:val>
+                                            <p:strVal val="#ppt_x"/>
+                                          </p:val>
+                                        </p:tav>
+                                      </p:tavLst>
+                                    </p:anim>
+                                    <p:anim calcmode="lin" valueType="num">
+                                      <p:cBhvr>
+                                        <p:cTn id="34" dur="1000" fill="hold"/>
+                                        <p:tgtEl>
+                                          <p:spTgt spid="35"/>
+                                        </p:tgtEl>
+                                        <p:attrNameLst>
+                                          <p:attrName>ppt_y</p:attrName>
+                                        </p:attrNameLst>
+                                      </p:cBhvr>
+                                      <p:tavLst>
+                                        <p:tav tm="0">
+                                          <p:val>
+                                            <p:strVal val="#ppt_y+.1"/>
+                                          </p:val>
+                                        </p:tav>
+                                        <p:tav tm="100000">
+                                          <p:val>
+                                            <p:strVal val="#ppt_y"/>
+                                          </p:val>
+                                        </p:tav>
+                                      </p:tavLst>
+                                    </p:anim>
+                                  </p:childTnLst>
+                                </p:cTn>
+                              </p:par>
+                              <p:par>
+                                <p:cTn id="35" presetID="42" presetClass="entr" presetSubtype="0" fill="hold" nodeType="withEffect">
+                                  <p:stCondLst>
+                                    <p:cond delay="0"/>
+                                  </p:stCondLst>
+                                  <p:childTnLst>
+                                    <p:set>
+                                      <p:cBhvr>
+                                        <p:cTn id="36" dur="1" fill="hold">
+                                          <p:stCondLst>
+                                            <p:cond delay="0"/>
+                                          </p:stCondLst>
+                                        </p:cTn>
+                                        <p:tgtEl>
+                                          <p:spTgt spid="4"/>
+                                        </p:tgtEl>
+                                        <p:attrNameLst>
+                                          <p:attrName>style.visibility</p:attrName>
+                                        </p:attrNameLst>
+                                      </p:cBhvr>
+                                      <p:to>
+                                        <p:strVal val="visible"/>
+                                      </p:to>
+                                    </p:set>
+                                    <p:animEffect transition="in" filter="fade">
+                                      <p:cBhvr>
+                                        <p:cTn id="37" dur="1000"/>
+                                        <p:tgtEl>
+                                          <p:spTgt spid="4"/>
+                                        </p:tgtEl>
+                                      </p:cBhvr>
+                                    </p:animEffect>
+                                    <p:anim calcmode="lin" valueType="num">
+                                      <p:cBhvr>
+                                        <p:cTn id="38" dur="1000" fill="hold"/>
+                                        <p:tgtEl>
+                                          <p:spTgt spid="4"/>
+                                        </p:tgtEl>
+                                        <p:attrNameLst>
+                                          <p:attrName>ppt_x</p:attrName>
+                                        </p:attrNameLst>
+                                      </p:cBhvr>
+                                      <p:tavLst>
+                                        <p:tav tm="0">
+                                          <p:val>
+                                            <p:strVal val="#ppt_x"/>
+                                          </p:val>
+                                        </p:tav>
+                                        <p:tav tm="100000">
+                                          <p:val>
+                                            <p:strVal val="#ppt_x"/>
+                                          </p:val>
+                                        </p:tav>
+                                      </p:tavLst>
+                                    </p:anim>
+                                    <p:anim calcmode="lin" valueType="num">
+                                      <p:cBhvr>
+                                        <p:cTn id="39" dur="1000" fill="hold"/>
+                                        <p:tgtEl>
+                                          <p:spTgt spid="4"/>
                                         </p:tgtEl>
                                         <p:attrNameLst>
                                           <p:attrName>ppt_y</p:attrName>
@@ -17913,7 +18153,7 @@
         <p:spPr>
           <a:xfrm>
             <a:off x="3221372" y="1380930"/>
-            <a:ext cx="4828358" cy="5303833"/>
+            <a:ext cx="4991450" cy="5482986"/>
           </a:xfrm>
           <a:prstGeom prst="rect">
             <a:avLst/>
@@ -18819,7 +19059,7 @@
         <p:spPr>
           <a:xfrm>
             <a:off x="1614196" y="1327912"/>
-            <a:ext cx="8285584" cy="4980629"/>
+            <a:ext cx="9946268" cy="5978899"/>
           </a:xfrm>
           <a:prstGeom prst="rect">
             <a:avLst/>
@@ -19688,7 +19928,7 @@
         <p:spPr>
           <a:xfrm>
             <a:off x="2216372" y="1342070"/>
-            <a:ext cx="6658935" cy="5269717"/>
+            <a:ext cx="7526831" cy="5956548"/>
           </a:xfrm>
           <a:prstGeom prst="rect">
             <a:avLst/>
@@ -20528,6 +20768,42 @@
           </a:p>
         </p:txBody>
       </p:sp>
+      <p:pic>
+        <p:nvPicPr>
+          <p:cNvPr id="4" name="Image 3">
+            <a:extLst>
+              <a:ext uri="{FF2B5EF4-FFF2-40B4-BE49-F238E27FC236}">
+                <a16:creationId xmlns:a16="http://schemas.microsoft.com/office/drawing/2014/main" id="{8B26BEA2-EF2C-479A-B8FC-3E647E6B0735}"/>
+              </a:ext>
+            </a:extLst>
+          </p:cNvPr>
+          <p:cNvPicPr>
+            <a:picLocks noChangeAspect="1"/>
+          </p:cNvPicPr>
+          <p:nvPr/>
+        </p:nvPicPr>
+        <p:blipFill>
+          <a:blip r:embed="rId4">
+            <a:extLst>
+              <a:ext uri="{28A0092B-C50C-407E-A947-70E740481C1C}">
+                <a14:useLocalDpi xmlns:a14="http://schemas.microsoft.com/office/drawing/2010/main" val="0"/>
+              </a:ext>
+            </a:extLst>
+          </a:blip>
+          <a:stretch>
+            <a:fillRect/>
+          </a:stretch>
+        </p:blipFill>
+        <p:spPr>
+          <a:xfrm>
+            <a:off x="1487085" y="1464993"/>
+            <a:ext cx="10145003" cy="5253048"/>
+          </a:xfrm>
+          <a:prstGeom prst="rect">
+            <a:avLst/>
+          </a:prstGeom>
+        </p:spPr>
+      </p:pic>
     </p:spTree>
     <p:extLst>
       <p:ext uri="{BB962C8B-B14F-4D97-AF65-F5344CB8AC3E}">

--- a/oral_projet/revue_2/diaporama_revue_2_steven.pptx
+++ b/oral_projet/revue_2/diaporama_revue_2_steven.pptx
@@ -12,12 +12,12 @@
     <p:sldId id="259" r:id="rId3"/>
     <p:sldId id="261" r:id="rId4"/>
     <p:sldId id="258" r:id="rId5"/>
-    <p:sldId id="262" r:id="rId6"/>
-    <p:sldId id="263" r:id="rId7"/>
+    <p:sldId id="265" r:id="rId6"/>
+    <p:sldId id="270" r:id="rId7"/>
     <p:sldId id="264" r:id="rId8"/>
-    <p:sldId id="265" r:id="rId9"/>
-    <p:sldId id="270" r:id="rId10"/>
-    <p:sldId id="266" r:id="rId11"/>
+    <p:sldId id="266" r:id="rId9"/>
+    <p:sldId id="262" r:id="rId10"/>
+    <p:sldId id="263" r:id="rId11"/>
     <p:sldId id="268" r:id="rId12"/>
     <p:sldId id="272" r:id="rId13"/>
     <p:sldId id="273" r:id="rId14"/>
@@ -216,7 +216,7 @@
           <a:p>
             <a:fld id="{7BEC4371-174F-4615-858D-8B61BA547698}" type="datetimeFigureOut">
               <a:rPr lang="fr-FR" smtClean="0"/>
-              <a:t>22/02/2018</a:t>
+              <a:t>12/03/2018</a:t>
             </a:fld>
             <a:endParaRPr lang="fr-FR"/>
           </a:p>
@@ -630,7 +630,7 @@
           <a:p>
             <a:fld id="{125942D7-A464-4365-815E-3C7EAFC3F152}" type="datetimeFigureOut">
               <a:rPr lang="fr-FR" smtClean="0"/>
-              <a:t>22/02/2018</a:t>
+              <a:t>12/03/2018</a:t>
             </a:fld>
             <a:endParaRPr lang="fr-FR"/>
           </a:p>
@@ -840,7 +840,7 @@
           <a:p>
             <a:fld id="{125942D7-A464-4365-815E-3C7EAFC3F152}" type="datetimeFigureOut">
               <a:rPr lang="fr-FR" smtClean="0"/>
-              <a:t>22/02/2018</a:t>
+              <a:t>12/03/2018</a:t>
             </a:fld>
             <a:endParaRPr lang="fr-FR"/>
           </a:p>
@@ -1060,7 +1060,7 @@
           <a:p>
             <a:fld id="{125942D7-A464-4365-815E-3C7EAFC3F152}" type="datetimeFigureOut">
               <a:rPr lang="fr-FR" smtClean="0"/>
-              <a:t>22/02/2018</a:t>
+              <a:t>12/03/2018</a:t>
             </a:fld>
             <a:endParaRPr lang="fr-FR"/>
           </a:p>
@@ -1270,7 +1270,7 @@
           <a:p>
             <a:fld id="{125942D7-A464-4365-815E-3C7EAFC3F152}" type="datetimeFigureOut">
               <a:rPr lang="fr-FR" smtClean="0"/>
-              <a:t>22/02/2018</a:t>
+              <a:t>12/03/2018</a:t>
             </a:fld>
             <a:endParaRPr lang="fr-FR"/>
           </a:p>
@@ -1557,7 +1557,7 @@
           <a:p>
             <a:fld id="{125942D7-A464-4365-815E-3C7EAFC3F152}" type="datetimeFigureOut">
               <a:rPr lang="fr-FR" smtClean="0"/>
-              <a:t>22/02/2018</a:t>
+              <a:t>12/03/2018</a:t>
             </a:fld>
             <a:endParaRPr lang="fr-FR"/>
           </a:p>
@@ -1834,7 +1834,7 @@
           <a:p>
             <a:fld id="{125942D7-A464-4365-815E-3C7EAFC3F152}" type="datetimeFigureOut">
               <a:rPr lang="fr-FR" smtClean="0"/>
-              <a:t>22/02/2018</a:t>
+              <a:t>12/03/2018</a:t>
             </a:fld>
             <a:endParaRPr lang="fr-FR"/>
           </a:p>
@@ -2258,7 +2258,7 @@
           <a:p>
             <a:fld id="{125942D7-A464-4365-815E-3C7EAFC3F152}" type="datetimeFigureOut">
               <a:rPr lang="fr-FR" smtClean="0"/>
-              <a:t>22/02/2018</a:t>
+              <a:t>12/03/2018</a:t>
             </a:fld>
             <a:endParaRPr lang="fr-FR"/>
           </a:p>
@@ -2411,7 +2411,7 @@
           <a:p>
             <a:fld id="{125942D7-A464-4365-815E-3C7EAFC3F152}" type="datetimeFigureOut">
               <a:rPr lang="fr-FR" smtClean="0"/>
-              <a:t>22/02/2018</a:t>
+              <a:t>12/03/2018</a:t>
             </a:fld>
             <a:endParaRPr lang="fr-FR"/>
           </a:p>
@@ -2536,7 +2536,7 @@
           <a:p>
             <a:fld id="{125942D7-A464-4365-815E-3C7EAFC3F152}" type="datetimeFigureOut">
               <a:rPr lang="fr-FR" smtClean="0"/>
-              <a:t>22/02/2018</a:t>
+              <a:t>12/03/2018</a:t>
             </a:fld>
             <a:endParaRPr lang="fr-FR"/>
           </a:p>
@@ -2859,7 +2859,7 @@
           <a:p>
             <a:fld id="{125942D7-A464-4365-815E-3C7EAFC3F152}" type="datetimeFigureOut">
               <a:rPr lang="fr-FR" smtClean="0"/>
-              <a:t>22/02/2018</a:t>
+              <a:t>12/03/2018</a:t>
             </a:fld>
             <a:endParaRPr lang="fr-FR"/>
           </a:p>
@@ -3159,7 +3159,7 @@
           <a:p>
             <a:fld id="{125942D7-A464-4365-815E-3C7EAFC3F152}" type="datetimeFigureOut">
               <a:rPr lang="fr-FR" smtClean="0"/>
-              <a:t>22/02/2018</a:t>
+              <a:t>12/03/2018</a:t>
             </a:fld>
             <a:endParaRPr lang="fr-FR"/>
           </a:p>
@@ -3412,7 +3412,7 @@
           <a:p>
             <a:fld id="{125942D7-A464-4365-815E-3C7EAFC3F152}" type="datetimeFigureOut">
               <a:rPr lang="fr-FR" smtClean="0"/>
-              <a:t>22/02/2018</a:t>
+              <a:t>12/03/2018</a:t>
             </a:fld>
             <a:endParaRPr lang="fr-FR"/>
           </a:p>
@@ -5308,12 +5308,48 @@
           </a:fontRef>
         </p:style>
       </p:cxnSp>
+      <p:pic>
+        <p:nvPicPr>
+          <p:cNvPr id="3" name="Image 2">
+            <a:extLst>
+              <a:ext uri="{FF2B5EF4-FFF2-40B4-BE49-F238E27FC236}">
+                <a16:creationId xmlns:a16="http://schemas.microsoft.com/office/drawing/2014/main" id="{04E31E68-0170-4EA9-8F23-BD47A71E51B5}"/>
+              </a:ext>
+            </a:extLst>
+          </p:cNvPr>
+          <p:cNvPicPr>
+            <a:picLocks noChangeAspect="1"/>
+          </p:cNvPicPr>
+          <p:nvPr/>
+        </p:nvPicPr>
+        <p:blipFill>
+          <a:blip r:embed="rId4">
+            <a:extLst>
+              <a:ext uri="{28A0092B-C50C-407E-A947-70E740481C1C}">
+                <a14:useLocalDpi xmlns:a14="http://schemas.microsoft.com/office/drawing/2010/main" val="0"/>
+              </a:ext>
+            </a:extLst>
+          </a:blip>
+          <a:stretch>
+            <a:fillRect/>
+          </a:stretch>
+        </p:blipFill>
+        <p:spPr>
+          <a:xfrm>
+            <a:off x="3221372" y="1380930"/>
+            <a:ext cx="4991450" cy="5482986"/>
+          </a:xfrm>
+          <a:prstGeom prst="rect">
+            <a:avLst/>
+          </a:prstGeom>
+        </p:spPr>
+      </p:pic>
       <p:sp>
         <p:nvSpPr>
-          <p:cNvPr id="2" name="ZoneTexte 1">
-            <a:extLst>
-              <a:ext uri="{FF2B5EF4-FFF2-40B4-BE49-F238E27FC236}">
-                <a16:creationId xmlns:a16="http://schemas.microsoft.com/office/drawing/2014/main" id="{019E5183-3507-4DC9-B021-75F1BA1CA190}"/>
+          <p:cNvPr id="4" name="ZoneTexte 3">
+            <a:extLst>
+              <a:ext uri="{FF2B5EF4-FFF2-40B4-BE49-F238E27FC236}">
+                <a16:creationId xmlns:a16="http://schemas.microsoft.com/office/drawing/2014/main" id="{6F856B2B-03F4-4FE3-A57C-C9CAAF971B24}"/>
               </a:ext>
             </a:extLst>
           </p:cNvPr>
@@ -5322,8 +5358,8 @@
         </p:nvSpPr>
         <p:spPr>
           <a:xfrm>
-            <a:off x="3290385" y="473648"/>
-            <a:ext cx="6251510" cy="769441"/>
+            <a:off x="2952925" y="637563"/>
+            <a:ext cx="6199464" cy="769441"/>
           </a:xfrm>
           <a:prstGeom prst="rect">
             <a:avLst/>
@@ -5340,1119 +5376,33 @@
               <a:rPr lang="fr-FR" sz="4400" dirty="0">
                 <a:latin typeface="Berlin Sans FB" panose="020E0602020502020306" pitchFamily="34" charset="0"/>
               </a:rPr>
-              <a:t>Analyse du matériel</a:t>
+              <a:t>Diagramme de séquence</a:t>
             </a:r>
           </a:p>
         </p:txBody>
       </p:sp>
-      <p:pic>
-        <p:nvPicPr>
-          <p:cNvPr id="24" name="Image 23" descr="Une image contenant transport&#10;&#10;Description générée avec un niveau de confiance très élevé">
-            <a:extLst>
-              <a:ext uri="{FF2B5EF4-FFF2-40B4-BE49-F238E27FC236}">
-                <a16:creationId xmlns:a16="http://schemas.microsoft.com/office/drawing/2014/main" id="{4CD3177C-CB9C-4C0D-8079-4AA644CE5E50}"/>
-              </a:ext>
-            </a:extLst>
-          </p:cNvPr>
-          <p:cNvPicPr>
-            <a:picLocks noChangeAspect="1"/>
-          </p:cNvPicPr>
-          <p:nvPr/>
-        </p:nvPicPr>
-        <p:blipFill>
-          <a:blip r:embed="rId4">
-            <a:extLst>
-              <a:ext uri="{28A0092B-C50C-407E-A947-70E740481C1C}">
-                <a14:useLocalDpi xmlns:a14="http://schemas.microsoft.com/office/drawing/2010/main" val="0"/>
-              </a:ext>
-            </a:extLst>
-          </a:blip>
-          <a:stretch>
-            <a:fillRect/>
-          </a:stretch>
-        </p:blipFill>
-        <p:spPr>
-          <a:xfrm>
-            <a:off x="1604299" y="1327912"/>
-            <a:ext cx="715646" cy="715646"/>
-          </a:xfrm>
-          <a:prstGeom prst="rect">
-            <a:avLst/>
-          </a:prstGeom>
-        </p:spPr>
-      </p:pic>
-      <p:pic>
-        <p:nvPicPr>
-          <p:cNvPr id="25" name="Image 24">
-            <a:extLst>
-              <a:ext uri="{FF2B5EF4-FFF2-40B4-BE49-F238E27FC236}">
-                <a16:creationId xmlns:a16="http://schemas.microsoft.com/office/drawing/2014/main" id="{C013474F-1EDC-4B3D-B268-4E855F63F77E}"/>
-              </a:ext>
-            </a:extLst>
-          </p:cNvPr>
-          <p:cNvPicPr>
-            <a:picLocks noChangeAspect="1"/>
-          </p:cNvPicPr>
-          <p:nvPr/>
-        </p:nvPicPr>
-        <p:blipFill>
-          <a:blip r:embed="rId5">
-            <a:extLst>
-              <a:ext uri="{28A0092B-C50C-407E-A947-70E740481C1C}">
-                <a14:useLocalDpi xmlns:a14="http://schemas.microsoft.com/office/drawing/2010/main" val="0"/>
-              </a:ext>
-            </a:extLst>
-          </a:blip>
-          <a:stretch>
-            <a:fillRect/>
-          </a:stretch>
-        </p:blipFill>
-        <p:spPr>
-          <a:xfrm>
-            <a:off x="1694242" y="2794678"/>
-            <a:ext cx="625703" cy="625703"/>
-          </a:xfrm>
-          <a:prstGeom prst="rect">
-            <a:avLst/>
-          </a:prstGeom>
-        </p:spPr>
-      </p:pic>
-      <p:pic>
-        <p:nvPicPr>
-          <p:cNvPr id="28" name="Image 27">
-            <a:extLst>
-              <a:ext uri="{FF2B5EF4-FFF2-40B4-BE49-F238E27FC236}">
-                <a16:creationId xmlns:a16="http://schemas.microsoft.com/office/drawing/2014/main" id="{57519E8A-918A-4B7A-A373-A121BE04A122}"/>
-              </a:ext>
-            </a:extLst>
-          </p:cNvPr>
-          <p:cNvPicPr>
-            <a:picLocks noChangeAspect="1"/>
-          </p:cNvPicPr>
-          <p:nvPr/>
-        </p:nvPicPr>
-        <p:blipFill>
-          <a:blip r:embed="rId6">
-            <a:extLst>
-              <a:ext uri="{28A0092B-C50C-407E-A947-70E740481C1C}">
-                <a14:useLocalDpi xmlns:a14="http://schemas.microsoft.com/office/drawing/2010/main" val="0"/>
-              </a:ext>
-            </a:extLst>
-          </a:blip>
-          <a:stretch>
-            <a:fillRect/>
-          </a:stretch>
-        </p:blipFill>
-        <p:spPr>
-          <a:xfrm>
-            <a:off x="6642920" y="4912796"/>
-            <a:ext cx="700821" cy="700821"/>
-          </a:xfrm>
-          <a:prstGeom prst="rect">
-            <a:avLst/>
-          </a:prstGeom>
-        </p:spPr>
-      </p:pic>
-      <p:pic>
-        <p:nvPicPr>
-          <p:cNvPr id="29" name="Image 28">
-            <a:extLst>
-              <a:ext uri="{FF2B5EF4-FFF2-40B4-BE49-F238E27FC236}">
-                <a16:creationId xmlns:a16="http://schemas.microsoft.com/office/drawing/2014/main" id="{0875E027-F508-4529-A577-BAE6AA73B275}"/>
-              </a:ext>
-            </a:extLst>
-          </p:cNvPr>
-          <p:cNvPicPr>
-            <a:picLocks noChangeAspect="1"/>
-          </p:cNvPicPr>
-          <p:nvPr/>
-        </p:nvPicPr>
-        <p:blipFill>
-          <a:blip r:embed="rId7">
-            <a:extLst>
-              <a:ext uri="{28A0092B-C50C-407E-A947-70E740481C1C}">
-                <a14:useLocalDpi xmlns:a14="http://schemas.microsoft.com/office/drawing/2010/main" val="0"/>
-              </a:ext>
-            </a:extLst>
-          </a:blip>
-          <a:stretch>
-            <a:fillRect/>
-          </a:stretch>
-        </p:blipFill>
-        <p:spPr>
-          <a:xfrm>
-            <a:off x="6515109" y="3046923"/>
-            <a:ext cx="746916" cy="746916"/>
-          </a:xfrm>
-          <a:prstGeom prst="rect">
-            <a:avLst/>
-          </a:prstGeom>
-        </p:spPr>
-      </p:pic>
-      <p:pic>
-        <p:nvPicPr>
-          <p:cNvPr id="4" name="Image 3">
-            <a:extLst>
-              <a:ext uri="{FF2B5EF4-FFF2-40B4-BE49-F238E27FC236}">
-                <a16:creationId xmlns:a16="http://schemas.microsoft.com/office/drawing/2014/main" id="{6A56240B-CEBA-4842-83FC-DA1952EEB740}"/>
-              </a:ext>
-            </a:extLst>
-          </p:cNvPr>
-          <p:cNvPicPr>
-            <a:picLocks noChangeAspect="1"/>
-          </p:cNvPicPr>
-          <p:nvPr/>
-        </p:nvPicPr>
-        <p:blipFill>
-          <a:blip r:embed="rId8">
-            <a:extLst>
-              <a:ext uri="{28A0092B-C50C-407E-A947-70E740481C1C}">
-                <a14:useLocalDpi xmlns:a14="http://schemas.microsoft.com/office/drawing/2010/main" val="0"/>
-              </a:ext>
-            </a:extLst>
-          </a:blip>
-          <a:stretch>
-            <a:fillRect/>
-          </a:stretch>
-        </p:blipFill>
-        <p:spPr>
-          <a:xfrm>
-            <a:off x="6416140" y="1345664"/>
-            <a:ext cx="780337" cy="780337"/>
-          </a:xfrm>
-          <a:prstGeom prst="rect">
-            <a:avLst/>
-          </a:prstGeom>
-        </p:spPr>
-      </p:pic>
-      <p:sp>
-        <p:nvSpPr>
-          <p:cNvPr id="3" name="ZoneTexte 2">
-            <a:extLst>
-              <a:ext uri="{FF2B5EF4-FFF2-40B4-BE49-F238E27FC236}">
-                <a16:creationId xmlns:a16="http://schemas.microsoft.com/office/drawing/2014/main" id="{6F21E2AC-5013-4E14-AA1E-CF440C8AF6D5}"/>
-              </a:ext>
-            </a:extLst>
-          </p:cNvPr>
-          <p:cNvSpPr txBox="1"/>
-          <p:nvPr/>
-        </p:nvSpPr>
-        <p:spPr>
-          <a:xfrm>
-            <a:off x="2573222" y="1551166"/>
-            <a:ext cx="2860650" cy="369332"/>
-          </a:xfrm>
-          <a:prstGeom prst="rect">
-            <a:avLst/>
-          </a:prstGeom>
-          <a:noFill/>
-        </p:spPr>
-        <p:txBody>
-          <a:bodyPr wrap="square" rtlCol="0">
-            <a:spAutoFit/>
-          </a:bodyPr>
-          <a:lstStyle/>
-          <a:p>
-            <a:r>
-              <a:rPr lang="fr-FR" dirty="0"/>
-              <a:t>Utilisation de la boucle 4-20</a:t>
-            </a:r>
-          </a:p>
-        </p:txBody>
-      </p:sp>
-      <p:sp>
-        <p:nvSpPr>
-          <p:cNvPr id="30" name="ZoneTexte 29">
-            <a:extLst>
-              <a:ext uri="{FF2B5EF4-FFF2-40B4-BE49-F238E27FC236}">
-                <a16:creationId xmlns:a16="http://schemas.microsoft.com/office/drawing/2014/main" id="{1684707A-FE8B-409E-8A18-EC748AA22A1D}"/>
-              </a:ext>
-            </a:extLst>
-          </p:cNvPr>
-          <p:cNvSpPr txBox="1"/>
-          <p:nvPr/>
-        </p:nvSpPr>
-        <p:spPr>
-          <a:xfrm>
-            <a:off x="7457013" y="5078540"/>
-            <a:ext cx="2860650" cy="369332"/>
-          </a:xfrm>
-          <a:prstGeom prst="rect">
-            <a:avLst/>
-          </a:prstGeom>
-          <a:noFill/>
-        </p:spPr>
-        <p:txBody>
-          <a:bodyPr wrap="square" rtlCol="0">
-            <a:spAutoFit/>
-          </a:bodyPr>
-          <a:lstStyle/>
-          <a:p>
-            <a:r>
-              <a:rPr lang="fr-FR" dirty="0"/>
-              <a:t>Utilisation de la boucle 4-20</a:t>
-            </a:r>
-          </a:p>
-        </p:txBody>
-      </p:sp>
-      <p:sp>
-        <p:nvSpPr>
-          <p:cNvPr id="5" name="ZoneTexte 4">
-            <a:extLst>
-              <a:ext uri="{FF2B5EF4-FFF2-40B4-BE49-F238E27FC236}">
-                <a16:creationId xmlns:a16="http://schemas.microsoft.com/office/drawing/2014/main" id="{B40B891D-AA45-4E59-AC5F-D2EA371A7D66}"/>
-              </a:ext>
-            </a:extLst>
-          </p:cNvPr>
-          <p:cNvSpPr txBox="1"/>
-          <p:nvPr/>
-        </p:nvSpPr>
-        <p:spPr>
-          <a:xfrm>
-            <a:off x="2457974" y="2922863"/>
-            <a:ext cx="3187817" cy="369332"/>
-          </a:xfrm>
-          <a:prstGeom prst="rect">
-            <a:avLst/>
-          </a:prstGeom>
-          <a:noFill/>
-        </p:spPr>
-        <p:txBody>
-          <a:bodyPr wrap="square" rtlCol="0">
-            <a:spAutoFit/>
-          </a:bodyPr>
-          <a:lstStyle/>
-          <a:p>
-            <a:r>
-              <a:rPr lang="fr-FR" dirty="0"/>
-              <a:t>Pulsation tous les 0,2mm d’eau</a:t>
-            </a:r>
-          </a:p>
-        </p:txBody>
-      </p:sp>
-      <p:sp>
-        <p:nvSpPr>
-          <p:cNvPr id="6" name="ZoneTexte 5">
-            <a:extLst>
-              <a:ext uri="{FF2B5EF4-FFF2-40B4-BE49-F238E27FC236}">
-                <a16:creationId xmlns:a16="http://schemas.microsoft.com/office/drawing/2014/main" id="{7E83B889-DF63-4B4C-A6D7-7A1F026B19F2}"/>
-              </a:ext>
-            </a:extLst>
-          </p:cNvPr>
-          <p:cNvSpPr txBox="1"/>
-          <p:nvPr/>
-        </p:nvSpPr>
-        <p:spPr>
-          <a:xfrm>
-            <a:off x="2457974" y="4417906"/>
-            <a:ext cx="3589425" cy="1754326"/>
-          </a:xfrm>
-          <a:prstGeom prst="rect">
-            <a:avLst/>
-          </a:prstGeom>
-          <a:noFill/>
-        </p:spPr>
-        <p:txBody>
-          <a:bodyPr wrap="square" rtlCol="0">
-            <a:spAutoFit/>
-          </a:bodyPr>
-          <a:lstStyle/>
-          <a:p>
-            <a:r>
-              <a:rPr lang="fr-FR" dirty="0"/>
-              <a:t>Vitesse : 1km/h = 1600 tours par heure</a:t>
-            </a:r>
-          </a:p>
-          <a:p>
-            <a:endParaRPr lang="fr-FR" dirty="0"/>
-          </a:p>
-          <a:p>
-            <a:r>
-              <a:rPr lang="fr-FR" dirty="0"/>
-              <a:t>Direction : utilisation du bus CAN pour convertir la tension en code puis en direction</a:t>
-            </a:r>
-          </a:p>
-        </p:txBody>
-      </p:sp>
-      <p:sp>
-        <p:nvSpPr>
-          <p:cNvPr id="7" name="ZoneTexte 6">
-            <a:extLst>
-              <a:ext uri="{FF2B5EF4-FFF2-40B4-BE49-F238E27FC236}">
-                <a16:creationId xmlns:a16="http://schemas.microsoft.com/office/drawing/2014/main" id="{4ED520D9-CAD2-4881-B369-D691693E0F68}"/>
-              </a:ext>
-            </a:extLst>
-          </p:cNvPr>
-          <p:cNvSpPr txBox="1"/>
-          <p:nvPr/>
-        </p:nvSpPr>
-        <p:spPr>
-          <a:xfrm>
-            <a:off x="7343741" y="1551166"/>
-            <a:ext cx="4372009" cy="646331"/>
-          </a:xfrm>
-          <a:prstGeom prst="rect">
-            <a:avLst/>
-          </a:prstGeom>
-          <a:noFill/>
-        </p:spPr>
-        <p:txBody>
-          <a:bodyPr wrap="square" rtlCol="0">
-            <a:spAutoFit/>
-          </a:bodyPr>
-          <a:lstStyle/>
-          <a:p>
-            <a:r>
-              <a:rPr lang="fr-FR" dirty="0"/>
-              <a:t>Utilisation des ports analogiques et digitales pour connecter les différents capteurs</a:t>
-            </a:r>
-          </a:p>
-        </p:txBody>
-      </p:sp>
-      <p:sp>
-        <p:nvSpPr>
-          <p:cNvPr id="9" name="ZoneTexte 8">
-            <a:extLst>
-              <a:ext uri="{FF2B5EF4-FFF2-40B4-BE49-F238E27FC236}">
-                <a16:creationId xmlns:a16="http://schemas.microsoft.com/office/drawing/2014/main" id="{DA4EBD6C-A43E-4361-8AA6-C03894AB84A7}"/>
-              </a:ext>
-            </a:extLst>
-          </p:cNvPr>
-          <p:cNvSpPr txBox="1"/>
-          <p:nvPr/>
-        </p:nvSpPr>
-        <p:spPr>
-          <a:xfrm>
-            <a:off x="7379275" y="3147508"/>
-            <a:ext cx="4391060" cy="646331"/>
-          </a:xfrm>
-          <a:prstGeom prst="rect">
-            <a:avLst/>
-          </a:prstGeom>
-          <a:noFill/>
-        </p:spPr>
-        <p:txBody>
-          <a:bodyPr wrap="square" rtlCol="0">
-            <a:spAutoFit/>
-          </a:bodyPr>
-          <a:lstStyle/>
-          <a:p>
-            <a:r>
-              <a:rPr lang="fr-FR" dirty="0"/>
-              <a:t>Utilisation de la Raspberry pour la connexion a l'Arduino puis a la base de données</a:t>
-            </a:r>
-          </a:p>
-        </p:txBody>
-      </p:sp>
-      <p:pic>
-        <p:nvPicPr>
-          <p:cNvPr id="35" name="Image 34">
-            <a:extLst>
-              <a:ext uri="{FF2B5EF4-FFF2-40B4-BE49-F238E27FC236}">
-                <a16:creationId xmlns:a16="http://schemas.microsoft.com/office/drawing/2014/main" id="{6A1CE2C4-95A0-49AE-86F2-2CDF5D1FD271}"/>
-              </a:ext>
-            </a:extLst>
-          </p:cNvPr>
-          <p:cNvPicPr>
-            <a:picLocks noChangeAspect="1"/>
-          </p:cNvPicPr>
-          <p:nvPr/>
-        </p:nvPicPr>
-        <p:blipFill>
-          <a:blip r:embed="rId9">
-            <a:extLst>
-              <a:ext uri="{28A0092B-C50C-407E-A947-70E740481C1C}">
-                <a14:useLocalDpi xmlns:a14="http://schemas.microsoft.com/office/drawing/2010/main" val="0"/>
-              </a:ext>
-            </a:extLst>
-          </a:blip>
-          <a:stretch>
-            <a:fillRect/>
-          </a:stretch>
-        </p:blipFill>
-        <p:spPr>
-          <a:xfrm>
-            <a:off x="1537305" y="5447872"/>
-            <a:ext cx="650296" cy="650296"/>
-          </a:xfrm>
-          <a:prstGeom prst="rect">
-            <a:avLst/>
-          </a:prstGeom>
-        </p:spPr>
-      </p:pic>
-      <p:pic>
-        <p:nvPicPr>
-          <p:cNvPr id="36" name="Image 35">
-            <a:extLst>
-              <a:ext uri="{FF2B5EF4-FFF2-40B4-BE49-F238E27FC236}">
-                <a16:creationId xmlns:a16="http://schemas.microsoft.com/office/drawing/2014/main" id="{DE5B6D72-9D52-4068-9B4C-E67F54E7F138}"/>
-              </a:ext>
-            </a:extLst>
-          </p:cNvPr>
-          <p:cNvPicPr>
-            <a:picLocks noChangeAspect="1"/>
-          </p:cNvPicPr>
-          <p:nvPr/>
-        </p:nvPicPr>
-        <p:blipFill>
-          <a:blip r:embed="rId10">
-            <a:extLst>
-              <a:ext uri="{28A0092B-C50C-407E-A947-70E740481C1C}">
-                <a14:useLocalDpi xmlns:a14="http://schemas.microsoft.com/office/drawing/2010/main" val="0"/>
-              </a:ext>
-            </a:extLst>
-          </a:blip>
-          <a:stretch>
-            <a:fillRect/>
-          </a:stretch>
-        </p:blipFill>
-        <p:spPr>
-          <a:xfrm>
-            <a:off x="1476878" y="4171501"/>
-            <a:ext cx="924460" cy="1003812"/>
-          </a:xfrm>
-          <a:prstGeom prst="rect">
-            <a:avLst/>
-          </a:prstGeom>
-        </p:spPr>
-      </p:pic>
     </p:spTree>
     <p:extLst>
       <p:ext uri="{BB962C8B-B14F-4D97-AF65-F5344CB8AC3E}">
-        <p14:creationId xmlns:p14="http://schemas.microsoft.com/office/powerpoint/2010/main" val="4183481209"/>
+        <p14:creationId xmlns:p14="http://schemas.microsoft.com/office/powerpoint/2010/main" val="1412701524"/>
       </p:ext>
     </p:extLst>
   </p:cSld>
   <p:clrMapOvr>
     <a:masterClrMapping/>
   </p:clrMapOvr>
-  <mc:AlternateContent xmlns:mc="http://schemas.openxmlformats.org/markup-compatibility/2006">
-    <mc:Choice xmlns:p14="http://schemas.microsoft.com/office/powerpoint/2010/main" Requires="p14">
+  <mc:AlternateContent xmlns:mc="http://schemas.openxmlformats.org/markup-compatibility/2006" xmlns:p14="http://schemas.microsoft.com/office/powerpoint/2010/main">
+    <mc:Choice Requires="p14">
       <p:transition spd="slow">
         <p14:reveal/>
       </p:transition>
     </mc:Choice>
-    <mc:Fallback>
+    <mc:Fallback xmlns="">
       <p:transition spd="slow">
         <p:fade/>
       </p:transition>
     </mc:Fallback>
   </mc:AlternateContent>
-  <p:timing>
-    <p:tnLst>
-      <p:par>
-        <p:cTn id="1" dur="indefinite" restart="never" nodeType="tmRoot">
-          <p:childTnLst>
-            <p:seq concurrent="1" nextAc="seek">
-              <p:cTn id="2" dur="indefinite" nodeType="mainSeq">
-                <p:childTnLst>
-                  <p:par>
-                    <p:cTn id="3" fill="hold">
-                      <p:stCondLst>
-                        <p:cond delay="indefinite"/>
-                      </p:stCondLst>
-                      <p:childTnLst>
-                        <p:par>
-                          <p:cTn id="4" fill="hold">
-                            <p:stCondLst>
-                              <p:cond delay="0"/>
-                            </p:stCondLst>
-                            <p:childTnLst>
-                              <p:par>
-                                <p:cTn id="5" presetID="42" presetClass="entr" presetSubtype="0" fill="hold" nodeType="clickEffect">
-                                  <p:stCondLst>
-                                    <p:cond delay="0"/>
-                                  </p:stCondLst>
-                                  <p:childTnLst>
-                                    <p:set>
-                                      <p:cBhvr>
-                                        <p:cTn id="6" dur="1" fill="hold">
-                                          <p:stCondLst>
-                                            <p:cond delay="0"/>
-                                          </p:stCondLst>
-                                        </p:cTn>
-                                        <p:tgtEl>
-                                          <p:spTgt spid="24"/>
-                                        </p:tgtEl>
-                                        <p:attrNameLst>
-                                          <p:attrName>style.visibility</p:attrName>
-                                        </p:attrNameLst>
-                                      </p:cBhvr>
-                                      <p:to>
-                                        <p:strVal val="visible"/>
-                                      </p:to>
-                                    </p:set>
-                                    <p:animEffect transition="in" filter="fade">
-                                      <p:cBhvr>
-                                        <p:cTn id="7" dur="1000"/>
-                                        <p:tgtEl>
-                                          <p:spTgt spid="24"/>
-                                        </p:tgtEl>
-                                      </p:cBhvr>
-                                    </p:animEffect>
-                                    <p:anim calcmode="lin" valueType="num">
-                                      <p:cBhvr>
-                                        <p:cTn id="8" dur="1000" fill="hold"/>
-                                        <p:tgtEl>
-                                          <p:spTgt spid="24"/>
-                                        </p:tgtEl>
-                                        <p:attrNameLst>
-                                          <p:attrName>ppt_x</p:attrName>
-                                        </p:attrNameLst>
-                                      </p:cBhvr>
-                                      <p:tavLst>
-                                        <p:tav tm="0">
-                                          <p:val>
-                                            <p:strVal val="#ppt_x"/>
-                                          </p:val>
-                                        </p:tav>
-                                        <p:tav tm="100000">
-                                          <p:val>
-                                            <p:strVal val="#ppt_x"/>
-                                          </p:val>
-                                        </p:tav>
-                                      </p:tavLst>
-                                    </p:anim>
-                                    <p:anim calcmode="lin" valueType="num">
-                                      <p:cBhvr>
-                                        <p:cTn id="9" dur="1000" fill="hold"/>
-                                        <p:tgtEl>
-                                          <p:spTgt spid="24"/>
-                                        </p:tgtEl>
-                                        <p:attrNameLst>
-                                          <p:attrName>ppt_y</p:attrName>
-                                        </p:attrNameLst>
-                                      </p:cBhvr>
-                                      <p:tavLst>
-                                        <p:tav tm="0">
-                                          <p:val>
-                                            <p:strVal val="#ppt_y+.1"/>
-                                          </p:val>
-                                        </p:tav>
-                                        <p:tav tm="100000">
-                                          <p:val>
-                                            <p:strVal val="#ppt_y"/>
-                                          </p:val>
-                                        </p:tav>
-                                      </p:tavLst>
-                                    </p:anim>
-                                  </p:childTnLst>
-                                </p:cTn>
-                              </p:par>
-                              <p:par>
-                                <p:cTn id="10" presetID="42" presetClass="entr" presetSubtype="0" fill="hold" nodeType="withEffect">
-                                  <p:stCondLst>
-                                    <p:cond delay="0"/>
-                                  </p:stCondLst>
-                                  <p:childTnLst>
-                                    <p:set>
-                                      <p:cBhvr>
-                                        <p:cTn id="11" dur="1" fill="hold">
-                                          <p:stCondLst>
-                                            <p:cond delay="0"/>
-                                          </p:stCondLst>
-                                        </p:cTn>
-                                        <p:tgtEl>
-                                          <p:spTgt spid="25"/>
-                                        </p:tgtEl>
-                                        <p:attrNameLst>
-                                          <p:attrName>style.visibility</p:attrName>
-                                        </p:attrNameLst>
-                                      </p:cBhvr>
-                                      <p:to>
-                                        <p:strVal val="visible"/>
-                                      </p:to>
-                                    </p:set>
-                                    <p:animEffect transition="in" filter="fade">
-                                      <p:cBhvr>
-                                        <p:cTn id="12" dur="1000"/>
-                                        <p:tgtEl>
-                                          <p:spTgt spid="25"/>
-                                        </p:tgtEl>
-                                      </p:cBhvr>
-                                    </p:animEffect>
-                                    <p:anim calcmode="lin" valueType="num">
-                                      <p:cBhvr>
-                                        <p:cTn id="13" dur="1000" fill="hold"/>
-                                        <p:tgtEl>
-                                          <p:spTgt spid="25"/>
-                                        </p:tgtEl>
-                                        <p:attrNameLst>
-                                          <p:attrName>ppt_x</p:attrName>
-                                        </p:attrNameLst>
-                                      </p:cBhvr>
-                                      <p:tavLst>
-                                        <p:tav tm="0">
-                                          <p:val>
-                                            <p:strVal val="#ppt_x"/>
-                                          </p:val>
-                                        </p:tav>
-                                        <p:tav tm="100000">
-                                          <p:val>
-                                            <p:strVal val="#ppt_x"/>
-                                          </p:val>
-                                        </p:tav>
-                                      </p:tavLst>
-                                    </p:anim>
-                                    <p:anim calcmode="lin" valueType="num">
-                                      <p:cBhvr>
-                                        <p:cTn id="14" dur="1000" fill="hold"/>
-                                        <p:tgtEl>
-                                          <p:spTgt spid="25"/>
-                                        </p:tgtEl>
-                                        <p:attrNameLst>
-                                          <p:attrName>ppt_y</p:attrName>
-                                        </p:attrNameLst>
-                                      </p:cBhvr>
-                                      <p:tavLst>
-                                        <p:tav tm="0">
-                                          <p:val>
-                                            <p:strVal val="#ppt_y+.1"/>
-                                          </p:val>
-                                        </p:tav>
-                                        <p:tav tm="100000">
-                                          <p:val>
-                                            <p:strVal val="#ppt_y"/>
-                                          </p:val>
-                                        </p:tav>
-                                      </p:tavLst>
-                                    </p:anim>
-                                  </p:childTnLst>
-                                </p:cTn>
-                              </p:par>
-                              <p:par>
-                                <p:cTn id="15" presetID="42" presetClass="entr" presetSubtype="0" fill="hold" nodeType="withEffect">
-                                  <p:stCondLst>
-                                    <p:cond delay="0"/>
-                                  </p:stCondLst>
-                                  <p:childTnLst>
-                                    <p:set>
-                                      <p:cBhvr>
-                                        <p:cTn id="16" dur="1" fill="hold">
-                                          <p:stCondLst>
-                                            <p:cond delay="0"/>
-                                          </p:stCondLst>
-                                        </p:cTn>
-                                        <p:tgtEl>
-                                          <p:spTgt spid="28"/>
-                                        </p:tgtEl>
-                                        <p:attrNameLst>
-                                          <p:attrName>style.visibility</p:attrName>
-                                        </p:attrNameLst>
-                                      </p:cBhvr>
-                                      <p:to>
-                                        <p:strVal val="visible"/>
-                                      </p:to>
-                                    </p:set>
-                                    <p:animEffect transition="in" filter="fade">
-                                      <p:cBhvr>
-                                        <p:cTn id="17" dur="1000"/>
-                                        <p:tgtEl>
-                                          <p:spTgt spid="28"/>
-                                        </p:tgtEl>
-                                      </p:cBhvr>
-                                    </p:animEffect>
-                                    <p:anim calcmode="lin" valueType="num">
-                                      <p:cBhvr>
-                                        <p:cTn id="18" dur="1000" fill="hold"/>
-                                        <p:tgtEl>
-                                          <p:spTgt spid="28"/>
-                                        </p:tgtEl>
-                                        <p:attrNameLst>
-                                          <p:attrName>ppt_x</p:attrName>
-                                        </p:attrNameLst>
-                                      </p:cBhvr>
-                                      <p:tavLst>
-                                        <p:tav tm="0">
-                                          <p:val>
-                                            <p:strVal val="#ppt_x"/>
-                                          </p:val>
-                                        </p:tav>
-                                        <p:tav tm="100000">
-                                          <p:val>
-                                            <p:strVal val="#ppt_x"/>
-                                          </p:val>
-                                        </p:tav>
-                                      </p:tavLst>
-                                    </p:anim>
-                                    <p:anim calcmode="lin" valueType="num">
-                                      <p:cBhvr>
-                                        <p:cTn id="19" dur="1000" fill="hold"/>
-                                        <p:tgtEl>
-                                          <p:spTgt spid="28"/>
-                                        </p:tgtEl>
-                                        <p:attrNameLst>
-                                          <p:attrName>ppt_y</p:attrName>
-                                        </p:attrNameLst>
-                                      </p:cBhvr>
-                                      <p:tavLst>
-                                        <p:tav tm="0">
-                                          <p:val>
-                                            <p:strVal val="#ppt_y+.1"/>
-                                          </p:val>
-                                        </p:tav>
-                                        <p:tav tm="100000">
-                                          <p:val>
-                                            <p:strVal val="#ppt_y"/>
-                                          </p:val>
-                                        </p:tav>
-                                      </p:tavLst>
-                                    </p:anim>
-                                  </p:childTnLst>
-                                </p:cTn>
-                              </p:par>
-                              <p:par>
-                                <p:cTn id="20" presetID="42" presetClass="entr" presetSubtype="0" fill="hold" nodeType="withEffect">
-                                  <p:stCondLst>
-                                    <p:cond delay="0"/>
-                                  </p:stCondLst>
-                                  <p:childTnLst>
-                                    <p:set>
-                                      <p:cBhvr>
-                                        <p:cTn id="21" dur="1" fill="hold">
-                                          <p:stCondLst>
-                                            <p:cond delay="0"/>
-                                          </p:stCondLst>
-                                        </p:cTn>
-                                        <p:tgtEl>
-                                          <p:spTgt spid="29"/>
-                                        </p:tgtEl>
-                                        <p:attrNameLst>
-                                          <p:attrName>style.visibility</p:attrName>
-                                        </p:attrNameLst>
-                                      </p:cBhvr>
-                                      <p:to>
-                                        <p:strVal val="visible"/>
-                                      </p:to>
-                                    </p:set>
-                                    <p:animEffect transition="in" filter="fade">
-                                      <p:cBhvr>
-                                        <p:cTn id="22" dur="1000"/>
-                                        <p:tgtEl>
-                                          <p:spTgt spid="29"/>
-                                        </p:tgtEl>
-                                      </p:cBhvr>
-                                    </p:animEffect>
-                                    <p:anim calcmode="lin" valueType="num">
-                                      <p:cBhvr>
-                                        <p:cTn id="23" dur="1000" fill="hold"/>
-                                        <p:tgtEl>
-                                          <p:spTgt spid="29"/>
-                                        </p:tgtEl>
-                                        <p:attrNameLst>
-                                          <p:attrName>ppt_x</p:attrName>
-                                        </p:attrNameLst>
-                                      </p:cBhvr>
-                                      <p:tavLst>
-                                        <p:tav tm="0">
-                                          <p:val>
-                                            <p:strVal val="#ppt_x"/>
-                                          </p:val>
-                                        </p:tav>
-                                        <p:tav tm="100000">
-                                          <p:val>
-                                            <p:strVal val="#ppt_x"/>
-                                          </p:val>
-                                        </p:tav>
-                                      </p:tavLst>
-                                    </p:anim>
-                                    <p:anim calcmode="lin" valueType="num">
-                                      <p:cBhvr>
-                                        <p:cTn id="24" dur="1000" fill="hold"/>
-                                        <p:tgtEl>
-                                          <p:spTgt spid="29"/>
-                                        </p:tgtEl>
-                                        <p:attrNameLst>
-                                          <p:attrName>ppt_y</p:attrName>
-                                        </p:attrNameLst>
-                                      </p:cBhvr>
-                                      <p:tavLst>
-                                        <p:tav tm="0">
-                                          <p:val>
-                                            <p:strVal val="#ppt_y+.1"/>
-                                          </p:val>
-                                        </p:tav>
-                                        <p:tav tm="100000">
-                                          <p:val>
-                                            <p:strVal val="#ppt_y"/>
-                                          </p:val>
-                                        </p:tav>
-                                      </p:tavLst>
-                                    </p:anim>
-                                  </p:childTnLst>
-                                </p:cTn>
-                              </p:par>
-                              <p:par>
-                                <p:cTn id="25" presetID="42" presetClass="entr" presetSubtype="0" fill="hold" nodeType="withEffect">
-                                  <p:stCondLst>
-                                    <p:cond delay="0"/>
-                                  </p:stCondLst>
-                                  <p:childTnLst>
-                                    <p:set>
-                                      <p:cBhvr>
-                                        <p:cTn id="26" dur="1" fill="hold">
-                                          <p:stCondLst>
-                                            <p:cond delay="0"/>
-                                          </p:stCondLst>
-                                        </p:cTn>
-                                        <p:tgtEl>
-                                          <p:spTgt spid="36"/>
-                                        </p:tgtEl>
-                                        <p:attrNameLst>
-                                          <p:attrName>style.visibility</p:attrName>
-                                        </p:attrNameLst>
-                                      </p:cBhvr>
-                                      <p:to>
-                                        <p:strVal val="visible"/>
-                                      </p:to>
-                                    </p:set>
-                                    <p:animEffect transition="in" filter="fade">
-                                      <p:cBhvr>
-                                        <p:cTn id="27" dur="1000"/>
-                                        <p:tgtEl>
-                                          <p:spTgt spid="36"/>
-                                        </p:tgtEl>
-                                      </p:cBhvr>
-                                    </p:animEffect>
-                                    <p:anim calcmode="lin" valueType="num">
-                                      <p:cBhvr>
-                                        <p:cTn id="28" dur="1000" fill="hold"/>
-                                        <p:tgtEl>
-                                          <p:spTgt spid="36"/>
-                                        </p:tgtEl>
-                                        <p:attrNameLst>
-                                          <p:attrName>ppt_x</p:attrName>
-                                        </p:attrNameLst>
-                                      </p:cBhvr>
-                                      <p:tavLst>
-                                        <p:tav tm="0">
-                                          <p:val>
-                                            <p:strVal val="#ppt_x"/>
-                                          </p:val>
-                                        </p:tav>
-                                        <p:tav tm="100000">
-                                          <p:val>
-                                            <p:strVal val="#ppt_x"/>
-                                          </p:val>
-                                        </p:tav>
-                                      </p:tavLst>
-                                    </p:anim>
-                                    <p:anim calcmode="lin" valueType="num">
-                                      <p:cBhvr>
-                                        <p:cTn id="29" dur="1000" fill="hold"/>
-                                        <p:tgtEl>
-                                          <p:spTgt spid="36"/>
-                                        </p:tgtEl>
-                                        <p:attrNameLst>
-                                          <p:attrName>ppt_y</p:attrName>
-                                        </p:attrNameLst>
-                                      </p:cBhvr>
-                                      <p:tavLst>
-                                        <p:tav tm="0">
-                                          <p:val>
-                                            <p:strVal val="#ppt_y+.1"/>
-                                          </p:val>
-                                        </p:tav>
-                                        <p:tav tm="100000">
-                                          <p:val>
-                                            <p:strVal val="#ppt_y"/>
-                                          </p:val>
-                                        </p:tav>
-                                      </p:tavLst>
-                                    </p:anim>
-                                  </p:childTnLst>
-                                </p:cTn>
-                              </p:par>
-                              <p:par>
-                                <p:cTn id="30" presetID="42" presetClass="entr" presetSubtype="0" fill="hold" nodeType="withEffect">
-                                  <p:stCondLst>
-                                    <p:cond delay="0"/>
-                                  </p:stCondLst>
-                                  <p:childTnLst>
-                                    <p:set>
-                                      <p:cBhvr>
-                                        <p:cTn id="31" dur="1" fill="hold">
-                                          <p:stCondLst>
-                                            <p:cond delay="0"/>
-                                          </p:stCondLst>
-                                        </p:cTn>
-                                        <p:tgtEl>
-                                          <p:spTgt spid="35"/>
-                                        </p:tgtEl>
-                                        <p:attrNameLst>
-                                          <p:attrName>style.visibility</p:attrName>
-                                        </p:attrNameLst>
-                                      </p:cBhvr>
-                                      <p:to>
-                                        <p:strVal val="visible"/>
-                                      </p:to>
-                                    </p:set>
-                                    <p:animEffect transition="in" filter="fade">
-                                      <p:cBhvr>
-                                        <p:cTn id="32" dur="1000"/>
-                                        <p:tgtEl>
-                                          <p:spTgt spid="35"/>
-                                        </p:tgtEl>
-                                      </p:cBhvr>
-                                    </p:animEffect>
-                                    <p:anim calcmode="lin" valueType="num">
-                                      <p:cBhvr>
-                                        <p:cTn id="33" dur="1000" fill="hold"/>
-                                        <p:tgtEl>
-                                          <p:spTgt spid="35"/>
-                                        </p:tgtEl>
-                                        <p:attrNameLst>
-                                          <p:attrName>ppt_x</p:attrName>
-                                        </p:attrNameLst>
-                                      </p:cBhvr>
-                                      <p:tavLst>
-                                        <p:tav tm="0">
-                                          <p:val>
-                                            <p:strVal val="#ppt_x"/>
-                                          </p:val>
-                                        </p:tav>
-                                        <p:tav tm="100000">
-                                          <p:val>
-                                            <p:strVal val="#ppt_x"/>
-                                          </p:val>
-                                        </p:tav>
-                                      </p:tavLst>
-                                    </p:anim>
-                                    <p:anim calcmode="lin" valueType="num">
-                                      <p:cBhvr>
-                                        <p:cTn id="34" dur="1000" fill="hold"/>
-                                        <p:tgtEl>
-                                          <p:spTgt spid="35"/>
-                                        </p:tgtEl>
-                                        <p:attrNameLst>
-                                          <p:attrName>ppt_y</p:attrName>
-                                        </p:attrNameLst>
-                                      </p:cBhvr>
-                                      <p:tavLst>
-                                        <p:tav tm="0">
-                                          <p:val>
-                                            <p:strVal val="#ppt_y+.1"/>
-                                          </p:val>
-                                        </p:tav>
-                                        <p:tav tm="100000">
-                                          <p:val>
-                                            <p:strVal val="#ppt_y"/>
-                                          </p:val>
-                                        </p:tav>
-                                      </p:tavLst>
-                                    </p:anim>
-                                  </p:childTnLst>
-                                </p:cTn>
-                              </p:par>
-                              <p:par>
-                                <p:cTn id="35" presetID="42" presetClass="entr" presetSubtype="0" fill="hold" nodeType="withEffect">
-                                  <p:stCondLst>
-                                    <p:cond delay="0"/>
-                                  </p:stCondLst>
-                                  <p:childTnLst>
-                                    <p:set>
-                                      <p:cBhvr>
-                                        <p:cTn id="36" dur="1" fill="hold">
-                                          <p:stCondLst>
-                                            <p:cond delay="0"/>
-                                          </p:stCondLst>
-                                        </p:cTn>
-                                        <p:tgtEl>
-                                          <p:spTgt spid="4"/>
-                                        </p:tgtEl>
-                                        <p:attrNameLst>
-                                          <p:attrName>style.visibility</p:attrName>
-                                        </p:attrNameLst>
-                                      </p:cBhvr>
-                                      <p:to>
-                                        <p:strVal val="visible"/>
-                                      </p:to>
-                                    </p:set>
-                                    <p:animEffect transition="in" filter="fade">
-                                      <p:cBhvr>
-                                        <p:cTn id="37" dur="1000"/>
-                                        <p:tgtEl>
-                                          <p:spTgt spid="4"/>
-                                        </p:tgtEl>
-                                      </p:cBhvr>
-                                    </p:animEffect>
-                                    <p:anim calcmode="lin" valueType="num">
-                                      <p:cBhvr>
-                                        <p:cTn id="38" dur="1000" fill="hold"/>
-                                        <p:tgtEl>
-                                          <p:spTgt spid="4"/>
-                                        </p:tgtEl>
-                                        <p:attrNameLst>
-                                          <p:attrName>ppt_x</p:attrName>
-                                        </p:attrNameLst>
-                                      </p:cBhvr>
-                                      <p:tavLst>
-                                        <p:tav tm="0">
-                                          <p:val>
-                                            <p:strVal val="#ppt_x"/>
-                                          </p:val>
-                                        </p:tav>
-                                        <p:tav tm="100000">
-                                          <p:val>
-                                            <p:strVal val="#ppt_x"/>
-                                          </p:val>
-                                        </p:tav>
-                                      </p:tavLst>
-                                    </p:anim>
-                                    <p:anim calcmode="lin" valueType="num">
-                                      <p:cBhvr>
-                                        <p:cTn id="39" dur="1000" fill="hold"/>
-                                        <p:tgtEl>
-                                          <p:spTgt spid="4"/>
-                                        </p:tgtEl>
-                                        <p:attrNameLst>
-                                          <p:attrName>ppt_y</p:attrName>
-                                        </p:attrNameLst>
-                                      </p:cBhvr>
-                                      <p:tavLst>
-                                        <p:tav tm="0">
-                                          <p:val>
-                                            <p:strVal val="#ppt_y+.1"/>
-                                          </p:val>
-                                        </p:tav>
-                                        <p:tav tm="100000">
-                                          <p:val>
-                                            <p:strVal val="#ppt_y"/>
-                                          </p:val>
-                                        </p:tav>
-                                      </p:tavLst>
-                                    </p:anim>
-                                  </p:childTnLst>
-                                </p:cTn>
-                              </p:par>
-                            </p:childTnLst>
-                          </p:cTn>
-                        </p:par>
-                      </p:childTnLst>
-                    </p:cTn>
-                  </p:par>
-                </p:childTnLst>
-              </p:cTn>
-              <p:prevCondLst>
-                <p:cond evt="onPrev" delay="0">
-                  <p:tgtEl>
-                    <p:sldTgt/>
-                  </p:tgtEl>
-                </p:cond>
-              </p:prevCondLst>
-              <p:nextCondLst>
-                <p:cond evt="onNext" delay="0">
-                  <p:tgtEl>
-                    <p:sldTgt/>
-                  </p:tgtEl>
-                </p:cond>
-              </p:nextCondLst>
-            </p:seq>
-          </p:childTnLst>
-        </p:cTn>
-      </p:par>
-    </p:tnLst>
-  </p:timing>
 </p:sld>
 </file>
 
@@ -7264,114 +6214,6 @@
           </a:p>
         </p:txBody>
       </p:sp>
-      <p:pic>
-        <p:nvPicPr>
-          <p:cNvPr id="4" name="Image 3">
-            <a:extLst>
-              <a:ext uri="{FF2B5EF4-FFF2-40B4-BE49-F238E27FC236}">
-                <a16:creationId xmlns:a16="http://schemas.microsoft.com/office/drawing/2014/main" id="{D397238E-4CC4-4E40-A03F-CA5168B16AFC}"/>
-              </a:ext>
-            </a:extLst>
-          </p:cNvPr>
-          <p:cNvPicPr>
-            <a:picLocks noChangeAspect="1"/>
-          </p:cNvPicPr>
-          <p:nvPr/>
-        </p:nvPicPr>
-        <p:blipFill>
-          <a:blip r:embed="rId4">
-            <a:extLst>
-              <a:ext uri="{28A0092B-C50C-407E-A947-70E740481C1C}">
-                <a14:useLocalDpi xmlns:a14="http://schemas.microsoft.com/office/drawing/2010/main" val="0"/>
-              </a:ext>
-            </a:extLst>
-          </a:blip>
-          <a:stretch>
-            <a:fillRect/>
-          </a:stretch>
-        </p:blipFill>
-        <p:spPr>
-          <a:xfrm>
-            <a:off x="1881432" y="4945224"/>
-            <a:ext cx="990600" cy="990600"/>
-          </a:xfrm>
-          <a:prstGeom prst="rect">
-            <a:avLst/>
-          </a:prstGeom>
-        </p:spPr>
-      </p:pic>
-      <p:pic>
-        <p:nvPicPr>
-          <p:cNvPr id="6" name="Image 5">
-            <a:extLst>
-              <a:ext uri="{FF2B5EF4-FFF2-40B4-BE49-F238E27FC236}">
-                <a16:creationId xmlns:a16="http://schemas.microsoft.com/office/drawing/2014/main" id="{217C5B42-FC3B-460B-B430-4FE5CFDEFE08}"/>
-              </a:ext>
-            </a:extLst>
-          </p:cNvPr>
-          <p:cNvPicPr>
-            <a:picLocks noChangeAspect="1"/>
-          </p:cNvPicPr>
-          <p:nvPr/>
-        </p:nvPicPr>
-        <p:blipFill>
-          <a:blip r:embed="rId5">
-            <a:extLst>
-              <a:ext uri="{28A0092B-C50C-407E-A947-70E740481C1C}">
-                <a14:useLocalDpi xmlns:a14="http://schemas.microsoft.com/office/drawing/2010/main" val="0"/>
-              </a:ext>
-            </a:extLst>
-          </a:blip>
-          <a:stretch>
-            <a:fillRect/>
-          </a:stretch>
-        </p:blipFill>
-        <p:spPr>
-          <a:xfrm>
-            <a:off x="6753255" y="4945224"/>
-            <a:ext cx="1194833" cy="1297393"/>
-          </a:xfrm>
-          <a:prstGeom prst="rect">
-            <a:avLst/>
-          </a:prstGeom>
-        </p:spPr>
-      </p:pic>
-      <p:pic>
-        <p:nvPicPr>
-          <p:cNvPr id="27" name="Image 26">
-            <a:extLst>
-              <a:ext uri="{FF2B5EF4-FFF2-40B4-BE49-F238E27FC236}">
-                <a16:creationId xmlns:a16="http://schemas.microsoft.com/office/drawing/2014/main" id="{2743F8F1-CE6B-4582-819C-46D84CFAEC85}"/>
-              </a:ext>
-            </a:extLst>
-          </p:cNvPr>
-          <p:cNvPicPr>
-            <a:picLocks noChangeAspect="1"/>
-          </p:cNvPicPr>
-          <p:nvPr/>
-        </p:nvPicPr>
-        <p:blipFill>
-          <a:blip r:embed="rId6">
-            <a:extLst>
-              <a:ext uri="{28A0092B-C50C-407E-A947-70E740481C1C}">
-                <a14:useLocalDpi xmlns:a14="http://schemas.microsoft.com/office/drawing/2010/main" val="0"/>
-              </a:ext>
-            </a:extLst>
-          </a:blip>
-          <a:stretch>
-            <a:fillRect/>
-          </a:stretch>
-        </p:blipFill>
-        <p:spPr>
-          <a:xfrm>
-            <a:off x="4450205" y="3918856"/>
-            <a:ext cx="1082352" cy="1082352"/>
-          </a:xfrm>
-          <a:prstGeom prst="rect">
-            <a:avLst/>
-          </a:prstGeom>
-        </p:spPr>
-      </p:pic>
       <p:sp>
         <p:nvSpPr>
           <p:cNvPr id="7" name="ZoneTexte 6">
@@ -7407,6 +6249,2263 @@
           </a:p>
         </p:txBody>
       </p:sp>
+      <p:sp>
+        <p:nvSpPr>
+          <p:cNvPr id="3" name="Text Box 1">
+            <a:extLst>
+              <a:ext uri="{FF2B5EF4-FFF2-40B4-BE49-F238E27FC236}">
+                <a16:creationId xmlns:a16="http://schemas.microsoft.com/office/drawing/2014/main" id="{E00B9928-4F61-4953-B632-22AF86E17D68}"/>
+              </a:ext>
+            </a:extLst>
+          </p:cNvPr>
+          <p:cNvSpPr txBox="1">
+            <a:spLocks noChangeArrowheads="1"/>
+          </p:cNvSpPr>
+          <p:nvPr/>
+        </p:nvSpPr>
+        <p:spPr bwMode="auto">
+          <a:xfrm>
+            <a:off x="3867817" y="4872883"/>
+            <a:ext cx="361950" cy="469900"/>
+          </a:xfrm>
+          <a:prstGeom prst="rect">
+            <a:avLst/>
+          </a:prstGeom>
+          <a:solidFill>
+            <a:srgbClr val="FFFFFF"/>
+          </a:solidFill>
+          <a:ln w="9525">
+            <a:solidFill>
+              <a:srgbClr val="FFFFFF"/>
+            </a:solidFill>
+            <a:miter lim="800000"/>
+            <a:headEnd/>
+            <a:tailEnd/>
+          </a:ln>
+        </p:spPr>
+        <p:txBody>
+          <a:bodyPr vert="horz" wrap="square" lIns="91440" tIns="45720" rIns="91440" bIns="45720" numCol="1" anchor="t" anchorCtr="0" compatLnSpc="1">
+            <a:prstTxWarp prst="textNoShape">
+              <a:avLst/>
+            </a:prstTxWarp>
+          </a:bodyPr>
+          <a:lstStyle/>
+          <a:p>
+            <a:pPr marL="0" marR="0" lvl="0" indent="0" algn="l" defTabSz="914400" rtl="0" eaLnBrk="0" fontAlgn="base" latinLnBrk="0" hangingPunct="0">
+              <a:lnSpc>
+                <a:spcPct val="100000"/>
+              </a:lnSpc>
+              <a:spcBef>
+                <a:spcPct val="0"/>
+              </a:spcBef>
+              <a:spcAft>
+                <a:spcPct val="0"/>
+              </a:spcAft>
+              <a:buClrTx/>
+              <a:buSzTx/>
+              <a:buFontTx/>
+              <a:buNone/>
+              <a:tabLst/>
+            </a:pPr>
+            <a:endParaRPr kumimoji="0" lang="fr-FR" altLang="fr-FR" sz="1100" b="0" i="0" u="none" strike="noStrike" cap="none" normalizeH="0" baseline="0">
+              <a:ln>
+                <a:noFill/>
+              </a:ln>
+              <a:solidFill>
+                <a:schemeClr val="tx1"/>
+              </a:solidFill>
+              <a:effectLst/>
+              <a:latin typeface="Calibri" panose="020F0502020204030204" pitchFamily="34" charset="0"/>
+              <a:ea typeface="Calibri" panose="020F0502020204030204" pitchFamily="34" charset="0"/>
+              <a:cs typeface="Times New Roman" panose="02020603050405020304" pitchFamily="18" charset="0"/>
+            </a:endParaRPr>
+          </a:p>
+          <a:p>
+            <a:pPr marL="0" marR="0" lvl="0" indent="0" algn="l" defTabSz="914400" rtl="0" eaLnBrk="0" fontAlgn="base" latinLnBrk="0" hangingPunct="0">
+              <a:lnSpc>
+                <a:spcPct val="100000"/>
+              </a:lnSpc>
+              <a:spcBef>
+                <a:spcPct val="0"/>
+              </a:spcBef>
+              <a:spcAft>
+                <a:spcPct val="0"/>
+              </a:spcAft>
+              <a:buClrTx/>
+              <a:buSzTx/>
+              <a:buFontTx/>
+              <a:buNone/>
+              <a:tabLst/>
+            </a:pPr>
+            <a:r>
+              <a:rPr kumimoji="0" lang="fr-FR" altLang="fr-FR" sz="1100" b="0" i="0" u="none" strike="noStrike" cap="none" normalizeH="0" baseline="0">
+                <a:ln>
+                  <a:noFill/>
+                </a:ln>
+                <a:solidFill>
+                  <a:schemeClr val="tx1"/>
+                </a:solidFill>
+                <a:effectLst/>
+                <a:latin typeface="Calibri" panose="020F0502020204030204" pitchFamily="34" charset="0"/>
+                <a:ea typeface="Calibri" panose="020F0502020204030204" pitchFamily="34" charset="0"/>
+                <a:cs typeface="Times New Roman" panose="02020603050405020304" pitchFamily="18" charset="0"/>
+              </a:rPr>
+              <a:t>5V</a:t>
+            </a:r>
+            <a:endParaRPr kumimoji="0" lang="fr-FR" altLang="fr-FR" sz="1800" b="0" i="0" u="none" strike="noStrike" cap="none" normalizeH="0" baseline="0">
+              <a:ln>
+                <a:noFill/>
+              </a:ln>
+              <a:solidFill>
+                <a:schemeClr val="tx1"/>
+              </a:solidFill>
+              <a:effectLst/>
+              <a:latin typeface="Arial" panose="020B0604020202020204" pitchFamily="34" charset="0"/>
+            </a:endParaRPr>
+          </a:p>
+        </p:txBody>
+      </p:sp>
+      <p:sp>
+        <p:nvSpPr>
+          <p:cNvPr id="5" name="Text Box 15">
+            <a:extLst>
+              <a:ext uri="{FF2B5EF4-FFF2-40B4-BE49-F238E27FC236}">
+                <a16:creationId xmlns:a16="http://schemas.microsoft.com/office/drawing/2014/main" id="{F5D6C142-C46D-4028-8293-1185273D9928}"/>
+              </a:ext>
+            </a:extLst>
+          </p:cNvPr>
+          <p:cNvSpPr txBox="1">
+            <a:spLocks noChangeArrowheads="1"/>
+          </p:cNvSpPr>
+          <p:nvPr/>
+        </p:nvSpPr>
+        <p:spPr bwMode="auto">
+          <a:xfrm>
+            <a:off x="5387490" y="2236045"/>
+            <a:ext cx="2838450" cy="3008313"/>
+          </a:xfrm>
+          <a:prstGeom prst="rect">
+            <a:avLst/>
+          </a:prstGeom>
+          <a:solidFill>
+            <a:srgbClr val="FFFFFF"/>
+          </a:solidFill>
+          <a:ln w="9525">
+            <a:solidFill>
+              <a:srgbClr val="000000"/>
+            </a:solidFill>
+            <a:miter lim="800000"/>
+            <a:headEnd/>
+            <a:tailEnd/>
+          </a:ln>
+        </p:spPr>
+        <p:txBody>
+          <a:bodyPr vert="horz" wrap="square" lIns="91440" tIns="45720" rIns="91440" bIns="45720" numCol="1" anchor="t" anchorCtr="0" compatLnSpc="1">
+            <a:prstTxWarp prst="textNoShape">
+              <a:avLst/>
+            </a:prstTxWarp>
+          </a:bodyPr>
+          <a:lstStyle/>
+          <a:p>
+            <a:pPr marL="0" marR="0" lvl="0" indent="0" algn="l" defTabSz="914400" rtl="0" eaLnBrk="0" fontAlgn="base" latinLnBrk="0" hangingPunct="0">
+              <a:lnSpc>
+                <a:spcPct val="100000"/>
+              </a:lnSpc>
+              <a:spcBef>
+                <a:spcPct val="0"/>
+              </a:spcBef>
+              <a:spcAft>
+                <a:spcPct val="0"/>
+              </a:spcAft>
+              <a:buClrTx/>
+              <a:buSzTx/>
+              <a:buFontTx/>
+              <a:buNone/>
+              <a:tabLst/>
+            </a:pPr>
+            <a:endParaRPr kumimoji="0" lang="fr-FR" altLang="fr-FR" sz="1600" b="0" i="0" u="none" strike="noStrike" cap="none" normalizeH="0" baseline="0">
+              <a:ln>
+                <a:noFill/>
+              </a:ln>
+              <a:solidFill>
+                <a:srgbClr val="FF0000"/>
+              </a:solidFill>
+              <a:effectLst/>
+              <a:latin typeface="Calibri" panose="020F0502020204030204" pitchFamily="34" charset="0"/>
+              <a:ea typeface="Calibri" panose="020F0502020204030204" pitchFamily="34" charset="0"/>
+              <a:cs typeface="Times New Roman" panose="02020603050405020304" pitchFamily="18" charset="0"/>
+            </a:endParaRPr>
+          </a:p>
+          <a:p>
+            <a:pPr marL="0" marR="0" lvl="0" indent="449263" algn="l" defTabSz="914400" rtl="0" eaLnBrk="0" fontAlgn="base" latinLnBrk="0" hangingPunct="0">
+              <a:lnSpc>
+                <a:spcPct val="100000"/>
+              </a:lnSpc>
+              <a:spcBef>
+                <a:spcPct val="0"/>
+              </a:spcBef>
+              <a:spcAft>
+                <a:spcPct val="0"/>
+              </a:spcAft>
+              <a:buClrTx/>
+              <a:buSzTx/>
+              <a:buFontTx/>
+              <a:buNone/>
+              <a:tabLst/>
+            </a:pPr>
+            <a:r>
+              <a:rPr kumimoji="0" lang="fr-FR" altLang="fr-FR" sz="1600" b="0" i="0" u="none" strike="noStrike" cap="none" normalizeH="0" baseline="0">
+                <a:ln>
+                  <a:noFill/>
+                </a:ln>
+                <a:solidFill>
+                  <a:srgbClr val="FF0000"/>
+                </a:solidFill>
+                <a:effectLst/>
+                <a:latin typeface="Calibri" panose="020F0502020204030204" pitchFamily="34" charset="0"/>
+                <a:ea typeface="Calibri" panose="020F0502020204030204" pitchFamily="34" charset="0"/>
+                <a:cs typeface="Times New Roman" panose="02020603050405020304" pitchFamily="18" charset="0"/>
+              </a:rPr>
+              <a:t>Arduino</a:t>
+            </a:r>
+            <a:endParaRPr kumimoji="0" lang="fr-FR" altLang="fr-FR" sz="1800" b="0" i="0" u="none" strike="noStrike" cap="none" normalizeH="0" baseline="0">
+              <a:ln>
+                <a:noFill/>
+              </a:ln>
+              <a:solidFill>
+                <a:schemeClr val="tx1"/>
+              </a:solidFill>
+              <a:effectLst/>
+              <a:latin typeface="Arial" panose="020B0604020202020204" pitchFamily="34" charset="0"/>
+            </a:endParaRPr>
+          </a:p>
+        </p:txBody>
+      </p:sp>
+      <p:sp>
+        <p:nvSpPr>
+          <p:cNvPr id="9" name="Text Box 10">
+            <a:extLst>
+              <a:ext uri="{FF2B5EF4-FFF2-40B4-BE49-F238E27FC236}">
+                <a16:creationId xmlns:a16="http://schemas.microsoft.com/office/drawing/2014/main" id="{6AD072C9-96A0-4B72-A7A5-610EE44EEC64}"/>
+              </a:ext>
+            </a:extLst>
+          </p:cNvPr>
+          <p:cNvSpPr txBox="1">
+            <a:spLocks noChangeArrowheads="1"/>
+          </p:cNvSpPr>
+          <p:nvPr/>
+        </p:nvSpPr>
+        <p:spPr bwMode="auto">
+          <a:xfrm>
+            <a:off x="5439877" y="2741298"/>
+            <a:ext cx="425450" cy="396875"/>
+          </a:xfrm>
+          <a:prstGeom prst="rect">
+            <a:avLst/>
+          </a:prstGeom>
+          <a:solidFill>
+            <a:srgbClr val="FFFFFF"/>
+          </a:solidFill>
+          <a:ln w="9525">
+            <a:solidFill>
+              <a:srgbClr val="FFFFFF"/>
+            </a:solidFill>
+            <a:miter lim="800000"/>
+            <a:headEnd/>
+            <a:tailEnd/>
+          </a:ln>
+        </p:spPr>
+        <p:txBody>
+          <a:bodyPr vert="horz" wrap="square" lIns="91440" tIns="45720" rIns="91440" bIns="45720" numCol="1" anchor="t" anchorCtr="0" compatLnSpc="1">
+            <a:prstTxWarp prst="textNoShape">
+              <a:avLst/>
+            </a:prstTxWarp>
+            <a:spAutoFit/>
+          </a:bodyPr>
+          <a:lstStyle/>
+          <a:p>
+            <a:pPr marL="0" marR="0" lvl="0" indent="0" algn="l" defTabSz="914400" rtl="0" eaLnBrk="0" fontAlgn="base" latinLnBrk="0" hangingPunct="0">
+              <a:lnSpc>
+                <a:spcPct val="100000"/>
+              </a:lnSpc>
+              <a:spcBef>
+                <a:spcPct val="0"/>
+              </a:spcBef>
+              <a:spcAft>
+                <a:spcPct val="0"/>
+              </a:spcAft>
+              <a:buClrTx/>
+              <a:buSzTx/>
+              <a:buFontTx/>
+              <a:buNone/>
+              <a:tabLst/>
+            </a:pPr>
+            <a:endParaRPr kumimoji="0" lang="fr-FR" altLang="fr-FR" sz="1100" b="0" i="0" u="none" strike="noStrike" cap="none" normalizeH="0" baseline="0" dirty="0">
+              <a:ln>
+                <a:noFill/>
+              </a:ln>
+              <a:solidFill>
+                <a:schemeClr val="tx1"/>
+              </a:solidFill>
+              <a:effectLst/>
+              <a:latin typeface="Calibri" panose="020F0502020204030204" pitchFamily="34" charset="0"/>
+              <a:ea typeface="Calibri" panose="020F0502020204030204" pitchFamily="34" charset="0"/>
+              <a:cs typeface="Times New Roman" panose="02020603050405020304" pitchFamily="18" charset="0"/>
+            </a:endParaRPr>
+          </a:p>
+          <a:p>
+            <a:pPr marL="0" marR="0" lvl="0" indent="0" algn="l" defTabSz="914400" rtl="0" eaLnBrk="0" fontAlgn="base" latinLnBrk="0" hangingPunct="0">
+              <a:lnSpc>
+                <a:spcPct val="100000"/>
+              </a:lnSpc>
+              <a:spcBef>
+                <a:spcPct val="0"/>
+              </a:spcBef>
+              <a:spcAft>
+                <a:spcPct val="0"/>
+              </a:spcAft>
+              <a:buClrTx/>
+              <a:buSzTx/>
+              <a:buFontTx/>
+              <a:buNone/>
+              <a:tabLst/>
+            </a:pPr>
+            <a:r>
+              <a:rPr kumimoji="0" lang="fr-FR" altLang="fr-FR" sz="1100" b="0" i="0" u="none" strike="noStrike" cap="none" normalizeH="0" baseline="0" dirty="0">
+                <a:ln>
+                  <a:noFill/>
+                </a:ln>
+                <a:solidFill>
+                  <a:schemeClr val="tx1"/>
+                </a:solidFill>
+                <a:effectLst/>
+                <a:latin typeface="Calibri" panose="020F0502020204030204" pitchFamily="34" charset="0"/>
+                <a:ea typeface="Calibri" panose="020F0502020204030204" pitchFamily="34" charset="0"/>
+                <a:cs typeface="Times New Roman" panose="02020603050405020304" pitchFamily="18" charset="0"/>
+              </a:rPr>
+              <a:t>A2</a:t>
+            </a:r>
+            <a:endParaRPr kumimoji="0" lang="fr-FR" altLang="fr-FR" sz="1800" b="0" i="0" u="none" strike="noStrike" cap="none" normalizeH="0" baseline="0" dirty="0">
+              <a:ln>
+                <a:noFill/>
+              </a:ln>
+              <a:solidFill>
+                <a:schemeClr val="tx1"/>
+              </a:solidFill>
+              <a:effectLst/>
+              <a:latin typeface="Arial" panose="020B0604020202020204" pitchFamily="34" charset="0"/>
+            </a:endParaRPr>
+          </a:p>
+        </p:txBody>
+      </p:sp>
+      <p:sp>
+        <p:nvSpPr>
+          <p:cNvPr id="11" name="Text Box 3">
+            <a:extLst>
+              <a:ext uri="{FF2B5EF4-FFF2-40B4-BE49-F238E27FC236}">
+                <a16:creationId xmlns:a16="http://schemas.microsoft.com/office/drawing/2014/main" id="{6962E9D0-6482-4C60-A4A6-171463ADE621}"/>
+              </a:ext>
+            </a:extLst>
+          </p:cNvPr>
+          <p:cNvSpPr txBox="1">
+            <a:spLocks noChangeArrowheads="1"/>
+          </p:cNvSpPr>
+          <p:nvPr/>
+        </p:nvSpPr>
+        <p:spPr bwMode="auto">
+          <a:xfrm>
+            <a:off x="5439877" y="3964833"/>
+            <a:ext cx="425450" cy="396875"/>
+          </a:xfrm>
+          <a:prstGeom prst="rect">
+            <a:avLst/>
+          </a:prstGeom>
+          <a:solidFill>
+            <a:srgbClr val="FFFFFF"/>
+          </a:solidFill>
+          <a:ln w="9525">
+            <a:solidFill>
+              <a:srgbClr val="FFFFFF"/>
+            </a:solidFill>
+            <a:miter lim="800000"/>
+            <a:headEnd/>
+            <a:tailEnd/>
+          </a:ln>
+        </p:spPr>
+        <p:txBody>
+          <a:bodyPr vert="horz" wrap="square" lIns="91440" tIns="45720" rIns="91440" bIns="45720" numCol="1" anchor="t" anchorCtr="0" compatLnSpc="1">
+            <a:prstTxWarp prst="textNoShape">
+              <a:avLst/>
+            </a:prstTxWarp>
+            <a:spAutoFit/>
+          </a:bodyPr>
+          <a:lstStyle/>
+          <a:p>
+            <a:pPr marL="0" marR="0" lvl="0" indent="0" algn="l" defTabSz="914400" rtl="0" eaLnBrk="0" fontAlgn="base" latinLnBrk="0" hangingPunct="0">
+              <a:lnSpc>
+                <a:spcPct val="100000"/>
+              </a:lnSpc>
+              <a:spcBef>
+                <a:spcPct val="0"/>
+              </a:spcBef>
+              <a:spcAft>
+                <a:spcPct val="0"/>
+              </a:spcAft>
+              <a:buClrTx/>
+              <a:buSzTx/>
+              <a:buFontTx/>
+              <a:buNone/>
+              <a:tabLst/>
+            </a:pPr>
+            <a:r>
+              <a:rPr kumimoji="0" lang="fr-FR" altLang="fr-FR" sz="1100" b="0" i="0" u="none" strike="noStrike" cap="none" normalizeH="0" baseline="0">
+                <a:ln>
+                  <a:noFill/>
+                </a:ln>
+                <a:solidFill>
+                  <a:schemeClr val="tx1"/>
+                </a:solidFill>
+                <a:effectLst/>
+                <a:latin typeface="Calibri" panose="020F0502020204030204" pitchFamily="34" charset="0"/>
+                <a:ea typeface="Calibri" panose="020F0502020204030204" pitchFamily="34" charset="0"/>
+                <a:cs typeface="Times New Roman" panose="02020603050405020304" pitchFamily="18" charset="0"/>
+              </a:rPr>
+              <a:t>D2</a:t>
+            </a:r>
+            <a:endParaRPr kumimoji="0" lang="fr-FR" altLang="fr-FR" sz="1800" b="0" i="0" u="none" strike="noStrike" cap="none" normalizeH="0" baseline="0">
+              <a:ln>
+                <a:noFill/>
+              </a:ln>
+              <a:solidFill>
+                <a:schemeClr val="tx1"/>
+              </a:solidFill>
+              <a:effectLst/>
+              <a:latin typeface="Arial" panose="020B0604020202020204" pitchFamily="34" charset="0"/>
+            </a:endParaRPr>
+          </a:p>
+        </p:txBody>
+      </p:sp>
+      <p:sp>
+        <p:nvSpPr>
+          <p:cNvPr id="12" name="Text Box 11">
+            <a:extLst>
+              <a:ext uri="{FF2B5EF4-FFF2-40B4-BE49-F238E27FC236}">
+                <a16:creationId xmlns:a16="http://schemas.microsoft.com/office/drawing/2014/main" id="{35EB8CD8-17BB-4141-B125-CE7A8F6A9817}"/>
+              </a:ext>
+            </a:extLst>
+          </p:cNvPr>
+          <p:cNvSpPr txBox="1">
+            <a:spLocks noChangeArrowheads="1"/>
+          </p:cNvSpPr>
+          <p:nvPr/>
+        </p:nvSpPr>
+        <p:spPr bwMode="auto">
+          <a:xfrm>
+            <a:off x="5979935" y="2942241"/>
+            <a:ext cx="488950" cy="396875"/>
+          </a:xfrm>
+          <a:prstGeom prst="rect">
+            <a:avLst/>
+          </a:prstGeom>
+          <a:solidFill>
+            <a:srgbClr val="FFFFFF"/>
+          </a:solidFill>
+          <a:ln w="9525">
+            <a:solidFill>
+              <a:srgbClr val="000000"/>
+            </a:solidFill>
+            <a:miter lim="800000"/>
+            <a:headEnd/>
+            <a:tailEnd/>
+          </a:ln>
+        </p:spPr>
+        <p:txBody>
+          <a:bodyPr vert="horz" wrap="square" lIns="91440" tIns="45720" rIns="91440" bIns="45720" numCol="1" anchor="t" anchorCtr="0" compatLnSpc="1">
+            <a:prstTxWarp prst="textNoShape">
+              <a:avLst/>
+            </a:prstTxWarp>
+            <a:spAutoFit/>
+          </a:bodyPr>
+          <a:lstStyle/>
+          <a:p>
+            <a:pPr marL="0" marR="0" lvl="0" indent="0" algn="l" defTabSz="914400" rtl="0" eaLnBrk="0" fontAlgn="base" latinLnBrk="0" hangingPunct="0">
+              <a:lnSpc>
+                <a:spcPct val="100000"/>
+              </a:lnSpc>
+              <a:spcBef>
+                <a:spcPct val="0"/>
+              </a:spcBef>
+              <a:spcAft>
+                <a:spcPct val="0"/>
+              </a:spcAft>
+              <a:buClrTx/>
+              <a:buSzTx/>
+              <a:buFontTx/>
+              <a:buNone/>
+              <a:tabLst/>
+            </a:pPr>
+            <a:r>
+              <a:rPr kumimoji="0" lang="fr-FR" altLang="fr-FR" sz="1100" b="0" i="0" u="none" strike="noStrike" cap="none" normalizeH="0" baseline="0">
+                <a:ln>
+                  <a:noFill/>
+                </a:ln>
+                <a:solidFill>
+                  <a:schemeClr val="tx1"/>
+                </a:solidFill>
+                <a:effectLst/>
+                <a:latin typeface="Calibri" panose="020F0502020204030204" pitchFamily="34" charset="0"/>
+                <a:ea typeface="Calibri" panose="020F0502020204030204" pitchFamily="34" charset="0"/>
+                <a:cs typeface="Times New Roman" panose="02020603050405020304" pitchFamily="18" charset="0"/>
+              </a:rPr>
+              <a:t>CAN</a:t>
+            </a:r>
+            <a:endParaRPr kumimoji="0" lang="fr-FR" altLang="fr-FR" sz="1800" b="0" i="0" u="none" strike="noStrike" cap="none" normalizeH="0" baseline="0">
+              <a:ln>
+                <a:noFill/>
+              </a:ln>
+              <a:solidFill>
+                <a:schemeClr val="tx1"/>
+              </a:solidFill>
+              <a:effectLst/>
+              <a:latin typeface="Arial" panose="020B0604020202020204" pitchFamily="34" charset="0"/>
+            </a:endParaRPr>
+          </a:p>
+        </p:txBody>
+      </p:sp>
+      <p:sp>
+        <p:nvSpPr>
+          <p:cNvPr id="13" name="Text Box 23">
+            <a:extLst>
+              <a:ext uri="{FF2B5EF4-FFF2-40B4-BE49-F238E27FC236}">
+                <a16:creationId xmlns:a16="http://schemas.microsoft.com/office/drawing/2014/main" id="{03874A1F-0A5B-444F-988F-78F8992323BF}"/>
+              </a:ext>
+            </a:extLst>
+          </p:cNvPr>
+          <p:cNvSpPr txBox="1">
+            <a:spLocks noChangeArrowheads="1"/>
+          </p:cNvSpPr>
+          <p:nvPr/>
+        </p:nvSpPr>
+        <p:spPr bwMode="auto">
+          <a:xfrm>
+            <a:off x="3576787" y="2526007"/>
+            <a:ext cx="647700" cy="396875"/>
+          </a:xfrm>
+          <a:prstGeom prst="rect">
+            <a:avLst/>
+          </a:prstGeom>
+          <a:solidFill>
+            <a:srgbClr val="FFFFFF"/>
+          </a:solidFill>
+          <a:ln w="9525">
+            <a:solidFill>
+              <a:srgbClr val="FFFFFF"/>
+            </a:solidFill>
+            <a:miter lim="800000"/>
+            <a:headEnd/>
+            <a:tailEnd/>
+          </a:ln>
+        </p:spPr>
+        <p:txBody>
+          <a:bodyPr vert="horz" wrap="square" lIns="91440" tIns="45720" rIns="91440" bIns="45720" numCol="1" anchor="t" anchorCtr="0" compatLnSpc="1">
+            <a:prstTxWarp prst="textNoShape">
+              <a:avLst/>
+            </a:prstTxWarp>
+            <a:spAutoFit/>
+          </a:bodyPr>
+          <a:lstStyle/>
+          <a:p>
+            <a:pPr marL="0" marR="0" lvl="0" indent="0" algn="l" defTabSz="914400" rtl="0" eaLnBrk="0" fontAlgn="base" latinLnBrk="0" hangingPunct="0">
+              <a:lnSpc>
+                <a:spcPct val="100000"/>
+              </a:lnSpc>
+              <a:spcBef>
+                <a:spcPct val="0"/>
+              </a:spcBef>
+              <a:spcAft>
+                <a:spcPct val="0"/>
+              </a:spcAft>
+              <a:buClrTx/>
+              <a:buSzTx/>
+              <a:buFontTx/>
+              <a:buNone/>
+              <a:tabLst/>
+            </a:pPr>
+            <a:r>
+              <a:rPr kumimoji="0" lang="fr-FR" altLang="fr-FR" sz="1100" b="0" i="0" u="none" strike="noStrike" cap="none" normalizeH="0" baseline="0" dirty="0">
+                <a:ln>
+                  <a:noFill/>
+                </a:ln>
+                <a:solidFill>
+                  <a:schemeClr val="tx1"/>
+                </a:solidFill>
+                <a:effectLst/>
+                <a:latin typeface="Calibri" panose="020F0502020204030204" pitchFamily="34" charset="0"/>
+                <a:ea typeface="Calibri" panose="020F0502020204030204" pitchFamily="34" charset="0"/>
+                <a:cs typeface="Times New Roman" panose="02020603050405020304" pitchFamily="18" charset="0"/>
+              </a:rPr>
+              <a:t>Masse</a:t>
+            </a:r>
+            <a:endParaRPr kumimoji="0" lang="fr-FR" altLang="fr-FR" sz="1800" b="0" i="0" u="none" strike="noStrike" cap="none" normalizeH="0" baseline="0" dirty="0">
+              <a:ln>
+                <a:noFill/>
+              </a:ln>
+              <a:solidFill>
+                <a:schemeClr val="tx1"/>
+              </a:solidFill>
+              <a:effectLst/>
+              <a:latin typeface="Arial" panose="020B0604020202020204" pitchFamily="34" charset="0"/>
+            </a:endParaRPr>
+          </a:p>
+        </p:txBody>
+      </p:sp>
+      <p:sp>
+        <p:nvSpPr>
+          <p:cNvPr id="33" name="Zone de texte 25">
+            <a:extLst>
+              <a:ext uri="{FF2B5EF4-FFF2-40B4-BE49-F238E27FC236}">
+                <a16:creationId xmlns:a16="http://schemas.microsoft.com/office/drawing/2014/main" id="{EE0D4E9A-8727-442A-922E-B1A309D24B7C}"/>
+              </a:ext>
+            </a:extLst>
+          </p:cNvPr>
+          <p:cNvSpPr txBox="1"/>
+          <p:nvPr/>
+        </p:nvSpPr>
+        <p:spPr>
+          <a:xfrm>
+            <a:off x="6155162" y="4390437"/>
+            <a:ext cx="127000" cy="201930"/>
+          </a:xfrm>
+          <a:prstGeom prst="rect">
+            <a:avLst/>
+          </a:prstGeom>
+          <a:solidFill>
+            <a:schemeClr val="lt1"/>
+          </a:solidFill>
+          <a:ln w="6350">
+            <a:solidFill>
+              <a:prstClr val="black"/>
+            </a:solidFill>
+          </a:ln>
+        </p:spPr>
+        <p:txBody>
+          <a:bodyPr rot="0" spcFirstLastPara="0" vert="horz" wrap="square" lIns="91440" tIns="45720" rIns="91440" bIns="45720" numCol="1" spcCol="0" rtlCol="0" fromWordArt="0" anchor="t" anchorCtr="0" forceAA="0" compatLnSpc="1">
+            <a:prstTxWarp prst="textNoShape">
+              <a:avLst/>
+            </a:prstTxWarp>
+            <a:noAutofit/>
+          </a:bodyPr>
+          <a:lstStyle/>
+          <a:p>
+            <a:pPr>
+              <a:lnSpc>
+                <a:spcPct val="107000"/>
+              </a:lnSpc>
+              <a:spcAft>
+                <a:spcPts val="800"/>
+              </a:spcAft>
+            </a:pPr>
+            <a:r>
+              <a:rPr lang="fr-FR" sz="1100" dirty="0">
+                <a:effectLst/>
+                <a:latin typeface="Calibri" panose="020F0502020204030204" pitchFamily="34" charset="0"/>
+                <a:ea typeface="Calibri" panose="020F0502020204030204" pitchFamily="34" charset="0"/>
+                <a:cs typeface="Times New Roman" panose="02020603050405020304" pitchFamily="18" charset="0"/>
+              </a:rPr>
+              <a:t> </a:t>
+            </a:r>
+          </a:p>
+        </p:txBody>
+      </p:sp>
+      <p:sp>
+        <p:nvSpPr>
+          <p:cNvPr id="14" name="Zone de texte 2">
+            <a:extLst>
+              <a:ext uri="{FF2B5EF4-FFF2-40B4-BE49-F238E27FC236}">
+                <a16:creationId xmlns:a16="http://schemas.microsoft.com/office/drawing/2014/main" id="{5A3CD363-611D-449D-AF56-34FE76DD6F1F}"/>
+              </a:ext>
+            </a:extLst>
+          </p:cNvPr>
+          <p:cNvSpPr txBox="1">
+            <a:spLocks noChangeArrowheads="1"/>
+          </p:cNvSpPr>
+          <p:nvPr/>
+        </p:nvSpPr>
+        <p:spPr bwMode="auto">
+          <a:xfrm>
+            <a:off x="1953727" y="2236045"/>
+            <a:ext cx="1423988" cy="2636838"/>
+          </a:xfrm>
+          <a:prstGeom prst="rect">
+            <a:avLst/>
+          </a:prstGeom>
+          <a:solidFill>
+            <a:srgbClr val="FFFFFF"/>
+          </a:solidFill>
+          <a:ln w="9525">
+            <a:solidFill>
+              <a:srgbClr val="000000"/>
+            </a:solidFill>
+            <a:miter lim="800000"/>
+            <a:headEnd/>
+            <a:tailEnd/>
+          </a:ln>
+        </p:spPr>
+        <p:txBody>
+          <a:bodyPr vert="horz" wrap="square" lIns="91440" tIns="45720" rIns="91440" bIns="45720" numCol="1" anchor="t" anchorCtr="0" compatLnSpc="1">
+            <a:prstTxWarp prst="textNoShape">
+              <a:avLst/>
+            </a:prstTxWarp>
+          </a:bodyPr>
+          <a:lstStyle/>
+          <a:p>
+            <a:pPr marL="0" marR="0" lvl="0" indent="0" algn="l" defTabSz="914400" rtl="0" eaLnBrk="0" fontAlgn="base" latinLnBrk="0" hangingPunct="0">
+              <a:lnSpc>
+                <a:spcPct val="100000"/>
+              </a:lnSpc>
+              <a:spcBef>
+                <a:spcPct val="0"/>
+              </a:spcBef>
+              <a:spcAft>
+                <a:spcPct val="0"/>
+              </a:spcAft>
+              <a:buClrTx/>
+              <a:buSzTx/>
+              <a:buFontTx/>
+              <a:buNone/>
+              <a:tabLst/>
+            </a:pPr>
+            <a:r>
+              <a:rPr kumimoji="0" lang="fr-FR" altLang="fr-FR" sz="1600" b="0" i="0" u="none" strike="noStrike" cap="none" normalizeH="0" baseline="0">
+                <a:ln>
+                  <a:noFill/>
+                </a:ln>
+                <a:solidFill>
+                  <a:srgbClr val="FF0000"/>
+                </a:solidFill>
+                <a:effectLst/>
+                <a:latin typeface="Calibri" panose="020F0502020204030204" pitchFamily="34" charset="0"/>
+                <a:ea typeface="Calibri" panose="020F0502020204030204" pitchFamily="34" charset="0"/>
+                <a:cs typeface="Times New Roman" panose="02020603050405020304" pitchFamily="18" charset="0"/>
+              </a:rPr>
+              <a:t>Anémomètre</a:t>
+            </a:r>
+            <a:endParaRPr kumimoji="0" lang="fr-FR" altLang="fr-FR" sz="1800" b="0" i="0" u="none" strike="noStrike" cap="none" normalizeH="0" baseline="0">
+              <a:ln>
+                <a:noFill/>
+              </a:ln>
+              <a:solidFill>
+                <a:schemeClr val="tx1"/>
+              </a:solidFill>
+              <a:effectLst/>
+              <a:latin typeface="Arial" panose="020B0604020202020204" pitchFamily="34" charset="0"/>
+            </a:endParaRPr>
+          </a:p>
+        </p:txBody>
+      </p:sp>
+      <p:sp>
+        <p:nvSpPr>
+          <p:cNvPr id="15" name="Text Box 14">
+            <a:extLst>
+              <a:ext uri="{FF2B5EF4-FFF2-40B4-BE49-F238E27FC236}">
+                <a16:creationId xmlns:a16="http://schemas.microsoft.com/office/drawing/2014/main" id="{D7F1086F-C75B-400C-B09A-994F2911184E}"/>
+              </a:ext>
+            </a:extLst>
+          </p:cNvPr>
+          <p:cNvSpPr txBox="1">
+            <a:spLocks noChangeArrowheads="1"/>
+          </p:cNvSpPr>
+          <p:nvPr/>
+        </p:nvSpPr>
+        <p:spPr bwMode="auto">
+          <a:xfrm>
+            <a:off x="2093427" y="2937720"/>
+            <a:ext cx="1190625" cy="396875"/>
+          </a:xfrm>
+          <a:prstGeom prst="rect">
+            <a:avLst/>
+          </a:prstGeom>
+          <a:solidFill>
+            <a:srgbClr val="FFFFFF"/>
+          </a:solidFill>
+          <a:ln w="9525">
+            <a:solidFill>
+              <a:srgbClr val="000000"/>
+            </a:solidFill>
+            <a:miter lim="800000"/>
+            <a:headEnd/>
+            <a:tailEnd/>
+          </a:ln>
+        </p:spPr>
+        <p:txBody>
+          <a:bodyPr vert="horz" wrap="square" lIns="91440" tIns="45720" rIns="91440" bIns="45720" numCol="1" anchor="t" anchorCtr="0" compatLnSpc="1">
+            <a:prstTxWarp prst="textNoShape">
+              <a:avLst/>
+            </a:prstTxWarp>
+            <a:spAutoFit/>
+          </a:bodyPr>
+          <a:lstStyle/>
+          <a:p>
+            <a:pPr marL="0" marR="0" lvl="0" indent="0" algn="l" defTabSz="914400" rtl="0" eaLnBrk="0" fontAlgn="base" latinLnBrk="0" hangingPunct="0">
+              <a:lnSpc>
+                <a:spcPct val="100000"/>
+              </a:lnSpc>
+              <a:spcBef>
+                <a:spcPct val="0"/>
+              </a:spcBef>
+              <a:spcAft>
+                <a:spcPct val="0"/>
+              </a:spcAft>
+              <a:buClrTx/>
+              <a:buSzTx/>
+              <a:buFontTx/>
+              <a:buNone/>
+              <a:tabLst/>
+            </a:pPr>
+            <a:r>
+              <a:rPr kumimoji="0" lang="fr-FR" altLang="fr-FR" sz="1100" b="0" i="0" u="none" strike="noStrike" cap="none" normalizeH="0" baseline="0">
+                <a:ln>
+                  <a:noFill/>
+                </a:ln>
+                <a:solidFill>
+                  <a:schemeClr val="tx1"/>
+                </a:solidFill>
+                <a:effectLst/>
+                <a:latin typeface="Calibri" panose="020F0502020204030204" pitchFamily="34" charset="0"/>
+                <a:ea typeface="Calibri" panose="020F0502020204030204" pitchFamily="34" charset="0"/>
+                <a:cs typeface="Times New Roman" panose="02020603050405020304" pitchFamily="18" charset="0"/>
+              </a:rPr>
+              <a:t>Vitesse du vent</a:t>
+            </a:r>
+            <a:endParaRPr kumimoji="0" lang="fr-FR" altLang="fr-FR" sz="1800" b="0" i="0" u="none" strike="noStrike" cap="none" normalizeH="0" baseline="0">
+              <a:ln>
+                <a:noFill/>
+              </a:ln>
+              <a:solidFill>
+                <a:schemeClr val="tx1"/>
+              </a:solidFill>
+              <a:effectLst/>
+              <a:latin typeface="Arial" panose="020B0604020202020204" pitchFamily="34" charset="0"/>
+            </a:endParaRPr>
+          </a:p>
+        </p:txBody>
+      </p:sp>
+      <p:sp>
+        <p:nvSpPr>
+          <p:cNvPr id="17" name="Text Box 2">
+            <a:extLst>
+              <a:ext uri="{FF2B5EF4-FFF2-40B4-BE49-F238E27FC236}">
+                <a16:creationId xmlns:a16="http://schemas.microsoft.com/office/drawing/2014/main" id="{01BAB782-0C6F-4F65-9694-FCC75D6C201F}"/>
+              </a:ext>
+            </a:extLst>
+          </p:cNvPr>
+          <p:cNvSpPr txBox="1">
+            <a:spLocks noChangeArrowheads="1"/>
+          </p:cNvSpPr>
+          <p:nvPr/>
+        </p:nvSpPr>
+        <p:spPr bwMode="auto">
+          <a:xfrm>
+            <a:off x="2002664" y="3984671"/>
+            <a:ext cx="1349375" cy="396875"/>
+          </a:xfrm>
+          <a:prstGeom prst="rect">
+            <a:avLst/>
+          </a:prstGeom>
+          <a:solidFill>
+            <a:srgbClr val="FFFFFF"/>
+          </a:solidFill>
+          <a:ln w="9525">
+            <a:solidFill>
+              <a:srgbClr val="000000"/>
+            </a:solidFill>
+            <a:miter lim="800000"/>
+            <a:headEnd/>
+            <a:tailEnd/>
+          </a:ln>
+        </p:spPr>
+        <p:txBody>
+          <a:bodyPr vert="horz" wrap="square" lIns="91440" tIns="45720" rIns="91440" bIns="45720" numCol="1" anchor="t" anchorCtr="0" compatLnSpc="1">
+            <a:prstTxWarp prst="textNoShape">
+              <a:avLst/>
+            </a:prstTxWarp>
+            <a:spAutoFit/>
+          </a:bodyPr>
+          <a:lstStyle/>
+          <a:p>
+            <a:pPr marL="0" marR="0" lvl="0" indent="0" algn="l" defTabSz="914400" rtl="0" eaLnBrk="0" fontAlgn="base" latinLnBrk="0" hangingPunct="0">
+              <a:lnSpc>
+                <a:spcPct val="100000"/>
+              </a:lnSpc>
+              <a:spcBef>
+                <a:spcPct val="0"/>
+              </a:spcBef>
+              <a:spcAft>
+                <a:spcPct val="0"/>
+              </a:spcAft>
+              <a:buClrTx/>
+              <a:buSzTx/>
+              <a:buFontTx/>
+              <a:buNone/>
+              <a:tabLst/>
+            </a:pPr>
+            <a:r>
+              <a:rPr kumimoji="0" lang="fr-FR" altLang="fr-FR" sz="1100" b="0" i="0" u="none" strike="noStrike" cap="none" normalizeH="0" baseline="0" dirty="0">
+                <a:ln>
+                  <a:noFill/>
+                </a:ln>
+                <a:solidFill>
+                  <a:schemeClr val="tx1"/>
+                </a:solidFill>
+                <a:effectLst/>
+                <a:latin typeface="Calibri" panose="020F0502020204030204" pitchFamily="34" charset="0"/>
+                <a:ea typeface="Calibri" panose="020F0502020204030204" pitchFamily="34" charset="0"/>
+                <a:cs typeface="Times New Roman" panose="02020603050405020304" pitchFamily="18" charset="0"/>
+              </a:rPr>
+              <a:t>Direction du vent</a:t>
+            </a:r>
+            <a:endParaRPr kumimoji="0" lang="fr-FR" altLang="fr-FR" sz="1800" b="0" i="0" u="none" strike="noStrike" cap="none" normalizeH="0" baseline="0" dirty="0">
+              <a:ln>
+                <a:noFill/>
+              </a:ln>
+              <a:solidFill>
+                <a:schemeClr val="tx1"/>
+              </a:solidFill>
+              <a:effectLst/>
+              <a:latin typeface="Arial" panose="020B0604020202020204" pitchFamily="34" charset="0"/>
+            </a:endParaRPr>
+          </a:p>
+        </p:txBody>
+      </p:sp>
+      <p:cxnSp>
+        <p:nvCxnSpPr>
+          <p:cNvPr id="37" name="Connecteur droit 36">
+            <a:extLst>
+              <a:ext uri="{FF2B5EF4-FFF2-40B4-BE49-F238E27FC236}">
+                <a16:creationId xmlns:a16="http://schemas.microsoft.com/office/drawing/2014/main" id="{976D3758-F8F5-4CE6-949D-A2FF1FADD8BF}"/>
+              </a:ext>
+            </a:extLst>
+          </p:cNvPr>
+          <p:cNvCxnSpPr/>
+          <p:nvPr/>
+        </p:nvCxnSpPr>
+        <p:spPr>
+          <a:xfrm>
+            <a:off x="3229442" y="3147270"/>
+            <a:ext cx="2753360" cy="0"/>
+          </a:xfrm>
+          <a:prstGeom prst="line">
+            <a:avLst/>
+          </a:prstGeom>
+        </p:spPr>
+        <p:style>
+          <a:lnRef idx="1">
+            <a:schemeClr val="dk1"/>
+          </a:lnRef>
+          <a:fillRef idx="0">
+            <a:schemeClr val="dk1"/>
+          </a:fillRef>
+          <a:effectRef idx="0">
+            <a:schemeClr val="dk1"/>
+          </a:effectRef>
+          <a:fontRef idx="minor">
+            <a:schemeClr val="tx1"/>
+          </a:fontRef>
+        </p:style>
+      </p:cxnSp>
+      <p:cxnSp>
+        <p:nvCxnSpPr>
+          <p:cNvPr id="38" name="Connecteur droit 37">
+            <a:extLst>
+              <a:ext uri="{FF2B5EF4-FFF2-40B4-BE49-F238E27FC236}">
+                <a16:creationId xmlns:a16="http://schemas.microsoft.com/office/drawing/2014/main" id="{DEE656F3-B82F-477A-BB69-66479BAD61AC}"/>
+              </a:ext>
+            </a:extLst>
+          </p:cNvPr>
+          <p:cNvCxnSpPr/>
+          <p:nvPr/>
+        </p:nvCxnSpPr>
+        <p:spPr>
+          <a:xfrm>
+            <a:off x="3272622" y="2827865"/>
+            <a:ext cx="754380" cy="10160"/>
+          </a:xfrm>
+          <a:prstGeom prst="line">
+            <a:avLst/>
+          </a:prstGeom>
+        </p:spPr>
+        <p:style>
+          <a:lnRef idx="1">
+            <a:schemeClr val="dk1"/>
+          </a:lnRef>
+          <a:fillRef idx="0">
+            <a:schemeClr val="dk1"/>
+          </a:fillRef>
+          <a:effectRef idx="0">
+            <a:schemeClr val="dk1"/>
+          </a:effectRef>
+          <a:fontRef idx="minor">
+            <a:schemeClr val="tx1"/>
+          </a:fontRef>
+        </p:style>
+      </p:cxnSp>
+      <p:cxnSp>
+        <p:nvCxnSpPr>
+          <p:cNvPr id="39" name="Connecteur droit 38">
+            <a:extLst>
+              <a:ext uri="{FF2B5EF4-FFF2-40B4-BE49-F238E27FC236}">
+                <a16:creationId xmlns:a16="http://schemas.microsoft.com/office/drawing/2014/main" id="{1F0A7BB3-0F4E-42CF-B54E-ECA9549A8537}"/>
+              </a:ext>
+            </a:extLst>
+          </p:cNvPr>
+          <p:cNvCxnSpPr/>
+          <p:nvPr/>
+        </p:nvCxnSpPr>
+        <p:spPr>
+          <a:xfrm flipV="1">
+            <a:off x="3738537" y="2721820"/>
+            <a:ext cx="0" cy="106045"/>
+          </a:xfrm>
+          <a:prstGeom prst="line">
+            <a:avLst/>
+          </a:prstGeom>
+        </p:spPr>
+        <p:style>
+          <a:lnRef idx="1">
+            <a:schemeClr val="dk1"/>
+          </a:lnRef>
+          <a:fillRef idx="0">
+            <a:schemeClr val="dk1"/>
+          </a:fillRef>
+          <a:effectRef idx="0">
+            <a:schemeClr val="dk1"/>
+          </a:effectRef>
+          <a:fontRef idx="minor">
+            <a:schemeClr val="tx1"/>
+          </a:fontRef>
+        </p:style>
+      </p:cxnSp>
+      <p:cxnSp>
+        <p:nvCxnSpPr>
+          <p:cNvPr id="43" name="Connecteur droit 42">
+            <a:extLst>
+              <a:ext uri="{FF2B5EF4-FFF2-40B4-BE49-F238E27FC236}">
+                <a16:creationId xmlns:a16="http://schemas.microsoft.com/office/drawing/2014/main" id="{E33D1708-FF5A-4966-A933-8A457351AB39}"/>
+              </a:ext>
+            </a:extLst>
+          </p:cNvPr>
+          <p:cNvCxnSpPr/>
+          <p:nvPr/>
+        </p:nvCxnSpPr>
+        <p:spPr>
+          <a:xfrm>
+            <a:off x="3145187" y="4658570"/>
+            <a:ext cx="903605" cy="0"/>
+          </a:xfrm>
+          <a:prstGeom prst="line">
+            <a:avLst/>
+          </a:prstGeom>
+        </p:spPr>
+        <p:style>
+          <a:lnRef idx="1">
+            <a:schemeClr val="dk1"/>
+          </a:lnRef>
+          <a:fillRef idx="0">
+            <a:schemeClr val="dk1"/>
+          </a:fillRef>
+          <a:effectRef idx="0">
+            <a:schemeClr val="dk1"/>
+          </a:effectRef>
+          <a:fontRef idx="minor">
+            <a:schemeClr val="tx1"/>
+          </a:fontRef>
+        </p:style>
+      </p:cxnSp>
+      <p:cxnSp>
+        <p:nvCxnSpPr>
+          <p:cNvPr id="44" name="Connecteur droit 43">
+            <a:extLst>
+              <a:ext uri="{FF2B5EF4-FFF2-40B4-BE49-F238E27FC236}">
+                <a16:creationId xmlns:a16="http://schemas.microsoft.com/office/drawing/2014/main" id="{4410FAB9-45EA-4BF4-AC4B-15D2998A547A}"/>
+              </a:ext>
+            </a:extLst>
+          </p:cNvPr>
+          <p:cNvCxnSpPr/>
+          <p:nvPr/>
+        </p:nvCxnSpPr>
+        <p:spPr>
+          <a:xfrm>
+            <a:off x="4037997" y="4658570"/>
+            <a:ext cx="10795" cy="339725"/>
+          </a:xfrm>
+          <a:prstGeom prst="line">
+            <a:avLst/>
+          </a:prstGeom>
+        </p:spPr>
+        <p:style>
+          <a:lnRef idx="1">
+            <a:schemeClr val="dk1"/>
+          </a:lnRef>
+          <a:fillRef idx="0">
+            <a:schemeClr val="dk1"/>
+          </a:fillRef>
+          <a:effectRef idx="0">
+            <a:schemeClr val="dk1"/>
+          </a:effectRef>
+          <a:fontRef idx="minor">
+            <a:schemeClr val="tx1"/>
+          </a:fontRef>
+        </p:style>
+      </p:cxnSp>
+      <p:cxnSp>
+        <p:nvCxnSpPr>
+          <p:cNvPr id="45" name="Connecteur droit 44">
+            <a:extLst>
+              <a:ext uri="{FF2B5EF4-FFF2-40B4-BE49-F238E27FC236}">
+                <a16:creationId xmlns:a16="http://schemas.microsoft.com/office/drawing/2014/main" id="{7952E4C3-BE45-4BB3-BC6A-F1E2A548866C}"/>
+              </a:ext>
+            </a:extLst>
+          </p:cNvPr>
+          <p:cNvCxnSpPr/>
+          <p:nvPr/>
+        </p:nvCxnSpPr>
+        <p:spPr>
+          <a:xfrm>
+            <a:off x="3301012" y="4203504"/>
+            <a:ext cx="3444875" cy="20955"/>
+          </a:xfrm>
+          <a:prstGeom prst="line">
+            <a:avLst/>
+          </a:prstGeom>
+        </p:spPr>
+        <p:style>
+          <a:lnRef idx="1">
+            <a:schemeClr val="dk1"/>
+          </a:lnRef>
+          <a:fillRef idx="0">
+            <a:schemeClr val="dk1"/>
+          </a:fillRef>
+          <a:effectRef idx="0">
+            <a:schemeClr val="dk1"/>
+          </a:effectRef>
+          <a:fontRef idx="minor">
+            <a:schemeClr val="tx1"/>
+          </a:fontRef>
+        </p:style>
+      </p:cxnSp>
+      <p:cxnSp>
+        <p:nvCxnSpPr>
+          <p:cNvPr id="46" name="Connecteur droit 45">
+            <a:extLst>
+              <a:ext uri="{FF2B5EF4-FFF2-40B4-BE49-F238E27FC236}">
+                <a16:creationId xmlns:a16="http://schemas.microsoft.com/office/drawing/2014/main" id="{1A13E758-C1AB-44F7-8E36-B3B8150D7C99}"/>
+              </a:ext>
+            </a:extLst>
+          </p:cNvPr>
+          <p:cNvCxnSpPr/>
+          <p:nvPr/>
+        </p:nvCxnSpPr>
+        <p:spPr>
+          <a:xfrm>
+            <a:off x="6197037" y="4224459"/>
+            <a:ext cx="0" cy="180340"/>
+          </a:xfrm>
+          <a:prstGeom prst="line">
+            <a:avLst/>
+          </a:prstGeom>
+        </p:spPr>
+        <p:style>
+          <a:lnRef idx="1">
+            <a:schemeClr val="dk1"/>
+          </a:lnRef>
+          <a:fillRef idx="0">
+            <a:schemeClr val="dk1"/>
+          </a:fillRef>
+          <a:effectRef idx="0">
+            <a:schemeClr val="dk1"/>
+          </a:effectRef>
+          <a:fontRef idx="minor">
+            <a:schemeClr val="tx1"/>
+          </a:fontRef>
+        </p:style>
+      </p:cxnSp>
+      <p:sp>
+        <p:nvSpPr>
+          <p:cNvPr id="18" name="Zone de texte 26">
+            <a:extLst>
+              <a:ext uri="{FF2B5EF4-FFF2-40B4-BE49-F238E27FC236}">
+                <a16:creationId xmlns:a16="http://schemas.microsoft.com/office/drawing/2014/main" id="{D28B86FF-01A5-4A92-9556-78CC018037B5}"/>
+              </a:ext>
+            </a:extLst>
+          </p:cNvPr>
+          <p:cNvSpPr txBox="1">
+            <a:spLocks noChangeArrowheads="1"/>
+          </p:cNvSpPr>
+          <p:nvPr/>
+        </p:nvSpPr>
+        <p:spPr bwMode="auto">
+          <a:xfrm>
+            <a:off x="6014552" y="4699845"/>
+            <a:ext cx="457200" cy="298450"/>
+          </a:xfrm>
+          <a:prstGeom prst="rect">
+            <a:avLst/>
+          </a:prstGeom>
+          <a:solidFill>
+            <a:srgbClr val="FFFFFF"/>
+          </a:solidFill>
+          <a:ln w="6350">
+            <a:solidFill>
+              <a:srgbClr val="FFFFFF"/>
+            </a:solidFill>
+            <a:miter lim="800000"/>
+            <a:headEnd/>
+            <a:tailEnd/>
+          </a:ln>
+        </p:spPr>
+        <p:txBody>
+          <a:bodyPr vert="horz" wrap="square" lIns="91440" tIns="45720" rIns="91440" bIns="45720" numCol="1" anchor="t" anchorCtr="0" compatLnSpc="1">
+            <a:prstTxWarp prst="textNoShape">
+              <a:avLst/>
+            </a:prstTxWarp>
+          </a:bodyPr>
+          <a:lstStyle/>
+          <a:p>
+            <a:pPr marL="0" marR="0" lvl="0" indent="0" algn="l" defTabSz="914400" rtl="0" eaLnBrk="0" fontAlgn="base" latinLnBrk="0" hangingPunct="0">
+              <a:lnSpc>
+                <a:spcPct val="100000"/>
+              </a:lnSpc>
+              <a:spcBef>
+                <a:spcPct val="0"/>
+              </a:spcBef>
+              <a:spcAft>
+                <a:spcPct val="0"/>
+              </a:spcAft>
+              <a:buClrTx/>
+              <a:buSzTx/>
+              <a:buFontTx/>
+              <a:buNone/>
+              <a:tabLst/>
+            </a:pPr>
+            <a:r>
+              <a:rPr kumimoji="0" lang="fr-FR" altLang="fr-FR" sz="1100" b="0" i="0" u="none" strike="noStrike" cap="none" normalizeH="0" baseline="0">
+                <a:ln>
+                  <a:noFill/>
+                </a:ln>
+                <a:solidFill>
+                  <a:schemeClr val="tx1"/>
+                </a:solidFill>
+                <a:effectLst/>
+                <a:latin typeface="Calibri" panose="020F0502020204030204" pitchFamily="34" charset="0"/>
+                <a:ea typeface="Calibri" panose="020F0502020204030204" pitchFamily="34" charset="0"/>
+                <a:cs typeface="Times New Roman" panose="02020603050405020304" pitchFamily="18" charset="0"/>
+              </a:rPr>
+              <a:t>+5V</a:t>
+            </a:r>
+            <a:endParaRPr kumimoji="0" lang="fr-FR" altLang="fr-FR" sz="1800" b="0" i="0" u="none" strike="noStrike" cap="none" normalizeH="0" baseline="0">
+              <a:ln>
+                <a:noFill/>
+              </a:ln>
+              <a:solidFill>
+                <a:schemeClr val="tx1"/>
+              </a:solidFill>
+              <a:effectLst/>
+              <a:latin typeface="Arial" panose="020B0604020202020204" pitchFamily="34" charset="0"/>
+            </a:endParaRPr>
+          </a:p>
+        </p:txBody>
+      </p:sp>
+      <p:cxnSp>
+        <p:nvCxnSpPr>
+          <p:cNvPr id="48" name="Connecteur : en angle 47">
+            <a:extLst>
+              <a:ext uri="{FF2B5EF4-FFF2-40B4-BE49-F238E27FC236}">
+                <a16:creationId xmlns:a16="http://schemas.microsoft.com/office/drawing/2014/main" id="{485255AC-AE15-4582-9E4A-2AA1245D3B1C}"/>
+              </a:ext>
+            </a:extLst>
+          </p:cNvPr>
+          <p:cNvCxnSpPr/>
+          <p:nvPr/>
+        </p:nvCxnSpPr>
+        <p:spPr>
+          <a:xfrm flipV="1">
+            <a:off x="6718171" y="3865366"/>
+            <a:ext cx="467995" cy="348615"/>
+          </a:xfrm>
+          <a:prstGeom prst="bentConnector3">
+            <a:avLst/>
+          </a:prstGeom>
+        </p:spPr>
+        <p:style>
+          <a:lnRef idx="1">
+            <a:schemeClr val="dk1"/>
+          </a:lnRef>
+          <a:fillRef idx="0">
+            <a:schemeClr val="dk1"/>
+          </a:fillRef>
+          <a:effectRef idx="0">
+            <a:schemeClr val="dk1"/>
+          </a:effectRef>
+          <a:fontRef idx="minor">
+            <a:schemeClr val="tx1"/>
+          </a:fontRef>
+        </p:style>
+      </p:cxnSp>
+      <p:sp>
+        <p:nvSpPr>
+          <p:cNvPr id="19" name="Text Box 9">
+            <a:extLst>
+              <a:ext uri="{FF2B5EF4-FFF2-40B4-BE49-F238E27FC236}">
+                <a16:creationId xmlns:a16="http://schemas.microsoft.com/office/drawing/2014/main" id="{92733D1F-DDC3-446A-A9A0-F98BC7E5CA62}"/>
+              </a:ext>
+            </a:extLst>
+          </p:cNvPr>
+          <p:cNvSpPr txBox="1">
+            <a:spLocks noChangeArrowheads="1"/>
+          </p:cNvSpPr>
+          <p:nvPr/>
+        </p:nvSpPr>
+        <p:spPr bwMode="auto">
+          <a:xfrm>
+            <a:off x="7035526" y="3962576"/>
+            <a:ext cx="498475" cy="396875"/>
+          </a:xfrm>
+          <a:prstGeom prst="rect">
+            <a:avLst/>
+          </a:prstGeom>
+          <a:solidFill>
+            <a:srgbClr val="FFFFFF"/>
+          </a:solidFill>
+          <a:ln w="9525">
+            <a:solidFill>
+              <a:srgbClr val="FFFFFF"/>
+            </a:solidFill>
+            <a:miter lim="800000"/>
+            <a:headEnd/>
+            <a:tailEnd/>
+          </a:ln>
+        </p:spPr>
+        <p:txBody>
+          <a:bodyPr vert="horz" wrap="square" lIns="91440" tIns="45720" rIns="91440" bIns="45720" numCol="1" anchor="t" anchorCtr="0" compatLnSpc="1">
+            <a:prstTxWarp prst="textNoShape">
+              <a:avLst/>
+            </a:prstTxWarp>
+            <a:spAutoFit/>
+          </a:bodyPr>
+          <a:lstStyle/>
+          <a:p>
+            <a:pPr marL="0" marR="0" lvl="0" indent="0" algn="l" defTabSz="914400" rtl="0" eaLnBrk="0" fontAlgn="base" latinLnBrk="0" hangingPunct="0">
+              <a:lnSpc>
+                <a:spcPct val="100000"/>
+              </a:lnSpc>
+              <a:spcBef>
+                <a:spcPct val="0"/>
+              </a:spcBef>
+              <a:spcAft>
+                <a:spcPct val="0"/>
+              </a:spcAft>
+              <a:buClrTx/>
+              <a:buSzTx/>
+              <a:buFontTx/>
+              <a:buNone/>
+              <a:tabLst/>
+            </a:pPr>
+            <a:r>
+              <a:rPr kumimoji="0" lang="fr-FR" altLang="fr-FR" sz="1100" b="0" i="0" u="none" strike="noStrike" cap="none" normalizeH="0" baseline="0">
+                <a:ln>
+                  <a:noFill/>
+                </a:ln>
+                <a:solidFill>
+                  <a:schemeClr val="tx1"/>
+                </a:solidFill>
+                <a:effectLst/>
+                <a:latin typeface="Calibri" panose="020F0502020204030204" pitchFamily="34" charset="0"/>
+                <a:ea typeface="Calibri" panose="020F0502020204030204" pitchFamily="34" charset="0"/>
+                <a:cs typeface="Times New Roman" panose="02020603050405020304" pitchFamily="18" charset="0"/>
+              </a:rPr>
+              <a:t>D2</a:t>
+            </a:r>
+            <a:endParaRPr kumimoji="0" lang="fr-FR" altLang="fr-FR" sz="1800" b="0" i="0" u="none" strike="noStrike" cap="none" normalizeH="0" baseline="0">
+              <a:ln>
+                <a:noFill/>
+              </a:ln>
+              <a:solidFill>
+                <a:schemeClr val="tx1"/>
+              </a:solidFill>
+              <a:effectLst/>
+              <a:latin typeface="Arial" panose="020B0604020202020204" pitchFamily="34" charset="0"/>
+            </a:endParaRPr>
+          </a:p>
+        </p:txBody>
+      </p:sp>
+      <p:sp>
+        <p:nvSpPr>
+          <p:cNvPr id="21" name="Rectangle 24">
+            <a:extLst>
+              <a:ext uri="{FF2B5EF4-FFF2-40B4-BE49-F238E27FC236}">
+                <a16:creationId xmlns:a16="http://schemas.microsoft.com/office/drawing/2014/main" id="{9F2EE246-2522-4EA6-89D6-58D6B76C2E17}"/>
+              </a:ext>
+            </a:extLst>
+          </p:cNvPr>
+          <p:cNvSpPr>
+            <a:spLocks noChangeArrowheads="1"/>
+          </p:cNvSpPr>
+          <p:nvPr/>
+        </p:nvSpPr>
+        <p:spPr bwMode="auto">
+          <a:xfrm>
+            <a:off x="1928327" y="2232870"/>
+            <a:ext cx="12192000" cy="457200"/>
+          </a:xfrm>
+          <a:prstGeom prst="rect">
+            <a:avLst/>
+          </a:prstGeom>
+          <a:noFill/>
+          <a:ln>
+            <a:noFill/>
+          </a:ln>
+          <a:effectLst/>
+          <a:extLst>
+            <a:ext uri="{909E8E84-426E-40DD-AFC4-6F175D3DCCD1}">
+              <a14:hiddenFill xmlns:a14="http://schemas.microsoft.com/office/drawing/2010/main">
+                <a:solidFill>
+                  <a:schemeClr val="accent1"/>
+                </a:solidFill>
+              </a14:hiddenFill>
+            </a:ext>
+            <a:ext uri="{91240B29-F687-4F45-9708-019B960494DF}">
+              <a14:hiddenLine xmlns:a14="http://schemas.microsoft.com/office/drawing/2010/main" w="9525">
+                <a:solidFill>
+                  <a:schemeClr val="tx1"/>
+                </a:solidFill>
+                <a:miter lim="800000"/>
+                <a:headEnd/>
+                <a:tailEnd/>
+              </a14:hiddenLine>
+            </a:ext>
+            <a:ext uri="{AF507438-7753-43E0-B8FC-AC1667EBCBE1}">
+              <a14:hiddenEffects xmlns:a14="http://schemas.microsoft.com/office/drawing/2010/main">
+                <a:effectLst>
+                  <a:outerShdw dist="35921" dir="2700000" algn="ctr" rotWithShape="0">
+                    <a:schemeClr val="bg2"/>
+                  </a:outerShdw>
+                </a:effectLst>
+              </a14:hiddenEffects>
+            </a:ext>
+          </a:extLst>
+        </p:spPr>
+        <p:txBody>
+          <a:bodyPr vert="horz" wrap="none" lIns="91440" tIns="45720" rIns="91440" bIns="45720" numCol="1" anchor="ctr" anchorCtr="0" compatLnSpc="1">
+            <a:prstTxWarp prst="textNoShape">
+              <a:avLst/>
+            </a:prstTxWarp>
+            <a:spAutoFit/>
+          </a:bodyPr>
+          <a:lstStyle/>
+          <a:p>
+            <a:endParaRPr lang="fr-FR"/>
+          </a:p>
+        </p:txBody>
+      </p:sp>
+      <p:sp>
+        <p:nvSpPr>
+          <p:cNvPr id="22" name="Rectangle 27">
+            <a:extLst>
+              <a:ext uri="{FF2B5EF4-FFF2-40B4-BE49-F238E27FC236}">
+                <a16:creationId xmlns:a16="http://schemas.microsoft.com/office/drawing/2014/main" id="{ECBA35FF-418D-452E-B35B-559CCC1B38BE}"/>
+              </a:ext>
+            </a:extLst>
+          </p:cNvPr>
+          <p:cNvSpPr>
+            <a:spLocks noChangeArrowheads="1"/>
+          </p:cNvSpPr>
+          <p:nvPr/>
+        </p:nvSpPr>
+        <p:spPr bwMode="auto">
+          <a:xfrm>
+            <a:off x="1928327" y="2690070"/>
+            <a:ext cx="12192000" cy="457200"/>
+          </a:xfrm>
+          <a:prstGeom prst="rect">
+            <a:avLst/>
+          </a:prstGeom>
+          <a:noFill/>
+          <a:ln>
+            <a:noFill/>
+          </a:ln>
+          <a:effectLst/>
+          <a:extLst>
+            <a:ext uri="{909E8E84-426E-40DD-AFC4-6F175D3DCCD1}">
+              <a14:hiddenFill xmlns:a14="http://schemas.microsoft.com/office/drawing/2010/main">
+                <a:solidFill>
+                  <a:schemeClr val="accent1"/>
+                </a:solidFill>
+              </a14:hiddenFill>
+            </a:ext>
+            <a:ext uri="{91240B29-F687-4F45-9708-019B960494DF}">
+              <a14:hiddenLine xmlns:a14="http://schemas.microsoft.com/office/drawing/2010/main" w="9525">
+                <a:solidFill>
+                  <a:schemeClr val="tx1"/>
+                </a:solidFill>
+                <a:miter lim="800000"/>
+                <a:headEnd/>
+                <a:tailEnd/>
+              </a14:hiddenLine>
+            </a:ext>
+            <a:ext uri="{AF507438-7753-43E0-B8FC-AC1667EBCBE1}">
+              <a14:hiddenEffects xmlns:a14="http://schemas.microsoft.com/office/drawing/2010/main">
+                <a:effectLst>
+                  <a:outerShdw dist="35921" dir="2700000" algn="ctr" rotWithShape="0">
+                    <a:schemeClr val="bg2"/>
+                  </a:outerShdw>
+                </a:effectLst>
+              </a14:hiddenEffects>
+            </a:ext>
+          </a:extLst>
+        </p:spPr>
+        <p:txBody>
+          <a:bodyPr vert="horz" wrap="none" lIns="91440" tIns="45720" rIns="91440" bIns="45720" numCol="1" anchor="ctr" anchorCtr="0" compatLnSpc="1">
+            <a:prstTxWarp prst="textNoShape">
+              <a:avLst/>
+            </a:prstTxWarp>
+            <a:spAutoFit/>
+          </a:bodyPr>
+          <a:lstStyle/>
+          <a:p>
+            <a:pPr marL="0" marR="0" lvl="0" indent="0" algn="l" defTabSz="914400" rtl="0" eaLnBrk="0" fontAlgn="base" latinLnBrk="0" hangingPunct="0">
+              <a:lnSpc>
+                <a:spcPct val="100000"/>
+              </a:lnSpc>
+              <a:spcBef>
+                <a:spcPct val="0"/>
+              </a:spcBef>
+              <a:spcAft>
+                <a:spcPct val="0"/>
+              </a:spcAft>
+              <a:buClrTx/>
+              <a:buSzTx/>
+              <a:buFontTx/>
+              <a:buNone/>
+              <a:tabLst/>
+            </a:pPr>
+            <a:endParaRPr kumimoji="0" lang="fr-FR" altLang="fr-FR" sz="800" b="0" i="0" u="none" strike="noStrike" cap="none" normalizeH="0" baseline="0">
+              <a:ln>
+                <a:noFill/>
+              </a:ln>
+              <a:solidFill>
+                <a:schemeClr val="tx1"/>
+              </a:solidFill>
+              <a:effectLst/>
+            </a:endParaRPr>
+          </a:p>
+          <a:p>
+            <a:pPr marL="0" marR="0" lvl="0" indent="0" algn="l" defTabSz="914400" rtl="0" eaLnBrk="0" fontAlgn="base" latinLnBrk="0" hangingPunct="0">
+              <a:lnSpc>
+                <a:spcPct val="100000"/>
+              </a:lnSpc>
+              <a:spcBef>
+                <a:spcPct val="0"/>
+              </a:spcBef>
+              <a:spcAft>
+                <a:spcPct val="0"/>
+              </a:spcAft>
+              <a:buClrTx/>
+              <a:buSzTx/>
+              <a:buFontTx/>
+              <a:buNone/>
+              <a:tabLst/>
+            </a:pPr>
+            <a:br>
+              <a:rPr kumimoji="0" lang="fr-FR" altLang="fr-FR" sz="1800" b="0" i="0" u="none" strike="noStrike" cap="none" normalizeH="0" baseline="0">
+                <a:ln>
+                  <a:noFill/>
+                </a:ln>
+                <a:solidFill>
+                  <a:schemeClr val="tx1"/>
+                </a:solidFill>
+                <a:effectLst/>
+                <a:latin typeface="Arial" panose="020B0604020202020204" pitchFamily="34" charset="0"/>
+              </a:rPr>
+            </a:br>
+            <a:endParaRPr kumimoji="0" lang="fr-FR" altLang="fr-FR" sz="1800" b="0" i="0" u="none" strike="noStrike" cap="none" normalizeH="0" baseline="0">
+              <a:ln>
+                <a:noFill/>
+              </a:ln>
+              <a:solidFill>
+                <a:schemeClr val="tx1"/>
+              </a:solidFill>
+              <a:effectLst/>
+              <a:latin typeface="Arial" panose="020B0604020202020204" pitchFamily="34" charset="0"/>
+            </a:endParaRPr>
+          </a:p>
+          <a:p>
+            <a:pPr marL="0" marR="0" lvl="0" indent="0" algn="l" defTabSz="914400" rtl="0" eaLnBrk="0" fontAlgn="base" latinLnBrk="0" hangingPunct="0">
+              <a:lnSpc>
+                <a:spcPct val="100000"/>
+              </a:lnSpc>
+              <a:spcBef>
+                <a:spcPct val="0"/>
+              </a:spcBef>
+              <a:spcAft>
+                <a:spcPct val="0"/>
+              </a:spcAft>
+              <a:buClrTx/>
+              <a:buSzTx/>
+              <a:buFontTx/>
+              <a:buNone/>
+              <a:tabLst/>
+            </a:pPr>
+            <a:endParaRPr kumimoji="0" lang="fr-FR" altLang="fr-FR" sz="1800" b="0" i="0" u="none" strike="noStrike" cap="none" normalizeH="0" baseline="0">
+              <a:ln>
+                <a:noFill/>
+              </a:ln>
+              <a:solidFill>
+                <a:schemeClr val="tx1"/>
+              </a:solidFill>
+              <a:effectLst/>
+              <a:latin typeface="Arial" panose="020B0604020202020204" pitchFamily="34" charset="0"/>
+            </a:endParaRPr>
+          </a:p>
+        </p:txBody>
+      </p:sp>
+      <p:sp>
+        <p:nvSpPr>
+          <p:cNvPr id="24" name="Rectangle 28">
+            <a:extLst>
+              <a:ext uri="{FF2B5EF4-FFF2-40B4-BE49-F238E27FC236}">
+                <a16:creationId xmlns:a16="http://schemas.microsoft.com/office/drawing/2014/main" id="{8C6D5CE8-7DFE-4BD2-A908-6FAEBA7F4902}"/>
+              </a:ext>
+            </a:extLst>
+          </p:cNvPr>
+          <p:cNvSpPr>
+            <a:spLocks noChangeArrowheads="1"/>
+          </p:cNvSpPr>
+          <p:nvPr/>
+        </p:nvSpPr>
+        <p:spPr bwMode="auto">
+          <a:xfrm>
+            <a:off x="1928327" y="3147270"/>
+            <a:ext cx="12192000" cy="0"/>
+          </a:xfrm>
+          <a:prstGeom prst="rect">
+            <a:avLst/>
+          </a:prstGeom>
+          <a:noFill/>
+          <a:ln>
+            <a:noFill/>
+          </a:ln>
+          <a:effectLst/>
+          <a:extLst>
+            <a:ext uri="{909E8E84-426E-40DD-AFC4-6F175D3DCCD1}">
+              <a14:hiddenFill xmlns:a14="http://schemas.microsoft.com/office/drawing/2010/main">
+                <a:solidFill>
+                  <a:schemeClr val="accent1"/>
+                </a:solidFill>
+              </a14:hiddenFill>
+            </a:ext>
+            <a:ext uri="{91240B29-F687-4F45-9708-019B960494DF}">
+              <a14:hiddenLine xmlns:a14="http://schemas.microsoft.com/office/drawing/2010/main" w="9525">
+                <a:solidFill>
+                  <a:schemeClr val="tx1"/>
+                </a:solidFill>
+                <a:miter lim="800000"/>
+                <a:headEnd/>
+                <a:tailEnd/>
+              </a14:hiddenLine>
+            </a:ext>
+            <a:ext uri="{AF507438-7753-43E0-B8FC-AC1667EBCBE1}">
+              <a14:hiddenEffects xmlns:a14="http://schemas.microsoft.com/office/drawing/2010/main">
+                <a:effectLst>
+                  <a:outerShdw dist="35921" dir="2700000" algn="ctr" rotWithShape="0">
+                    <a:schemeClr val="bg2"/>
+                  </a:outerShdw>
+                </a:effectLst>
+              </a14:hiddenEffects>
+            </a:ext>
+          </a:extLst>
+        </p:spPr>
+        <p:txBody>
+          <a:bodyPr vert="horz" wrap="none" lIns="91440" tIns="45720" rIns="91440" bIns="45720" numCol="1" anchor="ctr" anchorCtr="0" compatLnSpc="1">
+            <a:prstTxWarp prst="textNoShape">
+              <a:avLst/>
+            </a:prstTxWarp>
+            <a:spAutoFit/>
+          </a:bodyPr>
+          <a:lstStyle/>
+          <a:p>
+            <a:pPr marL="0" marR="0" lvl="0" indent="0" algn="l" defTabSz="914400" rtl="0" eaLnBrk="0" fontAlgn="base" latinLnBrk="0" hangingPunct="0">
+              <a:lnSpc>
+                <a:spcPct val="100000"/>
+              </a:lnSpc>
+              <a:spcBef>
+                <a:spcPct val="0"/>
+              </a:spcBef>
+              <a:spcAft>
+                <a:spcPct val="0"/>
+              </a:spcAft>
+              <a:buClrTx/>
+              <a:buSzTx/>
+              <a:buFontTx/>
+              <a:buNone/>
+              <a:tabLst/>
+            </a:pPr>
+            <a:endParaRPr kumimoji="0" lang="fr-FR" altLang="fr-FR" sz="1800" b="0" i="0" u="none" strike="noStrike" cap="none" normalizeH="0" baseline="0">
+              <a:ln>
+                <a:noFill/>
+              </a:ln>
+              <a:solidFill>
+                <a:schemeClr val="tx1"/>
+              </a:solidFill>
+              <a:effectLst/>
+              <a:latin typeface="Arial" panose="020B0604020202020204" pitchFamily="34" charset="0"/>
+            </a:endParaRPr>
+          </a:p>
+          <a:p>
+            <a:pPr marL="0" marR="0" lvl="0" indent="0" algn="l" defTabSz="914400" rtl="0" eaLnBrk="0" fontAlgn="base" latinLnBrk="0" hangingPunct="0">
+              <a:lnSpc>
+                <a:spcPct val="100000"/>
+              </a:lnSpc>
+              <a:spcBef>
+                <a:spcPct val="0"/>
+              </a:spcBef>
+              <a:spcAft>
+                <a:spcPct val="0"/>
+              </a:spcAft>
+              <a:buClrTx/>
+              <a:buSzTx/>
+              <a:buFontTx/>
+              <a:buNone/>
+              <a:tabLst/>
+            </a:pPr>
+            <a:endParaRPr kumimoji="0" lang="fr-FR" altLang="fr-FR" sz="1800" b="0" i="0" u="none" strike="noStrike" cap="none" normalizeH="0" baseline="0">
+              <a:ln>
+                <a:noFill/>
+              </a:ln>
+              <a:solidFill>
+                <a:schemeClr val="tx1"/>
+              </a:solidFill>
+              <a:effectLst/>
+              <a:latin typeface="Arial" panose="020B0604020202020204" pitchFamily="34" charset="0"/>
+            </a:endParaRPr>
+          </a:p>
+        </p:txBody>
+      </p:sp>
+      <p:sp>
+        <p:nvSpPr>
+          <p:cNvPr id="25" name="Rectangle 29">
+            <a:extLst>
+              <a:ext uri="{FF2B5EF4-FFF2-40B4-BE49-F238E27FC236}">
+                <a16:creationId xmlns:a16="http://schemas.microsoft.com/office/drawing/2014/main" id="{036A5BE0-BD6E-4B72-9601-42B8C16937DA}"/>
+              </a:ext>
+            </a:extLst>
+          </p:cNvPr>
+          <p:cNvSpPr>
+            <a:spLocks noChangeArrowheads="1"/>
+          </p:cNvSpPr>
+          <p:nvPr/>
+        </p:nvSpPr>
+        <p:spPr bwMode="auto">
+          <a:xfrm>
+            <a:off x="1928327" y="3147270"/>
+            <a:ext cx="12192000" cy="457200"/>
+          </a:xfrm>
+          <a:prstGeom prst="rect">
+            <a:avLst/>
+          </a:prstGeom>
+          <a:noFill/>
+          <a:ln>
+            <a:noFill/>
+          </a:ln>
+          <a:effectLst/>
+          <a:extLst>
+            <a:ext uri="{909E8E84-426E-40DD-AFC4-6F175D3DCCD1}">
+              <a14:hiddenFill xmlns:a14="http://schemas.microsoft.com/office/drawing/2010/main">
+                <a:solidFill>
+                  <a:schemeClr val="accent1"/>
+                </a:solidFill>
+              </a14:hiddenFill>
+            </a:ext>
+            <a:ext uri="{91240B29-F687-4F45-9708-019B960494DF}">
+              <a14:hiddenLine xmlns:a14="http://schemas.microsoft.com/office/drawing/2010/main" w="9525">
+                <a:solidFill>
+                  <a:schemeClr val="tx1"/>
+                </a:solidFill>
+                <a:miter lim="800000"/>
+                <a:headEnd/>
+                <a:tailEnd/>
+              </a14:hiddenLine>
+            </a:ext>
+            <a:ext uri="{AF507438-7753-43E0-B8FC-AC1667EBCBE1}">
+              <a14:hiddenEffects xmlns:a14="http://schemas.microsoft.com/office/drawing/2010/main">
+                <a:effectLst>
+                  <a:outerShdw dist="35921" dir="2700000" algn="ctr" rotWithShape="0">
+                    <a:schemeClr val="bg2"/>
+                  </a:outerShdw>
+                </a:effectLst>
+              </a14:hiddenEffects>
+            </a:ext>
+          </a:extLst>
+        </p:spPr>
+        <p:txBody>
+          <a:bodyPr vert="horz" wrap="none" lIns="91440" tIns="45720" rIns="91440" bIns="45720" numCol="1" anchor="ctr" anchorCtr="0" compatLnSpc="1">
+            <a:prstTxWarp prst="textNoShape">
+              <a:avLst/>
+            </a:prstTxWarp>
+            <a:spAutoFit/>
+          </a:bodyPr>
+          <a:lstStyle/>
+          <a:p>
+            <a:pPr marL="0" marR="0" lvl="0" indent="0" algn="l" defTabSz="914400" rtl="0" eaLnBrk="0" fontAlgn="base" latinLnBrk="0" hangingPunct="0">
+              <a:lnSpc>
+                <a:spcPct val="100000"/>
+              </a:lnSpc>
+              <a:spcBef>
+                <a:spcPct val="0"/>
+              </a:spcBef>
+              <a:spcAft>
+                <a:spcPct val="0"/>
+              </a:spcAft>
+              <a:buClrTx/>
+              <a:buSzTx/>
+              <a:buFontTx/>
+              <a:buNone/>
+              <a:tabLst/>
+            </a:pPr>
+            <a:endParaRPr kumimoji="0" lang="fr-FR" altLang="fr-FR" sz="800" b="0" i="0" u="none" strike="noStrike" cap="none" normalizeH="0" baseline="0">
+              <a:ln>
+                <a:noFill/>
+              </a:ln>
+              <a:solidFill>
+                <a:schemeClr val="tx1"/>
+              </a:solidFill>
+              <a:effectLst/>
+            </a:endParaRPr>
+          </a:p>
+          <a:p>
+            <a:pPr marL="0" marR="0" lvl="0" indent="0" algn="l" defTabSz="914400" rtl="0" eaLnBrk="0" fontAlgn="base" latinLnBrk="0" hangingPunct="0">
+              <a:lnSpc>
+                <a:spcPct val="100000"/>
+              </a:lnSpc>
+              <a:spcBef>
+                <a:spcPct val="0"/>
+              </a:spcBef>
+              <a:spcAft>
+                <a:spcPct val="0"/>
+              </a:spcAft>
+              <a:buClrTx/>
+              <a:buSzTx/>
+              <a:buFontTx/>
+              <a:buNone/>
+              <a:tabLst/>
+            </a:pPr>
+            <a:br>
+              <a:rPr kumimoji="0" lang="fr-FR" altLang="fr-FR" sz="1800" b="0" i="0" u="none" strike="noStrike" cap="none" normalizeH="0" baseline="0">
+                <a:ln>
+                  <a:noFill/>
+                </a:ln>
+                <a:solidFill>
+                  <a:schemeClr val="tx1"/>
+                </a:solidFill>
+                <a:effectLst/>
+                <a:latin typeface="Arial" panose="020B0604020202020204" pitchFamily="34" charset="0"/>
+              </a:rPr>
+            </a:br>
+            <a:endParaRPr kumimoji="0" lang="fr-FR" altLang="fr-FR" sz="1800" b="0" i="0" u="none" strike="noStrike" cap="none" normalizeH="0" baseline="0">
+              <a:ln>
+                <a:noFill/>
+              </a:ln>
+              <a:solidFill>
+                <a:schemeClr val="tx1"/>
+              </a:solidFill>
+              <a:effectLst/>
+              <a:latin typeface="Arial" panose="020B0604020202020204" pitchFamily="34" charset="0"/>
+            </a:endParaRPr>
+          </a:p>
+          <a:p>
+            <a:pPr marL="0" marR="0" lvl="0" indent="0" algn="l" defTabSz="914400" rtl="0" eaLnBrk="0" fontAlgn="base" latinLnBrk="0" hangingPunct="0">
+              <a:lnSpc>
+                <a:spcPct val="100000"/>
+              </a:lnSpc>
+              <a:spcBef>
+                <a:spcPct val="0"/>
+              </a:spcBef>
+              <a:spcAft>
+                <a:spcPct val="0"/>
+              </a:spcAft>
+              <a:buClrTx/>
+              <a:buSzTx/>
+              <a:buFontTx/>
+              <a:buNone/>
+              <a:tabLst/>
+            </a:pPr>
+            <a:endParaRPr kumimoji="0" lang="fr-FR" altLang="fr-FR" sz="1800" b="0" i="0" u="none" strike="noStrike" cap="none" normalizeH="0" baseline="0">
+              <a:ln>
+                <a:noFill/>
+              </a:ln>
+              <a:solidFill>
+                <a:schemeClr val="tx1"/>
+              </a:solidFill>
+              <a:effectLst/>
+              <a:latin typeface="Arial" panose="020B0604020202020204" pitchFamily="34" charset="0"/>
+            </a:endParaRPr>
+          </a:p>
+        </p:txBody>
+      </p:sp>
+      <p:sp>
+        <p:nvSpPr>
+          <p:cNvPr id="28" name="Rectangle 33">
+            <a:extLst>
+              <a:ext uri="{FF2B5EF4-FFF2-40B4-BE49-F238E27FC236}">
+                <a16:creationId xmlns:a16="http://schemas.microsoft.com/office/drawing/2014/main" id="{78D9C806-D585-49FF-823F-35B51B8BB908}"/>
+              </a:ext>
+            </a:extLst>
+          </p:cNvPr>
+          <p:cNvSpPr>
+            <a:spLocks noChangeArrowheads="1"/>
+          </p:cNvSpPr>
+          <p:nvPr/>
+        </p:nvSpPr>
+        <p:spPr bwMode="auto">
+          <a:xfrm>
+            <a:off x="1928327" y="3604470"/>
+            <a:ext cx="12192000" cy="0"/>
+          </a:xfrm>
+          <a:prstGeom prst="rect">
+            <a:avLst/>
+          </a:prstGeom>
+          <a:noFill/>
+          <a:ln>
+            <a:noFill/>
+          </a:ln>
+          <a:effectLst/>
+          <a:extLst>
+            <a:ext uri="{909E8E84-426E-40DD-AFC4-6F175D3DCCD1}">
+              <a14:hiddenFill xmlns:a14="http://schemas.microsoft.com/office/drawing/2010/main">
+                <a:solidFill>
+                  <a:schemeClr val="accent1"/>
+                </a:solidFill>
+              </a14:hiddenFill>
+            </a:ext>
+            <a:ext uri="{91240B29-F687-4F45-9708-019B960494DF}">
+              <a14:hiddenLine xmlns:a14="http://schemas.microsoft.com/office/drawing/2010/main" w="9525">
+                <a:solidFill>
+                  <a:schemeClr val="tx1"/>
+                </a:solidFill>
+                <a:miter lim="800000"/>
+                <a:headEnd/>
+                <a:tailEnd/>
+              </a14:hiddenLine>
+            </a:ext>
+            <a:ext uri="{AF507438-7753-43E0-B8FC-AC1667EBCBE1}">
+              <a14:hiddenEffects xmlns:a14="http://schemas.microsoft.com/office/drawing/2010/main">
+                <a:effectLst>
+                  <a:outerShdw dist="35921" dir="2700000" algn="ctr" rotWithShape="0">
+                    <a:schemeClr val="bg2"/>
+                  </a:outerShdw>
+                </a:effectLst>
+              </a14:hiddenEffects>
+            </a:ext>
+          </a:extLst>
+        </p:spPr>
+        <p:txBody>
+          <a:bodyPr vert="horz" wrap="none" lIns="91440" tIns="45720" rIns="91440" bIns="45720" numCol="1" anchor="ctr" anchorCtr="0" compatLnSpc="1">
+            <a:prstTxWarp prst="textNoShape">
+              <a:avLst/>
+            </a:prstTxWarp>
+            <a:spAutoFit/>
+          </a:bodyPr>
+          <a:lstStyle/>
+          <a:p>
+            <a:pPr marL="0" marR="0" lvl="0" indent="0" algn="l" defTabSz="914400" rtl="0" eaLnBrk="0" fontAlgn="base" latinLnBrk="0" hangingPunct="0">
+              <a:lnSpc>
+                <a:spcPct val="100000"/>
+              </a:lnSpc>
+              <a:spcBef>
+                <a:spcPct val="0"/>
+              </a:spcBef>
+              <a:spcAft>
+                <a:spcPct val="0"/>
+              </a:spcAft>
+              <a:buClrTx/>
+              <a:buSzTx/>
+              <a:buFontTx/>
+              <a:buNone/>
+              <a:tabLst/>
+            </a:pPr>
+            <a:endParaRPr kumimoji="0" lang="fr-FR" altLang="fr-FR" sz="800" b="0" i="0" u="none" strike="noStrike" cap="none" normalizeH="0" baseline="0">
+              <a:ln>
+                <a:noFill/>
+              </a:ln>
+              <a:solidFill>
+                <a:schemeClr val="tx1"/>
+              </a:solidFill>
+              <a:effectLst/>
+            </a:endParaRPr>
+          </a:p>
+          <a:p>
+            <a:pPr marL="0" marR="0" lvl="0" indent="0" algn="l" defTabSz="914400" rtl="0" eaLnBrk="0" fontAlgn="base" latinLnBrk="0" hangingPunct="0">
+              <a:lnSpc>
+                <a:spcPct val="100000"/>
+              </a:lnSpc>
+              <a:spcBef>
+                <a:spcPct val="0"/>
+              </a:spcBef>
+              <a:spcAft>
+                <a:spcPct val="0"/>
+              </a:spcAft>
+              <a:buClrTx/>
+              <a:buSzTx/>
+              <a:buFontTx/>
+              <a:buNone/>
+              <a:tabLst/>
+            </a:pPr>
+            <a:endParaRPr kumimoji="0" lang="fr-FR" altLang="fr-FR" sz="1800" b="0" i="0" u="none" strike="noStrike" cap="none" normalizeH="0" baseline="0">
+              <a:ln>
+                <a:noFill/>
+              </a:ln>
+              <a:solidFill>
+                <a:schemeClr val="tx1"/>
+              </a:solidFill>
+              <a:effectLst/>
+              <a:latin typeface="Arial" panose="020B0604020202020204" pitchFamily="34" charset="0"/>
+            </a:endParaRPr>
+          </a:p>
+        </p:txBody>
+      </p:sp>
+      <p:sp>
+        <p:nvSpPr>
+          <p:cNvPr id="29" name="Rectangle 35">
+            <a:extLst>
+              <a:ext uri="{FF2B5EF4-FFF2-40B4-BE49-F238E27FC236}">
+                <a16:creationId xmlns:a16="http://schemas.microsoft.com/office/drawing/2014/main" id="{2AEF1695-BB0C-4DE6-B2B1-4A3082374864}"/>
+              </a:ext>
+            </a:extLst>
+          </p:cNvPr>
+          <p:cNvSpPr>
+            <a:spLocks noChangeArrowheads="1"/>
+          </p:cNvSpPr>
+          <p:nvPr/>
+        </p:nvSpPr>
+        <p:spPr bwMode="auto">
+          <a:xfrm>
+            <a:off x="1928327" y="3604470"/>
+            <a:ext cx="12192000" cy="0"/>
+          </a:xfrm>
+          <a:prstGeom prst="rect">
+            <a:avLst/>
+          </a:prstGeom>
+          <a:noFill/>
+          <a:ln>
+            <a:noFill/>
+          </a:ln>
+          <a:effectLst/>
+          <a:extLst>
+            <a:ext uri="{909E8E84-426E-40DD-AFC4-6F175D3DCCD1}">
+              <a14:hiddenFill xmlns:a14="http://schemas.microsoft.com/office/drawing/2010/main">
+                <a:solidFill>
+                  <a:schemeClr val="accent1"/>
+                </a:solidFill>
+              </a14:hiddenFill>
+            </a:ext>
+            <a:ext uri="{91240B29-F687-4F45-9708-019B960494DF}">
+              <a14:hiddenLine xmlns:a14="http://schemas.microsoft.com/office/drawing/2010/main" w="9525">
+                <a:solidFill>
+                  <a:schemeClr val="tx1"/>
+                </a:solidFill>
+                <a:miter lim="800000"/>
+                <a:headEnd/>
+                <a:tailEnd/>
+              </a14:hiddenLine>
+            </a:ext>
+            <a:ext uri="{AF507438-7753-43E0-B8FC-AC1667EBCBE1}">
+              <a14:hiddenEffects xmlns:a14="http://schemas.microsoft.com/office/drawing/2010/main">
+                <a:effectLst>
+                  <a:outerShdw dist="35921" dir="2700000" algn="ctr" rotWithShape="0">
+                    <a:schemeClr val="bg2"/>
+                  </a:outerShdw>
+                </a:effectLst>
+              </a14:hiddenEffects>
+            </a:ext>
+          </a:extLst>
+        </p:spPr>
+        <p:txBody>
+          <a:bodyPr vert="horz" wrap="none" lIns="91440" tIns="45720" rIns="91440" bIns="45720" numCol="1" anchor="ctr" anchorCtr="0" compatLnSpc="1">
+            <a:prstTxWarp prst="textNoShape">
+              <a:avLst/>
+            </a:prstTxWarp>
+            <a:spAutoFit/>
+          </a:bodyPr>
+          <a:lstStyle/>
+          <a:p>
+            <a:pPr marL="0" marR="0" lvl="0" indent="0" algn="l" defTabSz="914400" rtl="0" eaLnBrk="0" fontAlgn="base" latinLnBrk="0" hangingPunct="0">
+              <a:lnSpc>
+                <a:spcPct val="100000"/>
+              </a:lnSpc>
+              <a:spcBef>
+                <a:spcPct val="0"/>
+              </a:spcBef>
+              <a:spcAft>
+                <a:spcPct val="0"/>
+              </a:spcAft>
+              <a:buClrTx/>
+              <a:buSzTx/>
+              <a:buFontTx/>
+              <a:buNone/>
+              <a:tabLst/>
+            </a:pPr>
+            <a:endParaRPr kumimoji="0" lang="fr-FR" altLang="fr-FR" sz="800" b="0" i="0" u="none" strike="noStrike" cap="none" normalizeH="0" baseline="0">
+              <a:ln>
+                <a:noFill/>
+              </a:ln>
+              <a:solidFill>
+                <a:schemeClr val="tx1"/>
+              </a:solidFill>
+              <a:effectLst/>
+            </a:endParaRPr>
+          </a:p>
+          <a:p>
+            <a:pPr marL="0" marR="0" lvl="0" indent="0" algn="l" defTabSz="914400" rtl="0" eaLnBrk="0" fontAlgn="base" latinLnBrk="0" hangingPunct="0">
+              <a:lnSpc>
+                <a:spcPct val="100000"/>
+              </a:lnSpc>
+              <a:spcBef>
+                <a:spcPct val="0"/>
+              </a:spcBef>
+              <a:spcAft>
+                <a:spcPct val="0"/>
+              </a:spcAft>
+              <a:buClrTx/>
+              <a:buSzTx/>
+              <a:buFontTx/>
+              <a:buNone/>
+              <a:tabLst/>
+            </a:pPr>
+            <a:r>
+              <a:rPr kumimoji="0" lang="fr-FR" altLang="fr-FR" sz="1800" b="0" i="0" u="none" strike="noStrike" cap="none" normalizeH="0" baseline="0">
+                <a:ln>
+                  <a:noFill/>
+                </a:ln>
+                <a:solidFill>
+                  <a:schemeClr val="tx1"/>
+                </a:solidFill>
+                <a:effectLst/>
+                <a:latin typeface="Arial" panose="020B0604020202020204" pitchFamily="34" charset="0"/>
+              </a:rPr>
+              <a:t>	</a:t>
+            </a:r>
+          </a:p>
+        </p:txBody>
+      </p:sp>
+      <p:cxnSp>
+        <p:nvCxnSpPr>
+          <p:cNvPr id="56" name="Connecteur droit 55">
+            <a:extLst>
+              <a:ext uri="{FF2B5EF4-FFF2-40B4-BE49-F238E27FC236}">
+                <a16:creationId xmlns:a16="http://schemas.microsoft.com/office/drawing/2014/main" id="{1A572867-A90A-4634-BCDA-FFB984FFCE26}"/>
+              </a:ext>
+            </a:extLst>
+          </p:cNvPr>
+          <p:cNvCxnSpPr/>
+          <p:nvPr/>
+        </p:nvCxnSpPr>
+        <p:spPr>
+          <a:xfrm flipV="1">
+            <a:off x="3900637" y="2774842"/>
+            <a:ext cx="0" cy="106045"/>
+          </a:xfrm>
+          <a:prstGeom prst="line">
+            <a:avLst/>
+          </a:prstGeom>
+        </p:spPr>
+        <p:style>
+          <a:lnRef idx="1">
+            <a:schemeClr val="dk1"/>
+          </a:lnRef>
+          <a:fillRef idx="0">
+            <a:schemeClr val="dk1"/>
+          </a:fillRef>
+          <a:effectRef idx="0">
+            <a:schemeClr val="dk1"/>
+          </a:effectRef>
+          <a:fontRef idx="minor">
+            <a:schemeClr val="tx1"/>
+          </a:fontRef>
+        </p:style>
+      </p:cxnSp>
+      <p:cxnSp>
+        <p:nvCxnSpPr>
+          <p:cNvPr id="66" name="Connecteur droit 65">
+            <a:extLst>
+              <a:ext uri="{FF2B5EF4-FFF2-40B4-BE49-F238E27FC236}">
+                <a16:creationId xmlns:a16="http://schemas.microsoft.com/office/drawing/2014/main" id="{B99B0FD4-E781-4E4A-A66E-D69DD80F35C1}"/>
+              </a:ext>
+            </a:extLst>
+          </p:cNvPr>
+          <p:cNvCxnSpPr/>
+          <p:nvPr/>
+        </p:nvCxnSpPr>
+        <p:spPr>
+          <a:xfrm flipV="1">
+            <a:off x="3900637" y="2731980"/>
+            <a:ext cx="0" cy="106045"/>
+          </a:xfrm>
+          <a:prstGeom prst="line">
+            <a:avLst/>
+          </a:prstGeom>
+        </p:spPr>
+        <p:style>
+          <a:lnRef idx="1">
+            <a:schemeClr val="dk1"/>
+          </a:lnRef>
+          <a:fillRef idx="0">
+            <a:schemeClr val="dk1"/>
+          </a:fillRef>
+          <a:effectRef idx="0">
+            <a:schemeClr val="dk1"/>
+          </a:effectRef>
+          <a:fontRef idx="minor">
+            <a:schemeClr val="tx1"/>
+          </a:fontRef>
+        </p:style>
+      </p:cxnSp>
+      <p:cxnSp>
+        <p:nvCxnSpPr>
+          <p:cNvPr id="67" name="Connecteur droit 66">
+            <a:extLst>
+              <a:ext uri="{FF2B5EF4-FFF2-40B4-BE49-F238E27FC236}">
+                <a16:creationId xmlns:a16="http://schemas.microsoft.com/office/drawing/2014/main" id="{E8793B72-6C44-4CA8-A9E4-4C557F835682}"/>
+              </a:ext>
+            </a:extLst>
+          </p:cNvPr>
+          <p:cNvCxnSpPr>
+            <a:cxnSpLocks/>
+          </p:cNvCxnSpPr>
+          <p:nvPr/>
+        </p:nvCxnSpPr>
+        <p:spPr>
+          <a:xfrm flipV="1">
+            <a:off x="4027002" y="2759269"/>
+            <a:ext cx="0" cy="106045"/>
+          </a:xfrm>
+          <a:prstGeom prst="line">
+            <a:avLst/>
+          </a:prstGeom>
+        </p:spPr>
+        <p:style>
+          <a:lnRef idx="1">
+            <a:schemeClr val="dk1"/>
+          </a:lnRef>
+          <a:fillRef idx="0">
+            <a:schemeClr val="dk1"/>
+          </a:fillRef>
+          <a:effectRef idx="0">
+            <a:schemeClr val="dk1"/>
+          </a:effectRef>
+          <a:fontRef idx="minor">
+            <a:schemeClr val="tx1"/>
+          </a:fontRef>
+        </p:style>
+      </p:cxnSp>
     </p:spTree>
     <p:extLst>
       <p:ext uri="{BB962C8B-B14F-4D97-AF65-F5344CB8AC3E}">
@@ -17255,48 +18354,12 @@
           </a:fontRef>
         </p:style>
       </p:cxnSp>
-      <p:pic>
-        <p:nvPicPr>
-          <p:cNvPr id="24" name="Image 23">
-            <a:extLst>
-              <a:ext uri="{FF2B5EF4-FFF2-40B4-BE49-F238E27FC236}">
-                <a16:creationId xmlns:a16="http://schemas.microsoft.com/office/drawing/2014/main" id="{7A11CD42-93A2-4CE9-8917-661C6FDC8EB2}"/>
-              </a:ext>
-            </a:extLst>
-          </p:cNvPr>
-          <p:cNvPicPr>
-            <a:picLocks noChangeAspect="1"/>
-          </p:cNvPicPr>
-          <p:nvPr/>
-        </p:nvPicPr>
-        <p:blipFill>
-          <a:blip r:embed="rId4">
-            <a:extLst>
-              <a:ext uri="{28A0092B-C50C-407E-A947-70E740481C1C}">
-                <a14:useLocalDpi xmlns:a14="http://schemas.microsoft.com/office/drawing/2010/main" val="0"/>
-              </a:ext>
-            </a:extLst>
-          </a:blip>
-          <a:stretch>
-            <a:fillRect/>
-          </a:stretch>
-        </p:blipFill>
-        <p:spPr>
-          <a:xfrm>
-            <a:off x="1655727" y="2046914"/>
-            <a:ext cx="7028292" cy="4777614"/>
-          </a:xfrm>
-          <a:prstGeom prst="rect">
-            <a:avLst/>
-          </a:prstGeom>
-        </p:spPr>
-      </p:pic>
       <p:sp>
         <p:nvSpPr>
-          <p:cNvPr id="4" name="ZoneTexte 3">
-            <a:extLst>
-              <a:ext uri="{FF2B5EF4-FFF2-40B4-BE49-F238E27FC236}">
-                <a16:creationId xmlns:a16="http://schemas.microsoft.com/office/drawing/2014/main" id="{E77BD0C0-B104-436D-A198-D80CD647A659}"/>
+          <p:cNvPr id="2" name="ZoneTexte 1">
+            <a:extLst>
+              <a:ext uri="{FF2B5EF4-FFF2-40B4-BE49-F238E27FC236}">
+                <a16:creationId xmlns:a16="http://schemas.microsoft.com/office/drawing/2014/main" id="{27396238-7A76-4B8F-981D-280A71EC12F4}"/>
               </a:ext>
             </a:extLst>
           </p:cNvPr>
@@ -17305,8 +18368,8 @@
         </p:nvSpPr>
         <p:spPr>
           <a:xfrm>
-            <a:off x="2988527" y="691412"/>
-            <a:ext cx="6243927" cy="1446550"/>
+            <a:off x="2941888" y="518915"/>
+            <a:ext cx="6281999" cy="769441"/>
           </a:xfrm>
           <a:prstGeom prst="rect">
             <a:avLst/>
@@ -17323,15 +18386,51 @@
               <a:rPr lang="fr-FR" sz="4400" dirty="0">
                 <a:latin typeface="Berlin Sans FB" panose="020E0602020502020306" pitchFamily="34" charset="0"/>
               </a:rPr>
-              <a:t>Diagramme de cas d’utilisation</a:t>
+              <a:t>Diagramme de bloc</a:t>
             </a:r>
           </a:p>
         </p:txBody>
       </p:sp>
+      <p:pic>
+        <p:nvPicPr>
+          <p:cNvPr id="4" name="Image 3">
+            <a:extLst>
+              <a:ext uri="{FF2B5EF4-FFF2-40B4-BE49-F238E27FC236}">
+                <a16:creationId xmlns:a16="http://schemas.microsoft.com/office/drawing/2014/main" id="{7E60C251-29D0-4848-8D5B-5DB9F0C6EC10}"/>
+              </a:ext>
+            </a:extLst>
+          </p:cNvPr>
+          <p:cNvPicPr>
+            <a:picLocks noChangeAspect="1"/>
+          </p:cNvPicPr>
+          <p:nvPr/>
+        </p:nvPicPr>
+        <p:blipFill>
+          <a:blip r:embed="rId4">
+            <a:extLst>
+              <a:ext uri="{28A0092B-C50C-407E-A947-70E740481C1C}">
+                <a14:useLocalDpi xmlns:a14="http://schemas.microsoft.com/office/drawing/2010/main" val="0"/>
+              </a:ext>
+            </a:extLst>
+          </a:blip>
+          <a:stretch>
+            <a:fillRect/>
+          </a:stretch>
+        </p:blipFill>
+        <p:spPr>
+          <a:xfrm>
+            <a:off x="2216372" y="1342070"/>
+            <a:ext cx="7526831" cy="5956548"/>
+          </a:xfrm>
+          <a:prstGeom prst="rect">
+            <a:avLst/>
+          </a:prstGeom>
+        </p:spPr>
+      </p:pic>
     </p:spTree>
     <p:extLst>
       <p:ext uri="{BB962C8B-B14F-4D97-AF65-F5344CB8AC3E}">
-        <p14:creationId xmlns:p14="http://schemas.microsoft.com/office/powerpoint/2010/main" val="2016876074"/>
+        <p14:creationId xmlns:p14="http://schemas.microsoft.com/office/powerpoint/2010/main" val="1093378480"/>
       </p:ext>
     </p:extLst>
   </p:cSld>
@@ -18124,48 +19223,12 @@
           </a:fontRef>
         </p:style>
       </p:cxnSp>
-      <p:pic>
-        <p:nvPicPr>
-          <p:cNvPr id="3" name="Image 2">
-            <a:extLst>
-              <a:ext uri="{FF2B5EF4-FFF2-40B4-BE49-F238E27FC236}">
-                <a16:creationId xmlns:a16="http://schemas.microsoft.com/office/drawing/2014/main" id="{04E31E68-0170-4EA9-8F23-BD47A71E51B5}"/>
-              </a:ext>
-            </a:extLst>
-          </p:cNvPr>
-          <p:cNvPicPr>
-            <a:picLocks noChangeAspect="1"/>
-          </p:cNvPicPr>
-          <p:nvPr/>
-        </p:nvPicPr>
-        <p:blipFill>
-          <a:blip r:embed="rId4">
-            <a:extLst>
-              <a:ext uri="{28A0092B-C50C-407E-A947-70E740481C1C}">
-                <a14:useLocalDpi xmlns:a14="http://schemas.microsoft.com/office/drawing/2010/main" val="0"/>
-              </a:ext>
-            </a:extLst>
-          </a:blip>
-          <a:stretch>
-            <a:fillRect/>
-          </a:stretch>
-        </p:blipFill>
-        <p:spPr>
-          <a:xfrm>
-            <a:off x="3221372" y="1380930"/>
-            <a:ext cx="4991450" cy="5482986"/>
-          </a:xfrm>
-          <a:prstGeom prst="rect">
-            <a:avLst/>
-          </a:prstGeom>
-        </p:spPr>
-      </p:pic>
       <p:sp>
         <p:nvSpPr>
-          <p:cNvPr id="4" name="ZoneTexte 3">
-            <a:extLst>
-              <a:ext uri="{FF2B5EF4-FFF2-40B4-BE49-F238E27FC236}">
-                <a16:creationId xmlns:a16="http://schemas.microsoft.com/office/drawing/2014/main" id="{6F856B2B-03F4-4FE3-A57C-C9CAAF971B24}"/>
+          <p:cNvPr id="2" name="ZoneTexte 1">
+            <a:extLst>
+              <a:ext uri="{FF2B5EF4-FFF2-40B4-BE49-F238E27FC236}">
+                <a16:creationId xmlns:a16="http://schemas.microsoft.com/office/drawing/2014/main" id="{27396238-7A76-4B8F-981D-280A71EC12F4}"/>
               </a:ext>
             </a:extLst>
           </p:cNvPr>
@@ -18174,8 +19237,8 @@
         </p:nvSpPr>
         <p:spPr>
           <a:xfrm>
-            <a:off x="2952925" y="637563"/>
-            <a:ext cx="6199464" cy="769441"/>
+            <a:off x="3228837" y="553547"/>
+            <a:ext cx="4675598" cy="769441"/>
           </a:xfrm>
           <a:prstGeom prst="rect">
             <a:avLst/>
@@ -18192,15 +19255,51 @@
               <a:rPr lang="fr-FR" sz="4400" dirty="0">
                 <a:latin typeface="Berlin Sans FB" panose="020E0602020502020306" pitchFamily="34" charset="0"/>
               </a:rPr>
-              <a:t>Diagramme de séquence</a:t>
+              <a:t>Base de données</a:t>
             </a:r>
           </a:p>
         </p:txBody>
       </p:sp>
+      <p:pic>
+        <p:nvPicPr>
+          <p:cNvPr id="4" name="Image 3">
+            <a:extLst>
+              <a:ext uri="{FF2B5EF4-FFF2-40B4-BE49-F238E27FC236}">
+                <a16:creationId xmlns:a16="http://schemas.microsoft.com/office/drawing/2014/main" id="{8B26BEA2-EF2C-479A-B8FC-3E647E6B0735}"/>
+              </a:ext>
+            </a:extLst>
+          </p:cNvPr>
+          <p:cNvPicPr>
+            <a:picLocks noChangeAspect="1"/>
+          </p:cNvPicPr>
+          <p:nvPr/>
+        </p:nvPicPr>
+        <p:blipFill>
+          <a:blip r:embed="rId4">
+            <a:extLst>
+              <a:ext uri="{28A0092B-C50C-407E-A947-70E740481C1C}">
+                <a14:useLocalDpi xmlns:a14="http://schemas.microsoft.com/office/drawing/2010/main" val="0"/>
+              </a:ext>
+            </a:extLst>
+          </a:blip>
+          <a:stretch>
+            <a:fillRect/>
+          </a:stretch>
+        </p:blipFill>
+        <p:spPr>
+          <a:xfrm>
+            <a:off x="1487085" y="1464993"/>
+            <a:ext cx="10145003" cy="5253048"/>
+          </a:xfrm>
+          <a:prstGeom prst="rect">
+            <a:avLst/>
+          </a:prstGeom>
+        </p:spPr>
+      </p:pic>
     </p:spTree>
     <p:extLst>
       <p:ext uri="{BB962C8B-B14F-4D97-AF65-F5344CB8AC3E}">
-        <p14:creationId xmlns:p14="http://schemas.microsoft.com/office/powerpoint/2010/main" val="1412701524"/>
+        <p14:creationId xmlns:p14="http://schemas.microsoft.com/office/powerpoint/2010/main" val="3188051435"/>
       </p:ext>
     </p:extLst>
   </p:cSld>
@@ -19867,7 +20966,7 @@
           <p:cNvPr id="2" name="ZoneTexte 1">
             <a:extLst>
               <a:ext uri="{FF2B5EF4-FFF2-40B4-BE49-F238E27FC236}">
-                <a16:creationId xmlns:a16="http://schemas.microsoft.com/office/drawing/2014/main" id="{27396238-7A76-4B8F-981D-280A71EC12F4}"/>
+                <a16:creationId xmlns:a16="http://schemas.microsoft.com/office/drawing/2014/main" id="{019E5183-3507-4DC9-B021-75F1BA1CA190}"/>
               </a:ext>
             </a:extLst>
           </p:cNvPr>
@@ -19876,8 +20975,8 @@
         </p:nvSpPr>
         <p:spPr>
           <a:xfrm>
-            <a:off x="2941888" y="518915"/>
-            <a:ext cx="6281999" cy="769441"/>
+            <a:off x="3290385" y="473648"/>
+            <a:ext cx="6251510" cy="769441"/>
           </a:xfrm>
           <a:prstGeom prst="rect">
             <a:avLst/>
@@ -19894,17 +20993,17 @@
               <a:rPr lang="fr-FR" sz="4400" dirty="0">
                 <a:latin typeface="Berlin Sans FB" panose="020E0602020502020306" pitchFamily="34" charset="0"/>
               </a:rPr>
-              <a:t>Diagramme de bloc</a:t>
+              <a:t>Analyse du matériel</a:t>
             </a:r>
           </a:p>
         </p:txBody>
       </p:sp>
       <p:pic>
         <p:nvPicPr>
-          <p:cNvPr id="4" name="Image 3">
-            <a:extLst>
-              <a:ext uri="{FF2B5EF4-FFF2-40B4-BE49-F238E27FC236}">
-                <a16:creationId xmlns:a16="http://schemas.microsoft.com/office/drawing/2014/main" id="{7E60C251-29D0-4848-8D5B-5DB9F0C6EC10}"/>
+          <p:cNvPr id="24" name="Image 23" descr="Une image contenant transport&#10;&#10;Description générée avec un niveau de confiance très élevé">
+            <a:extLst>
+              <a:ext uri="{FF2B5EF4-FFF2-40B4-BE49-F238E27FC236}">
+                <a16:creationId xmlns:a16="http://schemas.microsoft.com/office/drawing/2014/main" id="{4CD3177C-CB9C-4C0D-8079-4AA644CE5E50}"/>
               </a:ext>
             </a:extLst>
           </p:cNvPr>
@@ -19927,8 +21026,443 @@
         </p:blipFill>
         <p:spPr>
           <a:xfrm>
-            <a:off x="2216372" y="1342070"/>
-            <a:ext cx="7526831" cy="5956548"/>
+            <a:off x="1604299" y="1327912"/>
+            <a:ext cx="715646" cy="715646"/>
+          </a:xfrm>
+          <a:prstGeom prst="rect">
+            <a:avLst/>
+          </a:prstGeom>
+        </p:spPr>
+      </p:pic>
+      <p:pic>
+        <p:nvPicPr>
+          <p:cNvPr id="25" name="Image 24">
+            <a:extLst>
+              <a:ext uri="{FF2B5EF4-FFF2-40B4-BE49-F238E27FC236}">
+                <a16:creationId xmlns:a16="http://schemas.microsoft.com/office/drawing/2014/main" id="{C013474F-1EDC-4B3D-B268-4E855F63F77E}"/>
+              </a:ext>
+            </a:extLst>
+          </p:cNvPr>
+          <p:cNvPicPr>
+            <a:picLocks noChangeAspect="1"/>
+          </p:cNvPicPr>
+          <p:nvPr/>
+        </p:nvPicPr>
+        <p:blipFill>
+          <a:blip r:embed="rId5">
+            <a:extLst>
+              <a:ext uri="{28A0092B-C50C-407E-A947-70E740481C1C}">
+                <a14:useLocalDpi xmlns:a14="http://schemas.microsoft.com/office/drawing/2010/main" val="0"/>
+              </a:ext>
+            </a:extLst>
+          </a:blip>
+          <a:stretch>
+            <a:fillRect/>
+          </a:stretch>
+        </p:blipFill>
+        <p:spPr>
+          <a:xfrm>
+            <a:off x="1694242" y="2794678"/>
+            <a:ext cx="625703" cy="625703"/>
+          </a:xfrm>
+          <a:prstGeom prst="rect">
+            <a:avLst/>
+          </a:prstGeom>
+        </p:spPr>
+      </p:pic>
+      <p:pic>
+        <p:nvPicPr>
+          <p:cNvPr id="28" name="Image 27">
+            <a:extLst>
+              <a:ext uri="{FF2B5EF4-FFF2-40B4-BE49-F238E27FC236}">
+                <a16:creationId xmlns:a16="http://schemas.microsoft.com/office/drawing/2014/main" id="{57519E8A-918A-4B7A-A373-A121BE04A122}"/>
+              </a:ext>
+            </a:extLst>
+          </p:cNvPr>
+          <p:cNvPicPr>
+            <a:picLocks noChangeAspect="1"/>
+          </p:cNvPicPr>
+          <p:nvPr/>
+        </p:nvPicPr>
+        <p:blipFill>
+          <a:blip r:embed="rId6">
+            <a:extLst>
+              <a:ext uri="{28A0092B-C50C-407E-A947-70E740481C1C}">
+                <a14:useLocalDpi xmlns:a14="http://schemas.microsoft.com/office/drawing/2010/main" val="0"/>
+              </a:ext>
+            </a:extLst>
+          </a:blip>
+          <a:stretch>
+            <a:fillRect/>
+          </a:stretch>
+        </p:blipFill>
+        <p:spPr>
+          <a:xfrm>
+            <a:off x="6642920" y="4912796"/>
+            <a:ext cx="700821" cy="700821"/>
+          </a:xfrm>
+          <a:prstGeom prst="rect">
+            <a:avLst/>
+          </a:prstGeom>
+        </p:spPr>
+      </p:pic>
+      <p:pic>
+        <p:nvPicPr>
+          <p:cNvPr id="29" name="Image 28">
+            <a:extLst>
+              <a:ext uri="{FF2B5EF4-FFF2-40B4-BE49-F238E27FC236}">
+                <a16:creationId xmlns:a16="http://schemas.microsoft.com/office/drawing/2014/main" id="{0875E027-F508-4529-A577-BAE6AA73B275}"/>
+              </a:ext>
+            </a:extLst>
+          </p:cNvPr>
+          <p:cNvPicPr>
+            <a:picLocks noChangeAspect="1"/>
+          </p:cNvPicPr>
+          <p:nvPr/>
+        </p:nvPicPr>
+        <p:blipFill>
+          <a:blip r:embed="rId7">
+            <a:extLst>
+              <a:ext uri="{28A0092B-C50C-407E-A947-70E740481C1C}">
+                <a14:useLocalDpi xmlns:a14="http://schemas.microsoft.com/office/drawing/2010/main" val="0"/>
+              </a:ext>
+            </a:extLst>
+          </a:blip>
+          <a:stretch>
+            <a:fillRect/>
+          </a:stretch>
+        </p:blipFill>
+        <p:spPr>
+          <a:xfrm>
+            <a:off x="6515109" y="3046923"/>
+            <a:ext cx="746916" cy="746916"/>
+          </a:xfrm>
+          <a:prstGeom prst="rect">
+            <a:avLst/>
+          </a:prstGeom>
+        </p:spPr>
+      </p:pic>
+      <p:pic>
+        <p:nvPicPr>
+          <p:cNvPr id="4" name="Image 3">
+            <a:extLst>
+              <a:ext uri="{FF2B5EF4-FFF2-40B4-BE49-F238E27FC236}">
+                <a16:creationId xmlns:a16="http://schemas.microsoft.com/office/drawing/2014/main" id="{6A56240B-CEBA-4842-83FC-DA1952EEB740}"/>
+              </a:ext>
+            </a:extLst>
+          </p:cNvPr>
+          <p:cNvPicPr>
+            <a:picLocks noChangeAspect="1"/>
+          </p:cNvPicPr>
+          <p:nvPr/>
+        </p:nvPicPr>
+        <p:blipFill>
+          <a:blip r:embed="rId8">
+            <a:extLst>
+              <a:ext uri="{28A0092B-C50C-407E-A947-70E740481C1C}">
+                <a14:useLocalDpi xmlns:a14="http://schemas.microsoft.com/office/drawing/2010/main" val="0"/>
+              </a:ext>
+            </a:extLst>
+          </a:blip>
+          <a:stretch>
+            <a:fillRect/>
+          </a:stretch>
+        </p:blipFill>
+        <p:spPr>
+          <a:xfrm>
+            <a:off x="6416140" y="1345664"/>
+            <a:ext cx="780337" cy="780337"/>
+          </a:xfrm>
+          <a:prstGeom prst="rect">
+            <a:avLst/>
+          </a:prstGeom>
+        </p:spPr>
+      </p:pic>
+      <p:sp>
+        <p:nvSpPr>
+          <p:cNvPr id="3" name="ZoneTexte 2">
+            <a:extLst>
+              <a:ext uri="{FF2B5EF4-FFF2-40B4-BE49-F238E27FC236}">
+                <a16:creationId xmlns:a16="http://schemas.microsoft.com/office/drawing/2014/main" id="{6F21E2AC-5013-4E14-AA1E-CF440C8AF6D5}"/>
+              </a:ext>
+            </a:extLst>
+          </p:cNvPr>
+          <p:cNvSpPr txBox="1"/>
+          <p:nvPr/>
+        </p:nvSpPr>
+        <p:spPr>
+          <a:xfrm>
+            <a:off x="2573222" y="1551166"/>
+            <a:ext cx="2860650" cy="369332"/>
+          </a:xfrm>
+          <a:prstGeom prst="rect">
+            <a:avLst/>
+          </a:prstGeom>
+          <a:noFill/>
+        </p:spPr>
+        <p:txBody>
+          <a:bodyPr wrap="square" rtlCol="0">
+            <a:spAutoFit/>
+          </a:bodyPr>
+          <a:lstStyle/>
+          <a:p>
+            <a:r>
+              <a:rPr lang="fr-FR" dirty="0"/>
+              <a:t>Utilisation de la boucle 4-20</a:t>
+            </a:r>
+          </a:p>
+        </p:txBody>
+      </p:sp>
+      <p:sp>
+        <p:nvSpPr>
+          <p:cNvPr id="30" name="ZoneTexte 29">
+            <a:extLst>
+              <a:ext uri="{FF2B5EF4-FFF2-40B4-BE49-F238E27FC236}">
+                <a16:creationId xmlns:a16="http://schemas.microsoft.com/office/drawing/2014/main" id="{1684707A-FE8B-409E-8A18-EC748AA22A1D}"/>
+              </a:ext>
+            </a:extLst>
+          </p:cNvPr>
+          <p:cNvSpPr txBox="1"/>
+          <p:nvPr/>
+        </p:nvSpPr>
+        <p:spPr>
+          <a:xfrm>
+            <a:off x="7457013" y="5078540"/>
+            <a:ext cx="2860650" cy="369332"/>
+          </a:xfrm>
+          <a:prstGeom prst="rect">
+            <a:avLst/>
+          </a:prstGeom>
+          <a:noFill/>
+        </p:spPr>
+        <p:txBody>
+          <a:bodyPr wrap="square" rtlCol="0">
+            <a:spAutoFit/>
+          </a:bodyPr>
+          <a:lstStyle/>
+          <a:p>
+            <a:r>
+              <a:rPr lang="fr-FR" dirty="0"/>
+              <a:t>Utilisation de la boucle 4-20</a:t>
+            </a:r>
+          </a:p>
+        </p:txBody>
+      </p:sp>
+      <p:sp>
+        <p:nvSpPr>
+          <p:cNvPr id="5" name="ZoneTexte 4">
+            <a:extLst>
+              <a:ext uri="{FF2B5EF4-FFF2-40B4-BE49-F238E27FC236}">
+                <a16:creationId xmlns:a16="http://schemas.microsoft.com/office/drawing/2014/main" id="{B40B891D-AA45-4E59-AC5F-D2EA371A7D66}"/>
+              </a:ext>
+            </a:extLst>
+          </p:cNvPr>
+          <p:cNvSpPr txBox="1"/>
+          <p:nvPr/>
+        </p:nvSpPr>
+        <p:spPr>
+          <a:xfrm>
+            <a:off x="2457974" y="2922863"/>
+            <a:ext cx="3187817" cy="369332"/>
+          </a:xfrm>
+          <a:prstGeom prst="rect">
+            <a:avLst/>
+          </a:prstGeom>
+          <a:noFill/>
+        </p:spPr>
+        <p:txBody>
+          <a:bodyPr wrap="square" rtlCol="0">
+            <a:spAutoFit/>
+          </a:bodyPr>
+          <a:lstStyle/>
+          <a:p>
+            <a:r>
+              <a:rPr lang="fr-FR" dirty="0"/>
+              <a:t>Pulsation tous les 0,2mm d’eau</a:t>
+            </a:r>
+          </a:p>
+        </p:txBody>
+      </p:sp>
+      <p:sp>
+        <p:nvSpPr>
+          <p:cNvPr id="6" name="ZoneTexte 5">
+            <a:extLst>
+              <a:ext uri="{FF2B5EF4-FFF2-40B4-BE49-F238E27FC236}">
+                <a16:creationId xmlns:a16="http://schemas.microsoft.com/office/drawing/2014/main" id="{7E83B889-DF63-4B4C-A6D7-7A1F026B19F2}"/>
+              </a:ext>
+            </a:extLst>
+          </p:cNvPr>
+          <p:cNvSpPr txBox="1"/>
+          <p:nvPr/>
+        </p:nvSpPr>
+        <p:spPr>
+          <a:xfrm>
+            <a:off x="2457974" y="4417906"/>
+            <a:ext cx="3589425" cy="1754326"/>
+          </a:xfrm>
+          <a:prstGeom prst="rect">
+            <a:avLst/>
+          </a:prstGeom>
+          <a:noFill/>
+        </p:spPr>
+        <p:txBody>
+          <a:bodyPr wrap="square" rtlCol="0">
+            <a:spAutoFit/>
+          </a:bodyPr>
+          <a:lstStyle/>
+          <a:p>
+            <a:r>
+              <a:rPr lang="fr-FR" dirty="0"/>
+              <a:t>Vitesse : 1km/h = 1600 tours par heure</a:t>
+            </a:r>
+          </a:p>
+          <a:p>
+            <a:endParaRPr lang="fr-FR" dirty="0"/>
+          </a:p>
+          <a:p>
+            <a:r>
+              <a:rPr lang="fr-FR" dirty="0"/>
+              <a:t>Direction : utilisation du bus CAN pour convertir la tension en code puis en direction</a:t>
+            </a:r>
+          </a:p>
+        </p:txBody>
+      </p:sp>
+      <p:sp>
+        <p:nvSpPr>
+          <p:cNvPr id="7" name="ZoneTexte 6">
+            <a:extLst>
+              <a:ext uri="{FF2B5EF4-FFF2-40B4-BE49-F238E27FC236}">
+                <a16:creationId xmlns:a16="http://schemas.microsoft.com/office/drawing/2014/main" id="{4ED520D9-CAD2-4881-B369-D691693E0F68}"/>
+              </a:ext>
+            </a:extLst>
+          </p:cNvPr>
+          <p:cNvSpPr txBox="1"/>
+          <p:nvPr/>
+        </p:nvSpPr>
+        <p:spPr>
+          <a:xfrm>
+            <a:off x="7343741" y="1551166"/>
+            <a:ext cx="4372009" cy="646331"/>
+          </a:xfrm>
+          <a:prstGeom prst="rect">
+            <a:avLst/>
+          </a:prstGeom>
+          <a:noFill/>
+        </p:spPr>
+        <p:txBody>
+          <a:bodyPr wrap="square" rtlCol="0">
+            <a:spAutoFit/>
+          </a:bodyPr>
+          <a:lstStyle/>
+          <a:p>
+            <a:r>
+              <a:rPr lang="fr-FR" dirty="0"/>
+              <a:t>Utilisation des ports analogiques et digitales pour connecter les différents capteurs</a:t>
+            </a:r>
+          </a:p>
+        </p:txBody>
+      </p:sp>
+      <p:sp>
+        <p:nvSpPr>
+          <p:cNvPr id="9" name="ZoneTexte 8">
+            <a:extLst>
+              <a:ext uri="{FF2B5EF4-FFF2-40B4-BE49-F238E27FC236}">
+                <a16:creationId xmlns:a16="http://schemas.microsoft.com/office/drawing/2014/main" id="{DA4EBD6C-A43E-4361-8AA6-C03894AB84A7}"/>
+              </a:ext>
+            </a:extLst>
+          </p:cNvPr>
+          <p:cNvSpPr txBox="1"/>
+          <p:nvPr/>
+        </p:nvSpPr>
+        <p:spPr>
+          <a:xfrm>
+            <a:off x="7379275" y="3147508"/>
+            <a:ext cx="4391060" cy="646331"/>
+          </a:xfrm>
+          <a:prstGeom prst="rect">
+            <a:avLst/>
+          </a:prstGeom>
+          <a:noFill/>
+        </p:spPr>
+        <p:txBody>
+          <a:bodyPr wrap="square" rtlCol="0">
+            <a:spAutoFit/>
+          </a:bodyPr>
+          <a:lstStyle/>
+          <a:p>
+            <a:r>
+              <a:rPr lang="fr-FR" dirty="0"/>
+              <a:t>Utilisation de la Raspberry pour la connexion a l'Arduino puis a la base de données</a:t>
+            </a:r>
+          </a:p>
+        </p:txBody>
+      </p:sp>
+      <p:pic>
+        <p:nvPicPr>
+          <p:cNvPr id="35" name="Image 34">
+            <a:extLst>
+              <a:ext uri="{FF2B5EF4-FFF2-40B4-BE49-F238E27FC236}">
+                <a16:creationId xmlns:a16="http://schemas.microsoft.com/office/drawing/2014/main" id="{6A1CE2C4-95A0-49AE-86F2-2CDF5D1FD271}"/>
+              </a:ext>
+            </a:extLst>
+          </p:cNvPr>
+          <p:cNvPicPr>
+            <a:picLocks noChangeAspect="1"/>
+          </p:cNvPicPr>
+          <p:nvPr/>
+        </p:nvPicPr>
+        <p:blipFill>
+          <a:blip r:embed="rId9">
+            <a:extLst>
+              <a:ext uri="{28A0092B-C50C-407E-A947-70E740481C1C}">
+                <a14:useLocalDpi xmlns:a14="http://schemas.microsoft.com/office/drawing/2010/main" val="0"/>
+              </a:ext>
+            </a:extLst>
+          </a:blip>
+          <a:stretch>
+            <a:fillRect/>
+          </a:stretch>
+        </p:blipFill>
+        <p:spPr>
+          <a:xfrm>
+            <a:off x="1537305" y="5447872"/>
+            <a:ext cx="650296" cy="650296"/>
+          </a:xfrm>
+          <a:prstGeom prst="rect">
+            <a:avLst/>
+          </a:prstGeom>
+        </p:spPr>
+      </p:pic>
+      <p:pic>
+        <p:nvPicPr>
+          <p:cNvPr id="36" name="Image 35">
+            <a:extLst>
+              <a:ext uri="{FF2B5EF4-FFF2-40B4-BE49-F238E27FC236}">
+                <a16:creationId xmlns:a16="http://schemas.microsoft.com/office/drawing/2014/main" id="{DE5B6D72-9D52-4068-9B4C-E67F54E7F138}"/>
+              </a:ext>
+            </a:extLst>
+          </p:cNvPr>
+          <p:cNvPicPr>
+            <a:picLocks noChangeAspect="1"/>
+          </p:cNvPicPr>
+          <p:nvPr/>
+        </p:nvPicPr>
+        <p:blipFill>
+          <a:blip r:embed="rId10">
+            <a:extLst>
+              <a:ext uri="{28A0092B-C50C-407E-A947-70E740481C1C}">
+                <a14:useLocalDpi xmlns:a14="http://schemas.microsoft.com/office/drawing/2010/main" val="0"/>
+              </a:ext>
+            </a:extLst>
+          </a:blip>
+          <a:stretch>
+            <a:fillRect/>
+          </a:stretch>
+        </p:blipFill>
+        <p:spPr>
+          <a:xfrm>
+            <a:off x="1476878" y="4171501"/>
+            <a:ext cx="924460" cy="1003812"/>
           </a:xfrm>
           <a:prstGeom prst="rect">
             <a:avLst/>
@@ -19938,7 +21472,7 @@
     </p:spTree>
     <p:extLst>
       <p:ext uri="{BB962C8B-B14F-4D97-AF65-F5344CB8AC3E}">
-        <p14:creationId xmlns:p14="http://schemas.microsoft.com/office/powerpoint/2010/main" val="1093378480"/>
+        <p14:creationId xmlns:p14="http://schemas.microsoft.com/office/powerpoint/2010/main" val="4183481209"/>
       </p:ext>
     </p:extLst>
   </p:cSld>
@@ -19957,6 +21491,621 @@
       </p:transition>
     </mc:Fallback>
   </mc:AlternateContent>
+  <p:timing>
+    <p:tnLst>
+      <p:par>
+        <p:cTn id="1" dur="indefinite" restart="never" nodeType="tmRoot">
+          <p:childTnLst>
+            <p:seq concurrent="1" nextAc="seek">
+              <p:cTn id="2" dur="indefinite" nodeType="mainSeq">
+                <p:childTnLst>
+                  <p:par>
+                    <p:cTn id="3" fill="hold">
+                      <p:stCondLst>
+                        <p:cond delay="indefinite"/>
+                      </p:stCondLst>
+                      <p:childTnLst>
+                        <p:par>
+                          <p:cTn id="4" fill="hold">
+                            <p:stCondLst>
+                              <p:cond delay="0"/>
+                            </p:stCondLst>
+                            <p:childTnLst>
+                              <p:par>
+                                <p:cTn id="5" presetID="42" presetClass="entr" presetSubtype="0" fill="hold" nodeType="clickEffect">
+                                  <p:stCondLst>
+                                    <p:cond delay="0"/>
+                                  </p:stCondLst>
+                                  <p:childTnLst>
+                                    <p:set>
+                                      <p:cBhvr>
+                                        <p:cTn id="6" dur="1" fill="hold">
+                                          <p:stCondLst>
+                                            <p:cond delay="0"/>
+                                          </p:stCondLst>
+                                        </p:cTn>
+                                        <p:tgtEl>
+                                          <p:spTgt spid="24"/>
+                                        </p:tgtEl>
+                                        <p:attrNameLst>
+                                          <p:attrName>style.visibility</p:attrName>
+                                        </p:attrNameLst>
+                                      </p:cBhvr>
+                                      <p:to>
+                                        <p:strVal val="visible"/>
+                                      </p:to>
+                                    </p:set>
+                                    <p:animEffect transition="in" filter="fade">
+                                      <p:cBhvr>
+                                        <p:cTn id="7" dur="1000"/>
+                                        <p:tgtEl>
+                                          <p:spTgt spid="24"/>
+                                        </p:tgtEl>
+                                      </p:cBhvr>
+                                    </p:animEffect>
+                                    <p:anim calcmode="lin" valueType="num">
+                                      <p:cBhvr>
+                                        <p:cTn id="8" dur="1000" fill="hold"/>
+                                        <p:tgtEl>
+                                          <p:spTgt spid="24"/>
+                                        </p:tgtEl>
+                                        <p:attrNameLst>
+                                          <p:attrName>ppt_x</p:attrName>
+                                        </p:attrNameLst>
+                                      </p:cBhvr>
+                                      <p:tavLst>
+                                        <p:tav tm="0">
+                                          <p:val>
+                                            <p:strVal val="#ppt_x"/>
+                                          </p:val>
+                                        </p:tav>
+                                        <p:tav tm="100000">
+                                          <p:val>
+                                            <p:strVal val="#ppt_x"/>
+                                          </p:val>
+                                        </p:tav>
+                                      </p:tavLst>
+                                    </p:anim>
+                                    <p:anim calcmode="lin" valueType="num">
+                                      <p:cBhvr>
+                                        <p:cTn id="9" dur="1000" fill="hold"/>
+                                        <p:tgtEl>
+                                          <p:spTgt spid="24"/>
+                                        </p:tgtEl>
+                                        <p:attrNameLst>
+                                          <p:attrName>ppt_y</p:attrName>
+                                        </p:attrNameLst>
+                                      </p:cBhvr>
+                                      <p:tavLst>
+                                        <p:tav tm="0">
+                                          <p:val>
+                                            <p:strVal val="#ppt_y+.1"/>
+                                          </p:val>
+                                        </p:tav>
+                                        <p:tav tm="100000">
+                                          <p:val>
+                                            <p:strVal val="#ppt_y"/>
+                                          </p:val>
+                                        </p:tav>
+                                      </p:tavLst>
+                                    </p:anim>
+                                  </p:childTnLst>
+                                </p:cTn>
+                              </p:par>
+                              <p:par>
+                                <p:cTn id="10" presetID="42" presetClass="entr" presetSubtype="0" fill="hold" nodeType="withEffect">
+                                  <p:stCondLst>
+                                    <p:cond delay="0"/>
+                                  </p:stCondLst>
+                                  <p:childTnLst>
+                                    <p:set>
+                                      <p:cBhvr>
+                                        <p:cTn id="11" dur="1" fill="hold">
+                                          <p:stCondLst>
+                                            <p:cond delay="0"/>
+                                          </p:stCondLst>
+                                        </p:cTn>
+                                        <p:tgtEl>
+                                          <p:spTgt spid="25"/>
+                                        </p:tgtEl>
+                                        <p:attrNameLst>
+                                          <p:attrName>style.visibility</p:attrName>
+                                        </p:attrNameLst>
+                                      </p:cBhvr>
+                                      <p:to>
+                                        <p:strVal val="visible"/>
+                                      </p:to>
+                                    </p:set>
+                                    <p:animEffect transition="in" filter="fade">
+                                      <p:cBhvr>
+                                        <p:cTn id="12" dur="1000"/>
+                                        <p:tgtEl>
+                                          <p:spTgt spid="25"/>
+                                        </p:tgtEl>
+                                      </p:cBhvr>
+                                    </p:animEffect>
+                                    <p:anim calcmode="lin" valueType="num">
+                                      <p:cBhvr>
+                                        <p:cTn id="13" dur="1000" fill="hold"/>
+                                        <p:tgtEl>
+                                          <p:spTgt spid="25"/>
+                                        </p:tgtEl>
+                                        <p:attrNameLst>
+                                          <p:attrName>ppt_x</p:attrName>
+                                        </p:attrNameLst>
+                                      </p:cBhvr>
+                                      <p:tavLst>
+                                        <p:tav tm="0">
+                                          <p:val>
+                                            <p:strVal val="#ppt_x"/>
+                                          </p:val>
+                                        </p:tav>
+                                        <p:tav tm="100000">
+                                          <p:val>
+                                            <p:strVal val="#ppt_x"/>
+                                          </p:val>
+                                        </p:tav>
+                                      </p:tavLst>
+                                    </p:anim>
+                                    <p:anim calcmode="lin" valueType="num">
+                                      <p:cBhvr>
+                                        <p:cTn id="14" dur="1000" fill="hold"/>
+                                        <p:tgtEl>
+                                          <p:spTgt spid="25"/>
+                                        </p:tgtEl>
+                                        <p:attrNameLst>
+                                          <p:attrName>ppt_y</p:attrName>
+                                        </p:attrNameLst>
+                                      </p:cBhvr>
+                                      <p:tavLst>
+                                        <p:tav tm="0">
+                                          <p:val>
+                                            <p:strVal val="#ppt_y+.1"/>
+                                          </p:val>
+                                        </p:tav>
+                                        <p:tav tm="100000">
+                                          <p:val>
+                                            <p:strVal val="#ppt_y"/>
+                                          </p:val>
+                                        </p:tav>
+                                      </p:tavLst>
+                                    </p:anim>
+                                  </p:childTnLst>
+                                </p:cTn>
+                              </p:par>
+                              <p:par>
+                                <p:cTn id="15" presetID="42" presetClass="entr" presetSubtype="0" fill="hold" nodeType="withEffect">
+                                  <p:stCondLst>
+                                    <p:cond delay="0"/>
+                                  </p:stCondLst>
+                                  <p:childTnLst>
+                                    <p:set>
+                                      <p:cBhvr>
+                                        <p:cTn id="16" dur="1" fill="hold">
+                                          <p:stCondLst>
+                                            <p:cond delay="0"/>
+                                          </p:stCondLst>
+                                        </p:cTn>
+                                        <p:tgtEl>
+                                          <p:spTgt spid="28"/>
+                                        </p:tgtEl>
+                                        <p:attrNameLst>
+                                          <p:attrName>style.visibility</p:attrName>
+                                        </p:attrNameLst>
+                                      </p:cBhvr>
+                                      <p:to>
+                                        <p:strVal val="visible"/>
+                                      </p:to>
+                                    </p:set>
+                                    <p:animEffect transition="in" filter="fade">
+                                      <p:cBhvr>
+                                        <p:cTn id="17" dur="1000"/>
+                                        <p:tgtEl>
+                                          <p:spTgt spid="28"/>
+                                        </p:tgtEl>
+                                      </p:cBhvr>
+                                    </p:animEffect>
+                                    <p:anim calcmode="lin" valueType="num">
+                                      <p:cBhvr>
+                                        <p:cTn id="18" dur="1000" fill="hold"/>
+                                        <p:tgtEl>
+                                          <p:spTgt spid="28"/>
+                                        </p:tgtEl>
+                                        <p:attrNameLst>
+                                          <p:attrName>ppt_x</p:attrName>
+                                        </p:attrNameLst>
+                                      </p:cBhvr>
+                                      <p:tavLst>
+                                        <p:tav tm="0">
+                                          <p:val>
+                                            <p:strVal val="#ppt_x"/>
+                                          </p:val>
+                                        </p:tav>
+                                        <p:tav tm="100000">
+                                          <p:val>
+                                            <p:strVal val="#ppt_x"/>
+                                          </p:val>
+                                        </p:tav>
+                                      </p:tavLst>
+                                    </p:anim>
+                                    <p:anim calcmode="lin" valueType="num">
+                                      <p:cBhvr>
+                                        <p:cTn id="19" dur="1000" fill="hold"/>
+                                        <p:tgtEl>
+                                          <p:spTgt spid="28"/>
+                                        </p:tgtEl>
+                                        <p:attrNameLst>
+                                          <p:attrName>ppt_y</p:attrName>
+                                        </p:attrNameLst>
+                                      </p:cBhvr>
+                                      <p:tavLst>
+                                        <p:tav tm="0">
+                                          <p:val>
+                                            <p:strVal val="#ppt_y+.1"/>
+                                          </p:val>
+                                        </p:tav>
+                                        <p:tav tm="100000">
+                                          <p:val>
+                                            <p:strVal val="#ppt_y"/>
+                                          </p:val>
+                                        </p:tav>
+                                      </p:tavLst>
+                                    </p:anim>
+                                  </p:childTnLst>
+                                </p:cTn>
+                              </p:par>
+                              <p:par>
+                                <p:cTn id="20" presetID="42" presetClass="entr" presetSubtype="0" fill="hold" nodeType="withEffect">
+                                  <p:stCondLst>
+                                    <p:cond delay="0"/>
+                                  </p:stCondLst>
+                                  <p:childTnLst>
+                                    <p:set>
+                                      <p:cBhvr>
+                                        <p:cTn id="21" dur="1" fill="hold">
+                                          <p:stCondLst>
+                                            <p:cond delay="0"/>
+                                          </p:stCondLst>
+                                        </p:cTn>
+                                        <p:tgtEl>
+                                          <p:spTgt spid="29"/>
+                                        </p:tgtEl>
+                                        <p:attrNameLst>
+                                          <p:attrName>style.visibility</p:attrName>
+                                        </p:attrNameLst>
+                                      </p:cBhvr>
+                                      <p:to>
+                                        <p:strVal val="visible"/>
+                                      </p:to>
+                                    </p:set>
+                                    <p:animEffect transition="in" filter="fade">
+                                      <p:cBhvr>
+                                        <p:cTn id="22" dur="1000"/>
+                                        <p:tgtEl>
+                                          <p:spTgt spid="29"/>
+                                        </p:tgtEl>
+                                      </p:cBhvr>
+                                    </p:animEffect>
+                                    <p:anim calcmode="lin" valueType="num">
+                                      <p:cBhvr>
+                                        <p:cTn id="23" dur="1000" fill="hold"/>
+                                        <p:tgtEl>
+                                          <p:spTgt spid="29"/>
+                                        </p:tgtEl>
+                                        <p:attrNameLst>
+                                          <p:attrName>ppt_x</p:attrName>
+                                        </p:attrNameLst>
+                                      </p:cBhvr>
+                                      <p:tavLst>
+                                        <p:tav tm="0">
+                                          <p:val>
+                                            <p:strVal val="#ppt_x"/>
+                                          </p:val>
+                                        </p:tav>
+                                        <p:tav tm="100000">
+                                          <p:val>
+                                            <p:strVal val="#ppt_x"/>
+                                          </p:val>
+                                        </p:tav>
+                                      </p:tavLst>
+                                    </p:anim>
+                                    <p:anim calcmode="lin" valueType="num">
+                                      <p:cBhvr>
+                                        <p:cTn id="24" dur="1000" fill="hold"/>
+                                        <p:tgtEl>
+                                          <p:spTgt spid="29"/>
+                                        </p:tgtEl>
+                                        <p:attrNameLst>
+                                          <p:attrName>ppt_y</p:attrName>
+                                        </p:attrNameLst>
+                                      </p:cBhvr>
+                                      <p:tavLst>
+                                        <p:tav tm="0">
+                                          <p:val>
+                                            <p:strVal val="#ppt_y+.1"/>
+                                          </p:val>
+                                        </p:tav>
+                                        <p:tav tm="100000">
+                                          <p:val>
+                                            <p:strVal val="#ppt_y"/>
+                                          </p:val>
+                                        </p:tav>
+                                      </p:tavLst>
+                                    </p:anim>
+                                  </p:childTnLst>
+                                </p:cTn>
+                              </p:par>
+                              <p:par>
+                                <p:cTn id="25" presetID="42" presetClass="entr" presetSubtype="0" fill="hold" nodeType="withEffect">
+                                  <p:stCondLst>
+                                    <p:cond delay="0"/>
+                                  </p:stCondLst>
+                                  <p:childTnLst>
+                                    <p:set>
+                                      <p:cBhvr>
+                                        <p:cTn id="26" dur="1" fill="hold">
+                                          <p:stCondLst>
+                                            <p:cond delay="0"/>
+                                          </p:stCondLst>
+                                        </p:cTn>
+                                        <p:tgtEl>
+                                          <p:spTgt spid="36"/>
+                                        </p:tgtEl>
+                                        <p:attrNameLst>
+                                          <p:attrName>style.visibility</p:attrName>
+                                        </p:attrNameLst>
+                                      </p:cBhvr>
+                                      <p:to>
+                                        <p:strVal val="visible"/>
+                                      </p:to>
+                                    </p:set>
+                                    <p:animEffect transition="in" filter="fade">
+                                      <p:cBhvr>
+                                        <p:cTn id="27" dur="1000"/>
+                                        <p:tgtEl>
+                                          <p:spTgt spid="36"/>
+                                        </p:tgtEl>
+                                      </p:cBhvr>
+                                    </p:animEffect>
+                                    <p:anim calcmode="lin" valueType="num">
+                                      <p:cBhvr>
+                                        <p:cTn id="28" dur="1000" fill="hold"/>
+                                        <p:tgtEl>
+                                          <p:spTgt spid="36"/>
+                                        </p:tgtEl>
+                                        <p:attrNameLst>
+                                          <p:attrName>ppt_x</p:attrName>
+                                        </p:attrNameLst>
+                                      </p:cBhvr>
+                                      <p:tavLst>
+                                        <p:tav tm="0">
+                                          <p:val>
+                                            <p:strVal val="#ppt_x"/>
+                                          </p:val>
+                                        </p:tav>
+                                        <p:tav tm="100000">
+                                          <p:val>
+                                            <p:strVal val="#ppt_x"/>
+                                          </p:val>
+                                        </p:tav>
+                                      </p:tavLst>
+                                    </p:anim>
+                                    <p:anim calcmode="lin" valueType="num">
+                                      <p:cBhvr>
+                                        <p:cTn id="29" dur="1000" fill="hold"/>
+                                        <p:tgtEl>
+                                          <p:spTgt spid="36"/>
+                                        </p:tgtEl>
+                                        <p:attrNameLst>
+                                          <p:attrName>ppt_y</p:attrName>
+                                        </p:attrNameLst>
+                                      </p:cBhvr>
+                                      <p:tavLst>
+                                        <p:tav tm="0">
+                                          <p:val>
+                                            <p:strVal val="#ppt_y+.1"/>
+                                          </p:val>
+                                        </p:tav>
+                                        <p:tav tm="100000">
+                                          <p:val>
+                                            <p:strVal val="#ppt_y"/>
+                                          </p:val>
+                                        </p:tav>
+                                      </p:tavLst>
+                                    </p:anim>
+                                  </p:childTnLst>
+                                </p:cTn>
+                              </p:par>
+                              <p:par>
+                                <p:cTn id="30" presetID="42" presetClass="entr" presetSubtype="0" fill="hold" nodeType="withEffect">
+                                  <p:stCondLst>
+                                    <p:cond delay="0"/>
+                                  </p:stCondLst>
+                                  <p:childTnLst>
+                                    <p:set>
+                                      <p:cBhvr>
+                                        <p:cTn id="31" dur="1" fill="hold">
+                                          <p:stCondLst>
+                                            <p:cond delay="0"/>
+                                          </p:stCondLst>
+                                        </p:cTn>
+                                        <p:tgtEl>
+                                          <p:spTgt spid="35"/>
+                                        </p:tgtEl>
+                                        <p:attrNameLst>
+                                          <p:attrName>style.visibility</p:attrName>
+                                        </p:attrNameLst>
+                                      </p:cBhvr>
+                                      <p:to>
+                                        <p:strVal val="visible"/>
+                                      </p:to>
+                                    </p:set>
+                                    <p:animEffect transition="in" filter="fade">
+                                      <p:cBhvr>
+                                        <p:cTn id="32" dur="1000"/>
+                                        <p:tgtEl>
+                                          <p:spTgt spid="35"/>
+                                        </p:tgtEl>
+                                      </p:cBhvr>
+                                    </p:animEffect>
+                                    <p:anim calcmode="lin" valueType="num">
+                                      <p:cBhvr>
+                                        <p:cTn id="33" dur="1000" fill="hold"/>
+                                        <p:tgtEl>
+                                          <p:spTgt spid="35"/>
+                                        </p:tgtEl>
+                                        <p:attrNameLst>
+                                          <p:attrName>ppt_x</p:attrName>
+                                        </p:attrNameLst>
+                                      </p:cBhvr>
+                                      <p:tavLst>
+                                        <p:tav tm="0">
+                                          <p:val>
+                                            <p:strVal val="#ppt_x"/>
+                                          </p:val>
+                                        </p:tav>
+                                        <p:tav tm="100000">
+                                          <p:val>
+                                            <p:strVal val="#ppt_x"/>
+                                          </p:val>
+                                        </p:tav>
+                                      </p:tavLst>
+                                    </p:anim>
+                                    <p:anim calcmode="lin" valueType="num">
+                                      <p:cBhvr>
+                                        <p:cTn id="34" dur="1000" fill="hold"/>
+                                        <p:tgtEl>
+                                          <p:spTgt spid="35"/>
+                                        </p:tgtEl>
+                                        <p:attrNameLst>
+                                          <p:attrName>ppt_y</p:attrName>
+                                        </p:attrNameLst>
+                                      </p:cBhvr>
+                                      <p:tavLst>
+                                        <p:tav tm="0">
+                                          <p:val>
+                                            <p:strVal val="#ppt_y+.1"/>
+                                          </p:val>
+                                        </p:tav>
+                                        <p:tav tm="100000">
+                                          <p:val>
+                                            <p:strVal val="#ppt_y"/>
+                                          </p:val>
+                                        </p:tav>
+                                      </p:tavLst>
+                                    </p:anim>
+                                  </p:childTnLst>
+                                </p:cTn>
+                              </p:par>
+                              <p:par>
+                                <p:cTn id="35" presetID="42" presetClass="entr" presetSubtype="0" fill="hold" nodeType="withEffect">
+                                  <p:stCondLst>
+                                    <p:cond delay="0"/>
+                                  </p:stCondLst>
+                                  <p:childTnLst>
+                                    <p:set>
+                                      <p:cBhvr>
+                                        <p:cTn id="36" dur="1" fill="hold">
+                                          <p:stCondLst>
+                                            <p:cond delay="0"/>
+                                          </p:stCondLst>
+                                        </p:cTn>
+                                        <p:tgtEl>
+                                          <p:spTgt spid="4"/>
+                                        </p:tgtEl>
+                                        <p:attrNameLst>
+                                          <p:attrName>style.visibility</p:attrName>
+                                        </p:attrNameLst>
+                                      </p:cBhvr>
+                                      <p:to>
+                                        <p:strVal val="visible"/>
+                                      </p:to>
+                                    </p:set>
+                                    <p:animEffect transition="in" filter="fade">
+                                      <p:cBhvr>
+                                        <p:cTn id="37" dur="1000"/>
+                                        <p:tgtEl>
+                                          <p:spTgt spid="4"/>
+                                        </p:tgtEl>
+                                      </p:cBhvr>
+                                    </p:animEffect>
+                                    <p:anim calcmode="lin" valueType="num">
+                                      <p:cBhvr>
+                                        <p:cTn id="38" dur="1000" fill="hold"/>
+                                        <p:tgtEl>
+                                          <p:spTgt spid="4"/>
+                                        </p:tgtEl>
+                                        <p:attrNameLst>
+                                          <p:attrName>ppt_x</p:attrName>
+                                        </p:attrNameLst>
+                                      </p:cBhvr>
+                                      <p:tavLst>
+                                        <p:tav tm="0">
+                                          <p:val>
+                                            <p:strVal val="#ppt_x"/>
+                                          </p:val>
+                                        </p:tav>
+                                        <p:tav tm="100000">
+                                          <p:val>
+                                            <p:strVal val="#ppt_x"/>
+                                          </p:val>
+                                        </p:tav>
+                                      </p:tavLst>
+                                    </p:anim>
+                                    <p:anim calcmode="lin" valueType="num">
+                                      <p:cBhvr>
+                                        <p:cTn id="39" dur="1000" fill="hold"/>
+                                        <p:tgtEl>
+                                          <p:spTgt spid="4"/>
+                                        </p:tgtEl>
+                                        <p:attrNameLst>
+                                          <p:attrName>ppt_y</p:attrName>
+                                        </p:attrNameLst>
+                                      </p:cBhvr>
+                                      <p:tavLst>
+                                        <p:tav tm="0">
+                                          <p:val>
+                                            <p:strVal val="#ppt_y+.1"/>
+                                          </p:val>
+                                        </p:tav>
+                                        <p:tav tm="100000">
+                                          <p:val>
+                                            <p:strVal val="#ppt_y"/>
+                                          </p:val>
+                                        </p:tav>
+                                      </p:tavLst>
+                                    </p:anim>
+                                  </p:childTnLst>
+                                </p:cTn>
+                              </p:par>
+                            </p:childTnLst>
+                          </p:cTn>
+                        </p:par>
+                      </p:childTnLst>
+                    </p:cTn>
+                  </p:par>
+                </p:childTnLst>
+              </p:cTn>
+              <p:prevCondLst>
+                <p:cond evt="onPrev" delay="0">
+                  <p:tgtEl>
+                    <p:sldTgt/>
+                  </p:tgtEl>
+                </p:cond>
+              </p:prevCondLst>
+              <p:nextCondLst>
+                <p:cond evt="onNext" delay="0">
+                  <p:tgtEl>
+                    <p:sldTgt/>
+                  </p:tgtEl>
+                </p:cond>
+              </p:nextCondLst>
+            </p:seq>
+          </p:childTnLst>
+        </p:cTn>
+      </p:par>
+    </p:tnLst>
+  </p:timing>
 </p:sld>
 </file>
 
@@ -20731,12 +22880,48 @@
           </a:fontRef>
         </p:style>
       </p:cxnSp>
+      <p:pic>
+        <p:nvPicPr>
+          <p:cNvPr id="24" name="Image 23">
+            <a:extLst>
+              <a:ext uri="{FF2B5EF4-FFF2-40B4-BE49-F238E27FC236}">
+                <a16:creationId xmlns:a16="http://schemas.microsoft.com/office/drawing/2014/main" id="{7A11CD42-93A2-4CE9-8917-661C6FDC8EB2}"/>
+              </a:ext>
+            </a:extLst>
+          </p:cNvPr>
+          <p:cNvPicPr>
+            <a:picLocks noChangeAspect="1"/>
+          </p:cNvPicPr>
+          <p:nvPr/>
+        </p:nvPicPr>
+        <p:blipFill>
+          <a:blip r:embed="rId4">
+            <a:extLst>
+              <a:ext uri="{28A0092B-C50C-407E-A947-70E740481C1C}">
+                <a14:useLocalDpi xmlns:a14="http://schemas.microsoft.com/office/drawing/2010/main" val="0"/>
+              </a:ext>
+            </a:extLst>
+          </a:blip>
+          <a:stretch>
+            <a:fillRect/>
+          </a:stretch>
+        </p:blipFill>
+        <p:spPr>
+          <a:xfrm>
+            <a:off x="1655727" y="2046914"/>
+            <a:ext cx="7028292" cy="4777614"/>
+          </a:xfrm>
+          <a:prstGeom prst="rect">
+            <a:avLst/>
+          </a:prstGeom>
+        </p:spPr>
+      </p:pic>
       <p:sp>
         <p:nvSpPr>
-          <p:cNvPr id="2" name="ZoneTexte 1">
-            <a:extLst>
-              <a:ext uri="{FF2B5EF4-FFF2-40B4-BE49-F238E27FC236}">
-                <a16:creationId xmlns:a16="http://schemas.microsoft.com/office/drawing/2014/main" id="{27396238-7A76-4B8F-981D-280A71EC12F4}"/>
+          <p:cNvPr id="4" name="ZoneTexte 3">
+            <a:extLst>
+              <a:ext uri="{FF2B5EF4-FFF2-40B4-BE49-F238E27FC236}">
+                <a16:creationId xmlns:a16="http://schemas.microsoft.com/office/drawing/2014/main" id="{E77BD0C0-B104-436D-A198-D80CD647A659}"/>
               </a:ext>
             </a:extLst>
           </p:cNvPr>
@@ -20745,8 +22930,8 @@
         </p:nvSpPr>
         <p:spPr>
           <a:xfrm>
-            <a:off x="3228837" y="553547"/>
-            <a:ext cx="4675598" cy="769441"/>
+            <a:off x="2988527" y="691412"/>
+            <a:ext cx="6243927" cy="1446550"/>
           </a:xfrm>
           <a:prstGeom prst="rect">
             <a:avLst/>
@@ -20763,51 +22948,15 @@
               <a:rPr lang="fr-FR" sz="4400" dirty="0">
                 <a:latin typeface="Berlin Sans FB" panose="020E0602020502020306" pitchFamily="34" charset="0"/>
               </a:rPr>
-              <a:t>Base de données</a:t>
+              <a:t>Diagramme de cas d’utilisation</a:t>
             </a:r>
           </a:p>
         </p:txBody>
       </p:sp>
-      <p:pic>
-        <p:nvPicPr>
-          <p:cNvPr id="4" name="Image 3">
-            <a:extLst>
-              <a:ext uri="{FF2B5EF4-FFF2-40B4-BE49-F238E27FC236}">
-                <a16:creationId xmlns:a16="http://schemas.microsoft.com/office/drawing/2014/main" id="{8B26BEA2-EF2C-479A-B8FC-3E647E6B0735}"/>
-              </a:ext>
-            </a:extLst>
-          </p:cNvPr>
-          <p:cNvPicPr>
-            <a:picLocks noChangeAspect="1"/>
-          </p:cNvPicPr>
-          <p:nvPr/>
-        </p:nvPicPr>
-        <p:blipFill>
-          <a:blip r:embed="rId4">
-            <a:extLst>
-              <a:ext uri="{28A0092B-C50C-407E-A947-70E740481C1C}">
-                <a14:useLocalDpi xmlns:a14="http://schemas.microsoft.com/office/drawing/2010/main" val="0"/>
-              </a:ext>
-            </a:extLst>
-          </a:blip>
-          <a:stretch>
-            <a:fillRect/>
-          </a:stretch>
-        </p:blipFill>
-        <p:spPr>
-          <a:xfrm>
-            <a:off x="1487085" y="1464993"/>
-            <a:ext cx="10145003" cy="5253048"/>
-          </a:xfrm>
-          <a:prstGeom prst="rect">
-            <a:avLst/>
-          </a:prstGeom>
-        </p:spPr>
-      </p:pic>
     </p:spTree>
     <p:extLst>
       <p:ext uri="{BB962C8B-B14F-4D97-AF65-F5344CB8AC3E}">
-        <p14:creationId xmlns:p14="http://schemas.microsoft.com/office/powerpoint/2010/main" val="3188051435"/>
+        <p14:creationId xmlns:p14="http://schemas.microsoft.com/office/powerpoint/2010/main" val="2016876074"/>
       </p:ext>
     </p:extLst>
   </p:cSld>

--- a/oral_projet/revue_2/diaporama_revue_2_steven.pptx
+++ b/oral_projet/revue_2/diaporama_revue_2_steven.pptx
@@ -5,7 +5,7 @@
     <p:sldMasterId id="2147483648" r:id="rId1"/>
   </p:sldMasterIdLst>
   <p:notesMasterIdLst>
-    <p:notesMasterId r:id="rId18"/>
+    <p:notesMasterId r:id="rId15"/>
   </p:notesMasterIdLst>
   <p:sldIdLst>
     <p:sldId id="256" r:id="rId2"/>
@@ -19,11 +19,8 @@
     <p:sldId id="262" r:id="rId10"/>
     <p:sldId id="263" r:id="rId11"/>
     <p:sldId id="268" r:id="rId12"/>
-    <p:sldId id="272" r:id="rId13"/>
-    <p:sldId id="273" r:id="rId14"/>
-    <p:sldId id="274" r:id="rId15"/>
-    <p:sldId id="271" r:id="rId16"/>
-    <p:sldId id="269" r:id="rId17"/>
+    <p:sldId id="271" r:id="rId13"/>
+    <p:sldId id="269" r:id="rId14"/>
   </p:sldIdLst>
   <p:sldSz cx="12192000" cy="6858000"/>
   <p:notesSz cx="6858000" cy="9144000"/>
@@ -6788,7 +6785,7 @@
         </p:nvSpPr>
         <p:spPr bwMode="auto">
           <a:xfrm>
-            <a:off x="3576787" y="2526007"/>
+            <a:off x="3576787" y="2475758"/>
             <a:ext cx="647700" cy="396875"/>
           </a:xfrm>
           <a:prstGeom prst="rect">
@@ -7529,7 +7526,7 @@
         </p:nvCxnSpPr>
         <p:spPr>
           <a:xfrm flipV="1">
-            <a:off x="6718171" y="3865366"/>
+            <a:off x="6718171" y="3882622"/>
             <a:ext cx="467995" cy="348615"/>
           </a:xfrm>
           <a:prstGeom prst="bentConnector3">
@@ -8410,43 +8407,7 @@
         </p:nvCxnSpPr>
         <p:spPr>
           <a:xfrm flipV="1">
-            <a:off x="3900637" y="2774842"/>
-            <a:ext cx="0" cy="106045"/>
-          </a:xfrm>
-          <a:prstGeom prst="line">
-            <a:avLst/>
-          </a:prstGeom>
-        </p:spPr>
-        <p:style>
-          <a:lnRef idx="1">
-            <a:schemeClr val="dk1"/>
-          </a:lnRef>
-          <a:fillRef idx="0">
-            <a:schemeClr val="dk1"/>
-          </a:fillRef>
-          <a:effectRef idx="0">
-            <a:schemeClr val="dk1"/>
-          </a:effectRef>
-          <a:fontRef idx="minor">
-            <a:schemeClr val="tx1"/>
-          </a:fontRef>
-        </p:style>
-      </p:cxnSp>
-      <p:cxnSp>
-        <p:nvCxnSpPr>
-          <p:cNvPr id="66" name="Connecteur droit 65">
-            <a:extLst>
-              <a:ext uri="{FF2B5EF4-FFF2-40B4-BE49-F238E27FC236}">
-                <a16:creationId xmlns:a16="http://schemas.microsoft.com/office/drawing/2014/main" id="{B99B0FD4-E781-4E4A-A66E-D69DD80F35C1}"/>
-              </a:ext>
-            </a:extLst>
-          </p:cNvPr>
-          <p:cNvCxnSpPr/>
-          <p:nvPr/>
-        </p:nvCxnSpPr>
-        <p:spPr>
-          <a:xfrm flipV="1">
-            <a:off x="3900637" y="2731980"/>
+            <a:off x="3900637" y="2721820"/>
             <a:ext cx="0" cy="106045"/>
           </a:xfrm>
           <a:prstGeom prst="line">
@@ -8484,7 +8445,7 @@
         </p:nvCxnSpPr>
         <p:spPr>
           <a:xfrm flipV="1">
-            <a:off x="4027002" y="2759269"/>
+            <a:off x="4027002" y="2721819"/>
             <a:ext cx="0" cy="106045"/>
           </a:xfrm>
           <a:prstGeom prst="line">
@@ -9316,2685 +9277,6 @@
         </p:nvSpPr>
         <p:spPr>
           <a:xfrm>
-            <a:off x="3714642" y="523056"/>
-            <a:ext cx="5110576" cy="769441"/>
-          </a:xfrm>
-          <a:prstGeom prst="rect">
-            <a:avLst/>
-          </a:prstGeom>
-          <a:noFill/>
-        </p:spPr>
-        <p:txBody>
-          <a:bodyPr wrap="square" rtlCol="0">
-            <a:spAutoFit/>
-          </a:bodyPr>
-          <a:lstStyle/>
-          <a:p>
-            <a:r>
-              <a:rPr lang="fr-FR" sz="4400" dirty="0">
-                <a:latin typeface="Berlin Sans FB" panose="020E0602020502020306" pitchFamily="34" charset="0"/>
-              </a:rPr>
-              <a:t>Solutions trouvées</a:t>
-            </a:r>
-          </a:p>
-        </p:txBody>
-      </p:sp>
-      <p:sp>
-        <p:nvSpPr>
-          <p:cNvPr id="7" name="ZoneTexte 6">
-            <a:extLst>
-              <a:ext uri="{FF2B5EF4-FFF2-40B4-BE49-F238E27FC236}">
-                <a16:creationId xmlns:a16="http://schemas.microsoft.com/office/drawing/2014/main" id="{F5143EC5-EF8B-4615-B050-3E12BF28AC28}"/>
-              </a:ext>
-            </a:extLst>
-          </p:cNvPr>
-          <p:cNvSpPr txBox="1"/>
-          <p:nvPr/>
-        </p:nvSpPr>
-        <p:spPr>
-          <a:xfrm>
-            <a:off x="3714642" y="1427584"/>
-            <a:ext cx="4309685" cy="523220"/>
-          </a:xfrm>
-          <a:prstGeom prst="rect">
-            <a:avLst/>
-          </a:prstGeom>
-          <a:noFill/>
-        </p:spPr>
-        <p:txBody>
-          <a:bodyPr wrap="square" rtlCol="0">
-            <a:spAutoFit/>
-          </a:bodyPr>
-          <a:lstStyle/>
-          <a:p>
-            <a:r>
-              <a:rPr lang="fr-FR" sz="2800" dirty="0"/>
-              <a:t>Partie 2 : Pluviomètre</a:t>
-            </a:r>
-          </a:p>
-        </p:txBody>
-      </p:sp>
-    </p:spTree>
-    <p:extLst>
-      <p:ext uri="{BB962C8B-B14F-4D97-AF65-F5344CB8AC3E}">
-        <p14:creationId xmlns:p14="http://schemas.microsoft.com/office/powerpoint/2010/main" val="929400112"/>
-      </p:ext>
-    </p:extLst>
-  </p:cSld>
-  <p:clrMapOvr>
-    <a:masterClrMapping/>
-  </p:clrMapOvr>
-  <mc:AlternateContent xmlns:mc="http://schemas.openxmlformats.org/markup-compatibility/2006" xmlns:p14="http://schemas.microsoft.com/office/powerpoint/2010/main">
-    <mc:Choice Requires="p14">
-      <p:transition spd="slow">
-        <p14:reveal/>
-      </p:transition>
-    </mc:Choice>
-    <mc:Fallback xmlns="">
-      <p:transition spd="slow">
-        <p:fade/>
-      </p:transition>
-    </mc:Fallback>
-  </mc:AlternateContent>
-</p:sld>
-</file>
-
-<file path=ppt/slides/slide13.xml><?xml version="1.0" encoding="utf-8"?>
-<p:sld xmlns:a="http://schemas.openxmlformats.org/drawingml/2006/main" xmlns:r="http://schemas.openxmlformats.org/officeDocument/2006/relationships" xmlns:p="http://schemas.openxmlformats.org/presentationml/2006/main">
-  <p:cSld>
-    <p:spTree>
-      <p:nvGrpSpPr>
-        <p:cNvPr id="1" name=""/>
-        <p:cNvGrpSpPr/>
-        <p:nvPr/>
-      </p:nvGrpSpPr>
-      <p:grpSpPr>
-        <a:xfrm>
-          <a:off x="0" y="0"/>
-          <a:ext cx="0" cy="0"/>
-          <a:chOff x="0" y="0"/>
-          <a:chExt cx="0" cy="0"/>
-        </a:xfrm>
-      </p:grpSpPr>
-      <p:pic>
-        <p:nvPicPr>
-          <p:cNvPr id="8" name="Image 7">
-            <a:extLst>
-              <a:ext uri="{FF2B5EF4-FFF2-40B4-BE49-F238E27FC236}">
-                <a16:creationId xmlns:a16="http://schemas.microsoft.com/office/drawing/2014/main" id="{2BB825C5-31DA-4A56-85EA-536DBF510A31}"/>
-              </a:ext>
-            </a:extLst>
-          </p:cNvPr>
-          <p:cNvPicPr>
-            <a:picLocks noChangeAspect="1"/>
-          </p:cNvPicPr>
-          <p:nvPr/>
-        </p:nvPicPr>
-        <p:blipFill>
-          <a:blip r:embed="rId2">
-            <a:extLst>
-              <a:ext uri="{28A0092B-C50C-407E-A947-70E740481C1C}">
-                <a14:useLocalDpi xmlns:a14="http://schemas.microsoft.com/office/drawing/2010/main" val="0"/>
-              </a:ext>
-            </a:extLst>
-          </a:blip>
-          <a:stretch>
-            <a:fillRect/>
-          </a:stretch>
-        </p:blipFill>
-        <p:spPr>
-          <a:xfrm>
-            <a:off x="1068751" y="66457"/>
-            <a:ext cx="1259497" cy="776690"/>
-          </a:xfrm>
-          <a:prstGeom prst="rect">
-            <a:avLst/>
-          </a:prstGeom>
-        </p:spPr>
-      </p:pic>
-      <p:pic>
-        <p:nvPicPr>
-          <p:cNvPr id="10" name="Image 9">
-            <a:extLst>
-              <a:ext uri="{FF2B5EF4-FFF2-40B4-BE49-F238E27FC236}">
-                <a16:creationId xmlns:a16="http://schemas.microsoft.com/office/drawing/2014/main" id="{8EE7436F-49F2-41E0-93E4-D247B4705294}"/>
-              </a:ext>
-            </a:extLst>
-          </p:cNvPr>
-          <p:cNvPicPr>
-            <a:picLocks noChangeAspect="1"/>
-          </p:cNvPicPr>
-          <p:nvPr/>
-        </p:nvPicPr>
-        <p:blipFill>
-          <a:blip r:embed="rId3">
-            <a:extLst>
-              <a:ext uri="{28A0092B-C50C-407E-A947-70E740481C1C}">
-                <a14:useLocalDpi xmlns:a14="http://schemas.microsoft.com/office/drawing/2010/main" val="0"/>
-              </a:ext>
-            </a:extLst>
-          </a:blip>
-          <a:stretch>
-            <a:fillRect/>
-          </a:stretch>
-        </p:blipFill>
-        <p:spPr>
-          <a:xfrm>
-            <a:off x="9681085" y="238153"/>
-            <a:ext cx="1802101" cy="569807"/>
-          </a:xfrm>
-          <a:prstGeom prst="rect">
-            <a:avLst/>
-          </a:prstGeom>
-        </p:spPr>
-      </p:pic>
-      <p:cxnSp>
-        <p:nvCxnSpPr>
-          <p:cNvPr id="16" name="Connecteur droit 15">
-            <a:extLst>
-              <a:ext uri="{FF2B5EF4-FFF2-40B4-BE49-F238E27FC236}">
-                <a16:creationId xmlns:a16="http://schemas.microsoft.com/office/drawing/2014/main" id="{7319284A-BD6F-4A96-8E2B-E0A4B52E53C6}"/>
-              </a:ext>
-            </a:extLst>
-          </p:cNvPr>
-          <p:cNvCxnSpPr>
-            <a:cxnSpLocks/>
-          </p:cNvCxnSpPr>
-          <p:nvPr/>
-        </p:nvCxnSpPr>
-        <p:spPr>
-          <a:xfrm flipV="1">
-            <a:off x="0" y="454803"/>
-            <a:ext cx="738231" cy="1798"/>
-          </a:xfrm>
-          <a:prstGeom prst="line">
-            <a:avLst/>
-          </a:prstGeom>
-        </p:spPr>
-        <p:style>
-          <a:lnRef idx="3">
-            <a:schemeClr val="dk1"/>
-          </a:lnRef>
-          <a:fillRef idx="0">
-            <a:schemeClr val="dk1"/>
-          </a:fillRef>
-          <a:effectRef idx="2">
-            <a:schemeClr val="dk1"/>
-          </a:effectRef>
-          <a:fontRef idx="minor">
-            <a:schemeClr val="tx1"/>
-          </a:fontRef>
-        </p:style>
-      </p:cxnSp>
-      <p:cxnSp>
-        <p:nvCxnSpPr>
-          <p:cNvPr id="20" name="Connecteur droit 19">
-            <a:extLst>
-              <a:ext uri="{FF2B5EF4-FFF2-40B4-BE49-F238E27FC236}">
-                <a16:creationId xmlns:a16="http://schemas.microsoft.com/office/drawing/2014/main" id="{08874CF7-F149-4C81-B61E-74E18342BA8A}"/>
-              </a:ext>
-            </a:extLst>
-          </p:cNvPr>
-          <p:cNvCxnSpPr>
-            <a:cxnSpLocks/>
-          </p:cNvCxnSpPr>
-          <p:nvPr/>
-        </p:nvCxnSpPr>
-        <p:spPr>
-          <a:xfrm>
-            <a:off x="2573222" y="454803"/>
-            <a:ext cx="6829482" cy="10398"/>
-          </a:xfrm>
-          <a:prstGeom prst="line">
-            <a:avLst/>
-          </a:prstGeom>
-        </p:spPr>
-        <p:style>
-          <a:lnRef idx="3">
-            <a:schemeClr val="dk1"/>
-          </a:lnRef>
-          <a:fillRef idx="0">
-            <a:schemeClr val="dk1"/>
-          </a:fillRef>
-          <a:effectRef idx="2">
-            <a:schemeClr val="dk1"/>
-          </a:effectRef>
-          <a:fontRef idx="minor">
-            <a:schemeClr val="tx1"/>
-          </a:fontRef>
-        </p:style>
-      </p:cxnSp>
-      <p:cxnSp>
-        <p:nvCxnSpPr>
-          <p:cNvPr id="26" name="Connecteur droit 25">
-            <a:extLst>
-              <a:ext uri="{FF2B5EF4-FFF2-40B4-BE49-F238E27FC236}">
-                <a16:creationId xmlns:a16="http://schemas.microsoft.com/office/drawing/2014/main" id="{BB3B35CC-057B-48C1-880F-3306A6559175}"/>
-              </a:ext>
-            </a:extLst>
-          </p:cNvPr>
-          <p:cNvCxnSpPr>
-            <a:cxnSpLocks/>
-          </p:cNvCxnSpPr>
-          <p:nvPr/>
-        </p:nvCxnSpPr>
-        <p:spPr>
-          <a:xfrm>
-            <a:off x="738231" y="454803"/>
-            <a:ext cx="344203" cy="484764"/>
-          </a:xfrm>
-          <a:prstGeom prst="line">
-            <a:avLst/>
-          </a:prstGeom>
-        </p:spPr>
-        <p:style>
-          <a:lnRef idx="3">
-            <a:schemeClr val="dk1"/>
-          </a:lnRef>
-          <a:fillRef idx="0">
-            <a:schemeClr val="dk1"/>
-          </a:fillRef>
-          <a:effectRef idx="2">
-            <a:schemeClr val="dk1"/>
-          </a:effectRef>
-          <a:fontRef idx="minor">
-            <a:schemeClr val="tx1"/>
-          </a:fontRef>
-        </p:style>
-      </p:cxnSp>
-      <p:cxnSp>
-        <p:nvCxnSpPr>
-          <p:cNvPr id="32" name="Connecteur droit 31">
-            <a:extLst>
-              <a:ext uri="{FF2B5EF4-FFF2-40B4-BE49-F238E27FC236}">
-                <a16:creationId xmlns:a16="http://schemas.microsoft.com/office/drawing/2014/main" id="{4AD96496-1EB6-4E48-9BB2-5C255495C686}"/>
-              </a:ext>
-            </a:extLst>
-          </p:cNvPr>
-          <p:cNvCxnSpPr>
-            <a:cxnSpLocks/>
-          </p:cNvCxnSpPr>
-          <p:nvPr/>
-        </p:nvCxnSpPr>
-        <p:spPr>
-          <a:xfrm>
-            <a:off x="1082434" y="938268"/>
-            <a:ext cx="1146585" cy="0"/>
-          </a:xfrm>
-          <a:prstGeom prst="line">
-            <a:avLst/>
-          </a:prstGeom>
-        </p:spPr>
-        <p:style>
-          <a:lnRef idx="3">
-            <a:schemeClr val="dk1"/>
-          </a:lnRef>
-          <a:fillRef idx="0">
-            <a:schemeClr val="dk1"/>
-          </a:fillRef>
-          <a:effectRef idx="2">
-            <a:schemeClr val="dk1"/>
-          </a:effectRef>
-          <a:fontRef idx="minor">
-            <a:schemeClr val="tx1"/>
-          </a:fontRef>
-        </p:style>
-      </p:cxnSp>
-      <p:cxnSp>
-        <p:nvCxnSpPr>
-          <p:cNvPr id="51" name="Connecteur droit 50">
-            <a:extLst>
-              <a:ext uri="{FF2B5EF4-FFF2-40B4-BE49-F238E27FC236}">
-                <a16:creationId xmlns:a16="http://schemas.microsoft.com/office/drawing/2014/main" id="{C035BFA6-ECBF-4775-BA81-19D2CA41AA8D}"/>
-              </a:ext>
-            </a:extLst>
-          </p:cNvPr>
-          <p:cNvCxnSpPr>
-            <a:cxnSpLocks/>
-          </p:cNvCxnSpPr>
-          <p:nvPr/>
-        </p:nvCxnSpPr>
-        <p:spPr>
-          <a:xfrm>
-            <a:off x="9402704" y="465201"/>
-            <a:ext cx="344203" cy="495163"/>
-          </a:xfrm>
-          <a:prstGeom prst="line">
-            <a:avLst/>
-          </a:prstGeom>
-        </p:spPr>
-        <p:style>
-          <a:lnRef idx="3">
-            <a:schemeClr val="dk1"/>
-          </a:lnRef>
-          <a:fillRef idx="0">
-            <a:schemeClr val="dk1"/>
-          </a:fillRef>
-          <a:effectRef idx="2">
-            <a:schemeClr val="dk1"/>
-          </a:effectRef>
-          <a:fontRef idx="minor">
-            <a:schemeClr val="tx1"/>
-          </a:fontRef>
-        </p:style>
-      </p:cxnSp>
-      <p:cxnSp>
-        <p:nvCxnSpPr>
-          <p:cNvPr id="52" name="Connecteur droit 51">
-            <a:extLst>
-              <a:ext uri="{FF2B5EF4-FFF2-40B4-BE49-F238E27FC236}">
-                <a16:creationId xmlns:a16="http://schemas.microsoft.com/office/drawing/2014/main" id="{FA310BC7-694B-4984-99A2-61A1F4F6EBF9}"/>
-              </a:ext>
-            </a:extLst>
-          </p:cNvPr>
-          <p:cNvCxnSpPr>
-            <a:cxnSpLocks/>
-          </p:cNvCxnSpPr>
-          <p:nvPr/>
-        </p:nvCxnSpPr>
-        <p:spPr>
-          <a:xfrm flipH="1">
-            <a:off x="11370469" y="448308"/>
-            <a:ext cx="364332" cy="501657"/>
-          </a:xfrm>
-          <a:prstGeom prst="line">
-            <a:avLst/>
-          </a:prstGeom>
-        </p:spPr>
-        <p:style>
-          <a:lnRef idx="3">
-            <a:schemeClr val="dk1"/>
-          </a:lnRef>
-          <a:fillRef idx="0">
-            <a:schemeClr val="dk1"/>
-          </a:fillRef>
-          <a:effectRef idx="2">
-            <a:schemeClr val="dk1"/>
-          </a:effectRef>
-          <a:fontRef idx="minor">
-            <a:schemeClr val="tx1"/>
-          </a:fontRef>
-        </p:style>
-      </p:cxnSp>
-      <p:cxnSp>
-        <p:nvCxnSpPr>
-          <p:cNvPr id="53" name="Connecteur droit 52">
-            <a:extLst>
-              <a:ext uri="{FF2B5EF4-FFF2-40B4-BE49-F238E27FC236}">
-                <a16:creationId xmlns:a16="http://schemas.microsoft.com/office/drawing/2014/main" id="{BE0649BD-EE59-4DDA-960F-95B2572F9F13}"/>
-              </a:ext>
-            </a:extLst>
-          </p:cNvPr>
-          <p:cNvCxnSpPr>
-            <a:cxnSpLocks/>
-          </p:cNvCxnSpPr>
-          <p:nvPr/>
-        </p:nvCxnSpPr>
-        <p:spPr>
-          <a:xfrm>
-            <a:off x="9743203" y="949965"/>
-            <a:ext cx="1627266" cy="0"/>
-          </a:xfrm>
-          <a:prstGeom prst="line">
-            <a:avLst/>
-          </a:prstGeom>
-        </p:spPr>
-        <p:style>
-          <a:lnRef idx="3">
-            <a:schemeClr val="dk1"/>
-          </a:lnRef>
-          <a:fillRef idx="0">
-            <a:schemeClr val="dk1"/>
-          </a:fillRef>
-          <a:effectRef idx="2">
-            <a:schemeClr val="dk1"/>
-          </a:effectRef>
-          <a:fontRef idx="minor">
-            <a:schemeClr val="tx1"/>
-          </a:fontRef>
-        </p:style>
-      </p:cxnSp>
-      <p:cxnSp>
-        <p:nvCxnSpPr>
-          <p:cNvPr id="55" name="Connecteur droit 54">
-            <a:extLst>
-              <a:ext uri="{FF2B5EF4-FFF2-40B4-BE49-F238E27FC236}">
-                <a16:creationId xmlns:a16="http://schemas.microsoft.com/office/drawing/2014/main" id="{52AA9200-DAFA-4EEF-AC13-4C7CE82A59EC}"/>
-              </a:ext>
-            </a:extLst>
-          </p:cNvPr>
-          <p:cNvCxnSpPr>
-            <a:cxnSpLocks/>
-          </p:cNvCxnSpPr>
-          <p:nvPr/>
-        </p:nvCxnSpPr>
-        <p:spPr>
-          <a:xfrm>
-            <a:off x="11715750" y="454801"/>
-            <a:ext cx="476249" cy="10400"/>
-          </a:xfrm>
-          <a:prstGeom prst="line">
-            <a:avLst/>
-          </a:prstGeom>
-        </p:spPr>
-        <p:style>
-          <a:lnRef idx="3">
-            <a:schemeClr val="dk1"/>
-          </a:lnRef>
-          <a:fillRef idx="0">
-            <a:schemeClr val="dk1"/>
-          </a:fillRef>
-          <a:effectRef idx="2">
-            <a:schemeClr val="dk1"/>
-          </a:effectRef>
-          <a:fontRef idx="minor">
-            <a:schemeClr val="tx1"/>
-          </a:fontRef>
-        </p:style>
-      </p:cxnSp>
-      <p:cxnSp>
-        <p:nvCxnSpPr>
-          <p:cNvPr id="23" name="Connecteur droit 22">
-            <a:extLst>
-              <a:ext uri="{FF2B5EF4-FFF2-40B4-BE49-F238E27FC236}">
-                <a16:creationId xmlns:a16="http://schemas.microsoft.com/office/drawing/2014/main" id="{BCB092C8-0080-4E56-957E-0046D4C83988}"/>
-              </a:ext>
-            </a:extLst>
-          </p:cNvPr>
-          <p:cNvCxnSpPr>
-            <a:cxnSpLocks/>
-          </p:cNvCxnSpPr>
-          <p:nvPr/>
-        </p:nvCxnSpPr>
-        <p:spPr>
-          <a:xfrm flipH="1">
-            <a:off x="2216372" y="446356"/>
-            <a:ext cx="364332" cy="501657"/>
-          </a:xfrm>
-          <a:prstGeom prst="line">
-            <a:avLst/>
-          </a:prstGeom>
-        </p:spPr>
-        <p:style>
-          <a:lnRef idx="3">
-            <a:schemeClr val="dk1"/>
-          </a:lnRef>
-          <a:fillRef idx="0">
-            <a:schemeClr val="dk1"/>
-          </a:fillRef>
-          <a:effectRef idx="2">
-            <a:schemeClr val="dk1"/>
-          </a:effectRef>
-          <a:fontRef idx="minor">
-            <a:schemeClr val="tx1"/>
-          </a:fontRef>
-        </p:style>
-      </p:cxnSp>
-      <p:pic>
-        <p:nvPicPr>
-          <p:cNvPr id="57" name="Image 56">
-            <a:extLst>
-              <a:ext uri="{FF2B5EF4-FFF2-40B4-BE49-F238E27FC236}">
-                <a16:creationId xmlns:a16="http://schemas.microsoft.com/office/drawing/2014/main" id="{12B16FB2-5844-4B92-AE69-9BAC858C22BB}"/>
-              </a:ext>
-            </a:extLst>
-          </p:cNvPr>
-          <p:cNvPicPr>
-            <a:picLocks noChangeAspect="1"/>
-          </p:cNvPicPr>
-          <p:nvPr/>
-        </p:nvPicPr>
-        <p:blipFill>
-          <a:blip r:embed="rId3">
-            <a:extLst>
-              <a:ext uri="{28A0092B-C50C-407E-A947-70E740481C1C}">
-                <a14:useLocalDpi xmlns:a14="http://schemas.microsoft.com/office/drawing/2010/main" val="0"/>
-              </a:ext>
-            </a:extLst>
-          </a:blip>
-          <a:stretch>
-            <a:fillRect/>
-          </a:stretch>
-        </p:blipFill>
-        <p:spPr>
-          <a:xfrm>
-            <a:off x="9681085" y="238153"/>
-            <a:ext cx="1802101" cy="569807"/>
-          </a:xfrm>
-          <a:prstGeom prst="rect">
-            <a:avLst/>
-          </a:prstGeom>
-        </p:spPr>
-      </p:pic>
-      <p:cxnSp>
-        <p:nvCxnSpPr>
-          <p:cNvPr id="58" name="Connecteur droit 57">
-            <a:extLst>
-              <a:ext uri="{FF2B5EF4-FFF2-40B4-BE49-F238E27FC236}">
-                <a16:creationId xmlns:a16="http://schemas.microsoft.com/office/drawing/2014/main" id="{01599350-F8B0-4FDC-B003-981189A8D654}"/>
-              </a:ext>
-            </a:extLst>
-          </p:cNvPr>
-          <p:cNvCxnSpPr>
-            <a:cxnSpLocks/>
-          </p:cNvCxnSpPr>
-          <p:nvPr/>
-        </p:nvCxnSpPr>
-        <p:spPr>
-          <a:xfrm>
-            <a:off x="2573222" y="454803"/>
-            <a:ext cx="6829482" cy="10398"/>
-          </a:xfrm>
-          <a:prstGeom prst="line">
-            <a:avLst/>
-          </a:prstGeom>
-        </p:spPr>
-        <p:style>
-          <a:lnRef idx="3">
-            <a:schemeClr val="dk1"/>
-          </a:lnRef>
-          <a:fillRef idx="0">
-            <a:schemeClr val="dk1"/>
-          </a:fillRef>
-          <a:effectRef idx="2">
-            <a:schemeClr val="dk1"/>
-          </a:effectRef>
-          <a:fontRef idx="minor">
-            <a:schemeClr val="tx1"/>
-          </a:fontRef>
-        </p:style>
-      </p:cxnSp>
-      <p:cxnSp>
-        <p:nvCxnSpPr>
-          <p:cNvPr id="59" name="Connecteur droit 58">
-            <a:extLst>
-              <a:ext uri="{FF2B5EF4-FFF2-40B4-BE49-F238E27FC236}">
-                <a16:creationId xmlns:a16="http://schemas.microsoft.com/office/drawing/2014/main" id="{BC6E6150-6054-4785-84EC-0C46D82034C2}"/>
-              </a:ext>
-            </a:extLst>
-          </p:cNvPr>
-          <p:cNvCxnSpPr>
-            <a:cxnSpLocks/>
-          </p:cNvCxnSpPr>
-          <p:nvPr/>
-        </p:nvCxnSpPr>
-        <p:spPr>
-          <a:xfrm>
-            <a:off x="738231" y="454803"/>
-            <a:ext cx="344203" cy="484764"/>
-          </a:xfrm>
-          <a:prstGeom prst="line">
-            <a:avLst/>
-          </a:prstGeom>
-        </p:spPr>
-        <p:style>
-          <a:lnRef idx="3">
-            <a:schemeClr val="dk1"/>
-          </a:lnRef>
-          <a:fillRef idx="0">
-            <a:schemeClr val="dk1"/>
-          </a:fillRef>
-          <a:effectRef idx="2">
-            <a:schemeClr val="dk1"/>
-          </a:effectRef>
-          <a:fontRef idx="minor">
-            <a:schemeClr val="tx1"/>
-          </a:fontRef>
-        </p:style>
-      </p:cxnSp>
-      <p:cxnSp>
-        <p:nvCxnSpPr>
-          <p:cNvPr id="60" name="Connecteur droit 59">
-            <a:extLst>
-              <a:ext uri="{FF2B5EF4-FFF2-40B4-BE49-F238E27FC236}">
-                <a16:creationId xmlns:a16="http://schemas.microsoft.com/office/drawing/2014/main" id="{CBC9961A-8EC2-4287-A398-BCA4138D409D}"/>
-              </a:ext>
-            </a:extLst>
-          </p:cNvPr>
-          <p:cNvCxnSpPr>
-            <a:cxnSpLocks/>
-          </p:cNvCxnSpPr>
-          <p:nvPr/>
-        </p:nvCxnSpPr>
-        <p:spPr>
-          <a:xfrm>
-            <a:off x="1082434" y="938268"/>
-            <a:ext cx="1146585" cy="0"/>
-          </a:xfrm>
-          <a:prstGeom prst="line">
-            <a:avLst/>
-          </a:prstGeom>
-        </p:spPr>
-        <p:style>
-          <a:lnRef idx="3">
-            <a:schemeClr val="dk1"/>
-          </a:lnRef>
-          <a:fillRef idx="0">
-            <a:schemeClr val="dk1"/>
-          </a:fillRef>
-          <a:effectRef idx="2">
-            <a:schemeClr val="dk1"/>
-          </a:effectRef>
-          <a:fontRef idx="minor">
-            <a:schemeClr val="tx1"/>
-          </a:fontRef>
-        </p:style>
-      </p:cxnSp>
-      <p:cxnSp>
-        <p:nvCxnSpPr>
-          <p:cNvPr id="61" name="Connecteur droit 60">
-            <a:extLst>
-              <a:ext uri="{FF2B5EF4-FFF2-40B4-BE49-F238E27FC236}">
-                <a16:creationId xmlns:a16="http://schemas.microsoft.com/office/drawing/2014/main" id="{152B7C45-2543-4665-BC07-4DB71CA9F337}"/>
-              </a:ext>
-            </a:extLst>
-          </p:cNvPr>
-          <p:cNvCxnSpPr>
-            <a:cxnSpLocks/>
-          </p:cNvCxnSpPr>
-          <p:nvPr/>
-        </p:nvCxnSpPr>
-        <p:spPr>
-          <a:xfrm>
-            <a:off x="9402704" y="465201"/>
-            <a:ext cx="344203" cy="495163"/>
-          </a:xfrm>
-          <a:prstGeom prst="line">
-            <a:avLst/>
-          </a:prstGeom>
-        </p:spPr>
-        <p:style>
-          <a:lnRef idx="3">
-            <a:schemeClr val="dk1"/>
-          </a:lnRef>
-          <a:fillRef idx="0">
-            <a:schemeClr val="dk1"/>
-          </a:fillRef>
-          <a:effectRef idx="2">
-            <a:schemeClr val="dk1"/>
-          </a:effectRef>
-          <a:fontRef idx="minor">
-            <a:schemeClr val="tx1"/>
-          </a:fontRef>
-        </p:style>
-      </p:cxnSp>
-      <p:cxnSp>
-        <p:nvCxnSpPr>
-          <p:cNvPr id="62" name="Connecteur droit 61">
-            <a:extLst>
-              <a:ext uri="{FF2B5EF4-FFF2-40B4-BE49-F238E27FC236}">
-                <a16:creationId xmlns:a16="http://schemas.microsoft.com/office/drawing/2014/main" id="{00A84DC3-A112-46A3-B71C-04D85339323D}"/>
-              </a:ext>
-            </a:extLst>
-          </p:cNvPr>
-          <p:cNvCxnSpPr>
-            <a:cxnSpLocks/>
-          </p:cNvCxnSpPr>
-          <p:nvPr/>
-        </p:nvCxnSpPr>
-        <p:spPr>
-          <a:xfrm flipH="1">
-            <a:off x="11370469" y="448308"/>
-            <a:ext cx="364332" cy="501657"/>
-          </a:xfrm>
-          <a:prstGeom prst="line">
-            <a:avLst/>
-          </a:prstGeom>
-        </p:spPr>
-        <p:style>
-          <a:lnRef idx="3">
-            <a:schemeClr val="dk1"/>
-          </a:lnRef>
-          <a:fillRef idx="0">
-            <a:schemeClr val="dk1"/>
-          </a:fillRef>
-          <a:effectRef idx="2">
-            <a:schemeClr val="dk1"/>
-          </a:effectRef>
-          <a:fontRef idx="minor">
-            <a:schemeClr val="tx1"/>
-          </a:fontRef>
-        </p:style>
-      </p:cxnSp>
-      <p:cxnSp>
-        <p:nvCxnSpPr>
-          <p:cNvPr id="63" name="Connecteur droit 62">
-            <a:extLst>
-              <a:ext uri="{FF2B5EF4-FFF2-40B4-BE49-F238E27FC236}">
-                <a16:creationId xmlns:a16="http://schemas.microsoft.com/office/drawing/2014/main" id="{C50788C6-8F68-44EC-AB54-94C1D2FE554D}"/>
-              </a:ext>
-            </a:extLst>
-          </p:cNvPr>
-          <p:cNvCxnSpPr>
-            <a:cxnSpLocks/>
-          </p:cNvCxnSpPr>
-          <p:nvPr/>
-        </p:nvCxnSpPr>
-        <p:spPr>
-          <a:xfrm>
-            <a:off x="9743203" y="949965"/>
-            <a:ext cx="1627266" cy="0"/>
-          </a:xfrm>
-          <a:prstGeom prst="line">
-            <a:avLst/>
-          </a:prstGeom>
-        </p:spPr>
-        <p:style>
-          <a:lnRef idx="3">
-            <a:schemeClr val="dk1"/>
-          </a:lnRef>
-          <a:fillRef idx="0">
-            <a:schemeClr val="dk1"/>
-          </a:fillRef>
-          <a:effectRef idx="2">
-            <a:schemeClr val="dk1"/>
-          </a:effectRef>
-          <a:fontRef idx="minor">
-            <a:schemeClr val="tx1"/>
-          </a:fontRef>
-        </p:style>
-      </p:cxnSp>
-      <p:cxnSp>
-        <p:nvCxnSpPr>
-          <p:cNvPr id="64" name="Connecteur droit 63">
-            <a:extLst>
-              <a:ext uri="{FF2B5EF4-FFF2-40B4-BE49-F238E27FC236}">
-                <a16:creationId xmlns:a16="http://schemas.microsoft.com/office/drawing/2014/main" id="{BC4D4E5F-5636-45CB-873C-EC085AB307A3}"/>
-              </a:ext>
-            </a:extLst>
-          </p:cNvPr>
-          <p:cNvCxnSpPr>
-            <a:cxnSpLocks/>
-          </p:cNvCxnSpPr>
-          <p:nvPr/>
-        </p:nvCxnSpPr>
-        <p:spPr>
-          <a:xfrm>
-            <a:off x="11715750" y="454801"/>
-            <a:ext cx="476249" cy="10400"/>
-          </a:xfrm>
-          <a:prstGeom prst="line">
-            <a:avLst/>
-          </a:prstGeom>
-        </p:spPr>
-        <p:style>
-          <a:lnRef idx="3">
-            <a:schemeClr val="dk1"/>
-          </a:lnRef>
-          <a:fillRef idx="0">
-            <a:schemeClr val="dk1"/>
-          </a:fillRef>
-          <a:effectRef idx="2">
-            <a:schemeClr val="dk1"/>
-          </a:effectRef>
-          <a:fontRef idx="minor">
-            <a:schemeClr val="tx1"/>
-          </a:fontRef>
-        </p:style>
-      </p:cxnSp>
-      <p:cxnSp>
-        <p:nvCxnSpPr>
-          <p:cNvPr id="65" name="Connecteur droit 64">
-            <a:extLst>
-              <a:ext uri="{FF2B5EF4-FFF2-40B4-BE49-F238E27FC236}">
-                <a16:creationId xmlns:a16="http://schemas.microsoft.com/office/drawing/2014/main" id="{E6F6B4C5-0E3B-46C9-859D-EE774175D36F}"/>
-              </a:ext>
-            </a:extLst>
-          </p:cNvPr>
-          <p:cNvCxnSpPr>
-            <a:cxnSpLocks/>
-          </p:cNvCxnSpPr>
-          <p:nvPr/>
-        </p:nvCxnSpPr>
-        <p:spPr>
-          <a:xfrm flipH="1">
-            <a:off x="2216372" y="446356"/>
-            <a:ext cx="364332" cy="501657"/>
-          </a:xfrm>
-          <a:prstGeom prst="line">
-            <a:avLst/>
-          </a:prstGeom>
-        </p:spPr>
-        <p:style>
-          <a:lnRef idx="3">
-            <a:schemeClr val="dk1"/>
-          </a:lnRef>
-          <a:fillRef idx="0">
-            <a:schemeClr val="dk1"/>
-          </a:fillRef>
-          <a:effectRef idx="2">
-            <a:schemeClr val="dk1"/>
-          </a:effectRef>
-          <a:fontRef idx="minor">
-            <a:schemeClr val="tx1"/>
-          </a:fontRef>
-        </p:style>
-      </p:cxnSp>
-      <p:sp>
-        <p:nvSpPr>
-          <p:cNvPr id="2" name="ZoneTexte 1">
-            <a:extLst>
-              <a:ext uri="{FF2B5EF4-FFF2-40B4-BE49-F238E27FC236}">
-                <a16:creationId xmlns:a16="http://schemas.microsoft.com/office/drawing/2014/main" id="{128A5370-27C5-4A3F-98D7-D74D075851FE}"/>
-              </a:ext>
-            </a:extLst>
-          </p:cNvPr>
-          <p:cNvSpPr txBox="1"/>
-          <p:nvPr/>
-        </p:nvSpPr>
-        <p:spPr>
-          <a:xfrm>
-            <a:off x="3714642" y="523056"/>
-            <a:ext cx="5110576" cy="769441"/>
-          </a:xfrm>
-          <a:prstGeom prst="rect">
-            <a:avLst/>
-          </a:prstGeom>
-          <a:noFill/>
-        </p:spPr>
-        <p:txBody>
-          <a:bodyPr wrap="square" rtlCol="0">
-            <a:spAutoFit/>
-          </a:bodyPr>
-          <a:lstStyle/>
-          <a:p>
-            <a:r>
-              <a:rPr lang="fr-FR" sz="4400" dirty="0">
-                <a:latin typeface="Berlin Sans FB" panose="020E0602020502020306" pitchFamily="34" charset="0"/>
-              </a:rPr>
-              <a:t>Solutions trouvées</a:t>
-            </a:r>
-          </a:p>
-        </p:txBody>
-      </p:sp>
-      <p:sp>
-        <p:nvSpPr>
-          <p:cNvPr id="7" name="ZoneTexte 6">
-            <a:extLst>
-              <a:ext uri="{FF2B5EF4-FFF2-40B4-BE49-F238E27FC236}">
-                <a16:creationId xmlns:a16="http://schemas.microsoft.com/office/drawing/2014/main" id="{F5143EC5-EF8B-4615-B050-3E12BF28AC28}"/>
-              </a:ext>
-            </a:extLst>
-          </p:cNvPr>
-          <p:cNvSpPr txBox="1"/>
-          <p:nvPr/>
-        </p:nvSpPr>
-        <p:spPr>
-          <a:xfrm>
-            <a:off x="3714642" y="1427584"/>
-            <a:ext cx="4640793" cy="523220"/>
-          </a:xfrm>
-          <a:prstGeom prst="rect">
-            <a:avLst/>
-          </a:prstGeom>
-          <a:noFill/>
-        </p:spPr>
-        <p:txBody>
-          <a:bodyPr wrap="square" rtlCol="0">
-            <a:spAutoFit/>
-          </a:bodyPr>
-          <a:lstStyle/>
-          <a:p>
-            <a:r>
-              <a:rPr lang="fr-FR" sz="2800" dirty="0"/>
-              <a:t>Partie 3 : Sonde température</a:t>
-            </a:r>
-          </a:p>
-        </p:txBody>
-      </p:sp>
-      <p:sp>
-        <p:nvSpPr>
-          <p:cNvPr id="3" name="ZoneTexte 2">
-            <a:extLst>
-              <a:ext uri="{FF2B5EF4-FFF2-40B4-BE49-F238E27FC236}">
-                <a16:creationId xmlns:a16="http://schemas.microsoft.com/office/drawing/2014/main" id="{922E219F-129F-4BB0-B527-D93DB1C52C9A}"/>
-              </a:ext>
-            </a:extLst>
-          </p:cNvPr>
-          <p:cNvSpPr txBox="1"/>
-          <p:nvPr/>
-        </p:nvSpPr>
-        <p:spPr>
-          <a:xfrm>
-            <a:off x="4521667" y="3061982"/>
-            <a:ext cx="3212983" cy="1569660"/>
-          </a:xfrm>
-          <a:prstGeom prst="rect">
-            <a:avLst/>
-          </a:prstGeom>
-          <a:noFill/>
-        </p:spPr>
-        <p:txBody>
-          <a:bodyPr wrap="square" rtlCol="0">
-            <a:spAutoFit/>
-          </a:bodyPr>
-          <a:lstStyle/>
-          <a:p>
-            <a:r>
-              <a:rPr lang="fr-FR" sz="9600" dirty="0"/>
-              <a:t>NULL</a:t>
-            </a:r>
-          </a:p>
-        </p:txBody>
-      </p:sp>
-    </p:spTree>
-    <p:extLst>
-      <p:ext uri="{BB962C8B-B14F-4D97-AF65-F5344CB8AC3E}">
-        <p14:creationId xmlns:p14="http://schemas.microsoft.com/office/powerpoint/2010/main" val="2136634713"/>
-      </p:ext>
-    </p:extLst>
-  </p:cSld>
-  <p:clrMapOvr>
-    <a:masterClrMapping/>
-  </p:clrMapOvr>
-  <mc:AlternateContent xmlns:mc="http://schemas.openxmlformats.org/markup-compatibility/2006" xmlns:p14="http://schemas.microsoft.com/office/powerpoint/2010/main">
-    <mc:Choice Requires="p14">
-      <p:transition spd="slow">
-        <p14:reveal/>
-      </p:transition>
-    </mc:Choice>
-    <mc:Fallback xmlns="">
-      <p:transition spd="slow">
-        <p:fade/>
-      </p:transition>
-    </mc:Fallback>
-  </mc:AlternateContent>
-</p:sld>
-</file>
-
-<file path=ppt/slides/slide14.xml><?xml version="1.0" encoding="utf-8"?>
-<p:sld xmlns:a="http://schemas.openxmlformats.org/drawingml/2006/main" xmlns:r="http://schemas.openxmlformats.org/officeDocument/2006/relationships" xmlns:p="http://schemas.openxmlformats.org/presentationml/2006/main">
-  <p:cSld>
-    <p:spTree>
-      <p:nvGrpSpPr>
-        <p:cNvPr id="1" name=""/>
-        <p:cNvGrpSpPr/>
-        <p:nvPr/>
-      </p:nvGrpSpPr>
-      <p:grpSpPr>
-        <a:xfrm>
-          <a:off x="0" y="0"/>
-          <a:ext cx="0" cy="0"/>
-          <a:chOff x="0" y="0"/>
-          <a:chExt cx="0" cy="0"/>
-        </a:xfrm>
-      </p:grpSpPr>
-      <p:pic>
-        <p:nvPicPr>
-          <p:cNvPr id="8" name="Image 7">
-            <a:extLst>
-              <a:ext uri="{FF2B5EF4-FFF2-40B4-BE49-F238E27FC236}">
-                <a16:creationId xmlns:a16="http://schemas.microsoft.com/office/drawing/2014/main" id="{2BB825C5-31DA-4A56-85EA-536DBF510A31}"/>
-              </a:ext>
-            </a:extLst>
-          </p:cNvPr>
-          <p:cNvPicPr>
-            <a:picLocks noChangeAspect="1"/>
-          </p:cNvPicPr>
-          <p:nvPr/>
-        </p:nvPicPr>
-        <p:blipFill>
-          <a:blip r:embed="rId2">
-            <a:extLst>
-              <a:ext uri="{28A0092B-C50C-407E-A947-70E740481C1C}">
-                <a14:useLocalDpi xmlns:a14="http://schemas.microsoft.com/office/drawing/2010/main" val="0"/>
-              </a:ext>
-            </a:extLst>
-          </a:blip>
-          <a:stretch>
-            <a:fillRect/>
-          </a:stretch>
-        </p:blipFill>
-        <p:spPr>
-          <a:xfrm>
-            <a:off x="1068751" y="66457"/>
-            <a:ext cx="1259497" cy="776690"/>
-          </a:xfrm>
-          <a:prstGeom prst="rect">
-            <a:avLst/>
-          </a:prstGeom>
-        </p:spPr>
-      </p:pic>
-      <p:pic>
-        <p:nvPicPr>
-          <p:cNvPr id="10" name="Image 9">
-            <a:extLst>
-              <a:ext uri="{FF2B5EF4-FFF2-40B4-BE49-F238E27FC236}">
-                <a16:creationId xmlns:a16="http://schemas.microsoft.com/office/drawing/2014/main" id="{8EE7436F-49F2-41E0-93E4-D247B4705294}"/>
-              </a:ext>
-            </a:extLst>
-          </p:cNvPr>
-          <p:cNvPicPr>
-            <a:picLocks noChangeAspect="1"/>
-          </p:cNvPicPr>
-          <p:nvPr/>
-        </p:nvPicPr>
-        <p:blipFill>
-          <a:blip r:embed="rId3">
-            <a:extLst>
-              <a:ext uri="{28A0092B-C50C-407E-A947-70E740481C1C}">
-                <a14:useLocalDpi xmlns:a14="http://schemas.microsoft.com/office/drawing/2010/main" val="0"/>
-              </a:ext>
-            </a:extLst>
-          </a:blip>
-          <a:stretch>
-            <a:fillRect/>
-          </a:stretch>
-        </p:blipFill>
-        <p:spPr>
-          <a:xfrm>
-            <a:off x="9681085" y="238153"/>
-            <a:ext cx="1802101" cy="569807"/>
-          </a:xfrm>
-          <a:prstGeom prst="rect">
-            <a:avLst/>
-          </a:prstGeom>
-        </p:spPr>
-      </p:pic>
-      <p:cxnSp>
-        <p:nvCxnSpPr>
-          <p:cNvPr id="16" name="Connecteur droit 15">
-            <a:extLst>
-              <a:ext uri="{FF2B5EF4-FFF2-40B4-BE49-F238E27FC236}">
-                <a16:creationId xmlns:a16="http://schemas.microsoft.com/office/drawing/2014/main" id="{7319284A-BD6F-4A96-8E2B-E0A4B52E53C6}"/>
-              </a:ext>
-            </a:extLst>
-          </p:cNvPr>
-          <p:cNvCxnSpPr>
-            <a:cxnSpLocks/>
-          </p:cNvCxnSpPr>
-          <p:nvPr/>
-        </p:nvCxnSpPr>
-        <p:spPr>
-          <a:xfrm flipV="1">
-            <a:off x="0" y="454803"/>
-            <a:ext cx="738231" cy="1798"/>
-          </a:xfrm>
-          <a:prstGeom prst="line">
-            <a:avLst/>
-          </a:prstGeom>
-        </p:spPr>
-        <p:style>
-          <a:lnRef idx="3">
-            <a:schemeClr val="dk1"/>
-          </a:lnRef>
-          <a:fillRef idx="0">
-            <a:schemeClr val="dk1"/>
-          </a:fillRef>
-          <a:effectRef idx="2">
-            <a:schemeClr val="dk1"/>
-          </a:effectRef>
-          <a:fontRef idx="minor">
-            <a:schemeClr val="tx1"/>
-          </a:fontRef>
-        </p:style>
-      </p:cxnSp>
-      <p:cxnSp>
-        <p:nvCxnSpPr>
-          <p:cNvPr id="20" name="Connecteur droit 19">
-            <a:extLst>
-              <a:ext uri="{FF2B5EF4-FFF2-40B4-BE49-F238E27FC236}">
-                <a16:creationId xmlns:a16="http://schemas.microsoft.com/office/drawing/2014/main" id="{08874CF7-F149-4C81-B61E-74E18342BA8A}"/>
-              </a:ext>
-            </a:extLst>
-          </p:cNvPr>
-          <p:cNvCxnSpPr>
-            <a:cxnSpLocks/>
-          </p:cNvCxnSpPr>
-          <p:nvPr/>
-        </p:nvCxnSpPr>
-        <p:spPr>
-          <a:xfrm>
-            <a:off x="2573222" y="454803"/>
-            <a:ext cx="6829482" cy="10398"/>
-          </a:xfrm>
-          <a:prstGeom prst="line">
-            <a:avLst/>
-          </a:prstGeom>
-        </p:spPr>
-        <p:style>
-          <a:lnRef idx="3">
-            <a:schemeClr val="dk1"/>
-          </a:lnRef>
-          <a:fillRef idx="0">
-            <a:schemeClr val="dk1"/>
-          </a:fillRef>
-          <a:effectRef idx="2">
-            <a:schemeClr val="dk1"/>
-          </a:effectRef>
-          <a:fontRef idx="minor">
-            <a:schemeClr val="tx1"/>
-          </a:fontRef>
-        </p:style>
-      </p:cxnSp>
-      <p:cxnSp>
-        <p:nvCxnSpPr>
-          <p:cNvPr id="26" name="Connecteur droit 25">
-            <a:extLst>
-              <a:ext uri="{FF2B5EF4-FFF2-40B4-BE49-F238E27FC236}">
-                <a16:creationId xmlns:a16="http://schemas.microsoft.com/office/drawing/2014/main" id="{BB3B35CC-057B-48C1-880F-3306A6559175}"/>
-              </a:ext>
-            </a:extLst>
-          </p:cNvPr>
-          <p:cNvCxnSpPr>
-            <a:cxnSpLocks/>
-          </p:cNvCxnSpPr>
-          <p:nvPr/>
-        </p:nvCxnSpPr>
-        <p:spPr>
-          <a:xfrm>
-            <a:off x="738231" y="454803"/>
-            <a:ext cx="344203" cy="484764"/>
-          </a:xfrm>
-          <a:prstGeom prst="line">
-            <a:avLst/>
-          </a:prstGeom>
-        </p:spPr>
-        <p:style>
-          <a:lnRef idx="3">
-            <a:schemeClr val="dk1"/>
-          </a:lnRef>
-          <a:fillRef idx="0">
-            <a:schemeClr val="dk1"/>
-          </a:fillRef>
-          <a:effectRef idx="2">
-            <a:schemeClr val="dk1"/>
-          </a:effectRef>
-          <a:fontRef idx="minor">
-            <a:schemeClr val="tx1"/>
-          </a:fontRef>
-        </p:style>
-      </p:cxnSp>
-      <p:cxnSp>
-        <p:nvCxnSpPr>
-          <p:cNvPr id="32" name="Connecteur droit 31">
-            <a:extLst>
-              <a:ext uri="{FF2B5EF4-FFF2-40B4-BE49-F238E27FC236}">
-                <a16:creationId xmlns:a16="http://schemas.microsoft.com/office/drawing/2014/main" id="{4AD96496-1EB6-4E48-9BB2-5C255495C686}"/>
-              </a:ext>
-            </a:extLst>
-          </p:cNvPr>
-          <p:cNvCxnSpPr>
-            <a:cxnSpLocks/>
-          </p:cNvCxnSpPr>
-          <p:nvPr/>
-        </p:nvCxnSpPr>
-        <p:spPr>
-          <a:xfrm>
-            <a:off x="1082434" y="938268"/>
-            <a:ext cx="1146585" cy="0"/>
-          </a:xfrm>
-          <a:prstGeom prst="line">
-            <a:avLst/>
-          </a:prstGeom>
-        </p:spPr>
-        <p:style>
-          <a:lnRef idx="3">
-            <a:schemeClr val="dk1"/>
-          </a:lnRef>
-          <a:fillRef idx="0">
-            <a:schemeClr val="dk1"/>
-          </a:fillRef>
-          <a:effectRef idx="2">
-            <a:schemeClr val="dk1"/>
-          </a:effectRef>
-          <a:fontRef idx="minor">
-            <a:schemeClr val="tx1"/>
-          </a:fontRef>
-        </p:style>
-      </p:cxnSp>
-      <p:cxnSp>
-        <p:nvCxnSpPr>
-          <p:cNvPr id="51" name="Connecteur droit 50">
-            <a:extLst>
-              <a:ext uri="{FF2B5EF4-FFF2-40B4-BE49-F238E27FC236}">
-                <a16:creationId xmlns:a16="http://schemas.microsoft.com/office/drawing/2014/main" id="{C035BFA6-ECBF-4775-BA81-19D2CA41AA8D}"/>
-              </a:ext>
-            </a:extLst>
-          </p:cNvPr>
-          <p:cNvCxnSpPr>
-            <a:cxnSpLocks/>
-          </p:cNvCxnSpPr>
-          <p:nvPr/>
-        </p:nvCxnSpPr>
-        <p:spPr>
-          <a:xfrm>
-            <a:off x="9402704" y="465201"/>
-            <a:ext cx="344203" cy="495163"/>
-          </a:xfrm>
-          <a:prstGeom prst="line">
-            <a:avLst/>
-          </a:prstGeom>
-        </p:spPr>
-        <p:style>
-          <a:lnRef idx="3">
-            <a:schemeClr val="dk1"/>
-          </a:lnRef>
-          <a:fillRef idx="0">
-            <a:schemeClr val="dk1"/>
-          </a:fillRef>
-          <a:effectRef idx="2">
-            <a:schemeClr val="dk1"/>
-          </a:effectRef>
-          <a:fontRef idx="minor">
-            <a:schemeClr val="tx1"/>
-          </a:fontRef>
-        </p:style>
-      </p:cxnSp>
-      <p:cxnSp>
-        <p:nvCxnSpPr>
-          <p:cNvPr id="52" name="Connecteur droit 51">
-            <a:extLst>
-              <a:ext uri="{FF2B5EF4-FFF2-40B4-BE49-F238E27FC236}">
-                <a16:creationId xmlns:a16="http://schemas.microsoft.com/office/drawing/2014/main" id="{FA310BC7-694B-4984-99A2-61A1F4F6EBF9}"/>
-              </a:ext>
-            </a:extLst>
-          </p:cNvPr>
-          <p:cNvCxnSpPr>
-            <a:cxnSpLocks/>
-          </p:cNvCxnSpPr>
-          <p:nvPr/>
-        </p:nvCxnSpPr>
-        <p:spPr>
-          <a:xfrm flipH="1">
-            <a:off x="11370469" y="448308"/>
-            <a:ext cx="364332" cy="501657"/>
-          </a:xfrm>
-          <a:prstGeom prst="line">
-            <a:avLst/>
-          </a:prstGeom>
-        </p:spPr>
-        <p:style>
-          <a:lnRef idx="3">
-            <a:schemeClr val="dk1"/>
-          </a:lnRef>
-          <a:fillRef idx="0">
-            <a:schemeClr val="dk1"/>
-          </a:fillRef>
-          <a:effectRef idx="2">
-            <a:schemeClr val="dk1"/>
-          </a:effectRef>
-          <a:fontRef idx="minor">
-            <a:schemeClr val="tx1"/>
-          </a:fontRef>
-        </p:style>
-      </p:cxnSp>
-      <p:cxnSp>
-        <p:nvCxnSpPr>
-          <p:cNvPr id="53" name="Connecteur droit 52">
-            <a:extLst>
-              <a:ext uri="{FF2B5EF4-FFF2-40B4-BE49-F238E27FC236}">
-                <a16:creationId xmlns:a16="http://schemas.microsoft.com/office/drawing/2014/main" id="{BE0649BD-EE59-4DDA-960F-95B2572F9F13}"/>
-              </a:ext>
-            </a:extLst>
-          </p:cNvPr>
-          <p:cNvCxnSpPr>
-            <a:cxnSpLocks/>
-          </p:cNvCxnSpPr>
-          <p:nvPr/>
-        </p:nvCxnSpPr>
-        <p:spPr>
-          <a:xfrm>
-            <a:off x="9743203" y="949965"/>
-            <a:ext cx="1627266" cy="0"/>
-          </a:xfrm>
-          <a:prstGeom prst="line">
-            <a:avLst/>
-          </a:prstGeom>
-        </p:spPr>
-        <p:style>
-          <a:lnRef idx="3">
-            <a:schemeClr val="dk1"/>
-          </a:lnRef>
-          <a:fillRef idx="0">
-            <a:schemeClr val="dk1"/>
-          </a:fillRef>
-          <a:effectRef idx="2">
-            <a:schemeClr val="dk1"/>
-          </a:effectRef>
-          <a:fontRef idx="minor">
-            <a:schemeClr val="tx1"/>
-          </a:fontRef>
-        </p:style>
-      </p:cxnSp>
-      <p:cxnSp>
-        <p:nvCxnSpPr>
-          <p:cNvPr id="55" name="Connecteur droit 54">
-            <a:extLst>
-              <a:ext uri="{FF2B5EF4-FFF2-40B4-BE49-F238E27FC236}">
-                <a16:creationId xmlns:a16="http://schemas.microsoft.com/office/drawing/2014/main" id="{52AA9200-DAFA-4EEF-AC13-4C7CE82A59EC}"/>
-              </a:ext>
-            </a:extLst>
-          </p:cNvPr>
-          <p:cNvCxnSpPr>
-            <a:cxnSpLocks/>
-          </p:cNvCxnSpPr>
-          <p:nvPr/>
-        </p:nvCxnSpPr>
-        <p:spPr>
-          <a:xfrm>
-            <a:off x="11715750" y="454801"/>
-            <a:ext cx="476249" cy="10400"/>
-          </a:xfrm>
-          <a:prstGeom prst="line">
-            <a:avLst/>
-          </a:prstGeom>
-        </p:spPr>
-        <p:style>
-          <a:lnRef idx="3">
-            <a:schemeClr val="dk1"/>
-          </a:lnRef>
-          <a:fillRef idx="0">
-            <a:schemeClr val="dk1"/>
-          </a:fillRef>
-          <a:effectRef idx="2">
-            <a:schemeClr val="dk1"/>
-          </a:effectRef>
-          <a:fontRef idx="minor">
-            <a:schemeClr val="tx1"/>
-          </a:fontRef>
-        </p:style>
-      </p:cxnSp>
-      <p:cxnSp>
-        <p:nvCxnSpPr>
-          <p:cNvPr id="23" name="Connecteur droit 22">
-            <a:extLst>
-              <a:ext uri="{FF2B5EF4-FFF2-40B4-BE49-F238E27FC236}">
-                <a16:creationId xmlns:a16="http://schemas.microsoft.com/office/drawing/2014/main" id="{BCB092C8-0080-4E56-957E-0046D4C83988}"/>
-              </a:ext>
-            </a:extLst>
-          </p:cNvPr>
-          <p:cNvCxnSpPr>
-            <a:cxnSpLocks/>
-          </p:cNvCxnSpPr>
-          <p:nvPr/>
-        </p:nvCxnSpPr>
-        <p:spPr>
-          <a:xfrm flipH="1">
-            <a:off x="2216372" y="446356"/>
-            <a:ext cx="364332" cy="501657"/>
-          </a:xfrm>
-          <a:prstGeom prst="line">
-            <a:avLst/>
-          </a:prstGeom>
-        </p:spPr>
-        <p:style>
-          <a:lnRef idx="3">
-            <a:schemeClr val="dk1"/>
-          </a:lnRef>
-          <a:fillRef idx="0">
-            <a:schemeClr val="dk1"/>
-          </a:fillRef>
-          <a:effectRef idx="2">
-            <a:schemeClr val="dk1"/>
-          </a:effectRef>
-          <a:fontRef idx="minor">
-            <a:schemeClr val="tx1"/>
-          </a:fontRef>
-        </p:style>
-      </p:cxnSp>
-      <p:pic>
-        <p:nvPicPr>
-          <p:cNvPr id="57" name="Image 56">
-            <a:extLst>
-              <a:ext uri="{FF2B5EF4-FFF2-40B4-BE49-F238E27FC236}">
-                <a16:creationId xmlns:a16="http://schemas.microsoft.com/office/drawing/2014/main" id="{12B16FB2-5844-4B92-AE69-9BAC858C22BB}"/>
-              </a:ext>
-            </a:extLst>
-          </p:cNvPr>
-          <p:cNvPicPr>
-            <a:picLocks noChangeAspect="1"/>
-          </p:cNvPicPr>
-          <p:nvPr/>
-        </p:nvPicPr>
-        <p:blipFill>
-          <a:blip r:embed="rId3">
-            <a:extLst>
-              <a:ext uri="{28A0092B-C50C-407E-A947-70E740481C1C}">
-                <a14:useLocalDpi xmlns:a14="http://schemas.microsoft.com/office/drawing/2010/main" val="0"/>
-              </a:ext>
-            </a:extLst>
-          </a:blip>
-          <a:stretch>
-            <a:fillRect/>
-          </a:stretch>
-        </p:blipFill>
-        <p:spPr>
-          <a:xfrm>
-            <a:off x="9681085" y="238153"/>
-            <a:ext cx="1802101" cy="569807"/>
-          </a:xfrm>
-          <a:prstGeom prst="rect">
-            <a:avLst/>
-          </a:prstGeom>
-        </p:spPr>
-      </p:pic>
-      <p:cxnSp>
-        <p:nvCxnSpPr>
-          <p:cNvPr id="58" name="Connecteur droit 57">
-            <a:extLst>
-              <a:ext uri="{FF2B5EF4-FFF2-40B4-BE49-F238E27FC236}">
-                <a16:creationId xmlns:a16="http://schemas.microsoft.com/office/drawing/2014/main" id="{01599350-F8B0-4FDC-B003-981189A8D654}"/>
-              </a:ext>
-            </a:extLst>
-          </p:cNvPr>
-          <p:cNvCxnSpPr>
-            <a:cxnSpLocks/>
-          </p:cNvCxnSpPr>
-          <p:nvPr/>
-        </p:nvCxnSpPr>
-        <p:spPr>
-          <a:xfrm>
-            <a:off x="2573222" y="454803"/>
-            <a:ext cx="6829482" cy="10398"/>
-          </a:xfrm>
-          <a:prstGeom prst="line">
-            <a:avLst/>
-          </a:prstGeom>
-        </p:spPr>
-        <p:style>
-          <a:lnRef idx="3">
-            <a:schemeClr val="dk1"/>
-          </a:lnRef>
-          <a:fillRef idx="0">
-            <a:schemeClr val="dk1"/>
-          </a:fillRef>
-          <a:effectRef idx="2">
-            <a:schemeClr val="dk1"/>
-          </a:effectRef>
-          <a:fontRef idx="minor">
-            <a:schemeClr val="tx1"/>
-          </a:fontRef>
-        </p:style>
-      </p:cxnSp>
-      <p:cxnSp>
-        <p:nvCxnSpPr>
-          <p:cNvPr id="59" name="Connecteur droit 58">
-            <a:extLst>
-              <a:ext uri="{FF2B5EF4-FFF2-40B4-BE49-F238E27FC236}">
-                <a16:creationId xmlns:a16="http://schemas.microsoft.com/office/drawing/2014/main" id="{BC6E6150-6054-4785-84EC-0C46D82034C2}"/>
-              </a:ext>
-            </a:extLst>
-          </p:cNvPr>
-          <p:cNvCxnSpPr>
-            <a:cxnSpLocks/>
-          </p:cNvCxnSpPr>
-          <p:nvPr/>
-        </p:nvCxnSpPr>
-        <p:spPr>
-          <a:xfrm>
-            <a:off x="738231" y="454803"/>
-            <a:ext cx="344203" cy="484764"/>
-          </a:xfrm>
-          <a:prstGeom prst="line">
-            <a:avLst/>
-          </a:prstGeom>
-        </p:spPr>
-        <p:style>
-          <a:lnRef idx="3">
-            <a:schemeClr val="dk1"/>
-          </a:lnRef>
-          <a:fillRef idx="0">
-            <a:schemeClr val="dk1"/>
-          </a:fillRef>
-          <a:effectRef idx="2">
-            <a:schemeClr val="dk1"/>
-          </a:effectRef>
-          <a:fontRef idx="minor">
-            <a:schemeClr val="tx1"/>
-          </a:fontRef>
-        </p:style>
-      </p:cxnSp>
-      <p:cxnSp>
-        <p:nvCxnSpPr>
-          <p:cNvPr id="60" name="Connecteur droit 59">
-            <a:extLst>
-              <a:ext uri="{FF2B5EF4-FFF2-40B4-BE49-F238E27FC236}">
-                <a16:creationId xmlns:a16="http://schemas.microsoft.com/office/drawing/2014/main" id="{CBC9961A-8EC2-4287-A398-BCA4138D409D}"/>
-              </a:ext>
-            </a:extLst>
-          </p:cNvPr>
-          <p:cNvCxnSpPr>
-            <a:cxnSpLocks/>
-          </p:cNvCxnSpPr>
-          <p:nvPr/>
-        </p:nvCxnSpPr>
-        <p:spPr>
-          <a:xfrm>
-            <a:off x="1082434" y="938268"/>
-            <a:ext cx="1146585" cy="0"/>
-          </a:xfrm>
-          <a:prstGeom prst="line">
-            <a:avLst/>
-          </a:prstGeom>
-        </p:spPr>
-        <p:style>
-          <a:lnRef idx="3">
-            <a:schemeClr val="dk1"/>
-          </a:lnRef>
-          <a:fillRef idx="0">
-            <a:schemeClr val="dk1"/>
-          </a:fillRef>
-          <a:effectRef idx="2">
-            <a:schemeClr val="dk1"/>
-          </a:effectRef>
-          <a:fontRef idx="minor">
-            <a:schemeClr val="tx1"/>
-          </a:fontRef>
-        </p:style>
-      </p:cxnSp>
-      <p:cxnSp>
-        <p:nvCxnSpPr>
-          <p:cNvPr id="61" name="Connecteur droit 60">
-            <a:extLst>
-              <a:ext uri="{FF2B5EF4-FFF2-40B4-BE49-F238E27FC236}">
-                <a16:creationId xmlns:a16="http://schemas.microsoft.com/office/drawing/2014/main" id="{152B7C45-2543-4665-BC07-4DB71CA9F337}"/>
-              </a:ext>
-            </a:extLst>
-          </p:cNvPr>
-          <p:cNvCxnSpPr>
-            <a:cxnSpLocks/>
-          </p:cNvCxnSpPr>
-          <p:nvPr/>
-        </p:nvCxnSpPr>
-        <p:spPr>
-          <a:xfrm>
-            <a:off x="9402704" y="465201"/>
-            <a:ext cx="344203" cy="495163"/>
-          </a:xfrm>
-          <a:prstGeom prst="line">
-            <a:avLst/>
-          </a:prstGeom>
-        </p:spPr>
-        <p:style>
-          <a:lnRef idx="3">
-            <a:schemeClr val="dk1"/>
-          </a:lnRef>
-          <a:fillRef idx="0">
-            <a:schemeClr val="dk1"/>
-          </a:fillRef>
-          <a:effectRef idx="2">
-            <a:schemeClr val="dk1"/>
-          </a:effectRef>
-          <a:fontRef idx="minor">
-            <a:schemeClr val="tx1"/>
-          </a:fontRef>
-        </p:style>
-      </p:cxnSp>
-      <p:cxnSp>
-        <p:nvCxnSpPr>
-          <p:cNvPr id="62" name="Connecteur droit 61">
-            <a:extLst>
-              <a:ext uri="{FF2B5EF4-FFF2-40B4-BE49-F238E27FC236}">
-                <a16:creationId xmlns:a16="http://schemas.microsoft.com/office/drawing/2014/main" id="{00A84DC3-A112-46A3-B71C-04D85339323D}"/>
-              </a:ext>
-            </a:extLst>
-          </p:cNvPr>
-          <p:cNvCxnSpPr>
-            <a:cxnSpLocks/>
-          </p:cNvCxnSpPr>
-          <p:nvPr/>
-        </p:nvCxnSpPr>
-        <p:spPr>
-          <a:xfrm flipH="1">
-            <a:off x="11370469" y="448308"/>
-            <a:ext cx="364332" cy="501657"/>
-          </a:xfrm>
-          <a:prstGeom prst="line">
-            <a:avLst/>
-          </a:prstGeom>
-        </p:spPr>
-        <p:style>
-          <a:lnRef idx="3">
-            <a:schemeClr val="dk1"/>
-          </a:lnRef>
-          <a:fillRef idx="0">
-            <a:schemeClr val="dk1"/>
-          </a:fillRef>
-          <a:effectRef idx="2">
-            <a:schemeClr val="dk1"/>
-          </a:effectRef>
-          <a:fontRef idx="minor">
-            <a:schemeClr val="tx1"/>
-          </a:fontRef>
-        </p:style>
-      </p:cxnSp>
-      <p:cxnSp>
-        <p:nvCxnSpPr>
-          <p:cNvPr id="63" name="Connecteur droit 62">
-            <a:extLst>
-              <a:ext uri="{FF2B5EF4-FFF2-40B4-BE49-F238E27FC236}">
-                <a16:creationId xmlns:a16="http://schemas.microsoft.com/office/drawing/2014/main" id="{C50788C6-8F68-44EC-AB54-94C1D2FE554D}"/>
-              </a:ext>
-            </a:extLst>
-          </p:cNvPr>
-          <p:cNvCxnSpPr>
-            <a:cxnSpLocks/>
-          </p:cNvCxnSpPr>
-          <p:nvPr/>
-        </p:nvCxnSpPr>
-        <p:spPr>
-          <a:xfrm>
-            <a:off x="9743203" y="949965"/>
-            <a:ext cx="1627266" cy="0"/>
-          </a:xfrm>
-          <a:prstGeom prst="line">
-            <a:avLst/>
-          </a:prstGeom>
-        </p:spPr>
-        <p:style>
-          <a:lnRef idx="3">
-            <a:schemeClr val="dk1"/>
-          </a:lnRef>
-          <a:fillRef idx="0">
-            <a:schemeClr val="dk1"/>
-          </a:fillRef>
-          <a:effectRef idx="2">
-            <a:schemeClr val="dk1"/>
-          </a:effectRef>
-          <a:fontRef idx="minor">
-            <a:schemeClr val="tx1"/>
-          </a:fontRef>
-        </p:style>
-      </p:cxnSp>
-      <p:cxnSp>
-        <p:nvCxnSpPr>
-          <p:cNvPr id="64" name="Connecteur droit 63">
-            <a:extLst>
-              <a:ext uri="{FF2B5EF4-FFF2-40B4-BE49-F238E27FC236}">
-                <a16:creationId xmlns:a16="http://schemas.microsoft.com/office/drawing/2014/main" id="{BC4D4E5F-5636-45CB-873C-EC085AB307A3}"/>
-              </a:ext>
-            </a:extLst>
-          </p:cNvPr>
-          <p:cNvCxnSpPr>
-            <a:cxnSpLocks/>
-          </p:cNvCxnSpPr>
-          <p:nvPr/>
-        </p:nvCxnSpPr>
-        <p:spPr>
-          <a:xfrm>
-            <a:off x="11715750" y="454801"/>
-            <a:ext cx="476249" cy="10400"/>
-          </a:xfrm>
-          <a:prstGeom prst="line">
-            <a:avLst/>
-          </a:prstGeom>
-        </p:spPr>
-        <p:style>
-          <a:lnRef idx="3">
-            <a:schemeClr val="dk1"/>
-          </a:lnRef>
-          <a:fillRef idx="0">
-            <a:schemeClr val="dk1"/>
-          </a:fillRef>
-          <a:effectRef idx="2">
-            <a:schemeClr val="dk1"/>
-          </a:effectRef>
-          <a:fontRef idx="minor">
-            <a:schemeClr val="tx1"/>
-          </a:fontRef>
-        </p:style>
-      </p:cxnSp>
-      <p:cxnSp>
-        <p:nvCxnSpPr>
-          <p:cNvPr id="65" name="Connecteur droit 64">
-            <a:extLst>
-              <a:ext uri="{FF2B5EF4-FFF2-40B4-BE49-F238E27FC236}">
-                <a16:creationId xmlns:a16="http://schemas.microsoft.com/office/drawing/2014/main" id="{E6F6B4C5-0E3B-46C9-859D-EE774175D36F}"/>
-              </a:ext>
-            </a:extLst>
-          </p:cNvPr>
-          <p:cNvCxnSpPr>
-            <a:cxnSpLocks/>
-          </p:cNvCxnSpPr>
-          <p:nvPr/>
-        </p:nvCxnSpPr>
-        <p:spPr>
-          <a:xfrm flipH="1">
-            <a:off x="2216372" y="446356"/>
-            <a:ext cx="364332" cy="501657"/>
-          </a:xfrm>
-          <a:prstGeom prst="line">
-            <a:avLst/>
-          </a:prstGeom>
-        </p:spPr>
-        <p:style>
-          <a:lnRef idx="3">
-            <a:schemeClr val="dk1"/>
-          </a:lnRef>
-          <a:fillRef idx="0">
-            <a:schemeClr val="dk1"/>
-          </a:fillRef>
-          <a:effectRef idx="2">
-            <a:schemeClr val="dk1"/>
-          </a:effectRef>
-          <a:fontRef idx="minor">
-            <a:schemeClr val="tx1"/>
-          </a:fontRef>
-        </p:style>
-      </p:cxnSp>
-      <p:sp>
-        <p:nvSpPr>
-          <p:cNvPr id="2" name="ZoneTexte 1">
-            <a:extLst>
-              <a:ext uri="{FF2B5EF4-FFF2-40B4-BE49-F238E27FC236}">
-                <a16:creationId xmlns:a16="http://schemas.microsoft.com/office/drawing/2014/main" id="{128A5370-27C5-4A3F-98D7-D74D075851FE}"/>
-              </a:ext>
-            </a:extLst>
-          </p:cNvPr>
-          <p:cNvSpPr txBox="1"/>
-          <p:nvPr/>
-        </p:nvSpPr>
-        <p:spPr>
-          <a:xfrm>
-            <a:off x="3714642" y="523056"/>
-            <a:ext cx="5110576" cy="769441"/>
-          </a:xfrm>
-          <a:prstGeom prst="rect">
-            <a:avLst/>
-          </a:prstGeom>
-          <a:noFill/>
-        </p:spPr>
-        <p:txBody>
-          <a:bodyPr wrap="square" rtlCol="0">
-            <a:spAutoFit/>
-          </a:bodyPr>
-          <a:lstStyle/>
-          <a:p>
-            <a:r>
-              <a:rPr lang="fr-FR" sz="4400" dirty="0">
-                <a:latin typeface="Berlin Sans FB" panose="020E0602020502020306" pitchFamily="34" charset="0"/>
-              </a:rPr>
-              <a:t>Solutions trouvées</a:t>
-            </a:r>
-          </a:p>
-        </p:txBody>
-      </p:sp>
-      <p:sp>
-        <p:nvSpPr>
-          <p:cNvPr id="7" name="ZoneTexte 6">
-            <a:extLst>
-              <a:ext uri="{FF2B5EF4-FFF2-40B4-BE49-F238E27FC236}">
-                <a16:creationId xmlns:a16="http://schemas.microsoft.com/office/drawing/2014/main" id="{F5143EC5-EF8B-4615-B050-3E12BF28AC28}"/>
-              </a:ext>
-            </a:extLst>
-          </p:cNvPr>
-          <p:cNvSpPr txBox="1"/>
-          <p:nvPr/>
-        </p:nvSpPr>
-        <p:spPr>
-          <a:xfrm>
-            <a:off x="3714642" y="1427584"/>
-            <a:ext cx="4309685" cy="523220"/>
-          </a:xfrm>
-          <a:prstGeom prst="rect">
-            <a:avLst/>
-          </a:prstGeom>
-          <a:noFill/>
-        </p:spPr>
-        <p:txBody>
-          <a:bodyPr wrap="square" rtlCol="0">
-            <a:spAutoFit/>
-          </a:bodyPr>
-          <a:lstStyle/>
-          <a:p>
-            <a:r>
-              <a:rPr lang="fr-FR" sz="2800" dirty="0"/>
-              <a:t>Partie 4 : </a:t>
-            </a:r>
-            <a:r>
-              <a:rPr lang="fr-FR" sz="2800" dirty="0" err="1"/>
-              <a:t>Solarimètre</a:t>
-            </a:r>
-            <a:endParaRPr lang="fr-FR" sz="2800" dirty="0"/>
-          </a:p>
-        </p:txBody>
-      </p:sp>
-      <p:sp>
-        <p:nvSpPr>
-          <p:cNvPr id="3" name="ZoneTexte 2">
-            <a:extLst>
-              <a:ext uri="{FF2B5EF4-FFF2-40B4-BE49-F238E27FC236}">
-                <a16:creationId xmlns:a16="http://schemas.microsoft.com/office/drawing/2014/main" id="{8D504744-EF74-4363-BB0C-F028F2A7F9E7}"/>
-              </a:ext>
-            </a:extLst>
-          </p:cNvPr>
-          <p:cNvSpPr txBox="1"/>
-          <p:nvPr/>
-        </p:nvSpPr>
-        <p:spPr>
-          <a:xfrm>
-            <a:off x="4297959" y="2927758"/>
-            <a:ext cx="7894040" cy="1569660"/>
-          </a:xfrm>
-          <a:prstGeom prst="rect">
-            <a:avLst/>
-          </a:prstGeom>
-          <a:noFill/>
-        </p:spPr>
-        <p:txBody>
-          <a:bodyPr wrap="square" rtlCol="0">
-            <a:spAutoFit/>
-          </a:bodyPr>
-          <a:lstStyle/>
-          <a:p>
-            <a:r>
-              <a:rPr lang="fr-FR" sz="9600" dirty="0"/>
-              <a:t>NULL</a:t>
-            </a:r>
-          </a:p>
-        </p:txBody>
-      </p:sp>
-    </p:spTree>
-    <p:extLst>
-      <p:ext uri="{BB962C8B-B14F-4D97-AF65-F5344CB8AC3E}">
-        <p14:creationId xmlns:p14="http://schemas.microsoft.com/office/powerpoint/2010/main" val="2016539032"/>
-      </p:ext>
-    </p:extLst>
-  </p:cSld>
-  <p:clrMapOvr>
-    <a:masterClrMapping/>
-  </p:clrMapOvr>
-  <mc:AlternateContent xmlns:mc="http://schemas.openxmlformats.org/markup-compatibility/2006" xmlns:p14="http://schemas.microsoft.com/office/powerpoint/2010/main">
-    <mc:Choice Requires="p14">
-      <p:transition spd="slow">
-        <p14:reveal/>
-      </p:transition>
-    </mc:Choice>
-    <mc:Fallback xmlns="">
-      <p:transition spd="slow">
-        <p:fade/>
-      </p:transition>
-    </mc:Fallback>
-  </mc:AlternateContent>
-</p:sld>
-</file>
-
-<file path=ppt/slides/slide15.xml><?xml version="1.0" encoding="utf-8"?>
-<p:sld xmlns:a="http://schemas.openxmlformats.org/drawingml/2006/main" xmlns:r="http://schemas.openxmlformats.org/officeDocument/2006/relationships" xmlns:p="http://schemas.openxmlformats.org/presentationml/2006/main">
-  <p:cSld>
-    <p:spTree>
-      <p:nvGrpSpPr>
-        <p:cNvPr id="1" name=""/>
-        <p:cNvGrpSpPr/>
-        <p:nvPr/>
-      </p:nvGrpSpPr>
-      <p:grpSpPr>
-        <a:xfrm>
-          <a:off x="0" y="0"/>
-          <a:ext cx="0" cy="0"/>
-          <a:chOff x="0" y="0"/>
-          <a:chExt cx="0" cy="0"/>
-        </a:xfrm>
-      </p:grpSpPr>
-      <p:pic>
-        <p:nvPicPr>
-          <p:cNvPr id="8" name="Image 7">
-            <a:extLst>
-              <a:ext uri="{FF2B5EF4-FFF2-40B4-BE49-F238E27FC236}">
-                <a16:creationId xmlns:a16="http://schemas.microsoft.com/office/drawing/2014/main" id="{2BB825C5-31DA-4A56-85EA-536DBF510A31}"/>
-              </a:ext>
-            </a:extLst>
-          </p:cNvPr>
-          <p:cNvPicPr>
-            <a:picLocks noChangeAspect="1"/>
-          </p:cNvPicPr>
-          <p:nvPr/>
-        </p:nvPicPr>
-        <p:blipFill>
-          <a:blip r:embed="rId2">
-            <a:extLst>
-              <a:ext uri="{28A0092B-C50C-407E-A947-70E740481C1C}">
-                <a14:useLocalDpi xmlns:a14="http://schemas.microsoft.com/office/drawing/2010/main" val="0"/>
-              </a:ext>
-            </a:extLst>
-          </a:blip>
-          <a:stretch>
-            <a:fillRect/>
-          </a:stretch>
-        </p:blipFill>
-        <p:spPr>
-          <a:xfrm>
-            <a:off x="1068751" y="66457"/>
-            <a:ext cx="1259497" cy="776690"/>
-          </a:xfrm>
-          <a:prstGeom prst="rect">
-            <a:avLst/>
-          </a:prstGeom>
-        </p:spPr>
-      </p:pic>
-      <p:pic>
-        <p:nvPicPr>
-          <p:cNvPr id="10" name="Image 9">
-            <a:extLst>
-              <a:ext uri="{FF2B5EF4-FFF2-40B4-BE49-F238E27FC236}">
-                <a16:creationId xmlns:a16="http://schemas.microsoft.com/office/drawing/2014/main" id="{8EE7436F-49F2-41E0-93E4-D247B4705294}"/>
-              </a:ext>
-            </a:extLst>
-          </p:cNvPr>
-          <p:cNvPicPr>
-            <a:picLocks noChangeAspect="1"/>
-          </p:cNvPicPr>
-          <p:nvPr/>
-        </p:nvPicPr>
-        <p:blipFill>
-          <a:blip r:embed="rId3">
-            <a:extLst>
-              <a:ext uri="{28A0092B-C50C-407E-A947-70E740481C1C}">
-                <a14:useLocalDpi xmlns:a14="http://schemas.microsoft.com/office/drawing/2010/main" val="0"/>
-              </a:ext>
-            </a:extLst>
-          </a:blip>
-          <a:stretch>
-            <a:fillRect/>
-          </a:stretch>
-        </p:blipFill>
-        <p:spPr>
-          <a:xfrm>
-            <a:off x="9681085" y="238153"/>
-            <a:ext cx="1802101" cy="569807"/>
-          </a:xfrm>
-          <a:prstGeom prst="rect">
-            <a:avLst/>
-          </a:prstGeom>
-        </p:spPr>
-      </p:pic>
-      <p:cxnSp>
-        <p:nvCxnSpPr>
-          <p:cNvPr id="16" name="Connecteur droit 15">
-            <a:extLst>
-              <a:ext uri="{FF2B5EF4-FFF2-40B4-BE49-F238E27FC236}">
-                <a16:creationId xmlns:a16="http://schemas.microsoft.com/office/drawing/2014/main" id="{7319284A-BD6F-4A96-8E2B-E0A4B52E53C6}"/>
-              </a:ext>
-            </a:extLst>
-          </p:cNvPr>
-          <p:cNvCxnSpPr>
-            <a:cxnSpLocks/>
-          </p:cNvCxnSpPr>
-          <p:nvPr/>
-        </p:nvCxnSpPr>
-        <p:spPr>
-          <a:xfrm flipV="1">
-            <a:off x="0" y="454803"/>
-            <a:ext cx="738231" cy="1798"/>
-          </a:xfrm>
-          <a:prstGeom prst="line">
-            <a:avLst/>
-          </a:prstGeom>
-        </p:spPr>
-        <p:style>
-          <a:lnRef idx="3">
-            <a:schemeClr val="dk1"/>
-          </a:lnRef>
-          <a:fillRef idx="0">
-            <a:schemeClr val="dk1"/>
-          </a:fillRef>
-          <a:effectRef idx="2">
-            <a:schemeClr val="dk1"/>
-          </a:effectRef>
-          <a:fontRef idx="minor">
-            <a:schemeClr val="tx1"/>
-          </a:fontRef>
-        </p:style>
-      </p:cxnSp>
-      <p:cxnSp>
-        <p:nvCxnSpPr>
-          <p:cNvPr id="20" name="Connecteur droit 19">
-            <a:extLst>
-              <a:ext uri="{FF2B5EF4-FFF2-40B4-BE49-F238E27FC236}">
-                <a16:creationId xmlns:a16="http://schemas.microsoft.com/office/drawing/2014/main" id="{08874CF7-F149-4C81-B61E-74E18342BA8A}"/>
-              </a:ext>
-            </a:extLst>
-          </p:cNvPr>
-          <p:cNvCxnSpPr>
-            <a:cxnSpLocks/>
-          </p:cNvCxnSpPr>
-          <p:nvPr/>
-        </p:nvCxnSpPr>
-        <p:spPr>
-          <a:xfrm>
-            <a:off x="2573222" y="454803"/>
-            <a:ext cx="6829482" cy="10398"/>
-          </a:xfrm>
-          <a:prstGeom prst="line">
-            <a:avLst/>
-          </a:prstGeom>
-        </p:spPr>
-        <p:style>
-          <a:lnRef idx="3">
-            <a:schemeClr val="dk1"/>
-          </a:lnRef>
-          <a:fillRef idx="0">
-            <a:schemeClr val="dk1"/>
-          </a:fillRef>
-          <a:effectRef idx="2">
-            <a:schemeClr val="dk1"/>
-          </a:effectRef>
-          <a:fontRef idx="minor">
-            <a:schemeClr val="tx1"/>
-          </a:fontRef>
-        </p:style>
-      </p:cxnSp>
-      <p:cxnSp>
-        <p:nvCxnSpPr>
-          <p:cNvPr id="26" name="Connecteur droit 25">
-            <a:extLst>
-              <a:ext uri="{FF2B5EF4-FFF2-40B4-BE49-F238E27FC236}">
-                <a16:creationId xmlns:a16="http://schemas.microsoft.com/office/drawing/2014/main" id="{BB3B35CC-057B-48C1-880F-3306A6559175}"/>
-              </a:ext>
-            </a:extLst>
-          </p:cNvPr>
-          <p:cNvCxnSpPr>
-            <a:cxnSpLocks/>
-          </p:cNvCxnSpPr>
-          <p:nvPr/>
-        </p:nvCxnSpPr>
-        <p:spPr>
-          <a:xfrm>
-            <a:off x="738231" y="454803"/>
-            <a:ext cx="344203" cy="484764"/>
-          </a:xfrm>
-          <a:prstGeom prst="line">
-            <a:avLst/>
-          </a:prstGeom>
-        </p:spPr>
-        <p:style>
-          <a:lnRef idx="3">
-            <a:schemeClr val="dk1"/>
-          </a:lnRef>
-          <a:fillRef idx="0">
-            <a:schemeClr val="dk1"/>
-          </a:fillRef>
-          <a:effectRef idx="2">
-            <a:schemeClr val="dk1"/>
-          </a:effectRef>
-          <a:fontRef idx="minor">
-            <a:schemeClr val="tx1"/>
-          </a:fontRef>
-        </p:style>
-      </p:cxnSp>
-      <p:cxnSp>
-        <p:nvCxnSpPr>
-          <p:cNvPr id="32" name="Connecteur droit 31">
-            <a:extLst>
-              <a:ext uri="{FF2B5EF4-FFF2-40B4-BE49-F238E27FC236}">
-                <a16:creationId xmlns:a16="http://schemas.microsoft.com/office/drawing/2014/main" id="{4AD96496-1EB6-4E48-9BB2-5C255495C686}"/>
-              </a:ext>
-            </a:extLst>
-          </p:cNvPr>
-          <p:cNvCxnSpPr>
-            <a:cxnSpLocks/>
-          </p:cNvCxnSpPr>
-          <p:nvPr/>
-        </p:nvCxnSpPr>
-        <p:spPr>
-          <a:xfrm>
-            <a:off x="1082434" y="938268"/>
-            <a:ext cx="1146585" cy="0"/>
-          </a:xfrm>
-          <a:prstGeom prst="line">
-            <a:avLst/>
-          </a:prstGeom>
-        </p:spPr>
-        <p:style>
-          <a:lnRef idx="3">
-            <a:schemeClr val="dk1"/>
-          </a:lnRef>
-          <a:fillRef idx="0">
-            <a:schemeClr val="dk1"/>
-          </a:fillRef>
-          <a:effectRef idx="2">
-            <a:schemeClr val="dk1"/>
-          </a:effectRef>
-          <a:fontRef idx="minor">
-            <a:schemeClr val="tx1"/>
-          </a:fontRef>
-        </p:style>
-      </p:cxnSp>
-      <p:cxnSp>
-        <p:nvCxnSpPr>
-          <p:cNvPr id="51" name="Connecteur droit 50">
-            <a:extLst>
-              <a:ext uri="{FF2B5EF4-FFF2-40B4-BE49-F238E27FC236}">
-                <a16:creationId xmlns:a16="http://schemas.microsoft.com/office/drawing/2014/main" id="{C035BFA6-ECBF-4775-BA81-19D2CA41AA8D}"/>
-              </a:ext>
-            </a:extLst>
-          </p:cNvPr>
-          <p:cNvCxnSpPr>
-            <a:cxnSpLocks/>
-          </p:cNvCxnSpPr>
-          <p:nvPr/>
-        </p:nvCxnSpPr>
-        <p:spPr>
-          <a:xfrm>
-            <a:off x="9402704" y="465201"/>
-            <a:ext cx="344203" cy="495163"/>
-          </a:xfrm>
-          <a:prstGeom prst="line">
-            <a:avLst/>
-          </a:prstGeom>
-        </p:spPr>
-        <p:style>
-          <a:lnRef idx="3">
-            <a:schemeClr val="dk1"/>
-          </a:lnRef>
-          <a:fillRef idx="0">
-            <a:schemeClr val="dk1"/>
-          </a:fillRef>
-          <a:effectRef idx="2">
-            <a:schemeClr val="dk1"/>
-          </a:effectRef>
-          <a:fontRef idx="minor">
-            <a:schemeClr val="tx1"/>
-          </a:fontRef>
-        </p:style>
-      </p:cxnSp>
-      <p:cxnSp>
-        <p:nvCxnSpPr>
-          <p:cNvPr id="52" name="Connecteur droit 51">
-            <a:extLst>
-              <a:ext uri="{FF2B5EF4-FFF2-40B4-BE49-F238E27FC236}">
-                <a16:creationId xmlns:a16="http://schemas.microsoft.com/office/drawing/2014/main" id="{FA310BC7-694B-4984-99A2-61A1F4F6EBF9}"/>
-              </a:ext>
-            </a:extLst>
-          </p:cNvPr>
-          <p:cNvCxnSpPr>
-            <a:cxnSpLocks/>
-          </p:cNvCxnSpPr>
-          <p:nvPr/>
-        </p:nvCxnSpPr>
-        <p:spPr>
-          <a:xfrm flipH="1">
-            <a:off x="11370469" y="448308"/>
-            <a:ext cx="364332" cy="501657"/>
-          </a:xfrm>
-          <a:prstGeom prst="line">
-            <a:avLst/>
-          </a:prstGeom>
-        </p:spPr>
-        <p:style>
-          <a:lnRef idx="3">
-            <a:schemeClr val="dk1"/>
-          </a:lnRef>
-          <a:fillRef idx="0">
-            <a:schemeClr val="dk1"/>
-          </a:fillRef>
-          <a:effectRef idx="2">
-            <a:schemeClr val="dk1"/>
-          </a:effectRef>
-          <a:fontRef idx="minor">
-            <a:schemeClr val="tx1"/>
-          </a:fontRef>
-        </p:style>
-      </p:cxnSp>
-      <p:cxnSp>
-        <p:nvCxnSpPr>
-          <p:cNvPr id="53" name="Connecteur droit 52">
-            <a:extLst>
-              <a:ext uri="{FF2B5EF4-FFF2-40B4-BE49-F238E27FC236}">
-                <a16:creationId xmlns:a16="http://schemas.microsoft.com/office/drawing/2014/main" id="{BE0649BD-EE59-4DDA-960F-95B2572F9F13}"/>
-              </a:ext>
-            </a:extLst>
-          </p:cNvPr>
-          <p:cNvCxnSpPr>
-            <a:cxnSpLocks/>
-          </p:cNvCxnSpPr>
-          <p:nvPr/>
-        </p:nvCxnSpPr>
-        <p:spPr>
-          <a:xfrm>
-            <a:off x="9743203" y="949965"/>
-            <a:ext cx="1627266" cy="0"/>
-          </a:xfrm>
-          <a:prstGeom prst="line">
-            <a:avLst/>
-          </a:prstGeom>
-        </p:spPr>
-        <p:style>
-          <a:lnRef idx="3">
-            <a:schemeClr val="dk1"/>
-          </a:lnRef>
-          <a:fillRef idx="0">
-            <a:schemeClr val="dk1"/>
-          </a:fillRef>
-          <a:effectRef idx="2">
-            <a:schemeClr val="dk1"/>
-          </a:effectRef>
-          <a:fontRef idx="minor">
-            <a:schemeClr val="tx1"/>
-          </a:fontRef>
-        </p:style>
-      </p:cxnSp>
-      <p:cxnSp>
-        <p:nvCxnSpPr>
-          <p:cNvPr id="55" name="Connecteur droit 54">
-            <a:extLst>
-              <a:ext uri="{FF2B5EF4-FFF2-40B4-BE49-F238E27FC236}">
-                <a16:creationId xmlns:a16="http://schemas.microsoft.com/office/drawing/2014/main" id="{52AA9200-DAFA-4EEF-AC13-4C7CE82A59EC}"/>
-              </a:ext>
-            </a:extLst>
-          </p:cNvPr>
-          <p:cNvCxnSpPr>
-            <a:cxnSpLocks/>
-          </p:cNvCxnSpPr>
-          <p:nvPr/>
-        </p:nvCxnSpPr>
-        <p:spPr>
-          <a:xfrm>
-            <a:off x="11715750" y="454801"/>
-            <a:ext cx="476249" cy="10400"/>
-          </a:xfrm>
-          <a:prstGeom prst="line">
-            <a:avLst/>
-          </a:prstGeom>
-        </p:spPr>
-        <p:style>
-          <a:lnRef idx="3">
-            <a:schemeClr val="dk1"/>
-          </a:lnRef>
-          <a:fillRef idx="0">
-            <a:schemeClr val="dk1"/>
-          </a:fillRef>
-          <a:effectRef idx="2">
-            <a:schemeClr val="dk1"/>
-          </a:effectRef>
-          <a:fontRef idx="minor">
-            <a:schemeClr val="tx1"/>
-          </a:fontRef>
-        </p:style>
-      </p:cxnSp>
-      <p:cxnSp>
-        <p:nvCxnSpPr>
-          <p:cNvPr id="23" name="Connecteur droit 22">
-            <a:extLst>
-              <a:ext uri="{FF2B5EF4-FFF2-40B4-BE49-F238E27FC236}">
-                <a16:creationId xmlns:a16="http://schemas.microsoft.com/office/drawing/2014/main" id="{BCB092C8-0080-4E56-957E-0046D4C83988}"/>
-              </a:ext>
-            </a:extLst>
-          </p:cNvPr>
-          <p:cNvCxnSpPr>
-            <a:cxnSpLocks/>
-          </p:cNvCxnSpPr>
-          <p:nvPr/>
-        </p:nvCxnSpPr>
-        <p:spPr>
-          <a:xfrm flipH="1">
-            <a:off x="2216372" y="446356"/>
-            <a:ext cx="364332" cy="501657"/>
-          </a:xfrm>
-          <a:prstGeom prst="line">
-            <a:avLst/>
-          </a:prstGeom>
-        </p:spPr>
-        <p:style>
-          <a:lnRef idx="3">
-            <a:schemeClr val="dk1"/>
-          </a:lnRef>
-          <a:fillRef idx="0">
-            <a:schemeClr val="dk1"/>
-          </a:fillRef>
-          <a:effectRef idx="2">
-            <a:schemeClr val="dk1"/>
-          </a:effectRef>
-          <a:fontRef idx="minor">
-            <a:schemeClr val="tx1"/>
-          </a:fontRef>
-        </p:style>
-      </p:cxnSp>
-      <p:pic>
-        <p:nvPicPr>
-          <p:cNvPr id="57" name="Image 56">
-            <a:extLst>
-              <a:ext uri="{FF2B5EF4-FFF2-40B4-BE49-F238E27FC236}">
-                <a16:creationId xmlns:a16="http://schemas.microsoft.com/office/drawing/2014/main" id="{12B16FB2-5844-4B92-AE69-9BAC858C22BB}"/>
-              </a:ext>
-            </a:extLst>
-          </p:cNvPr>
-          <p:cNvPicPr>
-            <a:picLocks noChangeAspect="1"/>
-          </p:cNvPicPr>
-          <p:nvPr/>
-        </p:nvPicPr>
-        <p:blipFill>
-          <a:blip r:embed="rId3">
-            <a:extLst>
-              <a:ext uri="{28A0092B-C50C-407E-A947-70E740481C1C}">
-                <a14:useLocalDpi xmlns:a14="http://schemas.microsoft.com/office/drawing/2010/main" val="0"/>
-              </a:ext>
-            </a:extLst>
-          </a:blip>
-          <a:stretch>
-            <a:fillRect/>
-          </a:stretch>
-        </p:blipFill>
-        <p:spPr>
-          <a:xfrm>
-            <a:off x="9681085" y="238153"/>
-            <a:ext cx="1802101" cy="569807"/>
-          </a:xfrm>
-          <a:prstGeom prst="rect">
-            <a:avLst/>
-          </a:prstGeom>
-        </p:spPr>
-      </p:pic>
-      <p:cxnSp>
-        <p:nvCxnSpPr>
-          <p:cNvPr id="58" name="Connecteur droit 57">
-            <a:extLst>
-              <a:ext uri="{FF2B5EF4-FFF2-40B4-BE49-F238E27FC236}">
-                <a16:creationId xmlns:a16="http://schemas.microsoft.com/office/drawing/2014/main" id="{01599350-F8B0-4FDC-B003-981189A8D654}"/>
-              </a:ext>
-            </a:extLst>
-          </p:cNvPr>
-          <p:cNvCxnSpPr>
-            <a:cxnSpLocks/>
-          </p:cNvCxnSpPr>
-          <p:nvPr/>
-        </p:nvCxnSpPr>
-        <p:spPr>
-          <a:xfrm>
-            <a:off x="2573222" y="454803"/>
-            <a:ext cx="6829482" cy="10398"/>
-          </a:xfrm>
-          <a:prstGeom prst="line">
-            <a:avLst/>
-          </a:prstGeom>
-        </p:spPr>
-        <p:style>
-          <a:lnRef idx="3">
-            <a:schemeClr val="dk1"/>
-          </a:lnRef>
-          <a:fillRef idx="0">
-            <a:schemeClr val="dk1"/>
-          </a:fillRef>
-          <a:effectRef idx="2">
-            <a:schemeClr val="dk1"/>
-          </a:effectRef>
-          <a:fontRef idx="minor">
-            <a:schemeClr val="tx1"/>
-          </a:fontRef>
-        </p:style>
-      </p:cxnSp>
-      <p:cxnSp>
-        <p:nvCxnSpPr>
-          <p:cNvPr id="59" name="Connecteur droit 58">
-            <a:extLst>
-              <a:ext uri="{FF2B5EF4-FFF2-40B4-BE49-F238E27FC236}">
-                <a16:creationId xmlns:a16="http://schemas.microsoft.com/office/drawing/2014/main" id="{BC6E6150-6054-4785-84EC-0C46D82034C2}"/>
-              </a:ext>
-            </a:extLst>
-          </p:cNvPr>
-          <p:cNvCxnSpPr>
-            <a:cxnSpLocks/>
-          </p:cNvCxnSpPr>
-          <p:nvPr/>
-        </p:nvCxnSpPr>
-        <p:spPr>
-          <a:xfrm>
-            <a:off x="738231" y="454803"/>
-            <a:ext cx="344203" cy="484764"/>
-          </a:xfrm>
-          <a:prstGeom prst="line">
-            <a:avLst/>
-          </a:prstGeom>
-        </p:spPr>
-        <p:style>
-          <a:lnRef idx="3">
-            <a:schemeClr val="dk1"/>
-          </a:lnRef>
-          <a:fillRef idx="0">
-            <a:schemeClr val="dk1"/>
-          </a:fillRef>
-          <a:effectRef idx="2">
-            <a:schemeClr val="dk1"/>
-          </a:effectRef>
-          <a:fontRef idx="minor">
-            <a:schemeClr val="tx1"/>
-          </a:fontRef>
-        </p:style>
-      </p:cxnSp>
-      <p:cxnSp>
-        <p:nvCxnSpPr>
-          <p:cNvPr id="60" name="Connecteur droit 59">
-            <a:extLst>
-              <a:ext uri="{FF2B5EF4-FFF2-40B4-BE49-F238E27FC236}">
-                <a16:creationId xmlns:a16="http://schemas.microsoft.com/office/drawing/2014/main" id="{CBC9961A-8EC2-4287-A398-BCA4138D409D}"/>
-              </a:ext>
-            </a:extLst>
-          </p:cNvPr>
-          <p:cNvCxnSpPr>
-            <a:cxnSpLocks/>
-          </p:cNvCxnSpPr>
-          <p:nvPr/>
-        </p:nvCxnSpPr>
-        <p:spPr>
-          <a:xfrm>
-            <a:off x="1082434" y="938268"/>
-            <a:ext cx="1146585" cy="0"/>
-          </a:xfrm>
-          <a:prstGeom prst="line">
-            <a:avLst/>
-          </a:prstGeom>
-        </p:spPr>
-        <p:style>
-          <a:lnRef idx="3">
-            <a:schemeClr val="dk1"/>
-          </a:lnRef>
-          <a:fillRef idx="0">
-            <a:schemeClr val="dk1"/>
-          </a:fillRef>
-          <a:effectRef idx="2">
-            <a:schemeClr val="dk1"/>
-          </a:effectRef>
-          <a:fontRef idx="minor">
-            <a:schemeClr val="tx1"/>
-          </a:fontRef>
-        </p:style>
-      </p:cxnSp>
-      <p:cxnSp>
-        <p:nvCxnSpPr>
-          <p:cNvPr id="61" name="Connecteur droit 60">
-            <a:extLst>
-              <a:ext uri="{FF2B5EF4-FFF2-40B4-BE49-F238E27FC236}">
-                <a16:creationId xmlns:a16="http://schemas.microsoft.com/office/drawing/2014/main" id="{152B7C45-2543-4665-BC07-4DB71CA9F337}"/>
-              </a:ext>
-            </a:extLst>
-          </p:cNvPr>
-          <p:cNvCxnSpPr>
-            <a:cxnSpLocks/>
-          </p:cNvCxnSpPr>
-          <p:nvPr/>
-        </p:nvCxnSpPr>
-        <p:spPr>
-          <a:xfrm>
-            <a:off x="9402704" y="465201"/>
-            <a:ext cx="344203" cy="495163"/>
-          </a:xfrm>
-          <a:prstGeom prst="line">
-            <a:avLst/>
-          </a:prstGeom>
-        </p:spPr>
-        <p:style>
-          <a:lnRef idx="3">
-            <a:schemeClr val="dk1"/>
-          </a:lnRef>
-          <a:fillRef idx="0">
-            <a:schemeClr val="dk1"/>
-          </a:fillRef>
-          <a:effectRef idx="2">
-            <a:schemeClr val="dk1"/>
-          </a:effectRef>
-          <a:fontRef idx="minor">
-            <a:schemeClr val="tx1"/>
-          </a:fontRef>
-        </p:style>
-      </p:cxnSp>
-      <p:cxnSp>
-        <p:nvCxnSpPr>
-          <p:cNvPr id="62" name="Connecteur droit 61">
-            <a:extLst>
-              <a:ext uri="{FF2B5EF4-FFF2-40B4-BE49-F238E27FC236}">
-                <a16:creationId xmlns:a16="http://schemas.microsoft.com/office/drawing/2014/main" id="{00A84DC3-A112-46A3-B71C-04D85339323D}"/>
-              </a:ext>
-            </a:extLst>
-          </p:cNvPr>
-          <p:cNvCxnSpPr>
-            <a:cxnSpLocks/>
-          </p:cNvCxnSpPr>
-          <p:nvPr/>
-        </p:nvCxnSpPr>
-        <p:spPr>
-          <a:xfrm flipH="1">
-            <a:off x="11370469" y="448308"/>
-            <a:ext cx="364332" cy="501657"/>
-          </a:xfrm>
-          <a:prstGeom prst="line">
-            <a:avLst/>
-          </a:prstGeom>
-        </p:spPr>
-        <p:style>
-          <a:lnRef idx="3">
-            <a:schemeClr val="dk1"/>
-          </a:lnRef>
-          <a:fillRef idx="0">
-            <a:schemeClr val="dk1"/>
-          </a:fillRef>
-          <a:effectRef idx="2">
-            <a:schemeClr val="dk1"/>
-          </a:effectRef>
-          <a:fontRef idx="minor">
-            <a:schemeClr val="tx1"/>
-          </a:fontRef>
-        </p:style>
-      </p:cxnSp>
-      <p:cxnSp>
-        <p:nvCxnSpPr>
-          <p:cNvPr id="63" name="Connecteur droit 62">
-            <a:extLst>
-              <a:ext uri="{FF2B5EF4-FFF2-40B4-BE49-F238E27FC236}">
-                <a16:creationId xmlns:a16="http://schemas.microsoft.com/office/drawing/2014/main" id="{C50788C6-8F68-44EC-AB54-94C1D2FE554D}"/>
-              </a:ext>
-            </a:extLst>
-          </p:cNvPr>
-          <p:cNvCxnSpPr>
-            <a:cxnSpLocks/>
-          </p:cNvCxnSpPr>
-          <p:nvPr/>
-        </p:nvCxnSpPr>
-        <p:spPr>
-          <a:xfrm>
-            <a:off x="9743203" y="949965"/>
-            <a:ext cx="1627266" cy="0"/>
-          </a:xfrm>
-          <a:prstGeom prst="line">
-            <a:avLst/>
-          </a:prstGeom>
-        </p:spPr>
-        <p:style>
-          <a:lnRef idx="3">
-            <a:schemeClr val="dk1"/>
-          </a:lnRef>
-          <a:fillRef idx="0">
-            <a:schemeClr val="dk1"/>
-          </a:fillRef>
-          <a:effectRef idx="2">
-            <a:schemeClr val="dk1"/>
-          </a:effectRef>
-          <a:fontRef idx="minor">
-            <a:schemeClr val="tx1"/>
-          </a:fontRef>
-        </p:style>
-      </p:cxnSp>
-      <p:cxnSp>
-        <p:nvCxnSpPr>
-          <p:cNvPr id="64" name="Connecteur droit 63">
-            <a:extLst>
-              <a:ext uri="{FF2B5EF4-FFF2-40B4-BE49-F238E27FC236}">
-                <a16:creationId xmlns:a16="http://schemas.microsoft.com/office/drawing/2014/main" id="{BC4D4E5F-5636-45CB-873C-EC085AB307A3}"/>
-              </a:ext>
-            </a:extLst>
-          </p:cNvPr>
-          <p:cNvCxnSpPr>
-            <a:cxnSpLocks/>
-          </p:cNvCxnSpPr>
-          <p:nvPr/>
-        </p:nvCxnSpPr>
-        <p:spPr>
-          <a:xfrm>
-            <a:off x="11715750" y="454801"/>
-            <a:ext cx="476249" cy="10400"/>
-          </a:xfrm>
-          <a:prstGeom prst="line">
-            <a:avLst/>
-          </a:prstGeom>
-        </p:spPr>
-        <p:style>
-          <a:lnRef idx="3">
-            <a:schemeClr val="dk1"/>
-          </a:lnRef>
-          <a:fillRef idx="0">
-            <a:schemeClr val="dk1"/>
-          </a:fillRef>
-          <a:effectRef idx="2">
-            <a:schemeClr val="dk1"/>
-          </a:effectRef>
-          <a:fontRef idx="minor">
-            <a:schemeClr val="tx1"/>
-          </a:fontRef>
-        </p:style>
-      </p:cxnSp>
-      <p:cxnSp>
-        <p:nvCxnSpPr>
-          <p:cNvPr id="65" name="Connecteur droit 64">
-            <a:extLst>
-              <a:ext uri="{FF2B5EF4-FFF2-40B4-BE49-F238E27FC236}">
-                <a16:creationId xmlns:a16="http://schemas.microsoft.com/office/drawing/2014/main" id="{E6F6B4C5-0E3B-46C9-859D-EE774175D36F}"/>
-              </a:ext>
-            </a:extLst>
-          </p:cNvPr>
-          <p:cNvCxnSpPr>
-            <a:cxnSpLocks/>
-          </p:cNvCxnSpPr>
-          <p:nvPr/>
-        </p:nvCxnSpPr>
-        <p:spPr>
-          <a:xfrm flipH="1">
-            <a:off x="2216372" y="446356"/>
-            <a:ext cx="364332" cy="501657"/>
-          </a:xfrm>
-          <a:prstGeom prst="line">
-            <a:avLst/>
-          </a:prstGeom>
-        </p:spPr>
-        <p:style>
-          <a:lnRef idx="3">
-            <a:schemeClr val="dk1"/>
-          </a:lnRef>
-          <a:fillRef idx="0">
-            <a:schemeClr val="dk1"/>
-          </a:fillRef>
-          <a:effectRef idx="2">
-            <a:schemeClr val="dk1"/>
-          </a:effectRef>
-          <a:fontRef idx="minor">
-            <a:schemeClr val="tx1"/>
-          </a:fontRef>
-        </p:style>
-      </p:cxnSp>
-      <p:sp>
-        <p:nvSpPr>
-          <p:cNvPr id="2" name="ZoneTexte 1">
-            <a:extLst>
-              <a:ext uri="{FF2B5EF4-FFF2-40B4-BE49-F238E27FC236}">
-                <a16:creationId xmlns:a16="http://schemas.microsoft.com/office/drawing/2014/main" id="{128A5370-27C5-4A3F-98D7-D74D075851FE}"/>
-              </a:ext>
-            </a:extLst>
-          </p:cNvPr>
-          <p:cNvSpPr txBox="1"/>
-          <p:nvPr/>
-        </p:nvSpPr>
-        <p:spPr>
-          <a:xfrm>
             <a:off x="4569176" y="523056"/>
             <a:ext cx="2659224" cy="769441"/>
           </a:xfrm>
@@ -12043,7 +9325,7 @@
 </p:sld>
 </file>
 
-<file path=ppt/slides/slide16.xml><?xml version="1.0" encoding="utf-8"?>
+<file path=ppt/slides/slide13.xml><?xml version="1.0" encoding="utf-8"?>
 <p:sld xmlns:a="http://schemas.openxmlformats.org/drawingml/2006/main" xmlns:r="http://schemas.openxmlformats.org/officeDocument/2006/relationships" xmlns:p="http://schemas.openxmlformats.org/presentationml/2006/main">
   <p:cSld>
     <p:spTree>
@@ -16831,7 +14113,7 @@
           <a:p>
             <a:r>
               <a:rPr lang="fr-FR" dirty="0"/>
-              <a:t>Partie BDD avec le serveur Wamp</a:t>
+              <a:t>Partie Web + BDD avec le serveur Wamp</a:t>
             </a:r>
           </a:p>
           <a:p>
@@ -21228,7 +18510,7 @@
         <p:spPr>
           <a:xfrm>
             <a:off x="7457013" y="5078540"/>
-            <a:ext cx="2860650" cy="369332"/>
+            <a:ext cx="2860650" cy="646331"/>
           </a:xfrm>
           <a:prstGeom prst="rect">
             <a:avLst/>
@@ -21244,6 +18526,12 @@
             <a:r>
               <a:rPr lang="fr-FR" dirty="0"/>
               <a:t>Utilisation de la boucle 4-20</a:t>
+            </a:r>
+          </a:p>
+          <a:p>
+            <a:r>
+              <a:rPr lang="fr-FR" dirty="0"/>
+              <a:t>Plage : 0 à 100°C et 0 à 40°C</a:t>
             </a:r>
           </a:p>
         </p:txBody>

--- a/oral_projet/revue_2/diaporama_revue_2_steven.pptx
+++ b/oral_projet/revue_2/diaporama_revue_2_steven.pptx
@@ -18344,7 +18344,7 @@
         </p:blipFill>
         <p:spPr>
           <a:xfrm>
-            <a:off x="1694242" y="2794678"/>
+            <a:off x="1644318" y="2678592"/>
             <a:ext cx="625703" cy="625703"/>
           </a:xfrm>
           <a:prstGeom prst="rect">
@@ -18475,7 +18475,7 @@
         <p:spPr>
           <a:xfrm>
             <a:off x="2573222" y="1551166"/>
-            <a:ext cx="2860650" cy="369332"/>
+            <a:ext cx="2860650" cy="646331"/>
           </a:xfrm>
           <a:prstGeom prst="rect">
             <a:avLst/>
@@ -18491,6 +18491,12 @@
             <a:r>
               <a:rPr lang="fr-FR" dirty="0"/>
               <a:t>Utilisation de la boucle 4-20</a:t>
+            </a:r>
+          </a:p>
+          <a:p>
+            <a:r>
+              <a:rPr lang="fr-FR" dirty="0"/>
+              <a:t>Plage 0 à 1000W/m²</a:t>
             </a:r>
           </a:p>
         </p:txBody>
@@ -18645,7 +18651,15 @@
           <a:p>
             <a:r>
               <a:rPr lang="fr-FR" dirty="0"/>
-              <a:t>Utilisation des ports analogiques et digitales pour connecter les différents capteurs</a:t>
+              <a:t>Utilisation des ports analogiques </a:t>
+            </a:r>
+            <a:r>
+              <a:rPr lang="fr-FR"/>
+              <a:t>et digitales </a:t>
+            </a:r>
+            <a:r>
+              <a:rPr lang="fr-FR" dirty="0"/>
+              <a:t>pour connecter les différents capteurs</a:t>
             </a:r>
           </a:p>
         </p:txBody>

--- a/oral_projet/revue_2/diaporama_revue_2_steven.pptx
+++ b/oral_projet/revue_2/diaporama_revue_2_steven.pptx
@@ -17413,10 +17413,10 @@
       </p:sp>
       <p:pic>
         <p:nvPicPr>
-          <p:cNvPr id="4" name="Image 3">
-            <a:extLst>
-              <a:ext uri="{FF2B5EF4-FFF2-40B4-BE49-F238E27FC236}">
-                <a16:creationId xmlns:a16="http://schemas.microsoft.com/office/drawing/2014/main" id="{E85F3E60-A809-4CF3-8988-26E4D6B96CAD}"/>
+          <p:cNvPr id="5" name="Image 4">
+            <a:extLst>
+              <a:ext uri="{FF2B5EF4-FFF2-40B4-BE49-F238E27FC236}">
+                <a16:creationId xmlns:a16="http://schemas.microsoft.com/office/drawing/2014/main" id="{2D37ABB9-9FFD-489F-A246-B4C4468314EA}"/>
               </a:ext>
             </a:extLst>
           </p:cNvPr>
@@ -17439,8 +17439,8 @@
         </p:blipFill>
         <p:spPr>
           <a:xfrm>
-            <a:off x="1614196" y="1327912"/>
-            <a:ext cx="9946268" cy="5978899"/>
+            <a:off x="1523437" y="1487856"/>
+            <a:ext cx="8538907" cy="5220854"/>
           </a:xfrm>
           <a:prstGeom prst="rect">
             <a:avLst/>

--- a/oral_projet/revue_2/diaporama_revue_2_steven.pptx
+++ b/oral_projet/revue_2/diaporama_revue_2_steven.pptx
@@ -5,7 +5,7 @@
     <p:sldMasterId id="2147483648" r:id="rId1"/>
   </p:sldMasterIdLst>
   <p:notesMasterIdLst>
-    <p:notesMasterId r:id="rId15"/>
+    <p:notesMasterId r:id="rId16"/>
   </p:notesMasterIdLst>
   <p:sldIdLst>
     <p:sldId id="256" r:id="rId2"/>
@@ -19,8 +19,9 @@
     <p:sldId id="262" r:id="rId10"/>
     <p:sldId id="263" r:id="rId11"/>
     <p:sldId id="268" r:id="rId12"/>
-    <p:sldId id="271" r:id="rId13"/>
-    <p:sldId id="269" r:id="rId14"/>
+    <p:sldId id="269" r:id="rId13"/>
+    <p:sldId id="271" r:id="rId14"/>
+    <p:sldId id="272" r:id="rId15"/>
   </p:sldIdLst>
   <p:sldSz cx="12192000" cy="6858000"/>
   <p:notesSz cx="6858000" cy="9144000"/>
@@ -9263,12 +9264,1745 @@
           </a:fontRef>
         </p:style>
       </p:cxnSp>
+      <p:graphicFrame>
+        <p:nvGraphicFramePr>
+          <p:cNvPr id="2" name="Tableau 1">
+            <a:extLst>
+              <a:ext uri="{FF2B5EF4-FFF2-40B4-BE49-F238E27FC236}">
+                <a16:creationId xmlns:a16="http://schemas.microsoft.com/office/drawing/2014/main" id="{C24DDFFC-1E96-4311-A76A-F9BE75CD4204}"/>
+              </a:ext>
+            </a:extLst>
+          </p:cNvPr>
+          <p:cNvGraphicFramePr>
+            <a:graphicFrameLocks noGrp="1"/>
+          </p:cNvGraphicFramePr>
+          <p:nvPr>
+            <p:extLst>
+              <p:ext uri="{D42A27DB-BD31-4B8C-83A1-F6EECF244321}">
+                <p14:modId xmlns:p14="http://schemas.microsoft.com/office/powerpoint/2010/main" val="3198405081"/>
+              </p:ext>
+            </p:extLst>
+          </p:nvPr>
+        </p:nvGraphicFramePr>
+        <p:xfrm>
+          <a:off x="3372639" y="4874287"/>
+          <a:ext cx="5754370" cy="1745869"/>
+        </p:xfrm>
+        <a:graphic>
+          <a:graphicData uri="http://schemas.openxmlformats.org/drawingml/2006/table">
+            <a:tbl>
+              <a:tblPr firstRow="1" firstCol="1" bandRow="1">
+                <a:tableStyleId>{5C22544A-7EE6-4342-B048-85BDC9FD1C3A}</a:tableStyleId>
+              </a:tblPr>
+              <a:tblGrid>
+                <a:gridCol w="2877185">
+                  <a:extLst>
+                    <a:ext uri="{9D8B030D-6E8A-4147-A177-3AD203B41FA5}">
+                      <a16:colId xmlns:a16="http://schemas.microsoft.com/office/drawing/2014/main" val="3587322684"/>
+                    </a:ext>
+                  </a:extLst>
+                </a:gridCol>
+                <a:gridCol w="2877185">
+                  <a:extLst>
+                    <a:ext uri="{9D8B030D-6E8A-4147-A177-3AD203B41FA5}">
+                      <a16:colId xmlns:a16="http://schemas.microsoft.com/office/drawing/2014/main" val="1821820631"/>
+                    </a:ext>
+                  </a:extLst>
+                </a:gridCol>
+              </a:tblGrid>
+              <a:tr h="0">
+                <a:tc>
+                  <a:txBody>
+                    <a:bodyPr/>
+                    <a:lstStyle/>
+                    <a:p>
+                      <a:pPr algn="ctr">
+                        <a:lnSpc>
+                          <a:spcPct val="107000"/>
+                        </a:lnSpc>
+                        <a:spcAft>
+                          <a:spcPts val="0"/>
+                        </a:spcAft>
+                      </a:pPr>
+                      <a:r>
+                        <a:rPr lang="fr-FR" sz="1600">
+                          <a:effectLst/>
+                        </a:rPr>
+                        <a:t>Direction du vent</a:t>
+                      </a:r>
+                      <a:endParaRPr lang="fr-FR" sz="1200">
+                        <a:effectLst/>
+                        <a:latin typeface="Calibri" panose="020F0502020204030204" pitchFamily="34" charset="0"/>
+                        <a:ea typeface="Calibri" panose="020F0502020204030204" pitchFamily="34" charset="0"/>
+                        <a:cs typeface="Times New Roman" panose="02020603050405020304" pitchFamily="18" charset="0"/>
+                      </a:endParaRPr>
+                    </a:p>
+                  </a:txBody>
+                  <a:tcPr marL="68580" marR="68580" marT="0" marB="0"/>
+                </a:tc>
+                <a:tc>
+                  <a:txBody>
+                    <a:bodyPr/>
+                    <a:lstStyle/>
+                    <a:p>
+                      <a:pPr algn="ctr">
+                        <a:lnSpc>
+                          <a:spcPct val="107000"/>
+                        </a:lnSpc>
+                        <a:spcAft>
+                          <a:spcPts val="0"/>
+                        </a:spcAft>
+                      </a:pPr>
+                      <a:r>
+                        <a:rPr lang="fr-FR" sz="1600" dirty="0">
+                          <a:effectLst/>
+                        </a:rPr>
+                        <a:t>Degré</a:t>
+                      </a:r>
+                      <a:endParaRPr lang="fr-FR" sz="1200" dirty="0">
+                        <a:effectLst/>
+                        <a:latin typeface="Calibri" panose="020F0502020204030204" pitchFamily="34" charset="0"/>
+                        <a:ea typeface="Calibri" panose="020F0502020204030204" pitchFamily="34" charset="0"/>
+                        <a:cs typeface="Times New Roman" panose="02020603050405020304" pitchFamily="18" charset="0"/>
+                      </a:endParaRPr>
+                    </a:p>
+                  </a:txBody>
+                  <a:tcPr marL="68580" marR="68580" marT="0" marB="0"/>
+                </a:tc>
+                <a:extLst>
+                  <a:ext uri="{0D108BD9-81ED-4DB2-BD59-A6C34878D82A}">
+                    <a16:rowId xmlns:a16="http://schemas.microsoft.com/office/drawing/2014/main" val="3630012355"/>
+                  </a:ext>
+                </a:extLst>
+              </a:tr>
+              <a:tr h="0">
+                <a:tc>
+                  <a:txBody>
+                    <a:bodyPr/>
+                    <a:lstStyle/>
+                    <a:p>
+                      <a:pPr>
+                        <a:lnSpc>
+                          <a:spcPct val="107000"/>
+                        </a:lnSpc>
+                        <a:spcAft>
+                          <a:spcPts val="0"/>
+                        </a:spcAft>
+                      </a:pPr>
+                      <a:r>
+                        <a:rPr lang="fr-FR" sz="1200">
+                          <a:effectLst/>
+                        </a:rPr>
+                        <a:t>Nord</a:t>
+                      </a:r>
+                      <a:endParaRPr lang="fr-FR" sz="1200">
+                        <a:effectLst/>
+                        <a:latin typeface="Calibri" panose="020F0502020204030204" pitchFamily="34" charset="0"/>
+                        <a:ea typeface="Calibri" panose="020F0502020204030204" pitchFamily="34" charset="0"/>
+                        <a:cs typeface="Times New Roman" panose="02020603050405020304" pitchFamily="18" charset="0"/>
+                      </a:endParaRPr>
+                    </a:p>
+                  </a:txBody>
+                  <a:tcPr marL="68580" marR="68580" marT="0" marB="0"/>
+                </a:tc>
+                <a:tc>
+                  <a:txBody>
+                    <a:bodyPr/>
+                    <a:lstStyle/>
+                    <a:p>
+                      <a:pPr>
+                        <a:lnSpc>
+                          <a:spcPct val="107000"/>
+                        </a:lnSpc>
+                        <a:spcAft>
+                          <a:spcPts val="0"/>
+                        </a:spcAft>
+                      </a:pPr>
+                      <a:r>
+                        <a:rPr lang="fr-FR" sz="1200">
+                          <a:effectLst/>
+                        </a:rPr>
+                        <a:t>0, 360°</a:t>
+                      </a:r>
+                      <a:endParaRPr lang="fr-FR" sz="1200">
+                        <a:effectLst/>
+                        <a:latin typeface="Calibri" panose="020F0502020204030204" pitchFamily="34" charset="0"/>
+                        <a:ea typeface="Calibri" panose="020F0502020204030204" pitchFamily="34" charset="0"/>
+                        <a:cs typeface="Times New Roman" panose="02020603050405020304" pitchFamily="18" charset="0"/>
+                      </a:endParaRPr>
+                    </a:p>
+                  </a:txBody>
+                  <a:tcPr marL="68580" marR="68580" marT="0" marB="0"/>
+                </a:tc>
+                <a:extLst>
+                  <a:ext uri="{0D108BD9-81ED-4DB2-BD59-A6C34878D82A}">
+                    <a16:rowId xmlns:a16="http://schemas.microsoft.com/office/drawing/2014/main" val="2099754168"/>
+                  </a:ext>
+                </a:extLst>
+              </a:tr>
+              <a:tr h="0">
+                <a:tc>
+                  <a:txBody>
+                    <a:bodyPr/>
+                    <a:lstStyle/>
+                    <a:p>
+                      <a:pPr>
+                        <a:lnSpc>
+                          <a:spcPct val="107000"/>
+                        </a:lnSpc>
+                        <a:spcAft>
+                          <a:spcPts val="0"/>
+                        </a:spcAft>
+                      </a:pPr>
+                      <a:r>
+                        <a:rPr lang="fr-FR" sz="1200">
+                          <a:effectLst/>
+                        </a:rPr>
+                        <a:t>Nord-Est</a:t>
+                      </a:r>
+                      <a:endParaRPr lang="fr-FR" sz="1200">
+                        <a:effectLst/>
+                        <a:latin typeface="Calibri" panose="020F0502020204030204" pitchFamily="34" charset="0"/>
+                        <a:ea typeface="Calibri" panose="020F0502020204030204" pitchFamily="34" charset="0"/>
+                        <a:cs typeface="Times New Roman" panose="02020603050405020304" pitchFamily="18" charset="0"/>
+                      </a:endParaRPr>
+                    </a:p>
+                  </a:txBody>
+                  <a:tcPr marL="68580" marR="68580" marT="0" marB="0"/>
+                </a:tc>
+                <a:tc>
+                  <a:txBody>
+                    <a:bodyPr/>
+                    <a:lstStyle/>
+                    <a:p>
+                      <a:pPr>
+                        <a:lnSpc>
+                          <a:spcPct val="107000"/>
+                        </a:lnSpc>
+                        <a:spcAft>
+                          <a:spcPts val="0"/>
+                        </a:spcAft>
+                      </a:pPr>
+                      <a:r>
+                        <a:rPr lang="fr-FR" sz="1200">
+                          <a:effectLst/>
+                        </a:rPr>
+                        <a:t>22,5°</a:t>
+                      </a:r>
+                      <a:endParaRPr lang="fr-FR" sz="1200">
+                        <a:effectLst/>
+                        <a:latin typeface="Calibri" panose="020F0502020204030204" pitchFamily="34" charset="0"/>
+                        <a:ea typeface="Calibri" panose="020F0502020204030204" pitchFamily="34" charset="0"/>
+                        <a:cs typeface="Times New Roman" panose="02020603050405020304" pitchFamily="18" charset="0"/>
+                      </a:endParaRPr>
+                    </a:p>
+                  </a:txBody>
+                  <a:tcPr marL="68580" marR="68580" marT="0" marB="0"/>
+                </a:tc>
+                <a:extLst>
+                  <a:ext uri="{0D108BD9-81ED-4DB2-BD59-A6C34878D82A}">
+                    <a16:rowId xmlns:a16="http://schemas.microsoft.com/office/drawing/2014/main" val="2363130988"/>
+                  </a:ext>
+                </a:extLst>
+              </a:tr>
+              <a:tr h="0">
+                <a:tc>
+                  <a:txBody>
+                    <a:bodyPr/>
+                    <a:lstStyle/>
+                    <a:p>
+                      <a:pPr>
+                        <a:lnSpc>
+                          <a:spcPct val="107000"/>
+                        </a:lnSpc>
+                        <a:spcAft>
+                          <a:spcPts val="0"/>
+                        </a:spcAft>
+                      </a:pPr>
+                      <a:r>
+                        <a:rPr lang="fr-FR" sz="1200">
+                          <a:effectLst/>
+                        </a:rPr>
+                        <a:t>Est</a:t>
+                      </a:r>
+                      <a:endParaRPr lang="fr-FR" sz="1200">
+                        <a:effectLst/>
+                        <a:latin typeface="Calibri" panose="020F0502020204030204" pitchFamily="34" charset="0"/>
+                        <a:ea typeface="Calibri" panose="020F0502020204030204" pitchFamily="34" charset="0"/>
+                        <a:cs typeface="Times New Roman" panose="02020603050405020304" pitchFamily="18" charset="0"/>
+                      </a:endParaRPr>
+                    </a:p>
+                  </a:txBody>
+                  <a:tcPr marL="68580" marR="68580" marT="0" marB="0"/>
+                </a:tc>
+                <a:tc>
+                  <a:txBody>
+                    <a:bodyPr/>
+                    <a:lstStyle/>
+                    <a:p>
+                      <a:pPr>
+                        <a:lnSpc>
+                          <a:spcPct val="107000"/>
+                        </a:lnSpc>
+                        <a:spcAft>
+                          <a:spcPts val="0"/>
+                        </a:spcAft>
+                      </a:pPr>
+                      <a:r>
+                        <a:rPr lang="fr-FR" sz="1200">
+                          <a:effectLst/>
+                        </a:rPr>
+                        <a:t>90</a:t>
+                      </a:r>
+                      <a:endParaRPr lang="fr-FR" sz="1200">
+                        <a:effectLst/>
+                        <a:latin typeface="Calibri" panose="020F0502020204030204" pitchFamily="34" charset="0"/>
+                        <a:ea typeface="Calibri" panose="020F0502020204030204" pitchFamily="34" charset="0"/>
+                        <a:cs typeface="Times New Roman" panose="02020603050405020304" pitchFamily="18" charset="0"/>
+                      </a:endParaRPr>
+                    </a:p>
+                  </a:txBody>
+                  <a:tcPr marL="68580" marR="68580" marT="0" marB="0"/>
+                </a:tc>
+                <a:extLst>
+                  <a:ext uri="{0D108BD9-81ED-4DB2-BD59-A6C34878D82A}">
+                    <a16:rowId xmlns:a16="http://schemas.microsoft.com/office/drawing/2014/main" val="1385529963"/>
+                  </a:ext>
+                </a:extLst>
+              </a:tr>
+              <a:tr h="0">
+                <a:tc>
+                  <a:txBody>
+                    <a:bodyPr/>
+                    <a:lstStyle/>
+                    <a:p>
+                      <a:pPr>
+                        <a:lnSpc>
+                          <a:spcPct val="107000"/>
+                        </a:lnSpc>
+                        <a:spcAft>
+                          <a:spcPts val="0"/>
+                        </a:spcAft>
+                      </a:pPr>
+                      <a:r>
+                        <a:rPr lang="fr-FR" sz="1200">
+                          <a:effectLst/>
+                        </a:rPr>
+                        <a:t>Sud-Est</a:t>
+                      </a:r>
+                      <a:endParaRPr lang="fr-FR" sz="1200">
+                        <a:effectLst/>
+                        <a:latin typeface="Calibri" panose="020F0502020204030204" pitchFamily="34" charset="0"/>
+                        <a:ea typeface="Calibri" panose="020F0502020204030204" pitchFamily="34" charset="0"/>
+                        <a:cs typeface="Times New Roman" panose="02020603050405020304" pitchFamily="18" charset="0"/>
+                      </a:endParaRPr>
+                    </a:p>
+                  </a:txBody>
+                  <a:tcPr marL="68580" marR="68580" marT="0" marB="0"/>
+                </a:tc>
+                <a:tc>
+                  <a:txBody>
+                    <a:bodyPr/>
+                    <a:lstStyle/>
+                    <a:p>
+                      <a:pPr>
+                        <a:lnSpc>
+                          <a:spcPct val="107000"/>
+                        </a:lnSpc>
+                        <a:spcAft>
+                          <a:spcPts val="0"/>
+                        </a:spcAft>
+                      </a:pPr>
+                      <a:r>
+                        <a:rPr lang="fr-FR" sz="1200">
+                          <a:effectLst/>
+                        </a:rPr>
+                        <a:t>135</a:t>
+                      </a:r>
+                      <a:endParaRPr lang="fr-FR" sz="1200">
+                        <a:effectLst/>
+                        <a:latin typeface="Calibri" panose="020F0502020204030204" pitchFamily="34" charset="0"/>
+                        <a:ea typeface="Calibri" panose="020F0502020204030204" pitchFamily="34" charset="0"/>
+                        <a:cs typeface="Times New Roman" panose="02020603050405020304" pitchFamily="18" charset="0"/>
+                      </a:endParaRPr>
+                    </a:p>
+                  </a:txBody>
+                  <a:tcPr marL="68580" marR="68580" marT="0" marB="0"/>
+                </a:tc>
+                <a:extLst>
+                  <a:ext uri="{0D108BD9-81ED-4DB2-BD59-A6C34878D82A}">
+                    <a16:rowId xmlns:a16="http://schemas.microsoft.com/office/drawing/2014/main" val="1644530268"/>
+                  </a:ext>
+                </a:extLst>
+              </a:tr>
+              <a:tr h="0">
+                <a:tc>
+                  <a:txBody>
+                    <a:bodyPr/>
+                    <a:lstStyle/>
+                    <a:p>
+                      <a:pPr>
+                        <a:lnSpc>
+                          <a:spcPct val="107000"/>
+                        </a:lnSpc>
+                        <a:spcAft>
+                          <a:spcPts val="0"/>
+                        </a:spcAft>
+                      </a:pPr>
+                      <a:r>
+                        <a:rPr lang="fr-FR" sz="1200">
+                          <a:effectLst/>
+                        </a:rPr>
+                        <a:t>Sud</a:t>
+                      </a:r>
+                      <a:endParaRPr lang="fr-FR" sz="1200">
+                        <a:effectLst/>
+                        <a:latin typeface="Calibri" panose="020F0502020204030204" pitchFamily="34" charset="0"/>
+                        <a:ea typeface="Calibri" panose="020F0502020204030204" pitchFamily="34" charset="0"/>
+                        <a:cs typeface="Times New Roman" panose="02020603050405020304" pitchFamily="18" charset="0"/>
+                      </a:endParaRPr>
+                    </a:p>
+                  </a:txBody>
+                  <a:tcPr marL="68580" marR="68580" marT="0" marB="0"/>
+                </a:tc>
+                <a:tc>
+                  <a:txBody>
+                    <a:bodyPr/>
+                    <a:lstStyle/>
+                    <a:p>
+                      <a:pPr>
+                        <a:lnSpc>
+                          <a:spcPct val="107000"/>
+                        </a:lnSpc>
+                        <a:spcAft>
+                          <a:spcPts val="0"/>
+                        </a:spcAft>
+                      </a:pPr>
+                      <a:r>
+                        <a:rPr lang="fr-FR" sz="1200">
+                          <a:effectLst/>
+                        </a:rPr>
+                        <a:t>180</a:t>
+                      </a:r>
+                      <a:endParaRPr lang="fr-FR" sz="1200">
+                        <a:effectLst/>
+                        <a:latin typeface="Calibri" panose="020F0502020204030204" pitchFamily="34" charset="0"/>
+                        <a:ea typeface="Calibri" panose="020F0502020204030204" pitchFamily="34" charset="0"/>
+                        <a:cs typeface="Times New Roman" panose="02020603050405020304" pitchFamily="18" charset="0"/>
+                      </a:endParaRPr>
+                    </a:p>
+                  </a:txBody>
+                  <a:tcPr marL="68580" marR="68580" marT="0" marB="0"/>
+                </a:tc>
+                <a:extLst>
+                  <a:ext uri="{0D108BD9-81ED-4DB2-BD59-A6C34878D82A}">
+                    <a16:rowId xmlns:a16="http://schemas.microsoft.com/office/drawing/2014/main" val="4015278606"/>
+                  </a:ext>
+                </a:extLst>
+              </a:tr>
+              <a:tr h="0">
+                <a:tc>
+                  <a:txBody>
+                    <a:bodyPr/>
+                    <a:lstStyle/>
+                    <a:p>
+                      <a:pPr>
+                        <a:lnSpc>
+                          <a:spcPct val="107000"/>
+                        </a:lnSpc>
+                        <a:spcAft>
+                          <a:spcPts val="0"/>
+                        </a:spcAft>
+                      </a:pPr>
+                      <a:r>
+                        <a:rPr lang="fr-FR" sz="1200">
+                          <a:effectLst/>
+                        </a:rPr>
+                        <a:t>Sud-Ouest</a:t>
+                      </a:r>
+                      <a:endParaRPr lang="fr-FR" sz="1200">
+                        <a:effectLst/>
+                        <a:latin typeface="Calibri" panose="020F0502020204030204" pitchFamily="34" charset="0"/>
+                        <a:ea typeface="Calibri" panose="020F0502020204030204" pitchFamily="34" charset="0"/>
+                        <a:cs typeface="Times New Roman" panose="02020603050405020304" pitchFamily="18" charset="0"/>
+                      </a:endParaRPr>
+                    </a:p>
+                  </a:txBody>
+                  <a:tcPr marL="68580" marR="68580" marT="0" marB="0"/>
+                </a:tc>
+                <a:tc>
+                  <a:txBody>
+                    <a:bodyPr/>
+                    <a:lstStyle/>
+                    <a:p>
+                      <a:pPr>
+                        <a:lnSpc>
+                          <a:spcPct val="107000"/>
+                        </a:lnSpc>
+                        <a:spcAft>
+                          <a:spcPts val="0"/>
+                        </a:spcAft>
+                      </a:pPr>
+                      <a:r>
+                        <a:rPr lang="fr-FR" sz="1200">
+                          <a:effectLst/>
+                        </a:rPr>
+                        <a:t>225</a:t>
+                      </a:r>
+                      <a:endParaRPr lang="fr-FR" sz="1200">
+                        <a:effectLst/>
+                        <a:latin typeface="Calibri" panose="020F0502020204030204" pitchFamily="34" charset="0"/>
+                        <a:ea typeface="Calibri" panose="020F0502020204030204" pitchFamily="34" charset="0"/>
+                        <a:cs typeface="Times New Roman" panose="02020603050405020304" pitchFamily="18" charset="0"/>
+                      </a:endParaRPr>
+                    </a:p>
+                  </a:txBody>
+                  <a:tcPr marL="68580" marR="68580" marT="0" marB="0"/>
+                </a:tc>
+                <a:extLst>
+                  <a:ext uri="{0D108BD9-81ED-4DB2-BD59-A6C34878D82A}">
+                    <a16:rowId xmlns:a16="http://schemas.microsoft.com/office/drawing/2014/main" val="1765435916"/>
+                  </a:ext>
+                </a:extLst>
+              </a:tr>
+              <a:tr h="0">
+                <a:tc>
+                  <a:txBody>
+                    <a:bodyPr/>
+                    <a:lstStyle/>
+                    <a:p>
+                      <a:pPr>
+                        <a:lnSpc>
+                          <a:spcPct val="107000"/>
+                        </a:lnSpc>
+                        <a:spcAft>
+                          <a:spcPts val="0"/>
+                        </a:spcAft>
+                      </a:pPr>
+                      <a:r>
+                        <a:rPr lang="fr-FR" sz="1200">
+                          <a:effectLst/>
+                        </a:rPr>
+                        <a:t>Ouest</a:t>
+                      </a:r>
+                      <a:endParaRPr lang="fr-FR" sz="1200">
+                        <a:effectLst/>
+                        <a:latin typeface="Calibri" panose="020F0502020204030204" pitchFamily="34" charset="0"/>
+                        <a:ea typeface="Calibri" panose="020F0502020204030204" pitchFamily="34" charset="0"/>
+                        <a:cs typeface="Times New Roman" panose="02020603050405020304" pitchFamily="18" charset="0"/>
+                      </a:endParaRPr>
+                    </a:p>
+                  </a:txBody>
+                  <a:tcPr marL="68580" marR="68580" marT="0" marB="0"/>
+                </a:tc>
+                <a:tc>
+                  <a:txBody>
+                    <a:bodyPr/>
+                    <a:lstStyle/>
+                    <a:p>
+                      <a:pPr>
+                        <a:lnSpc>
+                          <a:spcPct val="107000"/>
+                        </a:lnSpc>
+                        <a:spcAft>
+                          <a:spcPts val="0"/>
+                        </a:spcAft>
+                      </a:pPr>
+                      <a:r>
+                        <a:rPr lang="fr-FR" sz="1200">
+                          <a:effectLst/>
+                        </a:rPr>
+                        <a:t>270</a:t>
+                      </a:r>
+                      <a:endParaRPr lang="fr-FR" sz="1200">
+                        <a:effectLst/>
+                        <a:latin typeface="Calibri" panose="020F0502020204030204" pitchFamily="34" charset="0"/>
+                        <a:ea typeface="Calibri" panose="020F0502020204030204" pitchFamily="34" charset="0"/>
+                        <a:cs typeface="Times New Roman" panose="02020603050405020304" pitchFamily="18" charset="0"/>
+                      </a:endParaRPr>
+                    </a:p>
+                  </a:txBody>
+                  <a:tcPr marL="68580" marR="68580" marT="0" marB="0"/>
+                </a:tc>
+                <a:extLst>
+                  <a:ext uri="{0D108BD9-81ED-4DB2-BD59-A6C34878D82A}">
+                    <a16:rowId xmlns:a16="http://schemas.microsoft.com/office/drawing/2014/main" val="1057518091"/>
+                  </a:ext>
+                </a:extLst>
+              </a:tr>
+              <a:tr h="0">
+                <a:tc>
+                  <a:txBody>
+                    <a:bodyPr/>
+                    <a:lstStyle/>
+                    <a:p>
+                      <a:pPr>
+                        <a:lnSpc>
+                          <a:spcPct val="107000"/>
+                        </a:lnSpc>
+                        <a:spcAft>
+                          <a:spcPts val="0"/>
+                        </a:spcAft>
+                      </a:pPr>
+                      <a:r>
+                        <a:rPr lang="fr-FR" sz="1200">
+                          <a:effectLst/>
+                        </a:rPr>
+                        <a:t>Nord-Ouest</a:t>
+                      </a:r>
+                      <a:endParaRPr lang="fr-FR" sz="1200">
+                        <a:effectLst/>
+                        <a:latin typeface="Calibri" panose="020F0502020204030204" pitchFamily="34" charset="0"/>
+                        <a:ea typeface="Calibri" panose="020F0502020204030204" pitchFamily="34" charset="0"/>
+                        <a:cs typeface="Times New Roman" panose="02020603050405020304" pitchFamily="18" charset="0"/>
+                      </a:endParaRPr>
+                    </a:p>
+                  </a:txBody>
+                  <a:tcPr marL="68580" marR="68580" marT="0" marB="0"/>
+                </a:tc>
+                <a:tc>
+                  <a:txBody>
+                    <a:bodyPr/>
+                    <a:lstStyle/>
+                    <a:p>
+                      <a:pPr>
+                        <a:lnSpc>
+                          <a:spcPct val="107000"/>
+                        </a:lnSpc>
+                        <a:spcAft>
+                          <a:spcPts val="0"/>
+                        </a:spcAft>
+                      </a:pPr>
+                      <a:r>
+                        <a:rPr lang="fr-FR" sz="1200" dirty="0">
+                          <a:effectLst/>
+                        </a:rPr>
+                        <a:t>315</a:t>
+                      </a:r>
+                      <a:endParaRPr lang="fr-FR" sz="1200" dirty="0">
+                        <a:effectLst/>
+                        <a:latin typeface="Calibri" panose="020F0502020204030204" pitchFamily="34" charset="0"/>
+                        <a:ea typeface="Calibri" panose="020F0502020204030204" pitchFamily="34" charset="0"/>
+                        <a:cs typeface="Times New Roman" panose="02020603050405020304" pitchFamily="18" charset="0"/>
+                      </a:endParaRPr>
+                    </a:p>
+                  </a:txBody>
+                  <a:tcPr marL="68580" marR="68580" marT="0" marB="0"/>
+                </a:tc>
+                <a:extLst>
+                  <a:ext uri="{0D108BD9-81ED-4DB2-BD59-A6C34878D82A}">
+                    <a16:rowId xmlns:a16="http://schemas.microsoft.com/office/drawing/2014/main" val="333848285"/>
+                  </a:ext>
+                </a:extLst>
+              </a:tr>
+            </a:tbl>
+          </a:graphicData>
+        </a:graphic>
+      </p:graphicFrame>
+      <p:graphicFrame>
+        <p:nvGraphicFramePr>
+          <p:cNvPr id="3" name="Tableau 2">
+            <a:extLst>
+              <a:ext uri="{FF2B5EF4-FFF2-40B4-BE49-F238E27FC236}">
+                <a16:creationId xmlns:a16="http://schemas.microsoft.com/office/drawing/2014/main" id="{C3E22D7B-CDDA-4766-A8E2-EDF5ED65EC5C}"/>
+              </a:ext>
+            </a:extLst>
+          </p:cNvPr>
+          <p:cNvGraphicFramePr>
+            <a:graphicFrameLocks noGrp="1"/>
+          </p:cNvGraphicFramePr>
+          <p:nvPr>
+            <p:extLst>
+              <p:ext uri="{D42A27DB-BD31-4B8C-83A1-F6EECF244321}">
+                <p14:modId xmlns:p14="http://schemas.microsoft.com/office/powerpoint/2010/main" val="1892650913"/>
+              </p:ext>
+            </p:extLst>
+          </p:nvPr>
+        </p:nvGraphicFramePr>
+        <p:xfrm>
+          <a:off x="3372639" y="1809069"/>
+          <a:ext cx="5754370" cy="2681224"/>
+        </p:xfrm>
+        <a:graphic>
+          <a:graphicData uri="http://schemas.openxmlformats.org/drawingml/2006/table">
+            <a:tbl>
+              <a:tblPr firstRow="1" firstCol="1" bandRow="1">
+                <a:tableStyleId>{5C22544A-7EE6-4342-B048-85BDC9FD1C3A}</a:tableStyleId>
+              </a:tblPr>
+              <a:tblGrid>
+                <a:gridCol w="2877185">
+                  <a:extLst>
+                    <a:ext uri="{9D8B030D-6E8A-4147-A177-3AD203B41FA5}">
+                      <a16:colId xmlns:a16="http://schemas.microsoft.com/office/drawing/2014/main" val="1256627574"/>
+                    </a:ext>
+                  </a:extLst>
+                </a:gridCol>
+                <a:gridCol w="2877185">
+                  <a:extLst>
+                    <a:ext uri="{9D8B030D-6E8A-4147-A177-3AD203B41FA5}">
+                      <a16:colId xmlns:a16="http://schemas.microsoft.com/office/drawing/2014/main" val="2409532788"/>
+                    </a:ext>
+                  </a:extLst>
+                </a:gridCol>
+              </a:tblGrid>
+              <a:tr h="0">
+                <a:tc>
+                  <a:txBody>
+                    <a:bodyPr/>
+                    <a:lstStyle/>
+                    <a:p>
+                      <a:pPr>
+                        <a:lnSpc>
+                          <a:spcPct val="107000"/>
+                        </a:lnSpc>
+                        <a:spcAft>
+                          <a:spcPts val="0"/>
+                        </a:spcAft>
+                      </a:pPr>
+                      <a:r>
+                        <a:rPr lang="fr-FR" sz="1600" dirty="0">
+                          <a:effectLst/>
+                        </a:rPr>
+                        <a:t>Force du vent</a:t>
+                      </a:r>
+                      <a:endParaRPr lang="fr-FR" sz="1200" dirty="0">
+                        <a:effectLst/>
+                        <a:latin typeface="Calibri" panose="020F0502020204030204" pitchFamily="34" charset="0"/>
+                        <a:ea typeface="Calibri" panose="020F0502020204030204" pitchFamily="34" charset="0"/>
+                        <a:cs typeface="Times New Roman" panose="02020603050405020304" pitchFamily="18" charset="0"/>
+                      </a:endParaRPr>
+                    </a:p>
+                  </a:txBody>
+                  <a:tcPr marL="68580" marR="68580" marT="0" marB="0"/>
+                </a:tc>
+                <a:tc>
+                  <a:txBody>
+                    <a:bodyPr/>
+                    <a:lstStyle/>
+                    <a:p>
+                      <a:pPr>
+                        <a:lnSpc>
+                          <a:spcPct val="107000"/>
+                        </a:lnSpc>
+                        <a:spcAft>
+                          <a:spcPts val="0"/>
+                        </a:spcAft>
+                      </a:pPr>
+                      <a:r>
+                        <a:rPr lang="fr-FR" sz="1600" dirty="0">
+                          <a:effectLst/>
+                        </a:rPr>
+                        <a:t>Km/h</a:t>
+                      </a:r>
+                      <a:endParaRPr lang="fr-FR" sz="1200" dirty="0">
+                        <a:effectLst/>
+                        <a:latin typeface="Calibri" panose="020F0502020204030204" pitchFamily="34" charset="0"/>
+                        <a:ea typeface="Calibri" panose="020F0502020204030204" pitchFamily="34" charset="0"/>
+                        <a:cs typeface="Times New Roman" panose="02020603050405020304" pitchFamily="18" charset="0"/>
+                      </a:endParaRPr>
+                    </a:p>
+                  </a:txBody>
+                  <a:tcPr marL="68580" marR="68580" marT="0" marB="0"/>
+                </a:tc>
+                <a:extLst>
+                  <a:ext uri="{0D108BD9-81ED-4DB2-BD59-A6C34878D82A}">
+                    <a16:rowId xmlns:a16="http://schemas.microsoft.com/office/drawing/2014/main" val="3240024972"/>
+                  </a:ext>
+                </a:extLst>
+              </a:tr>
+              <a:tr h="0">
+                <a:tc>
+                  <a:txBody>
+                    <a:bodyPr/>
+                    <a:lstStyle/>
+                    <a:p>
+                      <a:pPr>
+                        <a:lnSpc>
+                          <a:spcPct val="107000"/>
+                        </a:lnSpc>
+                        <a:spcAft>
+                          <a:spcPts val="0"/>
+                        </a:spcAft>
+                      </a:pPr>
+                      <a:r>
+                        <a:rPr lang="fr-FR" sz="1200">
+                          <a:effectLst/>
+                        </a:rPr>
+                        <a:t>Calme</a:t>
+                      </a:r>
+                      <a:endParaRPr lang="fr-FR" sz="1200">
+                        <a:effectLst/>
+                        <a:latin typeface="Calibri" panose="020F0502020204030204" pitchFamily="34" charset="0"/>
+                        <a:ea typeface="Calibri" panose="020F0502020204030204" pitchFamily="34" charset="0"/>
+                        <a:cs typeface="Times New Roman" panose="02020603050405020304" pitchFamily="18" charset="0"/>
+                      </a:endParaRPr>
+                    </a:p>
+                  </a:txBody>
+                  <a:tcPr marL="68580" marR="68580" marT="0" marB="0"/>
+                </a:tc>
+                <a:tc>
+                  <a:txBody>
+                    <a:bodyPr/>
+                    <a:lstStyle/>
+                    <a:p>
+                      <a:pPr>
+                        <a:lnSpc>
+                          <a:spcPct val="107000"/>
+                        </a:lnSpc>
+                        <a:spcAft>
+                          <a:spcPts val="0"/>
+                        </a:spcAft>
+                      </a:pPr>
+                      <a:r>
+                        <a:rPr lang="fr-FR" sz="1200">
+                          <a:effectLst/>
+                        </a:rPr>
+                        <a:t>Moins de 1</a:t>
+                      </a:r>
+                      <a:endParaRPr lang="fr-FR" sz="1200">
+                        <a:effectLst/>
+                        <a:latin typeface="Calibri" panose="020F0502020204030204" pitchFamily="34" charset="0"/>
+                        <a:ea typeface="Calibri" panose="020F0502020204030204" pitchFamily="34" charset="0"/>
+                        <a:cs typeface="Times New Roman" panose="02020603050405020304" pitchFamily="18" charset="0"/>
+                      </a:endParaRPr>
+                    </a:p>
+                  </a:txBody>
+                  <a:tcPr marL="68580" marR="68580" marT="0" marB="0"/>
+                </a:tc>
+                <a:extLst>
+                  <a:ext uri="{0D108BD9-81ED-4DB2-BD59-A6C34878D82A}">
+                    <a16:rowId xmlns:a16="http://schemas.microsoft.com/office/drawing/2014/main" val="470364344"/>
+                  </a:ext>
+                </a:extLst>
+              </a:tr>
+              <a:tr h="0">
+                <a:tc>
+                  <a:txBody>
+                    <a:bodyPr/>
+                    <a:lstStyle/>
+                    <a:p>
+                      <a:pPr>
+                        <a:lnSpc>
+                          <a:spcPct val="107000"/>
+                        </a:lnSpc>
+                        <a:spcAft>
+                          <a:spcPts val="0"/>
+                        </a:spcAft>
+                      </a:pPr>
+                      <a:r>
+                        <a:rPr lang="fr-FR" sz="1200">
+                          <a:effectLst/>
+                        </a:rPr>
+                        <a:t>Très légère brise</a:t>
+                      </a:r>
+                      <a:endParaRPr lang="fr-FR" sz="1200">
+                        <a:effectLst/>
+                        <a:latin typeface="Calibri" panose="020F0502020204030204" pitchFamily="34" charset="0"/>
+                        <a:ea typeface="Calibri" panose="020F0502020204030204" pitchFamily="34" charset="0"/>
+                        <a:cs typeface="Times New Roman" panose="02020603050405020304" pitchFamily="18" charset="0"/>
+                      </a:endParaRPr>
+                    </a:p>
+                  </a:txBody>
+                  <a:tcPr marL="68580" marR="68580" marT="0" marB="0"/>
+                </a:tc>
+                <a:tc>
+                  <a:txBody>
+                    <a:bodyPr/>
+                    <a:lstStyle/>
+                    <a:p>
+                      <a:pPr>
+                        <a:lnSpc>
+                          <a:spcPct val="107000"/>
+                        </a:lnSpc>
+                        <a:spcAft>
+                          <a:spcPts val="0"/>
+                        </a:spcAft>
+                      </a:pPr>
+                      <a:r>
+                        <a:rPr lang="fr-FR" sz="1200">
+                          <a:effectLst/>
+                        </a:rPr>
+                        <a:t>1 à 5</a:t>
+                      </a:r>
+                      <a:endParaRPr lang="fr-FR" sz="1200">
+                        <a:effectLst/>
+                        <a:latin typeface="Calibri" panose="020F0502020204030204" pitchFamily="34" charset="0"/>
+                        <a:ea typeface="Calibri" panose="020F0502020204030204" pitchFamily="34" charset="0"/>
+                        <a:cs typeface="Times New Roman" panose="02020603050405020304" pitchFamily="18" charset="0"/>
+                      </a:endParaRPr>
+                    </a:p>
+                  </a:txBody>
+                  <a:tcPr marL="68580" marR="68580" marT="0" marB="0"/>
+                </a:tc>
+                <a:extLst>
+                  <a:ext uri="{0D108BD9-81ED-4DB2-BD59-A6C34878D82A}">
+                    <a16:rowId xmlns:a16="http://schemas.microsoft.com/office/drawing/2014/main" val="3465396835"/>
+                  </a:ext>
+                </a:extLst>
+              </a:tr>
+              <a:tr h="0">
+                <a:tc>
+                  <a:txBody>
+                    <a:bodyPr/>
+                    <a:lstStyle/>
+                    <a:p>
+                      <a:pPr>
+                        <a:lnSpc>
+                          <a:spcPct val="107000"/>
+                        </a:lnSpc>
+                        <a:spcAft>
+                          <a:spcPts val="0"/>
+                        </a:spcAft>
+                      </a:pPr>
+                      <a:r>
+                        <a:rPr lang="fr-FR" sz="1200">
+                          <a:effectLst/>
+                        </a:rPr>
+                        <a:t>Légère brise</a:t>
+                      </a:r>
+                      <a:endParaRPr lang="fr-FR" sz="1200">
+                        <a:effectLst/>
+                        <a:latin typeface="Calibri" panose="020F0502020204030204" pitchFamily="34" charset="0"/>
+                        <a:ea typeface="Calibri" panose="020F0502020204030204" pitchFamily="34" charset="0"/>
+                        <a:cs typeface="Times New Roman" panose="02020603050405020304" pitchFamily="18" charset="0"/>
+                      </a:endParaRPr>
+                    </a:p>
+                  </a:txBody>
+                  <a:tcPr marL="68580" marR="68580" marT="0" marB="0"/>
+                </a:tc>
+                <a:tc>
+                  <a:txBody>
+                    <a:bodyPr/>
+                    <a:lstStyle/>
+                    <a:p>
+                      <a:pPr>
+                        <a:lnSpc>
+                          <a:spcPct val="107000"/>
+                        </a:lnSpc>
+                        <a:spcAft>
+                          <a:spcPts val="0"/>
+                        </a:spcAft>
+                      </a:pPr>
+                      <a:r>
+                        <a:rPr lang="fr-FR" sz="1200">
+                          <a:effectLst/>
+                        </a:rPr>
+                        <a:t>6 à 11</a:t>
+                      </a:r>
+                      <a:endParaRPr lang="fr-FR" sz="1200">
+                        <a:effectLst/>
+                        <a:latin typeface="Calibri" panose="020F0502020204030204" pitchFamily="34" charset="0"/>
+                        <a:ea typeface="Calibri" panose="020F0502020204030204" pitchFamily="34" charset="0"/>
+                        <a:cs typeface="Times New Roman" panose="02020603050405020304" pitchFamily="18" charset="0"/>
+                      </a:endParaRPr>
+                    </a:p>
+                  </a:txBody>
+                  <a:tcPr marL="68580" marR="68580" marT="0" marB="0"/>
+                </a:tc>
+                <a:extLst>
+                  <a:ext uri="{0D108BD9-81ED-4DB2-BD59-A6C34878D82A}">
+                    <a16:rowId xmlns:a16="http://schemas.microsoft.com/office/drawing/2014/main" val="2185087653"/>
+                  </a:ext>
+                </a:extLst>
+              </a:tr>
+              <a:tr h="0">
+                <a:tc>
+                  <a:txBody>
+                    <a:bodyPr/>
+                    <a:lstStyle/>
+                    <a:p>
+                      <a:pPr>
+                        <a:lnSpc>
+                          <a:spcPct val="107000"/>
+                        </a:lnSpc>
+                        <a:spcAft>
+                          <a:spcPts val="0"/>
+                        </a:spcAft>
+                      </a:pPr>
+                      <a:r>
+                        <a:rPr lang="fr-FR" sz="1200">
+                          <a:effectLst/>
+                        </a:rPr>
+                        <a:t>Petite brise</a:t>
+                      </a:r>
+                      <a:endParaRPr lang="fr-FR" sz="1200">
+                        <a:effectLst/>
+                        <a:latin typeface="Calibri" panose="020F0502020204030204" pitchFamily="34" charset="0"/>
+                        <a:ea typeface="Calibri" panose="020F0502020204030204" pitchFamily="34" charset="0"/>
+                        <a:cs typeface="Times New Roman" panose="02020603050405020304" pitchFamily="18" charset="0"/>
+                      </a:endParaRPr>
+                    </a:p>
+                  </a:txBody>
+                  <a:tcPr marL="68580" marR="68580" marT="0" marB="0"/>
+                </a:tc>
+                <a:tc>
+                  <a:txBody>
+                    <a:bodyPr/>
+                    <a:lstStyle/>
+                    <a:p>
+                      <a:pPr>
+                        <a:lnSpc>
+                          <a:spcPct val="107000"/>
+                        </a:lnSpc>
+                        <a:spcAft>
+                          <a:spcPts val="0"/>
+                        </a:spcAft>
+                      </a:pPr>
+                      <a:r>
+                        <a:rPr lang="fr-FR" sz="1200">
+                          <a:effectLst/>
+                        </a:rPr>
+                        <a:t>12 à 19</a:t>
+                      </a:r>
+                      <a:endParaRPr lang="fr-FR" sz="1200">
+                        <a:effectLst/>
+                        <a:latin typeface="Calibri" panose="020F0502020204030204" pitchFamily="34" charset="0"/>
+                        <a:ea typeface="Calibri" panose="020F0502020204030204" pitchFamily="34" charset="0"/>
+                        <a:cs typeface="Times New Roman" panose="02020603050405020304" pitchFamily="18" charset="0"/>
+                      </a:endParaRPr>
+                    </a:p>
+                  </a:txBody>
+                  <a:tcPr marL="68580" marR="68580" marT="0" marB="0"/>
+                </a:tc>
+                <a:extLst>
+                  <a:ext uri="{0D108BD9-81ED-4DB2-BD59-A6C34878D82A}">
+                    <a16:rowId xmlns:a16="http://schemas.microsoft.com/office/drawing/2014/main" val="2493497512"/>
+                  </a:ext>
+                </a:extLst>
+              </a:tr>
+              <a:tr h="0">
+                <a:tc>
+                  <a:txBody>
+                    <a:bodyPr/>
+                    <a:lstStyle/>
+                    <a:p>
+                      <a:pPr>
+                        <a:lnSpc>
+                          <a:spcPct val="107000"/>
+                        </a:lnSpc>
+                        <a:spcAft>
+                          <a:spcPts val="0"/>
+                        </a:spcAft>
+                      </a:pPr>
+                      <a:r>
+                        <a:rPr lang="fr-FR" sz="1200">
+                          <a:effectLst/>
+                        </a:rPr>
+                        <a:t>Jolie brise</a:t>
+                      </a:r>
+                      <a:endParaRPr lang="fr-FR" sz="1200">
+                        <a:effectLst/>
+                        <a:latin typeface="Calibri" panose="020F0502020204030204" pitchFamily="34" charset="0"/>
+                        <a:ea typeface="Calibri" panose="020F0502020204030204" pitchFamily="34" charset="0"/>
+                        <a:cs typeface="Times New Roman" panose="02020603050405020304" pitchFamily="18" charset="0"/>
+                      </a:endParaRPr>
+                    </a:p>
+                  </a:txBody>
+                  <a:tcPr marL="68580" marR="68580" marT="0" marB="0"/>
+                </a:tc>
+                <a:tc>
+                  <a:txBody>
+                    <a:bodyPr/>
+                    <a:lstStyle/>
+                    <a:p>
+                      <a:pPr>
+                        <a:lnSpc>
+                          <a:spcPct val="107000"/>
+                        </a:lnSpc>
+                        <a:spcAft>
+                          <a:spcPts val="0"/>
+                        </a:spcAft>
+                      </a:pPr>
+                      <a:r>
+                        <a:rPr lang="fr-FR" sz="1200">
+                          <a:effectLst/>
+                        </a:rPr>
+                        <a:t>20 à 28</a:t>
+                      </a:r>
+                      <a:endParaRPr lang="fr-FR" sz="1200">
+                        <a:effectLst/>
+                        <a:latin typeface="Calibri" panose="020F0502020204030204" pitchFamily="34" charset="0"/>
+                        <a:ea typeface="Calibri" panose="020F0502020204030204" pitchFamily="34" charset="0"/>
+                        <a:cs typeface="Times New Roman" panose="02020603050405020304" pitchFamily="18" charset="0"/>
+                      </a:endParaRPr>
+                    </a:p>
+                  </a:txBody>
+                  <a:tcPr marL="68580" marR="68580" marT="0" marB="0"/>
+                </a:tc>
+                <a:extLst>
+                  <a:ext uri="{0D108BD9-81ED-4DB2-BD59-A6C34878D82A}">
+                    <a16:rowId xmlns:a16="http://schemas.microsoft.com/office/drawing/2014/main" val="3140348762"/>
+                  </a:ext>
+                </a:extLst>
+              </a:tr>
+              <a:tr h="0">
+                <a:tc>
+                  <a:txBody>
+                    <a:bodyPr/>
+                    <a:lstStyle/>
+                    <a:p>
+                      <a:pPr>
+                        <a:lnSpc>
+                          <a:spcPct val="107000"/>
+                        </a:lnSpc>
+                        <a:spcAft>
+                          <a:spcPts val="0"/>
+                        </a:spcAft>
+                      </a:pPr>
+                      <a:r>
+                        <a:rPr lang="fr-FR" sz="1200">
+                          <a:effectLst/>
+                        </a:rPr>
+                        <a:t>Bonne brise</a:t>
+                      </a:r>
+                      <a:endParaRPr lang="fr-FR" sz="1200">
+                        <a:effectLst/>
+                        <a:latin typeface="Calibri" panose="020F0502020204030204" pitchFamily="34" charset="0"/>
+                        <a:ea typeface="Calibri" panose="020F0502020204030204" pitchFamily="34" charset="0"/>
+                        <a:cs typeface="Times New Roman" panose="02020603050405020304" pitchFamily="18" charset="0"/>
+                      </a:endParaRPr>
+                    </a:p>
+                  </a:txBody>
+                  <a:tcPr marL="68580" marR="68580" marT="0" marB="0"/>
+                </a:tc>
+                <a:tc>
+                  <a:txBody>
+                    <a:bodyPr/>
+                    <a:lstStyle/>
+                    <a:p>
+                      <a:pPr>
+                        <a:lnSpc>
+                          <a:spcPct val="107000"/>
+                        </a:lnSpc>
+                        <a:spcAft>
+                          <a:spcPts val="0"/>
+                        </a:spcAft>
+                      </a:pPr>
+                      <a:r>
+                        <a:rPr lang="fr-FR" sz="1200">
+                          <a:effectLst/>
+                        </a:rPr>
+                        <a:t>29 à 38</a:t>
+                      </a:r>
+                      <a:endParaRPr lang="fr-FR" sz="1200">
+                        <a:effectLst/>
+                        <a:latin typeface="Calibri" panose="020F0502020204030204" pitchFamily="34" charset="0"/>
+                        <a:ea typeface="Calibri" panose="020F0502020204030204" pitchFamily="34" charset="0"/>
+                        <a:cs typeface="Times New Roman" panose="02020603050405020304" pitchFamily="18" charset="0"/>
+                      </a:endParaRPr>
+                    </a:p>
+                  </a:txBody>
+                  <a:tcPr marL="68580" marR="68580" marT="0" marB="0"/>
+                </a:tc>
+                <a:extLst>
+                  <a:ext uri="{0D108BD9-81ED-4DB2-BD59-A6C34878D82A}">
+                    <a16:rowId xmlns:a16="http://schemas.microsoft.com/office/drawing/2014/main" val="1671379369"/>
+                  </a:ext>
+                </a:extLst>
+              </a:tr>
+              <a:tr h="0">
+                <a:tc>
+                  <a:txBody>
+                    <a:bodyPr/>
+                    <a:lstStyle/>
+                    <a:p>
+                      <a:pPr>
+                        <a:lnSpc>
+                          <a:spcPct val="107000"/>
+                        </a:lnSpc>
+                        <a:spcAft>
+                          <a:spcPts val="0"/>
+                        </a:spcAft>
+                      </a:pPr>
+                      <a:r>
+                        <a:rPr lang="fr-FR" sz="1200">
+                          <a:effectLst/>
+                        </a:rPr>
+                        <a:t>Vent frais</a:t>
+                      </a:r>
+                      <a:endParaRPr lang="fr-FR" sz="1200">
+                        <a:effectLst/>
+                        <a:latin typeface="Calibri" panose="020F0502020204030204" pitchFamily="34" charset="0"/>
+                        <a:ea typeface="Calibri" panose="020F0502020204030204" pitchFamily="34" charset="0"/>
+                        <a:cs typeface="Times New Roman" panose="02020603050405020304" pitchFamily="18" charset="0"/>
+                      </a:endParaRPr>
+                    </a:p>
+                  </a:txBody>
+                  <a:tcPr marL="68580" marR="68580" marT="0" marB="0"/>
+                </a:tc>
+                <a:tc>
+                  <a:txBody>
+                    <a:bodyPr/>
+                    <a:lstStyle/>
+                    <a:p>
+                      <a:pPr>
+                        <a:lnSpc>
+                          <a:spcPct val="107000"/>
+                        </a:lnSpc>
+                        <a:spcAft>
+                          <a:spcPts val="0"/>
+                        </a:spcAft>
+                      </a:pPr>
+                      <a:r>
+                        <a:rPr lang="fr-FR" sz="1200">
+                          <a:effectLst/>
+                        </a:rPr>
+                        <a:t>39 à 49</a:t>
+                      </a:r>
+                      <a:endParaRPr lang="fr-FR" sz="1200">
+                        <a:effectLst/>
+                        <a:latin typeface="Calibri" panose="020F0502020204030204" pitchFamily="34" charset="0"/>
+                        <a:ea typeface="Calibri" panose="020F0502020204030204" pitchFamily="34" charset="0"/>
+                        <a:cs typeface="Times New Roman" panose="02020603050405020304" pitchFamily="18" charset="0"/>
+                      </a:endParaRPr>
+                    </a:p>
+                  </a:txBody>
+                  <a:tcPr marL="68580" marR="68580" marT="0" marB="0"/>
+                </a:tc>
+                <a:extLst>
+                  <a:ext uri="{0D108BD9-81ED-4DB2-BD59-A6C34878D82A}">
+                    <a16:rowId xmlns:a16="http://schemas.microsoft.com/office/drawing/2014/main" val="749016668"/>
+                  </a:ext>
+                </a:extLst>
+              </a:tr>
+              <a:tr h="0">
+                <a:tc>
+                  <a:txBody>
+                    <a:bodyPr/>
+                    <a:lstStyle/>
+                    <a:p>
+                      <a:pPr>
+                        <a:lnSpc>
+                          <a:spcPct val="107000"/>
+                        </a:lnSpc>
+                        <a:spcAft>
+                          <a:spcPts val="0"/>
+                        </a:spcAft>
+                      </a:pPr>
+                      <a:r>
+                        <a:rPr lang="fr-FR" sz="1200">
+                          <a:effectLst/>
+                        </a:rPr>
+                        <a:t>Grand frais</a:t>
+                      </a:r>
+                      <a:endParaRPr lang="fr-FR" sz="1200">
+                        <a:effectLst/>
+                        <a:latin typeface="Calibri" panose="020F0502020204030204" pitchFamily="34" charset="0"/>
+                        <a:ea typeface="Calibri" panose="020F0502020204030204" pitchFamily="34" charset="0"/>
+                        <a:cs typeface="Times New Roman" panose="02020603050405020304" pitchFamily="18" charset="0"/>
+                      </a:endParaRPr>
+                    </a:p>
+                  </a:txBody>
+                  <a:tcPr marL="68580" marR="68580" marT="0" marB="0"/>
+                </a:tc>
+                <a:tc>
+                  <a:txBody>
+                    <a:bodyPr/>
+                    <a:lstStyle/>
+                    <a:p>
+                      <a:pPr>
+                        <a:lnSpc>
+                          <a:spcPct val="107000"/>
+                        </a:lnSpc>
+                        <a:spcAft>
+                          <a:spcPts val="0"/>
+                        </a:spcAft>
+                      </a:pPr>
+                      <a:r>
+                        <a:rPr lang="fr-FR" sz="1200">
+                          <a:effectLst/>
+                        </a:rPr>
+                        <a:t>50 à 61</a:t>
+                      </a:r>
+                      <a:endParaRPr lang="fr-FR" sz="1200">
+                        <a:effectLst/>
+                        <a:latin typeface="Calibri" panose="020F0502020204030204" pitchFamily="34" charset="0"/>
+                        <a:ea typeface="Calibri" panose="020F0502020204030204" pitchFamily="34" charset="0"/>
+                        <a:cs typeface="Times New Roman" panose="02020603050405020304" pitchFamily="18" charset="0"/>
+                      </a:endParaRPr>
+                    </a:p>
+                  </a:txBody>
+                  <a:tcPr marL="68580" marR="68580" marT="0" marB="0"/>
+                </a:tc>
+                <a:extLst>
+                  <a:ext uri="{0D108BD9-81ED-4DB2-BD59-A6C34878D82A}">
+                    <a16:rowId xmlns:a16="http://schemas.microsoft.com/office/drawing/2014/main" val="287544135"/>
+                  </a:ext>
+                </a:extLst>
+              </a:tr>
+              <a:tr h="0">
+                <a:tc>
+                  <a:txBody>
+                    <a:bodyPr/>
+                    <a:lstStyle/>
+                    <a:p>
+                      <a:pPr>
+                        <a:lnSpc>
+                          <a:spcPct val="107000"/>
+                        </a:lnSpc>
+                        <a:spcAft>
+                          <a:spcPts val="0"/>
+                        </a:spcAft>
+                      </a:pPr>
+                      <a:r>
+                        <a:rPr lang="fr-FR" sz="1200">
+                          <a:effectLst/>
+                        </a:rPr>
+                        <a:t>Coup de vent</a:t>
+                      </a:r>
+                      <a:endParaRPr lang="fr-FR" sz="1200">
+                        <a:effectLst/>
+                        <a:latin typeface="Calibri" panose="020F0502020204030204" pitchFamily="34" charset="0"/>
+                        <a:ea typeface="Calibri" panose="020F0502020204030204" pitchFamily="34" charset="0"/>
+                        <a:cs typeface="Times New Roman" panose="02020603050405020304" pitchFamily="18" charset="0"/>
+                      </a:endParaRPr>
+                    </a:p>
+                  </a:txBody>
+                  <a:tcPr marL="68580" marR="68580" marT="0" marB="0"/>
+                </a:tc>
+                <a:tc>
+                  <a:txBody>
+                    <a:bodyPr/>
+                    <a:lstStyle/>
+                    <a:p>
+                      <a:pPr>
+                        <a:lnSpc>
+                          <a:spcPct val="107000"/>
+                        </a:lnSpc>
+                        <a:spcAft>
+                          <a:spcPts val="0"/>
+                        </a:spcAft>
+                      </a:pPr>
+                      <a:r>
+                        <a:rPr lang="fr-FR" sz="1200">
+                          <a:effectLst/>
+                        </a:rPr>
+                        <a:t>62 à 74</a:t>
+                      </a:r>
+                      <a:endParaRPr lang="fr-FR" sz="1200">
+                        <a:effectLst/>
+                        <a:latin typeface="Calibri" panose="020F0502020204030204" pitchFamily="34" charset="0"/>
+                        <a:ea typeface="Calibri" panose="020F0502020204030204" pitchFamily="34" charset="0"/>
+                        <a:cs typeface="Times New Roman" panose="02020603050405020304" pitchFamily="18" charset="0"/>
+                      </a:endParaRPr>
+                    </a:p>
+                  </a:txBody>
+                  <a:tcPr marL="68580" marR="68580" marT="0" marB="0"/>
+                </a:tc>
+                <a:extLst>
+                  <a:ext uri="{0D108BD9-81ED-4DB2-BD59-A6C34878D82A}">
+                    <a16:rowId xmlns:a16="http://schemas.microsoft.com/office/drawing/2014/main" val="2401985401"/>
+                  </a:ext>
+                </a:extLst>
+              </a:tr>
+              <a:tr h="0">
+                <a:tc>
+                  <a:txBody>
+                    <a:bodyPr/>
+                    <a:lstStyle/>
+                    <a:p>
+                      <a:pPr>
+                        <a:lnSpc>
+                          <a:spcPct val="107000"/>
+                        </a:lnSpc>
+                        <a:spcAft>
+                          <a:spcPts val="0"/>
+                        </a:spcAft>
+                      </a:pPr>
+                      <a:r>
+                        <a:rPr lang="fr-FR" sz="1200">
+                          <a:effectLst/>
+                        </a:rPr>
+                        <a:t>Fort coup de vent</a:t>
+                      </a:r>
+                      <a:endParaRPr lang="fr-FR" sz="1200">
+                        <a:effectLst/>
+                        <a:latin typeface="Calibri" panose="020F0502020204030204" pitchFamily="34" charset="0"/>
+                        <a:ea typeface="Calibri" panose="020F0502020204030204" pitchFamily="34" charset="0"/>
+                        <a:cs typeface="Times New Roman" panose="02020603050405020304" pitchFamily="18" charset="0"/>
+                      </a:endParaRPr>
+                    </a:p>
+                  </a:txBody>
+                  <a:tcPr marL="68580" marR="68580" marT="0" marB="0"/>
+                </a:tc>
+                <a:tc>
+                  <a:txBody>
+                    <a:bodyPr/>
+                    <a:lstStyle/>
+                    <a:p>
+                      <a:pPr>
+                        <a:lnSpc>
+                          <a:spcPct val="107000"/>
+                        </a:lnSpc>
+                        <a:spcAft>
+                          <a:spcPts val="0"/>
+                        </a:spcAft>
+                      </a:pPr>
+                      <a:r>
+                        <a:rPr lang="fr-FR" sz="1200">
+                          <a:effectLst/>
+                        </a:rPr>
+                        <a:t>75 à 88</a:t>
+                      </a:r>
+                      <a:endParaRPr lang="fr-FR" sz="1200">
+                        <a:effectLst/>
+                        <a:latin typeface="Calibri" panose="020F0502020204030204" pitchFamily="34" charset="0"/>
+                        <a:ea typeface="Calibri" panose="020F0502020204030204" pitchFamily="34" charset="0"/>
+                        <a:cs typeface="Times New Roman" panose="02020603050405020304" pitchFamily="18" charset="0"/>
+                      </a:endParaRPr>
+                    </a:p>
+                  </a:txBody>
+                  <a:tcPr marL="68580" marR="68580" marT="0" marB="0"/>
+                </a:tc>
+                <a:extLst>
+                  <a:ext uri="{0D108BD9-81ED-4DB2-BD59-A6C34878D82A}">
+                    <a16:rowId xmlns:a16="http://schemas.microsoft.com/office/drawing/2014/main" val="3629324166"/>
+                  </a:ext>
+                </a:extLst>
+              </a:tr>
+              <a:tr h="0">
+                <a:tc>
+                  <a:txBody>
+                    <a:bodyPr/>
+                    <a:lstStyle/>
+                    <a:p>
+                      <a:pPr>
+                        <a:lnSpc>
+                          <a:spcPct val="107000"/>
+                        </a:lnSpc>
+                        <a:spcAft>
+                          <a:spcPts val="0"/>
+                        </a:spcAft>
+                      </a:pPr>
+                      <a:r>
+                        <a:rPr lang="fr-FR" sz="1200">
+                          <a:effectLst/>
+                        </a:rPr>
+                        <a:t>Tempête</a:t>
+                      </a:r>
+                      <a:endParaRPr lang="fr-FR" sz="1200">
+                        <a:effectLst/>
+                        <a:latin typeface="Calibri" panose="020F0502020204030204" pitchFamily="34" charset="0"/>
+                        <a:ea typeface="Calibri" panose="020F0502020204030204" pitchFamily="34" charset="0"/>
+                        <a:cs typeface="Times New Roman" panose="02020603050405020304" pitchFamily="18" charset="0"/>
+                      </a:endParaRPr>
+                    </a:p>
+                  </a:txBody>
+                  <a:tcPr marL="68580" marR="68580" marT="0" marB="0"/>
+                </a:tc>
+                <a:tc>
+                  <a:txBody>
+                    <a:bodyPr/>
+                    <a:lstStyle/>
+                    <a:p>
+                      <a:pPr>
+                        <a:lnSpc>
+                          <a:spcPct val="107000"/>
+                        </a:lnSpc>
+                        <a:spcAft>
+                          <a:spcPts val="0"/>
+                        </a:spcAft>
+                      </a:pPr>
+                      <a:r>
+                        <a:rPr lang="fr-FR" sz="1200">
+                          <a:effectLst/>
+                        </a:rPr>
+                        <a:t>89 à 102</a:t>
+                      </a:r>
+                      <a:endParaRPr lang="fr-FR" sz="1200">
+                        <a:effectLst/>
+                        <a:latin typeface="Calibri" panose="020F0502020204030204" pitchFamily="34" charset="0"/>
+                        <a:ea typeface="Calibri" panose="020F0502020204030204" pitchFamily="34" charset="0"/>
+                        <a:cs typeface="Times New Roman" panose="02020603050405020304" pitchFamily="18" charset="0"/>
+                      </a:endParaRPr>
+                    </a:p>
+                  </a:txBody>
+                  <a:tcPr marL="68580" marR="68580" marT="0" marB="0"/>
+                </a:tc>
+                <a:extLst>
+                  <a:ext uri="{0D108BD9-81ED-4DB2-BD59-A6C34878D82A}">
+                    <a16:rowId xmlns:a16="http://schemas.microsoft.com/office/drawing/2014/main" val="3416640942"/>
+                  </a:ext>
+                </a:extLst>
+              </a:tr>
+              <a:tr h="0">
+                <a:tc>
+                  <a:txBody>
+                    <a:bodyPr/>
+                    <a:lstStyle/>
+                    <a:p>
+                      <a:pPr>
+                        <a:lnSpc>
+                          <a:spcPct val="107000"/>
+                        </a:lnSpc>
+                        <a:spcAft>
+                          <a:spcPts val="0"/>
+                        </a:spcAft>
+                      </a:pPr>
+                      <a:r>
+                        <a:rPr lang="fr-FR" sz="1200">
+                          <a:effectLst/>
+                        </a:rPr>
+                        <a:t>Violente tempête</a:t>
+                      </a:r>
+                      <a:endParaRPr lang="fr-FR" sz="1200">
+                        <a:effectLst/>
+                        <a:latin typeface="Calibri" panose="020F0502020204030204" pitchFamily="34" charset="0"/>
+                        <a:ea typeface="Calibri" panose="020F0502020204030204" pitchFamily="34" charset="0"/>
+                        <a:cs typeface="Times New Roman" panose="02020603050405020304" pitchFamily="18" charset="0"/>
+                      </a:endParaRPr>
+                    </a:p>
+                  </a:txBody>
+                  <a:tcPr marL="68580" marR="68580" marT="0" marB="0"/>
+                </a:tc>
+                <a:tc>
+                  <a:txBody>
+                    <a:bodyPr/>
+                    <a:lstStyle/>
+                    <a:p>
+                      <a:pPr>
+                        <a:lnSpc>
+                          <a:spcPct val="107000"/>
+                        </a:lnSpc>
+                        <a:spcAft>
+                          <a:spcPts val="0"/>
+                        </a:spcAft>
+                      </a:pPr>
+                      <a:r>
+                        <a:rPr lang="fr-FR" sz="1200">
+                          <a:effectLst/>
+                        </a:rPr>
+                        <a:t>103 à 117</a:t>
+                      </a:r>
+                      <a:endParaRPr lang="fr-FR" sz="1200">
+                        <a:effectLst/>
+                        <a:latin typeface="Calibri" panose="020F0502020204030204" pitchFamily="34" charset="0"/>
+                        <a:ea typeface="Calibri" panose="020F0502020204030204" pitchFamily="34" charset="0"/>
+                        <a:cs typeface="Times New Roman" panose="02020603050405020304" pitchFamily="18" charset="0"/>
+                      </a:endParaRPr>
+                    </a:p>
+                  </a:txBody>
+                  <a:tcPr marL="68580" marR="68580" marT="0" marB="0"/>
+                </a:tc>
+                <a:extLst>
+                  <a:ext uri="{0D108BD9-81ED-4DB2-BD59-A6C34878D82A}">
+                    <a16:rowId xmlns:a16="http://schemas.microsoft.com/office/drawing/2014/main" val="3104916803"/>
+                  </a:ext>
+                </a:extLst>
+              </a:tr>
+              <a:tr h="0">
+                <a:tc>
+                  <a:txBody>
+                    <a:bodyPr/>
+                    <a:lstStyle/>
+                    <a:p>
+                      <a:pPr>
+                        <a:lnSpc>
+                          <a:spcPct val="107000"/>
+                        </a:lnSpc>
+                        <a:spcAft>
+                          <a:spcPts val="0"/>
+                        </a:spcAft>
+                      </a:pPr>
+                      <a:r>
+                        <a:rPr lang="fr-FR" sz="1200">
+                          <a:effectLst/>
+                        </a:rPr>
+                        <a:t>Bombe météorologique</a:t>
+                      </a:r>
+                      <a:endParaRPr lang="fr-FR" sz="1200">
+                        <a:effectLst/>
+                        <a:latin typeface="Calibri" panose="020F0502020204030204" pitchFamily="34" charset="0"/>
+                        <a:ea typeface="Calibri" panose="020F0502020204030204" pitchFamily="34" charset="0"/>
+                        <a:cs typeface="Times New Roman" panose="02020603050405020304" pitchFamily="18" charset="0"/>
+                      </a:endParaRPr>
+                    </a:p>
+                  </a:txBody>
+                  <a:tcPr marL="68580" marR="68580" marT="0" marB="0"/>
+                </a:tc>
+                <a:tc>
+                  <a:txBody>
+                    <a:bodyPr/>
+                    <a:lstStyle/>
+                    <a:p>
+                      <a:pPr>
+                        <a:lnSpc>
+                          <a:spcPct val="107000"/>
+                        </a:lnSpc>
+                        <a:spcAft>
+                          <a:spcPts val="0"/>
+                        </a:spcAft>
+                      </a:pPr>
+                      <a:r>
+                        <a:rPr lang="fr-FR" sz="1200" dirty="0">
+                          <a:effectLst/>
+                        </a:rPr>
+                        <a:t>+ de 118</a:t>
+                      </a:r>
+                      <a:endParaRPr lang="fr-FR" sz="1200" dirty="0">
+                        <a:effectLst/>
+                        <a:latin typeface="Calibri" panose="020F0502020204030204" pitchFamily="34" charset="0"/>
+                        <a:ea typeface="Calibri" panose="020F0502020204030204" pitchFamily="34" charset="0"/>
+                        <a:cs typeface="Times New Roman" panose="02020603050405020304" pitchFamily="18" charset="0"/>
+                      </a:endParaRPr>
+                    </a:p>
+                  </a:txBody>
+                  <a:tcPr marL="68580" marR="68580" marT="0" marB="0"/>
+                </a:tc>
+                <a:extLst>
+                  <a:ext uri="{0D108BD9-81ED-4DB2-BD59-A6C34878D82A}">
+                    <a16:rowId xmlns:a16="http://schemas.microsoft.com/office/drawing/2014/main" val="2429885896"/>
+                  </a:ext>
+                </a:extLst>
+              </a:tr>
+            </a:tbl>
+          </a:graphicData>
+        </a:graphic>
+      </p:graphicFrame>
       <p:sp>
         <p:nvSpPr>
-          <p:cNvPr id="2" name="ZoneTexte 1">
-            <a:extLst>
-              <a:ext uri="{FF2B5EF4-FFF2-40B4-BE49-F238E27FC236}">
-                <a16:creationId xmlns:a16="http://schemas.microsoft.com/office/drawing/2014/main" id="{128A5370-27C5-4A3F-98D7-D74D075851FE}"/>
+          <p:cNvPr id="4" name="Rectangle 1">
+            <a:extLst>
+              <a:ext uri="{FF2B5EF4-FFF2-40B4-BE49-F238E27FC236}">
+                <a16:creationId xmlns:a16="http://schemas.microsoft.com/office/drawing/2014/main" id="{8A62F15D-B4AC-4CB4-9C50-EC819CB7714A}"/>
+              </a:ext>
+            </a:extLst>
+          </p:cNvPr>
+          <p:cNvSpPr>
+            <a:spLocks noChangeArrowheads="1"/>
+          </p:cNvSpPr>
+          <p:nvPr/>
+        </p:nvSpPr>
+        <p:spPr bwMode="auto">
+          <a:xfrm>
+            <a:off x="3219450" y="2598738"/>
+            <a:ext cx="12192000" cy="457200"/>
+          </a:xfrm>
+          <a:prstGeom prst="rect">
+            <a:avLst/>
+          </a:prstGeom>
+          <a:noFill/>
+          <a:ln>
+            <a:noFill/>
+          </a:ln>
+          <a:effectLst/>
+          <a:extLst>
+            <a:ext uri="{909E8E84-426E-40DD-AFC4-6F175D3DCCD1}">
+              <a14:hiddenFill xmlns:a14="http://schemas.microsoft.com/office/drawing/2010/main">
+                <a:solidFill>
+                  <a:schemeClr val="accent1"/>
+                </a:solidFill>
+              </a14:hiddenFill>
+            </a:ext>
+            <a:ext uri="{91240B29-F687-4F45-9708-019B960494DF}">
+              <a14:hiddenLine xmlns:a14="http://schemas.microsoft.com/office/drawing/2010/main" w="9525">
+                <a:solidFill>
+                  <a:schemeClr val="tx1"/>
+                </a:solidFill>
+                <a:miter lim="800000"/>
+                <a:headEnd/>
+                <a:tailEnd/>
+              </a14:hiddenLine>
+            </a:ext>
+            <a:ext uri="{AF507438-7753-43E0-B8FC-AC1667EBCBE1}">
+              <a14:hiddenEffects xmlns:a14="http://schemas.microsoft.com/office/drawing/2010/main">
+                <a:effectLst>
+                  <a:outerShdw dist="35921" dir="2700000" algn="ctr" rotWithShape="0">
+                    <a:schemeClr val="bg2"/>
+                  </a:outerShdw>
+                </a:effectLst>
+              </a14:hiddenEffects>
+            </a:ext>
+          </a:extLst>
+        </p:spPr>
+        <p:txBody>
+          <a:bodyPr vert="horz" wrap="none" lIns="91440" tIns="45720" rIns="91440" bIns="45720" numCol="1" anchor="ctr" anchorCtr="0" compatLnSpc="1">
+            <a:prstTxWarp prst="textNoShape">
+              <a:avLst/>
+            </a:prstTxWarp>
+            <a:spAutoFit/>
+          </a:bodyPr>
+          <a:lstStyle/>
+          <a:p>
+            <a:endParaRPr lang="fr-FR"/>
+          </a:p>
+        </p:txBody>
+      </p:sp>
+      <p:sp>
+        <p:nvSpPr>
+          <p:cNvPr id="6" name="Rectangle 2">
+            <a:extLst>
+              <a:ext uri="{FF2B5EF4-FFF2-40B4-BE49-F238E27FC236}">
+                <a16:creationId xmlns:a16="http://schemas.microsoft.com/office/drawing/2014/main" id="{63636856-A6BD-4A77-B190-F3C0A5BB150A}"/>
+              </a:ext>
+            </a:extLst>
+          </p:cNvPr>
+          <p:cNvSpPr>
+            <a:spLocks noChangeArrowheads="1"/>
+          </p:cNvSpPr>
+          <p:nvPr/>
+        </p:nvSpPr>
+        <p:spPr bwMode="auto">
+          <a:xfrm>
+            <a:off x="6697589" y="1018815"/>
+            <a:ext cx="12192000" cy="457200"/>
+          </a:xfrm>
+          <a:prstGeom prst="rect">
+            <a:avLst/>
+          </a:prstGeom>
+          <a:noFill/>
+          <a:ln>
+            <a:noFill/>
+          </a:ln>
+          <a:effectLst/>
+          <a:extLst>
+            <a:ext uri="{909E8E84-426E-40DD-AFC4-6F175D3DCCD1}">
+              <a14:hiddenFill xmlns:a14="http://schemas.microsoft.com/office/drawing/2010/main">
+                <a:solidFill>
+                  <a:schemeClr val="accent1"/>
+                </a:solidFill>
+              </a14:hiddenFill>
+            </a:ext>
+            <a:ext uri="{91240B29-F687-4F45-9708-019B960494DF}">
+              <a14:hiddenLine xmlns:a14="http://schemas.microsoft.com/office/drawing/2010/main" w="9525">
+                <a:solidFill>
+                  <a:schemeClr val="tx1"/>
+                </a:solidFill>
+                <a:miter lim="800000"/>
+                <a:headEnd/>
+                <a:tailEnd/>
+              </a14:hiddenLine>
+            </a:ext>
+            <a:ext uri="{AF507438-7753-43E0-B8FC-AC1667EBCBE1}">
+              <a14:hiddenEffects xmlns:a14="http://schemas.microsoft.com/office/drawing/2010/main">
+                <a:effectLst>
+                  <a:outerShdw dist="35921" dir="2700000" algn="ctr" rotWithShape="0">
+                    <a:schemeClr val="bg2"/>
+                  </a:outerShdw>
+                </a:effectLst>
+              </a14:hiddenEffects>
+            </a:ext>
+          </a:extLst>
+        </p:spPr>
+        <p:txBody>
+          <a:bodyPr vert="horz" wrap="none" lIns="91440" tIns="45720" rIns="91440" bIns="45720" numCol="1" anchor="ctr" anchorCtr="0" compatLnSpc="1">
+            <a:prstTxWarp prst="textNoShape">
+              <a:avLst/>
+            </a:prstTxWarp>
+            <a:spAutoFit/>
+          </a:bodyPr>
+          <a:lstStyle/>
+          <a:p>
+            <a:endParaRPr lang="fr-FR"/>
+          </a:p>
+        </p:txBody>
+      </p:sp>
+      <p:sp>
+        <p:nvSpPr>
+          <p:cNvPr id="7" name="ZoneTexte 6">
+            <a:extLst>
+              <a:ext uri="{FF2B5EF4-FFF2-40B4-BE49-F238E27FC236}">
+                <a16:creationId xmlns:a16="http://schemas.microsoft.com/office/drawing/2014/main" id="{CF54EDF9-38C3-4B18-9738-3B3FCF3C4058}"/>
               </a:ext>
             </a:extLst>
           </p:cNvPr>
@@ -9277,8 +11011,8 @@
         </p:nvSpPr>
         <p:spPr>
           <a:xfrm>
-            <a:off x="4569176" y="523056"/>
-            <a:ext cx="2659224" cy="769441"/>
+            <a:off x="3033757" y="615297"/>
+            <a:ext cx="6281693" cy="584775"/>
           </a:xfrm>
           <a:prstGeom prst="rect">
             <a:avLst/>
@@ -9292,10 +11026,10 @@
           <a:lstStyle/>
           <a:p>
             <a:r>
-              <a:rPr lang="fr-FR" sz="4400" dirty="0">
+              <a:rPr lang="fr-FR" sz="3200" dirty="0">
                 <a:latin typeface="Berlin Sans FB" panose="020E0602020502020306" pitchFamily="34" charset="0"/>
               </a:rPr>
-              <a:t>Conclusion</a:t>
+              <a:t>Analyse des informations récupérées</a:t>
             </a:r>
           </a:p>
         </p:txBody>
@@ -9303,7 +11037,7 @@
     </p:spTree>
     <p:extLst>
       <p:ext uri="{BB962C8B-B14F-4D97-AF65-F5344CB8AC3E}">
-        <p14:creationId xmlns:p14="http://schemas.microsoft.com/office/powerpoint/2010/main" val="1458497673"/>
+        <p14:creationId xmlns:p14="http://schemas.microsoft.com/office/powerpoint/2010/main" val="406855787"/>
       </p:ext>
     </p:extLst>
   </p:cSld>
@@ -10096,10 +11830,843 @@
           </a:fontRef>
         </p:style>
       </p:cxnSp>
+      <p:sp>
+        <p:nvSpPr>
+          <p:cNvPr id="2" name="ZoneTexte 1">
+            <a:extLst>
+              <a:ext uri="{FF2B5EF4-FFF2-40B4-BE49-F238E27FC236}">
+                <a16:creationId xmlns:a16="http://schemas.microsoft.com/office/drawing/2014/main" id="{128A5370-27C5-4A3F-98D7-D74D075851FE}"/>
+              </a:ext>
+            </a:extLst>
+          </p:cNvPr>
+          <p:cNvSpPr txBox="1"/>
+          <p:nvPr/>
+        </p:nvSpPr>
+        <p:spPr>
+          <a:xfrm>
+            <a:off x="4569176" y="523056"/>
+            <a:ext cx="2659224" cy="769441"/>
+          </a:xfrm>
+          <a:prstGeom prst="rect">
+            <a:avLst/>
+          </a:prstGeom>
+          <a:noFill/>
+        </p:spPr>
+        <p:txBody>
+          <a:bodyPr wrap="square" rtlCol="0">
+            <a:spAutoFit/>
+          </a:bodyPr>
+          <a:lstStyle/>
+          <a:p>
+            <a:r>
+              <a:rPr lang="fr-FR" sz="4400" dirty="0">
+                <a:latin typeface="Berlin Sans FB" panose="020E0602020502020306" pitchFamily="34" charset="0"/>
+              </a:rPr>
+              <a:t>Conclusion</a:t>
+            </a:r>
+          </a:p>
+        </p:txBody>
+      </p:sp>
     </p:spTree>
     <p:extLst>
       <p:ext uri="{BB962C8B-B14F-4D97-AF65-F5344CB8AC3E}">
-        <p14:creationId xmlns:p14="http://schemas.microsoft.com/office/powerpoint/2010/main" val="406855787"/>
+        <p14:creationId xmlns:p14="http://schemas.microsoft.com/office/powerpoint/2010/main" val="1458497673"/>
+      </p:ext>
+    </p:extLst>
+  </p:cSld>
+  <p:clrMapOvr>
+    <a:masterClrMapping/>
+  </p:clrMapOvr>
+  <mc:AlternateContent xmlns:mc="http://schemas.openxmlformats.org/markup-compatibility/2006" xmlns:p14="http://schemas.microsoft.com/office/powerpoint/2010/main">
+    <mc:Choice Requires="p14">
+      <p:transition spd="slow">
+        <p14:reveal/>
+      </p:transition>
+    </mc:Choice>
+    <mc:Fallback xmlns="">
+      <p:transition spd="slow">
+        <p:fade/>
+      </p:transition>
+    </mc:Fallback>
+  </mc:AlternateContent>
+</p:sld>
+</file>
+
+<file path=ppt/slides/slide14.xml><?xml version="1.0" encoding="utf-8"?>
+<p:sld xmlns:a="http://schemas.openxmlformats.org/drawingml/2006/main" xmlns:r="http://schemas.openxmlformats.org/officeDocument/2006/relationships" xmlns:p="http://schemas.openxmlformats.org/presentationml/2006/main">
+  <p:cSld>
+    <p:spTree>
+      <p:nvGrpSpPr>
+        <p:cNvPr id="1" name=""/>
+        <p:cNvGrpSpPr/>
+        <p:nvPr/>
+      </p:nvGrpSpPr>
+      <p:grpSpPr>
+        <a:xfrm>
+          <a:off x="0" y="0"/>
+          <a:ext cx="0" cy="0"/>
+          <a:chOff x="0" y="0"/>
+          <a:chExt cx="0" cy="0"/>
+        </a:xfrm>
+      </p:grpSpPr>
+      <p:pic>
+        <p:nvPicPr>
+          <p:cNvPr id="8" name="Image 7">
+            <a:extLst>
+              <a:ext uri="{FF2B5EF4-FFF2-40B4-BE49-F238E27FC236}">
+                <a16:creationId xmlns:a16="http://schemas.microsoft.com/office/drawing/2014/main" id="{2BB825C5-31DA-4A56-85EA-536DBF510A31}"/>
+              </a:ext>
+            </a:extLst>
+          </p:cNvPr>
+          <p:cNvPicPr>
+            <a:picLocks noChangeAspect="1"/>
+          </p:cNvPicPr>
+          <p:nvPr/>
+        </p:nvPicPr>
+        <p:blipFill>
+          <a:blip r:embed="rId2">
+            <a:extLst>
+              <a:ext uri="{28A0092B-C50C-407E-A947-70E740481C1C}">
+                <a14:useLocalDpi xmlns:a14="http://schemas.microsoft.com/office/drawing/2010/main" val="0"/>
+              </a:ext>
+            </a:extLst>
+          </a:blip>
+          <a:stretch>
+            <a:fillRect/>
+          </a:stretch>
+        </p:blipFill>
+        <p:spPr>
+          <a:xfrm>
+            <a:off x="1068751" y="66457"/>
+            <a:ext cx="1259497" cy="776690"/>
+          </a:xfrm>
+          <a:prstGeom prst="rect">
+            <a:avLst/>
+          </a:prstGeom>
+        </p:spPr>
+      </p:pic>
+      <p:pic>
+        <p:nvPicPr>
+          <p:cNvPr id="10" name="Image 9">
+            <a:extLst>
+              <a:ext uri="{FF2B5EF4-FFF2-40B4-BE49-F238E27FC236}">
+                <a16:creationId xmlns:a16="http://schemas.microsoft.com/office/drawing/2014/main" id="{8EE7436F-49F2-41E0-93E4-D247B4705294}"/>
+              </a:ext>
+            </a:extLst>
+          </p:cNvPr>
+          <p:cNvPicPr>
+            <a:picLocks noChangeAspect="1"/>
+          </p:cNvPicPr>
+          <p:nvPr/>
+        </p:nvPicPr>
+        <p:blipFill>
+          <a:blip r:embed="rId3">
+            <a:extLst>
+              <a:ext uri="{28A0092B-C50C-407E-A947-70E740481C1C}">
+                <a14:useLocalDpi xmlns:a14="http://schemas.microsoft.com/office/drawing/2010/main" val="0"/>
+              </a:ext>
+            </a:extLst>
+          </a:blip>
+          <a:stretch>
+            <a:fillRect/>
+          </a:stretch>
+        </p:blipFill>
+        <p:spPr>
+          <a:xfrm>
+            <a:off x="9681085" y="238153"/>
+            <a:ext cx="1802101" cy="569807"/>
+          </a:xfrm>
+          <a:prstGeom prst="rect">
+            <a:avLst/>
+          </a:prstGeom>
+        </p:spPr>
+      </p:pic>
+      <p:cxnSp>
+        <p:nvCxnSpPr>
+          <p:cNvPr id="16" name="Connecteur droit 15">
+            <a:extLst>
+              <a:ext uri="{FF2B5EF4-FFF2-40B4-BE49-F238E27FC236}">
+                <a16:creationId xmlns:a16="http://schemas.microsoft.com/office/drawing/2014/main" id="{7319284A-BD6F-4A96-8E2B-E0A4B52E53C6}"/>
+              </a:ext>
+            </a:extLst>
+          </p:cNvPr>
+          <p:cNvCxnSpPr>
+            <a:cxnSpLocks/>
+          </p:cNvCxnSpPr>
+          <p:nvPr/>
+        </p:nvCxnSpPr>
+        <p:spPr>
+          <a:xfrm flipV="1">
+            <a:off x="0" y="454803"/>
+            <a:ext cx="738231" cy="1798"/>
+          </a:xfrm>
+          <a:prstGeom prst="line">
+            <a:avLst/>
+          </a:prstGeom>
+        </p:spPr>
+        <p:style>
+          <a:lnRef idx="3">
+            <a:schemeClr val="dk1"/>
+          </a:lnRef>
+          <a:fillRef idx="0">
+            <a:schemeClr val="dk1"/>
+          </a:fillRef>
+          <a:effectRef idx="2">
+            <a:schemeClr val="dk1"/>
+          </a:effectRef>
+          <a:fontRef idx="minor">
+            <a:schemeClr val="tx1"/>
+          </a:fontRef>
+        </p:style>
+      </p:cxnSp>
+      <p:cxnSp>
+        <p:nvCxnSpPr>
+          <p:cNvPr id="20" name="Connecteur droit 19">
+            <a:extLst>
+              <a:ext uri="{FF2B5EF4-FFF2-40B4-BE49-F238E27FC236}">
+                <a16:creationId xmlns:a16="http://schemas.microsoft.com/office/drawing/2014/main" id="{08874CF7-F149-4C81-B61E-74E18342BA8A}"/>
+              </a:ext>
+            </a:extLst>
+          </p:cNvPr>
+          <p:cNvCxnSpPr>
+            <a:cxnSpLocks/>
+          </p:cNvCxnSpPr>
+          <p:nvPr/>
+        </p:nvCxnSpPr>
+        <p:spPr>
+          <a:xfrm>
+            <a:off x="2573222" y="454803"/>
+            <a:ext cx="6829482" cy="10398"/>
+          </a:xfrm>
+          <a:prstGeom prst="line">
+            <a:avLst/>
+          </a:prstGeom>
+        </p:spPr>
+        <p:style>
+          <a:lnRef idx="3">
+            <a:schemeClr val="dk1"/>
+          </a:lnRef>
+          <a:fillRef idx="0">
+            <a:schemeClr val="dk1"/>
+          </a:fillRef>
+          <a:effectRef idx="2">
+            <a:schemeClr val="dk1"/>
+          </a:effectRef>
+          <a:fontRef idx="minor">
+            <a:schemeClr val="tx1"/>
+          </a:fontRef>
+        </p:style>
+      </p:cxnSp>
+      <p:cxnSp>
+        <p:nvCxnSpPr>
+          <p:cNvPr id="26" name="Connecteur droit 25">
+            <a:extLst>
+              <a:ext uri="{FF2B5EF4-FFF2-40B4-BE49-F238E27FC236}">
+                <a16:creationId xmlns:a16="http://schemas.microsoft.com/office/drawing/2014/main" id="{BB3B35CC-057B-48C1-880F-3306A6559175}"/>
+              </a:ext>
+            </a:extLst>
+          </p:cNvPr>
+          <p:cNvCxnSpPr>
+            <a:cxnSpLocks/>
+          </p:cNvCxnSpPr>
+          <p:nvPr/>
+        </p:nvCxnSpPr>
+        <p:spPr>
+          <a:xfrm>
+            <a:off x="738231" y="454803"/>
+            <a:ext cx="344203" cy="484764"/>
+          </a:xfrm>
+          <a:prstGeom prst="line">
+            <a:avLst/>
+          </a:prstGeom>
+        </p:spPr>
+        <p:style>
+          <a:lnRef idx="3">
+            <a:schemeClr val="dk1"/>
+          </a:lnRef>
+          <a:fillRef idx="0">
+            <a:schemeClr val="dk1"/>
+          </a:fillRef>
+          <a:effectRef idx="2">
+            <a:schemeClr val="dk1"/>
+          </a:effectRef>
+          <a:fontRef idx="minor">
+            <a:schemeClr val="tx1"/>
+          </a:fontRef>
+        </p:style>
+      </p:cxnSp>
+      <p:cxnSp>
+        <p:nvCxnSpPr>
+          <p:cNvPr id="32" name="Connecteur droit 31">
+            <a:extLst>
+              <a:ext uri="{FF2B5EF4-FFF2-40B4-BE49-F238E27FC236}">
+                <a16:creationId xmlns:a16="http://schemas.microsoft.com/office/drawing/2014/main" id="{4AD96496-1EB6-4E48-9BB2-5C255495C686}"/>
+              </a:ext>
+            </a:extLst>
+          </p:cNvPr>
+          <p:cNvCxnSpPr>
+            <a:cxnSpLocks/>
+          </p:cNvCxnSpPr>
+          <p:nvPr/>
+        </p:nvCxnSpPr>
+        <p:spPr>
+          <a:xfrm>
+            <a:off x="1082434" y="938268"/>
+            <a:ext cx="1146585" cy="0"/>
+          </a:xfrm>
+          <a:prstGeom prst="line">
+            <a:avLst/>
+          </a:prstGeom>
+        </p:spPr>
+        <p:style>
+          <a:lnRef idx="3">
+            <a:schemeClr val="dk1"/>
+          </a:lnRef>
+          <a:fillRef idx="0">
+            <a:schemeClr val="dk1"/>
+          </a:fillRef>
+          <a:effectRef idx="2">
+            <a:schemeClr val="dk1"/>
+          </a:effectRef>
+          <a:fontRef idx="minor">
+            <a:schemeClr val="tx1"/>
+          </a:fontRef>
+        </p:style>
+      </p:cxnSp>
+      <p:cxnSp>
+        <p:nvCxnSpPr>
+          <p:cNvPr id="51" name="Connecteur droit 50">
+            <a:extLst>
+              <a:ext uri="{FF2B5EF4-FFF2-40B4-BE49-F238E27FC236}">
+                <a16:creationId xmlns:a16="http://schemas.microsoft.com/office/drawing/2014/main" id="{C035BFA6-ECBF-4775-BA81-19D2CA41AA8D}"/>
+              </a:ext>
+            </a:extLst>
+          </p:cNvPr>
+          <p:cNvCxnSpPr>
+            <a:cxnSpLocks/>
+          </p:cNvCxnSpPr>
+          <p:nvPr/>
+        </p:nvCxnSpPr>
+        <p:spPr>
+          <a:xfrm>
+            <a:off x="9402704" y="465201"/>
+            <a:ext cx="344203" cy="495163"/>
+          </a:xfrm>
+          <a:prstGeom prst="line">
+            <a:avLst/>
+          </a:prstGeom>
+        </p:spPr>
+        <p:style>
+          <a:lnRef idx="3">
+            <a:schemeClr val="dk1"/>
+          </a:lnRef>
+          <a:fillRef idx="0">
+            <a:schemeClr val="dk1"/>
+          </a:fillRef>
+          <a:effectRef idx="2">
+            <a:schemeClr val="dk1"/>
+          </a:effectRef>
+          <a:fontRef idx="minor">
+            <a:schemeClr val="tx1"/>
+          </a:fontRef>
+        </p:style>
+      </p:cxnSp>
+      <p:cxnSp>
+        <p:nvCxnSpPr>
+          <p:cNvPr id="52" name="Connecteur droit 51">
+            <a:extLst>
+              <a:ext uri="{FF2B5EF4-FFF2-40B4-BE49-F238E27FC236}">
+                <a16:creationId xmlns:a16="http://schemas.microsoft.com/office/drawing/2014/main" id="{FA310BC7-694B-4984-99A2-61A1F4F6EBF9}"/>
+              </a:ext>
+            </a:extLst>
+          </p:cNvPr>
+          <p:cNvCxnSpPr>
+            <a:cxnSpLocks/>
+          </p:cNvCxnSpPr>
+          <p:nvPr/>
+        </p:nvCxnSpPr>
+        <p:spPr>
+          <a:xfrm flipH="1">
+            <a:off x="11370469" y="448308"/>
+            <a:ext cx="364332" cy="501657"/>
+          </a:xfrm>
+          <a:prstGeom prst="line">
+            <a:avLst/>
+          </a:prstGeom>
+        </p:spPr>
+        <p:style>
+          <a:lnRef idx="3">
+            <a:schemeClr val="dk1"/>
+          </a:lnRef>
+          <a:fillRef idx="0">
+            <a:schemeClr val="dk1"/>
+          </a:fillRef>
+          <a:effectRef idx="2">
+            <a:schemeClr val="dk1"/>
+          </a:effectRef>
+          <a:fontRef idx="minor">
+            <a:schemeClr val="tx1"/>
+          </a:fontRef>
+        </p:style>
+      </p:cxnSp>
+      <p:cxnSp>
+        <p:nvCxnSpPr>
+          <p:cNvPr id="53" name="Connecteur droit 52">
+            <a:extLst>
+              <a:ext uri="{FF2B5EF4-FFF2-40B4-BE49-F238E27FC236}">
+                <a16:creationId xmlns:a16="http://schemas.microsoft.com/office/drawing/2014/main" id="{BE0649BD-EE59-4DDA-960F-95B2572F9F13}"/>
+              </a:ext>
+            </a:extLst>
+          </p:cNvPr>
+          <p:cNvCxnSpPr>
+            <a:cxnSpLocks/>
+          </p:cNvCxnSpPr>
+          <p:nvPr/>
+        </p:nvCxnSpPr>
+        <p:spPr>
+          <a:xfrm>
+            <a:off x="9743203" y="949965"/>
+            <a:ext cx="1627266" cy="0"/>
+          </a:xfrm>
+          <a:prstGeom prst="line">
+            <a:avLst/>
+          </a:prstGeom>
+        </p:spPr>
+        <p:style>
+          <a:lnRef idx="3">
+            <a:schemeClr val="dk1"/>
+          </a:lnRef>
+          <a:fillRef idx="0">
+            <a:schemeClr val="dk1"/>
+          </a:fillRef>
+          <a:effectRef idx="2">
+            <a:schemeClr val="dk1"/>
+          </a:effectRef>
+          <a:fontRef idx="minor">
+            <a:schemeClr val="tx1"/>
+          </a:fontRef>
+        </p:style>
+      </p:cxnSp>
+      <p:cxnSp>
+        <p:nvCxnSpPr>
+          <p:cNvPr id="55" name="Connecteur droit 54">
+            <a:extLst>
+              <a:ext uri="{FF2B5EF4-FFF2-40B4-BE49-F238E27FC236}">
+                <a16:creationId xmlns:a16="http://schemas.microsoft.com/office/drawing/2014/main" id="{52AA9200-DAFA-4EEF-AC13-4C7CE82A59EC}"/>
+              </a:ext>
+            </a:extLst>
+          </p:cNvPr>
+          <p:cNvCxnSpPr>
+            <a:cxnSpLocks/>
+          </p:cNvCxnSpPr>
+          <p:nvPr/>
+        </p:nvCxnSpPr>
+        <p:spPr>
+          <a:xfrm>
+            <a:off x="11715750" y="454801"/>
+            <a:ext cx="476249" cy="10400"/>
+          </a:xfrm>
+          <a:prstGeom prst="line">
+            <a:avLst/>
+          </a:prstGeom>
+        </p:spPr>
+        <p:style>
+          <a:lnRef idx="3">
+            <a:schemeClr val="dk1"/>
+          </a:lnRef>
+          <a:fillRef idx="0">
+            <a:schemeClr val="dk1"/>
+          </a:fillRef>
+          <a:effectRef idx="2">
+            <a:schemeClr val="dk1"/>
+          </a:effectRef>
+          <a:fontRef idx="minor">
+            <a:schemeClr val="tx1"/>
+          </a:fontRef>
+        </p:style>
+      </p:cxnSp>
+      <p:cxnSp>
+        <p:nvCxnSpPr>
+          <p:cNvPr id="23" name="Connecteur droit 22">
+            <a:extLst>
+              <a:ext uri="{FF2B5EF4-FFF2-40B4-BE49-F238E27FC236}">
+                <a16:creationId xmlns:a16="http://schemas.microsoft.com/office/drawing/2014/main" id="{BCB092C8-0080-4E56-957E-0046D4C83988}"/>
+              </a:ext>
+            </a:extLst>
+          </p:cNvPr>
+          <p:cNvCxnSpPr>
+            <a:cxnSpLocks/>
+          </p:cNvCxnSpPr>
+          <p:nvPr/>
+        </p:nvCxnSpPr>
+        <p:spPr>
+          <a:xfrm flipH="1">
+            <a:off x="2216372" y="446356"/>
+            <a:ext cx="364332" cy="501657"/>
+          </a:xfrm>
+          <a:prstGeom prst="line">
+            <a:avLst/>
+          </a:prstGeom>
+        </p:spPr>
+        <p:style>
+          <a:lnRef idx="3">
+            <a:schemeClr val="dk1"/>
+          </a:lnRef>
+          <a:fillRef idx="0">
+            <a:schemeClr val="dk1"/>
+          </a:fillRef>
+          <a:effectRef idx="2">
+            <a:schemeClr val="dk1"/>
+          </a:effectRef>
+          <a:fontRef idx="minor">
+            <a:schemeClr val="tx1"/>
+          </a:fontRef>
+        </p:style>
+      </p:cxnSp>
+      <p:pic>
+        <p:nvPicPr>
+          <p:cNvPr id="57" name="Image 56">
+            <a:extLst>
+              <a:ext uri="{FF2B5EF4-FFF2-40B4-BE49-F238E27FC236}">
+                <a16:creationId xmlns:a16="http://schemas.microsoft.com/office/drawing/2014/main" id="{12B16FB2-5844-4B92-AE69-9BAC858C22BB}"/>
+              </a:ext>
+            </a:extLst>
+          </p:cNvPr>
+          <p:cNvPicPr>
+            <a:picLocks noChangeAspect="1"/>
+          </p:cNvPicPr>
+          <p:nvPr/>
+        </p:nvPicPr>
+        <p:blipFill>
+          <a:blip r:embed="rId3">
+            <a:extLst>
+              <a:ext uri="{28A0092B-C50C-407E-A947-70E740481C1C}">
+                <a14:useLocalDpi xmlns:a14="http://schemas.microsoft.com/office/drawing/2010/main" val="0"/>
+              </a:ext>
+            </a:extLst>
+          </a:blip>
+          <a:stretch>
+            <a:fillRect/>
+          </a:stretch>
+        </p:blipFill>
+        <p:spPr>
+          <a:xfrm>
+            <a:off x="9681085" y="238153"/>
+            <a:ext cx="1802101" cy="569807"/>
+          </a:xfrm>
+          <a:prstGeom prst="rect">
+            <a:avLst/>
+          </a:prstGeom>
+        </p:spPr>
+      </p:pic>
+      <p:cxnSp>
+        <p:nvCxnSpPr>
+          <p:cNvPr id="58" name="Connecteur droit 57">
+            <a:extLst>
+              <a:ext uri="{FF2B5EF4-FFF2-40B4-BE49-F238E27FC236}">
+                <a16:creationId xmlns:a16="http://schemas.microsoft.com/office/drawing/2014/main" id="{01599350-F8B0-4FDC-B003-981189A8D654}"/>
+              </a:ext>
+            </a:extLst>
+          </p:cNvPr>
+          <p:cNvCxnSpPr>
+            <a:cxnSpLocks/>
+          </p:cNvCxnSpPr>
+          <p:nvPr/>
+        </p:nvCxnSpPr>
+        <p:spPr>
+          <a:xfrm>
+            <a:off x="2573222" y="454803"/>
+            <a:ext cx="6829482" cy="10398"/>
+          </a:xfrm>
+          <a:prstGeom prst="line">
+            <a:avLst/>
+          </a:prstGeom>
+        </p:spPr>
+        <p:style>
+          <a:lnRef idx="3">
+            <a:schemeClr val="dk1"/>
+          </a:lnRef>
+          <a:fillRef idx="0">
+            <a:schemeClr val="dk1"/>
+          </a:fillRef>
+          <a:effectRef idx="2">
+            <a:schemeClr val="dk1"/>
+          </a:effectRef>
+          <a:fontRef idx="minor">
+            <a:schemeClr val="tx1"/>
+          </a:fontRef>
+        </p:style>
+      </p:cxnSp>
+      <p:cxnSp>
+        <p:nvCxnSpPr>
+          <p:cNvPr id="59" name="Connecteur droit 58">
+            <a:extLst>
+              <a:ext uri="{FF2B5EF4-FFF2-40B4-BE49-F238E27FC236}">
+                <a16:creationId xmlns:a16="http://schemas.microsoft.com/office/drawing/2014/main" id="{BC6E6150-6054-4785-84EC-0C46D82034C2}"/>
+              </a:ext>
+            </a:extLst>
+          </p:cNvPr>
+          <p:cNvCxnSpPr>
+            <a:cxnSpLocks/>
+          </p:cNvCxnSpPr>
+          <p:nvPr/>
+        </p:nvCxnSpPr>
+        <p:spPr>
+          <a:xfrm>
+            <a:off x="738231" y="454803"/>
+            <a:ext cx="344203" cy="484764"/>
+          </a:xfrm>
+          <a:prstGeom prst="line">
+            <a:avLst/>
+          </a:prstGeom>
+        </p:spPr>
+        <p:style>
+          <a:lnRef idx="3">
+            <a:schemeClr val="dk1"/>
+          </a:lnRef>
+          <a:fillRef idx="0">
+            <a:schemeClr val="dk1"/>
+          </a:fillRef>
+          <a:effectRef idx="2">
+            <a:schemeClr val="dk1"/>
+          </a:effectRef>
+          <a:fontRef idx="minor">
+            <a:schemeClr val="tx1"/>
+          </a:fontRef>
+        </p:style>
+      </p:cxnSp>
+      <p:cxnSp>
+        <p:nvCxnSpPr>
+          <p:cNvPr id="60" name="Connecteur droit 59">
+            <a:extLst>
+              <a:ext uri="{FF2B5EF4-FFF2-40B4-BE49-F238E27FC236}">
+                <a16:creationId xmlns:a16="http://schemas.microsoft.com/office/drawing/2014/main" id="{CBC9961A-8EC2-4287-A398-BCA4138D409D}"/>
+              </a:ext>
+            </a:extLst>
+          </p:cNvPr>
+          <p:cNvCxnSpPr>
+            <a:cxnSpLocks/>
+          </p:cNvCxnSpPr>
+          <p:nvPr/>
+        </p:nvCxnSpPr>
+        <p:spPr>
+          <a:xfrm>
+            <a:off x="1082434" y="938268"/>
+            <a:ext cx="1146585" cy="0"/>
+          </a:xfrm>
+          <a:prstGeom prst="line">
+            <a:avLst/>
+          </a:prstGeom>
+        </p:spPr>
+        <p:style>
+          <a:lnRef idx="3">
+            <a:schemeClr val="dk1"/>
+          </a:lnRef>
+          <a:fillRef idx="0">
+            <a:schemeClr val="dk1"/>
+          </a:fillRef>
+          <a:effectRef idx="2">
+            <a:schemeClr val="dk1"/>
+          </a:effectRef>
+          <a:fontRef idx="minor">
+            <a:schemeClr val="tx1"/>
+          </a:fontRef>
+        </p:style>
+      </p:cxnSp>
+      <p:cxnSp>
+        <p:nvCxnSpPr>
+          <p:cNvPr id="61" name="Connecteur droit 60">
+            <a:extLst>
+              <a:ext uri="{FF2B5EF4-FFF2-40B4-BE49-F238E27FC236}">
+                <a16:creationId xmlns:a16="http://schemas.microsoft.com/office/drawing/2014/main" id="{152B7C45-2543-4665-BC07-4DB71CA9F337}"/>
+              </a:ext>
+            </a:extLst>
+          </p:cNvPr>
+          <p:cNvCxnSpPr>
+            <a:cxnSpLocks/>
+          </p:cNvCxnSpPr>
+          <p:nvPr/>
+        </p:nvCxnSpPr>
+        <p:spPr>
+          <a:xfrm>
+            <a:off x="9402704" y="465201"/>
+            <a:ext cx="344203" cy="495163"/>
+          </a:xfrm>
+          <a:prstGeom prst="line">
+            <a:avLst/>
+          </a:prstGeom>
+        </p:spPr>
+        <p:style>
+          <a:lnRef idx="3">
+            <a:schemeClr val="dk1"/>
+          </a:lnRef>
+          <a:fillRef idx="0">
+            <a:schemeClr val="dk1"/>
+          </a:fillRef>
+          <a:effectRef idx="2">
+            <a:schemeClr val="dk1"/>
+          </a:effectRef>
+          <a:fontRef idx="minor">
+            <a:schemeClr val="tx1"/>
+          </a:fontRef>
+        </p:style>
+      </p:cxnSp>
+      <p:cxnSp>
+        <p:nvCxnSpPr>
+          <p:cNvPr id="62" name="Connecteur droit 61">
+            <a:extLst>
+              <a:ext uri="{FF2B5EF4-FFF2-40B4-BE49-F238E27FC236}">
+                <a16:creationId xmlns:a16="http://schemas.microsoft.com/office/drawing/2014/main" id="{00A84DC3-A112-46A3-B71C-04D85339323D}"/>
+              </a:ext>
+            </a:extLst>
+          </p:cNvPr>
+          <p:cNvCxnSpPr>
+            <a:cxnSpLocks/>
+          </p:cNvCxnSpPr>
+          <p:nvPr/>
+        </p:nvCxnSpPr>
+        <p:spPr>
+          <a:xfrm flipH="1">
+            <a:off x="11370469" y="448308"/>
+            <a:ext cx="364332" cy="501657"/>
+          </a:xfrm>
+          <a:prstGeom prst="line">
+            <a:avLst/>
+          </a:prstGeom>
+        </p:spPr>
+        <p:style>
+          <a:lnRef idx="3">
+            <a:schemeClr val="dk1"/>
+          </a:lnRef>
+          <a:fillRef idx="0">
+            <a:schemeClr val="dk1"/>
+          </a:fillRef>
+          <a:effectRef idx="2">
+            <a:schemeClr val="dk1"/>
+          </a:effectRef>
+          <a:fontRef idx="minor">
+            <a:schemeClr val="tx1"/>
+          </a:fontRef>
+        </p:style>
+      </p:cxnSp>
+      <p:cxnSp>
+        <p:nvCxnSpPr>
+          <p:cNvPr id="63" name="Connecteur droit 62">
+            <a:extLst>
+              <a:ext uri="{FF2B5EF4-FFF2-40B4-BE49-F238E27FC236}">
+                <a16:creationId xmlns:a16="http://schemas.microsoft.com/office/drawing/2014/main" id="{C50788C6-8F68-44EC-AB54-94C1D2FE554D}"/>
+              </a:ext>
+            </a:extLst>
+          </p:cNvPr>
+          <p:cNvCxnSpPr>
+            <a:cxnSpLocks/>
+          </p:cNvCxnSpPr>
+          <p:nvPr/>
+        </p:nvCxnSpPr>
+        <p:spPr>
+          <a:xfrm>
+            <a:off x="9743203" y="949965"/>
+            <a:ext cx="1627266" cy="0"/>
+          </a:xfrm>
+          <a:prstGeom prst="line">
+            <a:avLst/>
+          </a:prstGeom>
+        </p:spPr>
+        <p:style>
+          <a:lnRef idx="3">
+            <a:schemeClr val="dk1"/>
+          </a:lnRef>
+          <a:fillRef idx="0">
+            <a:schemeClr val="dk1"/>
+          </a:fillRef>
+          <a:effectRef idx="2">
+            <a:schemeClr val="dk1"/>
+          </a:effectRef>
+          <a:fontRef idx="minor">
+            <a:schemeClr val="tx1"/>
+          </a:fontRef>
+        </p:style>
+      </p:cxnSp>
+      <p:cxnSp>
+        <p:nvCxnSpPr>
+          <p:cNvPr id="64" name="Connecteur droit 63">
+            <a:extLst>
+              <a:ext uri="{FF2B5EF4-FFF2-40B4-BE49-F238E27FC236}">
+                <a16:creationId xmlns:a16="http://schemas.microsoft.com/office/drawing/2014/main" id="{BC4D4E5F-5636-45CB-873C-EC085AB307A3}"/>
+              </a:ext>
+            </a:extLst>
+          </p:cNvPr>
+          <p:cNvCxnSpPr>
+            <a:cxnSpLocks/>
+          </p:cNvCxnSpPr>
+          <p:nvPr/>
+        </p:nvCxnSpPr>
+        <p:spPr>
+          <a:xfrm>
+            <a:off x="11715750" y="454801"/>
+            <a:ext cx="476249" cy="10400"/>
+          </a:xfrm>
+          <a:prstGeom prst="line">
+            <a:avLst/>
+          </a:prstGeom>
+        </p:spPr>
+        <p:style>
+          <a:lnRef idx="3">
+            <a:schemeClr val="dk1"/>
+          </a:lnRef>
+          <a:fillRef idx="0">
+            <a:schemeClr val="dk1"/>
+          </a:fillRef>
+          <a:effectRef idx="2">
+            <a:schemeClr val="dk1"/>
+          </a:effectRef>
+          <a:fontRef idx="minor">
+            <a:schemeClr val="tx1"/>
+          </a:fontRef>
+        </p:style>
+      </p:cxnSp>
+      <p:cxnSp>
+        <p:nvCxnSpPr>
+          <p:cNvPr id="65" name="Connecteur droit 64">
+            <a:extLst>
+              <a:ext uri="{FF2B5EF4-FFF2-40B4-BE49-F238E27FC236}">
+                <a16:creationId xmlns:a16="http://schemas.microsoft.com/office/drawing/2014/main" id="{E6F6B4C5-0E3B-46C9-859D-EE774175D36F}"/>
+              </a:ext>
+            </a:extLst>
+          </p:cNvPr>
+          <p:cNvCxnSpPr>
+            <a:cxnSpLocks/>
+          </p:cNvCxnSpPr>
+          <p:nvPr/>
+        </p:nvCxnSpPr>
+        <p:spPr>
+          <a:xfrm flipH="1">
+            <a:off x="2216372" y="446356"/>
+            <a:ext cx="364332" cy="501657"/>
+          </a:xfrm>
+          <a:prstGeom prst="line">
+            <a:avLst/>
+          </a:prstGeom>
+        </p:spPr>
+        <p:style>
+          <a:lnRef idx="3">
+            <a:schemeClr val="dk1"/>
+          </a:lnRef>
+          <a:fillRef idx="0">
+            <a:schemeClr val="dk1"/>
+          </a:fillRef>
+          <a:effectRef idx="2">
+            <a:schemeClr val="dk1"/>
+          </a:effectRef>
+          <a:fontRef idx="minor">
+            <a:schemeClr val="tx1"/>
+          </a:fontRef>
+        </p:style>
+      </p:cxnSp>
+    </p:spTree>
+    <p:extLst>
+      <p:ext uri="{BB962C8B-B14F-4D97-AF65-F5344CB8AC3E}">
+        <p14:creationId xmlns:p14="http://schemas.microsoft.com/office/powerpoint/2010/main" val="113769124"/>
       </p:ext>
     </p:extLst>
   </p:cSld>
@@ -17413,10 +19980,10 @@
       </p:sp>
       <p:pic>
         <p:nvPicPr>
-          <p:cNvPr id="5" name="Image 4">
-            <a:extLst>
-              <a:ext uri="{FF2B5EF4-FFF2-40B4-BE49-F238E27FC236}">
-                <a16:creationId xmlns:a16="http://schemas.microsoft.com/office/drawing/2014/main" id="{2D37ABB9-9FFD-489F-A246-B4C4468314EA}"/>
+          <p:cNvPr id="4" name="Image 3">
+            <a:extLst>
+              <a:ext uri="{FF2B5EF4-FFF2-40B4-BE49-F238E27FC236}">
+                <a16:creationId xmlns:a16="http://schemas.microsoft.com/office/drawing/2014/main" id="{B7D0D36A-D630-44C5-802A-8C4E537FDFAA}"/>
               </a:ext>
             </a:extLst>
           </p:cNvPr>
@@ -17439,8 +20006,8 @@
         </p:blipFill>
         <p:spPr>
           <a:xfrm>
-            <a:off x="1523437" y="1487856"/>
-            <a:ext cx="8538907" cy="5220854"/>
+            <a:off x="1999845" y="1534740"/>
+            <a:ext cx="8823665" cy="5296975"/>
           </a:xfrm>
           <a:prstGeom prst="rect">
             <a:avLst/>

--- a/oral_projet/revue_2/diaporama_revue_2_steven.pptx
+++ b/oral_projet/revue_2/diaporama_revue_2_steven.pptx
@@ -6388,7 +6388,7 @@
           <a:solidFill>
             <a:srgbClr val="FFFFFF"/>
           </a:solidFill>
-          <a:ln w="9525">
+          <a:ln w="28575">
             <a:solidFill>
               <a:srgbClr val="000000"/>
             </a:solidFill>
@@ -6612,7 +6612,7 @@
         </p:nvSpPr>
         <p:spPr bwMode="auto">
           <a:xfrm>
-            <a:off x="5439877" y="3964833"/>
+            <a:off x="5455600" y="3883283"/>
             <a:ext cx="425450" cy="396875"/>
           </a:xfrm>
           <a:prstGeom prst="rect">
@@ -6656,7 +6656,7 @@
               <a:tabLst/>
             </a:pPr>
             <a:r>
-              <a:rPr kumimoji="0" lang="fr-FR" altLang="fr-FR" sz="1100" b="0" i="0" u="none" strike="noStrike" cap="none" normalizeH="0" baseline="0">
+              <a:rPr kumimoji="0" lang="fr-FR" altLang="fr-FR" sz="1100" b="0" i="0" u="none" strike="noStrike" cap="none" normalizeH="0" baseline="0" dirty="0">
                 <a:ln>
                   <a:noFill/>
                 </a:ln>
@@ -6670,7 +6670,7 @@
               </a:rPr>
               <a:t>D2</a:t>
             </a:r>
-            <a:endParaRPr kumimoji="0" lang="fr-FR" altLang="fr-FR" sz="1800" b="0" i="0" u="none" strike="noStrike" cap="none" normalizeH="0" baseline="0">
+            <a:endParaRPr kumimoji="0" lang="fr-FR" altLang="fr-FR" sz="1800" b="0" i="0" u="none" strike="noStrike" cap="none" normalizeH="0" baseline="0" dirty="0">
               <a:ln>
                 <a:noFill/>
               </a:ln>
@@ -6708,7 +6708,7 @@
           <a:solidFill>
             <a:srgbClr val="FFFFFF"/>
           </a:solidFill>
-          <a:ln w="9525">
+          <a:ln w="28575">
             <a:solidFill>
               <a:srgbClr val="000000"/>
             </a:solidFill>
@@ -6871,7 +6871,7 @@
         </p:nvSpPr>
         <p:spPr>
           <a:xfrm>
-            <a:off x="6155162" y="4390437"/>
+            <a:off x="6130584" y="4399968"/>
             <a:ext cx="127000" cy="201930"/>
           </a:xfrm>
           <a:prstGeom prst="rect">
@@ -6880,7 +6880,7 @@
           <a:solidFill>
             <a:schemeClr val="lt1"/>
           </a:solidFill>
-          <a:ln w="6350">
+          <a:ln w="28575">
             <a:solidFill>
               <a:prstClr val="black"/>
             </a:solidFill>
@@ -6940,7 +6940,7 @@
           <a:solidFill>
             <a:srgbClr val="FFFFFF"/>
           </a:solidFill>
-          <a:ln w="9525">
+          <a:ln w="28575">
             <a:solidFill>
               <a:srgbClr val="000000"/>
             </a:solidFill>
@@ -7026,7 +7026,7 @@
           <a:solidFill>
             <a:srgbClr val="FFFFFF"/>
           </a:solidFill>
-          <a:ln w="9525">
+          <a:ln w="28575">
             <a:solidFill>
               <a:srgbClr val="000000"/>
             </a:solidFill>
@@ -7104,8 +7104,8 @@
         </p:nvSpPr>
         <p:spPr bwMode="auto">
           <a:xfrm>
-            <a:off x="2002664" y="3984671"/>
-            <a:ext cx="1349375" cy="396875"/>
+            <a:off x="2002665" y="3984671"/>
+            <a:ext cx="1269958" cy="261610"/>
           </a:xfrm>
           <a:prstGeom prst="rect">
             <a:avLst/>
@@ -7113,7 +7113,7 @@
           <a:solidFill>
             <a:srgbClr val="FFFFFF"/>
           </a:solidFill>
-          <a:ln w="9525">
+          <a:ln w="28575">
             <a:solidFill>
               <a:srgbClr val="000000"/>
             </a:solidFill>
@@ -7195,6 +7195,11 @@
           <a:prstGeom prst="line">
             <a:avLst/>
           </a:prstGeom>
+          <a:ln w="28575">
+            <a:solidFill>
+              <a:schemeClr val="accent6"/>
+            </a:solidFill>
+          </a:ln>
         </p:spPr>
         <p:style>
           <a:lnRef idx="1">
@@ -7231,6 +7236,11 @@
           <a:prstGeom prst="line">
             <a:avLst/>
           </a:prstGeom>
+          <a:ln w="28575">
+            <a:solidFill>
+              <a:srgbClr val="FF0000"/>
+            </a:solidFill>
+          </a:ln>
         </p:spPr>
         <p:style>
           <a:lnRef idx="1">
@@ -7267,6 +7277,11 @@
           <a:prstGeom prst="line">
             <a:avLst/>
           </a:prstGeom>
+          <a:ln w="28575">
+            <a:solidFill>
+              <a:srgbClr val="FF0000"/>
+            </a:solidFill>
+          </a:ln>
         </p:spPr>
         <p:style>
           <a:lnRef idx="1">
@@ -7303,6 +7318,14 @@
           <a:prstGeom prst="line">
             <a:avLst/>
           </a:prstGeom>
+          <a:ln w="28575">
+            <a:solidFill>
+              <a:schemeClr val="accent4">
+                <a:lumMod val="60000"/>
+                <a:lumOff val="40000"/>
+              </a:schemeClr>
+            </a:solidFill>
+          </a:ln>
         </p:spPr>
         <p:style>
           <a:lnRef idx="1">
@@ -7328,7 +7351,9 @@
               </a:ext>
             </a:extLst>
           </p:cNvPr>
-          <p:cNvCxnSpPr/>
+          <p:cNvCxnSpPr>
+            <a:cxnSpLocks/>
+          </p:cNvCxnSpPr>
           <p:nvPr/>
         </p:nvCxnSpPr>
         <p:spPr>
@@ -7339,6 +7364,14 @@
           <a:prstGeom prst="line">
             <a:avLst/>
           </a:prstGeom>
+          <a:ln w="28575">
+            <a:solidFill>
+              <a:schemeClr val="accent4">
+                <a:lumMod val="60000"/>
+                <a:lumOff val="40000"/>
+              </a:schemeClr>
+            </a:solidFill>
+          </a:ln>
         </p:spPr>
         <p:style>
           <a:lnRef idx="1">
@@ -7369,12 +7402,13 @@
         </p:nvCxnSpPr>
         <p:spPr>
           <a:xfrm>
-            <a:off x="3301012" y="4203504"/>
-            <a:ext cx="3444875" cy="20955"/>
+            <a:off x="3229442" y="4161013"/>
+            <a:ext cx="3444875" cy="0"/>
           </a:xfrm>
           <a:prstGeom prst="line">
             <a:avLst/>
           </a:prstGeom>
+          <a:ln w="28575"/>
         </p:spPr>
         <p:style>
           <a:lnRef idx="1">
@@ -7411,6 +7445,7 @@
           <a:prstGeom prst="line">
             <a:avLst/>
           </a:prstGeom>
+          <a:ln w="28575"/>
         </p:spPr>
         <p:style>
           <a:lnRef idx="1">
@@ -7527,12 +7562,13 @@
         </p:nvCxnSpPr>
         <p:spPr>
           <a:xfrm flipV="1">
-            <a:off x="6718171" y="3882622"/>
+            <a:off x="6674317" y="3812398"/>
             <a:ext cx="467995" cy="348615"/>
           </a:xfrm>
           <a:prstGeom prst="bentConnector3">
             <a:avLst/>
           </a:prstGeom>
+          <a:ln w="28575"/>
         </p:spPr>
         <p:style>
           <a:lnRef idx="1">
@@ -7565,7 +7601,7 @@
         </p:nvSpPr>
         <p:spPr bwMode="auto">
           <a:xfrm>
-            <a:off x="7035526" y="3962576"/>
+            <a:off x="7001830" y="3928114"/>
             <a:ext cx="498475" cy="396875"/>
           </a:xfrm>
           <a:prstGeom prst="rect">
@@ -7609,7 +7645,7 @@
               <a:tabLst/>
             </a:pPr>
             <a:r>
-              <a:rPr kumimoji="0" lang="fr-FR" altLang="fr-FR" sz="1100" b="0" i="0" u="none" strike="noStrike" cap="none" normalizeH="0" baseline="0">
+              <a:rPr kumimoji="0" lang="fr-FR" altLang="fr-FR" sz="1100" b="0" i="0" u="none" strike="noStrike" cap="none" normalizeH="0" baseline="0" dirty="0">
                 <a:ln>
                   <a:noFill/>
                 </a:ln>
@@ -7623,7 +7659,7 @@
               </a:rPr>
               <a:t>D2</a:t>
             </a:r>
-            <a:endParaRPr kumimoji="0" lang="fr-FR" altLang="fr-FR" sz="1800" b="0" i="0" u="none" strike="noStrike" cap="none" normalizeH="0" baseline="0">
+            <a:endParaRPr kumimoji="0" lang="fr-FR" altLang="fr-FR" sz="1800" b="0" i="0" u="none" strike="noStrike" cap="none" normalizeH="0" baseline="0" dirty="0">
               <a:ln>
                 <a:noFill/>
               </a:ln>
@@ -7638,10 +7674,10 @@
       </p:sp>
       <p:sp>
         <p:nvSpPr>
-          <p:cNvPr id="21" name="Rectangle 24">
-            <a:extLst>
-              <a:ext uri="{FF2B5EF4-FFF2-40B4-BE49-F238E27FC236}">
-                <a16:creationId xmlns:a16="http://schemas.microsoft.com/office/drawing/2014/main" id="{9F2EE246-2522-4EA6-89D6-58D6B76C2E17}"/>
+          <p:cNvPr id="24" name="Rectangle 28">
+            <a:extLst>
+              <a:ext uri="{FF2B5EF4-FFF2-40B4-BE49-F238E27FC236}">
+                <a16:creationId xmlns:a16="http://schemas.microsoft.com/office/drawing/2014/main" id="{8C6D5CE8-7DFE-4BD2-A908-6FAEBA7F4902}"/>
               </a:ext>
             </a:extLst>
           </p:cNvPr>
@@ -7652,8 +7688,8 @@
         </p:nvSpPr>
         <p:spPr bwMode="auto">
           <a:xfrm>
-            <a:off x="1928327" y="2232870"/>
-            <a:ext cx="12192000" cy="457200"/>
+            <a:off x="1928327" y="2824105"/>
+            <a:ext cx="184731" cy="646331"/>
           </a:xfrm>
           <a:prstGeom prst="rect">
             <a:avLst/>
@@ -7701,16 +7737,73 @@
           </a:bodyPr>
           <a:lstStyle/>
           <a:p>
-            <a:endParaRPr lang="fr-FR"/>
+            <a:pPr marL="0" marR="0" lvl="0" indent="0" algn="l" defTabSz="914400" rtl="0" eaLnBrk="0" fontAlgn="base" latinLnBrk="0" hangingPunct="0">
+              <a:lnSpc>
+                <a:spcPct val="100000"/>
+              </a:lnSpc>
+              <a:spcBef>
+                <a:spcPct val="0"/>
+              </a:spcBef>
+              <a:spcAft>
+                <a:spcPct val="0"/>
+              </a:spcAft>
+              <a:buClrTx/>
+              <a:buSzTx/>
+              <a:buFontTx/>
+              <a:buNone/>
+              <a:tabLst/>
+            </a:pPr>
+            <a:endParaRPr kumimoji="0" lang="fr-FR" altLang="fr-FR" sz="1800" b="0" i="0" u="none" strike="noStrike" cap="none" normalizeH="0" baseline="0">
+              <a:ln w="38100">
+                <a:solidFill>
+                  <a:schemeClr val="tx1"/>
+                </a:solidFill>
+              </a:ln>
+              <a:solidFill>
+                <a:schemeClr val="tx1"/>
+              </a:solidFill>
+              <a:effectLst/>
+              <a:latin typeface="Arial" panose="020B0604020202020204" pitchFamily="34" charset="0"/>
+            </a:endParaRPr>
+          </a:p>
+          <a:p>
+            <a:pPr marL="0" marR="0" lvl="0" indent="0" algn="l" defTabSz="914400" rtl="0" eaLnBrk="0" fontAlgn="base" latinLnBrk="0" hangingPunct="0">
+              <a:lnSpc>
+                <a:spcPct val="100000"/>
+              </a:lnSpc>
+              <a:spcBef>
+                <a:spcPct val="0"/>
+              </a:spcBef>
+              <a:spcAft>
+                <a:spcPct val="0"/>
+              </a:spcAft>
+              <a:buClrTx/>
+              <a:buSzTx/>
+              <a:buFontTx/>
+              <a:buNone/>
+              <a:tabLst/>
+            </a:pPr>
+            <a:endParaRPr kumimoji="0" lang="fr-FR" altLang="fr-FR" sz="1800" b="0" i="0" u="none" strike="noStrike" cap="none" normalizeH="0" baseline="0">
+              <a:ln w="38100">
+                <a:solidFill>
+                  <a:schemeClr val="tx1"/>
+                </a:solidFill>
+              </a:ln>
+              <a:solidFill>
+                <a:schemeClr val="tx1"/>
+              </a:solidFill>
+              <a:effectLst/>
+              <a:latin typeface="Arial" panose="020B0604020202020204" pitchFamily="34" charset="0"/>
+            </a:endParaRPr>
           </a:p>
         </p:txBody>
       </p:sp>
       <p:sp>
         <p:nvSpPr>
-          <p:cNvPr id="22" name="Rectangle 27">
-            <a:extLst>
-              <a:ext uri="{FF2B5EF4-FFF2-40B4-BE49-F238E27FC236}">
-                <a16:creationId xmlns:a16="http://schemas.microsoft.com/office/drawing/2014/main" id="{ECBA35FF-418D-452E-B35B-559CCC1B38BE}"/>
+          <p:cNvPr id="25" name="Rectangle 29">
+            <a:extLst>
+              <a:ext uri="{FF2B5EF4-FFF2-40B4-BE49-F238E27FC236}">
+                <a16:creationId xmlns:a16="http://schemas.microsoft.com/office/drawing/2014/main" id="{036A5BE0-BD6E-4B72-9601-42B8C16937DA}"/>
               </a:ext>
             </a:extLst>
           </p:cNvPr>
@@ -7721,8 +7814,8 @@
         </p:nvSpPr>
         <p:spPr bwMode="auto">
           <a:xfrm>
-            <a:off x="1928327" y="2690070"/>
-            <a:ext cx="12192000" cy="457200"/>
+            <a:off x="1928327" y="2852650"/>
+            <a:ext cx="184731" cy="1046440"/>
           </a:xfrm>
           <a:prstGeom prst="rect">
             <a:avLst/>
@@ -7787,8 +7880,10 @@
               <a:tabLst/>
             </a:pPr>
             <a:endParaRPr kumimoji="0" lang="fr-FR" altLang="fr-FR" sz="800" b="0" i="0" u="none" strike="noStrike" cap="none" normalizeH="0" baseline="0">
-              <a:ln>
-                <a:noFill/>
+              <a:ln w="38100">
+                <a:solidFill>
+                  <a:schemeClr val="tx1"/>
+                </a:solidFill>
               </a:ln>
               <a:solidFill>
                 <a:schemeClr val="tx1"/>
@@ -7815,8 +7910,10 @@
             </a:pPr>
             <a:br>
               <a:rPr kumimoji="0" lang="fr-FR" altLang="fr-FR" sz="1800" b="0" i="0" u="none" strike="noStrike" cap="none" normalizeH="0" baseline="0">
-                <a:ln>
-                  <a:noFill/>
+                <a:ln w="38100">
+                  <a:solidFill>
+                    <a:schemeClr val="tx1"/>
+                  </a:solidFill>
                 </a:ln>
                 <a:solidFill>
                   <a:schemeClr val="tx1"/>
@@ -7826,8 +7923,10 @@
               </a:rPr>
             </a:br>
             <a:endParaRPr kumimoji="0" lang="fr-FR" altLang="fr-FR" sz="1800" b="0" i="0" u="none" strike="noStrike" cap="none" normalizeH="0" baseline="0">
-              <a:ln>
-                <a:noFill/>
+              <a:ln w="38100">
+                <a:solidFill>
+                  <a:schemeClr val="tx1"/>
+                </a:solidFill>
               </a:ln>
               <a:solidFill>
                 <a:schemeClr val="tx1"/>
@@ -7854,291 +7953,10 @@
               <a:tabLst/>
             </a:pPr>
             <a:endParaRPr kumimoji="0" lang="fr-FR" altLang="fr-FR" sz="1800" b="0" i="0" u="none" strike="noStrike" cap="none" normalizeH="0" baseline="0">
-              <a:ln>
-                <a:noFill/>
-              </a:ln>
-              <a:solidFill>
-                <a:schemeClr val="tx1"/>
-              </a:solidFill>
-              <a:effectLst/>
-              <a:latin typeface="Arial" panose="020B0604020202020204" pitchFamily="34" charset="0"/>
-            </a:endParaRPr>
-          </a:p>
-        </p:txBody>
-      </p:sp>
-      <p:sp>
-        <p:nvSpPr>
-          <p:cNvPr id="24" name="Rectangle 28">
-            <a:extLst>
-              <a:ext uri="{FF2B5EF4-FFF2-40B4-BE49-F238E27FC236}">
-                <a16:creationId xmlns:a16="http://schemas.microsoft.com/office/drawing/2014/main" id="{8C6D5CE8-7DFE-4BD2-A908-6FAEBA7F4902}"/>
-              </a:ext>
-            </a:extLst>
-          </p:cNvPr>
-          <p:cNvSpPr>
-            <a:spLocks noChangeArrowheads="1"/>
-          </p:cNvSpPr>
-          <p:nvPr/>
-        </p:nvSpPr>
-        <p:spPr bwMode="auto">
-          <a:xfrm>
-            <a:off x="1928327" y="3147270"/>
-            <a:ext cx="12192000" cy="0"/>
-          </a:xfrm>
-          <a:prstGeom prst="rect">
-            <a:avLst/>
-          </a:prstGeom>
-          <a:noFill/>
-          <a:ln>
-            <a:noFill/>
-          </a:ln>
-          <a:effectLst/>
-          <a:extLst>
-            <a:ext uri="{909E8E84-426E-40DD-AFC4-6F175D3DCCD1}">
-              <a14:hiddenFill xmlns:a14="http://schemas.microsoft.com/office/drawing/2010/main">
-                <a:solidFill>
-                  <a:schemeClr val="accent1"/>
-                </a:solidFill>
-              </a14:hiddenFill>
-            </a:ext>
-            <a:ext uri="{91240B29-F687-4F45-9708-019B960494DF}">
-              <a14:hiddenLine xmlns:a14="http://schemas.microsoft.com/office/drawing/2010/main" w="9525">
+              <a:ln w="38100">
                 <a:solidFill>
                   <a:schemeClr val="tx1"/>
                 </a:solidFill>
-                <a:miter lim="800000"/>
-                <a:headEnd/>
-                <a:tailEnd/>
-              </a14:hiddenLine>
-            </a:ext>
-            <a:ext uri="{AF507438-7753-43E0-B8FC-AC1667EBCBE1}">
-              <a14:hiddenEffects xmlns:a14="http://schemas.microsoft.com/office/drawing/2010/main">
-                <a:effectLst>
-                  <a:outerShdw dist="35921" dir="2700000" algn="ctr" rotWithShape="0">
-                    <a:schemeClr val="bg2"/>
-                  </a:outerShdw>
-                </a:effectLst>
-              </a14:hiddenEffects>
-            </a:ext>
-          </a:extLst>
-        </p:spPr>
-        <p:txBody>
-          <a:bodyPr vert="horz" wrap="none" lIns="91440" tIns="45720" rIns="91440" bIns="45720" numCol="1" anchor="ctr" anchorCtr="0" compatLnSpc="1">
-            <a:prstTxWarp prst="textNoShape">
-              <a:avLst/>
-            </a:prstTxWarp>
-            <a:spAutoFit/>
-          </a:bodyPr>
-          <a:lstStyle/>
-          <a:p>
-            <a:pPr marL="0" marR="0" lvl="0" indent="0" algn="l" defTabSz="914400" rtl="0" eaLnBrk="0" fontAlgn="base" latinLnBrk="0" hangingPunct="0">
-              <a:lnSpc>
-                <a:spcPct val="100000"/>
-              </a:lnSpc>
-              <a:spcBef>
-                <a:spcPct val="0"/>
-              </a:spcBef>
-              <a:spcAft>
-                <a:spcPct val="0"/>
-              </a:spcAft>
-              <a:buClrTx/>
-              <a:buSzTx/>
-              <a:buFontTx/>
-              <a:buNone/>
-              <a:tabLst/>
-            </a:pPr>
-            <a:endParaRPr kumimoji="0" lang="fr-FR" altLang="fr-FR" sz="1800" b="0" i="0" u="none" strike="noStrike" cap="none" normalizeH="0" baseline="0">
-              <a:ln>
-                <a:noFill/>
-              </a:ln>
-              <a:solidFill>
-                <a:schemeClr val="tx1"/>
-              </a:solidFill>
-              <a:effectLst/>
-              <a:latin typeface="Arial" panose="020B0604020202020204" pitchFamily="34" charset="0"/>
-            </a:endParaRPr>
-          </a:p>
-          <a:p>
-            <a:pPr marL="0" marR="0" lvl="0" indent="0" algn="l" defTabSz="914400" rtl="0" eaLnBrk="0" fontAlgn="base" latinLnBrk="0" hangingPunct="0">
-              <a:lnSpc>
-                <a:spcPct val="100000"/>
-              </a:lnSpc>
-              <a:spcBef>
-                <a:spcPct val="0"/>
-              </a:spcBef>
-              <a:spcAft>
-                <a:spcPct val="0"/>
-              </a:spcAft>
-              <a:buClrTx/>
-              <a:buSzTx/>
-              <a:buFontTx/>
-              <a:buNone/>
-              <a:tabLst/>
-            </a:pPr>
-            <a:endParaRPr kumimoji="0" lang="fr-FR" altLang="fr-FR" sz="1800" b="0" i="0" u="none" strike="noStrike" cap="none" normalizeH="0" baseline="0">
-              <a:ln>
-                <a:noFill/>
-              </a:ln>
-              <a:solidFill>
-                <a:schemeClr val="tx1"/>
-              </a:solidFill>
-              <a:effectLst/>
-              <a:latin typeface="Arial" panose="020B0604020202020204" pitchFamily="34" charset="0"/>
-            </a:endParaRPr>
-          </a:p>
-        </p:txBody>
-      </p:sp>
-      <p:sp>
-        <p:nvSpPr>
-          <p:cNvPr id="25" name="Rectangle 29">
-            <a:extLst>
-              <a:ext uri="{FF2B5EF4-FFF2-40B4-BE49-F238E27FC236}">
-                <a16:creationId xmlns:a16="http://schemas.microsoft.com/office/drawing/2014/main" id="{036A5BE0-BD6E-4B72-9601-42B8C16937DA}"/>
-              </a:ext>
-            </a:extLst>
-          </p:cNvPr>
-          <p:cNvSpPr>
-            <a:spLocks noChangeArrowheads="1"/>
-          </p:cNvSpPr>
-          <p:nvPr/>
-        </p:nvSpPr>
-        <p:spPr bwMode="auto">
-          <a:xfrm>
-            <a:off x="1928327" y="3147270"/>
-            <a:ext cx="12192000" cy="457200"/>
-          </a:xfrm>
-          <a:prstGeom prst="rect">
-            <a:avLst/>
-          </a:prstGeom>
-          <a:noFill/>
-          <a:ln>
-            <a:noFill/>
-          </a:ln>
-          <a:effectLst/>
-          <a:extLst>
-            <a:ext uri="{909E8E84-426E-40DD-AFC4-6F175D3DCCD1}">
-              <a14:hiddenFill xmlns:a14="http://schemas.microsoft.com/office/drawing/2010/main">
-                <a:solidFill>
-                  <a:schemeClr val="accent1"/>
-                </a:solidFill>
-              </a14:hiddenFill>
-            </a:ext>
-            <a:ext uri="{91240B29-F687-4F45-9708-019B960494DF}">
-              <a14:hiddenLine xmlns:a14="http://schemas.microsoft.com/office/drawing/2010/main" w="9525">
-                <a:solidFill>
-                  <a:schemeClr val="tx1"/>
-                </a:solidFill>
-                <a:miter lim="800000"/>
-                <a:headEnd/>
-                <a:tailEnd/>
-              </a14:hiddenLine>
-            </a:ext>
-            <a:ext uri="{AF507438-7753-43E0-B8FC-AC1667EBCBE1}">
-              <a14:hiddenEffects xmlns:a14="http://schemas.microsoft.com/office/drawing/2010/main">
-                <a:effectLst>
-                  <a:outerShdw dist="35921" dir="2700000" algn="ctr" rotWithShape="0">
-                    <a:schemeClr val="bg2"/>
-                  </a:outerShdw>
-                </a:effectLst>
-              </a14:hiddenEffects>
-            </a:ext>
-          </a:extLst>
-        </p:spPr>
-        <p:txBody>
-          <a:bodyPr vert="horz" wrap="none" lIns="91440" tIns="45720" rIns="91440" bIns="45720" numCol="1" anchor="ctr" anchorCtr="0" compatLnSpc="1">
-            <a:prstTxWarp prst="textNoShape">
-              <a:avLst/>
-            </a:prstTxWarp>
-            <a:spAutoFit/>
-          </a:bodyPr>
-          <a:lstStyle/>
-          <a:p>
-            <a:pPr marL="0" marR="0" lvl="0" indent="0" algn="l" defTabSz="914400" rtl="0" eaLnBrk="0" fontAlgn="base" latinLnBrk="0" hangingPunct="0">
-              <a:lnSpc>
-                <a:spcPct val="100000"/>
-              </a:lnSpc>
-              <a:spcBef>
-                <a:spcPct val="0"/>
-              </a:spcBef>
-              <a:spcAft>
-                <a:spcPct val="0"/>
-              </a:spcAft>
-              <a:buClrTx/>
-              <a:buSzTx/>
-              <a:buFontTx/>
-              <a:buNone/>
-              <a:tabLst/>
-            </a:pPr>
-            <a:endParaRPr kumimoji="0" lang="fr-FR" altLang="fr-FR" sz="800" b="0" i="0" u="none" strike="noStrike" cap="none" normalizeH="0" baseline="0">
-              <a:ln>
-                <a:noFill/>
-              </a:ln>
-              <a:solidFill>
-                <a:schemeClr val="tx1"/>
-              </a:solidFill>
-              <a:effectLst/>
-            </a:endParaRPr>
-          </a:p>
-          <a:p>
-            <a:pPr marL="0" marR="0" lvl="0" indent="0" algn="l" defTabSz="914400" rtl="0" eaLnBrk="0" fontAlgn="base" latinLnBrk="0" hangingPunct="0">
-              <a:lnSpc>
-                <a:spcPct val="100000"/>
-              </a:lnSpc>
-              <a:spcBef>
-                <a:spcPct val="0"/>
-              </a:spcBef>
-              <a:spcAft>
-                <a:spcPct val="0"/>
-              </a:spcAft>
-              <a:buClrTx/>
-              <a:buSzTx/>
-              <a:buFontTx/>
-              <a:buNone/>
-              <a:tabLst/>
-            </a:pPr>
-            <a:br>
-              <a:rPr kumimoji="0" lang="fr-FR" altLang="fr-FR" sz="1800" b="0" i="0" u="none" strike="noStrike" cap="none" normalizeH="0" baseline="0">
-                <a:ln>
-                  <a:noFill/>
-                </a:ln>
-                <a:solidFill>
-                  <a:schemeClr val="tx1"/>
-                </a:solidFill>
-                <a:effectLst/>
-                <a:latin typeface="Arial" panose="020B0604020202020204" pitchFamily="34" charset="0"/>
-              </a:rPr>
-            </a:br>
-            <a:endParaRPr kumimoji="0" lang="fr-FR" altLang="fr-FR" sz="1800" b="0" i="0" u="none" strike="noStrike" cap="none" normalizeH="0" baseline="0">
-              <a:ln>
-                <a:noFill/>
-              </a:ln>
-              <a:solidFill>
-                <a:schemeClr val="tx1"/>
-              </a:solidFill>
-              <a:effectLst/>
-              <a:latin typeface="Arial" panose="020B0604020202020204" pitchFamily="34" charset="0"/>
-            </a:endParaRPr>
-          </a:p>
-          <a:p>
-            <a:pPr marL="0" marR="0" lvl="0" indent="0" algn="l" defTabSz="914400" rtl="0" eaLnBrk="0" fontAlgn="base" latinLnBrk="0" hangingPunct="0">
-              <a:lnSpc>
-                <a:spcPct val="100000"/>
-              </a:lnSpc>
-              <a:spcBef>
-                <a:spcPct val="0"/>
-              </a:spcBef>
-              <a:spcAft>
-                <a:spcPct val="0"/>
-              </a:spcAft>
-              <a:buClrTx/>
-              <a:buSzTx/>
-              <a:buFontTx/>
-              <a:buNone/>
-              <a:tabLst/>
-            </a:pPr>
-            <a:endParaRPr kumimoji="0" lang="fr-FR" altLang="fr-FR" sz="1800" b="0" i="0" u="none" strike="noStrike" cap="none" normalizeH="0" baseline="0">
-              <a:ln>
-                <a:noFill/>
               </a:ln>
               <a:solidFill>
                 <a:schemeClr val="tx1"/>
@@ -8414,6 +8232,11 @@
           <a:prstGeom prst="line">
             <a:avLst/>
           </a:prstGeom>
+          <a:ln w="28575">
+            <a:solidFill>
+              <a:srgbClr val="FF0000"/>
+            </a:solidFill>
+          </a:ln>
         </p:spPr>
         <p:style>
           <a:lnRef idx="1">
@@ -8452,6 +8275,11 @@
           <a:prstGeom prst="line">
             <a:avLst/>
           </a:prstGeom>
+          <a:ln w="28575">
+            <a:solidFill>
+              <a:srgbClr val="FF0000"/>
+            </a:solidFill>
+          </a:ln>
         </p:spPr>
         <p:style>
           <a:lnRef idx="1">
@@ -9286,7 +9114,7 @@
         </p:nvGraphicFramePr>
         <p:xfrm>
           <a:off x="3372639" y="4874287"/>
-          <a:ext cx="5754370" cy="1745869"/>
+          <a:ext cx="5754370" cy="1826578"/>
         </p:xfrm>
         <a:graphic>
           <a:graphicData uri="http://schemas.openxmlformats.org/drawingml/2006/table">
@@ -9921,7 +9749,7 @@
         </p:nvGraphicFramePr>
         <p:xfrm>
           <a:off x="3372639" y="1809069"/>
-          <a:ext cx="5754370" cy="2681224"/>
+          <a:ext cx="5754370" cy="2805113"/>
         </p:xfrm>
         <a:graphic>
           <a:graphicData uri="http://schemas.openxmlformats.org/drawingml/2006/table">

--- a/oral_projet/revue_2/diaporama_revue_2_steven.pptx
+++ b/oral_projet/revue_2/diaporama_revue_2_steven.pptx
@@ -5,7 +5,7 @@
     <p:sldMasterId id="2147483648" r:id="rId1"/>
   </p:sldMasterIdLst>
   <p:notesMasterIdLst>
-    <p:notesMasterId r:id="rId16"/>
+    <p:notesMasterId r:id="rId17"/>
   </p:notesMasterIdLst>
   <p:sldIdLst>
     <p:sldId id="256" r:id="rId2"/>
@@ -16,12 +16,13 @@
     <p:sldId id="270" r:id="rId7"/>
     <p:sldId id="264" r:id="rId8"/>
     <p:sldId id="266" r:id="rId9"/>
-    <p:sldId id="262" r:id="rId10"/>
-    <p:sldId id="263" r:id="rId11"/>
-    <p:sldId id="268" r:id="rId12"/>
-    <p:sldId id="269" r:id="rId13"/>
+    <p:sldId id="272" r:id="rId10"/>
+    <p:sldId id="262" r:id="rId11"/>
+    <p:sldId id="263" r:id="rId12"/>
+    <p:sldId id="268" r:id="rId13"/>
     <p:sldId id="271" r:id="rId14"/>
-    <p:sldId id="272" r:id="rId15"/>
+    <p:sldId id="269" r:id="rId15"/>
+    <p:sldId id="273" r:id="rId16"/>
   </p:sldIdLst>
   <p:sldSz cx="12192000" cy="6858000"/>
   <p:notesSz cx="6858000" cy="9144000"/>
@@ -214,7 +215,7 @@
           <a:p>
             <a:fld id="{7BEC4371-174F-4615-858D-8B61BA547698}" type="datetimeFigureOut">
               <a:rPr lang="fr-FR" smtClean="0"/>
-              <a:t>12/03/2018</a:t>
+              <a:t>15/03/2018</a:t>
             </a:fld>
             <a:endParaRPr lang="fr-FR"/>
           </a:p>
@@ -628,7 +629,7 @@
           <a:p>
             <a:fld id="{125942D7-A464-4365-815E-3C7EAFC3F152}" type="datetimeFigureOut">
               <a:rPr lang="fr-FR" smtClean="0"/>
-              <a:t>12/03/2018</a:t>
+              <a:t>15/03/2018</a:t>
             </a:fld>
             <a:endParaRPr lang="fr-FR"/>
           </a:p>
@@ -838,7 +839,7 @@
           <a:p>
             <a:fld id="{125942D7-A464-4365-815E-3C7EAFC3F152}" type="datetimeFigureOut">
               <a:rPr lang="fr-FR" smtClean="0"/>
-              <a:t>12/03/2018</a:t>
+              <a:t>15/03/2018</a:t>
             </a:fld>
             <a:endParaRPr lang="fr-FR"/>
           </a:p>
@@ -1058,7 +1059,7 @@
           <a:p>
             <a:fld id="{125942D7-A464-4365-815E-3C7EAFC3F152}" type="datetimeFigureOut">
               <a:rPr lang="fr-FR" smtClean="0"/>
-              <a:t>12/03/2018</a:t>
+              <a:t>15/03/2018</a:t>
             </a:fld>
             <a:endParaRPr lang="fr-FR"/>
           </a:p>
@@ -1268,7 +1269,7 @@
           <a:p>
             <a:fld id="{125942D7-A464-4365-815E-3C7EAFC3F152}" type="datetimeFigureOut">
               <a:rPr lang="fr-FR" smtClean="0"/>
-              <a:t>12/03/2018</a:t>
+              <a:t>15/03/2018</a:t>
             </a:fld>
             <a:endParaRPr lang="fr-FR"/>
           </a:p>
@@ -1555,7 +1556,7 @@
           <a:p>
             <a:fld id="{125942D7-A464-4365-815E-3C7EAFC3F152}" type="datetimeFigureOut">
               <a:rPr lang="fr-FR" smtClean="0"/>
-              <a:t>12/03/2018</a:t>
+              <a:t>15/03/2018</a:t>
             </a:fld>
             <a:endParaRPr lang="fr-FR"/>
           </a:p>
@@ -1832,7 +1833,7 @@
           <a:p>
             <a:fld id="{125942D7-A464-4365-815E-3C7EAFC3F152}" type="datetimeFigureOut">
               <a:rPr lang="fr-FR" smtClean="0"/>
-              <a:t>12/03/2018</a:t>
+              <a:t>15/03/2018</a:t>
             </a:fld>
             <a:endParaRPr lang="fr-FR"/>
           </a:p>
@@ -2256,7 +2257,7 @@
           <a:p>
             <a:fld id="{125942D7-A464-4365-815E-3C7EAFC3F152}" type="datetimeFigureOut">
               <a:rPr lang="fr-FR" smtClean="0"/>
-              <a:t>12/03/2018</a:t>
+              <a:t>15/03/2018</a:t>
             </a:fld>
             <a:endParaRPr lang="fr-FR"/>
           </a:p>
@@ -2409,7 +2410,7 @@
           <a:p>
             <a:fld id="{125942D7-A464-4365-815E-3C7EAFC3F152}" type="datetimeFigureOut">
               <a:rPr lang="fr-FR" smtClean="0"/>
-              <a:t>12/03/2018</a:t>
+              <a:t>15/03/2018</a:t>
             </a:fld>
             <a:endParaRPr lang="fr-FR"/>
           </a:p>
@@ -2534,7 +2535,7 @@
           <a:p>
             <a:fld id="{125942D7-A464-4365-815E-3C7EAFC3F152}" type="datetimeFigureOut">
               <a:rPr lang="fr-FR" smtClean="0"/>
-              <a:t>12/03/2018</a:t>
+              <a:t>15/03/2018</a:t>
             </a:fld>
             <a:endParaRPr lang="fr-FR"/>
           </a:p>
@@ -2857,7 +2858,7 @@
           <a:p>
             <a:fld id="{125942D7-A464-4365-815E-3C7EAFC3F152}" type="datetimeFigureOut">
               <a:rPr lang="fr-FR" smtClean="0"/>
-              <a:t>12/03/2018</a:t>
+              <a:t>15/03/2018</a:t>
             </a:fld>
             <a:endParaRPr lang="fr-FR"/>
           </a:p>
@@ -3157,7 +3158,7 @@
           <a:p>
             <a:fld id="{125942D7-A464-4365-815E-3C7EAFC3F152}" type="datetimeFigureOut">
               <a:rPr lang="fr-FR" smtClean="0"/>
-              <a:t>12/03/2018</a:t>
+              <a:t>15/03/2018</a:t>
             </a:fld>
             <a:endParaRPr lang="fr-FR"/>
           </a:p>
@@ -3410,7 +3411,7 @@
           <a:p>
             <a:fld id="{125942D7-A464-4365-815E-3C7EAFC3F152}" type="datetimeFigureOut">
               <a:rPr lang="fr-FR" smtClean="0"/>
-              <a:t>12/03/2018</a:t>
+              <a:t>15/03/2018</a:t>
             </a:fld>
             <a:endParaRPr lang="fr-FR"/>
           </a:p>
@@ -5308,6 +5309,875 @@
       </p:cxnSp>
       <p:pic>
         <p:nvPicPr>
+          <p:cNvPr id="24" name="Image 23">
+            <a:extLst>
+              <a:ext uri="{FF2B5EF4-FFF2-40B4-BE49-F238E27FC236}">
+                <a16:creationId xmlns:a16="http://schemas.microsoft.com/office/drawing/2014/main" id="{7A11CD42-93A2-4CE9-8917-661C6FDC8EB2}"/>
+              </a:ext>
+            </a:extLst>
+          </p:cNvPr>
+          <p:cNvPicPr>
+            <a:picLocks noChangeAspect="1"/>
+          </p:cNvPicPr>
+          <p:nvPr/>
+        </p:nvPicPr>
+        <p:blipFill>
+          <a:blip r:embed="rId4">
+            <a:extLst>
+              <a:ext uri="{28A0092B-C50C-407E-A947-70E740481C1C}">
+                <a14:useLocalDpi xmlns:a14="http://schemas.microsoft.com/office/drawing/2010/main" val="0"/>
+              </a:ext>
+            </a:extLst>
+          </a:blip>
+          <a:stretch>
+            <a:fillRect/>
+          </a:stretch>
+        </p:blipFill>
+        <p:spPr>
+          <a:xfrm>
+            <a:off x="1655727" y="2046914"/>
+            <a:ext cx="7028292" cy="4777614"/>
+          </a:xfrm>
+          <a:prstGeom prst="rect">
+            <a:avLst/>
+          </a:prstGeom>
+        </p:spPr>
+      </p:pic>
+      <p:sp>
+        <p:nvSpPr>
+          <p:cNvPr id="4" name="ZoneTexte 3">
+            <a:extLst>
+              <a:ext uri="{FF2B5EF4-FFF2-40B4-BE49-F238E27FC236}">
+                <a16:creationId xmlns:a16="http://schemas.microsoft.com/office/drawing/2014/main" id="{E77BD0C0-B104-436D-A198-D80CD647A659}"/>
+              </a:ext>
+            </a:extLst>
+          </p:cNvPr>
+          <p:cNvSpPr txBox="1"/>
+          <p:nvPr/>
+        </p:nvSpPr>
+        <p:spPr>
+          <a:xfrm>
+            <a:off x="2988527" y="691412"/>
+            <a:ext cx="6243927" cy="1446550"/>
+          </a:xfrm>
+          <a:prstGeom prst="rect">
+            <a:avLst/>
+          </a:prstGeom>
+          <a:noFill/>
+        </p:spPr>
+        <p:txBody>
+          <a:bodyPr wrap="square" rtlCol="0">
+            <a:spAutoFit/>
+          </a:bodyPr>
+          <a:lstStyle/>
+          <a:p>
+            <a:r>
+              <a:rPr lang="fr-FR" sz="4400" dirty="0">
+                <a:latin typeface="Berlin Sans FB" panose="020E0602020502020306" pitchFamily="34" charset="0"/>
+              </a:rPr>
+              <a:t>Diagramme de cas d’utilisation</a:t>
+            </a:r>
+          </a:p>
+        </p:txBody>
+      </p:sp>
+    </p:spTree>
+    <p:extLst>
+      <p:ext uri="{BB962C8B-B14F-4D97-AF65-F5344CB8AC3E}">
+        <p14:creationId xmlns:p14="http://schemas.microsoft.com/office/powerpoint/2010/main" val="2016876074"/>
+      </p:ext>
+    </p:extLst>
+  </p:cSld>
+  <p:clrMapOvr>
+    <a:masterClrMapping/>
+  </p:clrMapOvr>
+  <mc:AlternateContent xmlns:mc="http://schemas.openxmlformats.org/markup-compatibility/2006" xmlns:p14="http://schemas.microsoft.com/office/powerpoint/2010/main">
+    <mc:Choice Requires="p14">
+      <p:transition spd="slow">
+        <p14:reveal/>
+      </p:transition>
+    </mc:Choice>
+    <mc:Fallback xmlns="">
+      <p:transition spd="slow">
+        <p:fade/>
+      </p:transition>
+    </mc:Fallback>
+  </mc:AlternateContent>
+</p:sld>
+</file>
+
+<file path=ppt/slides/slide11.xml><?xml version="1.0" encoding="utf-8"?>
+<p:sld xmlns:a="http://schemas.openxmlformats.org/drawingml/2006/main" xmlns:r="http://schemas.openxmlformats.org/officeDocument/2006/relationships" xmlns:p="http://schemas.openxmlformats.org/presentationml/2006/main">
+  <p:cSld>
+    <p:spTree>
+      <p:nvGrpSpPr>
+        <p:cNvPr id="1" name=""/>
+        <p:cNvGrpSpPr/>
+        <p:nvPr/>
+      </p:nvGrpSpPr>
+      <p:grpSpPr>
+        <a:xfrm>
+          <a:off x="0" y="0"/>
+          <a:ext cx="0" cy="0"/>
+          <a:chOff x="0" y="0"/>
+          <a:chExt cx="0" cy="0"/>
+        </a:xfrm>
+      </p:grpSpPr>
+      <p:pic>
+        <p:nvPicPr>
+          <p:cNvPr id="8" name="Image 7">
+            <a:extLst>
+              <a:ext uri="{FF2B5EF4-FFF2-40B4-BE49-F238E27FC236}">
+                <a16:creationId xmlns:a16="http://schemas.microsoft.com/office/drawing/2014/main" id="{2BB825C5-31DA-4A56-85EA-536DBF510A31}"/>
+              </a:ext>
+            </a:extLst>
+          </p:cNvPr>
+          <p:cNvPicPr>
+            <a:picLocks noChangeAspect="1"/>
+          </p:cNvPicPr>
+          <p:nvPr/>
+        </p:nvPicPr>
+        <p:blipFill>
+          <a:blip r:embed="rId2">
+            <a:extLst>
+              <a:ext uri="{28A0092B-C50C-407E-A947-70E740481C1C}">
+                <a14:useLocalDpi xmlns:a14="http://schemas.microsoft.com/office/drawing/2010/main" val="0"/>
+              </a:ext>
+            </a:extLst>
+          </a:blip>
+          <a:stretch>
+            <a:fillRect/>
+          </a:stretch>
+        </p:blipFill>
+        <p:spPr>
+          <a:xfrm>
+            <a:off x="1068751" y="66457"/>
+            <a:ext cx="1259497" cy="776690"/>
+          </a:xfrm>
+          <a:prstGeom prst="rect">
+            <a:avLst/>
+          </a:prstGeom>
+        </p:spPr>
+      </p:pic>
+      <p:pic>
+        <p:nvPicPr>
+          <p:cNvPr id="10" name="Image 9">
+            <a:extLst>
+              <a:ext uri="{FF2B5EF4-FFF2-40B4-BE49-F238E27FC236}">
+                <a16:creationId xmlns:a16="http://schemas.microsoft.com/office/drawing/2014/main" id="{8EE7436F-49F2-41E0-93E4-D247B4705294}"/>
+              </a:ext>
+            </a:extLst>
+          </p:cNvPr>
+          <p:cNvPicPr>
+            <a:picLocks noChangeAspect="1"/>
+          </p:cNvPicPr>
+          <p:nvPr/>
+        </p:nvPicPr>
+        <p:blipFill>
+          <a:blip r:embed="rId3">
+            <a:extLst>
+              <a:ext uri="{28A0092B-C50C-407E-A947-70E740481C1C}">
+                <a14:useLocalDpi xmlns:a14="http://schemas.microsoft.com/office/drawing/2010/main" val="0"/>
+              </a:ext>
+            </a:extLst>
+          </a:blip>
+          <a:stretch>
+            <a:fillRect/>
+          </a:stretch>
+        </p:blipFill>
+        <p:spPr>
+          <a:xfrm>
+            <a:off x="9681085" y="238153"/>
+            <a:ext cx="1802101" cy="569807"/>
+          </a:xfrm>
+          <a:prstGeom prst="rect">
+            <a:avLst/>
+          </a:prstGeom>
+        </p:spPr>
+      </p:pic>
+      <p:cxnSp>
+        <p:nvCxnSpPr>
+          <p:cNvPr id="16" name="Connecteur droit 15">
+            <a:extLst>
+              <a:ext uri="{FF2B5EF4-FFF2-40B4-BE49-F238E27FC236}">
+                <a16:creationId xmlns:a16="http://schemas.microsoft.com/office/drawing/2014/main" id="{7319284A-BD6F-4A96-8E2B-E0A4B52E53C6}"/>
+              </a:ext>
+            </a:extLst>
+          </p:cNvPr>
+          <p:cNvCxnSpPr>
+            <a:cxnSpLocks/>
+          </p:cNvCxnSpPr>
+          <p:nvPr/>
+        </p:nvCxnSpPr>
+        <p:spPr>
+          <a:xfrm flipV="1">
+            <a:off x="0" y="454803"/>
+            <a:ext cx="738231" cy="1798"/>
+          </a:xfrm>
+          <a:prstGeom prst="line">
+            <a:avLst/>
+          </a:prstGeom>
+        </p:spPr>
+        <p:style>
+          <a:lnRef idx="3">
+            <a:schemeClr val="dk1"/>
+          </a:lnRef>
+          <a:fillRef idx="0">
+            <a:schemeClr val="dk1"/>
+          </a:fillRef>
+          <a:effectRef idx="2">
+            <a:schemeClr val="dk1"/>
+          </a:effectRef>
+          <a:fontRef idx="minor">
+            <a:schemeClr val="tx1"/>
+          </a:fontRef>
+        </p:style>
+      </p:cxnSp>
+      <p:cxnSp>
+        <p:nvCxnSpPr>
+          <p:cNvPr id="20" name="Connecteur droit 19">
+            <a:extLst>
+              <a:ext uri="{FF2B5EF4-FFF2-40B4-BE49-F238E27FC236}">
+                <a16:creationId xmlns:a16="http://schemas.microsoft.com/office/drawing/2014/main" id="{08874CF7-F149-4C81-B61E-74E18342BA8A}"/>
+              </a:ext>
+            </a:extLst>
+          </p:cNvPr>
+          <p:cNvCxnSpPr>
+            <a:cxnSpLocks/>
+          </p:cNvCxnSpPr>
+          <p:nvPr/>
+        </p:nvCxnSpPr>
+        <p:spPr>
+          <a:xfrm>
+            <a:off x="2573222" y="454803"/>
+            <a:ext cx="6829482" cy="10398"/>
+          </a:xfrm>
+          <a:prstGeom prst="line">
+            <a:avLst/>
+          </a:prstGeom>
+        </p:spPr>
+        <p:style>
+          <a:lnRef idx="3">
+            <a:schemeClr val="dk1"/>
+          </a:lnRef>
+          <a:fillRef idx="0">
+            <a:schemeClr val="dk1"/>
+          </a:fillRef>
+          <a:effectRef idx="2">
+            <a:schemeClr val="dk1"/>
+          </a:effectRef>
+          <a:fontRef idx="minor">
+            <a:schemeClr val="tx1"/>
+          </a:fontRef>
+        </p:style>
+      </p:cxnSp>
+      <p:cxnSp>
+        <p:nvCxnSpPr>
+          <p:cNvPr id="26" name="Connecteur droit 25">
+            <a:extLst>
+              <a:ext uri="{FF2B5EF4-FFF2-40B4-BE49-F238E27FC236}">
+                <a16:creationId xmlns:a16="http://schemas.microsoft.com/office/drawing/2014/main" id="{BB3B35CC-057B-48C1-880F-3306A6559175}"/>
+              </a:ext>
+            </a:extLst>
+          </p:cNvPr>
+          <p:cNvCxnSpPr>
+            <a:cxnSpLocks/>
+          </p:cNvCxnSpPr>
+          <p:nvPr/>
+        </p:nvCxnSpPr>
+        <p:spPr>
+          <a:xfrm>
+            <a:off x="738231" y="454803"/>
+            <a:ext cx="344203" cy="484764"/>
+          </a:xfrm>
+          <a:prstGeom prst="line">
+            <a:avLst/>
+          </a:prstGeom>
+        </p:spPr>
+        <p:style>
+          <a:lnRef idx="3">
+            <a:schemeClr val="dk1"/>
+          </a:lnRef>
+          <a:fillRef idx="0">
+            <a:schemeClr val="dk1"/>
+          </a:fillRef>
+          <a:effectRef idx="2">
+            <a:schemeClr val="dk1"/>
+          </a:effectRef>
+          <a:fontRef idx="minor">
+            <a:schemeClr val="tx1"/>
+          </a:fontRef>
+        </p:style>
+      </p:cxnSp>
+      <p:cxnSp>
+        <p:nvCxnSpPr>
+          <p:cNvPr id="32" name="Connecteur droit 31">
+            <a:extLst>
+              <a:ext uri="{FF2B5EF4-FFF2-40B4-BE49-F238E27FC236}">
+                <a16:creationId xmlns:a16="http://schemas.microsoft.com/office/drawing/2014/main" id="{4AD96496-1EB6-4E48-9BB2-5C255495C686}"/>
+              </a:ext>
+            </a:extLst>
+          </p:cNvPr>
+          <p:cNvCxnSpPr>
+            <a:cxnSpLocks/>
+          </p:cNvCxnSpPr>
+          <p:nvPr/>
+        </p:nvCxnSpPr>
+        <p:spPr>
+          <a:xfrm>
+            <a:off x="1082434" y="938268"/>
+            <a:ext cx="1146585" cy="0"/>
+          </a:xfrm>
+          <a:prstGeom prst="line">
+            <a:avLst/>
+          </a:prstGeom>
+        </p:spPr>
+        <p:style>
+          <a:lnRef idx="3">
+            <a:schemeClr val="dk1"/>
+          </a:lnRef>
+          <a:fillRef idx="0">
+            <a:schemeClr val="dk1"/>
+          </a:fillRef>
+          <a:effectRef idx="2">
+            <a:schemeClr val="dk1"/>
+          </a:effectRef>
+          <a:fontRef idx="minor">
+            <a:schemeClr val="tx1"/>
+          </a:fontRef>
+        </p:style>
+      </p:cxnSp>
+      <p:cxnSp>
+        <p:nvCxnSpPr>
+          <p:cNvPr id="51" name="Connecteur droit 50">
+            <a:extLst>
+              <a:ext uri="{FF2B5EF4-FFF2-40B4-BE49-F238E27FC236}">
+                <a16:creationId xmlns:a16="http://schemas.microsoft.com/office/drawing/2014/main" id="{C035BFA6-ECBF-4775-BA81-19D2CA41AA8D}"/>
+              </a:ext>
+            </a:extLst>
+          </p:cNvPr>
+          <p:cNvCxnSpPr>
+            <a:cxnSpLocks/>
+          </p:cNvCxnSpPr>
+          <p:nvPr/>
+        </p:nvCxnSpPr>
+        <p:spPr>
+          <a:xfrm>
+            <a:off x="9402704" y="465201"/>
+            <a:ext cx="344203" cy="495163"/>
+          </a:xfrm>
+          <a:prstGeom prst="line">
+            <a:avLst/>
+          </a:prstGeom>
+        </p:spPr>
+        <p:style>
+          <a:lnRef idx="3">
+            <a:schemeClr val="dk1"/>
+          </a:lnRef>
+          <a:fillRef idx="0">
+            <a:schemeClr val="dk1"/>
+          </a:fillRef>
+          <a:effectRef idx="2">
+            <a:schemeClr val="dk1"/>
+          </a:effectRef>
+          <a:fontRef idx="minor">
+            <a:schemeClr val="tx1"/>
+          </a:fontRef>
+        </p:style>
+      </p:cxnSp>
+      <p:cxnSp>
+        <p:nvCxnSpPr>
+          <p:cNvPr id="52" name="Connecteur droit 51">
+            <a:extLst>
+              <a:ext uri="{FF2B5EF4-FFF2-40B4-BE49-F238E27FC236}">
+                <a16:creationId xmlns:a16="http://schemas.microsoft.com/office/drawing/2014/main" id="{FA310BC7-694B-4984-99A2-61A1F4F6EBF9}"/>
+              </a:ext>
+            </a:extLst>
+          </p:cNvPr>
+          <p:cNvCxnSpPr>
+            <a:cxnSpLocks/>
+          </p:cNvCxnSpPr>
+          <p:nvPr/>
+        </p:nvCxnSpPr>
+        <p:spPr>
+          <a:xfrm flipH="1">
+            <a:off x="11370469" y="448308"/>
+            <a:ext cx="364332" cy="501657"/>
+          </a:xfrm>
+          <a:prstGeom prst="line">
+            <a:avLst/>
+          </a:prstGeom>
+        </p:spPr>
+        <p:style>
+          <a:lnRef idx="3">
+            <a:schemeClr val="dk1"/>
+          </a:lnRef>
+          <a:fillRef idx="0">
+            <a:schemeClr val="dk1"/>
+          </a:fillRef>
+          <a:effectRef idx="2">
+            <a:schemeClr val="dk1"/>
+          </a:effectRef>
+          <a:fontRef idx="minor">
+            <a:schemeClr val="tx1"/>
+          </a:fontRef>
+        </p:style>
+      </p:cxnSp>
+      <p:cxnSp>
+        <p:nvCxnSpPr>
+          <p:cNvPr id="53" name="Connecteur droit 52">
+            <a:extLst>
+              <a:ext uri="{FF2B5EF4-FFF2-40B4-BE49-F238E27FC236}">
+                <a16:creationId xmlns:a16="http://schemas.microsoft.com/office/drawing/2014/main" id="{BE0649BD-EE59-4DDA-960F-95B2572F9F13}"/>
+              </a:ext>
+            </a:extLst>
+          </p:cNvPr>
+          <p:cNvCxnSpPr>
+            <a:cxnSpLocks/>
+          </p:cNvCxnSpPr>
+          <p:nvPr/>
+        </p:nvCxnSpPr>
+        <p:spPr>
+          <a:xfrm>
+            <a:off x="9743203" y="949965"/>
+            <a:ext cx="1627266" cy="0"/>
+          </a:xfrm>
+          <a:prstGeom prst="line">
+            <a:avLst/>
+          </a:prstGeom>
+        </p:spPr>
+        <p:style>
+          <a:lnRef idx="3">
+            <a:schemeClr val="dk1"/>
+          </a:lnRef>
+          <a:fillRef idx="0">
+            <a:schemeClr val="dk1"/>
+          </a:fillRef>
+          <a:effectRef idx="2">
+            <a:schemeClr val="dk1"/>
+          </a:effectRef>
+          <a:fontRef idx="minor">
+            <a:schemeClr val="tx1"/>
+          </a:fontRef>
+        </p:style>
+      </p:cxnSp>
+      <p:cxnSp>
+        <p:nvCxnSpPr>
+          <p:cNvPr id="55" name="Connecteur droit 54">
+            <a:extLst>
+              <a:ext uri="{FF2B5EF4-FFF2-40B4-BE49-F238E27FC236}">
+                <a16:creationId xmlns:a16="http://schemas.microsoft.com/office/drawing/2014/main" id="{52AA9200-DAFA-4EEF-AC13-4C7CE82A59EC}"/>
+              </a:ext>
+            </a:extLst>
+          </p:cNvPr>
+          <p:cNvCxnSpPr>
+            <a:cxnSpLocks/>
+          </p:cNvCxnSpPr>
+          <p:nvPr/>
+        </p:nvCxnSpPr>
+        <p:spPr>
+          <a:xfrm>
+            <a:off x="11715750" y="454801"/>
+            <a:ext cx="476249" cy="10400"/>
+          </a:xfrm>
+          <a:prstGeom prst="line">
+            <a:avLst/>
+          </a:prstGeom>
+        </p:spPr>
+        <p:style>
+          <a:lnRef idx="3">
+            <a:schemeClr val="dk1"/>
+          </a:lnRef>
+          <a:fillRef idx="0">
+            <a:schemeClr val="dk1"/>
+          </a:fillRef>
+          <a:effectRef idx="2">
+            <a:schemeClr val="dk1"/>
+          </a:effectRef>
+          <a:fontRef idx="minor">
+            <a:schemeClr val="tx1"/>
+          </a:fontRef>
+        </p:style>
+      </p:cxnSp>
+      <p:cxnSp>
+        <p:nvCxnSpPr>
+          <p:cNvPr id="23" name="Connecteur droit 22">
+            <a:extLst>
+              <a:ext uri="{FF2B5EF4-FFF2-40B4-BE49-F238E27FC236}">
+                <a16:creationId xmlns:a16="http://schemas.microsoft.com/office/drawing/2014/main" id="{BCB092C8-0080-4E56-957E-0046D4C83988}"/>
+              </a:ext>
+            </a:extLst>
+          </p:cNvPr>
+          <p:cNvCxnSpPr>
+            <a:cxnSpLocks/>
+          </p:cNvCxnSpPr>
+          <p:nvPr/>
+        </p:nvCxnSpPr>
+        <p:spPr>
+          <a:xfrm flipH="1">
+            <a:off x="2216372" y="446356"/>
+            <a:ext cx="364332" cy="501657"/>
+          </a:xfrm>
+          <a:prstGeom prst="line">
+            <a:avLst/>
+          </a:prstGeom>
+        </p:spPr>
+        <p:style>
+          <a:lnRef idx="3">
+            <a:schemeClr val="dk1"/>
+          </a:lnRef>
+          <a:fillRef idx="0">
+            <a:schemeClr val="dk1"/>
+          </a:fillRef>
+          <a:effectRef idx="2">
+            <a:schemeClr val="dk1"/>
+          </a:effectRef>
+          <a:fontRef idx="minor">
+            <a:schemeClr val="tx1"/>
+          </a:fontRef>
+        </p:style>
+      </p:cxnSp>
+      <p:pic>
+        <p:nvPicPr>
+          <p:cNvPr id="57" name="Image 56">
+            <a:extLst>
+              <a:ext uri="{FF2B5EF4-FFF2-40B4-BE49-F238E27FC236}">
+                <a16:creationId xmlns:a16="http://schemas.microsoft.com/office/drawing/2014/main" id="{12B16FB2-5844-4B92-AE69-9BAC858C22BB}"/>
+              </a:ext>
+            </a:extLst>
+          </p:cNvPr>
+          <p:cNvPicPr>
+            <a:picLocks noChangeAspect="1"/>
+          </p:cNvPicPr>
+          <p:nvPr/>
+        </p:nvPicPr>
+        <p:blipFill>
+          <a:blip r:embed="rId3">
+            <a:extLst>
+              <a:ext uri="{28A0092B-C50C-407E-A947-70E740481C1C}">
+                <a14:useLocalDpi xmlns:a14="http://schemas.microsoft.com/office/drawing/2010/main" val="0"/>
+              </a:ext>
+            </a:extLst>
+          </a:blip>
+          <a:stretch>
+            <a:fillRect/>
+          </a:stretch>
+        </p:blipFill>
+        <p:spPr>
+          <a:xfrm>
+            <a:off x="9681085" y="238153"/>
+            <a:ext cx="1802101" cy="569807"/>
+          </a:xfrm>
+          <a:prstGeom prst="rect">
+            <a:avLst/>
+          </a:prstGeom>
+        </p:spPr>
+      </p:pic>
+      <p:cxnSp>
+        <p:nvCxnSpPr>
+          <p:cNvPr id="58" name="Connecteur droit 57">
+            <a:extLst>
+              <a:ext uri="{FF2B5EF4-FFF2-40B4-BE49-F238E27FC236}">
+                <a16:creationId xmlns:a16="http://schemas.microsoft.com/office/drawing/2014/main" id="{01599350-F8B0-4FDC-B003-981189A8D654}"/>
+              </a:ext>
+            </a:extLst>
+          </p:cNvPr>
+          <p:cNvCxnSpPr>
+            <a:cxnSpLocks/>
+          </p:cNvCxnSpPr>
+          <p:nvPr/>
+        </p:nvCxnSpPr>
+        <p:spPr>
+          <a:xfrm>
+            <a:off x="2573222" y="454803"/>
+            <a:ext cx="6829482" cy="10398"/>
+          </a:xfrm>
+          <a:prstGeom prst="line">
+            <a:avLst/>
+          </a:prstGeom>
+        </p:spPr>
+        <p:style>
+          <a:lnRef idx="3">
+            <a:schemeClr val="dk1"/>
+          </a:lnRef>
+          <a:fillRef idx="0">
+            <a:schemeClr val="dk1"/>
+          </a:fillRef>
+          <a:effectRef idx="2">
+            <a:schemeClr val="dk1"/>
+          </a:effectRef>
+          <a:fontRef idx="minor">
+            <a:schemeClr val="tx1"/>
+          </a:fontRef>
+        </p:style>
+      </p:cxnSp>
+      <p:cxnSp>
+        <p:nvCxnSpPr>
+          <p:cNvPr id="59" name="Connecteur droit 58">
+            <a:extLst>
+              <a:ext uri="{FF2B5EF4-FFF2-40B4-BE49-F238E27FC236}">
+                <a16:creationId xmlns:a16="http://schemas.microsoft.com/office/drawing/2014/main" id="{BC6E6150-6054-4785-84EC-0C46D82034C2}"/>
+              </a:ext>
+            </a:extLst>
+          </p:cNvPr>
+          <p:cNvCxnSpPr>
+            <a:cxnSpLocks/>
+          </p:cNvCxnSpPr>
+          <p:nvPr/>
+        </p:nvCxnSpPr>
+        <p:spPr>
+          <a:xfrm>
+            <a:off x="738231" y="454803"/>
+            <a:ext cx="344203" cy="484764"/>
+          </a:xfrm>
+          <a:prstGeom prst="line">
+            <a:avLst/>
+          </a:prstGeom>
+        </p:spPr>
+        <p:style>
+          <a:lnRef idx="3">
+            <a:schemeClr val="dk1"/>
+          </a:lnRef>
+          <a:fillRef idx="0">
+            <a:schemeClr val="dk1"/>
+          </a:fillRef>
+          <a:effectRef idx="2">
+            <a:schemeClr val="dk1"/>
+          </a:effectRef>
+          <a:fontRef idx="minor">
+            <a:schemeClr val="tx1"/>
+          </a:fontRef>
+        </p:style>
+      </p:cxnSp>
+      <p:cxnSp>
+        <p:nvCxnSpPr>
+          <p:cNvPr id="60" name="Connecteur droit 59">
+            <a:extLst>
+              <a:ext uri="{FF2B5EF4-FFF2-40B4-BE49-F238E27FC236}">
+                <a16:creationId xmlns:a16="http://schemas.microsoft.com/office/drawing/2014/main" id="{CBC9961A-8EC2-4287-A398-BCA4138D409D}"/>
+              </a:ext>
+            </a:extLst>
+          </p:cNvPr>
+          <p:cNvCxnSpPr>
+            <a:cxnSpLocks/>
+          </p:cNvCxnSpPr>
+          <p:nvPr/>
+        </p:nvCxnSpPr>
+        <p:spPr>
+          <a:xfrm>
+            <a:off x="1082434" y="938268"/>
+            <a:ext cx="1146585" cy="0"/>
+          </a:xfrm>
+          <a:prstGeom prst="line">
+            <a:avLst/>
+          </a:prstGeom>
+        </p:spPr>
+        <p:style>
+          <a:lnRef idx="3">
+            <a:schemeClr val="dk1"/>
+          </a:lnRef>
+          <a:fillRef idx="0">
+            <a:schemeClr val="dk1"/>
+          </a:fillRef>
+          <a:effectRef idx="2">
+            <a:schemeClr val="dk1"/>
+          </a:effectRef>
+          <a:fontRef idx="minor">
+            <a:schemeClr val="tx1"/>
+          </a:fontRef>
+        </p:style>
+      </p:cxnSp>
+      <p:cxnSp>
+        <p:nvCxnSpPr>
+          <p:cNvPr id="61" name="Connecteur droit 60">
+            <a:extLst>
+              <a:ext uri="{FF2B5EF4-FFF2-40B4-BE49-F238E27FC236}">
+                <a16:creationId xmlns:a16="http://schemas.microsoft.com/office/drawing/2014/main" id="{152B7C45-2543-4665-BC07-4DB71CA9F337}"/>
+              </a:ext>
+            </a:extLst>
+          </p:cNvPr>
+          <p:cNvCxnSpPr>
+            <a:cxnSpLocks/>
+          </p:cNvCxnSpPr>
+          <p:nvPr/>
+        </p:nvCxnSpPr>
+        <p:spPr>
+          <a:xfrm>
+            <a:off x="9402704" y="465201"/>
+            <a:ext cx="344203" cy="495163"/>
+          </a:xfrm>
+          <a:prstGeom prst="line">
+            <a:avLst/>
+          </a:prstGeom>
+        </p:spPr>
+        <p:style>
+          <a:lnRef idx="3">
+            <a:schemeClr val="dk1"/>
+          </a:lnRef>
+          <a:fillRef idx="0">
+            <a:schemeClr val="dk1"/>
+          </a:fillRef>
+          <a:effectRef idx="2">
+            <a:schemeClr val="dk1"/>
+          </a:effectRef>
+          <a:fontRef idx="minor">
+            <a:schemeClr val="tx1"/>
+          </a:fontRef>
+        </p:style>
+      </p:cxnSp>
+      <p:cxnSp>
+        <p:nvCxnSpPr>
+          <p:cNvPr id="62" name="Connecteur droit 61">
+            <a:extLst>
+              <a:ext uri="{FF2B5EF4-FFF2-40B4-BE49-F238E27FC236}">
+                <a16:creationId xmlns:a16="http://schemas.microsoft.com/office/drawing/2014/main" id="{00A84DC3-A112-46A3-B71C-04D85339323D}"/>
+              </a:ext>
+            </a:extLst>
+          </p:cNvPr>
+          <p:cNvCxnSpPr>
+            <a:cxnSpLocks/>
+          </p:cNvCxnSpPr>
+          <p:nvPr/>
+        </p:nvCxnSpPr>
+        <p:spPr>
+          <a:xfrm flipH="1">
+            <a:off x="11370469" y="448308"/>
+            <a:ext cx="364332" cy="501657"/>
+          </a:xfrm>
+          <a:prstGeom prst="line">
+            <a:avLst/>
+          </a:prstGeom>
+        </p:spPr>
+        <p:style>
+          <a:lnRef idx="3">
+            <a:schemeClr val="dk1"/>
+          </a:lnRef>
+          <a:fillRef idx="0">
+            <a:schemeClr val="dk1"/>
+          </a:fillRef>
+          <a:effectRef idx="2">
+            <a:schemeClr val="dk1"/>
+          </a:effectRef>
+          <a:fontRef idx="minor">
+            <a:schemeClr val="tx1"/>
+          </a:fontRef>
+        </p:style>
+      </p:cxnSp>
+      <p:cxnSp>
+        <p:nvCxnSpPr>
+          <p:cNvPr id="63" name="Connecteur droit 62">
+            <a:extLst>
+              <a:ext uri="{FF2B5EF4-FFF2-40B4-BE49-F238E27FC236}">
+                <a16:creationId xmlns:a16="http://schemas.microsoft.com/office/drawing/2014/main" id="{C50788C6-8F68-44EC-AB54-94C1D2FE554D}"/>
+              </a:ext>
+            </a:extLst>
+          </p:cNvPr>
+          <p:cNvCxnSpPr>
+            <a:cxnSpLocks/>
+          </p:cNvCxnSpPr>
+          <p:nvPr/>
+        </p:nvCxnSpPr>
+        <p:spPr>
+          <a:xfrm>
+            <a:off x="9743203" y="949965"/>
+            <a:ext cx="1627266" cy="0"/>
+          </a:xfrm>
+          <a:prstGeom prst="line">
+            <a:avLst/>
+          </a:prstGeom>
+        </p:spPr>
+        <p:style>
+          <a:lnRef idx="3">
+            <a:schemeClr val="dk1"/>
+          </a:lnRef>
+          <a:fillRef idx="0">
+            <a:schemeClr val="dk1"/>
+          </a:fillRef>
+          <a:effectRef idx="2">
+            <a:schemeClr val="dk1"/>
+          </a:effectRef>
+          <a:fontRef idx="minor">
+            <a:schemeClr val="tx1"/>
+          </a:fontRef>
+        </p:style>
+      </p:cxnSp>
+      <p:cxnSp>
+        <p:nvCxnSpPr>
+          <p:cNvPr id="64" name="Connecteur droit 63">
+            <a:extLst>
+              <a:ext uri="{FF2B5EF4-FFF2-40B4-BE49-F238E27FC236}">
+                <a16:creationId xmlns:a16="http://schemas.microsoft.com/office/drawing/2014/main" id="{BC4D4E5F-5636-45CB-873C-EC085AB307A3}"/>
+              </a:ext>
+            </a:extLst>
+          </p:cNvPr>
+          <p:cNvCxnSpPr>
+            <a:cxnSpLocks/>
+          </p:cNvCxnSpPr>
+          <p:nvPr/>
+        </p:nvCxnSpPr>
+        <p:spPr>
+          <a:xfrm>
+            <a:off x="11715750" y="454801"/>
+            <a:ext cx="476249" cy="10400"/>
+          </a:xfrm>
+          <a:prstGeom prst="line">
+            <a:avLst/>
+          </a:prstGeom>
+        </p:spPr>
+        <p:style>
+          <a:lnRef idx="3">
+            <a:schemeClr val="dk1"/>
+          </a:lnRef>
+          <a:fillRef idx="0">
+            <a:schemeClr val="dk1"/>
+          </a:fillRef>
+          <a:effectRef idx="2">
+            <a:schemeClr val="dk1"/>
+          </a:effectRef>
+          <a:fontRef idx="minor">
+            <a:schemeClr val="tx1"/>
+          </a:fontRef>
+        </p:style>
+      </p:cxnSp>
+      <p:cxnSp>
+        <p:nvCxnSpPr>
+          <p:cNvPr id="65" name="Connecteur droit 64">
+            <a:extLst>
+              <a:ext uri="{FF2B5EF4-FFF2-40B4-BE49-F238E27FC236}">
+                <a16:creationId xmlns:a16="http://schemas.microsoft.com/office/drawing/2014/main" id="{E6F6B4C5-0E3B-46C9-859D-EE774175D36F}"/>
+              </a:ext>
+            </a:extLst>
+          </p:cNvPr>
+          <p:cNvCxnSpPr>
+            <a:cxnSpLocks/>
+          </p:cNvCxnSpPr>
+          <p:nvPr/>
+        </p:nvCxnSpPr>
+        <p:spPr>
+          <a:xfrm flipH="1">
+            <a:off x="2216372" y="446356"/>
+            <a:ext cx="364332" cy="501657"/>
+          </a:xfrm>
+          <a:prstGeom prst="line">
+            <a:avLst/>
+          </a:prstGeom>
+        </p:spPr>
+        <p:style>
+          <a:lnRef idx="3">
+            <a:schemeClr val="dk1"/>
+          </a:lnRef>
+          <a:fillRef idx="0">
+            <a:schemeClr val="dk1"/>
+          </a:fillRef>
+          <a:effectRef idx="2">
+            <a:schemeClr val="dk1"/>
+          </a:effectRef>
+          <a:fontRef idx="minor">
+            <a:schemeClr val="tx1"/>
+          </a:fontRef>
+        </p:style>
+      </p:cxnSp>
+      <p:pic>
+        <p:nvPicPr>
           <p:cNvPr id="3" name="Image 2">
             <a:extLst>
               <a:ext uri="{FF2B5EF4-FFF2-40B4-BE49-F238E27FC236}">
@@ -5404,7 +6274,7 @@
 </p:sld>
 </file>
 
-<file path=ppt/slides/slide11.xml><?xml version="1.0" encoding="utf-8"?>
+<file path=ppt/slides/slide12.xml><?xml version="1.0" encoding="utf-8"?>
 <p:sld xmlns:a="http://schemas.openxmlformats.org/drawingml/2006/main" xmlns:r="http://schemas.openxmlformats.org/officeDocument/2006/relationships" xmlns:p="http://schemas.openxmlformats.org/presentationml/2006/main">
   <p:cSld>
     <p:spTree>
@@ -8321,7 +9191,876 @@
 </p:sld>
 </file>
 
-<file path=ppt/slides/slide12.xml><?xml version="1.0" encoding="utf-8"?>
+<file path=ppt/slides/slide13.xml><?xml version="1.0" encoding="utf-8"?>
+<p:sld xmlns:a="http://schemas.openxmlformats.org/drawingml/2006/main" xmlns:r="http://schemas.openxmlformats.org/officeDocument/2006/relationships" xmlns:p="http://schemas.openxmlformats.org/presentationml/2006/main">
+  <p:cSld>
+    <p:spTree>
+      <p:nvGrpSpPr>
+        <p:cNvPr id="1" name=""/>
+        <p:cNvGrpSpPr/>
+        <p:nvPr/>
+      </p:nvGrpSpPr>
+      <p:grpSpPr>
+        <a:xfrm>
+          <a:off x="0" y="0"/>
+          <a:ext cx="0" cy="0"/>
+          <a:chOff x="0" y="0"/>
+          <a:chExt cx="0" cy="0"/>
+        </a:xfrm>
+      </p:grpSpPr>
+      <p:pic>
+        <p:nvPicPr>
+          <p:cNvPr id="8" name="Image 7">
+            <a:extLst>
+              <a:ext uri="{FF2B5EF4-FFF2-40B4-BE49-F238E27FC236}">
+                <a16:creationId xmlns:a16="http://schemas.microsoft.com/office/drawing/2014/main" id="{2BB825C5-31DA-4A56-85EA-536DBF510A31}"/>
+              </a:ext>
+            </a:extLst>
+          </p:cNvPr>
+          <p:cNvPicPr>
+            <a:picLocks noChangeAspect="1"/>
+          </p:cNvPicPr>
+          <p:nvPr/>
+        </p:nvPicPr>
+        <p:blipFill>
+          <a:blip r:embed="rId2">
+            <a:extLst>
+              <a:ext uri="{28A0092B-C50C-407E-A947-70E740481C1C}">
+                <a14:useLocalDpi xmlns:a14="http://schemas.microsoft.com/office/drawing/2010/main" val="0"/>
+              </a:ext>
+            </a:extLst>
+          </a:blip>
+          <a:stretch>
+            <a:fillRect/>
+          </a:stretch>
+        </p:blipFill>
+        <p:spPr>
+          <a:xfrm>
+            <a:off x="1068751" y="66457"/>
+            <a:ext cx="1259497" cy="776690"/>
+          </a:xfrm>
+          <a:prstGeom prst="rect">
+            <a:avLst/>
+          </a:prstGeom>
+        </p:spPr>
+      </p:pic>
+      <p:pic>
+        <p:nvPicPr>
+          <p:cNvPr id="10" name="Image 9">
+            <a:extLst>
+              <a:ext uri="{FF2B5EF4-FFF2-40B4-BE49-F238E27FC236}">
+                <a16:creationId xmlns:a16="http://schemas.microsoft.com/office/drawing/2014/main" id="{8EE7436F-49F2-41E0-93E4-D247B4705294}"/>
+              </a:ext>
+            </a:extLst>
+          </p:cNvPr>
+          <p:cNvPicPr>
+            <a:picLocks noChangeAspect="1"/>
+          </p:cNvPicPr>
+          <p:nvPr/>
+        </p:nvPicPr>
+        <p:blipFill>
+          <a:blip r:embed="rId3">
+            <a:extLst>
+              <a:ext uri="{28A0092B-C50C-407E-A947-70E740481C1C}">
+                <a14:useLocalDpi xmlns:a14="http://schemas.microsoft.com/office/drawing/2010/main" val="0"/>
+              </a:ext>
+            </a:extLst>
+          </a:blip>
+          <a:stretch>
+            <a:fillRect/>
+          </a:stretch>
+        </p:blipFill>
+        <p:spPr>
+          <a:xfrm>
+            <a:off x="9681085" y="238153"/>
+            <a:ext cx="1802101" cy="569807"/>
+          </a:xfrm>
+          <a:prstGeom prst="rect">
+            <a:avLst/>
+          </a:prstGeom>
+        </p:spPr>
+      </p:pic>
+      <p:cxnSp>
+        <p:nvCxnSpPr>
+          <p:cNvPr id="16" name="Connecteur droit 15">
+            <a:extLst>
+              <a:ext uri="{FF2B5EF4-FFF2-40B4-BE49-F238E27FC236}">
+                <a16:creationId xmlns:a16="http://schemas.microsoft.com/office/drawing/2014/main" id="{7319284A-BD6F-4A96-8E2B-E0A4B52E53C6}"/>
+              </a:ext>
+            </a:extLst>
+          </p:cNvPr>
+          <p:cNvCxnSpPr>
+            <a:cxnSpLocks/>
+          </p:cNvCxnSpPr>
+          <p:nvPr/>
+        </p:nvCxnSpPr>
+        <p:spPr>
+          <a:xfrm flipV="1">
+            <a:off x="0" y="454803"/>
+            <a:ext cx="738231" cy="1798"/>
+          </a:xfrm>
+          <a:prstGeom prst="line">
+            <a:avLst/>
+          </a:prstGeom>
+        </p:spPr>
+        <p:style>
+          <a:lnRef idx="3">
+            <a:schemeClr val="dk1"/>
+          </a:lnRef>
+          <a:fillRef idx="0">
+            <a:schemeClr val="dk1"/>
+          </a:fillRef>
+          <a:effectRef idx="2">
+            <a:schemeClr val="dk1"/>
+          </a:effectRef>
+          <a:fontRef idx="minor">
+            <a:schemeClr val="tx1"/>
+          </a:fontRef>
+        </p:style>
+      </p:cxnSp>
+      <p:cxnSp>
+        <p:nvCxnSpPr>
+          <p:cNvPr id="20" name="Connecteur droit 19">
+            <a:extLst>
+              <a:ext uri="{FF2B5EF4-FFF2-40B4-BE49-F238E27FC236}">
+                <a16:creationId xmlns:a16="http://schemas.microsoft.com/office/drawing/2014/main" id="{08874CF7-F149-4C81-B61E-74E18342BA8A}"/>
+              </a:ext>
+            </a:extLst>
+          </p:cNvPr>
+          <p:cNvCxnSpPr>
+            <a:cxnSpLocks/>
+          </p:cNvCxnSpPr>
+          <p:nvPr/>
+        </p:nvCxnSpPr>
+        <p:spPr>
+          <a:xfrm>
+            <a:off x="2573222" y="454803"/>
+            <a:ext cx="6829482" cy="10398"/>
+          </a:xfrm>
+          <a:prstGeom prst="line">
+            <a:avLst/>
+          </a:prstGeom>
+        </p:spPr>
+        <p:style>
+          <a:lnRef idx="3">
+            <a:schemeClr val="dk1"/>
+          </a:lnRef>
+          <a:fillRef idx="0">
+            <a:schemeClr val="dk1"/>
+          </a:fillRef>
+          <a:effectRef idx="2">
+            <a:schemeClr val="dk1"/>
+          </a:effectRef>
+          <a:fontRef idx="minor">
+            <a:schemeClr val="tx1"/>
+          </a:fontRef>
+        </p:style>
+      </p:cxnSp>
+      <p:cxnSp>
+        <p:nvCxnSpPr>
+          <p:cNvPr id="26" name="Connecteur droit 25">
+            <a:extLst>
+              <a:ext uri="{FF2B5EF4-FFF2-40B4-BE49-F238E27FC236}">
+                <a16:creationId xmlns:a16="http://schemas.microsoft.com/office/drawing/2014/main" id="{BB3B35CC-057B-48C1-880F-3306A6559175}"/>
+              </a:ext>
+            </a:extLst>
+          </p:cNvPr>
+          <p:cNvCxnSpPr>
+            <a:cxnSpLocks/>
+          </p:cNvCxnSpPr>
+          <p:nvPr/>
+        </p:nvCxnSpPr>
+        <p:spPr>
+          <a:xfrm>
+            <a:off x="738231" y="454803"/>
+            <a:ext cx="344203" cy="484764"/>
+          </a:xfrm>
+          <a:prstGeom prst="line">
+            <a:avLst/>
+          </a:prstGeom>
+        </p:spPr>
+        <p:style>
+          <a:lnRef idx="3">
+            <a:schemeClr val="dk1"/>
+          </a:lnRef>
+          <a:fillRef idx="0">
+            <a:schemeClr val="dk1"/>
+          </a:fillRef>
+          <a:effectRef idx="2">
+            <a:schemeClr val="dk1"/>
+          </a:effectRef>
+          <a:fontRef idx="minor">
+            <a:schemeClr val="tx1"/>
+          </a:fontRef>
+        </p:style>
+      </p:cxnSp>
+      <p:cxnSp>
+        <p:nvCxnSpPr>
+          <p:cNvPr id="32" name="Connecteur droit 31">
+            <a:extLst>
+              <a:ext uri="{FF2B5EF4-FFF2-40B4-BE49-F238E27FC236}">
+                <a16:creationId xmlns:a16="http://schemas.microsoft.com/office/drawing/2014/main" id="{4AD96496-1EB6-4E48-9BB2-5C255495C686}"/>
+              </a:ext>
+            </a:extLst>
+          </p:cNvPr>
+          <p:cNvCxnSpPr>
+            <a:cxnSpLocks/>
+          </p:cNvCxnSpPr>
+          <p:nvPr/>
+        </p:nvCxnSpPr>
+        <p:spPr>
+          <a:xfrm>
+            <a:off x="1082434" y="938268"/>
+            <a:ext cx="1146585" cy="0"/>
+          </a:xfrm>
+          <a:prstGeom prst="line">
+            <a:avLst/>
+          </a:prstGeom>
+        </p:spPr>
+        <p:style>
+          <a:lnRef idx="3">
+            <a:schemeClr val="dk1"/>
+          </a:lnRef>
+          <a:fillRef idx="0">
+            <a:schemeClr val="dk1"/>
+          </a:fillRef>
+          <a:effectRef idx="2">
+            <a:schemeClr val="dk1"/>
+          </a:effectRef>
+          <a:fontRef idx="minor">
+            <a:schemeClr val="tx1"/>
+          </a:fontRef>
+        </p:style>
+      </p:cxnSp>
+      <p:cxnSp>
+        <p:nvCxnSpPr>
+          <p:cNvPr id="51" name="Connecteur droit 50">
+            <a:extLst>
+              <a:ext uri="{FF2B5EF4-FFF2-40B4-BE49-F238E27FC236}">
+                <a16:creationId xmlns:a16="http://schemas.microsoft.com/office/drawing/2014/main" id="{C035BFA6-ECBF-4775-BA81-19D2CA41AA8D}"/>
+              </a:ext>
+            </a:extLst>
+          </p:cNvPr>
+          <p:cNvCxnSpPr>
+            <a:cxnSpLocks/>
+          </p:cNvCxnSpPr>
+          <p:nvPr/>
+        </p:nvCxnSpPr>
+        <p:spPr>
+          <a:xfrm>
+            <a:off x="9402704" y="465201"/>
+            <a:ext cx="344203" cy="495163"/>
+          </a:xfrm>
+          <a:prstGeom prst="line">
+            <a:avLst/>
+          </a:prstGeom>
+        </p:spPr>
+        <p:style>
+          <a:lnRef idx="3">
+            <a:schemeClr val="dk1"/>
+          </a:lnRef>
+          <a:fillRef idx="0">
+            <a:schemeClr val="dk1"/>
+          </a:fillRef>
+          <a:effectRef idx="2">
+            <a:schemeClr val="dk1"/>
+          </a:effectRef>
+          <a:fontRef idx="minor">
+            <a:schemeClr val="tx1"/>
+          </a:fontRef>
+        </p:style>
+      </p:cxnSp>
+      <p:cxnSp>
+        <p:nvCxnSpPr>
+          <p:cNvPr id="52" name="Connecteur droit 51">
+            <a:extLst>
+              <a:ext uri="{FF2B5EF4-FFF2-40B4-BE49-F238E27FC236}">
+                <a16:creationId xmlns:a16="http://schemas.microsoft.com/office/drawing/2014/main" id="{FA310BC7-694B-4984-99A2-61A1F4F6EBF9}"/>
+              </a:ext>
+            </a:extLst>
+          </p:cNvPr>
+          <p:cNvCxnSpPr>
+            <a:cxnSpLocks/>
+          </p:cNvCxnSpPr>
+          <p:nvPr/>
+        </p:nvCxnSpPr>
+        <p:spPr>
+          <a:xfrm flipH="1">
+            <a:off x="11370469" y="448308"/>
+            <a:ext cx="364332" cy="501657"/>
+          </a:xfrm>
+          <a:prstGeom prst="line">
+            <a:avLst/>
+          </a:prstGeom>
+        </p:spPr>
+        <p:style>
+          <a:lnRef idx="3">
+            <a:schemeClr val="dk1"/>
+          </a:lnRef>
+          <a:fillRef idx="0">
+            <a:schemeClr val="dk1"/>
+          </a:fillRef>
+          <a:effectRef idx="2">
+            <a:schemeClr val="dk1"/>
+          </a:effectRef>
+          <a:fontRef idx="minor">
+            <a:schemeClr val="tx1"/>
+          </a:fontRef>
+        </p:style>
+      </p:cxnSp>
+      <p:cxnSp>
+        <p:nvCxnSpPr>
+          <p:cNvPr id="53" name="Connecteur droit 52">
+            <a:extLst>
+              <a:ext uri="{FF2B5EF4-FFF2-40B4-BE49-F238E27FC236}">
+                <a16:creationId xmlns:a16="http://schemas.microsoft.com/office/drawing/2014/main" id="{BE0649BD-EE59-4DDA-960F-95B2572F9F13}"/>
+              </a:ext>
+            </a:extLst>
+          </p:cNvPr>
+          <p:cNvCxnSpPr>
+            <a:cxnSpLocks/>
+          </p:cNvCxnSpPr>
+          <p:nvPr/>
+        </p:nvCxnSpPr>
+        <p:spPr>
+          <a:xfrm>
+            <a:off x="9743203" y="949965"/>
+            <a:ext cx="1627266" cy="0"/>
+          </a:xfrm>
+          <a:prstGeom prst="line">
+            <a:avLst/>
+          </a:prstGeom>
+        </p:spPr>
+        <p:style>
+          <a:lnRef idx="3">
+            <a:schemeClr val="dk1"/>
+          </a:lnRef>
+          <a:fillRef idx="0">
+            <a:schemeClr val="dk1"/>
+          </a:fillRef>
+          <a:effectRef idx="2">
+            <a:schemeClr val="dk1"/>
+          </a:effectRef>
+          <a:fontRef idx="minor">
+            <a:schemeClr val="tx1"/>
+          </a:fontRef>
+        </p:style>
+      </p:cxnSp>
+      <p:cxnSp>
+        <p:nvCxnSpPr>
+          <p:cNvPr id="55" name="Connecteur droit 54">
+            <a:extLst>
+              <a:ext uri="{FF2B5EF4-FFF2-40B4-BE49-F238E27FC236}">
+                <a16:creationId xmlns:a16="http://schemas.microsoft.com/office/drawing/2014/main" id="{52AA9200-DAFA-4EEF-AC13-4C7CE82A59EC}"/>
+              </a:ext>
+            </a:extLst>
+          </p:cNvPr>
+          <p:cNvCxnSpPr>
+            <a:cxnSpLocks/>
+          </p:cNvCxnSpPr>
+          <p:nvPr/>
+        </p:nvCxnSpPr>
+        <p:spPr>
+          <a:xfrm>
+            <a:off x="11715750" y="454801"/>
+            <a:ext cx="476249" cy="10400"/>
+          </a:xfrm>
+          <a:prstGeom prst="line">
+            <a:avLst/>
+          </a:prstGeom>
+        </p:spPr>
+        <p:style>
+          <a:lnRef idx="3">
+            <a:schemeClr val="dk1"/>
+          </a:lnRef>
+          <a:fillRef idx="0">
+            <a:schemeClr val="dk1"/>
+          </a:fillRef>
+          <a:effectRef idx="2">
+            <a:schemeClr val="dk1"/>
+          </a:effectRef>
+          <a:fontRef idx="minor">
+            <a:schemeClr val="tx1"/>
+          </a:fontRef>
+        </p:style>
+      </p:cxnSp>
+      <p:cxnSp>
+        <p:nvCxnSpPr>
+          <p:cNvPr id="23" name="Connecteur droit 22">
+            <a:extLst>
+              <a:ext uri="{FF2B5EF4-FFF2-40B4-BE49-F238E27FC236}">
+                <a16:creationId xmlns:a16="http://schemas.microsoft.com/office/drawing/2014/main" id="{BCB092C8-0080-4E56-957E-0046D4C83988}"/>
+              </a:ext>
+            </a:extLst>
+          </p:cNvPr>
+          <p:cNvCxnSpPr>
+            <a:cxnSpLocks/>
+          </p:cNvCxnSpPr>
+          <p:nvPr/>
+        </p:nvCxnSpPr>
+        <p:spPr>
+          <a:xfrm flipH="1">
+            <a:off x="2216372" y="446356"/>
+            <a:ext cx="364332" cy="501657"/>
+          </a:xfrm>
+          <a:prstGeom prst="line">
+            <a:avLst/>
+          </a:prstGeom>
+        </p:spPr>
+        <p:style>
+          <a:lnRef idx="3">
+            <a:schemeClr val="dk1"/>
+          </a:lnRef>
+          <a:fillRef idx="0">
+            <a:schemeClr val="dk1"/>
+          </a:fillRef>
+          <a:effectRef idx="2">
+            <a:schemeClr val="dk1"/>
+          </a:effectRef>
+          <a:fontRef idx="minor">
+            <a:schemeClr val="tx1"/>
+          </a:fontRef>
+        </p:style>
+      </p:cxnSp>
+      <p:pic>
+        <p:nvPicPr>
+          <p:cNvPr id="57" name="Image 56">
+            <a:extLst>
+              <a:ext uri="{FF2B5EF4-FFF2-40B4-BE49-F238E27FC236}">
+                <a16:creationId xmlns:a16="http://schemas.microsoft.com/office/drawing/2014/main" id="{12B16FB2-5844-4B92-AE69-9BAC858C22BB}"/>
+              </a:ext>
+            </a:extLst>
+          </p:cNvPr>
+          <p:cNvPicPr>
+            <a:picLocks noChangeAspect="1"/>
+          </p:cNvPicPr>
+          <p:nvPr/>
+        </p:nvPicPr>
+        <p:blipFill>
+          <a:blip r:embed="rId3">
+            <a:extLst>
+              <a:ext uri="{28A0092B-C50C-407E-A947-70E740481C1C}">
+                <a14:useLocalDpi xmlns:a14="http://schemas.microsoft.com/office/drawing/2010/main" val="0"/>
+              </a:ext>
+            </a:extLst>
+          </a:blip>
+          <a:stretch>
+            <a:fillRect/>
+          </a:stretch>
+        </p:blipFill>
+        <p:spPr>
+          <a:xfrm>
+            <a:off x="9681085" y="238153"/>
+            <a:ext cx="1802101" cy="569807"/>
+          </a:xfrm>
+          <a:prstGeom prst="rect">
+            <a:avLst/>
+          </a:prstGeom>
+        </p:spPr>
+      </p:pic>
+      <p:cxnSp>
+        <p:nvCxnSpPr>
+          <p:cNvPr id="58" name="Connecteur droit 57">
+            <a:extLst>
+              <a:ext uri="{FF2B5EF4-FFF2-40B4-BE49-F238E27FC236}">
+                <a16:creationId xmlns:a16="http://schemas.microsoft.com/office/drawing/2014/main" id="{01599350-F8B0-4FDC-B003-981189A8D654}"/>
+              </a:ext>
+            </a:extLst>
+          </p:cNvPr>
+          <p:cNvCxnSpPr>
+            <a:cxnSpLocks/>
+          </p:cNvCxnSpPr>
+          <p:nvPr/>
+        </p:nvCxnSpPr>
+        <p:spPr>
+          <a:xfrm>
+            <a:off x="2573222" y="454803"/>
+            <a:ext cx="6829482" cy="10398"/>
+          </a:xfrm>
+          <a:prstGeom prst="line">
+            <a:avLst/>
+          </a:prstGeom>
+        </p:spPr>
+        <p:style>
+          <a:lnRef idx="3">
+            <a:schemeClr val="dk1"/>
+          </a:lnRef>
+          <a:fillRef idx="0">
+            <a:schemeClr val="dk1"/>
+          </a:fillRef>
+          <a:effectRef idx="2">
+            <a:schemeClr val="dk1"/>
+          </a:effectRef>
+          <a:fontRef idx="minor">
+            <a:schemeClr val="tx1"/>
+          </a:fontRef>
+        </p:style>
+      </p:cxnSp>
+      <p:cxnSp>
+        <p:nvCxnSpPr>
+          <p:cNvPr id="59" name="Connecteur droit 58">
+            <a:extLst>
+              <a:ext uri="{FF2B5EF4-FFF2-40B4-BE49-F238E27FC236}">
+                <a16:creationId xmlns:a16="http://schemas.microsoft.com/office/drawing/2014/main" id="{BC6E6150-6054-4785-84EC-0C46D82034C2}"/>
+              </a:ext>
+            </a:extLst>
+          </p:cNvPr>
+          <p:cNvCxnSpPr>
+            <a:cxnSpLocks/>
+          </p:cNvCxnSpPr>
+          <p:nvPr/>
+        </p:nvCxnSpPr>
+        <p:spPr>
+          <a:xfrm>
+            <a:off x="738231" y="454803"/>
+            <a:ext cx="344203" cy="484764"/>
+          </a:xfrm>
+          <a:prstGeom prst="line">
+            <a:avLst/>
+          </a:prstGeom>
+        </p:spPr>
+        <p:style>
+          <a:lnRef idx="3">
+            <a:schemeClr val="dk1"/>
+          </a:lnRef>
+          <a:fillRef idx="0">
+            <a:schemeClr val="dk1"/>
+          </a:fillRef>
+          <a:effectRef idx="2">
+            <a:schemeClr val="dk1"/>
+          </a:effectRef>
+          <a:fontRef idx="minor">
+            <a:schemeClr val="tx1"/>
+          </a:fontRef>
+        </p:style>
+      </p:cxnSp>
+      <p:cxnSp>
+        <p:nvCxnSpPr>
+          <p:cNvPr id="60" name="Connecteur droit 59">
+            <a:extLst>
+              <a:ext uri="{FF2B5EF4-FFF2-40B4-BE49-F238E27FC236}">
+                <a16:creationId xmlns:a16="http://schemas.microsoft.com/office/drawing/2014/main" id="{CBC9961A-8EC2-4287-A398-BCA4138D409D}"/>
+              </a:ext>
+            </a:extLst>
+          </p:cNvPr>
+          <p:cNvCxnSpPr>
+            <a:cxnSpLocks/>
+          </p:cNvCxnSpPr>
+          <p:nvPr/>
+        </p:nvCxnSpPr>
+        <p:spPr>
+          <a:xfrm>
+            <a:off x="1082434" y="938268"/>
+            <a:ext cx="1146585" cy="0"/>
+          </a:xfrm>
+          <a:prstGeom prst="line">
+            <a:avLst/>
+          </a:prstGeom>
+        </p:spPr>
+        <p:style>
+          <a:lnRef idx="3">
+            <a:schemeClr val="dk1"/>
+          </a:lnRef>
+          <a:fillRef idx="0">
+            <a:schemeClr val="dk1"/>
+          </a:fillRef>
+          <a:effectRef idx="2">
+            <a:schemeClr val="dk1"/>
+          </a:effectRef>
+          <a:fontRef idx="minor">
+            <a:schemeClr val="tx1"/>
+          </a:fontRef>
+        </p:style>
+      </p:cxnSp>
+      <p:cxnSp>
+        <p:nvCxnSpPr>
+          <p:cNvPr id="61" name="Connecteur droit 60">
+            <a:extLst>
+              <a:ext uri="{FF2B5EF4-FFF2-40B4-BE49-F238E27FC236}">
+                <a16:creationId xmlns:a16="http://schemas.microsoft.com/office/drawing/2014/main" id="{152B7C45-2543-4665-BC07-4DB71CA9F337}"/>
+              </a:ext>
+            </a:extLst>
+          </p:cNvPr>
+          <p:cNvCxnSpPr>
+            <a:cxnSpLocks/>
+          </p:cNvCxnSpPr>
+          <p:nvPr/>
+        </p:nvCxnSpPr>
+        <p:spPr>
+          <a:xfrm>
+            <a:off x="9402704" y="465201"/>
+            <a:ext cx="344203" cy="495163"/>
+          </a:xfrm>
+          <a:prstGeom prst="line">
+            <a:avLst/>
+          </a:prstGeom>
+        </p:spPr>
+        <p:style>
+          <a:lnRef idx="3">
+            <a:schemeClr val="dk1"/>
+          </a:lnRef>
+          <a:fillRef idx="0">
+            <a:schemeClr val="dk1"/>
+          </a:fillRef>
+          <a:effectRef idx="2">
+            <a:schemeClr val="dk1"/>
+          </a:effectRef>
+          <a:fontRef idx="minor">
+            <a:schemeClr val="tx1"/>
+          </a:fontRef>
+        </p:style>
+      </p:cxnSp>
+      <p:cxnSp>
+        <p:nvCxnSpPr>
+          <p:cNvPr id="62" name="Connecteur droit 61">
+            <a:extLst>
+              <a:ext uri="{FF2B5EF4-FFF2-40B4-BE49-F238E27FC236}">
+                <a16:creationId xmlns:a16="http://schemas.microsoft.com/office/drawing/2014/main" id="{00A84DC3-A112-46A3-B71C-04D85339323D}"/>
+              </a:ext>
+            </a:extLst>
+          </p:cNvPr>
+          <p:cNvCxnSpPr>
+            <a:cxnSpLocks/>
+          </p:cNvCxnSpPr>
+          <p:nvPr/>
+        </p:nvCxnSpPr>
+        <p:spPr>
+          <a:xfrm flipH="1">
+            <a:off x="11370469" y="448308"/>
+            <a:ext cx="364332" cy="501657"/>
+          </a:xfrm>
+          <a:prstGeom prst="line">
+            <a:avLst/>
+          </a:prstGeom>
+        </p:spPr>
+        <p:style>
+          <a:lnRef idx="3">
+            <a:schemeClr val="dk1"/>
+          </a:lnRef>
+          <a:fillRef idx="0">
+            <a:schemeClr val="dk1"/>
+          </a:fillRef>
+          <a:effectRef idx="2">
+            <a:schemeClr val="dk1"/>
+          </a:effectRef>
+          <a:fontRef idx="minor">
+            <a:schemeClr val="tx1"/>
+          </a:fontRef>
+        </p:style>
+      </p:cxnSp>
+      <p:cxnSp>
+        <p:nvCxnSpPr>
+          <p:cNvPr id="63" name="Connecteur droit 62">
+            <a:extLst>
+              <a:ext uri="{FF2B5EF4-FFF2-40B4-BE49-F238E27FC236}">
+                <a16:creationId xmlns:a16="http://schemas.microsoft.com/office/drawing/2014/main" id="{C50788C6-8F68-44EC-AB54-94C1D2FE554D}"/>
+              </a:ext>
+            </a:extLst>
+          </p:cNvPr>
+          <p:cNvCxnSpPr>
+            <a:cxnSpLocks/>
+          </p:cNvCxnSpPr>
+          <p:nvPr/>
+        </p:nvCxnSpPr>
+        <p:spPr>
+          <a:xfrm>
+            <a:off x="9743203" y="949965"/>
+            <a:ext cx="1627266" cy="0"/>
+          </a:xfrm>
+          <a:prstGeom prst="line">
+            <a:avLst/>
+          </a:prstGeom>
+        </p:spPr>
+        <p:style>
+          <a:lnRef idx="3">
+            <a:schemeClr val="dk1"/>
+          </a:lnRef>
+          <a:fillRef idx="0">
+            <a:schemeClr val="dk1"/>
+          </a:fillRef>
+          <a:effectRef idx="2">
+            <a:schemeClr val="dk1"/>
+          </a:effectRef>
+          <a:fontRef idx="minor">
+            <a:schemeClr val="tx1"/>
+          </a:fontRef>
+        </p:style>
+      </p:cxnSp>
+      <p:cxnSp>
+        <p:nvCxnSpPr>
+          <p:cNvPr id="64" name="Connecteur droit 63">
+            <a:extLst>
+              <a:ext uri="{FF2B5EF4-FFF2-40B4-BE49-F238E27FC236}">
+                <a16:creationId xmlns:a16="http://schemas.microsoft.com/office/drawing/2014/main" id="{BC4D4E5F-5636-45CB-873C-EC085AB307A3}"/>
+              </a:ext>
+            </a:extLst>
+          </p:cNvPr>
+          <p:cNvCxnSpPr>
+            <a:cxnSpLocks/>
+          </p:cNvCxnSpPr>
+          <p:nvPr/>
+        </p:nvCxnSpPr>
+        <p:spPr>
+          <a:xfrm>
+            <a:off x="11715750" y="454801"/>
+            <a:ext cx="476249" cy="10400"/>
+          </a:xfrm>
+          <a:prstGeom prst="line">
+            <a:avLst/>
+          </a:prstGeom>
+        </p:spPr>
+        <p:style>
+          <a:lnRef idx="3">
+            <a:schemeClr val="dk1"/>
+          </a:lnRef>
+          <a:fillRef idx="0">
+            <a:schemeClr val="dk1"/>
+          </a:fillRef>
+          <a:effectRef idx="2">
+            <a:schemeClr val="dk1"/>
+          </a:effectRef>
+          <a:fontRef idx="minor">
+            <a:schemeClr val="tx1"/>
+          </a:fontRef>
+        </p:style>
+      </p:cxnSp>
+      <p:cxnSp>
+        <p:nvCxnSpPr>
+          <p:cNvPr id="65" name="Connecteur droit 64">
+            <a:extLst>
+              <a:ext uri="{FF2B5EF4-FFF2-40B4-BE49-F238E27FC236}">
+                <a16:creationId xmlns:a16="http://schemas.microsoft.com/office/drawing/2014/main" id="{E6F6B4C5-0E3B-46C9-859D-EE774175D36F}"/>
+              </a:ext>
+            </a:extLst>
+          </p:cNvPr>
+          <p:cNvCxnSpPr>
+            <a:cxnSpLocks/>
+          </p:cNvCxnSpPr>
+          <p:nvPr/>
+        </p:nvCxnSpPr>
+        <p:spPr>
+          <a:xfrm flipH="1">
+            <a:off x="2216372" y="446356"/>
+            <a:ext cx="364332" cy="501657"/>
+          </a:xfrm>
+          <a:prstGeom prst="line">
+            <a:avLst/>
+          </a:prstGeom>
+        </p:spPr>
+        <p:style>
+          <a:lnRef idx="3">
+            <a:schemeClr val="dk1"/>
+          </a:lnRef>
+          <a:fillRef idx="0">
+            <a:schemeClr val="dk1"/>
+          </a:fillRef>
+          <a:effectRef idx="2">
+            <a:schemeClr val="dk1"/>
+          </a:effectRef>
+          <a:fontRef idx="minor">
+            <a:schemeClr val="tx1"/>
+          </a:fontRef>
+        </p:style>
+      </p:cxnSp>
+      <p:sp>
+        <p:nvSpPr>
+          <p:cNvPr id="2" name="ZoneTexte 1">
+            <a:extLst>
+              <a:ext uri="{FF2B5EF4-FFF2-40B4-BE49-F238E27FC236}">
+                <a16:creationId xmlns:a16="http://schemas.microsoft.com/office/drawing/2014/main" id="{128A5370-27C5-4A3F-98D7-D74D075851FE}"/>
+              </a:ext>
+            </a:extLst>
+          </p:cNvPr>
+          <p:cNvSpPr txBox="1"/>
+          <p:nvPr/>
+        </p:nvSpPr>
+        <p:spPr>
+          <a:xfrm>
+            <a:off x="3475869" y="523056"/>
+            <a:ext cx="5173181" cy="769441"/>
+          </a:xfrm>
+          <a:prstGeom prst="rect">
+            <a:avLst/>
+          </a:prstGeom>
+          <a:noFill/>
+        </p:spPr>
+        <p:txBody>
+          <a:bodyPr wrap="square" rtlCol="0">
+            <a:spAutoFit/>
+          </a:bodyPr>
+          <a:lstStyle/>
+          <a:p>
+            <a:r>
+              <a:rPr lang="fr-FR" sz="4400" dirty="0">
+                <a:latin typeface="Berlin Sans FB" panose="020E0602020502020306" pitchFamily="34" charset="0"/>
+              </a:rPr>
+              <a:t>Solutions trouvées</a:t>
+            </a:r>
+          </a:p>
+        </p:txBody>
+      </p:sp>
+      <p:pic>
+        <p:nvPicPr>
+          <p:cNvPr id="6" name="Image 5">
+            <a:extLst>
+              <a:ext uri="{FF2B5EF4-FFF2-40B4-BE49-F238E27FC236}">
+                <a16:creationId xmlns:a16="http://schemas.microsoft.com/office/drawing/2014/main" id="{B94F7404-907D-4FE6-89EF-E012ABA7B82B}"/>
+              </a:ext>
+            </a:extLst>
+          </p:cNvPr>
+          <p:cNvPicPr>
+            <a:picLocks noChangeAspect="1"/>
+          </p:cNvPicPr>
+          <p:nvPr/>
+        </p:nvPicPr>
+        <p:blipFill>
+          <a:blip r:embed="rId4">
+            <a:extLst>
+              <a:ext uri="{28A0092B-C50C-407E-A947-70E740481C1C}">
+                <a14:useLocalDpi xmlns:a14="http://schemas.microsoft.com/office/drawing/2010/main" val="0"/>
+              </a:ext>
+            </a:extLst>
+          </a:blip>
+          <a:stretch>
+            <a:fillRect/>
+          </a:stretch>
+        </p:blipFill>
+        <p:spPr>
+          <a:xfrm>
+            <a:off x="3252390" y="1604864"/>
+            <a:ext cx="5163821" cy="5051376"/>
+          </a:xfrm>
+          <a:prstGeom prst="rect">
+            <a:avLst/>
+          </a:prstGeom>
+        </p:spPr>
+      </p:pic>
+    </p:spTree>
+    <p:extLst>
+      <p:ext uri="{BB962C8B-B14F-4D97-AF65-F5344CB8AC3E}">
+        <p14:creationId xmlns:p14="http://schemas.microsoft.com/office/powerpoint/2010/main" val="1458497673"/>
+      </p:ext>
+    </p:extLst>
+  </p:cSld>
+  <p:clrMapOvr>
+    <a:masterClrMapping/>
+  </p:clrMapOvr>
+  <mc:AlternateContent xmlns:mc="http://schemas.openxmlformats.org/markup-compatibility/2006" xmlns:p14="http://schemas.microsoft.com/office/powerpoint/2010/main">
+    <mc:Choice Requires="p14">
+      <p:transition spd="slow">
+        <p14:reveal/>
+      </p:transition>
+    </mc:Choice>
+    <mc:Fallback xmlns="">
+      <p:transition spd="slow">
+        <p:fade/>
+      </p:transition>
+    </mc:Fallback>
+  </mc:AlternateContent>
+</p:sld>
+</file>
+
+<file path=ppt/slides/slide14.xml><?xml version="1.0" encoding="utf-8"?>
 <p:sld xmlns:a="http://schemas.openxmlformats.org/drawingml/2006/main" xmlns:r="http://schemas.openxmlformats.org/officeDocument/2006/relationships" xmlns:p="http://schemas.openxmlformats.org/presentationml/2006/main">
   <p:cSld>
     <p:spTree>
@@ -10887,7 +12626,7 @@
 </p:sld>
 </file>
 
-<file path=ppt/slides/slide13.xml><?xml version="1.0" encoding="utf-8"?>
+<file path=ppt/slides/slide15.xml><?xml version="1.0" encoding="utf-8"?>
 <p:sld xmlns:a="http://schemas.openxmlformats.org/drawingml/2006/main" xmlns:r="http://schemas.openxmlformats.org/officeDocument/2006/relationships" xmlns:p="http://schemas.openxmlformats.org/presentationml/2006/main">
   <p:cSld>
     <p:spTree>
@@ -11658,843 +13397,10 @@
           </a:fontRef>
         </p:style>
       </p:cxnSp>
-      <p:sp>
-        <p:nvSpPr>
-          <p:cNvPr id="2" name="ZoneTexte 1">
-            <a:extLst>
-              <a:ext uri="{FF2B5EF4-FFF2-40B4-BE49-F238E27FC236}">
-                <a16:creationId xmlns:a16="http://schemas.microsoft.com/office/drawing/2014/main" id="{128A5370-27C5-4A3F-98D7-D74D075851FE}"/>
-              </a:ext>
-            </a:extLst>
-          </p:cNvPr>
-          <p:cNvSpPr txBox="1"/>
-          <p:nvPr/>
-        </p:nvSpPr>
-        <p:spPr>
-          <a:xfrm>
-            <a:off x="4569176" y="523056"/>
-            <a:ext cx="2659224" cy="769441"/>
-          </a:xfrm>
-          <a:prstGeom prst="rect">
-            <a:avLst/>
-          </a:prstGeom>
-          <a:noFill/>
-        </p:spPr>
-        <p:txBody>
-          <a:bodyPr wrap="square" rtlCol="0">
-            <a:spAutoFit/>
-          </a:bodyPr>
-          <a:lstStyle/>
-          <a:p>
-            <a:r>
-              <a:rPr lang="fr-FR" sz="4400" dirty="0">
-                <a:latin typeface="Berlin Sans FB" panose="020E0602020502020306" pitchFamily="34" charset="0"/>
-              </a:rPr>
-              <a:t>Conclusion</a:t>
-            </a:r>
-          </a:p>
-        </p:txBody>
-      </p:sp>
     </p:spTree>
     <p:extLst>
       <p:ext uri="{BB962C8B-B14F-4D97-AF65-F5344CB8AC3E}">
-        <p14:creationId xmlns:p14="http://schemas.microsoft.com/office/powerpoint/2010/main" val="1458497673"/>
-      </p:ext>
-    </p:extLst>
-  </p:cSld>
-  <p:clrMapOvr>
-    <a:masterClrMapping/>
-  </p:clrMapOvr>
-  <mc:AlternateContent xmlns:mc="http://schemas.openxmlformats.org/markup-compatibility/2006" xmlns:p14="http://schemas.microsoft.com/office/powerpoint/2010/main">
-    <mc:Choice Requires="p14">
-      <p:transition spd="slow">
-        <p14:reveal/>
-      </p:transition>
-    </mc:Choice>
-    <mc:Fallback xmlns="">
-      <p:transition spd="slow">
-        <p:fade/>
-      </p:transition>
-    </mc:Fallback>
-  </mc:AlternateContent>
-</p:sld>
-</file>
-
-<file path=ppt/slides/slide14.xml><?xml version="1.0" encoding="utf-8"?>
-<p:sld xmlns:a="http://schemas.openxmlformats.org/drawingml/2006/main" xmlns:r="http://schemas.openxmlformats.org/officeDocument/2006/relationships" xmlns:p="http://schemas.openxmlformats.org/presentationml/2006/main">
-  <p:cSld>
-    <p:spTree>
-      <p:nvGrpSpPr>
-        <p:cNvPr id="1" name=""/>
-        <p:cNvGrpSpPr/>
-        <p:nvPr/>
-      </p:nvGrpSpPr>
-      <p:grpSpPr>
-        <a:xfrm>
-          <a:off x="0" y="0"/>
-          <a:ext cx="0" cy="0"/>
-          <a:chOff x="0" y="0"/>
-          <a:chExt cx="0" cy="0"/>
-        </a:xfrm>
-      </p:grpSpPr>
-      <p:pic>
-        <p:nvPicPr>
-          <p:cNvPr id="8" name="Image 7">
-            <a:extLst>
-              <a:ext uri="{FF2B5EF4-FFF2-40B4-BE49-F238E27FC236}">
-                <a16:creationId xmlns:a16="http://schemas.microsoft.com/office/drawing/2014/main" id="{2BB825C5-31DA-4A56-85EA-536DBF510A31}"/>
-              </a:ext>
-            </a:extLst>
-          </p:cNvPr>
-          <p:cNvPicPr>
-            <a:picLocks noChangeAspect="1"/>
-          </p:cNvPicPr>
-          <p:nvPr/>
-        </p:nvPicPr>
-        <p:blipFill>
-          <a:blip r:embed="rId2">
-            <a:extLst>
-              <a:ext uri="{28A0092B-C50C-407E-A947-70E740481C1C}">
-                <a14:useLocalDpi xmlns:a14="http://schemas.microsoft.com/office/drawing/2010/main" val="0"/>
-              </a:ext>
-            </a:extLst>
-          </a:blip>
-          <a:stretch>
-            <a:fillRect/>
-          </a:stretch>
-        </p:blipFill>
-        <p:spPr>
-          <a:xfrm>
-            <a:off x="1068751" y="66457"/>
-            <a:ext cx="1259497" cy="776690"/>
-          </a:xfrm>
-          <a:prstGeom prst="rect">
-            <a:avLst/>
-          </a:prstGeom>
-        </p:spPr>
-      </p:pic>
-      <p:pic>
-        <p:nvPicPr>
-          <p:cNvPr id="10" name="Image 9">
-            <a:extLst>
-              <a:ext uri="{FF2B5EF4-FFF2-40B4-BE49-F238E27FC236}">
-                <a16:creationId xmlns:a16="http://schemas.microsoft.com/office/drawing/2014/main" id="{8EE7436F-49F2-41E0-93E4-D247B4705294}"/>
-              </a:ext>
-            </a:extLst>
-          </p:cNvPr>
-          <p:cNvPicPr>
-            <a:picLocks noChangeAspect="1"/>
-          </p:cNvPicPr>
-          <p:nvPr/>
-        </p:nvPicPr>
-        <p:blipFill>
-          <a:blip r:embed="rId3">
-            <a:extLst>
-              <a:ext uri="{28A0092B-C50C-407E-A947-70E740481C1C}">
-                <a14:useLocalDpi xmlns:a14="http://schemas.microsoft.com/office/drawing/2010/main" val="0"/>
-              </a:ext>
-            </a:extLst>
-          </a:blip>
-          <a:stretch>
-            <a:fillRect/>
-          </a:stretch>
-        </p:blipFill>
-        <p:spPr>
-          <a:xfrm>
-            <a:off x="9681085" y="238153"/>
-            <a:ext cx="1802101" cy="569807"/>
-          </a:xfrm>
-          <a:prstGeom prst="rect">
-            <a:avLst/>
-          </a:prstGeom>
-        </p:spPr>
-      </p:pic>
-      <p:cxnSp>
-        <p:nvCxnSpPr>
-          <p:cNvPr id="16" name="Connecteur droit 15">
-            <a:extLst>
-              <a:ext uri="{FF2B5EF4-FFF2-40B4-BE49-F238E27FC236}">
-                <a16:creationId xmlns:a16="http://schemas.microsoft.com/office/drawing/2014/main" id="{7319284A-BD6F-4A96-8E2B-E0A4B52E53C6}"/>
-              </a:ext>
-            </a:extLst>
-          </p:cNvPr>
-          <p:cNvCxnSpPr>
-            <a:cxnSpLocks/>
-          </p:cNvCxnSpPr>
-          <p:nvPr/>
-        </p:nvCxnSpPr>
-        <p:spPr>
-          <a:xfrm flipV="1">
-            <a:off x="0" y="454803"/>
-            <a:ext cx="738231" cy="1798"/>
-          </a:xfrm>
-          <a:prstGeom prst="line">
-            <a:avLst/>
-          </a:prstGeom>
-        </p:spPr>
-        <p:style>
-          <a:lnRef idx="3">
-            <a:schemeClr val="dk1"/>
-          </a:lnRef>
-          <a:fillRef idx="0">
-            <a:schemeClr val="dk1"/>
-          </a:fillRef>
-          <a:effectRef idx="2">
-            <a:schemeClr val="dk1"/>
-          </a:effectRef>
-          <a:fontRef idx="minor">
-            <a:schemeClr val="tx1"/>
-          </a:fontRef>
-        </p:style>
-      </p:cxnSp>
-      <p:cxnSp>
-        <p:nvCxnSpPr>
-          <p:cNvPr id="20" name="Connecteur droit 19">
-            <a:extLst>
-              <a:ext uri="{FF2B5EF4-FFF2-40B4-BE49-F238E27FC236}">
-                <a16:creationId xmlns:a16="http://schemas.microsoft.com/office/drawing/2014/main" id="{08874CF7-F149-4C81-B61E-74E18342BA8A}"/>
-              </a:ext>
-            </a:extLst>
-          </p:cNvPr>
-          <p:cNvCxnSpPr>
-            <a:cxnSpLocks/>
-          </p:cNvCxnSpPr>
-          <p:nvPr/>
-        </p:nvCxnSpPr>
-        <p:spPr>
-          <a:xfrm>
-            <a:off x="2573222" y="454803"/>
-            <a:ext cx="6829482" cy="10398"/>
-          </a:xfrm>
-          <a:prstGeom prst="line">
-            <a:avLst/>
-          </a:prstGeom>
-        </p:spPr>
-        <p:style>
-          <a:lnRef idx="3">
-            <a:schemeClr val="dk1"/>
-          </a:lnRef>
-          <a:fillRef idx="0">
-            <a:schemeClr val="dk1"/>
-          </a:fillRef>
-          <a:effectRef idx="2">
-            <a:schemeClr val="dk1"/>
-          </a:effectRef>
-          <a:fontRef idx="minor">
-            <a:schemeClr val="tx1"/>
-          </a:fontRef>
-        </p:style>
-      </p:cxnSp>
-      <p:cxnSp>
-        <p:nvCxnSpPr>
-          <p:cNvPr id="26" name="Connecteur droit 25">
-            <a:extLst>
-              <a:ext uri="{FF2B5EF4-FFF2-40B4-BE49-F238E27FC236}">
-                <a16:creationId xmlns:a16="http://schemas.microsoft.com/office/drawing/2014/main" id="{BB3B35CC-057B-48C1-880F-3306A6559175}"/>
-              </a:ext>
-            </a:extLst>
-          </p:cNvPr>
-          <p:cNvCxnSpPr>
-            <a:cxnSpLocks/>
-          </p:cNvCxnSpPr>
-          <p:nvPr/>
-        </p:nvCxnSpPr>
-        <p:spPr>
-          <a:xfrm>
-            <a:off x="738231" y="454803"/>
-            <a:ext cx="344203" cy="484764"/>
-          </a:xfrm>
-          <a:prstGeom prst="line">
-            <a:avLst/>
-          </a:prstGeom>
-        </p:spPr>
-        <p:style>
-          <a:lnRef idx="3">
-            <a:schemeClr val="dk1"/>
-          </a:lnRef>
-          <a:fillRef idx="0">
-            <a:schemeClr val="dk1"/>
-          </a:fillRef>
-          <a:effectRef idx="2">
-            <a:schemeClr val="dk1"/>
-          </a:effectRef>
-          <a:fontRef idx="minor">
-            <a:schemeClr val="tx1"/>
-          </a:fontRef>
-        </p:style>
-      </p:cxnSp>
-      <p:cxnSp>
-        <p:nvCxnSpPr>
-          <p:cNvPr id="32" name="Connecteur droit 31">
-            <a:extLst>
-              <a:ext uri="{FF2B5EF4-FFF2-40B4-BE49-F238E27FC236}">
-                <a16:creationId xmlns:a16="http://schemas.microsoft.com/office/drawing/2014/main" id="{4AD96496-1EB6-4E48-9BB2-5C255495C686}"/>
-              </a:ext>
-            </a:extLst>
-          </p:cNvPr>
-          <p:cNvCxnSpPr>
-            <a:cxnSpLocks/>
-          </p:cNvCxnSpPr>
-          <p:nvPr/>
-        </p:nvCxnSpPr>
-        <p:spPr>
-          <a:xfrm>
-            <a:off x="1082434" y="938268"/>
-            <a:ext cx="1146585" cy="0"/>
-          </a:xfrm>
-          <a:prstGeom prst="line">
-            <a:avLst/>
-          </a:prstGeom>
-        </p:spPr>
-        <p:style>
-          <a:lnRef idx="3">
-            <a:schemeClr val="dk1"/>
-          </a:lnRef>
-          <a:fillRef idx="0">
-            <a:schemeClr val="dk1"/>
-          </a:fillRef>
-          <a:effectRef idx="2">
-            <a:schemeClr val="dk1"/>
-          </a:effectRef>
-          <a:fontRef idx="minor">
-            <a:schemeClr val="tx1"/>
-          </a:fontRef>
-        </p:style>
-      </p:cxnSp>
-      <p:cxnSp>
-        <p:nvCxnSpPr>
-          <p:cNvPr id="51" name="Connecteur droit 50">
-            <a:extLst>
-              <a:ext uri="{FF2B5EF4-FFF2-40B4-BE49-F238E27FC236}">
-                <a16:creationId xmlns:a16="http://schemas.microsoft.com/office/drawing/2014/main" id="{C035BFA6-ECBF-4775-BA81-19D2CA41AA8D}"/>
-              </a:ext>
-            </a:extLst>
-          </p:cNvPr>
-          <p:cNvCxnSpPr>
-            <a:cxnSpLocks/>
-          </p:cNvCxnSpPr>
-          <p:nvPr/>
-        </p:nvCxnSpPr>
-        <p:spPr>
-          <a:xfrm>
-            <a:off x="9402704" y="465201"/>
-            <a:ext cx="344203" cy="495163"/>
-          </a:xfrm>
-          <a:prstGeom prst="line">
-            <a:avLst/>
-          </a:prstGeom>
-        </p:spPr>
-        <p:style>
-          <a:lnRef idx="3">
-            <a:schemeClr val="dk1"/>
-          </a:lnRef>
-          <a:fillRef idx="0">
-            <a:schemeClr val="dk1"/>
-          </a:fillRef>
-          <a:effectRef idx="2">
-            <a:schemeClr val="dk1"/>
-          </a:effectRef>
-          <a:fontRef idx="minor">
-            <a:schemeClr val="tx1"/>
-          </a:fontRef>
-        </p:style>
-      </p:cxnSp>
-      <p:cxnSp>
-        <p:nvCxnSpPr>
-          <p:cNvPr id="52" name="Connecteur droit 51">
-            <a:extLst>
-              <a:ext uri="{FF2B5EF4-FFF2-40B4-BE49-F238E27FC236}">
-                <a16:creationId xmlns:a16="http://schemas.microsoft.com/office/drawing/2014/main" id="{FA310BC7-694B-4984-99A2-61A1F4F6EBF9}"/>
-              </a:ext>
-            </a:extLst>
-          </p:cNvPr>
-          <p:cNvCxnSpPr>
-            <a:cxnSpLocks/>
-          </p:cNvCxnSpPr>
-          <p:nvPr/>
-        </p:nvCxnSpPr>
-        <p:spPr>
-          <a:xfrm flipH="1">
-            <a:off x="11370469" y="448308"/>
-            <a:ext cx="364332" cy="501657"/>
-          </a:xfrm>
-          <a:prstGeom prst="line">
-            <a:avLst/>
-          </a:prstGeom>
-        </p:spPr>
-        <p:style>
-          <a:lnRef idx="3">
-            <a:schemeClr val="dk1"/>
-          </a:lnRef>
-          <a:fillRef idx="0">
-            <a:schemeClr val="dk1"/>
-          </a:fillRef>
-          <a:effectRef idx="2">
-            <a:schemeClr val="dk1"/>
-          </a:effectRef>
-          <a:fontRef idx="minor">
-            <a:schemeClr val="tx1"/>
-          </a:fontRef>
-        </p:style>
-      </p:cxnSp>
-      <p:cxnSp>
-        <p:nvCxnSpPr>
-          <p:cNvPr id="53" name="Connecteur droit 52">
-            <a:extLst>
-              <a:ext uri="{FF2B5EF4-FFF2-40B4-BE49-F238E27FC236}">
-                <a16:creationId xmlns:a16="http://schemas.microsoft.com/office/drawing/2014/main" id="{BE0649BD-EE59-4DDA-960F-95B2572F9F13}"/>
-              </a:ext>
-            </a:extLst>
-          </p:cNvPr>
-          <p:cNvCxnSpPr>
-            <a:cxnSpLocks/>
-          </p:cNvCxnSpPr>
-          <p:nvPr/>
-        </p:nvCxnSpPr>
-        <p:spPr>
-          <a:xfrm>
-            <a:off x="9743203" y="949965"/>
-            <a:ext cx="1627266" cy="0"/>
-          </a:xfrm>
-          <a:prstGeom prst="line">
-            <a:avLst/>
-          </a:prstGeom>
-        </p:spPr>
-        <p:style>
-          <a:lnRef idx="3">
-            <a:schemeClr val="dk1"/>
-          </a:lnRef>
-          <a:fillRef idx="0">
-            <a:schemeClr val="dk1"/>
-          </a:fillRef>
-          <a:effectRef idx="2">
-            <a:schemeClr val="dk1"/>
-          </a:effectRef>
-          <a:fontRef idx="minor">
-            <a:schemeClr val="tx1"/>
-          </a:fontRef>
-        </p:style>
-      </p:cxnSp>
-      <p:cxnSp>
-        <p:nvCxnSpPr>
-          <p:cNvPr id="55" name="Connecteur droit 54">
-            <a:extLst>
-              <a:ext uri="{FF2B5EF4-FFF2-40B4-BE49-F238E27FC236}">
-                <a16:creationId xmlns:a16="http://schemas.microsoft.com/office/drawing/2014/main" id="{52AA9200-DAFA-4EEF-AC13-4C7CE82A59EC}"/>
-              </a:ext>
-            </a:extLst>
-          </p:cNvPr>
-          <p:cNvCxnSpPr>
-            <a:cxnSpLocks/>
-          </p:cNvCxnSpPr>
-          <p:nvPr/>
-        </p:nvCxnSpPr>
-        <p:spPr>
-          <a:xfrm>
-            <a:off x="11715750" y="454801"/>
-            <a:ext cx="476249" cy="10400"/>
-          </a:xfrm>
-          <a:prstGeom prst="line">
-            <a:avLst/>
-          </a:prstGeom>
-        </p:spPr>
-        <p:style>
-          <a:lnRef idx="3">
-            <a:schemeClr val="dk1"/>
-          </a:lnRef>
-          <a:fillRef idx="0">
-            <a:schemeClr val="dk1"/>
-          </a:fillRef>
-          <a:effectRef idx="2">
-            <a:schemeClr val="dk1"/>
-          </a:effectRef>
-          <a:fontRef idx="minor">
-            <a:schemeClr val="tx1"/>
-          </a:fontRef>
-        </p:style>
-      </p:cxnSp>
-      <p:cxnSp>
-        <p:nvCxnSpPr>
-          <p:cNvPr id="23" name="Connecteur droit 22">
-            <a:extLst>
-              <a:ext uri="{FF2B5EF4-FFF2-40B4-BE49-F238E27FC236}">
-                <a16:creationId xmlns:a16="http://schemas.microsoft.com/office/drawing/2014/main" id="{BCB092C8-0080-4E56-957E-0046D4C83988}"/>
-              </a:ext>
-            </a:extLst>
-          </p:cNvPr>
-          <p:cNvCxnSpPr>
-            <a:cxnSpLocks/>
-          </p:cNvCxnSpPr>
-          <p:nvPr/>
-        </p:nvCxnSpPr>
-        <p:spPr>
-          <a:xfrm flipH="1">
-            <a:off x="2216372" y="446356"/>
-            <a:ext cx="364332" cy="501657"/>
-          </a:xfrm>
-          <a:prstGeom prst="line">
-            <a:avLst/>
-          </a:prstGeom>
-        </p:spPr>
-        <p:style>
-          <a:lnRef idx="3">
-            <a:schemeClr val="dk1"/>
-          </a:lnRef>
-          <a:fillRef idx="0">
-            <a:schemeClr val="dk1"/>
-          </a:fillRef>
-          <a:effectRef idx="2">
-            <a:schemeClr val="dk1"/>
-          </a:effectRef>
-          <a:fontRef idx="minor">
-            <a:schemeClr val="tx1"/>
-          </a:fontRef>
-        </p:style>
-      </p:cxnSp>
-      <p:pic>
-        <p:nvPicPr>
-          <p:cNvPr id="57" name="Image 56">
-            <a:extLst>
-              <a:ext uri="{FF2B5EF4-FFF2-40B4-BE49-F238E27FC236}">
-                <a16:creationId xmlns:a16="http://schemas.microsoft.com/office/drawing/2014/main" id="{12B16FB2-5844-4B92-AE69-9BAC858C22BB}"/>
-              </a:ext>
-            </a:extLst>
-          </p:cNvPr>
-          <p:cNvPicPr>
-            <a:picLocks noChangeAspect="1"/>
-          </p:cNvPicPr>
-          <p:nvPr/>
-        </p:nvPicPr>
-        <p:blipFill>
-          <a:blip r:embed="rId3">
-            <a:extLst>
-              <a:ext uri="{28A0092B-C50C-407E-A947-70E740481C1C}">
-                <a14:useLocalDpi xmlns:a14="http://schemas.microsoft.com/office/drawing/2010/main" val="0"/>
-              </a:ext>
-            </a:extLst>
-          </a:blip>
-          <a:stretch>
-            <a:fillRect/>
-          </a:stretch>
-        </p:blipFill>
-        <p:spPr>
-          <a:xfrm>
-            <a:off x="9681085" y="238153"/>
-            <a:ext cx="1802101" cy="569807"/>
-          </a:xfrm>
-          <a:prstGeom prst="rect">
-            <a:avLst/>
-          </a:prstGeom>
-        </p:spPr>
-      </p:pic>
-      <p:cxnSp>
-        <p:nvCxnSpPr>
-          <p:cNvPr id="58" name="Connecteur droit 57">
-            <a:extLst>
-              <a:ext uri="{FF2B5EF4-FFF2-40B4-BE49-F238E27FC236}">
-                <a16:creationId xmlns:a16="http://schemas.microsoft.com/office/drawing/2014/main" id="{01599350-F8B0-4FDC-B003-981189A8D654}"/>
-              </a:ext>
-            </a:extLst>
-          </p:cNvPr>
-          <p:cNvCxnSpPr>
-            <a:cxnSpLocks/>
-          </p:cNvCxnSpPr>
-          <p:nvPr/>
-        </p:nvCxnSpPr>
-        <p:spPr>
-          <a:xfrm>
-            <a:off x="2573222" y="454803"/>
-            <a:ext cx="6829482" cy="10398"/>
-          </a:xfrm>
-          <a:prstGeom prst="line">
-            <a:avLst/>
-          </a:prstGeom>
-        </p:spPr>
-        <p:style>
-          <a:lnRef idx="3">
-            <a:schemeClr val="dk1"/>
-          </a:lnRef>
-          <a:fillRef idx="0">
-            <a:schemeClr val="dk1"/>
-          </a:fillRef>
-          <a:effectRef idx="2">
-            <a:schemeClr val="dk1"/>
-          </a:effectRef>
-          <a:fontRef idx="minor">
-            <a:schemeClr val="tx1"/>
-          </a:fontRef>
-        </p:style>
-      </p:cxnSp>
-      <p:cxnSp>
-        <p:nvCxnSpPr>
-          <p:cNvPr id="59" name="Connecteur droit 58">
-            <a:extLst>
-              <a:ext uri="{FF2B5EF4-FFF2-40B4-BE49-F238E27FC236}">
-                <a16:creationId xmlns:a16="http://schemas.microsoft.com/office/drawing/2014/main" id="{BC6E6150-6054-4785-84EC-0C46D82034C2}"/>
-              </a:ext>
-            </a:extLst>
-          </p:cNvPr>
-          <p:cNvCxnSpPr>
-            <a:cxnSpLocks/>
-          </p:cNvCxnSpPr>
-          <p:nvPr/>
-        </p:nvCxnSpPr>
-        <p:spPr>
-          <a:xfrm>
-            <a:off x="738231" y="454803"/>
-            <a:ext cx="344203" cy="484764"/>
-          </a:xfrm>
-          <a:prstGeom prst="line">
-            <a:avLst/>
-          </a:prstGeom>
-        </p:spPr>
-        <p:style>
-          <a:lnRef idx="3">
-            <a:schemeClr val="dk1"/>
-          </a:lnRef>
-          <a:fillRef idx="0">
-            <a:schemeClr val="dk1"/>
-          </a:fillRef>
-          <a:effectRef idx="2">
-            <a:schemeClr val="dk1"/>
-          </a:effectRef>
-          <a:fontRef idx="minor">
-            <a:schemeClr val="tx1"/>
-          </a:fontRef>
-        </p:style>
-      </p:cxnSp>
-      <p:cxnSp>
-        <p:nvCxnSpPr>
-          <p:cNvPr id="60" name="Connecteur droit 59">
-            <a:extLst>
-              <a:ext uri="{FF2B5EF4-FFF2-40B4-BE49-F238E27FC236}">
-                <a16:creationId xmlns:a16="http://schemas.microsoft.com/office/drawing/2014/main" id="{CBC9961A-8EC2-4287-A398-BCA4138D409D}"/>
-              </a:ext>
-            </a:extLst>
-          </p:cNvPr>
-          <p:cNvCxnSpPr>
-            <a:cxnSpLocks/>
-          </p:cNvCxnSpPr>
-          <p:nvPr/>
-        </p:nvCxnSpPr>
-        <p:spPr>
-          <a:xfrm>
-            <a:off x="1082434" y="938268"/>
-            <a:ext cx="1146585" cy="0"/>
-          </a:xfrm>
-          <a:prstGeom prst="line">
-            <a:avLst/>
-          </a:prstGeom>
-        </p:spPr>
-        <p:style>
-          <a:lnRef idx="3">
-            <a:schemeClr val="dk1"/>
-          </a:lnRef>
-          <a:fillRef idx="0">
-            <a:schemeClr val="dk1"/>
-          </a:fillRef>
-          <a:effectRef idx="2">
-            <a:schemeClr val="dk1"/>
-          </a:effectRef>
-          <a:fontRef idx="minor">
-            <a:schemeClr val="tx1"/>
-          </a:fontRef>
-        </p:style>
-      </p:cxnSp>
-      <p:cxnSp>
-        <p:nvCxnSpPr>
-          <p:cNvPr id="61" name="Connecteur droit 60">
-            <a:extLst>
-              <a:ext uri="{FF2B5EF4-FFF2-40B4-BE49-F238E27FC236}">
-                <a16:creationId xmlns:a16="http://schemas.microsoft.com/office/drawing/2014/main" id="{152B7C45-2543-4665-BC07-4DB71CA9F337}"/>
-              </a:ext>
-            </a:extLst>
-          </p:cNvPr>
-          <p:cNvCxnSpPr>
-            <a:cxnSpLocks/>
-          </p:cNvCxnSpPr>
-          <p:nvPr/>
-        </p:nvCxnSpPr>
-        <p:spPr>
-          <a:xfrm>
-            <a:off x="9402704" y="465201"/>
-            <a:ext cx="344203" cy="495163"/>
-          </a:xfrm>
-          <a:prstGeom prst="line">
-            <a:avLst/>
-          </a:prstGeom>
-        </p:spPr>
-        <p:style>
-          <a:lnRef idx="3">
-            <a:schemeClr val="dk1"/>
-          </a:lnRef>
-          <a:fillRef idx="0">
-            <a:schemeClr val="dk1"/>
-          </a:fillRef>
-          <a:effectRef idx="2">
-            <a:schemeClr val="dk1"/>
-          </a:effectRef>
-          <a:fontRef idx="minor">
-            <a:schemeClr val="tx1"/>
-          </a:fontRef>
-        </p:style>
-      </p:cxnSp>
-      <p:cxnSp>
-        <p:nvCxnSpPr>
-          <p:cNvPr id="62" name="Connecteur droit 61">
-            <a:extLst>
-              <a:ext uri="{FF2B5EF4-FFF2-40B4-BE49-F238E27FC236}">
-                <a16:creationId xmlns:a16="http://schemas.microsoft.com/office/drawing/2014/main" id="{00A84DC3-A112-46A3-B71C-04D85339323D}"/>
-              </a:ext>
-            </a:extLst>
-          </p:cNvPr>
-          <p:cNvCxnSpPr>
-            <a:cxnSpLocks/>
-          </p:cNvCxnSpPr>
-          <p:nvPr/>
-        </p:nvCxnSpPr>
-        <p:spPr>
-          <a:xfrm flipH="1">
-            <a:off x="11370469" y="448308"/>
-            <a:ext cx="364332" cy="501657"/>
-          </a:xfrm>
-          <a:prstGeom prst="line">
-            <a:avLst/>
-          </a:prstGeom>
-        </p:spPr>
-        <p:style>
-          <a:lnRef idx="3">
-            <a:schemeClr val="dk1"/>
-          </a:lnRef>
-          <a:fillRef idx="0">
-            <a:schemeClr val="dk1"/>
-          </a:fillRef>
-          <a:effectRef idx="2">
-            <a:schemeClr val="dk1"/>
-          </a:effectRef>
-          <a:fontRef idx="minor">
-            <a:schemeClr val="tx1"/>
-          </a:fontRef>
-        </p:style>
-      </p:cxnSp>
-      <p:cxnSp>
-        <p:nvCxnSpPr>
-          <p:cNvPr id="63" name="Connecteur droit 62">
-            <a:extLst>
-              <a:ext uri="{FF2B5EF4-FFF2-40B4-BE49-F238E27FC236}">
-                <a16:creationId xmlns:a16="http://schemas.microsoft.com/office/drawing/2014/main" id="{C50788C6-8F68-44EC-AB54-94C1D2FE554D}"/>
-              </a:ext>
-            </a:extLst>
-          </p:cNvPr>
-          <p:cNvCxnSpPr>
-            <a:cxnSpLocks/>
-          </p:cNvCxnSpPr>
-          <p:nvPr/>
-        </p:nvCxnSpPr>
-        <p:spPr>
-          <a:xfrm>
-            <a:off x="9743203" y="949965"/>
-            <a:ext cx="1627266" cy="0"/>
-          </a:xfrm>
-          <a:prstGeom prst="line">
-            <a:avLst/>
-          </a:prstGeom>
-        </p:spPr>
-        <p:style>
-          <a:lnRef idx="3">
-            <a:schemeClr val="dk1"/>
-          </a:lnRef>
-          <a:fillRef idx="0">
-            <a:schemeClr val="dk1"/>
-          </a:fillRef>
-          <a:effectRef idx="2">
-            <a:schemeClr val="dk1"/>
-          </a:effectRef>
-          <a:fontRef idx="minor">
-            <a:schemeClr val="tx1"/>
-          </a:fontRef>
-        </p:style>
-      </p:cxnSp>
-      <p:cxnSp>
-        <p:nvCxnSpPr>
-          <p:cNvPr id="64" name="Connecteur droit 63">
-            <a:extLst>
-              <a:ext uri="{FF2B5EF4-FFF2-40B4-BE49-F238E27FC236}">
-                <a16:creationId xmlns:a16="http://schemas.microsoft.com/office/drawing/2014/main" id="{BC4D4E5F-5636-45CB-873C-EC085AB307A3}"/>
-              </a:ext>
-            </a:extLst>
-          </p:cNvPr>
-          <p:cNvCxnSpPr>
-            <a:cxnSpLocks/>
-          </p:cNvCxnSpPr>
-          <p:nvPr/>
-        </p:nvCxnSpPr>
-        <p:spPr>
-          <a:xfrm>
-            <a:off x="11715750" y="454801"/>
-            <a:ext cx="476249" cy="10400"/>
-          </a:xfrm>
-          <a:prstGeom prst="line">
-            <a:avLst/>
-          </a:prstGeom>
-        </p:spPr>
-        <p:style>
-          <a:lnRef idx="3">
-            <a:schemeClr val="dk1"/>
-          </a:lnRef>
-          <a:fillRef idx="0">
-            <a:schemeClr val="dk1"/>
-          </a:fillRef>
-          <a:effectRef idx="2">
-            <a:schemeClr val="dk1"/>
-          </a:effectRef>
-          <a:fontRef idx="minor">
-            <a:schemeClr val="tx1"/>
-          </a:fontRef>
-        </p:style>
-      </p:cxnSp>
-      <p:cxnSp>
-        <p:nvCxnSpPr>
-          <p:cNvPr id="65" name="Connecteur droit 64">
-            <a:extLst>
-              <a:ext uri="{FF2B5EF4-FFF2-40B4-BE49-F238E27FC236}">
-                <a16:creationId xmlns:a16="http://schemas.microsoft.com/office/drawing/2014/main" id="{E6F6B4C5-0E3B-46C9-859D-EE774175D36F}"/>
-              </a:ext>
-            </a:extLst>
-          </p:cNvPr>
-          <p:cNvCxnSpPr>
-            <a:cxnSpLocks/>
-          </p:cNvCxnSpPr>
-          <p:nvPr/>
-        </p:nvCxnSpPr>
-        <p:spPr>
-          <a:xfrm flipH="1">
-            <a:off x="2216372" y="446356"/>
-            <a:ext cx="364332" cy="501657"/>
-          </a:xfrm>
-          <a:prstGeom prst="line">
-            <a:avLst/>
-          </a:prstGeom>
-        </p:spPr>
-        <p:style>
-          <a:lnRef idx="3">
-            <a:schemeClr val="dk1"/>
-          </a:lnRef>
-          <a:fillRef idx="0">
-            <a:schemeClr val="dk1"/>
-          </a:fillRef>
-          <a:effectRef idx="2">
-            <a:schemeClr val="dk1"/>
-          </a:effectRef>
-          <a:fontRef idx="minor">
-            <a:schemeClr val="tx1"/>
-          </a:fontRef>
-        </p:style>
-      </p:cxnSp>
-    </p:spTree>
-    <p:extLst>
-      <p:ext uri="{BB962C8B-B14F-4D97-AF65-F5344CB8AC3E}">
-        <p14:creationId xmlns:p14="http://schemas.microsoft.com/office/powerpoint/2010/main" val="113769124"/>
+        <p14:creationId xmlns:p14="http://schemas.microsoft.com/office/powerpoint/2010/main" val="823890658"/>
       </p:ext>
     </p:extLst>
   </p:cSld>
@@ -22577,48 +23483,12 @@
           </a:fontRef>
         </p:style>
       </p:cxnSp>
-      <p:pic>
-        <p:nvPicPr>
-          <p:cNvPr id="24" name="Image 23">
-            <a:extLst>
-              <a:ext uri="{FF2B5EF4-FFF2-40B4-BE49-F238E27FC236}">
-                <a16:creationId xmlns:a16="http://schemas.microsoft.com/office/drawing/2014/main" id="{7A11CD42-93A2-4CE9-8917-661C6FDC8EB2}"/>
-              </a:ext>
-            </a:extLst>
-          </p:cNvPr>
-          <p:cNvPicPr>
-            <a:picLocks noChangeAspect="1"/>
-          </p:cNvPicPr>
-          <p:nvPr/>
-        </p:nvPicPr>
-        <p:blipFill>
-          <a:blip r:embed="rId4">
-            <a:extLst>
-              <a:ext uri="{28A0092B-C50C-407E-A947-70E740481C1C}">
-                <a14:useLocalDpi xmlns:a14="http://schemas.microsoft.com/office/drawing/2010/main" val="0"/>
-              </a:ext>
-            </a:extLst>
-          </a:blip>
-          <a:stretch>
-            <a:fillRect/>
-          </a:stretch>
-        </p:blipFill>
-        <p:spPr>
-          <a:xfrm>
-            <a:off x="1655727" y="2046914"/>
-            <a:ext cx="7028292" cy="4777614"/>
-          </a:xfrm>
-          <a:prstGeom prst="rect">
-            <a:avLst/>
-          </a:prstGeom>
-        </p:spPr>
-      </p:pic>
       <p:sp>
         <p:nvSpPr>
-          <p:cNvPr id="4" name="ZoneTexte 3">
-            <a:extLst>
-              <a:ext uri="{FF2B5EF4-FFF2-40B4-BE49-F238E27FC236}">
-                <a16:creationId xmlns:a16="http://schemas.microsoft.com/office/drawing/2014/main" id="{E77BD0C0-B104-436D-A198-D80CD647A659}"/>
+          <p:cNvPr id="2" name="ZoneTexte 1">
+            <a:extLst>
+              <a:ext uri="{FF2B5EF4-FFF2-40B4-BE49-F238E27FC236}">
+                <a16:creationId xmlns:a16="http://schemas.microsoft.com/office/drawing/2014/main" id="{DB534AD8-D034-4235-A7A8-29760A5AAC15}"/>
               </a:ext>
             </a:extLst>
           </p:cNvPr>
@@ -22627,8 +23497,8 @@
         </p:nvSpPr>
         <p:spPr>
           <a:xfrm>
-            <a:off x="2988527" y="691412"/>
-            <a:ext cx="6243927" cy="1446550"/>
+            <a:off x="3246498" y="523056"/>
+            <a:ext cx="5212031" cy="769441"/>
           </a:xfrm>
           <a:prstGeom prst="rect">
             <a:avLst/>
@@ -22645,15 +23515,449 @@
               <a:rPr lang="fr-FR" sz="4400" dirty="0">
                 <a:latin typeface="Berlin Sans FB" panose="020E0602020502020306" pitchFamily="34" charset="0"/>
               </a:rPr>
-              <a:t>Diagramme de cas d’utilisation</a:t>
+              <a:t>Partie Personnelle</a:t>
             </a:r>
           </a:p>
         </p:txBody>
       </p:sp>
+      <p:sp>
+        <p:nvSpPr>
+          <p:cNvPr id="3" name="ZoneTexte 2">
+            <a:extLst>
+              <a:ext uri="{FF2B5EF4-FFF2-40B4-BE49-F238E27FC236}">
+                <a16:creationId xmlns:a16="http://schemas.microsoft.com/office/drawing/2014/main" id="{944C3CE7-CCC3-40E1-988F-1C2A087D5740}"/>
+              </a:ext>
+            </a:extLst>
+          </p:cNvPr>
+          <p:cNvSpPr txBox="1"/>
+          <p:nvPr/>
+        </p:nvSpPr>
+        <p:spPr>
+          <a:xfrm>
+            <a:off x="595617" y="2038525"/>
+            <a:ext cx="3649211" cy="369332"/>
+          </a:xfrm>
+          <a:prstGeom prst="rect">
+            <a:avLst/>
+          </a:prstGeom>
+          <a:noFill/>
+        </p:spPr>
+        <p:txBody>
+          <a:bodyPr wrap="square" rtlCol="0">
+            <a:spAutoFit/>
+          </a:bodyPr>
+          <a:lstStyle/>
+          <a:p>
+            <a:r>
+              <a:rPr lang="fr-FR" dirty="0"/>
+              <a:t>Acquisition de la direction du vent </a:t>
+            </a:r>
+          </a:p>
+        </p:txBody>
+      </p:sp>
+      <p:sp>
+        <p:nvSpPr>
+          <p:cNvPr id="4" name="ZoneTexte 3">
+            <a:extLst>
+              <a:ext uri="{FF2B5EF4-FFF2-40B4-BE49-F238E27FC236}">
+                <a16:creationId xmlns:a16="http://schemas.microsoft.com/office/drawing/2014/main" id="{DDAEABC3-9880-4D14-B8AC-13A5A0095B87}"/>
+              </a:ext>
+            </a:extLst>
+          </p:cNvPr>
+          <p:cNvSpPr txBox="1"/>
+          <p:nvPr/>
+        </p:nvSpPr>
+        <p:spPr>
+          <a:xfrm>
+            <a:off x="621088" y="2830719"/>
+            <a:ext cx="3103927" cy="646331"/>
+          </a:xfrm>
+          <a:prstGeom prst="rect">
+            <a:avLst/>
+          </a:prstGeom>
+          <a:noFill/>
+        </p:spPr>
+        <p:txBody>
+          <a:bodyPr wrap="square" rtlCol="0">
+            <a:spAutoFit/>
+          </a:bodyPr>
+          <a:lstStyle/>
+          <a:p>
+            <a:r>
+              <a:rPr lang="fr-FR" dirty="0"/>
+              <a:t>Acquisition de la force du vent </a:t>
+            </a:r>
+          </a:p>
+          <a:p>
+            <a:endParaRPr lang="fr-FR" dirty="0"/>
+          </a:p>
+        </p:txBody>
+      </p:sp>
+      <p:sp>
+        <p:nvSpPr>
+          <p:cNvPr id="9" name="ZoneTexte 8">
+            <a:extLst>
+              <a:ext uri="{FF2B5EF4-FFF2-40B4-BE49-F238E27FC236}">
+                <a16:creationId xmlns:a16="http://schemas.microsoft.com/office/drawing/2014/main" id="{694162A9-B416-4F26-8727-7313474787A2}"/>
+              </a:ext>
+            </a:extLst>
+          </p:cNvPr>
+          <p:cNvSpPr txBox="1"/>
+          <p:nvPr/>
+        </p:nvSpPr>
+        <p:spPr>
+          <a:xfrm>
+            <a:off x="621088" y="3707934"/>
+            <a:ext cx="3414319" cy="369332"/>
+          </a:xfrm>
+          <a:prstGeom prst="rect">
+            <a:avLst/>
+          </a:prstGeom>
+          <a:noFill/>
+        </p:spPr>
+        <p:txBody>
+          <a:bodyPr wrap="square" rtlCol="0">
+            <a:spAutoFit/>
+          </a:bodyPr>
+          <a:lstStyle/>
+          <a:p>
+            <a:r>
+              <a:rPr lang="fr-FR" dirty="0"/>
+              <a:t>Définir la périodicité des mesures</a:t>
+            </a:r>
+          </a:p>
+        </p:txBody>
+      </p:sp>
+      <p:sp>
+        <p:nvSpPr>
+          <p:cNvPr id="11" name="ZoneTexte 10">
+            <a:extLst>
+              <a:ext uri="{FF2B5EF4-FFF2-40B4-BE49-F238E27FC236}">
+                <a16:creationId xmlns:a16="http://schemas.microsoft.com/office/drawing/2014/main" id="{F7C61D9C-4201-40B2-8AA8-00C66E0E4A4A}"/>
+              </a:ext>
+            </a:extLst>
+          </p:cNvPr>
+          <p:cNvSpPr txBox="1"/>
+          <p:nvPr/>
+        </p:nvSpPr>
+        <p:spPr>
+          <a:xfrm>
+            <a:off x="621088" y="4663876"/>
+            <a:ext cx="4407805" cy="369332"/>
+          </a:xfrm>
+          <a:prstGeom prst="rect">
+            <a:avLst/>
+          </a:prstGeom>
+          <a:noFill/>
+        </p:spPr>
+        <p:txBody>
+          <a:bodyPr wrap="square" rtlCol="0">
+            <a:spAutoFit/>
+          </a:bodyPr>
+          <a:lstStyle/>
+          <a:p>
+            <a:r>
+              <a:rPr lang="fr-FR" dirty="0"/>
+              <a:t>Enregistrer les mesures dans la BDD</a:t>
+            </a:r>
+          </a:p>
+        </p:txBody>
+      </p:sp>
+      <p:sp>
+        <p:nvSpPr>
+          <p:cNvPr id="12" name="ZoneTexte 11">
+            <a:extLst>
+              <a:ext uri="{FF2B5EF4-FFF2-40B4-BE49-F238E27FC236}">
+                <a16:creationId xmlns:a16="http://schemas.microsoft.com/office/drawing/2014/main" id="{3621FA46-CFC3-4B0D-B245-5B42884C2809}"/>
+              </a:ext>
+            </a:extLst>
+          </p:cNvPr>
+          <p:cNvSpPr txBox="1"/>
+          <p:nvPr/>
+        </p:nvSpPr>
+        <p:spPr>
+          <a:xfrm>
+            <a:off x="6300132" y="1996015"/>
+            <a:ext cx="4026716" cy="369332"/>
+          </a:xfrm>
+          <a:prstGeom prst="rect">
+            <a:avLst/>
+          </a:prstGeom>
+          <a:noFill/>
+        </p:spPr>
+        <p:txBody>
+          <a:bodyPr wrap="square" rtlCol="0">
+            <a:spAutoFit/>
+          </a:bodyPr>
+          <a:lstStyle/>
+          <a:p>
+            <a:r>
+              <a:rPr lang="fr-FR" dirty="0"/>
+              <a:t>Programme Python sur </a:t>
+            </a:r>
+            <a:r>
+              <a:rPr lang="fr-FR" dirty="0" err="1"/>
+              <a:t>raspberry</a:t>
+            </a:r>
+            <a:endParaRPr lang="fr-FR" dirty="0"/>
+          </a:p>
+        </p:txBody>
+      </p:sp>
+      <p:sp>
+        <p:nvSpPr>
+          <p:cNvPr id="13" name="ZoneTexte 12">
+            <a:extLst>
+              <a:ext uri="{FF2B5EF4-FFF2-40B4-BE49-F238E27FC236}">
+                <a16:creationId xmlns:a16="http://schemas.microsoft.com/office/drawing/2014/main" id="{B2DCCCAC-4141-4C2F-A476-6F33E0340986}"/>
+              </a:ext>
+            </a:extLst>
+          </p:cNvPr>
+          <p:cNvSpPr txBox="1"/>
+          <p:nvPr/>
+        </p:nvSpPr>
+        <p:spPr>
+          <a:xfrm>
+            <a:off x="6300132" y="3400998"/>
+            <a:ext cx="3808602" cy="369332"/>
+          </a:xfrm>
+          <a:prstGeom prst="rect">
+            <a:avLst/>
+          </a:prstGeom>
+          <a:noFill/>
+        </p:spPr>
+        <p:txBody>
+          <a:bodyPr wrap="square" rtlCol="0">
+            <a:spAutoFit/>
+          </a:bodyPr>
+          <a:lstStyle/>
+          <a:p>
+            <a:r>
+              <a:rPr lang="fr-FR" dirty="0"/>
+              <a:t>Anémomètre connecté sur l’Arduino</a:t>
+            </a:r>
+          </a:p>
+        </p:txBody>
+      </p:sp>
+      <p:pic>
+        <p:nvPicPr>
+          <p:cNvPr id="33" name="Image 32">
+            <a:extLst>
+              <a:ext uri="{FF2B5EF4-FFF2-40B4-BE49-F238E27FC236}">
+                <a16:creationId xmlns:a16="http://schemas.microsoft.com/office/drawing/2014/main" id="{15AB5B42-5737-46D0-8440-4BC347E6F7E8}"/>
+              </a:ext>
+            </a:extLst>
+          </p:cNvPr>
+          <p:cNvPicPr>
+            <a:picLocks noChangeAspect="1"/>
+          </p:cNvPicPr>
+          <p:nvPr/>
+        </p:nvPicPr>
+        <p:blipFill>
+          <a:blip r:embed="rId4">
+            <a:extLst>
+              <a:ext uri="{28A0092B-C50C-407E-A947-70E740481C1C}">
+                <a14:useLocalDpi xmlns:a14="http://schemas.microsoft.com/office/drawing/2010/main" val="0"/>
+              </a:ext>
+            </a:extLst>
+          </a:blip>
+          <a:stretch>
+            <a:fillRect/>
+          </a:stretch>
+        </p:blipFill>
+        <p:spPr>
+          <a:xfrm>
+            <a:off x="10556836" y="3112263"/>
+            <a:ext cx="780337" cy="780337"/>
+          </a:xfrm>
+          <a:prstGeom prst="rect">
+            <a:avLst/>
+          </a:prstGeom>
+        </p:spPr>
+      </p:pic>
+      <p:pic>
+        <p:nvPicPr>
+          <p:cNvPr id="34" name="Image 33">
+            <a:extLst>
+              <a:ext uri="{FF2B5EF4-FFF2-40B4-BE49-F238E27FC236}">
+                <a16:creationId xmlns:a16="http://schemas.microsoft.com/office/drawing/2014/main" id="{EF2C9A80-F269-4328-894D-9A81B0415B4D}"/>
+              </a:ext>
+            </a:extLst>
+          </p:cNvPr>
+          <p:cNvPicPr>
+            <a:picLocks noChangeAspect="1"/>
+          </p:cNvPicPr>
+          <p:nvPr/>
+        </p:nvPicPr>
+        <p:blipFill>
+          <a:blip r:embed="rId5">
+            <a:extLst>
+              <a:ext uri="{28A0092B-C50C-407E-A947-70E740481C1C}">
+                <a14:useLocalDpi xmlns:a14="http://schemas.microsoft.com/office/drawing/2010/main" val="0"/>
+              </a:ext>
+            </a:extLst>
+          </a:blip>
+          <a:stretch>
+            <a:fillRect/>
+          </a:stretch>
+        </p:blipFill>
+        <p:spPr>
+          <a:xfrm>
+            <a:off x="10556836" y="1807223"/>
+            <a:ext cx="746916" cy="746916"/>
+          </a:xfrm>
+          <a:prstGeom prst="rect">
+            <a:avLst/>
+          </a:prstGeom>
+        </p:spPr>
+      </p:pic>
+      <p:pic>
+        <p:nvPicPr>
+          <p:cNvPr id="36" name="Image 35">
+            <a:extLst>
+              <a:ext uri="{FF2B5EF4-FFF2-40B4-BE49-F238E27FC236}">
+                <a16:creationId xmlns:a16="http://schemas.microsoft.com/office/drawing/2014/main" id="{874DB267-C4F5-4E9C-8407-82477BBED785}"/>
+              </a:ext>
+            </a:extLst>
+          </p:cNvPr>
+          <p:cNvPicPr>
+            <a:picLocks noChangeAspect="1"/>
+          </p:cNvPicPr>
+          <p:nvPr/>
+        </p:nvPicPr>
+        <p:blipFill>
+          <a:blip r:embed="rId6">
+            <a:extLst>
+              <a:ext uri="{28A0092B-C50C-407E-A947-70E740481C1C}">
+                <a14:useLocalDpi xmlns:a14="http://schemas.microsoft.com/office/drawing/2010/main" val="0"/>
+              </a:ext>
+            </a:extLst>
+          </a:blip>
+          <a:stretch>
+            <a:fillRect/>
+          </a:stretch>
+        </p:blipFill>
+        <p:spPr>
+          <a:xfrm>
+            <a:off x="4295354" y="1903843"/>
+            <a:ext cx="650296" cy="650296"/>
+          </a:xfrm>
+          <a:prstGeom prst="rect">
+            <a:avLst/>
+          </a:prstGeom>
+        </p:spPr>
+      </p:pic>
+      <p:pic>
+        <p:nvPicPr>
+          <p:cNvPr id="37" name="Image 36">
+            <a:extLst>
+              <a:ext uri="{FF2B5EF4-FFF2-40B4-BE49-F238E27FC236}">
+                <a16:creationId xmlns:a16="http://schemas.microsoft.com/office/drawing/2014/main" id="{1B49C3A6-8228-4388-9AB2-56DA289F93EC}"/>
+              </a:ext>
+            </a:extLst>
+          </p:cNvPr>
+          <p:cNvPicPr>
+            <a:picLocks noChangeAspect="1"/>
+          </p:cNvPicPr>
+          <p:nvPr/>
+        </p:nvPicPr>
+        <p:blipFill>
+          <a:blip r:embed="rId7">
+            <a:extLst>
+              <a:ext uri="{28A0092B-C50C-407E-A947-70E740481C1C}">
+                <a14:useLocalDpi xmlns:a14="http://schemas.microsoft.com/office/drawing/2010/main" val="0"/>
+              </a:ext>
+            </a:extLst>
+          </a:blip>
+          <a:stretch>
+            <a:fillRect/>
+          </a:stretch>
+        </p:blipFill>
+        <p:spPr>
+          <a:xfrm>
+            <a:off x="4104433" y="2640839"/>
+            <a:ext cx="924460" cy="1003812"/>
+          </a:xfrm>
+          <a:prstGeom prst="rect">
+            <a:avLst/>
+          </a:prstGeom>
+        </p:spPr>
+      </p:pic>
+      <p:pic>
+        <p:nvPicPr>
+          <p:cNvPr id="17" name="Image 16">
+            <a:extLst>
+              <a:ext uri="{FF2B5EF4-FFF2-40B4-BE49-F238E27FC236}">
+                <a16:creationId xmlns:a16="http://schemas.microsoft.com/office/drawing/2014/main" id="{BC5C124C-2E8A-4E56-A532-855B70A71335}"/>
+              </a:ext>
+            </a:extLst>
+          </p:cNvPr>
+          <p:cNvPicPr>
+            <a:picLocks noChangeAspect="1"/>
+          </p:cNvPicPr>
+          <p:nvPr/>
+        </p:nvPicPr>
+        <p:blipFill>
+          <a:blip r:embed="rId8">
+            <a:extLst>
+              <a:ext uri="{28A0092B-C50C-407E-A947-70E740481C1C}">
+                <a14:useLocalDpi xmlns:a14="http://schemas.microsoft.com/office/drawing/2010/main" val="0"/>
+              </a:ext>
+            </a:extLst>
+          </a:blip>
+          <a:stretch>
+            <a:fillRect/>
+          </a:stretch>
+        </p:blipFill>
+        <p:spPr>
+          <a:xfrm>
+            <a:off x="4213047" y="3720336"/>
+            <a:ext cx="650235" cy="650235"/>
+          </a:xfrm>
+          <a:prstGeom prst="rect">
+            <a:avLst/>
+          </a:prstGeom>
+        </p:spPr>
+      </p:pic>
+      <p:pic>
+        <p:nvPicPr>
+          <p:cNvPr id="40" name="Image 39">
+            <a:extLst>
+              <a:ext uri="{FF2B5EF4-FFF2-40B4-BE49-F238E27FC236}">
+                <a16:creationId xmlns:a16="http://schemas.microsoft.com/office/drawing/2014/main" id="{A0073266-6A39-42C3-86C0-3624335CBCED}"/>
+              </a:ext>
+            </a:extLst>
+          </p:cNvPr>
+          <p:cNvPicPr>
+            <a:picLocks noChangeAspect="1"/>
+          </p:cNvPicPr>
+          <p:nvPr/>
+        </p:nvPicPr>
+        <p:blipFill>
+          <a:blip r:embed="rId9">
+            <a:extLst>
+              <a:ext uri="{28A0092B-C50C-407E-A947-70E740481C1C}">
+                <a14:useLocalDpi xmlns:a14="http://schemas.microsoft.com/office/drawing/2010/main" val="0"/>
+              </a:ext>
+            </a:extLst>
+          </a:blip>
+          <a:stretch>
+            <a:fillRect/>
+          </a:stretch>
+        </p:blipFill>
+        <p:spPr>
+          <a:xfrm>
+            <a:off x="4313247" y="4675385"/>
+            <a:ext cx="715646" cy="715646"/>
+          </a:xfrm>
+          <a:prstGeom prst="rect">
+            <a:avLst/>
+          </a:prstGeom>
+        </p:spPr>
+      </p:pic>
     </p:spTree>
     <p:extLst>
       <p:ext uri="{BB962C8B-B14F-4D97-AF65-F5344CB8AC3E}">
-        <p14:creationId xmlns:p14="http://schemas.microsoft.com/office/powerpoint/2010/main" val="2016876074"/>
+        <p14:creationId xmlns:p14="http://schemas.microsoft.com/office/powerpoint/2010/main" val="113769124"/>
       </p:ext>
     </p:extLst>
   </p:cSld>
@@ -22672,6 +23976,434 @@
       </p:transition>
     </mc:Fallback>
   </mc:AlternateContent>
+  <p:timing>
+    <p:tnLst>
+      <p:par>
+        <p:cTn id="1" dur="indefinite" restart="never" nodeType="tmRoot">
+          <p:childTnLst>
+            <p:seq concurrent="1" nextAc="seek">
+              <p:cTn id="2" dur="indefinite" nodeType="mainSeq">
+                <p:childTnLst>
+                  <p:par>
+                    <p:cTn id="3" fill="hold">
+                      <p:stCondLst>
+                        <p:cond delay="indefinite"/>
+                        <p:cond evt="onBegin" delay="0">
+                          <p:tn val="2"/>
+                        </p:cond>
+                      </p:stCondLst>
+                      <p:childTnLst>
+                        <p:par>
+                          <p:cTn id="4" fill="hold">
+                            <p:stCondLst>
+                              <p:cond delay="0"/>
+                            </p:stCondLst>
+                            <p:childTnLst>
+                              <p:par>
+                                <p:cTn id="5" presetID="42" presetClass="entr" presetSubtype="0" fill="hold" nodeType="withEffect">
+                                  <p:stCondLst>
+                                    <p:cond delay="0"/>
+                                  </p:stCondLst>
+                                  <p:childTnLst>
+                                    <p:set>
+                                      <p:cBhvr>
+                                        <p:cTn id="6" dur="1" fill="hold">
+                                          <p:stCondLst>
+                                            <p:cond delay="0"/>
+                                          </p:stCondLst>
+                                        </p:cTn>
+                                        <p:tgtEl>
+                                          <p:spTgt spid="33"/>
+                                        </p:tgtEl>
+                                        <p:attrNameLst>
+                                          <p:attrName>style.visibility</p:attrName>
+                                        </p:attrNameLst>
+                                      </p:cBhvr>
+                                      <p:to>
+                                        <p:strVal val="visible"/>
+                                      </p:to>
+                                    </p:set>
+                                    <p:animEffect transition="in" filter="fade">
+                                      <p:cBhvr>
+                                        <p:cTn id="7" dur="1000"/>
+                                        <p:tgtEl>
+                                          <p:spTgt spid="33"/>
+                                        </p:tgtEl>
+                                      </p:cBhvr>
+                                    </p:animEffect>
+                                    <p:anim calcmode="lin" valueType="num">
+                                      <p:cBhvr>
+                                        <p:cTn id="8" dur="1000" fill="hold"/>
+                                        <p:tgtEl>
+                                          <p:spTgt spid="33"/>
+                                        </p:tgtEl>
+                                        <p:attrNameLst>
+                                          <p:attrName>ppt_x</p:attrName>
+                                        </p:attrNameLst>
+                                      </p:cBhvr>
+                                      <p:tavLst>
+                                        <p:tav tm="0">
+                                          <p:val>
+                                            <p:strVal val="#ppt_x"/>
+                                          </p:val>
+                                        </p:tav>
+                                        <p:tav tm="100000">
+                                          <p:val>
+                                            <p:strVal val="#ppt_x"/>
+                                          </p:val>
+                                        </p:tav>
+                                      </p:tavLst>
+                                    </p:anim>
+                                    <p:anim calcmode="lin" valueType="num">
+                                      <p:cBhvr>
+                                        <p:cTn id="9" dur="1000" fill="hold"/>
+                                        <p:tgtEl>
+                                          <p:spTgt spid="33"/>
+                                        </p:tgtEl>
+                                        <p:attrNameLst>
+                                          <p:attrName>ppt_y</p:attrName>
+                                        </p:attrNameLst>
+                                      </p:cBhvr>
+                                      <p:tavLst>
+                                        <p:tav tm="0">
+                                          <p:val>
+                                            <p:strVal val="#ppt_y+.1"/>
+                                          </p:val>
+                                        </p:tav>
+                                        <p:tav tm="100000">
+                                          <p:val>
+                                            <p:strVal val="#ppt_y"/>
+                                          </p:val>
+                                        </p:tav>
+                                      </p:tavLst>
+                                    </p:anim>
+                                  </p:childTnLst>
+                                </p:cTn>
+                              </p:par>
+                              <p:par>
+                                <p:cTn id="10" presetID="42" presetClass="entr" presetSubtype="0" fill="hold" nodeType="withEffect">
+                                  <p:stCondLst>
+                                    <p:cond delay="0"/>
+                                  </p:stCondLst>
+                                  <p:childTnLst>
+                                    <p:set>
+                                      <p:cBhvr>
+                                        <p:cTn id="11" dur="1" fill="hold">
+                                          <p:stCondLst>
+                                            <p:cond delay="0"/>
+                                          </p:stCondLst>
+                                        </p:cTn>
+                                        <p:tgtEl>
+                                          <p:spTgt spid="34"/>
+                                        </p:tgtEl>
+                                        <p:attrNameLst>
+                                          <p:attrName>style.visibility</p:attrName>
+                                        </p:attrNameLst>
+                                      </p:cBhvr>
+                                      <p:to>
+                                        <p:strVal val="visible"/>
+                                      </p:to>
+                                    </p:set>
+                                    <p:animEffect transition="in" filter="fade">
+                                      <p:cBhvr>
+                                        <p:cTn id="12" dur="1000"/>
+                                        <p:tgtEl>
+                                          <p:spTgt spid="34"/>
+                                        </p:tgtEl>
+                                      </p:cBhvr>
+                                    </p:animEffect>
+                                    <p:anim calcmode="lin" valueType="num">
+                                      <p:cBhvr>
+                                        <p:cTn id="13" dur="1000" fill="hold"/>
+                                        <p:tgtEl>
+                                          <p:spTgt spid="34"/>
+                                        </p:tgtEl>
+                                        <p:attrNameLst>
+                                          <p:attrName>ppt_x</p:attrName>
+                                        </p:attrNameLst>
+                                      </p:cBhvr>
+                                      <p:tavLst>
+                                        <p:tav tm="0">
+                                          <p:val>
+                                            <p:strVal val="#ppt_x"/>
+                                          </p:val>
+                                        </p:tav>
+                                        <p:tav tm="100000">
+                                          <p:val>
+                                            <p:strVal val="#ppt_x"/>
+                                          </p:val>
+                                        </p:tav>
+                                      </p:tavLst>
+                                    </p:anim>
+                                    <p:anim calcmode="lin" valueType="num">
+                                      <p:cBhvr>
+                                        <p:cTn id="14" dur="1000" fill="hold"/>
+                                        <p:tgtEl>
+                                          <p:spTgt spid="34"/>
+                                        </p:tgtEl>
+                                        <p:attrNameLst>
+                                          <p:attrName>ppt_y</p:attrName>
+                                        </p:attrNameLst>
+                                      </p:cBhvr>
+                                      <p:tavLst>
+                                        <p:tav tm="0">
+                                          <p:val>
+                                            <p:strVal val="#ppt_y+.1"/>
+                                          </p:val>
+                                        </p:tav>
+                                        <p:tav tm="100000">
+                                          <p:val>
+                                            <p:strVal val="#ppt_y"/>
+                                          </p:val>
+                                        </p:tav>
+                                      </p:tavLst>
+                                    </p:anim>
+                                  </p:childTnLst>
+                                </p:cTn>
+                              </p:par>
+                              <p:par>
+                                <p:cTn id="15" presetID="42" presetClass="entr" presetSubtype="0" fill="hold" nodeType="withEffect">
+                                  <p:stCondLst>
+                                    <p:cond delay="0"/>
+                                  </p:stCondLst>
+                                  <p:childTnLst>
+                                    <p:set>
+                                      <p:cBhvr>
+                                        <p:cTn id="16" dur="1" fill="hold">
+                                          <p:stCondLst>
+                                            <p:cond delay="0"/>
+                                          </p:stCondLst>
+                                        </p:cTn>
+                                        <p:tgtEl>
+                                          <p:spTgt spid="36"/>
+                                        </p:tgtEl>
+                                        <p:attrNameLst>
+                                          <p:attrName>style.visibility</p:attrName>
+                                        </p:attrNameLst>
+                                      </p:cBhvr>
+                                      <p:to>
+                                        <p:strVal val="visible"/>
+                                      </p:to>
+                                    </p:set>
+                                    <p:animEffect transition="in" filter="fade">
+                                      <p:cBhvr>
+                                        <p:cTn id="17" dur="1000"/>
+                                        <p:tgtEl>
+                                          <p:spTgt spid="36"/>
+                                        </p:tgtEl>
+                                      </p:cBhvr>
+                                    </p:animEffect>
+                                    <p:anim calcmode="lin" valueType="num">
+                                      <p:cBhvr>
+                                        <p:cTn id="18" dur="1000" fill="hold"/>
+                                        <p:tgtEl>
+                                          <p:spTgt spid="36"/>
+                                        </p:tgtEl>
+                                        <p:attrNameLst>
+                                          <p:attrName>ppt_x</p:attrName>
+                                        </p:attrNameLst>
+                                      </p:cBhvr>
+                                      <p:tavLst>
+                                        <p:tav tm="0">
+                                          <p:val>
+                                            <p:strVal val="#ppt_x"/>
+                                          </p:val>
+                                        </p:tav>
+                                        <p:tav tm="100000">
+                                          <p:val>
+                                            <p:strVal val="#ppt_x"/>
+                                          </p:val>
+                                        </p:tav>
+                                      </p:tavLst>
+                                    </p:anim>
+                                    <p:anim calcmode="lin" valueType="num">
+                                      <p:cBhvr>
+                                        <p:cTn id="19" dur="1000" fill="hold"/>
+                                        <p:tgtEl>
+                                          <p:spTgt spid="36"/>
+                                        </p:tgtEl>
+                                        <p:attrNameLst>
+                                          <p:attrName>ppt_y</p:attrName>
+                                        </p:attrNameLst>
+                                      </p:cBhvr>
+                                      <p:tavLst>
+                                        <p:tav tm="0">
+                                          <p:val>
+                                            <p:strVal val="#ppt_y+.1"/>
+                                          </p:val>
+                                        </p:tav>
+                                        <p:tav tm="100000">
+                                          <p:val>
+                                            <p:strVal val="#ppt_y"/>
+                                          </p:val>
+                                        </p:tav>
+                                      </p:tavLst>
+                                    </p:anim>
+                                  </p:childTnLst>
+                                </p:cTn>
+                              </p:par>
+                              <p:par>
+                                <p:cTn id="20" presetID="42" presetClass="entr" presetSubtype="0" fill="hold" nodeType="withEffect">
+                                  <p:stCondLst>
+                                    <p:cond delay="0"/>
+                                  </p:stCondLst>
+                                  <p:childTnLst>
+                                    <p:set>
+                                      <p:cBhvr>
+                                        <p:cTn id="21" dur="1" fill="hold">
+                                          <p:stCondLst>
+                                            <p:cond delay="0"/>
+                                          </p:stCondLst>
+                                        </p:cTn>
+                                        <p:tgtEl>
+                                          <p:spTgt spid="37"/>
+                                        </p:tgtEl>
+                                        <p:attrNameLst>
+                                          <p:attrName>style.visibility</p:attrName>
+                                        </p:attrNameLst>
+                                      </p:cBhvr>
+                                      <p:to>
+                                        <p:strVal val="visible"/>
+                                      </p:to>
+                                    </p:set>
+                                    <p:animEffect transition="in" filter="fade">
+                                      <p:cBhvr>
+                                        <p:cTn id="22" dur="1000"/>
+                                        <p:tgtEl>
+                                          <p:spTgt spid="37"/>
+                                        </p:tgtEl>
+                                      </p:cBhvr>
+                                    </p:animEffect>
+                                    <p:anim calcmode="lin" valueType="num">
+                                      <p:cBhvr>
+                                        <p:cTn id="23" dur="1000" fill="hold"/>
+                                        <p:tgtEl>
+                                          <p:spTgt spid="37"/>
+                                        </p:tgtEl>
+                                        <p:attrNameLst>
+                                          <p:attrName>ppt_x</p:attrName>
+                                        </p:attrNameLst>
+                                      </p:cBhvr>
+                                      <p:tavLst>
+                                        <p:tav tm="0">
+                                          <p:val>
+                                            <p:strVal val="#ppt_x"/>
+                                          </p:val>
+                                        </p:tav>
+                                        <p:tav tm="100000">
+                                          <p:val>
+                                            <p:strVal val="#ppt_x"/>
+                                          </p:val>
+                                        </p:tav>
+                                      </p:tavLst>
+                                    </p:anim>
+                                    <p:anim calcmode="lin" valueType="num">
+                                      <p:cBhvr>
+                                        <p:cTn id="24" dur="1000" fill="hold"/>
+                                        <p:tgtEl>
+                                          <p:spTgt spid="37"/>
+                                        </p:tgtEl>
+                                        <p:attrNameLst>
+                                          <p:attrName>ppt_y</p:attrName>
+                                        </p:attrNameLst>
+                                      </p:cBhvr>
+                                      <p:tavLst>
+                                        <p:tav tm="0">
+                                          <p:val>
+                                            <p:strVal val="#ppt_y+.1"/>
+                                          </p:val>
+                                        </p:tav>
+                                        <p:tav tm="100000">
+                                          <p:val>
+                                            <p:strVal val="#ppt_y"/>
+                                          </p:val>
+                                        </p:tav>
+                                      </p:tavLst>
+                                    </p:anim>
+                                  </p:childTnLst>
+                                </p:cTn>
+                              </p:par>
+                            </p:childTnLst>
+                          </p:cTn>
+                        </p:par>
+                      </p:childTnLst>
+                    </p:cTn>
+                  </p:par>
+                  <p:par>
+                    <p:cTn id="25" fill="hold">
+                      <p:stCondLst>
+                        <p:cond delay="indefinite"/>
+                      </p:stCondLst>
+                      <p:childTnLst>
+                        <p:par>
+                          <p:cTn id="26" fill="hold">
+                            <p:stCondLst>
+                              <p:cond delay="0"/>
+                            </p:stCondLst>
+                            <p:childTnLst>
+                              <p:par>
+                                <p:cTn id="27" presetID="10" presetClass="entr" presetSubtype="0" fill="hold" nodeType="clickEffect">
+                                  <p:stCondLst>
+                                    <p:cond delay="0"/>
+                                  </p:stCondLst>
+                                  <p:childTnLst>
+                                    <p:set>
+                                      <p:cBhvr>
+                                        <p:cTn id="28" dur="1" fill="hold">
+                                          <p:stCondLst>
+                                            <p:cond delay="0"/>
+                                          </p:stCondLst>
+                                        </p:cTn>
+                                        <p:tgtEl>
+                                          <p:spTgt spid="40"/>
+                                        </p:tgtEl>
+                                        <p:attrNameLst>
+                                          <p:attrName>style.visibility</p:attrName>
+                                        </p:attrNameLst>
+                                      </p:cBhvr>
+                                      <p:to>
+                                        <p:strVal val="visible"/>
+                                      </p:to>
+                                    </p:set>
+                                    <p:animEffect transition="in" filter="fade">
+                                      <p:cBhvr>
+                                        <p:cTn id="29" dur="500"/>
+                                        <p:tgtEl>
+                                          <p:spTgt spid="40"/>
+                                        </p:tgtEl>
+                                      </p:cBhvr>
+                                    </p:animEffect>
+                                  </p:childTnLst>
+                                </p:cTn>
+                              </p:par>
+                            </p:childTnLst>
+                          </p:cTn>
+                        </p:par>
+                      </p:childTnLst>
+                    </p:cTn>
+                  </p:par>
+                </p:childTnLst>
+              </p:cTn>
+              <p:prevCondLst>
+                <p:cond evt="onPrev" delay="0">
+                  <p:tgtEl>
+                    <p:sldTgt/>
+                  </p:tgtEl>
+                </p:cond>
+              </p:prevCondLst>
+              <p:nextCondLst>
+                <p:cond evt="onNext" delay="0">
+                  <p:tgtEl>
+                    <p:sldTgt/>
+                  </p:tgtEl>
+                </p:cond>
+              </p:nextCondLst>
+            </p:seq>
+          </p:childTnLst>
+        </p:cTn>
+      </p:par>
+    </p:tnLst>
+  </p:timing>
 </p:sld>
 </file>
 

--- a/oral_projet/revue_2/diaporama_revue_2_steven.pptx
+++ b/oral_projet/revue_2/diaporama_revue_2_steven.pptx
@@ -7888,94 +7888,7 @@
         <p:spPr bwMode="auto">
           <a:xfrm>
             <a:off x="2093427" y="2937720"/>
-            <a:ext cx="1190625" cy="396875"/>
-          </a:xfrm>
-          <a:prstGeom prst="rect">
-            <a:avLst/>
-          </a:prstGeom>
-          <a:solidFill>
-            <a:srgbClr val="FFFFFF"/>
-          </a:solidFill>
-          <a:ln w="28575">
-            <a:solidFill>
-              <a:srgbClr val="000000"/>
-            </a:solidFill>
-            <a:miter lim="800000"/>
-            <a:headEnd/>
-            <a:tailEnd/>
-          </a:ln>
-        </p:spPr>
-        <p:txBody>
-          <a:bodyPr vert="horz" wrap="square" lIns="91440" tIns="45720" rIns="91440" bIns="45720" numCol="1" anchor="t" anchorCtr="0" compatLnSpc="1">
-            <a:prstTxWarp prst="textNoShape">
-              <a:avLst/>
-            </a:prstTxWarp>
-            <a:spAutoFit/>
-          </a:bodyPr>
-          <a:lstStyle/>
-          <a:p>
-            <a:pPr marL="0" marR="0" lvl="0" indent="0" algn="l" defTabSz="914400" rtl="0" eaLnBrk="0" fontAlgn="base" latinLnBrk="0" hangingPunct="0">
-              <a:lnSpc>
-                <a:spcPct val="100000"/>
-              </a:lnSpc>
-              <a:spcBef>
-                <a:spcPct val="0"/>
-              </a:spcBef>
-              <a:spcAft>
-                <a:spcPct val="0"/>
-              </a:spcAft>
-              <a:buClrTx/>
-              <a:buSzTx/>
-              <a:buFontTx/>
-              <a:buNone/>
-              <a:tabLst/>
-            </a:pPr>
-            <a:r>
-              <a:rPr kumimoji="0" lang="fr-FR" altLang="fr-FR" sz="1100" b="0" i="0" u="none" strike="noStrike" cap="none" normalizeH="0" baseline="0">
-                <a:ln>
-                  <a:noFill/>
-                </a:ln>
-                <a:solidFill>
-                  <a:schemeClr val="tx1"/>
-                </a:solidFill>
-                <a:effectLst/>
-                <a:latin typeface="Calibri" panose="020F0502020204030204" pitchFamily="34" charset="0"/>
-                <a:ea typeface="Calibri" panose="020F0502020204030204" pitchFamily="34" charset="0"/>
-                <a:cs typeface="Times New Roman" panose="02020603050405020304" pitchFamily="18" charset="0"/>
-              </a:rPr>
-              <a:t>Vitesse du vent</a:t>
-            </a:r>
-            <a:endParaRPr kumimoji="0" lang="fr-FR" altLang="fr-FR" sz="1800" b="0" i="0" u="none" strike="noStrike" cap="none" normalizeH="0" baseline="0">
-              <a:ln>
-                <a:noFill/>
-              </a:ln>
-              <a:solidFill>
-                <a:schemeClr val="tx1"/>
-              </a:solidFill>
-              <a:effectLst/>
-              <a:latin typeface="Arial" panose="020B0604020202020204" pitchFamily="34" charset="0"/>
-            </a:endParaRPr>
-          </a:p>
-        </p:txBody>
-      </p:sp>
-      <p:sp>
-        <p:nvSpPr>
-          <p:cNvPr id="17" name="Text Box 2">
-            <a:extLst>
-              <a:ext uri="{FF2B5EF4-FFF2-40B4-BE49-F238E27FC236}">
-                <a16:creationId xmlns:a16="http://schemas.microsoft.com/office/drawing/2014/main" id="{01BAB782-0C6F-4F65-9694-FCC75D6C201F}"/>
-              </a:ext>
-            </a:extLst>
-          </p:cNvPr>
-          <p:cNvSpPr txBox="1">
-            <a:spLocks noChangeArrowheads="1"/>
-          </p:cNvSpPr>
-          <p:nvPr/>
-        </p:nvSpPr>
-        <p:spPr bwMode="auto">
-          <a:xfrm>
-            <a:off x="2002665" y="3984671"/>
-            <a:ext cx="1269958" cy="261610"/>
+            <a:ext cx="1190625" cy="261610"/>
           </a:xfrm>
           <a:prstGeom prst="rect">
             <a:avLst/>
@@ -8031,6 +7944,93 @@
                 <a:cs typeface="Times New Roman" panose="02020603050405020304" pitchFamily="18" charset="0"/>
               </a:rPr>
               <a:t>Direction du vent</a:t>
+            </a:r>
+            <a:endParaRPr kumimoji="0" lang="fr-FR" altLang="fr-FR" sz="1800" b="0" i="0" u="none" strike="noStrike" cap="none" normalizeH="0" baseline="0" dirty="0">
+              <a:ln>
+                <a:noFill/>
+              </a:ln>
+              <a:solidFill>
+                <a:schemeClr val="tx1"/>
+              </a:solidFill>
+              <a:effectLst/>
+              <a:latin typeface="Arial" panose="020B0604020202020204" pitchFamily="34" charset="0"/>
+            </a:endParaRPr>
+          </a:p>
+        </p:txBody>
+      </p:sp>
+      <p:sp>
+        <p:nvSpPr>
+          <p:cNvPr id="17" name="Text Box 2">
+            <a:extLst>
+              <a:ext uri="{FF2B5EF4-FFF2-40B4-BE49-F238E27FC236}">
+                <a16:creationId xmlns:a16="http://schemas.microsoft.com/office/drawing/2014/main" id="{01BAB782-0C6F-4F65-9694-FCC75D6C201F}"/>
+              </a:ext>
+            </a:extLst>
+          </p:cNvPr>
+          <p:cNvSpPr txBox="1">
+            <a:spLocks noChangeArrowheads="1"/>
+          </p:cNvSpPr>
+          <p:nvPr/>
+        </p:nvSpPr>
+        <p:spPr bwMode="auto">
+          <a:xfrm>
+            <a:off x="2002665" y="3984671"/>
+            <a:ext cx="1269958" cy="261610"/>
+          </a:xfrm>
+          <a:prstGeom prst="rect">
+            <a:avLst/>
+          </a:prstGeom>
+          <a:solidFill>
+            <a:srgbClr val="FFFFFF"/>
+          </a:solidFill>
+          <a:ln w="28575">
+            <a:solidFill>
+              <a:srgbClr val="000000"/>
+            </a:solidFill>
+            <a:miter lim="800000"/>
+            <a:headEnd/>
+            <a:tailEnd/>
+          </a:ln>
+        </p:spPr>
+        <p:txBody>
+          <a:bodyPr vert="horz" wrap="square" lIns="91440" tIns="45720" rIns="91440" bIns="45720" numCol="1" anchor="t" anchorCtr="0" compatLnSpc="1">
+            <a:prstTxWarp prst="textNoShape">
+              <a:avLst/>
+            </a:prstTxWarp>
+            <a:spAutoFit/>
+          </a:bodyPr>
+          <a:lstStyle/>
+          <a:p>
+            <a:pPr marL="0" marR="0" lvl="0" indent="0" algn="l" defTabSz="914400" rtl="0" eaLnBrk="0" fontAlgn="base" latinLnBrk="0" hangingPunct="0">
+              <a:lnSpc>
+                <a:spcPct val="100000"/>
+              </a:lnSpc>
+              <a:spcBef>
+                <a:spcPct val="0"/>
+              </a:spcBef>
+              <a:spcAft>
+                <a:spcPct val="0"/>
+              </a:spcAft>
+              <a:buClrTx/>
+              <a:buSzTx/>
+              <a:buFontTx/>
+              <a:buNone/>
+              <a:tabLst/>
+            </a:pPr>
+            <a:r>
+              <a:rPr kumimoji="0" lang="fr-FR" altLang="fr-FR" sz="1100" b="0" i="0" u="none" strike="noStrike" cap="none" normalizeH="0" baseline="0" dirty="0">
+                <a:ln>
+                  <a:noFill/>
+                </a:ln>
+                <a:solidFill>
+                  <a:schemeClr val="tx1"/>
+                </a:solidFill>
+                <a:effectLst/>
+                <a:latin typeface="Calibri" panose="020F0502020204030204" pitchFamily="34" charset="0"/>
+                <a:ea typeface="Calibri" panose="020F0502020204030204" pitchFamily="34" charset="0"/>
+                <a:cs typeface="Times New Roman" panose="02020603050405020304" pitchFamily="18" charset="0"/>
+              </a:rPr>
+              <a:t>Vitesse du vent</a:t>
             </a:r>
             <a:endParaRPr kumimoji="0" lang="fr-FR" altLang="fr-FR" sz="1800" b="0" i="0" u="none" strike="noStrike" cap="none" normalizeH="0" baseline="0" dirty="0">
               <a:ln>
@@ -23988,9 +23988,6 @@
                     <p:cTn id="3" fill="hold">
                       <p:stCondLst>
                         <p:cond delay="indefinite"/>
-                        <p:cond evt="onBegin" delay="0">
-                          <p:tn val="2"/>
-                        </p:cond>
                       </p:stCondLst>
                       <p:childTnLst>
                         <p:par>
@@ -24000,7 +23997,7 @@
                             </p:stCondLst>
                             <p:childTnLst>
                               <p:par>
-                                <p:cTn id="5" presetID="42" presetClass="entr" presetSubtype="0" fill="hold" nodeType="withEffect">
+                                <p:cTn id="5" presetID="42" presetClass="entr" presetSubtype="0" fill="hold" nodeType="clickEffect">
                                   <p:stCondLst>
                                     <p:cond delay="0"/>
                                   </p:stCondLst>
@@ -24323,33 +24320,15 @@
                                   </p:childTnLst>
                                 </p:cTn>
                               </p:par>
-                            </p:childTnLst>
-                          </p:cTn>
-                        </p:par>
-                      </p:childTnLst>
-                    </p:cTn>
-                  </p:par>
-                  <p:par>
-                    <p:cTn id="25" fill="hold">
-                      <p:stCondLst>
-                        <p:cond delay="indefinite"/>
-                      </p:stCondLst>
-                      <p:childTnLst>
-                        <p:par>
-                          <p:cTn id="26" fill="hold">
-                            <p:stCondLst>
-                              <p:cond delay="0"/>
-                            </p:stCondLst>
-                            <p:childTnLst>
                               <p:par>
-                                <p:cTn id="27" presetID="10" presetClass="entr" presetSubtype="0" fill="hold" nodeType="clickEffect">
+                                <p:cTn id="25" presetID="42" presetClass="entr" presetSubtype="0" fill="hold" nodeType="withEffect">
                                   <p:stCondLst>
                                     <p:cond delay="0"/>
                                   </p:stCondLst>
                                   <p:childTnLst>
                                     <p:set>
                                       <p:cBhvr>
-                                        <p:cTn id="28" dur="1" fill="hold">
+                                        <p:cTn id="26" dur="1" fill="hold">
                                           <p:stCondLst>
                                             <p:cond delay="0"/>
                                           </p:stCondLst>
@@ -24367,12 +24346,139 @@
                                     </p:set>
                                     <p:animEffect transition="in" filter="fade">
                                       <p:cBhvr>
-                                        <p:cTn id="29" dur="500"/>
+                                        <p:cTn id="27" dur="1000"/>
                                         <p:tgtEl>
                                           <p:spTgt spid="40"/>
                                         </p:tgtEl>
                                       </p:cBhvr>
                                     </p:animEffect>
+                                    <p:anim calcmode="lin" valueType="num">
+                                      <p:cBhvr>
+                                        <p:cTn id="28" dur="1000" fill="hold"/>
+                                        <p:tgtEl>
+                                          <p:spTgt spid="40"/>
+                                        </p:tgtEl>
+                                        <p:attrNameLst>
+                                          <p:attrName>ppt_x</p:attrName>
+                                        </p:attrNameLst>
+                                      </p:cBhvr>
+                                      <p:tavLst>
+                                        <p:tav tm="0">
+                                          <p:val>
+                                            <p:strVal val="#ppt_x"/>
+                                          </p:val>
+                                        </p:tav>
+                                        <p:tav tm="100000">
+                                          <p:val>
+                                            <p:strVal val="#ppt_x"/>
+                                          </p:val>
+                                        </p:tav>
+                                      </p:tavLst>
+                                    </p:anim>
+                                    <p:anim calcmode="lin" valueType="num">
+                                      <p:cBhvr>
+                                        <p:cTn id="29" dur="1000" fill="hold"/>
+                                        <p:tgtEl>
+                                          <p:spTgt spid="40"/>
+                                        </p:tgtEl>
+                                        <p:attrNameLst>
+                                          <p:attrName>ppt_y</p:attrName>
+                                        </p:attrNameLst>
+                                      </p:cBhvr>
+                                      <p:tavLst>
+                                        <p:tav tm="0">
+                                          <p:val>
+                                            <p:strVal val="#ppt_y+.1"/>
+                                          </p:val>
+                                        </p:tav>
+                                        <p:tav tm="100000">
+                                          <p:val>
+                                            <p:strVal val="#ppt_y"/>
+                                          </p:val>
+                                        </p:tav>
+                                      </p:tavLst>
+                                    </p:anim>
+                                  </p:childTnLst>
+                                </p:cTn>
+                              </p:par>
+                              <p:par>
+                                <p:cTn id="30" presetID="42" presetClass="entr" presetSubtype="0" fill="hold" nodeType="withEffect">
+                                  <p:stCondLst>
+                                    <p:cond delay="0"/>
+                                  </p:stCondLst>
+                                  <p:childTnLst>
+                                    <p:set>
+                                      <p:cBhvr>
+                                        <p:cTn id="31" dur="1" fill="hold">
+                                          <p:stCondLst>
+                                            <p:cond delay="0"/>
+                                          </p:stCondLst>
+                                        </p:cTn>
+                                        <p:tgtEl>
+                                          <p:spTgt spid="17"/>
+                                        </p:tgtEl>
+                                        <p:attrNameLst>
+                                          <p:attrName>style.visibility</p:attrName>
+                                        </p:attrNameLst>
+                                      </p:cBhvr>
+                                      <p:to>
+                                        <p:strVal val="visible"/>
+                                      </p:to>
+                                    </p:set>
+                                    <p:animEffect transition="in" filter="fade">
+                                      <p:cBhvr>
+                                        <p:cTn id="32" dur="1000"/>
+                                        <p:tgtEl>
+                                          <p:spTgt spid="17"/>
+                                        </p:tgtEl>
+                                      </p:cBhvr>
+                                    </p:animEffect>
+                                    <p:anim calcmode="lin" valueType="num">
+                                      <p:cBhvr>
+                                        <p:cTn id="33" dur="1000" fill="hold"/>
+                                        <p:tgtEl>
+                                          <p:spTgt spid="17"/>
+                                        </p:tgtEl>
+                                        <p:attrNameLst>
+                                          <p:attrName>ppt_x</p:attrName>
+                                        </p:attrNameLst>
+                                      </p:cBhvr>
+                                      <p:tavLst>
+                                        <p:tav tm="0">
+                                          <p:val>
+                                            <p:strVal val="#ppt_x"/>
+                                          </p:val>
+                                        </p:tav>
+                                        <p:tav tm="100000">
+                                          <p:val>
+                                            <p:strVal val="#ppt_x"/>
+                                          </p:val>
+                                        </p:tav>
+                                      </p:tavLst>
+                                    </p:anim>
+                                    <p:anim calcmode="lin" valueType="num">
+                                      <p:cBhvr>
+                                        <p:cTn id="34" dur="1000" fill="hold"/>
+                                        <p:tgtEl>
+                                          <p:spTgt spid="17"/>
+                                        </p:tgtEl>
+                                        <p:attrNameLst>
+                                          <p:attrName>ppt_y</p:attrName>
+                                        </p:attrNameLst>
+                                      </p:cBhvr>
+                                      <p:tavLst>
+                                        <p:tav tm="0">
+                                          <p:val>
+                                            <p:strVal val="#ppt_y+.1"/>
+                                          </p:val>
+                                        </p:tav>
+                                        <p:tav tm="100000">
+                                          <p:val>
+                                            <p:strVal val="#ppt_y"/>
+                                          </p:val>
+                                        </p:tav>
+                                      </p:tavLst>
+                                    </p:anim>
                                   </p:childTnLst>
                                 </p:cTn>
                               </p:par>
